--- a/Phase 2/Slides.pptx
+++ b/Phase 2/Slides.pptx
@@ -1,42 +1,42 @@
 
 <file path=ppt/presentation.xml><?xml version="1.0" encoding="utf-8"?>
-<p:presentation xmlns:a="http://schemas.openxmlformats.org/drawingml/2006/main" xmlns:r="http://schemas.openxmlformats.org/officeDocument/2006/relationships" xmlns:mc="http://schemas.openxmlformats.org/markup-compatibility/2006" xmlns:mv="urn:schemas-microsoft-com:mac:vml" xmlns:p="http://schemas.openxmlformats.org/presentationml/2006/main" xmlns:c="http://schemas.openxmlformats.org/drawingml/2006/chart" xmlns:dgm="http://schemas.openxmlformats.org/drawingml/2006/diagram" xmlns:o="urn:schemas-microsoft-com:office:office" xmlns:v="urn:schemas-microsoft-com:vml" xmlns:pvml="urn:schemas-microsoft-com:office:powerpoint" xmlns:com="http://schemas.openxmlformats.org/drawingml/2006/compatibility" xmlns:p14="http://schemas.microsoft.com/office/powerpoint/2010/main" xmlns:p15="http://schemas.microsoft.com/office/powerpoint/2012/main" autoCompressPictures="0" embedTrueTypeFonts="1" strictFirstAndLastChars="0" saveSubsetFonts="1" showSpecialPlsOnTitleSld="0">
+<p:presentation xmlns:a="http://schemas.openxmlformats.org/drawingml/2006/main" xmlns:r="http://schemas.openxmlformats.org/officeDocument/2006/relationships" xmlns:p="http://schemas.openxmlformats.org/presentationml/2006/main" showSpecialPlsOnTitleSld="0" strictFirstAndLastChars="0" embedTrueTypeFonts="1" saveSubsetFonts="1" autoCompressPictures="0">
   <p:sldMasterIdLst>
-    <p:sldMasterId id="2147483658" r:id="rId3"/>
+    <p:sldMasterId id="2147483658" r:id="rId1"/>
   </p:sldMasterIdLst>
   <p:notesMasterIdLst>
-    <p:notesMasterId r:id="rId4"/>
+    <p:notesMasterId r:id="rId12"/>
   </p:notesMasterIdLst>
   <p:sldIdLst>
-    <p:sldId id="256" r:id="rId5"/>
-    <p:sldId id="257" r:id="rId6"/>
-    <p:sldId id="258" r:id="rId7"/>
-    <p:sldId id="259" r:id="rId8"/>
-    <p:sldId id="260" r:id="rId9"/>
-    <p:sldId id="261" r:id="rId10"/>
-    <p:sldId id="262" r:id="rId11"/>
-    <p:sldId id="263" r:id="rId12"/>
-    <p:sldId id="264" r:id="rId13"/>
-    <p:sldId id="265" r:id="rId14"/>
+    <p:sldId id="256" r:id="rId2"/>
+    <p:sldId id="257" r:id="rId3"/>
+    <p:sldId id="258" r:id="rId4"/>
+    <p:sldId id="259" r:id="rId5"/>
+    <p:sldId id="260" r:id="rId6"/>
+    <p:sldId id="261" r:id="rId7"/>
+    <p:sldId id="262" r:id="rId8"/>
+    <p:sldId id="263" r:id="rId9"/>
+    <p:sldId id="264" r:id="rId10"/>
+    <p:sldId id="265" r:id="rId11"/>
   </p:sldIdLst>
-  <p:sldSz cy="6858000" cx="9144000"/>
+  <p:sldSz cx="9144000" cy="6858000" type="screen4x3"/>
   <p:notesSz cx="6858000" cy="9144000"/>
   <p:embeddedFontLst>
     <p:embeddedFont>
-      <p:font typeface="Roboto Slab"/>
+      <p:font typeface="Roboto Slab" pitchFamily="2" charset="0"/>
+      <p:regular r:id="rId13"/>
+      <p:bold r:id="rId14"/>
+    </p:embeddedFont>
+    <p:embeddedFont>
+      <p:font typeface="Source Sans Pro" charset="0"/>
       <p:regular r:id="rId15"/>
       <p:bold r:id="rId16"/>
-    </p:embeddedFont>
-    <p:embeddedFont>
-      <p:font typeface="Source Sans Pro"/>
-      <p:regular r:id="rId17"/>
-      <p:bold r:id="rId18"/>
-      <p:italic r:id="rId19"/>
-      <p:boldItalic r:id="rId20"/>
+      <p:italic r:id="rId17"/>
+      <p:boldItalic r:id="rId18"/>
     </p:embeddedFont>
   </p:embeddedFontLst>
   <p:defaultTextStyle>
-    <a:defPPr lvl="0" marR="0" rtl="0" algn="l">
+    <a:defPPr marR="0" lvl="0" algn="l" rtl="0">
       <a:lnSpc>
         <a:spcPct val="100000"/>
       </a:lnSpc>
@@ -47,7 +47,7 @@
         <a:spcPts val="0"/>
       </a:spcAft>
     </a:defPPr>
-    <a:lvl1pPr lvl="0" marR="0" rtl="0" algn="l">
+    <a:lvl1pPr marR="0" lvl="0" algn="l" rtl="0">
       <a:lnSpc>
         <a:spcPct val="100000"/>
       </a:lnSpc>
@@ -61,7 +61,7 @@
         <a:srgbClr val="000000"/>
       </a:buClr>
       <a:buFont typeface="Arial"/>
-      <a:defRPr b="0" i="0" sz="1400" u="none" cap="none" strike="noStrike">
+      <a:defRPr sz="1400" b="0" i="0" u="none" strike="noStrike" cap="none">
         <a:solidFill>
           <a:srgbClr val="000000"/>
         </a:solidFill>
@@ -71,7 +71,7 @@
         <a:sym typeface="Arial"/>
       </a:defRPr>
     </a:lvl1pPr>
-    <a:lvl2pPr lvl="1" marR="0" rtl="0" algn="l">
+    <a:lvl2pPr marR="0" lvl="1" algn="l" rtl="0">
       <a:lnSpc>
         <a:spcPct val="100000"/>
       </a:lnSpc>
@@ -85,7 +85,7 @@
         <a:srgbClr val="000000"/>
       </a:buClr>
       <a:buFont typeface="Arial"/>
-      <a:defRPr b="0" i="0" sz="1400" u="none" cap="none" strike="noStrike">
+      <a:defRPr sz="1400" b="0" i="0" u="none" strike="noStrike" cap="none">
         <a:solidFill>
           <a:srgbClr val="000000"/>
         </a:solidFill>
@@ -95,7 +95,7 @@
         <a:sym typeface="Arial"/>
       </a:defRPr>
     </a:lvl2pPr>
-    <a:lvl3pPr lvl="2" marR="0" rtl="0" algn="l">
+    <a:lvl3pPr marR="0" lvl="2" algn="l" rtl="0">
       <a:lnSpc>
         <a:spcPct val="100000"/>
       </a:lnSpc>
@@ -109,7 +109,7 @@
         <a:srgbClr val="000000"/>
       </a:buClr>
       <a:buFont typeface="Arial"/>
-      <a:defRPr b="0" i="0" sz="1400" u="none" cap="none" strike="noStrike">
+      <a:defRPr sz="1400" b="0" i="0" u="none" strike="noStrike" cap="none">
         <a:solidFill>
           <a:srgbClr val="000000"/>
         </a:solidFill>
@@ -119,7 +119,7 @@
         <a:sym typeface="Arial"/>
       </a:defRPr>
     </a:lvl3pPr>
-    <a:lvl4pPr lvl="3" marR="0" rtl="0" algn="l">
+    <a:lvl4pPr marR="0" lvl="3" algn="l" rtl="0">
       <a:lnSpc>
         <a:spcPct val="100000"/>
       </a:lnSpc>
@@ -133,7 +133,7 @@
         <a:srgbClr val="000000"/>
       </a:buClr>
       <a:buFont typeface="Arial"/>
-      <a:defRPr b="0" i="0" sz="1400" u="none" cap="none" strike="noStrike">
+      <a:defRPr sz="1400" b="0" i="0" u="none" strike="noStrike" cap="none">
         <a:solidFill>
           <a:srgbClr val="000000"/>
         </a:solidFill>
@@ -143,7 +143,7 @@
         <a:sym typeface="Arial"/>
       </a:defRPr>
     </a:lvl4pPr>
-    <a:lvl5pPr lvl="4" marR="0" rtl="0" algn="l">
+    <a:lvl5pPr marR="0" lvl="4" algn="l" rtl="0">
       <a:lnSpc>
         <a:spcPct val="100000"/>
       </a:lnSpc>
@@ -157,7 +157,7 @@
         <a:srgbClr val="000000"/>
       </a:buClr>
       <a:buFont typeface="Arial"/>
-      <a:defRPr b="0" i="0" sz="1400" u="none" cap="none" strike="noStrike">
+      <a:defRPr sz="1400" b="0" i="0" u="none" strike="noStrike" cap="none">
         <a:solidFill>
           <a:srgbClr val="000000"/>
         </a:solidFill>
@@ -167,7 +167,7 @@
         <a:sym typeface="Arial"/>
       </a:defRPr>
     </a:lvl5pPr>
-    <a:lvl6pPr lvl="5" marR="0" rtl="0" algn="l">
+    <a:lvl6pPr marR="0" lvl="5" algn="l" rtl="0">
       <a:lnSpc>
         <a:spcPct val="100000"/>
       </a:lnSpc>
@@ -181,7 +181,7 @@
         <a:srgbClr val="000000"/>
       </a:buClr>
       <a:buFont typeface="Arial"/>
-      <a:defRPr b="0" i="0" sz="1400" u="none" cap="none" strike="noStrike">
+      <a:defRPr sz="1400" b="0" i="0" u="none" strike="noStrike" cap="none">
         <a:solidFill>
           <a:srgbClr val="000000"/>
         </a:solidFill>
@@ -191,7 +191,7 @@
         <a:sym typeface="Arial"/>
       </a:defRPr>
     </a:lvl6pPr>
-    <a:lvl7pPr lvl="6" marR="0" rtl="0" algn="l">
+    <a:lvl7pPr marR="0" lvl="6" algn="l" rtl="0">
       <a:lnSpc>
         <a:spcPct val="100000"/>
       </a:lnSpc>
@@ -205,7 +205,7 @@
         <a:srgbClr val="000000"/>
       </a:buClr>
       <a:buFont typeface="Arial"/>
-      <a:defRPr b="0" i="0" sz="1400" u="none" cap="none" strike="noStrike">
+      <a:defRPr sz="1400" b="0" i="0" u="none" strike="noStrike" cap="none">
         <a:solidFill>
           <a:srgbClr val="000000"/>
         </a:solidFill>
@@ -215,7 +215,7 @@
         <a:sym typeface="Arial"/>
       </a:defRPr>
     </a:lvl7pPr>
-    <a:lvl8pPr lvl="7" marR="0" rtl="0" algn="l">
+    <a:lvl8pPr marR="0" lvl="7" algn="l" rtl="0">
       <a:lnSpc>
         <a:spcPct val="100000"/>
       </a:lnSpc>
@@ -229,7 +229,7 @@
         <a:srgbClr val="000000"/>
       </a:buClr>
       <a:buFont typeface="Arial"/>
-      <a:defRPr b="0" i="0" sz="1400" u="none" cap="none" strike="noStrike">
+      <a:defRPr sz="1400" b="0" i="0" u="none" strike="noStrike" cap="none">
         <a:solidFill>
           <a:srgbClr val="000000"/>
         </a:solidFill>
@@ -239,7 +239,7 @@
         <a:sym typeface="Arial"/>
       </a:defRPr>
     </a:lvl8pPr>
-    <a:lvl9pPr lvl="8" marR="0" rtl="0" algn="l">
+    <a:lvl9pPr marR="0" lvl="8" algn="l" rtl="0">
       <a:lnSpc>
         <a:spcPct val="100000"/>
       </a:lnSpc>
@@ -253,7 +253,7 @@
         <a:srgbClr val="000000"/>
       </a:buClr>
       <a:buFont typeface="Arial"/>
-      <a:defRPr b="0" i="0" sz="1400" u="none" cap="none" strike="noStrike">
+      <a:defRPr sz="1400" b="0" i="0" u="none" strike="noStrike" cap="none">
         <a:solidFill>
           <a:srgbClr val="000000"/>
         </a:solidFill>
@@ -268,11 +268,16 @@
 </file>
 
 <file path=ppt/notesMasters/notesMaster1.xml><?xml version="1.0" encoding="utf-8"?>
-<p:notesMaster xmlns:a="http://schemas.openxmlformats.org/drawingml/2006/main" xmlns:r="http://schemas.openxmlformats.org/officeDocument/2006/relationships" xmlns:mc="http://schemas.openxmlformats.org/markup-compatibility/2006" xmlns:mv="urn:schemas-microsoft-com:mac:vml" xmlns:p="http://schemas.openxmlformats.org/presentationml/2006/main" xmlns:c="http://schemas.openxmlformats.org/drawingml/2006/chart" xmlns:dgm="http://schemas.openxmlformats.org/drawingml/2006/diagram" xmlns:o="urn:schemas-microsoft-com:office:office" xmlns:v="urn:schemas-microsoft-com:vml" xmlns:pvml="urn:schemas-microsoft-com:office:powerpoint" xmlns:com="http://schemas.openxmlformats.org/drawingml/2006/compatibility" xmlns:p14="http://schemas.microsoft.com/office/powerpoint/2010/main" xmlns:p15="http://schemas.microsoft.com/office/powerpoint/2012/main">
+<p:notesMaster xmlns:a="http://schemas.openxmlformats.org/drawingml/2006/main" xmlns:r="http://schemas.openxmlformats.org/officeDocument/2006/relationships" xmlns:p="http://schemas.openxmlformats.org/presentationml/2006/main">
   <p:cSld>
+    <p:bg>
+      <p:bgRef idx="1001">
+        <a:schemeClr val="bg1"/>
+      </p:bgRef>
+    </p:bg>
     <p:spTree>
       <p:nvGrpSpPr>
-        <p:cNvPr id="2" name="Shape 2"/>
+        <p:cNvPr id="1" name="Shape 2"/>
         <p:cNvGrpSpPr/>
         <p:nvPr/>
       </p:nvGrpSpPr>
@@ -287,9 +292,11 @@
       <p:sp>
         <p:nvSpPr>
           <p:cNvPr id="3" name="Shape 3"/>
-          <p:cNvSpPr/>
+          <p:cNvSpPr>
+            <a:spLocks noGrp="1" noRot="1" noChangeAspect="1"/>
+          </p:cNvSpPr>
           <p:nvPr>
-            <p:ph idx="2" type="sldImg"/>
+            <p:ph type="sldImg" idx="2"/>
           </p:nvPr>
         </p:nvSpPr>
         <p:spPr>
@@ -298,8 +305,13 @@
             <a:ext cx="4572300" cy="3429000"/>
           </a:xfrm>
           <a:custGeom>
+            <a:avLst/>
+            <a:gdLst/>
+            <a:ahLst/>
+            <a:cxnLst/>
+            <a:rect l="0" t="0" r="0" b="0"/>
             <a:pathLst>
-              <a:path extrusionOk="0" h="120000" w="120000">
+              <a:path w="120000" h="120000" extrusionOk="0">
                 <a:moveTo>
                   <a:pt x="0" y="0"/>
                 </a:moveTo>
@@ -317,23 +329,25 @@
             </a:pathLst>
           </a:custGeom>
           <a:noFill/>
-          <a:ln cap="flat" cmpd="sng" w="9525">
+          <a:ln w="9525" cap="flat" cmpd="sng">
             <a:solidFill>
               <a:srgbClr val="000000"/>
             </a:solidFill>
             <a:prstDash val="solid"/>
             <a:round/>
-            <a:headEnd len="sm" w="sm" type="none"/>
-            <a:tailEnd len="sm" w="sm" type="none"/>
+            <a:headEnd type="none" w="sm" len="sm"/>
+            <a:tailEnd type="none" w="sm" len="sm"/>
           </a:ln>
         </p:spPr>
       </p:sp>
       <p:sp>
         <p:nvSpPr>
           <p:cNvPr id="4" name="Shape 4"/>
-          <p:cNvSpPr txBox="1"/>
+          <p:cNvSpPr txBox="1">
+            <a:spLocks noGrp="1"/>
+          </p:cNvSpPr>
           <p:nvPr>
-            <p:ph idx="1" type="body"/>
+            <p:ph type="body" idx="1"/>
           </p:nvPr>
         </p:nvSpPr>
         <p:spPr>
@@ -350,9 +364,9 @@
           </a:ln>
         </p:spPr>
         <p:txBody>
-          <a:bodyPr anchorCtr="0" anchor="t" bIns="91425" lIns="91425" spcFirstLastPara="1" rIns="91425" wrap="square" tIns="91425"/>
+          <a:bodyPr spcFirstLastPara="1" wrap="square" lIns="91425" tIns="91425" rIns="91425" bIns="91425" anchor="t" anchorCtr="0"/>
           <a:lstStyle>
-            <a:lvl1pPr indent="-317500" lvl="0" marL="457200">
+            <a:lvl1pPr marL="457200" lvl="0" indent="-317500">
               <a:spcBef>
                 <a:spcPts val="0"/>
               </a:spcBef>
@@ -363,7 +377,7 @@
               <a:buChar char="●"/>
               <a:defRPr sz="1100"/>
             </a:lvl1pPr>
-            <a:lvl2pPr indent="-317500" lvl="1" marL="914400">
+            <a:lvl2pPr marL="914400" lvl="1" indent="-317500">
               <a:spcBef>
                 <a:spcPts val="0"/>
               </a:spcBef>
@@ -374,7 +388,7 @@
               <a:buChar char="○"/>
               <a:defRPr sz="1100"/>
             </a:lvl2pPr>
-            <a:lvl3pPr indent="-317500" lvl="2" marL="1371600">
+            <a:lvl3pPr marL="1371600" lvl="2" indent="-317500">
               <a:spcBef>
                 <a:spcPts val="0"/>
               </a:spcBef>
@@ -385,7 +399,7 @@
               <a:buChar char="■"/>
               <a:defRPr sz="1100"/>
             </a:lvl3pPr>
-            <a:lvl4pPr indent="-317500" lvl="3" marL="1828800">
+            <a:lvl4pPr marL="1828800" lvl="3" indent="-317500">
               <a:spcBef>
                 <a:spcPts val="0"/>
               </a:spcBef>
@@ -396,7 +410,7 @@
               <a:buChar char="●"/>
               <a:defRPr sz="1100"/>
             </a:lvl4pPr>
-            <a:lvl5pPr indent="-317500" lvl="4" marL="2286000">
+            <a:lvl5pPr marL="2286000" lvl="4" indent="-317500">
               <a:spcBef>
                 <a:spcPts val="0"/>
               </a:spcBef>
@@ -407,7 +421,7 @@
               <a:buChar char="○"/>
               <a:defRPr sz="1100"/>
             </a:lvl5pPr>
-            <a:lvl6pPr indent="-317500" lvl="5" marL="2743200">
+            <a:lvl6pPr marL="2743200" lvl="5" indent="-317500">
               <a:spcBef>
                 <a:spcPts val="0"/>
               </a:spcBef>
@@ -418,7 +432,7 @@
               <a:buChar char="■"/>
               <a:defRPr sz="1100"/>
             </a:lvl6pPr>
-            <a:lvl7pPr indent="-317500" lvl="6" marL="3200400">
+            <a:lvl7pPr marL="3200400" lvl="6" indent="-317500">
               <a:spcBef>
                 <a:spcPts val="0"/>
               </a:spcBef>
@@ -429,7 +443,7 @@
               <a:buChar char="●"/>
               <a:defRPr sz="1100"/>
             </a:lvl7pPr>
-            <a:lvl8pPr indent="-317500" lvl="7" marL="3657600">
+            <a:lvl8pPr marL="3657600" lvl="7" indent="-317500">
               <a:spcBef>
                 <a:spcPts val="0"/>
               </a:spcBef>
@@ -440,7 +454,7 @@
               <a:buChar char="○"/>
               <a:defRPr sz="1100"/>
             </a:lvl8pPr>
-            <a:lvl9pPr indent="-317500" lvl="8" marL="4114800">
+            <a:lvl9pPr marL="4114800" lvl="8" indent="-317500">
               <a:spcBef>
                 <a:spcPts val="0"/>
               </a:spcBef>
@@ -452,14 +466,16 @@
               <a:defRPr sz="1100"/>
             </a:lvl9pPr>
           </a:lstStyle>
-          <a:p/>
+          <a:p>
+            <a:endParaRPr/>
+          </a:p>
         </p:txBody>
       </p:sp>
     </p:spTree>
   </p:cSld>
-  <p:clrMap accent1="accent1" accent2="accent2" accent3="accent3" accent4="accent4" accent5="accent5" accent6="accent6" bg1="lt1" bg2="dk2" tx1="dk1" tx2="lt2" folHlink="folHlink" hlink="hlink"/>
+  <p:clrMap bg1="lt1" tx1="dk1" bg2="dk2" tx2="lt2" accent1="accent1" accent2="accent2" accent3="accent3" accent4="accent4" accent5="accent5" accent6="accent6" hlink="hlink" folHlink="folHlink"/>
   <p:notesStyle>
-    <a:defPPr lvl="0" marR="0" rtl="0" algn="l">
+    <a:defPPr marR="0" lvl="0" algn="l" rtl="0">
       <a:lnSpc>
         <a:spcPct val="100000"/>
       </a:lnSpc>
@@ -470,7 +486,7 @@
         <a:spcPts val="0"/>
       </a:spcAft>
     </a:defPPr>
-    <a:lvl1pPr lvl="0" marR="0" rtl="0" algn="l">
+    <a:lvl1pPr marR="0" lvl="0" algn="l" rtl="0">
       <a:lnSpc>
         <a:spcPct val="100000"/>
       </a:lnSpc>
@@ -484,7 +500,7 @@
         <a:srgbClr val="000000"/>
       </a:buClr>
       <a:buFont typeface="Arial"/>
-      <a:defRPr b="0" i="0" sz="1400" u="none" cap="none" strike="noStrike">
+      <a:defRPr sz="1400" b="0" i="0" u="none" strike="noStrike" cap="none">
         <a:solidFill>
           <a:srgbClr val="000000"/>
         </a:solidFill>
@@ -494,7 +510,7 @@
         <a:sym typeface="Arial"/>
       </a:defRPr>
     </a:lvl1pPr>
-    <a:lvl2pPr lvl="1" marR="0" rtl="0" algn="l">
+    <a:lvl2pPr marR="0" lvl="1" algn="l" rtl="0">
       <a:lnSpc>
         <a:spcPct val="100000"/>
       </a:lnSpc>
@@ -508,7 +524,7 @@
         <a:srgbClr val="000000"/>
       </a:buClr>
       <a:buFont typeface="Arial"/>
-      <a:defRPr b="0" i="0" sz="1400" u="none" cap="none" strike="noStrike">
+      <a:defRPr sz="1400" b="0" i="0" u="none" strike="noStrike" cap="none">
         <a:solidFill>
           <a:srgbClr val="000000"/>
         </a:solidFill>
@@ -518,7 +534,7 @@
         <a:sym typeface="Arial"/>
       </a:defRPr>
     </a:lvl2pPr>
-    <a:lvl3pPr lvl="2" marR="0" rtl="0" algn="l">
+    <a:lvl3pPr marR="0" lvl="2" algn="l" rtl="0">
       <a:lnSpc>
         <a:spcPct val="100000"/>
       </a:lnSpc>
@@ -532,7 +548,7 @@
         <a:srgbClr val="000000"/>
       </a:buClr>
       <a:buFont typeface="Arial"/>
-      <a:defRPr b="0" i="0" sz="1400" u="none" cap="none" strike="noStrike">
+      <a:defRPr sz="1400" b="0" i="0" u="none" strike="noStrike" cap="none">
         <a:solidFill>
           <a:srgbClr val="000000"/>
         </a:solidFill>
@@ -542,7 +558,7 @@
         <a:sym typeface="Arial"/>
       </a:defRPr>
     </a:lvl3pPr>
-    <a:lvl4pPr lvl="3" marR="0" rtl="0" algn="l">
+    <a:lvl4pPr marR="0" lvl="3" algn="l" rtl="0">
       <a:lnSpc>
         <a:spcPct val="100000"/>
       </a:lnSpc>
@@ -556,7 +572,7 @@
         <a:srgbClr val="000000"/>
       </a:buClr>
       <a:buFont typeface="Arial"/>
-      <a:defRPr b="0" i="0" sz="1400" u="none" cap="none" strike="noStrike">
+      <a:defRPr sz="1400" b="0" i="0" u="none" strike="noStrike" cap="none">
         <a:solidFill>
           <a:srgbClr val="000000"/>
         </a:solidFill>
@@ -566,7 +582,7 @@
         <a:sym typeface="Arial"/>
       </a:defRPr>
     </a:lvl4pPr>
-    <a:lvl5pPr lvl="4" marR="0" rtl="0" algn="l">
+    <a:lvl5pPr marR="0" lvl="4" algn="l" rtl="0">
       <a:lnSpc>
         <a:spcPct val="100000"/>
       </a:lnSpc>
@@ -580,7 +596,7 @@
         <a:srgbClr val="000000"/>
       </a:buClr>
       <a:buFont typeface="Arial"/>
-      <a:defRPr b="0" i="0" sz="1400" u="none" cap="none" strike="noStrike">
+      <a:defRPr sz="1400" b="0" i="0" u="none" strike="noStrike" cap="none">
         <a:solidFill>
           <a:srgbClr val="000000"/>
         </a:solidFill>
@@ -590,7 +606,7 @@
         <a:sym typeface="Arial"/>
       </a:defRPr>
     </a:lvl5pPr>
-    <a:lvl6pPr lvl="5" marR="0" rtl="0" algn="l">
+    <a:lvl6pPr marR="0" lvl="5" algn="l" rtl="0">
       <a:lnSpc>
         <a:spcPct val="100000"/>
       </a:lnSpc>
@@ -604,7 +620,7 @@
         <a:srgbClr val="000000"/>
       </a:buClr>
       <a:buFont typeface="Arial"/>
-      <a:defRPr b="0" i="0" sz="1400" u="none" cap="none" strike="noStrike">
+      <a:defRPr sz="1400" b="0" i="0" u="none" strike="noStrike" cap="none">
         <a:solidFill>
           <a:srgbClr val="000000"/>
         </a:solidFill>
@@ -614,7 +630,7 @@
         <a:sym typeface="Arial"/>
       </a:defRPr>
     </a:lvl6pPr>
-    <a:lvl7pPr lvl="6" marR="0" rtl="0" algn="l">
+    <a:lvl7pPr marR="0" lvl="6" algn="l" rtl="0">
       <a:lnSpc>
         <a:spcPct val="100000"/>
       </a:lnSpc>
@@ -628,7 +644,7 @@
         <a:srgbClr val="000000"/>
       </a:buClr>
       <a:buFont typeface="Arial"/>
-      <a:defRPr b="0" i="0" sz="1400" u="none" cap="none" strike="noStrike">
+      <a:defRPr sz="1400" b="0" i="0" u="none" strike="noStrike" cap="none">
         <a:solidFill>
           <a:srgbClr val="000000"/>
         </a:solidFill>
@@ -638,7 +654,7 @@
         <a:sym typeface="Arial"/>
       </a:defRPr>
     </a:lvl7pPr>
-    <a:lvl8pPr lvl="7" marR="0" rtl="0" algn="l">
+    <a:lvl8pPr marR="0" lvl="7" algn="l" rtl="0">
       <a:lnSpc>
         <a:spcPct val="100000"/>
       </a:lnSpc>
@@ -652,7 +668,7 @@
         <a:srgbClr val="000000"/>
       </a:buClr>
       <a:buFont typeface="Arial"/>
-      <a:defRPr b="0" i="0" sz="1400" u="none" cap="none" strike="noStrike">
+      <a:defRPr sz="1400" b="0" i="0" u="none" strike="noStrike" cap="none">
         <a:solidFill>
           <a:srgbClr val="000000"/>
         </a:solidFill>
@@ -662,7 +678,7 @@
         <a:sym typeface="Arial"/>
       </a:defRPr>
     </a:lvl8pPr>
-    <a:lvl9pPr lvl="8" marR="0" rtl="0" algn="l">
+    <a:lvl9pPr marR="0" lvl="8" algn="l" rtl="0">
       <a:lnSpc>
         <a:spcPct val="100000"/>
       </a:lnSpc>
@@ -676,7 +692,7 @@
         <a:srgbClr val="000000"/>
       </a:buClr>
       <a:buFont typeface="Arial"/>
-      <a:defRPr b="0" i="0" sz="1400" u="none" cap="none" strike="noStrike">
+      <a:defRPr sz="1400" b="0" i="0" u="none" strike="noStrike" cap="none">
         <a:solidFill>
           <a:srgbClr val="000000"/>
         </a:solidFill>
@@ -691,11 +707,11 @@
 </file>
 
 <file path=ppt/notesSlides/notesSlide1.xml><?xml version="1.0" encoding="utf-8"?>
-<p:notes xmlns:a="http://schemas.openxmlformats.org/drawingml/2006/main" xmlns:r="http://schemas.openxmlformats.org/officeDocument/2006/relationships" xmlns:mc="http://schemas.openxmlformats.org/markup-compatibility/2006" xmlns:mv="urn:schemas-microsoft-com:mac:vml" xmlns:p="http://schemas.openxmlformats.org/presentationml/2006/main" xmlns:c="http://schemas.openxmlformats.org/drawingml/2006/chart" xmlns:dgm="http://schemas.openxmlformats.org/drawingml/2006/diagram" xmlns:o="urn:schemas-microsoft-com:office:office" xmlns:v="urn:schemas-microsoft-com:vml" xmlns:pvml="urn:schemas-microsoft-com:office:powerpoint" xmlns:com="http://schemas.openxmlformats.org/drawingml/2006/compatibility" xmlns:p14="http://schemas.microsoft.com/office/powerpoint/2010/main" xmlns:p15="http://schemas.microsoft.com/office/powerpoint/2012/main" showMasterPhAnim="0" showMasterSp="0">
+<p:notes xmlns:a="http://schemas.openxmlformats.org/drawingml/2006/main" xmlns:r="http://schemas.openxmlformats.org/officeDocument/2006/relationships" xmlns:p="http://schemas.openxmlformats.org/presentationml/2006/main" showMasterSp="0" showMasterPhAnim="0">
   <p:cSld>
     <p:spTree>
       <p:nvGrpSpPr>
-        <p:cNvPr id="66" name="Shape 66"/>
+        <p:cNvPr id="1" name="Shape 66"/>
         <p:cNvGrpSpPr/>
         <p:nvPr/>
       </p:nvGrpSpPr>
@@ -710,9 +726,11 @@
       <p:sp>
         <p:nvSpPr>
           <p:cNvPr id="67" name="Shape 67"/>
-          <p:cNvSpPr/>
+          <p:cNvSpPr>
+            <a:spLocks noGrp="1" noRot="1" noChangeAspect="1"/>
+          </p:cNvSpPr>
           <p:nvPr>
-            <p:ph idx="2" type="sldImg"/>
+            <p:ph type="sldImg" idx="2"/>
           </p:nvPr>
         </p:nvSpPr>
         <p:spPr>
@@ -721,8 +739,13 @@
             <a:ext cx="4572300" cy="3429000"/>
           </a:xfrm>
           <a:custGeom>
+            <a:avLst/>
+            <a:gdLst/>
+            <a:ahLst/>
+            <a:cxnLst/>
+            <a:rect l="0" t="0" r="0" b="0"/>
             <a:pathLst>
-              <a:path extrusionOk="0" h="120000" w="120000">
+              <a:path w="120000" h="120000" extrusionOk="0">
                 <a:moveTo>
                   <a:pt x="0" y="0"/>
                 </a:moveTo>
@@ -744,9 +767,11 @@
       <p:sp>
         <p:nvSpPr>
           <p:cNvPr id="68" name="Shape 68"/>
-          <p:cNvSpPr txBox="1"/>
+          <p:cNvSpPr txBox="1">
+            <a:spLocks noGrp="1"/>
+          </p:cNvSpPr>
           <p:nvPr>
-            <p:ph idx="1" type="body"/>
+            <p:ph type="body" idx="1"/>
           </p:nvPr>
         </p:nvSpPr>
         <p:spPr>
@@ -759,12 +784,12 @@
           </a:prstGeom>
         </p:spPr>
         <p:txBody>
-          <a:bodyPr anchorCtr="0" anchor="t" bIns="91425" lIns="91425" spcFirstLastPara="1" rIns="91425" wrap="square" tIns="91425">
+          <a:bodyPr spcFirstLastPara="1" wrap="square" lIns="91425" tIns="91425" rIns="91425" bIns="91425" anchor="t" anchorCtr="0">
             <a:noAutofit/>
           </a:bodyPr>
           <a:lstStyle/>
           <a:p>
-            <a:pPr indent="0" lvl="0" marL="0">
+            <a:pPr marL="0" lvl="0" indent="0">
               <a:spcBef>
                 <a:spcPts val="0"/>
               </a:spcBef>
@@ -790,11 +815,11 @@
 </file>
 
 <file path=ppt/notesSlides/notesSlide10.xml><?xml version="1.0" encoding="utf-8"?>
-<p:notes xmlns:a="http://schemas.openxmlformats.org/drawingml/2006/main" xmlns:r="http://schemas.openxmlformats.org/officeDocument/2006/relationships" xmlns:mc="http://schemas.openxmlformats.org/markup-compatibility/2006" xmlns:mv="urn:schemas-microsoft-com:mac:vml" xmlns:p="http://schemas.openxmlformats.org/presentationml/2006/main" xmlns:c="http://schemas.openxmlformats.org/drawingml/2006/chart" xmlns:dgm="http://schemas.openxmlformats.org/drawingml/2006/diagram" xmlns:o="urn:schemas-microsoft-com:office:office" xmlns:v="urn:schemas-microsoft-com:vml" xmlns:pvml="urn:schemas-microsoft-com:office:powerpoint" xmlns:com="http://schemas.openxmlformats.org/drawingml/2006/compatibility" xmlns:p14="http://schemas.microsoft.com/office/powerpoint/2010/main" xmlns:p15="http://schemas.microsoft.com/office/powerpoint/2012/main" showMasterPhAnim="0" showMasterSp="0">
+<p:notes xmlns:a="http://schemas.openxmlformats.org/drawingml/2006/main" xmlns:r="http://schemas.openxmlformats.org/officeDocument/2006/relationships" xmlns:p="http://schemas.openxmlformats.org/presentationml/2006/main" showMasterSp="0" showMasterPhAnim="0">
   <p:cSld>
     <p:spTree>
       <p:nvGrpSpPr>
-        <p:cNvPr id="135" name="Shape 135"/>
+        <p:cNvPr id="1" name="Shape 135"/>
         <p:cNvGrpSpPr/>
         <p:nvPr/>
       </p:nvGrpSpPr>
@@ -809,9 +834,11 @@
       <p:sp>
         <p:nvSpPr>
           <p:cNvPr id="136" name="Shape 136"/>
-          <p:cNvSpPr/>
+          <p:cNvSpPr>
+            <a:spLocks noGrp="1" noRot="1" noChangeAspect="1"/>
+          </p:cNvSpPr>
           <p:nvPr>
-            <p:ph idx="2" type="sldImg"/>
+            <p:ph type="sldImg" idx="2"/>
           </p:nvPr>
         </p:nvSpPr>
         <p:spPr>
@@ -820,8 +847,13 @@
             <a:ext cx="4572300" cy="3429000"/>
           </a:xfrm>
           <a:custGeom>
+            <a:avLst/>
+            <a:gdLst/>
+            <a:ahLst/>
+            <a:cxnLst/>
+            <a:rect l="0" t="0" r="0" b="0"/>
             <a:pathLst>
-              <a:path extrusionOk="0" h="120000" w="120000">
+              <a:path w="120000" h="120000" extrusionOk="0">
                 <a:moveTo>
                   <a:pt x="0" y="0"/>
                 </a:moveTo>
@@ -843,9 +875,11 @@
       <p:sp>
         <p:nvSpPr>
           <p:cNvPr id="137" name="Shape 137"/>
-          <p:cNvSpPr txBox="1"/>
+          <p:cNvSpPr txBox="1">
+            <a:spLocks noGrp="1"/>
+          </p:cNvSpPr>
           <p:nvPr>
-            <p:ph idx="1" type="body"/>
+            <p:ph type="body" idx="1"/>
           </p:nvPr>
         </p:nvSpPr>
         <p:spPr>
@@ -858,12 +892,12 @@
           </a:prstGeom>
         </p:spPr>
         <p:txBody>
-          <a:bodyPr anchorCtr="0" anchor="t" bIns="91425" lIns="91425" spcFirstLastPara="1" rIns="91425" wrap="square" tIns="91425">
+          <a:bodyPr spcFirstLastPara="1" wrap="square" lIns="91425" tIns="91425" rIns="91425" bIns="91425" anchor="t" anchorCtr="0">
             <a:noAutofit/>
           </a:bodyPr>
           <a:lstStyle/>
           <a:p>
-            <a:pPr indent="0" lvl="0" marL="0" rtl="0">
+            <a:pPr marL="0" lvl="0" indent="0" rtl="0">
               <a:spcBef>
                 <a:spcPts val="0"/>
               </a:spcBef>
@@ -889,11 +923,11 @@
 </file>
 
 <file path=ppt/notesSlides/notesSlide2.xml><?xml version="1.0" encoding="utf-8"?>
-<p:notes xmlns:a="http://schemas.openxmlformats.org/drawingml/2006/main" xmlns:r="http://schemas.openxmlformats.org/officeDocument/2006/relationships" xmlns:mc="http://schemas.openxmlformats.org/markup-compatibility/2006" xmlns:mv="urn:schemas-microsoft-com:mac:vml" xmlns:p="http://schemas.openxmlformats.org/presentationml/2006/main" xmlns:c="http://schemas.openxmlformats.org/drawingml/2006/chart" xmlns:dgm="http://schemas.openxmlformats.org/drawingml/2006/diagram" xmlns:o="urn:schemas-microsoft-com:office:office" xmlns:v="urn:schemas-microsoft-com:vml" xmlns:pvml="urn:schemas-microsoft-com:office:powerpoint" xmlns:com="http://schemas.openxmlformats.org/drawingml/2006/compatibility" xmlns:p14="http://schemas.microsoft.com/office/powerpoint/2010/main" xmlns:p15="http://schemas.microsoft.com/office/powerpoint/2012/main" showMasterPhAnim="0" showMasterSp="0">
+<p:notes xmlns:a="http://schemas.openxmlformats.org/drawingml/2006/main" xmlns:r="http://schemas.openxmlformats.org/officeDocument/2006/relationships" xmlns:p="http://schemas.openxmlformats.org/presentationml/2006/main" showMasterSp="0" showMasterPhAnim="0">
   <p:cSld>
     <p:spTree>
       <p:nvGrpSpPr>
-        <p:cNvPr id="73" name="Shape 73"/>
+        <p:cNvPr id="1" name="Shape 73"/>
         <p:cNvGrpSpPr/>
         <p:nvPr/>
       </p:nvGrpSpPr>
@@ -908,9 +942,11 @@
       <p:sp>
         <p:nvSpPr>
           <p:cNvPr id="74" name="Shape 74"/>
-          <p:cNvSpPr/>
+          <p:cNvSpPr>
+            <a:spLocks noGrp="1" noRot="1" noChangeAspect="1"/>
+          </p:cNvSpPr>
           <p:nvPr>
-            <p:ph idx="2" type="sldImg"/>
+            <p:ph type="sldImg" idx="2"/>
           </p:nvPr>
         </p:nvSpPr>
         <p:spPr>
@@ -919,8 +955,13 @@
             <a:ext cx="4572300" cy="3429000"/>
           </a:xfrm>
           <a:custGeom>
+            <a:avLst/>
+            <a:gdLst/>
+            <a:ahLst/>
+            <a:cxnLst/>
+            <a:rect l="0" t="0" r="0" b="0"/>
             <a:pathLst>
-              <a:path extrusionOk="0" h="120000" w="120000">
+              <a:path w="120000" h="120000" extrusionOk="0">
                 <a:moveTo>
                   <a:pt x="0" y="0"/>
                 </a:moveTo>
@@ -942,9 +983,11 @@
       <p:sp>
         <p:nvSpPr>
           <p:cNvPr id="75" name="Shape 75"/>
-          <p:cNvSpPr txBox="1"/>
+          <p:cNvSpPr txBox="1">
+            <a:spLocks noGrp="1"/>
+          </p:cNvSpPr>
           <p:nvPr>
-            <p:ph idx="1" type="body"/>
+            <p:ph type="body" idx="1"/>
           </p:nvPr>
         </p:nvSpPr>
         <p:spPr>
@@ -957,12 +1000,12 @@
           </a:prstGeom>
         </p:spPr>
         <p:txBody>
-          <a:bodyPr anchorCtr="0" anchor="t" bIns="91425" lIns="91425" spcFirstLastPara="1" rIns="91425" wrap="square" tIns="91425">
+          <a:bodyPr spcFirstLastPara="1" wrap="square" lIns="91425" tIns="91425" rIns="91425" bIns="91425" anchor="t" anchorCtr="0">
             <a:noAutofit/>
           </a:bodyPr>
           <a:lstStyle/>
           <a:p>
-            <a:pPr indent="0" lvl="0" marL="0" rtl="0">
+            <a:pPr marL="0" lvl="0" indent="0" rtl="0">
               <a:spcBef>
                 <a:spcPts val="0"/>
               </a:spcBef>
@@ -988,11 +1031,11 @@
 </file>
 
 <file path=ppt/notesSlides/notesSlide3.xml><?xml version="1.0" encoding="utf-8"?>
-<p:notes xmlns:a="http://schemas.openxmlformats.org/drawingml/2006/main" xmlns:r="http://schemas.openxmlformats.org/officeDocument/2006/relationships" xmlns:mc="http://schemas.openxmlformats.org/markup-compatibility/2006" xmlns:mv="urn:schemas-microsoft-com:mac:vml" xmlns:p="http://schemas.openxmlformats.org/presentationml/2006/main" xmlns:c="http://schemas.openxmlformats.org/drawingml/2006/chart" xmlns:dgm="http://schemas.openxmlformats.org/drawingml/2006/diagram" xmlns:o="urn:schemas-microsoft-com:office:office" xmlns:v="urn:schemas-microsoft-com:vml" xmlns:pvml="urn:schemas-microsoft-com:office:powerpoint" xmlns:com="http://schemas.openxmlformats.org/drawingml/2006/compatibility" xmlns:p14="http://schemas.microsoft.com/office/powerpoint/2010/main" xmlns:p15="http://schemas.microsoft.com/office/powerpoint/2012/main" showMasterPhAnim="0" showMasterSp="0">
+<p:notes xmlns:a="http://schemas.openxmlformats.org/drawingml/2006/main" xmlns:r="http://schemas.openxmlformats.org/officeDocument/2006/relationships" xmlns:p="http://schemas.openxmlformats.org/presentationml/2006/main" showMasterSp="0" showMasterPhAnim="0">
   <p:cSld>
     <p:spTree>
       <p:nvGrpSpPr>
-        <p:cNvPr id="86" name="Shape 86"/>
+        <p:cNvPr id="1" name="Shape 86"/>
         <p:cNvGrpSpPr/>
         <p:nvPr/>
       </p:nvGrpSpPr>
@@ -1007,9 +1050,11 @@
       <p:sp>
         <p:nvSpPr>
           <p:cNvPr id="87" name="Shape 87"/>
-          <p:cNvSpPr/>
+          <p:cNvSpPr>
+            <a:spLocks noGrp="1" noRot="1" noChangeAspect="1"/>
+          </p:cNvSpPr>
           <p:nvPr>
-            <p:ph idx="2" type="sldImg"/>
+            <p:ph type="sldImg" idx="2"/>
           </p:nvPr>
         </p:nvSpPr>
         <p:spPr>
@@ -1018,8 +1063,13 @@
             <a:ext cx="4572300" cy="3429000"/>
           </a:xfrm>
           <a:custGeom>
+            <a:avLst/>
+            <a:gdLst/>
+            <a:ahLst/>
+            <a:cxnLst/>
+            <a:rect l="0" t="0" r="0" b="0"/>
             <a:pathLst>
-              <a:path extrusionOk="0" h="120000" w="120000">
+              <a:path w="120000" h="120000" extrusionOk="0">
                 <a:moveTo>
                   <a:pt x="0" y="0"/>
                 </a:moveTo>
@@ -1041,9 +1091,11 @@
       <p:sp>
         <p:nvSpPr>
           <p:cNvPr id="88" name="Shape 88"/>
-          <p:cNvSpPr txBox="1"/>
+          <p:cNvSpPr txBox="1">
+            <a:spLocks noGrp="1"/>
+          </p:cNvSpPr>
           <p:nvPr>
-            <p:ph idx="1" type="body"/>
+            <p:ph type="body" idx="1"/>
           </p:nvPr>
         </p:nvSpPr>
         <p:spPr>
@@ -1056,12 +1108,12 @@
           </a:prstGeom>
         </p:spPr>
         <p:txBody>
-          <a:bodyPr anchorCtr="0" anchor="t" bIns="91425" lIns="91425" spcFirstLastPara="1" rIns="91425" wrap="square" tIns="91425">
+          <a:bodyPr spcFirstLastPara="1" wrap="square" lIns="91425" tIns="91425" rIns="91425" bIns="91425" anchor="t" anchorCtr="0">
             <a:noAutofit/>
           </a:bodyPr>
           <a:lstStyle/>
           <a:p>
-            <a:pPr indent="0" lvl="0" marL="0">
+            <a:pPr marL="0" lvl="0" indent="0">
               <a:spcBef>
                 <a:spcPts val="0"/>
               </a:spcBef>
@@ -1077,7 +1129,7 @@
             <a:endParaRPr/>
           </a:p>
           <a:p>
-            <a:pPr indent="0" lvl="0" marL="0">
+            <a:pPr marL="0" lvl="0" indent="0">
               <a:spcBef>
                 <a:spcPts val="0"/>
               </a:spcBef>
@@ -1086,13 +1138,10 @@
               </a:spcAft>
               <a:buNone/>
             </a:pPr>
-            <a:r>
-              <a:t/>
-            </a:r>
             <a:endParaRPr/>
           </a:p>
           <a:p>
-            <a:pPr indent="0" lvl="0" marL="0">
+            <a:pPr marL="0" lvl="0" indent="0">
               <a:spcBef>
                 <a:spcPts val="0"/>
               </a:spcBef>
@@ -1108,7 +1157,7 @@
             <a:endParaRPr/>
           </a:p>
           <a:p>
-            <a:pPr indent="0" lvl="0" marL="0">
+            <a:pPr marL="0" lvl="0" indent="0">
               <a:spcBef>
                 <a:spcPts val="0"/>
               </a:spcBef>
@@ -1117,13 +1166,10 @@
               </a:spcAft>
               <a:buNone/>
             </a:pPr>
-            <a:r>
-              <a:t/>
-            </a:r>
             <a:endParaRPr/>
           </a:p>
           <a:p>
-            <a:pPr indent="0" lvl="0" marL="0" rtl="0">
+            <a:pPr marL="0" lvl="0" indent="0" rtl="0">
               <a:spcBef>
                 <a:spcPts val="0"/>
               </a:spcBef>
@@ -1132,9 +1178,6 @@
               </a:spcAft>
               <a:buNone/>
             </a:pPr>
-            <a:r>
-              <a:t/>
-            </a:r>
             <a:endParaRPr/>
           </a:p>
         </p:txBody>
@@ -1148,11 +1191,11 @@
 </file>
 
 <file path=ppt/notesSlides/notesSlide4.xml><?xml version="1.0" encoding="utf-8"?>
-<p:notes xmlns:a="http://schemas.openxmlformats.org/drawingml/2006/main" xmlns:r="http://schemas.openxmlformats.org/officeDocument/2006/relationships" xmlns:mc="http://schemas.openxmlformats.org/markup-compatibility/2006" xmlns:mv="urn:schemas-microsoft-com:mac:vml" xmlns:p="http://schemas.openxmlformats.org/presentationml/2006/main" xmlns:c="http://schemas.openxmlformats.org/drawingml/2006/chart" xmlns:dgm="http://schemas.openxmlformats.org/drawingml/2006/diagram" xmlns:o="urn:schemas-microsoft-com:office:office" xmlns:v="urn:schemas-microsoft-com:vml" xmlns:pvml="urn:schemas-microsoft-com:office:powerpoint" xmlns:com="http://schemas.openxmlformats.org/drawingml/2006/compatibility" xmlns:p14="http://schemas.microsoft.com/office/powerpoint/2010/main" xmlns:p15="http://schemas.microsoft.com/office/powerpoint/2012/main" showMasterPhAnim="0" showMasterSp="0">
+<p:notes xmlns:a="http://schemas.openxmlformats.org/drawingml/2006/main" xmlns:r="http://schemas.openxmlformats.org/officeDocument/2006/relationships" xmlns:p="http://schemas.openxmlformats.org/presentationml/2006/main" showMasterSp="0" showMasterPhAnim="0">
   <p:cSld>
     <p:spTree>
       <p:nvGrpSpPr>
-        <p:cNvPr id="93" name="Shape 93"/>
+        <p:cNvPr id="1" name="Shape 93"/>
         <p:cNvGrpSpPr/>
         <p:nvPr/>
       </p:nvGrpSpPr>
@@ -1167,9 +1210,11 @@
       <p:sp>
         <p:nvSpPr>
           <p:cNvPr id="94" name="Shape 94"/>
-          <p:cNvSpPr/>
+          <p:cNvSpPr>
+            <a:spLocks noGrp="1" noRot="1" noChangeAspect="1"/>
+          </p:cNvSpPr>
           <p:nvPr>
-            <p:ph idx="2" type="sldImg"/>
+            <p:ph type="sldImg" idx="2"/>
           </p:nvPr>
         </p:nvSpPr>
         <p:spPr>
@@ -1178,8 +1223,13 @@
             <a:ext cx="4572300" cy="3429000"/>
           </a:xfrm>
           <a:custGeom>
+            <a:avLst/>
+            <a:gdLst/>
+            <a:ahLst/>
+            <a:cxnLst/>
+            <a:rect l="0" t="0" r="0" b="0"/>
             <a:pathLst>
-              <a:path extrusionOk="0" h="120000" w="120000">
+              <a:path w="120000" h="120000" extrusionOk="0">
                 <a:moveTo>
                   <a:pt x="0" y="0"/>
                 </a:moveTo>
@@ -1201,9 +1251,11 @@
       <p:sp>
         <p:nvSpPr>
           <p:cNvPr id="95" name="Shape 95"/>
-          <p:cNvSpPr txBox="1"/>
+          <p:cNvSpPr txBox="1">
+            <a:spLocks noGrp="1"/>
+          </p:cNvSpPr>
           <p:nvPr>
-            <p:ph idx="1" type="body"/>
+            <p:ph type="body" idx="1"/>
           </p:nvPr>
         </p:nvSpPr>
         <p:spPr>
@@ -1216,12 +1268,12 @@
           </a:prstGeom>
         </p:spPr>
         <p:txBody>
-          <a:bodyPr anchorCtr="0" anchor="t" bIns="91425" lIns="91425" spcFirstLastPara="1" rIns="91425" wrap="square" tIns="91425">
+          <a:bodyPr spcFirstLastPara="1" wrap="square" lIns="91425" tIns="91425" rIns="91425" bIns="91425" anchor="t" anchorCtr="0">
             <a:noAutofit/>
           </a:bodyPr>
           <a:lstStyle/>
           <a:p>
-            <a:pPr indent="0" lvl="0" marL="0">
+            <a:pPr marL="0" lvl="0" indent="0">
               <a:spcBef>
                 <a:spcPts val="0"/>
               </a:spcBef>
@@ -1247,11 +1299,11 @@
 </file>
 
 <file path=ppt/notesSlides/notesSlide5.xml><?xml version="1.0" encoding="utf-8"?>
-<p:notes xmlns:a="http://schemas.openxmlformats.org/drawingml/2006/main" xmlns:r="http://schemas.openxmlformats.org/officeDocument/2006/relationships" xmlns:mc="http://schemas.openxmlformats.org/markup-compatibility/2006" xmlns:mv="urn:schemas-microsoft-com:mac:vml" xmlns:p="http://schemas.openxmlformats.org/presentationml/2006/main" xmlns:c="http://schemas.openxmlformats.org/drawingml/2006/chart" xmlns:dgm="http://schemas.openxmlformats.org/drawingml/2006/diagram" xmlns:o="urn:schemas-microsoft-com:office:office" xmlns:v="urn:schemas-microsoft-com:vml" xmlns:pvml="urn:schemas-microsoft-com:office:powerpoint" xmlns:com="http://schemas.openxmlformats.org/drawingml/2006/compatibility" xmlns:p14="http://schemas.microsoft.com/office/powerpoint/2010/main" xmlns:p15="http://schemas.microsoft.com/office/powerpoint/2012/main" showMasterPhAnim="0" showMasterSp="0">
+<p:notes xmlns:a="http://schemas.openxmlformats.org/drawingml/2006/main" xmlns:r="http://schemas.openxmlformats.org/officeDocument/2006/relationships" xmlns:p="http://schemas.openxmlformats.org/presentationml/2006/main" showMasterSp="0" showMasterPhAnim="0">
   <p:cSld>
     <p:spTree>
       <p:nvGrpSpPr>
-        <p:cNvPr id="99" name="Shape 99"/>
+        <p:cNvPr id="1" name="Shape 99"/>
         <p:cNvGrpSpPr/>
         <p:nvPr/>
       </p:nvGrpSpPr>
@@ -1266,9 +1318,11 @@
       <p:sp>
         <p:nvSpPr>
           <p:cNvPr id="100" name="Shape 100"/>
-          <p:cNvSpPr/>
+          <p:cNvSpPr>
+            <a:spLocks noGrp="1" noRot="1" noChangeAspect="1"/>
+          </p:cNvSpPr>
           <p:nvPr>
-            <p:ph idx="2" type="sldImg"/>
+            <p:ph type="sldImg" idx="2"/>
           </p:nvPr>
         </p:nvSpPr>
         <p:spPr>
@@ -1277,8 +1331,13 @@
             <a:ext cx="4572300" cy="3429000"/>
           </a:xfrm>
           <a:custGeom>
+            <a:avLst/>
+            <a:gdLst/>
+            <a:ahLst/>
+            <a:cxnLst/>
+            <a:rect l="0" t="0" r="0" b="0"/>
             <a:pathLst>
-              <a:path extrusionOk="0" h="120000" w="120000">
+              <a:path w="120000" h="120000" extrusionOk="0">
                 <a:moveTo>
                   <a:pt x="0" y="0"/>
                 </a:moveTo>
@@ -1300,9 +1359,11 @@
       <p:sp>
         <p:nvSpPr>
           <p:cNvPr id="101" name="Shape 101"/>
-          <p:cNvSpPr txBox="1"/>
+          <p:cNvSpPr txBox="1">
+            <a:spLocks noGrp="1"/>
+          </p:cNvSpPr>
           <p:nvPr>
-            <p:ph idx="1" type="body"/>
+            <p:ph type="body" idx="1"/>
           </p:nvPr>
         </p:nvSpPr>
         <p:spPr>
@@ -1315,12 +1376,12 @@
           </a:prstGeom>
         </p:spPr>
         <p:txBody>
-          <a:bodyPr anchorCtr="0" anchor="t" bIns="91425" lIns="91425" spcFirstLastPara="1" rIns="91425" wrap="square" tIns="91425">
+          <a:bodyPr spcFirstLastPara="1" wrap="square" lIns="91425" tIns="91425" rIns="91425" bIns="91425" anchor="t" anchorCtr="0">
             <a:noAutofit/>
           </a:bodyPr>
           <a:lstStyle/>
           <a:p>
-            <a:pPr indent="0" lvl="0" marL="0">
+            <a:pPr marL="0" lvl="0" indent="0">
               <a:spcBef>
                 <a:spcPts val="0"/>
               </a:spcBef>
@@ -1343,7 +1404,7 @@
             <a:endParaRPr/>
           </a:p>
           <a:p>
-            <a:pPr indent="0" lvl="0" marL="0">
+            <a:pPr marL="0" lvl="0" indent="0">
               <a:spcBef>
                 <a:spcPts val="0"/>
               </a:spcBef>
@@ -1352,13 +1413,10 @@
               </a:spcAft>
               <a:buNone/>
             </a:pPr>
-            <a:r>
-              <a:t/>
-            </a:r>
             <a:endParaRPr/>
           </a:p>
           <a:p>
-            <a:pPr indent="0" lvl="0" marL="0" rtl="0">
+            <a:pPr marL="0" lvl="0" indent="0" rtl="0">
               <a:spcBef>
                 <a:spcPts val="0"/>
               </a:spcBef>
@@ -1384,11 +1442,11 @@
 </file>
 
 <file path=ppt/notesSlides/notesSlide6.xml><?xml version="1.0" encoding="utf-8"?>
-<p:notes xmlns:a="http://schemas.openxmlformats.org/drawingml/2006/main" xmlns:r="http://schemas.openxmlformats.org/officeDocument/2006/relationships" xmlns:mc="http://schemas.openxmlformats.org/markup-compatibility/2006" xmlns:mv="urn:schemas-microsoft-com:mac:vml" xmlns:p="http://schemas.openxmlformats.org/presentationml/2006/main" xmlns:c="http://schemas.openxmlformats.org/drawingml/2006/chart" xmlns:dgm="http://schemas.openxmlformats.org/drawingml/2006/diagram" xmlns:o="urn:schemas-microsoft-com:office:office" xmlns:v="urn:schemas-microsoft-com:vml" xmlns:pvml="urn:schemas-microsoft-com:office:powerpoint" xmlns:com="http://schemas.openxmlformats.org/drawingml/2006/compatibility" xmlns:p14="http://schemas.microsoft.com/office/powerpoint/2010/main" xmlns:p15="http://schemas.microsoft.com/office/powerpoint/2012/main" showMasterPhAnim="0" showMasterSp="0">
+<p:notes xmlns:a="http://schemas.openxmlformats.org/drawingml/2006/main" xmlns:r="http://schemas.openxmlformats.org/officeDocument/2006/relationships" xmlns:p="http://schemas.openxmlformats.org/presentationml/2006/main" showMasterSp="0" showMasterPhAnim="0">
   <p:cSld>
     <p:spTree>
       <p:nvGrpSpPr>
-        <p:cNvPr id="107" name="Shape 107"/>
+        <p:cNvPr id="1" name="Shape 107"/>
         <p:cNvGrpSpPr/>
         <p:nvPr/>
       </p:nvGrpSpPr>
@@ -1403,9 +1461,11 @@
       <p:sp>
         <p:nvSpPr>
           <p:cNvPr id="108" name="Shape 108"/>
-          <p:cNvSpPr/>
+          <p:cNvSpPr>
+            <a:spLocks noGrp="1" noRot="1" noChangeAspect="1"/>
+          </p:cNvSpPr>
           <p:nvPr>
-            <p:ph idx="2" type="sldImg"/>
+            <p:ph type="sldImg" idx="2"/>
           </p:nvPr>
         </p:nvSpPr>
         <p:spPr>
@@ -1414,8 +1474,13 @@
             <a:ext cx="4572300" cy="3429000"/>
           </a:xfrm>
           <a:custGeom>
+            <a:avLst/>
+            <a:gdLst/>
+            <a:ahLst/>
+            <a:cxnLst/>
+            <a:rect l="0" t="0" r="0" b="0"/>
             <a:pathLst>
-              <a:path extrusionOk="0" h="120000" w="120000">
+              <a:path w="120000" h="120000" extrusionOk="0">
                 <a:moveTo>
                   <a:pt x="0" y="0"/>
                 </a:moveTo>
@@ -1437,9 +1502,11 @@
       <p:sp>
         <p:nvSpPr>
           <p:cNvPr id="109" name="Shape 109"/>
-          <p:cNvSpPr txBox="1"/>
+          <p:cNvSpPr txBox="1">
+            <a:spLocks noGrp="1"/>
+          </p:cNvSpPr>
           <p:nvPr>
-            <p:ph idx="1" type="body"/>
+            <p:ph type="body" idx="1"/>
           </p:nvPr>
         </p:nvSpPr>
         <p:spPr>
@@ -1452,12 +1519,12 @@
           </a:prstGeom>
         </p:spPr>
         <p:txBody>
-          <a:bodyPr anchorCtr="0" anchor="t" bIns="91425" lIns="91425" spcFirstLastPara="1" rIns="91425" wrap="square" tIns="91425">
+          <a:bodyPr spcFirstLastPara="1" wrap="square" lIns="91425" tIns="91425" rIns="91425" bIns="91425" anchor="t" anchorCtr="0">
             <a:noAutofit/>
           </a:bodyPr>
           <a:lstStyle/>
           <a:p>
-            <a:pPr indent="0" lvl="0" marL="0" rtl="0">
+            <a:pPr marL="0" lvl="0" indent="0" rtl="0">
               <a:spcBef>
                 <a:spcPts val="0"/>
               </a:spcBef>
@@ -1483,11 +1550,11 @@
 </file>
 
 <file path=ppt/notesSlides/notesSlide7.xml><?xml version="1.0" encoding="utf-8"?>
-<p:notes xmlns:a="http://schemas.openxmlformats.org/drawingml/2006/main" xmlns:r="http://schemas.openxmlformats.org/officeDocument/2006/relationships" xmlns:mc="http://schemas.openxmlformats.org/markup-compatibility/2006" xmlns:mv="urn:schemas-microsoft-com:mac:vml" xmlns:p="http://schemas.openxmlformats.org/presentationml/2006/main" xmlns:c="http://schemas.openxmlformats.org/drawingml/2006/chart" xmlns:dgm="http://schemas.openxmlformats.org/drawingml/2006/diagram" xmlns:o="urn:schemas-microsoft-com:office:office" xmlns:v="urn:schemas-microsoft-com:vml" xmlns:pvml="urn:schemas-microsoft-com:office:powerpoint" xmlns:com="http://schemas.openxmlformats.org/drawingml/2006/compatibility" xmlns:p14="http://schemas.microsoft.com/office/powerpoint/2010/main" xmlns:p15="http://schemas.microsoft.com/office/powerpoint/2012/main" showMasterPhAnim="0" showMasterSp="0">
+<p:notes xmlns:a="http://schemas.openxmlformats.org/drawingml/2006/main" xmlns:r="http://schemas.openxmlformats.org/officeDocument/2006/relationships" xmlns:p="http://schemas.openxmlformats.org/presentationml/2006/main" showMasterSp="0" showMasterPhAnim="0">
   <p:cSld>
     <p:spTree>
       <p:nvGrpSpPr>
-        <p:cNvPr id="114" name="Shape 114"/>
+        <p:cNvPr id="1" name="Shape 114"/>
         <p:cNvGrpSpPr/>
         <p:nvPr/>
       </p:nvGrpSpPr>
@@ -1502,9 +1569,11 @@
       <p:sp>
         <p:nvSpPr>
           <p:cNvPr id="115" name="Shape 115"/>
-          <p:cNvSpPr/>
+          <p:cNvSpPr>
+            <a:spLocks noGrp="1" noRot="1" noChangeAspect="1"/>
+          </p:cNvSpPr>
           <p:nvPr>
-            <p:ph idx="2" type="sldImg"/>
+            <p:ph type="sldImg" idx="2"/>
           </p:nvPr>
         </p:nvSpPr>
         <p:spPr>
@@ -1513,8 +1582,13 @@
             <a:ext cx="4572300" cy="3429000"/>
           </a:xfrm>
           <a:custGeom>
+            <a:avLst/>
+            <a:gdLst/>
+            <a:ahLst/>
+            <a:cxnLst/>
+            <a:rect l="0" t="0" r="0" b="0"/>
             <a:pathLst>
-              <a:path extrusionOk="0" h="120000" w="120000">
+              <a:path w="120000" h="120000" extrusionOk="0">
                 <a:moveTo>
                   <a:pt x="0" y="0"/>
                 </a:moveTo>
@@ -1536,9 +1610,11 @@
       <p:sp>
         <p:nvSpPr>
           <p:cNvPr id="116" name="Shape 116"/>
-          <p:cNvSpPr txBox="1"/>
+          <p:cNvSpPr txBox="1">
+            <a:spLocks noGrp="1"/>
+          </p:cNvSpPr>
           <p:nvPr>
-            <p:ph idx="1" type="body"/>
+            <p:ph type="body" idx="1"/>
           </p:nvPr>
         </p:nvSpPr>
         <p:spPr>
@@ -1551,12 +1627,12 @@
           </a:prstGeom>
         </p:spPr>
         <p:txBody>
-          <a:bodyPr anchorCtr="0" anchor="t" bIns="91425" lIns="91425" spcFirstLastPara="1" rIns="91425" wrap="square" tIns="91425">
+          <a:bodyPr spcFirstLastPara="1" wrap="square" lIns="91425" tIns="91425" rIns="91425" bIns="91425" anchor="t" anchorCtr="0">
             <a:noAutofit/>
           </a:bodyPr>
           <a:lstStyle/>
           <a:p>
-            <a:pPr indent="0" lvl="0" marL="0">
+            <a:pPr marL="0" lvl="0" indent="0">
               <a:spcBef>
                 <a:spcPts val="0"/>
               </a:spcBef>
@@ -1566,13 +1642,25 @@
               <a:buNone/>
             </a:pPr>
             <a:r>
-              <a:rPr lang="en"/>
+              <a:rPr lang="en" dirty="0"/>
               <a:t>Un problème rencontré dans l’émulateur Android, c’est qu’à partir de 40 matchs, le fichier JSON obtenus lors de la requête GET atteint sa limite. On n’est pas sûrs encore si ça vient du fait que la console d’Android Studio ne montre pas tous les caractères, ou si cela vient de la limite maximum imposée par MatchMore.</a:t>
             </a:r>
-            <a:endParaRPr/>
-          </a:p>
-          <a:p>
-            <a:pPr indent="0" lvl="0" marL="0">
+            <a:endParaRPr dirty="0"/>
+          </a:p>
+          <a:p>
+            <a:pPr marL="0" lvl="0" indent="0">
+              <a:spcBef>
+                <a:spcPts val="0"/>
+              </a:spcBef>
+              <a:spcAft>
+                <a:spcPts val="0"/>
+              </a:spcAft>
+              <a:buNone/>
+            </a:pPr>
+            <a:endParaRPr dirty="0"/>
+          </a:p>
+          <a:p>
+            <a:pPr marL="0" lvl="0" indent="0" rtl="0">
               <a:spcBef>
                 <a:spcPts val="0"/>
               </a:spcBef>
@@ -1582,25 +1670,26 @@
               <a:buNone/>
             </a:pPr>
             <a:r>
-              <a:t/>
+              <a:rPr lang="en" dirty="0"/>
+              <a:t>Un autre problème, mais cette fois dans la version APK-release, c’est que lorsqu’on lance l’app pour la première fois, l’application va mettre du temps pour se configurer et donc de trouver un </a:t>
             </a:r>
-            <a:endParaRPr/>
-          </a:p>
-          <a:p>
-            <a:pPr indent="0" lvl="0" marL="0" rtl="0">
-              <a:spcBef>
-                <a:spcPts val="0"/>
-              </a:spcBef>
-              <a:spcAft>
-                <a:spcPts val="0"/>
-              </a:spcAft>
-              <a:buNone/>
-            </a:pPr>
             <a:r>
               <a:rPr lang="en"/>
-              <a:t>Un autre problème, mais cette fois dans la version APK-release, c’est que lorsqu’on lance l’app pour la première fois, l’application va mettre du temps pour se configurer et donc de trouver un match. On doit aussi probablement rafraîchir l’onglet “Status” manuellement. La localisation du premier match (publication et souscription créées par le même device) va se faire en (0;0), sûrement à cause du temps de configuration. Les prochaines utilisation de l’app et les prochains matches n’ont pas de problèmes.</a:t>
+              <a:t>match</a:t>
             </a:r>
-            <a:endParaRPr/>
+            <a:r>
+              <a:rPr lang="en" smtClean="0"/>
+              <a:t>. </a:t>
+            </a:r>
+            <a:r>
+              <a:rPr lang="en" dirty="0" smtClean="0"/>
+              <a:t>La </a:t>
+            </a:r>
+            <a:r>
+              <a:rPr lang="en" dirty="0"/>
+              <a:t>localisation du premier match (publication et souscription créées par le même device) va se faire en (0;0), sûrement à cause du temps de configuration. Les prochaines utilisation de l’app et les prochains matches n’ont pas de problèmes.</a:t>
+            </a:r>
+            <a:endParaRPr dirty="0"/>
           </a:p>
         </p:txBody>
       </p:sp>
@@ -1613,11 +1702,11 @@
 </file>
 
 <file path=ppt/notesSlides/notesSlide8.xml><?xml version="1.0" encoding="utf-8"?>
-<p:notes xmlns:a="http://schemas.openxmlformats.org/drawingml/2006/main" xmlns:r="http://schemas.openxmlformats.org/officeDocument/2006/relationships" xmlns:mc="http://schemas.openxmlformats.org/markup-compatibility/2006" xmlns:mv="urn:schemas-microsoft-com:mac:vml" xmlns:p="http://schemas.openxmlformats.org/presentationml/2006/main" xmlns:c="http://schemas.openxmlformats.org/drawingml/2006/chart" xmlns:dgm="http://schemas.openxmlformats.org/drawingml/2006/diagram" xmlns:o="urn:schemas-microsoft-com:office:office" xmlns:v="urn:schemas-microsoft-com:vml" xmlns:pvml="urn:schemas-microsoft-com:office:powerpoint" xmlns:com="http://schemas.openxmlformats.org/drawingml/2006/compatibility" xmlns:p14="http://schemas.microsoft.com/office/powerpoint/2010/main" xmlns:p15="http://schemas.microsoft.com/office/powerpoint/2012/main" showMasterPhAnim="0" showMasterSp="0">
+<p:notes xmlns:a="http://schemas.openxmlformats.org/drawingml/2006/main" xmlns:r="http://schemas.openxmlformats.org/officeDocument/2006/relationships" xmlns:p="http://schemas.openxmlformats.org/presentationml/2006/main" showMasterSp="0" showMasterPhAnim="0">
   <p:cSld>
     <p:spTree>
       <p:nvGrpSpPr>
-        <p:cNvPr id="121" name="Shape 121"/>
+        <p:cNvPr id="1" name="Shape 121"/>
         <p:cNvGrpSpPr/>
         <p:nvPr/>
       </p:nvGrpSpPr>
@@ -1632,9 +1721,11 @@
       <p:sp>
         <p:nvSpPr>
           <p:cNvPr id="122" name="Shape 122"/>
-          <p:cNvSpPr/>
+          <p:cNvSpPr>
+            <a:spLocks noGrp="1" noRot="1" noChangeAspect="1"/>
+          </p:cNvSpPr>
           <p:nvPr>
-            <p:ph idx="2" type="sldImg"/>
+            <p:ph type="sldImg" idx="2"/>
           </p:nvPr>
         </p:nvSpPr>
         <p:spPr>
@@ -1643,8 +1734,13 @@
             <a:ext cx="4572300" cy="3429000"/>
           </a:xfrm>
           <a:custGeom>
+            <a:avLst/>
+            <a:gdLst/>
+            <a:ahLst/>
+            <a:cxnLst/>
+            <a:rect l="0" t="0" r="0" b="0"/>
             <a:pathLst>
-              <a:path extrusionOk="0" h="120000" w="120000">
+              <a:path w="120000" h="120000" extrusionOk="0">
                 <a:moveTo>
                   <a:pt x="0" y="0"/>
                 </a:moveTo>
@@ -1666,9 +1762,11 @@
       <p:sp>
         <p:nvSpPr>
           <p:cNvPr id="123" name="Shape 123"/>
-          <p:cNvSpPr txBox="1"/>
+          <p:cNvSpPr txBox="1">
+            <a:spLocks noGrp="1"/>
+          </p:cNvSpPr>
           <p:nvPr>
-            <p:ph idx="1" type="body"/>
+            <p:ph type="body" idx="1"/>
           </p:nvPr>
         </p:nvSpPr>
         <p:spPr>
@@ -1681,12 +1779,12 @@
           </a:prstGeom>
         </p:spPr>
         <p:txBody>
-          <a:bodyPr anchorCtr="0" anchor="t" bIns="91425" lIns="91425" spcFirstLastPara="1" rIns="91425" wrap="square" tIns="91425">
+          <a:bodyPr spcFirstLastPara="1" wrap="square" lIns="91425" tIns="91425" rIns="91425" bIns="91425" anchor="t" anchorCtr="0">
             <a:noAutofit/>
           </a:bodyPr>
           <a:lstStyle/>
           <a:p>
-            <a:pPr indent="0" lvl="0" marL="0" rtl="0">
+            <a:pPr marL="0" lvl="0" indent="0" rtl="0">
               <a:spcBef>
                 <a:spcPts val="0"/>
               </a:spcBef>
@@ -1712,11 +1810,11 @@
 </file>
 
 <file path=ppt/notesSlides/notesSlide9.xml><?xml version="1.0" encoding="utf-8"?>
-<p:notes xmlns:a="http://schemas.openxmlformats.org/drawingml/2006/main" xmlns:r="http://schemas.openxmlformats.org/officeDocument/2006/relationships" xmlns:mc="http://schemas.openxmlformats.org/markup-compatibility/2006" xmlns:mv="urn:schemas-microsoft-com:mac:vml" xmlns:p="http://schemas.openxmlformats.org/presentationml/2006/main" xmlns:c="http://schemas.openxmlformats.org/drawingml/2006/chart" xmlns:dgm="http://schemas.openxmlformats.org/drawingml/2006/diagram" xmlns:o="urn:schemas-microsoft-com:office:office" xmlns:v="urn:schemas-microsoft-com:vml" xmlns:pvml="urn:schemas-microsoft-com:office:powerpoint" xmlns:com="http://schemas.openxmlformats.org/drawingml/2006/compatibility" xmlns:p14="http://schemas.microsoft.com/office/powerpoint/2010/main" xmlns:p15="http://schemas.microsoft.com/office/powerpoint/2012/main" showMasterPhAnim="0" showMasterSp="0">
+<p:notes xmlns:a="http://schemas.openxmlformats.org/drawingml/2006/main" xmlns:r="http://schemas.openxmlformats.org/officeDocument/2006/relationships" xmlns:p="http://schemas.openxmlformats.org/presentationml/2006/main" showMasterSp="0" showMasterPhAnim="0">
   <p:cSld>
     <p:spTree>
       <p:nvGrpSpPr>
-        <p:cNvPr id="128" name="Shape 128"/>
+        <p:cNvPr id="1" name="Shape 128"/>
         <p:cNvGrpSpPr/>
         <p:nvPr/>
       </p:nvGrpSpPr>
@@ -1731,9 +1829,11 @@
       <p:sp>
         <p:nvSpPr>
           <p:cNvPr id="129" name="Shape 129"/>
-          <p:cNvSpPr/>
+          <p:cNvSpPr>
+            <a:spLocks noGrp="1" noRot="1" noChangeAspect="1"/>
+          </p:cNvSpPr>
           <p:nvPr>
-            <p:ph idx="2" type="sldImg"/>
+            <p:ph type="sldImg" idx="2"/>
           </p:nvPr>
         </p:nvSpPr>
         <p:spPr>
@@ -1742,8 +1842,13 @@
             <a:ext cx="4572300" cy="3429000"/>
           </a:xfrm>
           <a:custGeom>
+            <a:avLst/>
+            <a:gdLst/>
+            <a:ahLst/>
+            <a:cxnLst/>
+            <a:rect l="0" t="0" r="0" b="0"/>
             <a:pathLst>
-              <a:path extrusionOk="0" h="120000" w="120000">
+              <a:path w="120000" h="120000" extrusionOk="0">
                 <a:moveTo>
                   <a:pt x="0" y="0"/>
                 </a:moveTo>
@@ -1765,9 +1870,11 @@
       <p:sp>
         <p:nvSpPr>
           <p:cNvPr id="130" name="Shape 130"/>
-          <p:cNvSpPr txBox="1"/>
+          <p:cNvSpPr txBox="1">
+            <a:spLocks noGrp="1"/>
+          </p:cNvSpPr>
           <p:nvPr>
-            <p:ph idx="1" type="body"/>
+            <p:ph type="body" idx="1"/>
           </p:nvPr>
         </p:nvSpPr>
         <p:spPr>
@@ -1780,12 +1887,12 @@
           </a:prstGeom>
         </p:spPr>
         <p:txBody>
-          <a:bodyPr anchorCtr="0" anchor="t" bIns="91425" lIns="91425" spcFirstLastPara="1" rIns="91425" wrap="square" tIns="91425">
+          <a:bodyPr spcFirstLastPara="1" wrap="square" lIns="91425" tIns="91425" rIns="91425" bIns="91425" anchor="t" anchorCtr="0">
             <a:noAutofit/>
           </a:bodyPr>
           <a:lstStyle/>
           <a:p>
-            <a:pPr indent="0" lvl="0" marL="0" rtl="0">
+            <a:pPr marL="0" lvl="0" indent="0" rtl="0">
               <a:spcBef>
                 <a:spcPts val="0"/>
               </a:spcBef>
@@ -1811,7 +1918,7 @@
 </file>
 
 <file path=ppt/slideLayouts/slideLayout1.xml><?xml version="1.0" encoding="utf-8"?>
-<p:sldLayout xmlns:a="http://schemas.openxmlformats.org/drawingml/2006/main" xmlns:r="http://schemas.openxmlformats.org/officeDocument/2006/relationships" xmlns:mc="http://schemas.openxmlformats.org/markup-compatibility/2006" xmlns:mv="urn:schemas-microsoft-com:mac:vml" xmlns:p="http://schemas.openxmlformats.org/presentationml/2006/main" xmlns:c="http://schemas.openxmlformats.org/drawingml/2006/chart" xmlns:dgm="http://schemas.openxmlformats.org/drawingml/2006/diagram" xmlns:o="urn:schemas-microsoft-com:office:office" xmlns:v="urn:schemas-microsoft-com:vml" xmlns:pvml="urn:schemas-microsoft-com:office:powerpoint" xmlns:com="http://schemas.openxmlformats.org/drawingml/2006/compatibility" xmlns:p14="http://schemas.microsoft.com/office/powerpoint/2010/main" xmlns:p15="http://schemas.microsoft.com/office/powerpoint/2012/main" matchingName="Title" type="title">
+<p:sldLayout xmlns:a="http://schemas.openxmlformats.org/drawingml/2006/main" xmlns:r="http://schemas.openxmlformats.org/officeDocument/2006/relationships" xmlns:p="http://schemas.openxmlformats.org/presentationml/2006/main" matchingName="Title" type="title">
   <p:cSld name="TITLE">
     <p:bg>
       <p:bgPr>
@@ -1823,11 +1930,12 @@
             <a:fillRect/>
           </a:stretch>
         </a:blipFill>
+        <a:effectLst/>
       </p:bgPr>
     </p:bg>
     <p:spTree>
       <p:nvGrpSpPr>
-        <p:cNvPr id="9" name="Shape 9"/>
+        <p:cNvPr id="1" name="Shape 9"/>
         <p:cNvGrpSpPr/>
         <p:nvPr/>
       </p:nvGrpSpPr>
@@ -1842,7 +1950,9 @@
       <p:sp>
         <p:nvSpPr>
           <p:cNvPr id="10" name="Shape 10"/>
-          <p:cNvSpPr txBox="1"/>
+          <p:cNvSpPr txBox="1">
+            <a:spLocks noGrp="1"/>
+          </p:cNvSpPr>
           <p:nvPr>
             <p:ph type="ctrTitle"/>
           </p:nvPr>
@@ -1857,7 +1967,7 @@
           </a:prstGeom>
         </p:spPr>
         <p:txBody>
-          <a:bodyPr anchorCtr="0" anchor="t" bIns="91425" lIns="91425" spcFirstLastPara="1" rIns="91425" wrap="square" tIns="91425"/>
+          <a:bodyPr spcFirstLastPara="1" wrap="square" lIns="91425" tIns="91425" rIns="91425" bIns="91425" anchor="t" anchorCtr="0"/>
           <a:lstStyle>
             <a:lvl1pPr lvl="0">
               <a:spcBef>
@@ -1871,7 +1981,7 @@
               </a:buClr>
               <a:buSzPts val="6000"/>
               <a:buNone/>
-              <a:defRPr b="1" sz="6000">
+              <a:defRPr sz="6000" b="1">
                 <a:solidFill>
                   <a:srgbClr val="0091EA"/>
                 </a:solidFill>
@@ -1889,7 +1999,7 @@
               </a:buClr>
               <a:buSzPts val="6000"/>
               <a:buNone/>
-              <a:defRPr b="1" sz="6000">
+              <a:defRPr sz="6000" b="1">
                 <a:solidFill>
                   <a:srgbClr val="0091EA"/>
                 </a:solidFill>
@@ -1907,7 +2017,7 @@
               </a:buClr>
               <a:buSzPts val="6000"/>
               <a:buNone/>
-              <a:defRPr b="1" sz="6000">
+              <a:defRPr sz="6000" b="1">
                 <a:solidFill>
                   <a:srgbClr val="0091EA"/>
                 </a:solidFill>
@@ -1925,7 +2035,7 @@
               </a:buClr>
               <a:buSzPts val="6000"/>
               <a:buNone/>
-              <a:defRPr b="1" sz="6000">
+              <a:defRPr sz="6000" b="1">
                 <a:solidFill>
                   <a:srgbClr val="0091EA"/>
                 </a:solidFill>
@@ -1943,7 +2053,7 @@
               </a:buClr>
               <a:buSzPts val="6000"/>
               <a:buNone/>
-              <a:defRPr b="1" sz="6000">
+              <a:defRPr sz="6000" b="1">
                 <a:solidFill>
                   <a:srgbClr val="0091EA"/>
                 </a:solidFill>
@@ -1961,7 +2071,7 @@
               </a:buClr>
               <a:buSzPts val="6000"/>
               <a:buNone/>
-              <a:defRPr b="1" sz="6000">
+              <a:defRPr sz="6000" b="1">
                 <a:solidFill>
                   <a:srgbClr val="0091EA"/>
                 </a:solidFill>
@@ -1979,7 +2089,7 @@
               </a:buClr>
               <a:buSzPts val="6000"/>
               <a:buNone/>
-              <a:defRPr b="1" sz="6000">
+              <a:defRPr sz="6000" b="1">
                 <a:solidFill>
                   <a:srgbClr val="0091EA"/>
                 </a:solidFill>
@@ -1997,7 +2107,7 @@
               </a:buClr>
               <a:buSzPts val="6000"/>
               <a:buNone/>
-              <a:defRPr b="1" sz="6000">
+              <a:defRPr sz="6000" b="1">
                 <a:solidFill>
                   <a:srgbClr val="0091EA"/>
                 </a:solidFill>
@@ -2015,14 +2125,16 @@
               </a:buClr>
               <a:buSzPts val="6000"/>
               <a:buNone/>
-              <a:defRPr b="1" sz="6000">
+              <a:defRPr sz="6000" b="1">
                 <a:solidFill>
                   <a:srgbClr val="0091EA"/>
                 </a:solidFill>
               </a:defRPr>
             </a:lvl9pPr>
           </a:lstStyle>
-          <a:p/>
+          <a:p>
+            <a:endParaRPr/>
+          </a:p>
         </p:txBody>
       </p:sp>
       <p:sp>
@@ -2047,12 +2159,12 @@
           </a:ln>
         </p:spPr>
         <p:txBody>
-          <a:bodyPr anchorCtr="0" anchor="ctr" bIns="91425" lIns="91425" spcFirstLastPara="1" rIns="91425" wrap="square" tIns="91425">
+          <a:bodyPr spcFirstLastPara="1" wrap="square" lIns="91425" tIns="91425" rIns="91425" bIns="91425" anchor="ctr" anchorCtr="0">
             <a:noAutofit/>
           </a:bodyPr>
           <a:lstStyle/>
           <a:p>
-            <a:pPr indent="0" lvl="0" marL="0">
+            <a:pPr marL="0" lvl="0" indent="0">
               <a:spcBef>
                 <a:spcPts val="0"/>
               </a:spcBef>
@@ -2061,9 +2173,6 @@
               </a:spcAft>
               <a:buNone/>
             </a:pPr>
-            <a:r>
-              <a:t/>
-            </a:r>
             <a:endParaRPr/>
           </a:p>
         </p:txBody>
@@ -2090,12 +2199,12 @@
           </a:ln>
         </p:spPr>
         <p:txBody>
-          <a:bodyPr anchorCtr="0" anchor="ctr" bIns="91425" lIns="91425" spcFirstLastPara="1" rIns="91425" wrap="square" tIns="91425">
+          <a:bodyPr spcFirstLastPara="1" wrap="square" lIns="91425" tIns="91425" rIns="91425" bIns="91425" anchor="ctr" anchorCtr="0">
             <a:noAutofit/>
           </a:bodyPr>
           <a:lstStyle/>
           <a:p>
-            <a:pPr indent="0" lvl="0" marL="0">
+            <a:pPr marL="0" lvl="0" indent="0">
               <a:spcBef>
                 <a:spcPts val="0"/>
               </a:spcBef>
@@ -2104,9 +2213,6 @@
               </a:spcAft>
               <a:buNone/>
             </a:pPr>
-            <a:r>
-              <a:t/>
-            </a:r>
             <a:endParaRPr/>
           </a:p>
         </p:txBody>
@@ -2133,12 +2239,12 @@
           </a:ln>
         </p:spPr>
         <p:txBody>
-          <a:bodyPr anchorCtr="0" anchor="ctr" bIns="91425" lIns="91425" spcFirstLastPara="1" rIns="91425" wrap="square" tIns="91425">
+          <a:bodyPr spcFirstLastPara="1" wrap="square" lIns="91425" tIns="91425" rIns="91425" bIns="91425" anchor="ctr" anchorCtr="0">
             <a:noAutofit/>
           </a:bodyPr>
           <a:lstStyle/>
           <a:p>
-            <a:pPr indent="0" lvl="0" marL="0">
+            <a:pPr marL="0" lvl="0" indent="0">
               <a:spcBef>
                 <a:spcPts val="0"/>
               </a:spcBef>
@@ -2147,9 +2253,6 @@
               </a:spcAft>
               <a:buNone/>
             </a:pPr>
-            <a:r>
-              <a:t/>
-            </a:r>
             <a:endParaRPr/>
           </a:p>
         </p:txBody>
@@ -2176,12 +2279,12 @@
           </a:ln>
         </p:spPr>
         <p:txBody>
-          <a:bodyPr anchorCtr="0" anchor="ctr" bIns="91425" lIns="91425" spcFirstLastPara="1" rIns="91425" wrap="square" tIns="91425">
+          <a:bodyPr spcFirstLastPara="1" wrap="square" lIns="91425" tIns="91425" rIns="91425" bIns="91425" anchor="ctr" anchorCtr="0">
             <a:noAutofit/>
           </a:bodyPr>
           <a:lstStyle/>
           <a:p>
-            <a:pPr indent="0" lvl="0" marL="0">
+            <a:pPr marL="0" lvl="0" indent="0">
               <a:spcBef>
                 <a:spcPts val="0"/>
               </a:spcBef>
@@ -2190,9 +2293,6 @@
               </a:spcAft>
               <a:buNone/>
             </a:pPr>
-            <a:r>
-              <a:t/>
-            </a:r>
             <a:endParaRPr/>
           </a:p>
         </p:txBody>
@@ -2219,12 +2319,12 @@
           </a:ln>
         </p:spPr>
         <p:txBody>
-          <a:bodyPr anchorCtr="0" anchor="ctr" bIns="91425" lIns="91425" spcFirstLastPara="1" rIns="91425" wrap="square" tIns="91425">
+          <a:bodyPr spcFirstLastPara="1" wrap="square" lIns="91425" tIns="91425" rIns="91425" bIns="91425" anchor="ctr" anchorCtr="0">
             <a:noAutofit/>
           </a:bodyPr>
           <a:lstStyle/>
           <a:p>
-            <a:pPr indent="0" lvl="0" marL="0">
+            <a:pPr marL="0" lvl="0" indent="0">
               <a:spcBef>
                 <a:spcPts val="0"/>
               </a:spcBef>
@@ -2233,9 +2333,6 @@
               </a:spcAft>
               <a:buNone/>
             </a:pPr>
-            <a:r>
-              <a:t/>
-            </a:r>
             <a:endParaRPr/>
           </a:p>
         </p:txBody>
@@ -2262,12 +2359,12 @@
           </a:ln>
         </p:spPr>
         <p:txBody>
-          <a:bodyPr anchorCtr="0" anchor="ctr" bIns="91425" lIns="91425" spcFirstLastPara="1" rIns="91425" wrap="square" tIns="91425">
+          <a:bodyPr spcFirstLastPara="1" wrap="square" lIns="91425" tIns="91425" rIns="91425" bIns="91425" anchor="ctr" anchorCtr="0">
             <a:noAutofit/>
           </a:bodyPr>
           <a:lstStyle/>
           <a:p>
-            <a:pPr indent="0" lvl="0" marL="0">
+            <a:pPr marL="0" lvl="0" indent="0">
               <a:spcBef>
                 <a:spcPts val="0"/>
               </a:spcBef>
@@ -2276,9 +2373,6 @@
               </a:spcAft>
               <a:buNone/>
             </a:pPr>
-            <a:r>
-              <a:t/>
-            </a:r>
             <a:endParaRPr/>
           </a:p>
         </p:txBody>
@@ -2305,12 +2399,12 @@
           </a:ln>
         </p:spPr>
         <p:txBody>
-          <a:bodyPr anchorCtr="0" anchor="ctr" bIns="91425" lIns="91425" spcFirstLastPara="1" rIns="91425" wrap="square" tIns="91425">
+          <a:bodyPr spcFirstLastPara="1" wrap="square" lIns="91425" tIns="91425" rIns="91425" bIns="91425" anchor="ctr" anchorCtr="0">
             <a:noAutofit/>
           </a:bodyPr>
           <a:lstStyle/>
           <a:p>
-            <a:pPr indent="0" lvl="0" marL="0">
+            <a:pPr marL="0" lvl="0" indent="0">
               <a:spcBef>
                 <a:spcPts val="0"/>
               </a:spcBef>
@@ -2319,9 +2413,6 @@
               </a:spcAft>
               <a:buNone/>
             </a:pPr>
-            <a:r>
-              <a:t/>
-            </a:r>
             <a:endParaRPr/>
           </a:p>
         </p:txBody>
@@ -2341,23 +2432,23 @@
             <a:avLst/>
           </a:prstGeom>
           <a:noFill/>
-          <a:ln cap="flat" cmpd="sng" w="19050">
+          <a:ln w="19050" cap="flat" cmpd="sng">
             <a:solidFill>
               <a:srgbClr val="0091EA"/>
             </a:solidFill>
             <a:prstDash val="solid"/>
             <a:round/>
-            <a:headEnd len="sm" w="sm" type="none"/>
-            <a:tailEnd len="sm" w="sm" type="none"/>
+            <a:headEnd type="none" w="sm" len="sm"/>
+            <a:tailEnd type="none" w="sm" len="sm"/>
           </a:ln>
         </p:spPr>
         <p:txBody>
-          <a:bodyPr anchorCtr="0" anchor="ctr" bIns="91425" lIns="91425" spcFirstLastPara="1" rIns="91425" wrap="square" tIns="91425">
+          <a:bodyPr spcFirstLastPara="1" wrap="square" lIns="91425" tIns="91425" rIns="91425" bIns="91425" anchor="ctr" anchorCtr="0">
             <a:noAutofit/>
           </a:bodyPr>
           <a:lstStyle/>
           <a:p>
-            <a:pPr indent="0" lvl="0" marL="0">
+            <a:pPr marL="0" lvl="0" indent="0">
               <a:spcBef>
                 <a:spcPts val="0"/>
               </a:spcBef>
@@ -2366,9 +2457,6 @@
               </a:spcAft>
               <a:buNone/>
             </a:pPr>
-            <a:r>
-              <a:t/>
-            </a:r>
             <a:endParaRPr/>
           </a:p>
         </p:txBody>
@@ -2388,23 +2476,23 @@
             <a:avLst/>
           </a:prstGeom>
           <a:noFill/>
-          <a:ln cap="flat" cmpd="sng" w="19050">
+          <a:ln w="19050" cap="flat" cmpd="sng">
             <a:solidFill>
               <a:srgbClr val="0091EA"/>
             </a:solidFill>
             <a:prstDash val="solid"/>
             <a:round/>
-            <a:headEnd len="sm" w="sm" type="none"/>
-            <a:tailEnd len="sm" w="sm" type="none"/>
+            <a:headEnd type="none" w="sm" len="sm"/>
+            <a:tailEnd type="none" w="sm" len="sm"/>
           </a:ln>
         </p:spPr>
         <p:txBody>
-          <a:bodyPr anchorCtr="0" anchor="ctr" bIns="91425" lIns="91425" spcFirstLastPara="1" rIns="91425" wrap="square" tIns="91425">
+          <a:bodyPr spcFirstLastPara="1" wrap="square" lIns="91425" tIns="91425" rIns="91425" bIns="91425" anchor="ctr" anchorCtr="0">
             <a:noAutofit/>
           </a:bodyPr>
           <a:lstStyle/>
           <a:p>
-            <a:pPr indent="0" lvl="0" marL="0">
+            <a:pPr marL="0" lvl="0" indent="0">
               <a:spcBef>
                 <a:spcPts val="0"/>
               </a:spcBef>
@@ -2413,9 +2501,6 @@
               </a:spcAft>
               <a:buNone/>
             </a:pPr>
-            <a:r>
-              <a:t/>
-            </a:r>
             <a:endParaRPr/>
           </a:p>
         </p:txBody>
@@ -2435,23 +2520,23 @@
             <a:avLst/>
           </a:prstGeom>
           <a:noFill/>
-          <a:ln cap="flat" cmpd="sng" w="19050">
+          <a:ln w="19050" cap="flat" cmpd="sng">
             <a:solidFill>
               <a:srgbClr val="0091EA"/>
             </a:solidFill>
             <a:prstDash val="solid"/>
             <a:round/>
-            <a:headEnd len="sm" w="sm" type="none"/>
-            <a:tailEnd len="sm" w="sm" type="none"/>
+            <a:headEnd type="none" w="sm" len="sm"/>
+            <a:tailEnd type="none" w="sm" len="sm"/>
           </a:ln>
         </p:spPr>
         <p:txBody>
-          <a:bodyPr anchorCtr="0" anchor="ctr" bIns="91425" lIns="91425" spcFirstLastPara="1" rIns="91425" wrap="square" tIns="91425">
+          <a:bodyPr spcFirstLastPara="1" wrap="square" lIns="91425" tIns="91425" rIns="91425" bIns="91425" anchor="ctr" anchorCtr="0">
             <a:noAutofit/>
           </a:bodyPr>
           <a:lstStyle/>
           <a:p>
-            <a:pPr indent="0" lvl="0" marL="0">
+            <a:pPr marL="0" lvl="0" indent="0">
               <a:spcBef>
                 <a:spcPts val="0"/>
               </a:spcBef>
@@ -2460,9 +2545,6 @@
               </a:spcAft>
               <a:buNone/>
             </a:pPr>
-            <a:r>
-              <a:t/>
-            </a:r>
             <a:endParaRPr/>
           </a:p>
         </p:txBody>
@@ -2489,12 +2571,12 @@
           </a:ln>
         </p:spPr>
         <p:txBody>
-          <a:bodyPr anchorCtr="0" anchor="ctr" bIns="91425" lIns="91425" spcFirstLastPara="1" rIns="91425" wrap="square" tIns="91425">
+          <a:bodyPr spcFirstLastPara="1" wrap="square" lIns="91425" tIns="91425" rIns="91425" bIns="91425" anchor="ctr" anchorCtr="0">
             <a:noAutofit/>
           </a:bodyPr>
           <a:lstStyle/>
           <a:p>
-            <a:pPr indent="0" lvl="0" marL="0">
+            <a:pPr marL="0" lvl="0" indent="0">
               <a:spcBef>
                 <a:spcPts val="0"/>
               </a:spcBef>
@@ -2503,9 +2585,6 @@
               </a:spcAft>
               <a:buNone/>
             </a:pPr>
-            <a:r>
-              <a:t/>
-            </a:r>
             <a:endParaRPr/>
           </a:p>
         </p:txBody>
@@ -2525,23 +2604,23 @@
             <a:avLst/>
           </a:prstGeom>
           <a:noFill/>
-          <a:ln cap="flat" cmpd="sng" w="19050">
+          <a:ln w="19050" cap="flat" cmpd="sng">
             <a:solidFill>
               <a:srgbClr val="0091EA"/>
             </a:solidFill>
             <a:prstDash val="solid"/>
             <a:round/>
-            <a:headEnd len="sm" w="sm" type="none"/>
-            <a:tailEnd len="sm" w="sm" type="none"/>
+            <a:headEnd type="none" w="sm" len="sm"/>
+            <a:tailEnd type="none" w="sm" len="sm"/>
           </a:ln>
         </p:spPr>
         <p:txBody>
-          <a:bodyPr anchorCtr="0" anchor="ctr" bIns="91425" lIns="91425" spcFirstLastPara="1" rIns="91425" wrap="square" tIns="91425">
+          <a:bodyPr spcFirstLastPara="1" wrap="square" lIns="91425" tIns="91425" rIns="91425" bIns="91425" anchor="ctr" anchorCtr="0">
             <a:noAutofit/>
           </a:bodyPr>
           <a:lstStyle/>
           <a:p>
-            <a:pPr indent="0" lvl="0" marL="0">
+            <a:pPr marL="0" lvl="0" indent="0">
               <a:spcBef>
                 <a:spcPts val="0"/>
               </a:spcBef>
@@ -2550,9 +2629,6 @@
               </a:spcAft>
               <a:buNone/>
             </a:pPr>
-            <a:r>
-              <a:t/>
-            </a:r>
             <a:endParaRPr/>
           </a:p>
         </p:txBody>
@@ -2579,12 +2655,12 @@
           </a:ln>
         </p:spPr>
         <p:txBody>
-          <a:bodyPr anchorCtr="0" anchor="ctr" bIns="91425" lIns="91425" spcFirstLastPara="1" rIns="91425" wrap="square" tIns="91425">
+          <a:bodyPr spcFirstLastPara="1" wrap="square" lIns="91425" tIns="91425" rIns="91425" bIns="91425" anchor="ctr" anchorCtr="0">
             <a:noAutofit/>
           </a:bodyPr>
           <a:lstStyle/>
           <a:p>
-            <a:pPr indent="0" lvl="0" marL="0">
+            <a:pPr marL="0" lvl="0" indent="0">
               <a:spcBef>
                 <a:spcPts val="0"/>
               </a:spcBef>
@@ -2593,9 +2669,6 @@
               </a:spcAft>
               <a:buNone/>
             </a:pPr>
-            <a:r>
-              <a:t/>
-            </a:r>
             <a:endParaRPr/>
           </a:p>
         </p:txBody>
@@ -2622,12 +2695,12 @@
           </a:ln>
         </p:spPr>
         <p:txBody>
-          <a:bodyPr anchorCtr="0" anchor="ctr" bIns="91425" lIns="91425" spcFirstLastPara="1" rIns="91425" wrap="square" tIns="91425">
+          <a:bodyPr spcFirstLastPara="1" wrap="square" lIns="91425" tIns="91425" rIns="91425" bIns="91425" anchor="ctr" anchorCtr="0">
             <a:noAutofit/>
           </a:bodyPr>
           <a:lstStyle/>
           <a:p>
-            <a:pPr indent="0" lvl="0" marL="0">
+            <a:pPr marL="0" lvl="0" indent="0">
               <a:spcBef>
                 <a:spcPts val="0"/>
               </a:spcBef>
@@ -2636,9 +2709,6 @@
               </a:spcAft>
               <a:buNone/>
             </a:pPr>
-            <a:r>
-              <a:t/>
-            </a:r>
             <a:endParaRPr/>
           </a:p>
         </p:txBody>
@@ -2658,23 +2728,23 @@
             <a:avLst/>
           </a:prstGeom>
           <a:noFill/>
-          <a:ln cap="flat" cmpd="sng" w="19050">
+          <a:ln w="19050" cap="flat" cmpd="sng">
             <a:solidFill>
               <a:srgbClr val="0091EA"/>
             </a:solidFill>
             <a:prstDash val="solid"/>
             <a:round/>
-            <a:headEnd len="sm" w="sm" type="none"/>
-            <a:tailEnd len="sm" w="sm" type="none"/>
+            <a:headEnd type="none" w="sm" len="sm"/>
+            <a:tailEnd type="none" w="sm" len="sm"/>
           </a:ln>
         </p:spPr>
         <p:txBody>
-          <a:bodyPr anchorCtr="0" anchor="ctr" bIns="91425" lIns="91425" spcFirstLastPara="1" rIns="91425" wrap="square" tIns="91425">
+          <a:bodyPr spcFirstLastPara="1" wrap="square" lIns="91425" tIns="91425" rIns="91425" bIns="91425" anchor="ctr" anchorCtr="0">
             <a:noAutofit/>
           </a:bodyPr>
           <a:lstStyle/>
           <a:p>
-            <a:pPr indent="0" lvl="0" marL="0">
+            <a:pPr marL="0" lvl="0" indent="0">
               <a:spcBef>
                 <a:spcPts val="0"/>
               </a:spcBef>
@@ -2683,9 +2753,6 @@
               </a:spcAft>
               <a:buNone/>
             </a:pPr>
-            <a:r>
-              <a:t/>
-            </a:r>
             <a:endParaRPr/>
           </a:p>
         </p:txBody>
@@ -2699,7 +2766,7 @@
 </file>
 
 <file path=ppt/slideLayouts/slideLayout10.xml><?xml version="1.0" encoding="utf-8"?>
-<p:sldLayout xmlns:a="http://schemas.openxmlformats.org/drawingml/2006/main" xmlns:r="http://schemas.openxmlformats.org/officeDocument/2006/relationships" xmlns:mc="http://schemas.openxmlformats.org/markup-compatibility/2006" xmlns:mv="urn:schemas-microsoft-com:mac:vml" xmlns:p="http://schemas.openxmlformats.org/presentationml/2006/main" xmlns:c="http://schemas.openxmlformats.org/drawingml/2006/chart" xmlns:dgm="http://schemas.openxmlformats.org/drawingml/2006/diagram" xmlns:o="urn:schemas-microsoft-com:office:office" xmlns:v="urn:schemas-microsoft-com:vml" xmlns:pvml="urn:schemas-microsoft-com:office:powerpoint" xmlns:com="http://schemas.openxmlformats.org/drawingml/2006/compatibility" xmlns:p14="http://schemas.microsoft.com/office/powerpoint/2010/main" xmlns:p15="http://schemas.microsoft.com/office/powerpoint/2012/main" matchingName="Blank complete pattern">
+<p:sldLayout xmlns:a="http://schemas.openxmlformats.org/drawingml/2006/main" xmlns:r="http://schemas.openxmlformats.org/officeDocument/2006/relationships" xmlns:p="http://schemas.openxmlformats.org/presentationml/2006/main" matchingName="Blank complete pattern">
   <p:cSld name="BLANK_1">
     <p:bg>
       <p:bgPr>
@@ -2711,11 +2778,12 @@
             <a:fillRect/>
           </a:stretch>
         </a:blipFill>
+        <a:effectLst/>
       </p:bgPr>
     </p:bg>
     <p:spTree>
       <p:nvGrpSpPr>
-        <p:cNvPr id="63" name="Shape 63"/>
+        <p:cNvPr id="1" name="Shape 63"/>
         <p:cNvGrpSpPr/>
         <p:nvPr/>
       </p:nvGrpSpPr>
@@ -2751,12 +2819,12 @@
           </a:ln>
         </p:spPr>
         <p:txBody>
-          <a:bodyPr anchorCtr="0" anchor="ctr" bIns="91425" lIns="91425" spcFirstLastPara="1" rIns="91425" wrap="square" tIns="91425">
+          <a:bodyPr spcFirstLastPara="1" wrap="square" lIns="91425" tIns="91425" rIns="91425" bIns="91425" anchor="ctr" anchorCtr="0">
             <a:noAutofit/>
           </a:bodyPr>
           <a:lstStyle/>
           <a:p>
-            <a:pPr indent="0" lvl="0" marL="0">
+            <a:pPr marL="0" lvl="0" indent="0">
               <a:spcBef>
                 <a:spcPts val="0"/>
               </a:spcBef>
@@ -2765,9 +2833,6 @@
               </a:spcAft>
               <a:buNone/>
             </a:pPr>
-            <a:r>
-              <a:t/>
-            </a:r>
             <a:endParaRPr/>
           </a:p>
         </p:txBody>
@@ -2775,9 +2840,11 @@
       <p:sp>
         <p:nvSpPr>
           <p:cNvPr id="65" name="Shape 65"/>
-          <p:cNvSpPr txBox="1"/>
+          <p:cNvSpPr txBox="1">
+            <a:spLocks noGrp="1"/>
+          </p:cNvSpPr>
           <p:nvPr>
-            <p:ph idx="12" type="sldNum"/>
+            <p:ph type="sldNum" idx="12"/>
           </p:nvPr>
         </p:nvSpPr>
         <p:spPr>
@@ -2790,7 +2857,7 @@
           </a:prstGeom>
         </p:spPr>
         <p:txBody>
-          <a:bodyPr anchorCtr="0" anchor="t" bIns="91425" lIns="91425" spcFirstLastPara="1" rIns="91425" wrap="square" tIns="91425">
+          <a:bodyPr spcFirstLastPara="1" wrap="square" lIns="91425" tIns="91425" rIns="91425" bIns="91425" anchor="t" anchorCtr="0">
             <a:noAutofit/>
           </a:bodyPr>
           <a:lstStyle>
@@ -2832,7 +2899,7 @@
             </a:lvl9pPr>
           </a:lstStyle>
           <a:p>
-            <a:pPr indent="0" lvl="0" marL="0">
+            <a:pPr marL="0" lvl="0" indent="0">
               <a:spcBef>
                 <a:spcPts val="0"/>
               </a:spcBef>
@@ -2843,7 +2910,16 @@
             </a:pPr>
             <a:fld id="{00000000-1234-1234-1234-123412341234}" type="slidenum">
               <a:rPr lang="en"/>
-              <a:t>‹#›</a:t>
+              <a:pPr marL="0" lvl="0" indent="0">
+                <a:spcBef>
+                  <a:spcPts val="0"/>
+                </a:spcBef>
+                <a:spcAft>
+                  <a:spcPts val="0"/>
+                </a:spcAft>
+                <a:buNone/>
+              </a:pPr>
+              <a:t>‹N°›</a:t>
             </a:fld>
             <a:endParaRPr/>
           </a:p>
@@ -2858,7 +2934,7 @@
 </file>
 
 <file path=ppt/slideLayouts/slideLayout2.xml><?xml version="1.0" encoding="utf-8"?>
-<p:sldLayout xmlns:a="http://schemas.openxmlformats.org/drawingml/2006/main" xmlns:r="http://schemas.openxmlformats.org/officeDocument/2006/relationships" xmlns:mc="http://schemas.openxmlformats.org/markup-compatibility/2006" xmlns:mv="urn:schemas-microsoft-com:mac:vml" xmlns:p="http://schemas.openxmlformats.org/presentationml/2006/main" xmlns:c="http://schemas.openxmlformats.org/drawingml/2006/chart" xmlns:dgm="http://schemas.openxmlformats.org/drawingml/2006/diagram" xmlns:o="urn:schemas-microsoft-com:office:office" xmlns:v="urn:schemas-microsoft-com:vml" xmlns:pvml="urn:schemas-microsoft-com:office:powerpoint" xmlns:com="http://schemas.openxmlformats.org/drawingml/2006/compatibility" xmlns:p14="http://schemas.microsoft.com/office/powerpoint/2010/main" xmlns:p15="http://schemas.microsoft.com/office/powerpoint/2012/main" matchingName="Subtitle">
+<p:sldLayout xmlns:a="http://schemas.openxmlformats.org/drawingml/2006/main" xmlns:r="http://schemas.openxmlformats.org/officeDocument/2006/relationships" xmlns:p="http://schemas.openxmlformats.org/presentationml/2006/main" matchingName="Subtitle">
   <p:cSld name="TITLE_1">
     <p:bg>
       <p:bgPr>
@@ -2870,11 +2946,12 @@
             <a:fillRect/>
           </a:stretch>
         </a:blipFill>
+        <a:effectLst/>
       </p:bgPr>
     </p:bg>
     <p:spTree>
       <p:nvGrpSpPr>
-        <p:cNvPr id="26" name="Shape 26"/>
+        <p:cNvPr id="1" name="Shape 26"/>
         <p:cNvGrpSpPr/>
         <p:nvPr/>
       </p:nvGrpSpPr>
@@ -2889,7 +2966,9 @@
       <p:sp>
         <p:nvSpPr>
           <p:cNvPr id="27" name="Shape 27"/>
-          <p:cNvSpPr txBox="1"/>
+          <p:cNvSpPr txBox="1">
+            <a:spLocks noGrp="1"/>
+          </p:cNvSpPr>
           <p:nvPr>
             <p:ph type="ctrTitle"/>
           </p:nvPr>
@@ -2904,7 +2983,7 @@
           </a:prstGeom>
         </p:spPr>
         <p:txBody>
-          <a:bodyPr anchorCtr="0" anchor="b" bIns="91425" lIns="91425" spcFirstLastPara="1" rIns="91425" wrap="square" tIns="91425"/>
+          <a:bodyPr spcFirstLastPara="1" wrap="square" lIns="91425" tIns="91425" rIns="91425" bIns="91425" anchor="b" anchorCtr="0"/>
           <a:lstStyle>
             <a:lvl1pPr lvl="0" rtl="0">
               <a:spcBef>
@@ -2915,7 +2994,7 @@
               </a:spcAft>
               <a:buSzPts val="4800"/>
               <a:buNone/>
-              <a:defRPr b="1" sz="4800"/>
+              <a:defRPr sz="4800" b="1"/>
             </a:lvl1pPr>
             <a:lvl2pPr lvl="1" rtl="0">
               <a:spcBef>
@@ -2926,7 +3005,7 @@
               </a:spcAft>
               <a:buSzPts val="4800"/>
               <a:buNone/>
-              <a:defRPr b="1" sz="4800"/>
+              <a:defRPr sz="4800" b="1"/>
             </a:lvl2pPr>
             <a:lvl3pPr lvl="2" rtl="0">
               <a:spcBef>
@@ -2937,7 +3016,7 @@
               </a:spcAft>
               <a:buSzPts val="4800"/>
               <a:buNone/>
-              <a:defRPr b="1" sz="4800"/>
+              <a:defRPr sz="4800" b="1"/>
             </a:lvl3pPr>
             <a:lvl4pPr lvl="3" rtl="0">
               <a:spcBef>
@@ -2948,7 +3027,7 @@
               </a:spcAft>
               <a:buSzPts val="4800"/>
               <a:buNone/>
-              <a:defRPr b="1" sz="4800"/>
+              <a:defRPr sz="4800" b="1"/>
             </a:lvl4pPr>
             <a:lvl5pPr lvl="4" rtl="0">
               <a:spcBef>
@@ -2959,7 +3038,7 @@
               </a:spcAft>
               <a:buSzPts val="4800"/>
               <a:buNone/>
-              <a:defRPr b="1" sz="4800"/>
+              <a:defRPr sz="4800" b="1"/>
             </a:lvl5pPr>
             <a:lvl6pPr lvl="5" rtl="0">
               <a:spcBef>
@@ -2970,7 +3049,7 @@
               </a:spcAft>
               <a:buSzPts val="4800"/>
               <a:buNone/>
-              <a:defRPr b="1" sz="4800"/>
+              <a:defRPr sz="4800" b="1"/>
             </a:lvl6pPr>
             <a:lvl7pPr lvl="6" rtl="0">
               <a:spcBef>
@@ -2981,7 +3060,7 @@
               </a:spcAft>
               <a:buSzPts val="4800"/>
               <a:buNone/>
-              <a:defRPr b="1" sz="4800"/>
+              <a:defRPr sz="4800" b="1"/>
             </a:lvl7pPr>
             <a:lvl8pPr lvl="7" rtl="0">
               <a:spcBef>
@@ -2992,7 +3071,7 @@
               </a:spcAft>
               <a:buSzPts val="4800"/>
               <a:buNone/>
-              <a:defRPr b="1" sz="4800"/>
+              <a:defRPr sz="4800" b="1"/>
             </a:lvl8pPr>
             <a:lvl9pPr lvl="8" rtl="0">
               <a:spcBef>
@@ -3003,18 +3082,22 @@
               </a:spcAft>
               <a:buSzPts val="4800"/>
               <a:buNone/>
-              <a:defRPr b="1" sz="4800"/>
+              <a:defRPr sz="4800" b="1"/>
             </a:lvl9pPr>
           </a:lstStyle>
-          <a:p/>
+          <a:p>
+            <a:endParaRPr/>
+          </a:p>
         </p:txBody>
       </p:sp>
       <p:sp>
         <p:nvSpPr>
           <p:cNvPr id="28" name="Shape 28"/>
-          <p:cNvSpPr txBox="1"/>
+          <p:cNvSpPr txBox="1">
+            <a:spLocks noGrp="1"/>
+          </p:cNvSpPr>
           <p:nvPr>
-            <p:ph idx="1" type="subTitle"/>
+            <p:ph type="subTitle" idx="1"/>
           </p:nvPr>
         </p:nvSpPr>
         <p:spPr>
@@ -3027,7 +3110,7 @@
           </a:prstGeom>
         </p:spPr>
         <p:txBody>
-          <a:bodyPr anchorCtr="0" anchor="t" bIns="91425" lIns="91425" spcFirstLastPara="1" rIns="91425" wrap="square" tIns="91425"/>
+          <a:bodyPr spcFirstLastPara="1" wrap="square" lIns="91425" tIns="91425" rIns="91425" bIns="91425" anchor="t" anchorCtr="0"/>
           <a:lstStyle>
             <a:lvl1pPr lvl="0" rtl="0">
               <a:spcBef>
@@ -3192,7 +3275,9 @@
               </a:defRPr>
             </a:lvl9pPr>
           </a:lstStyle>
-          <a:p/>
+          <a:p>
+            <a:endParaRPr/>
+          </a:p>
         </p:txBody>
       </p:sp>
     </p:spTree>
@@ -3204,11 +3289,11 @@
 </file>
 
 <file path=ppt/slideLayouts/slideLayout3.xml><?xml version="1.0" encoding="utf-8"?>
-<p:sldLayout xmlns:a="http://schemas.openxmlformats.org/drawingml/2006/main" xmlns:r="http://schemas.openxmlformats.org/officeDocument/2006/relationships" xmlns:mc="http://schemas.openxmlformats.org/markup-compatibility/2006" xmlns:mv="urn:schemas-microsoft-com:mac:vml" xmlns:p="http://schemas.openxmlformats.org/presentationml/2006/main" xmlns:c="http://schemas.openxmlformats.org/drawingml/2006/chart" xmlns:dgm="http://schemas.openxmlformats.org/drawingml/2006/diagram" xmlns:o="urn:schemas-microsoft-com:office:office" xmlns:v="urn:schemas-microsoft-com:vml" xmlns:pvml="urn:schemas-microsoft-com:office:powerpoint" xmlns:com="http://schemas.openxmlformats.org/drawingml/2006/compatibility" xmlns:p14="http://schemas.microsoft.com/office/powerpoint/2010/main" xmlns:p15="http://schemas.microsoft.com/office/powerpoint/2012/main" matchingName="Quote">
+<p:sldLayout xmlns:a="http://schemas.openxmlformats.org/drawingml/2006/main" xmlns:r="http://schemas.openxmlformats.org/officeDocument/2006/relationships" xmlns:p="http://schemas.openxmlformats.org/presentationml/2006/main" matchingName="Quote">
   <p:cSld name="TITLE_1_1">
     <p:spTree>
       <p:nvGrpSpPr>
-        <p:cNvPr id="29" name="Shape 29"/>
+        <p:cNvPr id="1" name="Shape 29"/>
         <p:cNvGrpSpPr/>
         <p:nvPr/>
       </p:nvGrpSpPr>
@@ -3222,7 +3307,7 @@
       </p:grpSpPr>
       <p:pic>
         <p:nvPicPr>
-          <p:cNvPr descr="connections-05.png" id="30" name="Shape 30"/>
+          <p:cNvPr id="30" name="Shape 30" descr="connections-05.png"/>
           <p:cNvPicPr preferRelativeResize="0"/>
           <p:nvPr/>
         </p:nvPicPr>
@@ -3235,7 +3320,7 @@
           </a:stretch>
         </p:blipFill>
         <p:spPr>
-          <a:xfrm flipH="1" rot="10800000">
+          <a:xfrm rot="10800000" flipH="1">
             <a:off x="5945" y="0"/>
             <a:ext cx="9132109" cy="6858000"/>
           </a:xfrm>
@@ -3251,9 +3336,11 @@
       <p:sp>
         <p:nvSpPr>
           <p:cNvPr id="31" name="Shape 31"/>
-          <p:cNvSpPr txBox="1"/>
+          <p:cNvSpPr txBox="1">
+            <a:spLocks noGrp="1"/>
+          </p:cNvSpPr>
           <p:nvPr>
-            <p:ph idx="1" type="body"/>
+            <p:ph type="body" idx="1"/>
           </p:nvPr>
         </p:nvSpPr>
         <p:spPr>
@@ -3266,9 +3353,9 @@
           </a:prstGeom>
         </p:spPr>
         <p:txBody>
-          <a:bodyPr anchorCtr="0" anchor="t" bIns="91425" lIns="91425" spcFirstLastPara="1" rIns="91425" wrap="square" tIns="91425"/>
+          <a:bodyPr spcFirstLastPara="1" wrap="square" lIns="91425" tIns="91425" rIns="91425" bIns="91425" anchor="t" anchorCtr="0"/>
           <a:lstStyle>
-            <a:lvl1pPr indent="-457200" lvl="0" marL="457200" rtl="0" algn="ctr">
+            <a:lvl1pPr marL="457200" lvl="0" indent="-457200" algn="ctr" rtl="0">
               <a:spcBef>
                 <a:spcPts val="600"/>
               </a:spcBef>
@@ -3280,9 +3367,9 @@
               </a:buClr>
               <a:buSzPts val="3600"/>
               <a:buChar char="◎"/>
-              <a:defRPr i="1" sz="3600"/>
+              <a:defRPr sz="3600" i="1"/>
             </a:lvl1pPr>
-            <a:lvl2pPr indent="-457200" lvl="1" marL="914400" rtl="0" algn="ctr">
+            <a:lvl2pPr marL="914400" lvl="1" indent="-457200" algn="ctr" rtl="0">
               <a:spcBef>
                 <a:spcPts val="0"/>
               </a:spcBef>
@@ -3294,9 +3381,9 @@
               </a:buClr>
               <a:buSzPts val="3600"/>
               <a:buChar char="○"/>
-              <a:defRPr i="1" sz="3600"/>
+              <a:defRPr sz="3600" i="1"/>
             </a:lvl2pPr>
-            <a:lvl3pPr indent="-457200" lvl="2" marL="1371600" rtl="0" algn="ctr">
+            <a:lvl3pPr marL="1371600" lvl="2" indent="-457200" algn="ctr" rtl="0">
               <a:spcBef>
                 <a:spcPts val="0"/>
               </a:spcBef>
@@ -3308,9 +3395,9 @@
               </a:buClr>
               <a:buSzPts val="3600"/>
               <a:buChar char="◉"/>
-              <a:defRPr i="1" sz="3600"/>
+              <a:defRPr sz="3600" i="1"/>
             </a:lvl3pPr>
-            <a:lvl4pPr indent="-457200" lvl="3" marL="1828800" rtl="0" algn="ctr">
+            <a:lvl4pPr marL="1828800" lvl="3" indent="-457200" algn="ctr" rtl="0">
               <a:spcBef>
                 <a:spcPts val="0"/>
               </a:spcBef>
@@ -3322,9 +3409,9 @@
               </a:buClr>
               <a:buSzPts val="3600"/>
               <a:buChar char="●"/>
-              <a:defRPr i="1" sz="3600"/>
+              <a:defRPr sz="3600" i="1"/>
             </a:lvl4pPr>
-            <a:lvl5pPr indent="-457200" lvl="4" marL="2286000" rtl="0" algn="ctr">
+            <a:lvl5pPr marL="2286000" lvl="4" indent="-457200" algn="ctr" rtl="0">
               <a:spcBef>
                 <a:spcPts val="0"/>
               </a:spcBef>
@@ -3336,9 +3423,9 @@
               </a:buClr>
               <a:buSzPts val="3600"/>
               <a:buChar char="○"/>
-              <a:defRPr i="1" sz="3600"/>
+              <a:defRPr sz="3600" i="1"/>
             </a:lvl5pPr>
-            <a:lvl6pPr indent="-457200" lvl="5" marL="2743200" rtl="0" algn="ctr">
+            <a:lvl6pPr marL="2743200" lvl="5" indent="-457200" algn="ctr" rtl="0">
               <a:spcBef>
                 <a:spcPts val="0"/>
               </a:spcBef>
@@ -3350,9 +3437,9 @@
               </a:buClr>
               <a:buSzPts val="3600"/>
               <a:buChar char="■"/>
-              <a:defRPr i="1" sz="3600"/>
+              <a:defRPr sz="3600" i="1"/>
             </a:lvl6pPr>
-            <a:lvl7pPr indent="-457200" lvl="6" marL="3200400" rtl="0" algn="ctr">
+            <a:lvl7pPr marL="3200400" lvl="6" indent="-457200" algn="ctr" rtl="0">
               <a:spcBef>
                 <a:spcPts val="0"/>
               </a:spcBef>
@@ -3364,9 +3451,9 @@
               </a:buClr>
               <a:buSzPts val="3600"/>
               <a:buChar char="●"/>
-              <a:defRPr i="1" sz="3600"/>
+              <a:defRPr sz="3600" i="1"/>
             </a:lvl7pPr>
-            <a:lvl8pPr indent="-457200" lvl="7" marL="3657600" rtl="0" algn="ctr">
+            <a:lvl8pPr marL="3657600" lvl="7" indent="-457200" algn="ctr" rtl="0">
               <a:spcBef>
                 <a:spcPts val="0"/>
               </a:spcBef>
@@ -3378,9 +3465,9 @@
               </a:buClr>
               <a:buSzPts val="3600"/>
               <a:buChar char="○"/>
-              <a:defRPr i="1" sz="3600"/>
+              <a:defRPr sz="3600" i="1"/>
             </a:lvl8pPr>
-            <a:lvl9pPr indent="-457200" lvl="8" marL="4114800" algn="ctr">
+            <a:lvl9pPr marL="4114800" lvl="8" indent="-457200" algn="ctr">
               <a:spcBef>
                 <a:spcPts val="0"/>
               </a:spcBef>
@@ -3392,10 +3479,12 @@
               </a:buClr>
               <a:buSzPts val="3600"/>
               <a:buChar char="■"/>
-              <a:defRPr i="1" sz="3600"/>
+              <a:defRPr sz="3600" i="1"/>
             </a:lvl9pPr>
           </a:lstStyle>
-          <a:p/>
+          <a:p>
+            <a:endParaRPr/>
+          </a:p>
         </p:txBody>
       </p:sp>
       <p:grpSp>
@@ -3432,12 +3521,12 @@
             </a:ln>
           </p:spPr>
           <p:txBody>
-            <a:bodyPr anchorCtr="0" anchor="t" bIns="91425" lIns="91425" spcFirstLastPara="1" rIns="91425" wrap="square" tIns="91425">
+            <a:bodyPr spcFirstLastPara="1" wrap="square" lIns="91425" tIns="91425" rIns="91425" bIns="91425" anchor="t" anchorCtr="0">
               <a:noAutofit/>
             </a:bodyPr>
             <a:lstStyle/>
             <a:p>
-              <a:pPr indent="0" lvl="0" marL="0" algn="ctr">
+              <a:pPr marL="0" lvl="0" indent="0" algn="ctr">
                 <a:spcBef>
                   <a:spcPts val="0"/>
                 </a:spcBef>
@@ -3447,7 +3536,7 @@
                 <a:buNone/>
               </a:pPr>
               <a:r>
-                <a:rPr b="1" lang="en" sz="6000">
+                <a:rPr lang="en" sz="6000" b="1">
                   <a:solidFill>
                     <a:srgbClr val="0091EA"/>
                   </a:solidFill>
@@ -3458,7 +3547,7 @@
                 </a:rPr>
                 <a:t>“</a:t>
               </a:r>
-              <a:endParaRPr b="1" sz="6000">
+              <a:endParaRPr sz="6000" b="1">
                 <a:solidFill>
                   <a:srgbClr val="0091EA"/>
                 </a:solidFill>
@@ -3485,23 +3574,23 @@
               <a:avLst/>
             </a:prstGeom>
             <a:noFill/>
-            <a:ln cap="flat" cmpd="sng" w="9525">
+            <a:ln w="9525" cap="flat" cmpd="sng">
               <a:solidFill>
                 <a:srgbClr val="CFD8DC"/>
               </a:solidFill>
               <a:prstDash val="dash"/>
               <a:round/>
-              <a:headEnd len="sm" w="sm" type="none"/>
-              <a:tailEnd len="sm" w="sm" type="none"/>
+              <a:headEnd type="none" w="sm" len="sm"/>
+              <a:tailEnd type="none" w="sm" len="sm"/>
             </a:ln>
           </p:spPr>
           <p:txBody>
-            <a:bodyPr anchorCtr="0" anchor="ctr" bIns="91425" lIns="91425" spcFirstLastPara="1" rIns="91425" wrap="square" tIns="91425">
+            <a:bodyPr spcFirstLastPara="1" wrap="square" lIns="91425" tIns="91425" rIns="91425" bIns="91425" anchor="ctr" anchorCtr="0">
               <a:noAutofit/>
             </a:bodyPr>
             <a:lstStyle/>
             <a:p>
-              <a:pPr indent="0" lvl="0" marL="0">
+              <a:pPr marL="0" lvl="0" indent="0">
                 <a:spcBef>
                   <a:spcPts val="0"/>
                 </a:spcBef>
@@ -3510,9 +3599,6 @@
                 </a:spcAft>
                 <a:buNone/>
               </a:pPr>
-              <a:r>
-                <a:t/>
-              </a:r>
               <a:endParaRPr/>
             </a:p>
           </p:txBody>
@@ -3532,23 +3618,23 @@
               <a:avLst/>
             </a:prstGeom>
             <a:noFill/>
-            <a:ln cap="flat" cmpd="sng" w="19050">
+            <a:ln w="19050" cap="flat" cmpd="sng">
               <a:solidFill>
                 <a:srgbClr val="CFD8DC"/>
               </a:solidFill>
               <a:prstDash val="solid"/>
               <a:round/>
-              <a:headEnd len="sm" w="sm" type="none"/>
-              <a:tailEnd len="sm" w="sm" type="none"/>
+              <a:headEnd type="none" w="sm" len="sm"/>
+              <a:tailEnd type="none" w="sm" len="sm"/>
             </a:ln>
           </p:spPr>
           <p:txBody>
-            <a:bodyPr anchorCtr="0" anchor="ctr" bIns="91425" lIns="91425" spcFirstLastPara="1" rIns="91425" wrap="square" tIns="91425">
+            <a:bodyPr spcFirstLastPara="1" wrap="square" lIns="91425" tIns="91425" rIns="91425" bIns="91425" anchor="ctr" anchorCtr="0">
               <a:noAutofit/>
             </a:bodyPr>
             <a:lstStyle/>
             <a:p>
-              <a:pPr indent="0" lvl="0" marL="0">
+              <a:pPr marL="0" lvl="0" indent="0">
                 <a:spcBef>
                   <a:spcPts val="0"/>
                 </a:spcBef>
@@ -3557,9 +3643,6 @@
                 </a:spcAft>
                 <a:buNone/>
               </a:pPr>
-              <a:r>
-                <a:t/>
-              </a:r>
               <a:endParaRPr/>
             </a:p>
           </p:txBody>
@@ -3582,14 +3665,14 @@
             <a:avLst/>
           </a:prstGeom>
           <a:noFill/>
-          <a:ln cap="flat" cmpd="sng" w="9525">
+          <a:ln w="9525" cap="flat" cmpd="sng">
             <a:solidFill>
               <a:srgbClr val="CFD8DC"/>
             </a:solidFill>
             <a:prstDash val="solid"/>
             <a:round/>
-            <a:headEnd len="med" w="med" type="none"/>
-            <a:tailEnd len="med" w="med" type="none"/>
+            <a:headEnd type="none" w="med" len="med"/>
+            <a:tailEnd type="none" w="med" len="med"/>
           </a:ln>
         </p:spPr>
       </p:cxnSp>
@@ -3608,14 +3691,14 @@
             <a:avLst/>
           </a:prstGeom>
           <a:noFill/>
-          <a:ln cap="flat" cmpd="sng" w="9525">
+          <a:ln w="9525" cap="flat" cmpd="sng">
             <a:solidFill>
               <a:srgbClr val="CFD8DC"/>
             </a:solidFill>
             <a:prstDash val="solid"/>
             <a:round/>
-            <a:headEnd len="med" w="med" type="none"/>
-            <a:tailEnd len="med" w="med" type="none"/>
+            <a:headEnd type="none" w="med" len="med"/>
+            <a:tailEnd type="none" w="med" len="med"/>
           </a:ln>
         </p:spPr>
       </p:cxnSp>
@@ -3626,7 +3709,7 @@
           <p:nvPr/>
         </p:nvCxnSpPr>
         <p:spPr>
-          <a:xfrm flipH="1" rot="10800000">
+          <a:xfrm rot="10800000" flipH="1">
             <a:off x="4749075" y="753125"/>
             <a:ext cx="95100" cy="348900"/>
           </a:xfrm>
@@ -3634,23 +3717,25 @@
             <a:avLst/>
           </a:prstGeom>
           <a:noFill/>
-          <a:ln cap="flat" cmpd="sng" w="9525">
+          <a:ln w="9525" cap="flat" cmpd="sng">
             <a:solidFill>
               <a:srgbClr val="CFD8DC"/>
             </a:solidFill>
             <a:prstDash val="solid"/>
             <a:round/>
-            <a:headEnd len="med" w="med" type="none"/>
-            <a:tailEnd len="med" w="med" type="none"/>
+            <a:headEnd type="none" w="med" len="med"/>
+            <a:tailEnd type="none" w="med" len="med"/>
           </a:ln>
         </p:spPr>
       </p:cxnSp>
       <p:sp>
         <p:nvSpPr>
           <p:cNvPr id="39" name="Shape 39"/>
-          <p:cNvSpPr txBox="1"/>
+          <p:cNvSpPr txBox="1">
+            <a:spLocks noGrp="1"/>
+          </p:cNvSpPr>
           <p:nvPr>
-            <p:ph idx="12" type="sldNum"/>
+            <p:ph type="sldNum" idx="12"/>
           </p:nvPr>
         </p:nvSpPr>
         <p:spPr>
@@ -3663,7 +3748,7 @@
           </a:prstGeom>
         </p:spPr>
         <p:txBody>
-          <a:bodyPr anchorCtr="0" anchor="t" bIns="91425" lIns="91425" spcFirstLastPara="1" rIns="91425" wrap="square" tIns="91425">
+          <a:bodyPr spcFirstLastPara="1" wrap="square" lIns="91425" tIns="91425" rIns="91425" bIns="91425" anchor="t" anchorCtr="0">
             <a:noAutofit/>
           </a:bodyPr>
           <a:lstStyle>
@@ -3705,7 +3790,7 @@
             </a:lvl9pPr>
           </a:lstStyle>
           <a:p>
-            <a:pPr indent="0" lvl="0" marL="0">
+            <a:pPr marL="0" lvl="0" indent="0">
               <a:spcBef>
                 <a:spcPts val="0"/>
               </a:spcBef>
@@ -3716,7 +3801,16 @@
             </a:pPr>
             <a:fld id="{00000000-1234-1234-1234-123412341234}" type="slidenum">
               <a:rPr lang="en"/>
-              <a:t>‹#›</a:t>
+              <a:pPr marL="0" lvl="0" indent="0">
+                <a:spcBef>
+                  <a:spcPts val="0"/>
+                </a:spcBef>
+                <a:spcAft>
+                  <a:spcPts val="0"/>
+                </a:spcAft>
+                <a:buNone/>
+              </a:pPr>
+              <a:t>‹N°›</a:t>
             </a:fld>
             <a:endParaRPr/>
           </a:p>
@@ -3731,11 +3825,11 @@
 </file>
 
 <file path=ppt/slideLayouts/slideLayout4.xml><?xml version="1.0" encoding="utf-8"?>
-<p:sldLayout xmlns:a="http://schemas.openxmlformats.org/drawingml/2006/main" xmlns:r="http://schemas.openxmlformats.org/officeDocument/2006/relationships" xmlns:mc="http://schemas.openxmlformats.org/markup-compatibility/2006" xmlns:mv="urn:schemas-microsoft-com:mac:vml" xmlns:p="http://schemas.openxmlformats.org/presentationml/2006/main" xmlns:c="http://schemas.openxmlformats.org/drawingml/2006/chart" xmlns:dgm="http://schemas.openxmlformats.org/drawingml/2006/diagram" xmlns:o="urn:schemas-microsoft-com:office:office" xmlns:v="urn:schemas-microsoft-com:vml" xmlns:pvml="urn:schemas-microsoft-com:office:powerpoint" xmlns:com="http://schemas.openxmlformats.org/drawingml/2006/compatibility" xmlns:p14="http://schemas.microsoft.com/office/powerpoint/2010/main" xmlns:p15="http://schemas.microsoft.com/office/powerpoint/2012/main" matchingName="Title + 1 column" type="tx">
+<p:sldLayout xmlns:a="http://schemas.openxmlformats.org/drawingml/2006/main" xmlns:r="http://schemas.openxmlformats.org/officeDocument/2006/relationships" xmlns:p="http://schemas.openxmlformats.org/presentationml/2006/main" matchingName="Title + 1 column" type="tx">
   <p:cSld name="TITLE_AND_BODY">
     <p:spTree>
       <p:nvGrpSpPr>
-        <p:cNvPr id="40" name="Shape 40"/>
+        <p:cNvPr id="1" name="Shape 40"/>
         <p:cNvGrpSpPr/>
         <p:nvPr/>
       </p:nvGrpSpPr>
@@ -3750,7 +3844,9 @@
       <p:sp>
         <p:nvSpPr>
           <p:cNvPr id="41" name="Shape 41"/>
-          <p:cNvSpPr txBox="1"/>
+          <p:cNvSpPr txBox="1">
+            <a:spLocks noGrp="1"/>
+          </p:cNvSpPr>
           <p:nvPr>
             <p:ph type="title"/>
           </p:nvPr>
@@ -3765,7 +3861,7 @@
           </a:prstGeom>
         </p:spPr>
         <p:txBody>
-          <a:bodyPr anchorCtr="0" anchor="b" bIns="91425" lIns="91425" spcFirstLastPara="1" rIns="91425" wrap="square" tIns="91425"/>
+          <a:bodyPr spcFirstLastPara="1" wrap="square" lIns="91425" tIns="91425" rIns="91425" bIns="91425" anchor="b" anchorCtr="0"/>
           <a:lstStyle>
             <a:lvl1pPr lvl="0">
               <a:spcBef>
@@ -3867,15 +3963,19 @@
               <a:defRPr/>
             </a:lvl9pPr>
           </a:lstStyle>
-          <a:p/>
+          <a:p>
+            <a:endParaRPr/>
+          </a:p>
         </p:txBody>
       </p:sp>
       <p:sp>
         <p:nvSpPr>
           <p:cNvPr id="42" name="Shape 42"/>
-          <p:cNvSpPr txBox="1"/>
+          <p:cNvSpPr txBox="1">
+            <a:spLocks noGrp="1"/>
+          </p:cNvSpPr>
           <p:nvPr>
-            <p:ph idx="1" type="body"/>
+            <p:ph type="body" idx="1"/>
           </p:nvPr>
         </p:nvSpPr>
         <p:spPr>
@@ -3888,9 +3988,9 @@
           </a:prstGeom>
         </p:spPr>
         <p:txBody>
-          <a:bodyPr anchorCtr="0" anchor="t" bIns="91425" lIns="91425" spcFirstLastPara="1" rIns="91425" wrap="square" tIns="91425"/>
+          <a:bodyPr spcFirstLastPara="1" wrap="square" lIns="91425" tIns="91425" rIns="91425" bIns="91425" anchor="t" anchorCtr="0"/>
           <a:lstStyle>
-            <a:lvl1pPr indent="-419100" lvl="0" marL="457200">
+            <a:lvl1pPr marL="457200" lvl="0" indent="-419100">
               <a:spcBef>
                 <a:spcPts val="600"/>
               </a:spcBef>
@@ -3901,7 +4001,7 @@
               <a:buChar char="◎"/>
               <a:defRPr/>
             </a:lvl1pPr>
-            <a:lvl2pPr indent="-381000" lvl="1" marL="914400">
+            <a:lvl2pPr marL="914400" lvl="1" indent="-381000">
               <a:spcBef>
                 <a:spcPts val="0"/>
               </a:spcBef>
@@ -3912,7 +4012,7 @@
               <a:buChar char="○"/>
               <a:defRPr/>
             </a:lvl2pPr>
-            <a:lvl3pPr indent="-381000" lvl="2" marL="1371600">
+            <a:lvl3pPr marL="1371600" lvl="2" indent="-381000">
               <a:spcBef>
                 <a:spcPts val="0"/>
               </a:spcBef>
@@ -3923,7 +4023,7 @@
               <a:buChar char="◉"/>
               <a:defRPr/>
             </a:lvl3pPr>
-            <a:lvl4pPr indent="-342900" lvl="3" marL="1828800">
+            <a:lvl4pPr marL="1828800" lvl="3" indent="-342900">
               <a:spcBef>
                 <a:spcPts val="0"/>
               </a:spcBef>
@@ -3934,7 +4034,7 @@
               <a:buChar char="●"/>
               <a:defRPr/>
             </a:lvl4pPr>
-            <a:lvl5pPr indent="-342900" lvl="4" marL="2286000">
+            <a:lvl5pPr marL="2286000" lvl="4" indent="-342900">
               <a:spcBef>
                 <a:spcPts val="0"/>
               </a:spcBef>
@@ -3945,7 +4045,7 @@
               <a:buChar char="○"/>
               <a:defRPr/>
             </a:lvl5pPr>
-            <a:lvl6pPr indent="-342900" lvl="5" marL="2743200">
+            <a:lvl6pPr marL="2743200" lvl="5" indent="-342900">
               <a:spcBef>
                 <a:spcPts val="0"/>
               </a:spcBef>
@@ -3956,7 +4056,7 @@
               <a:buChar char="■"/>
               <a:defRPr/>
             </a:lvl6pPr>
-            <a:lvl7pPr indent="-342900" lvl="6" marL="3200400">
+            <a:lvl7pPr marL="3200400" lvl="6" indent="-342900">
               <a:spcBef>
                 <a:spcPts val="0"/>
               </a:spcBef>
@@ -3967,7 +4067,7 @@
               <a:buChar char="●"/>
               <a:defRPr/>
             </a:lvl7pPr>
-            <a:lvl8pPr indent="-342900" lvl="7" marL="3657600">
+            <a:lvl8pPr marL="3657600" lvl="7" indent="-342900">
               <a:spcBef>
                 <a:spcPts val="0"/>
               </a:spcBef>
@@ -3978,7 +4078,7 @@
               <a:buChar char="○"/>
               <a:defRPr/>
             </a:lvl8pPr>
-            <a:lvl9pPr indent="-342900" lvl="8" marL="4114800">
+            <a:lvl9pPr marL="4114800" lvl="8" indent="-342900">
               <a:spcBef>
                 <a:spcPts val="0"/>
               </a:spcBef>
@@ -3990,15 +4090,19 @@
               <a:defRPr/>
             </a:lvl9pPr>
           </a:lstStyle>
-          <a:p/>
+          <a:p>
+            <a:endParaRPr/>
+          </a:p>
         </p:txBody>
       </p:sp>
       <p:sp>
         <p:nvSpPr>
           <p:cNvPr id="43" name="Shape 43"/>
-          <p:cNvSpPr txBox="1"/>
+          <p:cNvSpPr txBox="1">
+            <a:spLocks noGrp="1"/>
+          </p:cNvSpPr>
           <p:nvPr>
-            <p:ph idx="12" type="sldNum"/>
+            <p:ph type="sldNum" idx="12"/>
           </p:nvPr>
         </p:nvSpPr>
         <p:spPr>
@@ -4011,7 +4115,7 @@
           </a:prstGeom>
         </p:spPr>
         <p:txBody>
-          <a:bodyPr anchorCtr="0" anchor="t" bIns="91425" lIns="91425" spcFirstLastPara="1" rIns="91425" wrap="square" tIns="91425">
+          <a:bodyPr spcFirstLastPara="1" wrap="square" lIns="91425" tIns="91425" rIns="91425" bIns="91425" anchor="t" anchorCtr="0">
             <a:noAutofit/>
           </a:bodyPr>
           <a:lstStyle>
@@ -4053,7 +4157,7 @@
             </a:lvl9pPr>
           </a:lstStyle>
           <a:p>
-            <a:pPr indent="0" lvl="0" marL="0">
+            <a:pPr marL="0" lvl="0" indent="0">
               <a:spcBef>
                 <a:spcPts val="0"/>
               </a:spcBef>
@@ -4064,7 +4168,16 @@
             </a:pPr>
             <a:fld id="{00000000-1234-1234-1234-123412341234}" type="slidenum">
               <a:rPr lang="en"/>
-              <a:t>‹#›</a:t>
+              <a:pPr marL="0" lvl="0" indent="0">
+                <a:spcBef>
+                  <a:spcPts val="0"/>
+                </a:spcBef>
+                <a:spcAft>
+                  <a:spcPts val="0"/>
+                </a:spcAft>
+                <a:buNone/>
+              </a:pPr>
+              <a:t>‹N°›</a:t>
             </a:fld>
             <a:endParaRPr/>
           </a:p>
@@ -4079,11 +4192,11 @@
 </file>
 
 <file path=ppt/slideLayouts/slideLayout5.xml><?xml version="1.0" encoding="utf-8"?>
-<p:sldLayout xmlns:a="http://schemas.openxmlformats.org/drawingml/2006/main" xmlns:r="http://schemas.openxmlformats.org/officeDocument/2006/relationships" xmlns:mc="http://schemas.openxmlformats.org/markup-compatibility/2006" xmlns:mv="urn:schemas-microsoft-com:mac:vml" xmlns:p="http://schemas.openxmlformats.org/presentationml/2006/main" xmlns:c="http://schemas.openxmlformats.org/drawingml/2006/chart" xmlns:dgm="http://schemas.openxmlformats.org/drawingml/2006/diagram" xmlns:o="urn:schemas-microsoft-com:office:office" xmlns:v="urn:schemas-microsoft-com:vml" xmlns:pvml="urn:schemas-microsoft-com:office:powerpoint" xmlns:com="http://schemas.openxmlformats.org/drawingml/2006/compatibility" xmlns:p14="http://schemas.microsoft.com/office/powerpoint/2010/main" xmlns:p15="http://schemas.microsoft.com/office/powerpoint/2012/main" matchingName="Title + 2 columns" type="twoColTx">
+<p:sldLayout xmlns:a="http://schemas.openxmlformats.org/drawingml/2006/main" xmlns:r="http://schemas.openxmlformats.org/officeDocument/2006/relationships" xmlns:p="http://schemas.openxmlformats.org/presentationml/2006/main" matchingName="Title + 2 columns" type="twoColTx">
   <p:cSld name="TITLE_AND_TWO_COLUMNS">
     <p:spTree>
       <p:nvGrpSpPr>
-        <p:cNvPr id="44" name="Shape 44"/>
+        <p:cNvPr id="1" name="Shape 44"/>
         <p:cNvGrpSpPr/>
         <p:nvPr/>
       </p:nvGrpSpPr>
@@ -4098,7 +4211,9 @@
       <p:sp>
         <p:nvSpPr>
           <p:cNvPr id="45" name="Shape 45"/>
-          <p:cNvSpPr txBox="1"/>
+          <p:cNvSpPr txBox="1">
+            <a:spLocks noGrp="1"/>
+          </p:cNvSpPr>
           <p:nvPr>
             <p:ph type="title"/>
           </p:nvPr>
@@ -4113,7 +4228,7 @@
           </a:prstGeom>
         </p:spPr>
         <p:txBody>
-          <a:bodyPr anchorCtr="0" anchor="b" bIns="91425" lIns="91425" spcFirstLastPara="1" rIns="91425" wrap="square" tIns="91425"/>
+          <a:bodyPr spcFirstLastPara="1" wrap="square" lIns="91425" tIns="91425" rIns="91425" bIns="91425" anchor="b" anchorCtr="0"/>
           <a:lstStyle>
             <a:lvl1pPr lvl="0">
               <a:spcBef>
@@ -4215,15 +4330,19 @@
               <a:defRPr/>
             </a:lvl9pPr>
           </a:lstStyle>
-          <a:p/>
+          <a:p>
+            <a:endParaRPr/>
+          </a:p>
         </p:txBody>
       </p:sp>
       <p:sp>
         <p:nvSpPr>
           <p:cNvPr id="46" name="Shape 46"/>
-          <p:cNvSpPr txBox="1"/>
+          <p:cNvSpPr txBox="1">
+            <a:spLocks noGrp="1"/>
+          </p:cNvSpPr>
           <p:nvPr>
-            <p:ph idx="1" type="body"/>
+            <p:ph type="body" idx="1"/>
           </p:nvPr>
         </p:nvSpPr>
         <p:spPr>
@@ -4236,9 +4355,9 @@
           </a:prstGeom>
         </p:spPr>
         <p:txBody>
-          <a:bodyPr anchorCtr="0" anchor="t" bIns="91425" lIns="91425" spcFirstLastPara="1" rIns="91425" wrap="square" tIns="91425"/>
+          <a:bodyPr spcFirstLastPara="1" wrap="square" lIns="91425" tIns="91425" rIns="91425" bIns="91425" anchor="t" anchorCtr="0"/>
           <a:lstStyle>
-            <a:lvl1pPr indent="-393700" lvl="0" marL="457200">
+            <a:lvl1pPr marL="457200" lvl="0" indent="-393700">
               <a:spcBef>
                 <a:spcPts val="600"/>
               </a:spcBef>
@@ -4249,7 +4368,7 @@
               <a:buChar char="◎"/>
               <a:defRPr sz="2600"/>
             </a:lvl1pPr>
-            <a:lvl2pPr indent="-393700" lvl="1" marL="914400">
+            <a:lvl2pPr marL="914400" lvl="1" indent="-393700">
               <a:spcBef>
                 <a:spcPts val="0"/>
               </a:spcBef>
@@ -4260,7 +4379,7 @@
               <a:buChar char="○"/>
               <a:defRPr sz="2600"/>
             </a:lvl2pPr>
-            <a:lvl3pPr indent="-393700" lvl="2" marL="1371600">
+            <a:lvl3pPr marL="1371600" lvl="2" indent="-393700">
               <a:spcBef>
                 <a:spcPts val="0"/>
               </a:spcBef>
@@ -4271,7 +4390,7 @@
               <a:buChar char="◉"/>
               <a:defRPr sz="2600"/>
             </a:lvl3pPr>
-            <a:lvl4pPr indent="-393700" lvl="3" marL="1828800">
+            <a:lvl4pPr marL="1828800" lvl="3" indent="-393700">
               <a:spcBef>
                 <a:spcPts val="0"/>
               </a:spcBef>
@@ -4282,7 +4401,7 @@
               <a:buChar char="●"/>
               <a:defRPr sz="2600"/>
             </a:lvl4pPr>
-            <a:lvl5pPr indent="-393700" lvl="4" marL="2286000">
+            <a:lvl5pPr marL="2286000" lvl="4" indent="-393700">
               <a:spcBef>
                 <a:spcPts val="0"/>
               </a:spcBef>
@@ -4293,7 +4412,7 @@
               <a:buChar char="○"/>
               <a:defRPr sz="2600"/>
             </a:lvl5pPr>
-            <a:lvl6pPr indent="-393700" lvl="5" marL="2743200">
+            <a:lvl6pPr marL="2743200" lvl="5" indent="-393700">
               <a:spcBef>
                 <a:spcPts val="0"/>
               </a:spcBef>
@@ -4304,7 +4423,7 @@
               <a:buChar char="■"/>
               <a:defRPr sz="2600"/>
             </a:lvl6pPr>
-            <a:lvl7pPr indent="-393700" lvl="6" marL="3200400">
+            <a:lvl7pPr marL="3200400" lvl="6" indent="-393700">
               <a:spcBef>
                 <a:spcPts val="0"/>
               </a:spcBef>
@@ -4315,7 +4434,7 @@
               <a:buChar char="●"/>
               <a:defRPr sz="2600"/>
             </a:lvl7pPr>
-            <a:lvl8pPr indent="-393700" lvl="7" marL="3657600">
+            <a:lvl8pPr marL="3657600" lvl="7" indent="-393700">
               <a:spcBef>
                 <a:spcPts val="0"/>
               </a:spcBef>
@@ -4326,7 +4445,7 @@
               <a:buChar char="○"/>
               <a:defRPr sz="2600"/>
             </a:lvl8pPr>
-            <a:lvl9pPr indent="-393700" lvl="8" marL="4114800">
+            <a:lvl9pPr marL="4114800" lvl="8" indent="-393700">
               <a:spcBef>
                 <a:spcPts val="0"/>
               </a:spcBef>
@@ -4338,15 +4457,19 @@
               <a:defRPr sz="2600"/>
             </a:lvl9pPr>
           </a:lstStyle>
-          <a:p/>
+          <a:p>
+            <a:endParaRPr/>
+          </a:p>
         </p:txBody>
       </p:sp>
       <p:sp>
         <p:nvSpPr>
           <p:cNvPr id="47" name="Shape 47"/>
-          <p:cNvSpPr txBox="1"/>
+          <p:cNvSpPr txBox="1">
+            <a:spLocks noGrp="1"/>
+          </p:cNvSpPr>
           <p:nvPr>
-            <p:ph idx="2" type="body"/>
+            <p:ph type="body" idx="2"/>
           </p:nvPr>
         </p:nvSpPr>
         <p:spPr>
@@ -4359,9 +4482,9 @@
           </a:prstGeom>
         </p:spPr>
         <p:txBody>
-          <a:bodyPr anchorCtr="0" anchor="t" bIns="91425" lIns="91425" spcFirstLastPara="1" rIns="91425" wrap="square" tIns="91425"/>
+          <a:bodyPr spcFirstLastPara="1" wrap="square" lIns="91425" tIns="91425" rIns="91425" bIns="91425" anchor="t" anchorCtr="0"/>
           <a:lstStyle>
-            <a:lvl1pPr indent="-393700" lvl="0" marL="457200">
+            <a:lvl1pPr marL="457200" lvl="0" indent="-393700">
               <a:spcBef>
                 <a:spcPts val="600"/>
               </a:spcBef>
@@ -4372,7 +4495,7 @@
               <a:buChar char="◎"/>
               <a:defRPr sz="2600"/>
             </a:lvl1pPr>
-            <a:lvl2pPr indent="-393700" lvl="1" marL="914400">
+            <a:lvl2pPr marL="914400" lvl="1" indent="-393700">
               <a:spcBef>
                 <a:spcPts val="0"/>
               </a:spcBef>
@@ -4383,7 +4506,7 @@
               <a:buChar char="○"/>
               <a:defRPr sz="2600"/>
             </a:lvl2pPr>
-            <a:lvl3pPr indent="-393700" lvl="2" marL="1371600">
+            <a:lvl3pPr marL="1371600" lvl="2" indent="-393700">
               <a:spcBef>
                 <a:spcPts val="0"/>
               </a:spcBef>
@@ -4394,7 +4517,7 @@
               <a:buChar char="◉"/>
               <a:defRPr sz="2600"/>
             </a:lvl3pPr>
-            <a:lvl4pPr indent="-393700" lvl="3" marL="1828800">
+            <a:lvl4pPr marL="1828800" lvl="3" indent="-393700">
               <a:spcBef>
                 <a:spcPts val="0"/>
               </a:spcBef>
@@ -4405,7 +4528,7 @@
               <a:buChar char="●"/>
               <a:defRPr sz="2600"/>
             </a:lvl4pPr>
-            <a:lvl5pPr indent="-393700" lvl="4" marL="2286000">
+            <a:lvl5pPr marL="2286000" lvl="4" indent="-393700">
               <a:spcBef>
                 <a:spcPts val="0"/>
               </a:spcBef>
@@ -4416,7 +4539,7 @@
               <a:buChar char="○"/>
               <a:defRPr sz="2600"/>
             </a:lvl5pPr>
-            <a:lvl6pPr indent="-393700" lvl="5" marL="2743200">
+            <a:lvl6pPr marL="2743200" lvl="5" indent="-393700">
               <a:spcBef>
                 <a:spcPts val="0"/>
               </a:spcBef>
@@ -4427,7 +4550,7 @@
               <a:buChar char="■"/>
               <a:defRPr sz="2600"/>
             </a:lvl6pPr>
-            <a:lvl7pPr indent="-393700" lvl="6" marL="3200400">
+            <a:lvl7pPr marL="3200400" lvl="6" indent="-393700">
               <a:spcBef>
                 <a:spcPts val="0"/>
               </a:spcBef>
@@ -4438,7 +4561,7 @@
               <a:buChar char="●"/>
               <a:defRPr sz="2600"/>
             </a:lvl7pPr>
-            <a:lvl8pPr indent="-393700" lvl="7" marL="3657600">
+            <a:lvl8pPr marL="3657600" lvl="7" indent="-393700">
               <a:spcBef>
                 <a:spcPts val="0"/>
               </a:spcBef>
@@ -4449,7 +4572,7 @@
               <a:buChar char="○"/>
               <a:defRPr sz="2600"/>
             </a:lvl8pPr>
-            <a:lvl9pPr indent="-393700" lvl="8" marL="4114800">
+            <a:lvl9pPr marL="4114800" lvl="8" indent="-393700">
               <a:spcBef>
                 <a:spcPts val="0"/>
               </a:spcBef>
@@ -4461,15 +4584,19 @@
               <a:defRPr sz="2600"/>
             </a:lvl9pPr>
           </a:lstStyle>
-          <a:p/>
+          <a:p>
+            <a:endParaRPr/>
+          </a:p>
         </p:txBody>
       </p:sp>
       <p:sp>
         <p:nvSpPr>
           <p:cNvPr id="48" name="Shape 48"/>
-          <p:cNvSpPr txBox="1"/>
+          <p:cNvSpPr txBox="1">
+            <a:spLocks noGrp="1"/>
+          </p:cNvSpPr>
           <p:nvPr>
-            <p:ph idx="12" type="sldNum"/>
+            <p:ph type="sldNum" idx="12"/>
           </p:nvPr>
         </p:nvSpPr>
         <p:spPr>
@@ -4482,7 +4609,7 @@
           </a:prstGeom>
         </p:spPr>
         <p:txBody>
-          <a:bodyPr anchorCtr="0" anchor="t" bIns="91425" lIns="91425" spcFirstLastPara="1" rIns="91425" wrap="square" tIns="91425">
+          <a:bodyPr spcFirstLastPara="1" wrap="square" lIns="91425" tIns="91425" rIns="91425" bIns="91425" anchor="t" anchorCtr="0">
             <a:noAutofit/>
           </a:bodyPr>
           <a:lstStyle>
@@ -4524,7 +4651,7 @@
             </a:lvl9pPr>
           </a:lstStyle>
           <a:p>
-            <a:pPr indent="0" lvl="0" marL="0">
+            <a:pPr marL="0" lvl="0" indent="0">
               <a:spcBef>
                 <a:spcPts val="0"/>
               </a:spcBef>
@@ -4535,7 +4662,16 @@
             </a:pPr>
             <a:fld id="{00000000-1234-1234-1234-123412341234}" type="slidenum">
               <a:rPr lang="en"/>
-              <a:t>‹#›</a:t>
+              <a:pPr marL="0" lvl="0" indent="0">
+                <a:spcBef>
+                  <a:spcPts val="0"/>
+                </a:spcBef>
+                <a:spcAft>
+                  <a:spcPts val="0"/>
+                </a:spcAft>
+                <a:buNone/>
+              </a:pPr>
+              <a:t>‹N°›</a:t>
             </a:fld>
             <a:endParaRPr/>
           </a:p>
@@ -4550,11 +4686,11 @@
 </file>
 
 <file path=ppt/slideLayouts/slideLayout6.xml><?xml version="1.0" encoding="utf-8"?>
-<p:sldLayout xmlns:a="http://schemas.openxmlformats.org/drawingml/2006/main" xmlns:r="http://schemas.openxmlformats.org/officeDocument/2006/relationships" xmlns:mc="http://schemas.openxmlformats.org/markup-compatibility/2006" xmlns:mv="urn:schemas-microsoft-com:mac:vml" xmlns:p="http://schemas.openxmlformats.org/presentationml/2006/main" xmlns:c="http://schemas.openxmlformats.org/drawingml/2006/chart" xmlns:dgm="http://schemas.openxmlformats.org/drawingml/2006/diagram" xmlns:o="urn:schemas-microsoft-com:office:office" xmlns:v="urn:schemas-microsoft-com:vml" xmlns:pvml="urn:schemas-microsoft-com:office:powerpoint" xmlns:com="http://schemas.openxmlformats.org/drawingml/2006/compatibility" xmlns:p14="http://schemas.microsoft.com/office/powerpoint/2010/main" xmlns:p15="http://schemas.microsoft.com/office/powerpoint/2012/main" matchingName="Title + 3 columns">
+<p:sldLayout xmlns:a="http://schemas.openxmlformats.org/drawingml/2006/main" xmlns:r="http://schemas.openxmlformats.org/officeDocument/2006/relationships" xmlns:p="http://schemas.openxmlformats.org/presentationml/2006/main" matchingName="Title + 3 columns">
   <p:cSld name="TITLE_AND_TWO_COLUMNS_1">
     <p:spTree>
       <p:nvGrpSpPr>
-        <p:cNvPr id="49" name="Shape 49"/>
+        <p:cNvPr id="1" name="Shape 49"/>
         <p:cNvGrpSpPr/>
         <p:nvPr/>
       </p:nvGrpSpPr>
@@ -4569,7 +4705,9 @@
       <p:sp>
         <p:nvSpPr>
           <p:cNvPr id="50" name="Shape 50"/>
-          <p:cNvSpPr txBox="1"/>
+          <p:cNvSpPr txBox="1">
+            <a:spLocks noGrp="1"/>
+          </p:cNvSpPr>
           <p:nvPr>
             <p:ph type="title"/>
           </p:nvPr>
@@ -4584,7 +4722,7 @@
           </a:prstGeom>
         </p:spPr>
         <p:txBody>
-          <a:bodyPr anchorCtr="0" anchor="b" bIns="91425" lIns="91425" spcFirstLastPara="1" rIns="91425" wrap="square" tIns="91425"/>
+          <a:bodyPr spcFirstLastPara="1" wrap="square" lIns="91425" tIns="91425" rIns="91425" bIns="91425" anchor="b" anchorCtr="0"/>
           <a:lstStyle>
             <a:lvl1pPr lvl="0" rtl="0">
               <a:spcBef>
@@ -4686,15 +4824,19 @@
               <a:defRPr/>
             </a:lvl9pPr>
           </a:lstStyle>
-          <a:p/>
+          <a:p>
+            <a:endParaRPr/>
+          </a:p>
         </p:txBody>
       </p:sp>
       <p:sp>
         <p:nvSpPr>
           <p:cNvPr id="51" name="Shape 51"/>
-          <p:cNvSpPr txBox="1"/>
+          <p:cNvSpPr txBox="1">
+            <a:spLocks noGrp="1"/>
+          </p:cNvSpPr>
           <p:nvPr>
-            <p:ph idx="1" type="body"/>
+            <p:ph type="body" idx="1"/>
           </p:nvPr>
         </p:nvSpPr>
         <p:spPr>
@@ -4707,9 +4849,9 @@
           </a:prstGeom>
         </p:spPr>
         <p:txBody>
-          <a:bodyPr anchorCtr="0" anchor="t" bIns="91425" lIns="91425" spcFirstLastPara="1" rIns="91425" wrap="square" tIns="91425"/>
+          <a:bodyPr spcFirstLastPara="1" wrap="square" lIns="91425" tIns="91425" rIns="91425" bIns="91425" anchor="t" anchorCtr="0"/>
           <a:lstStyle>
-            <a:lvl1pPr indent="-355600" lvl="0" marL="457200" rtl="0">
+            <a:lvl1pPr marL="457200" lvl="0" indent="-355600" rtl="0">
               <a:spcBef>
                 <a:spcPts val="600"/>
               </a:spcBef>
@@ -4720,7 +4862,7 @@
               <a:buChar char="◎"/>
               <a:defRPr sz="2000"/>
             </a:lvl1pPr>
-            <a:lvl2pPr indent="-355600" lvl="1" marL="914400" rtl="0">
+            <a:lvl2pPr marL="914400" lvl="1" indent="-355600" rtl="0">
               <a:spcBef>
                 <a:spcPts val="0"/>
               </a:spcBef>
@@ -4731,7 +4873,7 @@
               <a:buChar char="○"/>
               <a:defRPr sz="2000"/>
             </a:lvl2pPr>
-            <a:lvl3pPr indent="-355600" lvl="2" marL="1371600" rtl="0">
+            <a:lvl3pPr marL="1371600" lvl="2" indent="-355600" rtl="0">
               <a:spcBef>
                 <a:spcPts val="0"/>
               </a:spcBef>
@@ -4742,7 +4884,7 @@
               <a:buChar char="◉"/>
               <a:defRPr sz="2000"/>
             </a:lvl3pPr>
-            <a:lvl4pPr indent="-355600" lvl="3" marL="1828800" rtl="0">
+            <a:lvl4pPr marL="1828800" lvl="3" indent="-355600" rtl="0">
               <a:spcBef>
                 <a:spcPts val="0"/>
               </a:spcBef>
@@ -4753,7 +4895,7 @@
               <a:buChar char="●"/>
               <a:defRPr sz="2000"/>
             </a:lvl4pPr>
-            <a:lvl5pPr indent="-355600" lvl="4" marL="2286000" rtl="0">
+            <a:lvl5pPr marL="2286000" lvl="4" indent="-355600" rtl="0">
               <a:spcBef>
                 <a:spcPts val="0"/>
               </a:spcBef>
@@ -4764,7 +4906,7 @@
               <a:buChar char="○"/>
               <a:defRPr sz="2000"/>
             </a:lvl5pPr>
-            <a:lvl6pPr indent="-355600" lvl="5" marL="2743200" rtl="0">
+            <a:lvl6pPr marL="2743200" lvl="5" indent="-355600" rtl="0">
               <a:spcBef>
                 <a:spcPts val="0"/>
               </a:spcBef>
@@ -4775,7 +4917,7 @@
               <a:buChar char="■"/>
               <a:defRPr sz="2000"/>
             </a:lvl6pPr>
-            <a:lvl7pPr indent="-355600" lvl="6" marL="3200400" rtl="0">
+            <a:lvl7pPr marL="3200400" lvl="6" indent="-355600" rtl="0">
               <a:spcBef>
                 <a:spcPts val="0"/>
               </a:spcBef>
@@ -4786,7 +4928,7 @@
               <a:buChar char="●"/>
               <a:defRPr sz="2000"/>
             </a:lvl7pPr>
-            <a:lvl8pPr indent="-355600" lvl="7" marL="3657600" rtl="0">
+            <a:lvl8pPr marL="3657600" lvl="7" indent="-355600" rtl="0">
               <a:spcBef>
                 <a:spcPts val="0"/>
               </a:spcBef>
@@ -4797,7 +4939,7 @@
               <a:buChar char="○"/>
               <a:defRPr sz="2000"/>
             </a:lvl8pPr>
-            <a:lvl9pPr indent="-355600" lvl="8" marL="4114800" rtl="0">
+            <a:lvl9pPr marL="4114800" lvl="8" indent="-355600" rtl="0">
               <a:spcBef>
                 <a:spcPts val="0"/>
               </a:spcBef>
@@ -4809,15 +4951,19 @@
               <a:defRPr sz="2000"/>
             </a:lvl9pPr>
           </a:lstStyle>
-          <a:p/>
+          <a:p>
+            <a:endParaRPr/>
+          </a:p>
         </p:txBody>
       </p:sp>
       <p:sp>
         <p:nvSpPr>
           <p:cNvPr id="52" name="Shape 52"/>
-          <p:cNvSpPr txBox="1"/>
+          <p:cNvSpPr txBox="1">
+            <a:spLocks noGrp="1"/>
+          </p:cNvSpPr>
           <p:nvPr>
-            <p:ph idx="2" type="body"/>
+            <p:ph type="body" idx="2"/>
           </p:nvPr>
         </p:nvSpPr>
         <p:spPr>
@@ -4830,9 +4976,9 @@
           </a:prstGeom>
         </p:spPr>
         <p:txBody>
-          <a:bodyPr anchorCtr="0" anchor="t" bIns="91425" lIns="91425" spcFirstLastPara="1" rIns="91425" wrap="square" tIns="91425"/>
+          <a:bodyPr spcFirstLastPara="1" wrap="square" lIns="91425" tIns="91425" rIns="91425" bIns="91425" anchor="t" anchorCtr="0"/>
           <a:lstStyle>
-            <a:lvl1pPr indent="-355600" lvl="0" marL="457200" rtl="0">
+            <a:lvl1pPr marL="457200" lvl="0" indent="-355600" rtl="0">
               <a:spcBef>
                 <a:spcPts val="600"/>
               </a:spcBef>
@@ -4843,7 +4989,7 @@
               <a:buChar char="◎"/>
               <a:defRPr sz="2000"/>
             </a:lvl1pPr>
-            <a:lvl2pPr indent="-355600" lvl="1" marL="914400" rtl="0">
+            <a:lvl2pPr marL="914400" lvl="1" indent="-355600" rtl="0">
               <a:spcBef>
                 <a:spcPts val="0"/>
               </a:spcBef>
@@ -4854,7 +5000,7 @@
               <a:buChar char="○"/>
               <a:defRPr sz="2000"/>
             </a:lvl2pPr>
-            <a:lvl3pPr indent="-355600" lvl="2" marL="1371600" rtl="0">
+            <a:lvl3pPr marL="1371600" lvl="2" indent="-355600" rtl="0">
               <a:spcBef>
                 <a:spcPts val="0"/>
               </a:spcBef>
@@ -4865,7 +5011,7 @@
               <a:buChar char="◉"/>
               <a:defRPr sz="2000"/>
             </a:lvl3pPr>
-            <a:lvl4pPr indent="-355600" lvl="3" marL="1828800" rtl="0">
+            <a:lvl4pPr marL="1828800" lvl="3" indent="-355600" rtl="0">
               <a:spcBef>
                 <a:spcPts val="0"/>
               </a:spcBef>
@@ -4876,7 +5022,7 @@
               <a:buChar char="●"/>
               <a:defRPr sz="2000"/>
             </a:lvl4pPr>
-            <a:lvl5pPr indent="-355600" lvl="4" marL="2286000" rtl="0">
+            <a:lvl5pPr marL="2286000" lvl="4" indent="-355600" rtl="0">
               <a:spcBef>
                 <a:spcPts val="0"/>
               </a:spcBef>
@@ -4887,7 +5033,7 @@
               <a:buChar char="○"/>
               <a:defRPr sz="2000"/>
             </a:lvl5pPr>
-            <a:lvl6pPr indent="-355600" lvl="5" marL="2743200" rtl="0">
+            <a:lvl6pPr marL="2743200" lvl="5" indent="-355600" rtl="0">
               <a:spcBef>
                 <a:spcPts val="0"/>
               </a:spcBef>
@@ -4898,7 +5044,7 @@
               <a:buChar char="■"/>
               <a:defRPr sz="2000"/>
             </a:lvl6pPr>
-            <a:lvl7pPr indent="-355600" lvl="6" marL="3200400" rtl="0">
+            <a:lvl7pPr marL="3200400" lvl="6" indent="-355600" rtl="0">
               <a:spcBef>
                 <a:spcPts val="0"/>
               </a:spcBef>
@@ -4909,7 +5055,7 @@
               <a:buChar char="●"/>
               <a:defRPr sz="2000"/>
             </a:lvl7pPr>
-            <a:lvl8pPr indent="-355600" lvl="7" marL="3657600" rtl="0">
+            <a:lvl8pPr marL="3657600" lvl="7" indent="-355600" rtl="0">
               <a:spcBef>
                 <a:spcPts val="0"/>
               </a:spcBef>
@@ -4920,7 +5066,7 @@
               <a:buChar char="○"/>
               <a:defRPr sz="2000"/>
             </a:lvl8pPr>
-            <a:lvl9pPr indent="-355600" lvl="8" marL="4114800" rtl="0">
+            <a:lvl9pPr marL="4114800" lvl="8" indent="-355600" rtl="0">
               <a:spcBef>
                 <a:spcPts val="0"/>
               </a:spcBef>
@@ -4932,15 +5078,19 @@
               <a:defRPr sz="2000"/>
             </a:lvl9pPr>
           </a:lstStyle>
-          <a:p/>
+          <a:p>
+            <a:endParaRPr/>
+          </a:p>
         </p:txBody>
       </p:sp>
       <p:sp>
         <p:nvSpPr>
           <p:cNvPr id="53" name="Shape 53"/>
-          <p:cNvSpPr txBox="1"/>
+          <p:cNvSpPr txBox="1">
+            <a:spLocks noGrp="1"/>
+          </p:cNvSpPr>
           <p:nvPr>
-            <p:ph idx="3" type="body"/>
+            <p:ph type="body" idx="3"/>
           </p:nvPr>
         </p:nvSpPr>
         <p:spPr>
@@ -4953,9 +5103,9 @@
           </a:prstGeom>
         </p:spPr>
         <p:txBody>
-          <a:bodyPr anchorCtr="0" anchor="t" bIns="91425" lIns="91425" spcFirstLastPara="1" rIns="91425" wrap="square" tIns="91425"/>
+          <a:bodyPr spcFirstLastPara="1" wrap="square" lIns="91425" tIns="91425" rIns="91425" bIns="91425" anchor="t" anchorCtr="0"/>
           <a:lstStyle>
-            <a:lvl1pPr indent="-355600" lvl="0" marL="457200" rtl="0">
+            <a:lvl1pPr marL="457200" lvl="0" indent="-355600" rtl="0">
               <a:spcBef>
                 <a:spcPts val="600"/>
               </a:spcBef>
@@ -4966,7 +5116,7 @@
               <a:buChar char="◎"/>
               <a:defRPr sz="2000"/>
             </a:lvl1pPr>
-            <a:lvl2pPr indent="-355600" lvl="1" marL="914400" rtl="0">
+            <a:lvl2pPr marL="914400" lvl="1" indent="-355600" rtl="0">
               <a:spcBef>
                 <a:spcPts val="0"/>
               </a:spcBef>
@@ -4977,7 +5127,7 @@
               <a:buChar char="○"/>
               <a:defRPr sz="2000"/>
             </a:lvl2pPr>
-            <a:lvl3pPr indent="-355600" lvl="2" marL="1371600" rtl="0">
+            <a:lvl3pPr marL="1371600" lvl="2" indent="-355600" rtl="0">
               <a:spcBef>
                 <a:spcPts val="0"/>
               </a:spcBef>
@@ -4988,7 +5138,7 @@
               <a:buChar char="◉"/>
               <a:defRPr sz="2000"/>
             </a:lvl3pPr>
-            <a:lvl4pPr indent="-355600" lvl="3" marL="1828800" rtl="0">
+            <a:lvl4pPr marL="1828800" lvl="3" indent="-355600" rtl="0">
               <a:spcBef>
                 <a:spcPts val="0"/>
               </a:spcBef>
@@ -4999,7 +5149,7 @@
               <a:buChar char="●"/>
               <a:defRPr sz="2000"/>
             </a:lvl4pPr>
-            <a:lvl5pPr indent="-355600" lvl="4" marL="2286000" rtl="0">
+            <a:lvl5pPr marL="2286000" lvl="4" indent="-355600" rtl="0">
               <a:spcBef>
                 <a:spcPts val="0"/>
               </a:spcBef>
@@ -5010,7 +5160,7 @@
               <a:buChar char="○"/>
               <a:defRPr sz="2000"/>
             </a:lvl5pPr>
-            <a:lvl6pPr indent="-355600" lvl="5" marL="2743200" rtl="0">
+            <a:lvl6pPr marL="2743200" lvl="5" indent="-355600" rtl="0">
               <a:spcBef>
                 <a:spcPts val="0"/>
               </a:spcBef>
@@ -5021,7 +5171,7 @@
               <a:buChar char="■"/>
               <a:defRPr sz="2000"/>
             </a:lvl6pPr>
-            <a:lvl7pPr indent="-355600" lvl="6" marL="3200400" rtl="0">
+            <a:lvl7pPr marL="3200400" lvl="6" indent="-355600" rtl="0">
               <a:spcBef>
                 <a:spcPts val="0"/>
               </a:spcBef>
@@ -5032,7 +5182,7 @@
               <a:buChar char="●"/>
               <a:defRPr sz="2000"/>
             </a:lvl7pPr>
-            <a:lvl8pPr indent="-355600" lvl="7" marL="3657600" rtl="0">
+            <a:lvl8pPr marL="3657600" lvl="7" indent="-355600" rtl="0">
               <a:spcBef>
                 <a:spcPts val="0"/>
               </a:spcBef>
@@ -5043,7 +5193,7 @@
               <a:buChar char="○"/>
               <a:defRPr sz="2000"/>
             </a:lvl8pPr>
-            <a:lvl9pPr indent="-355600" lvl="8" marL="4114800" rtl="0">
+            <a:lvl9pPr marL="4114800" lvl="8" indent="-355600" rtl="0">
               <a:spcBef>
                 <a:spcPts val="0"/>
               </a:spcBef>
@@ -5055,15 +5205,19 @@
               <a:defRPr sz="2000"/>
             </a:lvl9pPr>
           </a:lstStyle>
-          <a:p/>
+          <a:p>
+            <a:endParaRPr/>
+          </a:p>
         </p:txBody>
       </p:sp>
       <p:sp>
         <p:nvSpPr>
           <p:cNvPr id="54" name="Shape 54"/>
-          <p:cNvSpPr txBox="1"/>
+          <p:cNvSpPr txBox="1">
+            <a:spLocks noGrp="1"/>
+          </p:cNvSpPr>
           <p:nvPr>
-            <p:ph idx="12" type="sldNum"/>
+            <p:ph type="sldNum" idx="12"/>
           </p:nvPr>
         </p:nvSpPr>
         <p:spPr>
@@ -5076,7 +5230,7 @@
           </a:prstGeom>
         </p:spPr>
         <p:txBody>
-          <a:bodyPr anchorCtr="0" anchor="t" bIns="91425" lIns="91425" spcFirstLastPara="1" rIns="91425" wrap="square" tIns="91425">
+          <a:bodyPr spcFirstLastPara="1" wrap="square" lIns="91425" tIns="91425" rIns="91425" bIns="91425" anchor="t" anchorCtr="0">
             <a:noAutofit/>
           </a:bodyPr>
           <a:lstStyle>
@@ -5118,7 +5272,7 @@
             </a:lvl9pPr>
           </a:lstStyle>
           <a:p>
-            <a:pPr indent="0" lvl="0" marL="0">
+            <a:pPr marL="0" lvl="0" indent="0">
               <a:spcBef>
                 <a:spcPts val="0"/>
               </a:spcBef>
@@ -5129,7 +5283,16 @@
             </a:pPr>
             <a:fld id="{00000000-1234-1234-1234-123412341234}" type="slidenum">
               <a:rPr lang="en"/>
-              <a:t>‹#›</a:t>
+              <a:pPr marL="0" lvl="0" indent="0">
+                <a:spcBef>
+                  <a:spcPts val="0"/>
+                </a:spcBef>
+                <a:spcAft>
+                  <a:spcPts val="0"/>
+                </a:spcAft>
+                <a:buNone/>
+              </a:pPr>
+              <a:t>‹N°›</a:t>
             </a:fld>
             <a:endParaRPr/>
           </a:p>
@@ -5144,7 +5307,7 @@
 </file>
 
 <file path=ppt/slideLayouts/slideLayout7.xml><?xml version="1.0" encoding="utf-8"?>
-<p:sldLayout xmlns:a="http://schemas.openxmlformats.org/drawingml/2006/main" xmlns:r="http://schemas.openxmlformats.org/officeDocument/2006/relationships" xmlns:mc="http://schemas.openxmlformats.org/markup-compatibility/2006" xmlns:mv="urn:schemas-microsoft-com:mac:vml" xmlns:p="http://schemas.openxmlformats.org/presentationml/2006/main" xmlns:c="http://schemas.openxmlformats.org/drawingml/2006/chart" xmlns:dgm="http://schemas.openxmlformats.org/drawingml/2006/diagram" xmlns:o="urn:schemas-microsoft-com:office:office" xmlns:v="urn:schemas-microsoft-com:vml" xmlns:pvml="urn:schemas-microsoft-com:office:powerpoint" xmlns:com="http://schemas.openxmlformats.org/drawingml/2006/compatibility" xmlns:p14="http://schemas.microsoft.com/office/powerpoint/2010/main" xmlns:p15="http://schemas.microsoft.com/office/powerpoint/2012/main" matchingName="Title only" type="titleOnly">
+<p:sldLayout xmlns:a="http://schemas.openxmlformats.org/drawingml/2006/main" xmlns:r="http://schemas.openxmlformats.org/officeDocument/2006/relationships" xmlns:p="http://schemas.openxmlformats.org/presentationml/2006/main" matchingName="Title only" type="titleOnly">
   <p:cSld name="TITLE_ONLY">
     <p:bg>
       <p:bgPr>
@@ -5156,11 +5319,12 @@
             <a:fillRect/>
           </a:stretch>
         </a:blipFill>
+        <a:effectLst/>
       </p:bgPr>
     </p:bg>
     <p:spTree>
       <p:nvGrpSpPr>
-        <p:cNvPr id="55" name="Shape 55"/>
+        <p:cNvPr id="1" name="Shape 55"/>
         <p:cNvGrpSpPr/>
         <p:nvPr/>
       </p:nvGrpSpPr>
@@ -5175,7 +5339,9 @@
       <p:sp>
         <p:nvSpPr>
           <p:cNvPr id="56" name="Shape 56"/>
-          <p:cNvSpPr txBox="1"/>
+          <p:cNvSpPr txBox="1">
+            <a:spLocks noGrp="1"/>
+          </p:cNvSpPr>
           <p:nvPr>
             <p:ph type="title"/>
           </p:nvPr>
@@ -5190,7 +5356,7 @@
           </a:prstGeom>
         </p:spPr>
         <p:txBody>
-          <a:bodyPr anchorCtr="0" anchor="b" bIns="91425" lIns="91425" spcFirstLastPara="1" rIns="91425" wrap="square" tIns="91425"/>
+          <a:bodyPr spcFirstLastPara="1" wrap="square" lIns="91425" tIns="91425" rIns="91425" bIns="91425" anchor="b" anchorCtr="0"/>
           <a:lstStyle>
             <a:lvl1pPr lvl="0">
               <a:spcBef>
@@ -5292,15 +5458,19 @@
               <a:defRPr/>
             </a:lvl9pPr>
           </a:lstStyle>
-          <a:p/>
+          <a:p>
+            <a:endParaRPr/>
+          </a:p>
         </p:txBody>
       </p:sp>
       <p:sp>
         <p:nvSpPr>
           <p:cNvPr id="57" name="Shape 57"/>
-          <p:cNvSpPr txBox="1"/>
+          <p:cNvSpPr txBox="1">
+            <a:spLocks noGrp="1"/>
+          </p:cNvSpPr>
           <p:nvPr>
-            <p:ph idx="12" type="sldNum"/>
+            <p:ph type="sldNum" idx="12"/>
           </p:nvPr>
         </p:nvSpPr>
         <p:spPr>
@@ -5313,7 +5483,7 @@
           </a:prstGeom>
         </p:spPr>
         <p:txBody>
-          <a:bodyPr anchorCtr="0" anchor="t" bIns="91425" lIns="91425" spcFirstLastPara="1" rIns="91425" wrap="square" tIns="91425">
+          <a:bodyPr spcFirstLastPara="1" wrap="square" lIns="91425" tIns="91425" rIns="91425" bIns="91425" anchor="t" anchorCtr="0">
             <a:noAutofit/>
           </a:bodyPr>
           <a:lstStyle>
@@ -5355,7 +5525,7 @@
             </a:lvl9pPr>
           </a:lstStyle>
           <a:p>
-            <a:pPr indent="0" lvl="0" marL="0">
+            <a:pPr marL="0" lvl="0" indent="0">
               <a:spcBef>
                 <a:spcPts val="0"/>
               </a:spcBef>
@@ -5366,7 +5536,16 @@
             </a:pPr>
             <a:fld id="{00000000-1234-1234-1234-123412341234}" type="slidenum">
               <a:rPr lang="en"/>
-              <a:t>‹#›</a:t>
+              <a:pPr marL="0" lvl="0" indent="0">
+                <a:spcBef>
+                  <a:spcPts val="0"/>
+                </a:spcBef>
+                <a:spcAft>
+                  <a:spcPts val="0"/>
+                </a:spcAft>
+                <a:buNone/>
+              </a:pPr>
+              <a:t>‹N°›</a:t>
             </a:fld>
             <a:endParaRPr/>
           </a:p>
@@ -5381,7 +5560,7 @@
 </file>
 
 <file path=ppt/slideLayouts/slideLayout8.xml><?xml version="1.0" encoding="utf-8"?>
-<p:sldLayout xmlns:a="http://schemas.openxmlformats.org/drawingml/2006/main" xmlns:r="http://schemas.openxmlformats.org/officeDocument/2006/relationships" xmlns:mc="http://schemas.openxmlformats.org/markup-compatibility/2006" xmlns:mv="urn:schemas-microsoft-com:mac:vml" xmlns:p="http://schemas.openxmlformats.org/presentationml/2006/main" xmlns:c="http://schemas.openxmlformats.org/drawingml/2006/chart" xmlns:dgm="http://schemas.openxmlformats.org/drawingml/2006/diagram" xmlns:o="urn:schemas-microsoft-com:office:office" xmlns:v="urn:schemas-microsoft-com:vml" xmlns:pvml="urn:schemas-microsoft-com:office:powerpoint" xmlns:com="http://schemas.openxmlformats.org/drawingml/2006/compatibility" xmlns:p14="http://schemas.microsoft.com/office/powerpoint/2010/main" xmlns:p15="http://schemas.microsoft.com/office/powerpoint/2012/main" matchingName="Caption">
+<p:sldLayout xmlns:a="http://schemas.openxmlformats.org/drawingml/2006/main" xmlns:r="http://schemas.openxmlformats.org/officeDocument/2006/relationships" xmlns:p="http://schemas.openxmlformats.org/presentationml/2006/main" matchingName="Caption">
   <p:cSld name="CAPTION_ONLY">
     <p:bg>
       <p:bgPr>
@@ -5393,11 +5572,12 @@
             <a:fillRect/>
           </a:stretch>
         </a:blipFill>
+        <a:effectLst/>
       </p:bgPr>
     </p:bg>
     <p:spTree>
       <p:nvGrpSpPr>
-        <p:cNvPr id="58" name="Shape 58"/>
+        <p:cNvPr id="1" name="Shape 58"/>
         <p:cNvGrpSpPr/>
         <p:nvPr/>
       </p:nvGrpSpPr>
@@ -5412,9 +5592,11 @@
       <p:sp>
         <p:nvSpPr>
           <p:cNvPr id="59" name="Shape 59"/>
-          <p:cNvSpPr txBox="1"/>
+          <p:cNvSpPr txBox="1">
+            <a:spLocks noGrp="1"/>
+          </p:cNvSpPr>
           <p:nvPr>
-            <p:ph idx="1" type="body"/>
+            <p:ph type="body" idx="1"/>
           </p:nvPr>
         </p:nvSpPr>
         <p:spPr>
@@ -5427,9 +5609,9 @@
           </a:prstGeom>
         </p:spPr>
         <p:txBody>
-          <a:bodyPr anchorCtr="0" anchor="t" bIns="91425" lIns="91425" spcFirstLastPara="1" rIns="91425" wrap="square" tIns="91425"/>
+          <a:bodyPr spcFirstLastPara="1" wrap="square" lIns="91425" tIns="91425" rIns="91425" bIns="91425" anchor="t" anchorCtr="0"/>
           <a:lstStyle>
-            <a:lvl1pPr indent="-228600" lvl="0" marL="457200" algn="ctr">
+            <a:lvl1pPr marL="457200" lvl="0" indent="-228600" algn="ctr">
               <a:spcBef>
                 <a:spcPts val="360"/>
               </a:spcBef>
@@ -5441,15 +5623,19 @@
               <a:defRPr sz="1800"/>
             </a:lvl1pPr>
           </a:lstStyle>
-          <a:p/>
+          <a:p>
+            <a:endParaRPr/>
+          </a:p>
         </p:txBody>
       </p:sp>
       <p:sp>
         <p:nvSpPr>
           <p:cNvPr id="60" name="Shape 60"/>
-          <p:cNvSpPr txBox="1"/>
+          <p:cNvSpPr txBox="1">
+            <a:spLocks noGrp="1"/>
+          </p:cNvSpPr>
           <p:nvPr>
-            <p:ph idx="12" type="sldNum"/>
+            <p:ph type="sldNum" idx="12"/>
           </p:nvPr>
         </p:nvSpPr>
         <p:spPr>
@@ -5462,7 +5648,7 @@
           </a:prstGeom>
         </p:spPr>
         <p:txBody>
-          <a:bodyPr anchorCtr="0" anchor="t" bIns="91425" lIns="91425" spcFirstLastPara="1" rIns="91425" wrap="square" tIns="91425">
+          <a:bodyPr spcFirstLastPara="1" wrap="square" lIns="91425" tIns="91425" rIns="91425" bIns="91425" anchor="t" anchorCtr="0">
             <a:noAutofit/>
           </a:bodyPr>
           <a:lstStyle>
@@ -5504,7 +5690,7 @@
             </a:lvl9pPr>
           </a:lstStyle>
           <a:p>
-            <a:pPr indent="0" lvl="0" marL="0">
+            <a:pPr marL="0" lvl="0" indent="0">
               <a:spcBef>
                 <a:spcPts val="0"/>
               </a:spcBef>
@@ -5515,7 +5701,16 @@
             </a:pPr>
             <a:fld id="{00000000-1234-1234-1234-123412341234}" type="slidenum">
               <a:rPr lang="en"/>
-              <a:t>‹#›</a:t>
+              <a:pPr marL="0" lvl="0" indent="0">
+                <a:spcBef>
+                  <a:spcPts val="0"/>
+                </a:spcBef>
+                <a:spcAft>
+                  <a:spcPts val="0"/>
+                </a:spcAft>
+                <a:buNone/>
+              </a:pPr>
+              <a:t>‹N°›</a:t>
             </a:fld>
             <a:endParaRPr/>
           </a:p>
@@ -5530,7 +5725,7 @@
 </file>
 
 <file path=ppt/slideLayouts/slideLayout9.xml><?xml version="1.0" encoding="utf-8"?>
-<p:sldLayout xmlns:a="http://schemas.openxmlformats.org/drawingml/2006/main" xmlns:r="http://schemas.openxmlformats.org/officeDocument/2006/relationships" xmlns:mc="http://schemas.openxmlformats.org/markup-compatibility/2006" xmlns:mv="urn:schemas-microsoft-com:mac:vml" xmlns:p="http://schemas.openxmlformats.org/presentationml/2006/main" xmlns:c="http://schemas.openxmlformats.org/drawingml/2006/chart" xmlns:dgm="http://schemas.openxmlformats.org/drawingml/2006/diagram" xmlns:o="urn:schemas-microsoft-com:office:office" xmlns:v="urn:schemas-microsoft-com:vml" xmlns:pvml="urn:schemas-microsoft-com:office:powerpoint" xmlns:com="http://schemas.openxmlformats.org/drawingml/2006/compatibility" xmlns:p14="http://schemas.microsoft.com/office/powerpoint/2010/main" xmlns:p15="http://schemas.microsoft.com/office/powerpoint/2012/main" matchingName="Blank" type="blank">
+<p:sldLayout xmlns:a="http://schemas.openxmlformats.org/drawingml/2006/main" xmlns:r="http://schemas.openxmlformats.org/officeDocument/2006/relationships" xmlns:p="http://schemas.openxmlformats.org/presentationml/2006/main" matchingName="Blank" type="blank">
   <p:cSld name="BLANK">
     <p:bg>
       <p:bgPr>
@@ -5542,11 +5737,12 @@
             <a:fillRect/>
           </a:stretch>
         </a:blipFill>
+        <a:effectLst/>
       </p:bgPr>
     </p:bg>
     <p:spTree>
       <p:nvGrpSpPr>
-        <p:cNvPr id="61" name="Shape 61"/>
+        <p:cNvPr id="1" name="Shape 61"/>
         <p:cNvGrpSpPr/>
         <p:nvPr/>
       </p:nvGrpSpPr>
@@ -5561,9 +5757,11 @@
       <p:sp>
         <p:nvSpPr>
           <p:cNvPr id="62" name="Shape 62"/>
-          <p:cNvSpPr txBox="1"/>
+          <p:cNvSpPr txBox="1">
+            <a:spLocks noGrp="1"/>
+          </p:cNvSpPr>
           <p:nvPr>
-            <p:ph idx="12" type="sldNum"/>
+            <p:ph type="sldNum" idx="12"/>
           </p:nvPr>
         </p:nvSpPr>
         <p:spPr>
@@ -5576,7 +5774,7 @@
           </a:prstGeom>
         </p:spPr>
         <p:txBody>
-          <a:bodyPr anchorCtr="0" anchor="t" bIns="91425" lIns="91425" spcFirstLastPara="1" rIns="91425" wrap="square" tIns="91425">
+          <a:bodyPr spcFirstLastPara="1" wrap="square" lIns="91425" tIns="91425" rIns="91425" bIns="91425" anchor="t" anchorCtr="0">
             <a:noAutofit/>
           </a:bodyPr>
           <a:lstStyle>
@@ -5618,7 +5816,7 @@
             </a:lvl9pPr>
           </a:lstStyle>
           <a:p>
-            <a:pPr indent="0" lvl="0" marL="0">
+            <a:pPr marL="0" lvl="0" indent="0">
               <a:spcBef>
                 <a:spcPts val="0"/>
               </a:spcBef>
@@ -5629,7 +5827,16 @@
             </a:pPr>
             <a:fld id="{00000000-1234-1234-1234-123412341234}" type="slidenum">
               <a:rPr lang="en"/>
-              <a:t>‹#›</a:t>
+              <a:pPr marL="0" lvl="0" indent="0">
+                <a:spcBef>
+                  <a:spcPts val="0"/>
+                </a:spcBef>
+                <a:spcAft>
+                  <a:spcPts val="0"/>
+                </a:spcAft>
+                <a:buNone/>
+              </a:pPr>
+              <a:t>‹N°›</a:t>
             </a:fld>
             <a:endParaRPr/>
           </a:p>
@@ -5644,23 +5851,24 @@
 </file>
 
 <file path=ppt/slideMasters/slideMaster1.xml><?xml version="1.0" encoding="utf-8"?>
-<p:sldMaster xmlns:a="http://schemas.openxmlformats.org/drawingml/2006/main" xmlns:r="http://schemas.openxmlformats.org/officeDocument/2006/relationships" xmlns:mc="http://schemas.openxmlformats.org/markup-compatibility/2006" xmlns:mv="urn:schemas-microsoft-com:mac:vml" xmlns:p="http://schemas.openxmlformats.org/presentationml/2006/main" xmlns:c="http://schemas.openxmlformats.org/drawingml/2006/chart" xmlns:dgm="http://schemas.openxmlformats.org/drawingml/2006/diagram" xmlns:o="urn:schemas-microsoft-com:office:office" xmlns:v="urn:schemas-microsoft-com:vml" xmlns:pvml="urn:schemas-microsoft-com:office:powerpoint" xmlns:com="http://schemas.openxmlformats.org/drawingml/2006/compatibility" xmlns:p14="http://schemas.microsoft.com/office/powerpoint/2010/main" xmlns:p15="http://schemas.microsoft.com/office/powerpoint/2012/main">
+<p:sldMaster xmlns:a="http://schemas.openxmlformats.org/drawingml/2006/main" xmlns:r="http://schemas.openxmlformats.org/officeDocument/2006/relationships" xmlns:p="http://schemas.openxmlformats.org/presentationml/2006/main">
   <p:cSld name="simple-light">
     <p:bg>
       <p:bgPr>
         <a:blipFill>
-          <a:blip r:embed="rId1">
+          <a:blip r:embed="rId12">
             <a:alphaModFix/>
           </a:blip>
           <a:stretch>
             <a:fillRect/>
           </a:stretch>
         </a:blipFill>
+        <a:effectLst/>
       </p:bgPr>
     </p:bg>
     <p:spTree>
       <p:nvGrpSpPr>
-        <p:cNvPr id="5" name="Shape 5"/>
+        <p:cNvPr id="1" name="Shape 5"/>
         <p:cNvGrpSpPr/>
         <p:nvPr/>
       </p:nvGrpSpPr>
@@ -5675,7 +5883,9 @@
       <p:sp>
         <p:nvSpPr>
           <p:cNvPr id="6" name="Shape 6"/>
-          <p:cNvSpPr txBox="1"/>
+          <p:cNvSpPr txBox="1">
+            <a:spLocks noGrp="1"/>
+          </p:cNvSpPr>
           <p:nvPr>
             <p:ph type="title"/>
           </p:nvPr>
@@ -5694,7 +5904,7 @@
           </a:ln>
         </p:spPr>
         <p:txBody>
-          <a:bodyPr anchorCtr="0" anchor="b" bIns="91425" lIns="91425" spcFirstLastPara="1" rIns="91425" wrap="square" tIns="91425"/>
+          <a:bodyPr spcFirstLastPara="1" wrap="square" lIns="91425" tIns="91425" rIns="91425" bIns="91425" anchor="b" anchorCtr="0"/>
           <a:lstStyle>
             <a:lvl1pPr lvl="0">
               <a:spcBef>
@@ -5904,15 +6114,19 @@
               </a:defRPr>
             </a:lvl9pPr>
           </a:lstStyle>
-          <a:p/>
+          <a:p>
+            <a:endParaRPr/>
+          </a:p>
         </p:txBody>
       </p:sp>
       <p:sp>
         <p:nvSpPr>
           <p:cNvPr id="7" name="Shape 7"/>
-          <p:cNvSpPr txBox="1"/>
+          <p:cNvSpPr txBox="1">
+            <a:spLocks noGrp="1"/>
+          </p:cNvSpPr>
           <p:nvPr>
-            <p:ph idx="1" type="body"/>
+            <p:ph type="body" idx="1"/>
           </p:nvPr>
         </p:nvSpPr>
         <p:spPr>
@@ -5929,9 +6143,9 @@
           </a:ln>
         </p:spPr>
         <p:txBody>
-          <a:bodyPr anchorCtr="0" anchor="t" bIns="91425" lIns="91425" spcFirstLastPara="1" rIns="91425" wrap="square" tIns="91425"/>
+          <a:bodyPr spcFirstLastPara="1" wrap="square" lIns="91425" tIns="91425" rIns="91425" bIns="91425" anchor="t" anchorCtr="0"/>
           <a:lstStyle>
-            <a:lvl1pPr indent="-419100" lvl="0" marL="457200">
+            <a:lvl1pPr marL="457200" lvl="0" indent="-419100">
               <a:spcBef>
                 <a:spcPts val="600"/>
               </a:spcBef>
@@ -5954,7 +6168,7 @@
                 <a:sym typeface="Source Sans Pro"/>
               </a:defRPr>
             </a:lvl1pPr>
-            <a:lvl2pPr indent="-381000" lvl="1" marL="914400">
+            <a:lvl2pPr marL="914400" lvl="1" indent="-381000">
               <a:spcBef>
                 <a:spcPts val="0"/>
               </a:spcBef>
@@ -5977,7 +6191,7 @@
                 <a:sym typeface="Source Sans Pro"/>
               </a:defRPr>
             </a:lvl2pPr>
-            <a:lvl3pPr indent="-381000" lvl="2" marL="1371600">
+            <a:lvl3pPr marL="1371600" lvl="2" indent="-381000">
               <a:spcBef>
                 <a:spcPts val="0"/>
               </a:spcBef>
@@ -6000,7 +6214,7 @@
                 <a:sym typeface="Source Sans Pro"/>
               </a:defRPr>
             </a:lvl3pPr>
-            <a:lvl4pPr indent="-342900" lvl="3" marL="1828800">
+            <a:lvl4pPr marL="1828800" lvl="3" indent="-342900">
               <a:spcBef>
                 <a:spcPts val="0"/>
               </a:spcBef>
@@ -6023,7 +6237,7 @@
                 <a:sym typeface="Source Sans Pro"/>
               </a:defRPr>
             </a:lvl4pPr>
-            <a:lvl5pPr indent="-342900" lvl="4" marL="2286000">
+            <a:lvl5pPr marL="2286000" lvl="4" indent="-342900">
               <a:spcBef>
                 <a:spcPts val="0"/>
               </a:spcBef>
@@ -6046,7 +6260,7 @@
                 <a:sym typeface="Source Sans Pro"/>
               </a:defRPr>
             </a:lvl5pPr>
-            <a:lvl6pPr indent="-342900" lvl="5" marL="2743200">
+            <a:lvl6pPr marL="2743200" lvl="5" indent="-342900">
               <a:spcBef>
                 <a:spcPts val="0"/>
               </a:spcBef>
@@ -6069,7 +6283,7 @@
                 <a:sym typeface="Source Sans Pro"/>
               </a:defRPr>
             </a:lvl6pPr>
-            <a:lvl7pPr indent="-342900" lvl="6" marL="3200400">
+            <a:lvl7pPr marL="3200400" lvl="6" indent="-342900">
               <a:spcBef>
                 <a:spcPts val="0"/>
               </a:spcBef>
@@ -6092,7 +6306,7 @@
                 <a:sym typeface="Source Sans Pro"/>
               </a:defRPr>
             </a:lvl7pPr>
-            <a:lvl8pPr indent="-342900" lvl="7" marL="3657600">
+            <a:lvl8pPr marL="3657600" lvl="7" indent="-342900">
               <a:spcBef>
                 <a:spcPts val="0"/>
               </a:spcBef>
@@ -6115,7 +6329,7 @@
                 <a:sym typeface="Source Sans Pro"/>
               </a:defRPr>
             </a:lvl8pPr>
-            <a:lvl9pPr indent="-342900" lvl="8" marL="4114800">
+            <a:lvl9pPr marL="4114800" lvl="8" indent="-342900">
               <a:spcBef>
                 <a:spcPts val="0"/>
               </a:spcBef>
@@ -6139,15 +6353,19 @@
               </a:defRPr>
             </a:lvl9pPr>
           </a:lstStyle>
-          <a:p/>
+          <a:p>
+            <a:endParaRPr/>
+          </a:p>
         </p:txBody>
       </p:sp>
       <p:sp>
         <p:nvSpPr>
           <p:cNvPr id="8" name="Shape 8"/>
-          <p:cNvSpPr txBox="1"/>
+          <p:cNvSpPr txBox="1">
+            <a:spLocks noGrp="1"/>
+          </p:cNvSpPr>
           <p:nvPr>
-            <p:ph idx="12" type="sldNum"/>
+            <p:ph type="sldNum" idx="12"/>
           </p:nvPr>
         </p:nvSpPr>
         <p:spPr>
@@ -6164,13 +6382,13 @@
           </a:ln>
         </p:spPr>
         <p:txBody>
-          <a:bodyPr anchorCtr="0" anchor="t" bIns="91425" lIns="91425" spcFirstLastPara="1" rIns="91425" wrap="square" tIns="91425">
+          <a:bodyPr spcFirstLastPara="1" wrap="square" lIns="91425" tIns="91425" rIns="91425" bIns="91425" anchor="t" anchorCtr="0">
             <a:noAutofit/>
           </a:bodyPr>
           <a:lstStyle>
             <a:lvl1pPr lvl="0" algn="r">
               <a:buNone/>
-              <a:defRPr b="1" sz="1300">
+              <a:defRPr sz="1300" b="1">
                 <a:solidFill>
                   <a:srgbClr val="0091EA"/>
                 </a:solidFill>
@@ -6182,7 +6400,7 @@
             </a:lvl1pPr>
             <a:lvl2pPr lvl="1" algn="r">
               <a:buNone/>
-              <a:defRPr b="1" sz="1300">
+              <a:defRPr sz="1300" b="1">
                 <a:solidFill>
                   <a:srgbClr val="0091EA"/>
                 </a:solidFill>
@@ -6194,7 +6412,7 @@
             </a:lvl2pPr>
             <a:lvl3pPr lvl="2" algn="r">
               <a:buNone/>
-              <a:defRPr b="1" sz="1300">
+              <a:defRPr sz="1300" b="1">
                 <a:solidFill>
                   <a:srgbClr val="0091EA"/>
                 </a:solidFill>
@@ -6206,7 +6424,7 @@
             </a:lvl3pPr>
             <a:lvl4pPr lvl="3" algn="r">
               <a:buNone/>
-              <a:defRPr b="1" sz="1300">
+              <a:defRPr sz="1300" b="1">
                 <a:solidFill>
                   <a:srgbClr val="0091EA"/>
                 </a:solidFill>
@@ -6218,7 +6436,7 @@
             </a:lvl4pPr>
             <a:lvl5pPr lvl="4" algn="r">
               <a:buNone/>
-              <a:defRPr b="1" sz="1300">
+              <a:defRPr sz="1300" b="1">
                 <a:solidFill>
                   <a:srgbClr val="0091EA"/>
                 </a:solidFill>
@@ -6230,7 +6448,7 @@
             </a:lvl5pPr>
             <a:lvl6pPr lvl="5" algn="r">
               <a:buNone/>
-              <a:defRPr b="1" sz="1300">
+              <a:defRPr sz="1300" b="1">
                 <a:solidFill>
                   <a:srgbClr val="0091EA"/>
                 </a:solidFill>
@@ -6242,7 +6460,7 @@
             </a:lvl6pPr>
             <a:lvl7pPr lvl="6" algn="r">
               <a:buNone/>
-              <a:defRPr b="1" sz="1300">
+              <a:defRPr sz="1300" b="1">
                 <a:solidFill>
                   <a:srgbClr val="0091EA"/>
                 </a:solidFill>
@@ -6254,7 +6472,7 @@
             </a:lvl7pPr>
             <a:lvl8pPr lvl="7" algn="r">
               <a:buNone/>
-              <a:defRPr b="1" sz="1300">
+              <a:defRPr sz="1300" b="1">
                 <a:solidFill>
                   <a:srgbClr val="0091EA"/>
                 </a:solidFill>
@@ -6266,7 +6484,7 @@
             </a:lvl8pPr>
             <a:lvl9pPr lvl="8" algn="r">
               <a:buNone/>
-              <a:defRPr b="1" sz="1300">
+              <a:defRPr sz="1300" b="1">
                 <a:solidFill>
                   <a:srgbClr val="0091EA"/>
                 </a:solidFill>
@@ -6278,7 +6496,7 @@
             </a:lvl9pPr>
           </a:lstStyle>
           <a:p>
-            <a:pPr indent="0" lvl="0" marL="0">
+            <a:pPr marL="0" lvl="0" indent="0">
               <a:spcBef>
                 <a:spcPts val="0"/>
               </a:spcBef>
@@ -6289,7 +6507,16 @@
             </a:pPr>
             <a:fld id="{00000000-1234-1234-1234-123412341234}" type="slidenum">
               <a:rPr lang="en"/>
-              <a:t>‹#›</a:t>
+              <a:pPr marL="0" lvl="0" indent="0">
+                <a:spcBef>
+                  <a:spcPts val="0"/>
+                </a:spcBef>
+                <a:spcAft>
+                  <a:spcPts val="0"/>
+                </a:spcAft>
+                <a:buNone/>
+              </a:pPr>
+              <a:t>‹N°›</a:t>
             </a:fld>
             <a:endParaRPr>
               <a:latin typeface="Roboto Slab"/>
@@ -6302,26 +6529,26 @@
       </p:sp>
     </p:spTree>
   </p:cSld>
-  <p:clrMap accent1="accent1" accent2="accent2" accent3="accent3" accent4="accent4" accent5="accent5" accent6="accent6" bg1="lt1" bg2="dk2" tx1="dk1" tx2="lt2" folHlink="folHlink" hlink="hlink"/>
+  <p:clrMap bg1="lt1" tx1="dk1" bg2="dk2" tx2="lt2" accent1="accent1" accent2="accent2" accent3="accent3" accent4="accent4" accent5="accent5" accent6="accent6" hlink="hlink" folHlink="folHlink"/>
   <p:sldLayoutIdLst>
-    <p:sldLayoutId id="2147483648" r:id="rId2"/>
-    <p:sldLayoutId id="2147483649" r:id="rId3"/>
-    <p:sldLayoutId id="2147483650" r:id="rId4"/>
-    <p:sldLayoutId id="2147483651" r:id="rId5"/>
-    <p:sldLayoutId id="2147483652" r:id="rId6"/>
-    <p:sldLayoutId id="2147483653" r:id="rId7"/>
-    <p:sldLayoutId id="2147483654" r:id="rId8"/>
-    <p:sldLayoutId id="2147483655" r:id="rId9"/>
-    <p:sldLayoutId id="2147483656" r:id="rId10"/>
-    <p:sldLayoutId id="2147483657" r:id="rId11"/>
+    <p:sldLayoutId id="2147483648" r:id="rId1"/>
+    <p:sldLayoutId id="2147483649" r:id="rId2"/>
+    <p:sldLayoutId id="2147483650" r:id="rId3"/>
+    <p:sldLayoutId id="2147483651" r:id="rId4"/>
+    <p:sldLayoutId id="2147483652" r:id="rId5"/>
+    <p:sldLayoutId id="2147483653" r:id="rId6"/>
+    <p:sldLayoutId id="2147483654" r:id="rId7"/>
+    <p:sldLayoutId id="2147483655" r:id="rId8"/>
+    <p:sldLayoutId id="2147483656" r:id="rId9"/>
+    <p:sldLayoutId id="2147483657" r:id="rId10"/>
   </p:sldLayoutIdLst>
   <p:transition>
     <p:fade thruBlk="1"/>
   </p:transition>
-  <p:hf dt="0" ftr="0" hdr="0"/>
+  <p:hf hdr="0" ftr="0" dt="0"/>
   <p:txStyles>
     <p:titleStyle>
-      <a:defPPr lvl="0" marR="0" rtl="0" algn="l">
+      <a:defPPr marR="0" lvl="0" algn="l" rtl="0">
         <a:lnSpc>
           <a:spcPct val="100000"/>
         </a:lnSpc>
@@ -6332,7 +6559,7 @@
           <a:spcPts val="0"/>
         </a:spcAft>
       </a:defPPr>
-      <a:lvl1pPr lvl="0" marR="0" rtl="0" algn="l">
+      <a:lvl1pPr marR="0" lvl="0" algn="l" rtl="0">
         <a:lnSpc>
           <a:spcPct val="100000"/>
         </a:lnSpc>
@@ -6346,7 +6573,7 @@
           <a:srgbClr val="000000"/>
         </a:buClr>
         <a:buFont typeface="Arial"/>
-        <a:defRPr b="0" i="0" sz="1400" u="none" cap="none" strike="noStrike">
+        <a:defRPr sz="1400" b="0" i="0" u="none" strike="noStrike" cap="none">
           <a:solidFill>
             <a:srgbClr val="000000"/>
           </a:solidFill>
@@ -6356,7 +6583,7 @@
           <a:sym typeface="Arial"/>
         </a:defRPr>
       </a:lvl1pPr>
-      <a:lvl2pPr lvl="1" marR="0" rtl="0" algn="l">
+      <a:lvl2pPr marR="0" lvl="1" algn="l" rtl="0">
         <a:lnSpc>
           <a:spcPct val="100000"/>
         </a:lnSpc>
@@ -6370,7 +6597,7 @@
           <a:srgbClr val="000000"/>
         </a:buClr>
         <a:buFont typeface="Arial"/>
-        <a:defRPr b="0" i="0" sz="1400" u="none" cap="none" strike="noStrike">
+        <a:defRPr sz="1400" b="0" i="0" u="none" strike="noStrike" cap="none">
           <a:solidFill>
             <a:srgbClr val="000000"/>
           </a:solidFill>
@@ -6380,7 +6607,7 @@
           <a:sym typeface="Arial"/>
         </a:defRPr>
       </a:lvl2pPr>
-      <a:lvl3pPr lvl="2" marR="0" rtl="0" algn="l">
+      <a:lvl3pPr marR="0" lvl="2" algn="l" rtl="0">
         <a:lnSpc>
           <a:spcPct val="100000"/>
         </a:lnSpc>
@@ -6394,7 +6621,7 @@
           <a:srgbClr val="000000"/>
         </a:buClr>
         <a:buFont typeface="Arial"/>
-        <a:defRPr b="0" i="0" sz="1400" u="none" cap="none" strike="noStrike">
+        <a:defRPr sz="1400" b="0" i="0" u="none" strike="noStrike" cap="none">
           <a:solidFill>
             <a:srgbClr val="000000"/>
           </a:solidFill>
@@ -6404,7 +6631,7 @@
           <a:sym typeface="Arial"/>
         </a:defRPr>
       </a:lvl3pPr>
-      <a:lvl4pPr lvl="3" marR="0" rtl="0" algn="l">
+      <a:lvl4pPr marR="0" lvl="3" algn="l" rtl="0">
         <a:lnSpc>
           <a:spcPct val="100000"/>
         </a:lnSpc>
@@ -6418,7 +6645,7 @@
           <a:srgbClr val="000000"/>
         </a:buClr>
         <a:buFont typeface="Arial"/>
-        <a:defRPr b="0" i="0" sz="1400" u="none" cap="none" strike="noStrike">
+        <a:defRPr sz="1400" b="0" i="0" u="none" strike="noStrike" cap="none">
           <a:solidFill>
             <a:srgbClr val="000000"/>
           </a:solidFill>
@@ -6428,7 +6655,7 @@
           <a:sym typeface="Arial"/>
         </a:defRPr>
       </a:lvl4pPr>
-      <a:lvl5pPr lvl="4" marR="0" rtl="0" algn="l">
+      <a:lvl5pPr marR="0" lvl="4" algn="l" rtl="0">
         <a:lnSpc>
           <a:spcPct val="100000"/>
         </a:lnSpc>
@@ -6442,7 +6669,7 @@
           <a:srgbClr val="000000"/>
         </a:buClr>
         <a:buFont typeface="Arial"/>
-        <a:defRPr b="0" i="0" sz="1400" u="none" cap="none" strike="noStrike">
+        <a:defRPr sz="1400" b="0" i="0" u="none" strike="noStrike" cap="none">
           <a:solidFill>
             <a:srgbClr val="000000"/>
           </a:solidFill>
@@ -6452,7 +6679,7 @@
           <a:sym typeface="Arial"/>
         </a:defRPr>
       </a:lvl5pPr>
-      <a:lvl6pPr lvl="5" marR="0" rtl="0" algn="l">
+      <a:lvl6pPr marR="0" lvl="5" algn="l" rtl="0">
         <a:lnSpc>
           <a:spcPct val="100000"/>
         </a:lnSpc>
@@ -6466,7 +6693,7 @@
           <a:srgbClr val="000000"/>
         </a:buClr>
         <a:buFont typeface="Arial"/>
-        <a:defRPr b="0" i="0" sz="1400" u="none" cap="none" strike="noStrike">
+        <a:defRPr sz="1400" b="0" i="0" u="none" strike="noStrike" cap="none">
           <a:solidFill>
             <a:srgbClr val="000000"/>
           </a:solidFill>
@@ -6476,7 +6703,7 @@
           <a:sym typeface="Arial"/>
         </a:defRPr>
       </a:lvl6pPr>
-      <a:lvl7pPr lvl="6" marR="0" rtl="0" algn="l">
+      <a:lvl7pPr marR="0" lvl="6" algn="l" rtl="0">
         <a:lnSpc>
           <a:spcPct val="100000"/>
         </a:lnSpc>
@@ -6490,7 +6717,7 @@
           <a:srgbClr val="000000"/>
         </a:buClr>
         <a:buFont typeface="Arial"/>
-        <a:defRPr b="0" i="0" sz="1400" u="none" cap="none" strike="noStrike">
+        <a:defRPr sz="1400" b="0" i="0" u="none" strike="noStrike" cap="none">
           <a:solidFill>
             <a:srgbClr val="000000"/>
           </a:solidFill>
@@ -6500,7 +6727,7 @@
           <a:sym typeface="Arial"/>
         </a:defRPr>
       </a:lvl7pPr>
-      <a:lvl8pPr lvl="7" marR="0" rtl="0" algn="l">
+      <a:lvl8pPr marR="0" lvl="7" algn="l" rtl="0">
         <a:lnSpc>
           <a:spcPct val="100000"/>
         </a:lnSpc>
@@ -6514,7 +6741,7 @@
           <a:srgbClr val="000000"/>
         </a:buClr>
         <a:buFont typeface="Arial"/>
-        <a:defRPr b="0" i="0" sz="1400" u="none" cap="none" strike="noStrike">
+        <a:defRPr sz="1400" b="0" i="0" u="none" strike="noStrike" cap="none">
           <a:solidFill>
             <a:srgbClr val="000000"/>
           </a:solidFill>
@@ -6524,7 +6751,7 @@
           <a:sym typeface="Arial"/>
         </a:defRPr>
       </a:lvl8pPr>
-      <a:lvl9pPr lvl="8" marR="0" rtl="0" algn="l">
+      <a:lvl9pPr marR="0" lvl="8" algn="l" rtl="0">
         <a:lnSpc>
           <a:spcPct val="100000"/>
         </a:lnSpc>
@@ -6538,7 +6765,7 @@
           <a:srgbClr val="000000"/>
         </a:buClr>
         <a:buFont typeface="Arial"/>
-        <a:defRPr b="0" i="0" sz="1400" u="none" cap="none" strike="noStrike">
+        <a:defRPr sz="1400" b="0" i="0" u="none" strike="noStrike" cap="none">
           <a:solidFill>
             <a:srgbClr val="000000"/>
           </a:solidFill>
@@ -6550,7 +6777,7 @@
       </a:lvl9pPr>
     </p:titleStyle>
     <p:bodyStyle>
-      <a:defPPr lvl="0" marR="0" rtl="0" algn="l">
+      <a:defPPr marR="0" lvl="0" algn="l" rtl="0">
         <a:lnSpc>
           <a:spcPct val="100000"/>
         </a:lnSpc>
@@ -6561,7 +6788,7 @@
           <a:spcPts val="0"/>
         </a:spcAft>
       </a:defPPr>
-      <a:lvl1pPr lvl="0" marR="0" rtl="0" algn="l">
+      <a:lvl1pPr marR="0" lvl="0" algn="l" rtl="0">
         <a:lnSpc>
           <a:spcPct val="100000"/>
         </a:lnSpc>
@@ -6575,7 +6802,7 @@
           <a:srgbClr val="000000"/>
         </a:buClr>
         <a:buFont typeface="Arial"/>
-        <a:defRPr b="0" i="0" sz="1400" u="none" cap="none" strike="noStrike">
+        <a:defRPr sz="1400" b="0" i="0" u="none" strike="noStrike" cap="none">
           <a:solidFill>
             <a:srgbClr val="000000"/>
           </a:solidFill>
@@ -6585,7 +6812,7 @@
           <a:sym typeface="Arial"/>
         </a:defRPr>
       </a:lvl1pPr>
-      <a:lvl2pPr lvl="1" marR="0" rtl="0" algn="l">
+      <a:lvl2pPr marR="0" lvl="1" algn="l" rtl="0">
         <a:lnSpc>
           <a:spcPct val="100000"/>
         </a:lnSpc>
@@ -6599,7 +6826,7 @@
           <a:srgbClr val="000000"/>
         </a:buClr>
         <a:buFont typeface="Arial"/>
-        <a:defRPr b="0" i="0" sz="1400" u="none" cap="none" strike="noStrike">
+        <a:defRPr sz="1400" b="0" i="0" u="none" strike="noStrike" cap="none">
           <a:solidFill>
             <a:srgbClr val="000000"/>
           </a:solidFill>
@@ -6609,7 +6836,7 @@
           <a:sym typeface="Arial"/>
         </a:defRPr>
       </a:lvl2pPr>
-      <a:lvl3pPr lvl="2" marR="0" rtl="0" algn="l">
+      <a:lvl3pPr marR="0" lvl="2" algn="l" rtl="0">
         <a:lnSpc>
           <a:spcPct val="100000"/>
         </a:lnSpc>
@@ -6623,7 +6850,7 @@
           <a:srgbClr val="000000"/>
         </a:buClr>
         <a:buFont typeface="Arial"/>
-        <a:defRPr b="0" i="0" sz="1400" u="none" cap="none" strike="noStrike">
+        <a:defRPr sz="1400" b="0" i="0" u="none" strike="noStrike" cap="none">
           <a:solidFill>
             <a:srgbClr val="000000"/>
           </a:solidFill>
@@ -6633,7 +6860,7 @@
           <a:sym typeface="Arial"/>
         </a:defRPr>
       </a:lvl3pPr>
-      <a:lvl4pPr lvl="3" marR="0" rtl="0" algn="l">
+      <a:lvl4pPr marR="0" lvl="3" algn="l" rtl="0">
         <a:lnSpc>
           <a:spcPct val="100000"/>
         </a:lnSpc>
@@ -6647,7 +6874,7 @@
           <a:srgbClr val="000000"/>
         </a:buClr>
         <a:buFont typeface="Arial"/>
-        <a:defRPr b="0" i="0" sz="1400" u="none" cap="none" strike="noStrike">
+        <a:defRPr sz="1400" b="0" i="0" u="none" strike="noStrike" cap="none">
           <a:solidFill>
             <a:srgbClr val="000000"/>
           </a:solidFill>
@@ -6657,7 +6884,7 @@
           <a:sym typeface="Arial"/>
         </a:defRPr>
       </a:lvl4pPr>
-      <a:lvl5pPr lvl="4" marR="0" rtl="0" algn="l">
+      <a:lvl5pPr marR="0" lvl="4" algn="l" rtl="0">
         <a:lnSpc>
           <a:spcPct val="100000"/>
         </a:lnSpc>
@@ -6671,7 +6898,7 @@
           <a:srgbClr val="000000"/>
         </a:buClr>
         <a:buFont typeface="Arial"/>
-        <a:defRPr b="0" i="0" sz="1400" u="none" cap="none" strike="noStrike">
+        <a:defRPr sz="1400" b="0" i="0" u="none" strike="noStrike" cap="none">
           <a:solidFill>
             <a:srgbClr val="000000"/>
           </a:solidFill>
@@ -6681,7 +6908,7 @@
           <a:sym typeface="Arial"/>
         </a:defRPr>
       </a:lvl5pPr>
-      <a:lvl6pPr lvl="5" marR="0" rtl="0" algn="l">
+      <a:lvl6pPr marR="0" lvl="5" algn="l" rtl="0">
         <a:lnSpc>
           <a:spcPct val="100000"/>
         </a:lnSpc>
@@ -6695,7 +6922,7 @@
           <a:srgbClr val="000000"/>
         </a:buClr>
         <a:buFont typeface="Arial"/>
-        <a:defRPr b="0" i="0" sz="1400" u="none" cap="none" strike="noStrike">
+        <a:defRPr sz="1400" b="0" i="0" u="none" strike="noStrike" cap="none">
           <a:solidFill>
             <a:srgbClr val="000000"/>
           </a:solidFill>
@@ -6705,7 +6932,7 @@
           <a:sym typeface="Arial"/>
         </a:defRPr>
       </a:lvl6pPr>
-      <a:lvl7pPr lvl="6" marR="0" rtl="0" algn="l">
+      <a:lvl7pPr marR="0" lvl="6" algn="l" rtl="0">
         <a:lnSpc>
           <a:spcPct val="100000"/>
         </a:lnSpc>
@@ -6719,7 +6946,7 @@
           <a:srgbClr val="000000"/>
         </a:buClr>
         <a:buFont typeface="Arial"/>
-        <a:defRPr b="0" i="0" sz="1400" u="none" cap="none" strike="noStrike">
+        <a:defRPr sz="1400" b="0" i="0" u="none" strike="noStrike" cap="none">
           <a:solidFill>
             <a:srgbClr val="000000"/>
           </a:solidFill>
@@ -6729,7 +6956,7 @@
           <a:sym typeface="Arial"/>
         </a:defRPr>
       </a:lvl7pPr>
-      <a:lvl8pPr lvl="7" marR="0" rtl="0" algn="l">
+      <a:lvl8pPr marR="0" lvl="7" algn="l" rtl="0">
         <a:lnSpc>
           <a:spcPct val="100000"/>
         </a:lnSpc>
@@ -6743,7 +6970,7 @@
           <a:srgbClr val="000000"/>
         </a:buClr>
         <a:buFont typeface="Arial"/>
-        <a:defRPr b="0" i="0" sz="1400" u="none" cap="none" strike="noStrike">
+        <a:defRPr sz="1400" b="0" i="0" u="none" strike="noStrike" cap="none">
           <a:solidFill>
             <a:srgbClr val="000000"/>
           </a:solidFill>
@@ -6753,7 +6980,7 @@
           <a:sym typeface="Arial"/>
         </a:defRPr>
       </a:lvl8pPr>
-      <a:lvl9pPr lvl="8" marR="0" rtl="0" algn="l">
+      <a:lvl9pPr marR="0" lvl="8" algn="l" rtl="0">
         <a:lnSpc>
           <a:spcPct val="100000"/>
         </a:lnSpc>
@@ -6767,7 +6994,7 @@
           <a:srgbClr val="000000"/>
         </a:buClr>
         <a:buFont typeface="Arial"/>
-        <a:defRPr b="0" i="0" sz="1400" u="none" cap="none" strike="noStrike">
+        <a:defRPr sz="1400" b="0" i="0" u="none" strike="noStrike" cap="none">
           <a:solidFill>
             <a:srgbClr val="000000"/>
           </a:solidFill>
@@ -6779,7 +7006,7 @@
       </a:lvl9pPr>
     </p:bodyStyle>
     <p:otherStyle>
-      <a:defPPr lvl="0" marR="0" rtl="0" algn="l">
+      <a:defPPr marR="0" lvl="0" algn="l" rtl="0">
         <a:lnSpc>
           <a:spcPct val="100000"/>
         </a:lnSpc>
@@ -6790,7 +7017,7 @@
           <a:spcPts val="0"/>
         </a:spcAft>
       </a:defPPr>
-      <a:lvl1pPr lvl="0" marR="0" rtl="0" algn="l">
+      <a:lvl1pPr marR="0" lvl="0" algn="l" rtl="0">
         <a:lnSpc>
           <a:spcPct val="100000"/>
         </a:lnSpc>
@@ -6804,7 +7031,7 @@
           <a:srgbClr val="000000"/>
         </a:buClr>
         <a:buFont typeface="Arial"/>
-        <a:defRPr b="0" i="0" sz="1400" u="none" cap="none" strike="noStrike">
+        <a:defRPr sz="1400" b="0" i="0" u="none" strike="noStrike" cap="none">
           <a:solidFill>
             <a:srgbClr val="000000"/>
           </a:solidFill>
@@ -6814,7 +7041,7 @@
           <a:sym typeface="Arial"/>
         </a:defRPr>
       </a:lvl1pPr>
-      <a:lvl2pPr lvl="1" marR="0" rtl="0" algn="l">
+      <a:lvl2pPr marR="0" lvl="1" algn="l" rtl="0">
         <a:lnSpc>
           <a:spcPct val="100000"/>
         </a:lnSpc>
@@ -6828,7 +7055,7 @@
           <a:srgbClr val="000000"/>
         </a:buClr>
         <a:buFont typeface="Arial"/>
-        <a:defRPr b="0" i="0" sz="1400" u="none" cap="none" strike="noStrike">
+        <a:defRPr sz="1400" b="0" i="0" u="none" strike="noStrike" cap="none">
           <a:solidFill>
             <a:srgbClr val="000000"/>
           </a:solidFill>
@@ -6838,7 +7065,7 @@
           <a:sym typeface="Arial"/>
         </a:defRPr>
       </a:lvl2pPr>
-      <a:lvl3pPr lvl="2" marR="0" rtl="0" algn="l">
+      <a:lvl3pPr marR="0" lvl="2" algn="l" rtl="0">
         <a:lnSpc>
           <a:spcPct val="100000"/>
         </a:lnSpc>
@@ -6852,7 +7079,7 @@
           <a:srgbClr val="000000"/>
         </a:buClr>
         <a:buFont typeface="Arial"/>
-        <a:defRPr b="0" i="0" sz="1400" u="none" cap="none" strike="noStrike">
+        <a:defRPr sz="1400" b="0" i="0" u="none" strike="noStrike" cap="none">
           <a:solidFill>
             <a:srgbClr val="000000"/>
           </a:solidFill>
@@ -6862,7 +7089,7 @@
           <a:sym typeface="Arial"/>
         </a:defRPr>
       </a:lvl3pPr>
-      <a:lvl4pPr lvl="3" marR="0" rtl="0" algn="l">
+      <a:lvl4pPr marR="0" lvl="3" algn="l" rtl="0">
         <a:lnSpc>
           <a:spcPct val="100000"/>
         </a:lnSpc>
@@ -6876,7 +7103,7 @@
           <a:srgbClr val="000000"/>
         </a:buClr>
         <a:buFont typeface="Arial"/>
-        <a:defRPr b="0" i="0" sz="1400" u="none" cap="none" strike="noStrike">
+        <a:defRPr sz="1400" b="0" i="0" u="none" strike="noStrike" cap="none">
           <a:solidFill>
             <a:srgbClr val="000000"/>
           </a:solidFill>
@@ -6886,7 +7113,7 @@
           <a:sym typeface="Arial"/>
         </a:defRPr>
       </a:lvl4pPr>
-      <a:lvl5pPr lvl="4" marR="0" rtl="0" algn="l">
+      <a:lvl5pPr marR="0" lvl="4" algn="l" rtl="0">
         <a:lnSpc>
           <a:spcPct val="100000"/>
         </a:lnSpc>
@@ -6900,7 +7127,7 @@
           <a:srgbClr val="000000"/>
         </a:buClr>
         <a:buFont typeface="Arial"/>
-        <a:defRPr b="0" i="0" sz="1400" u="none" cap="none" strike="noStrike">
+        <a:defRPr sz="1400" b="0" i="0" u="none" strike="noStrike" cap="none">
           <a:solidFill>
             <a:srgbClr val="000000"/>
           </a:solidFill>
@@ -6910,7 +7137,7 @@
           <a:sym typeface="Arial"/>
         </a:defRPr>
       </a:lvl5pPr>
-      <a:lvl6pPr lvl="5" marR="0" rtl="0" algn="l">
+      <a:lvl6pPr marR="0" lvl="5" algn="l" rtl="0">
         <a:lnSpc>
           <a:spcPct val="100000"/>
         </a:lnSpc>
@@ -6924,7 +7151,7 @@
           <a:srgbClr val="000000"/>
         </a:buClr>
         <a:buFont typeface="Arial"/>
-        <a:defRPr b="0" i="0" sz="1400" u="none" cap="none" strike="noStrike">
+        <a:defRPr sz="1400" b="0" i="0" u="none" strike="noStrike" cap="none">
           <a:solidFill>
             <a:srgbClr val="000000"/>
           </a:solidFill>
@@ -6934,7 +7161,7 @@
           <a:sym typeface="Arial"/>
         </a:defRPr>
       </a:lvl6pPr>
-      <a:lvl7pPr lvl="6" marR="0" rtl="0" algn="l">
+      <a:lvl7pPr marR="0" lvl="6" algn="l" rtl="0">
         <a:lnSpc>
           <a:spcPct val="100000"/>
         </a:lnSpc>
@@ -6948,7 +7175,7 @@
           <a:srgbClr val="000000"/>
         </a:buClr>
         <a:buFont typeface="Arial"/>
-        <a:defRPr b="0" i="0" sz="1400" u="none" cap="none" strike="noStrike">
+        <a:defRPr sz="1400" b="0" i="0" u="none" strike="noStrike" cap="none">
           <a:solidFill>
             <a:srgbClr val="000000"/>
           </a:solidFill>
@@ -6958,7 +7185,7 @@
           <a:sym typeface="Arial"/>
         </a:defRPr>
       </a:lvl7pPr>
-      <a:lvl8pPr lvl="7" marR="0" rtl="0" algn="l">
+      <a:lvl8pPr marR="0" lvl="7" algn="l" rtl="0">
         <a:lnSpc>
           <a:spcPct val="100000"/>
         </a:lnSpc>
@@ -6972,7 +7199,7 @@
           <a:srgbClr val="000000"/>
         </a:buClr>
         <a:buFont typeface="Arial"/>
-        <a:defRPr b="0" i="0" sz="1400" u="none" cap="none" strike="noStrike">
+        <a:defRPr sz="1400" b="0" i="0" u="none" strike="noStrike" cap="none">
           <a:solidFill>
             <a:srgbClr val="000000"/>
           </a:solidFill>
@@ -6982,7 +7209,7 @@
           <a:sym typeface="Arial"/>
         </a:defRPr>
       </a:lvl8pPr>
-      <a:lvl9pPr lvl="8" marR="0" rtl="0" algn="l">
+      <a:lvl9pPr marR="0" lvl="8" algn="l" rtl="0">
         <a:lnSpc>
           <a:spcPct val="100000"/>
         </a:lnSpc>
@@ -6996,7 +7223,7 @@
           <a:srgbClr val="000000"/>
         </a:buClr>
         <a:buFont typeface="Arial"/>
-        <a:defRPr b="0" i="0" sz="1400" u="none" cap="none" strike="noStrike">
+        <a:defRPr sz="1400" b="0" i="0" u="none" strike="noStrike" cap="none">
           <a:solidFill>
             <a:srgbClr val="000000"/>
           </a:solidFill>
@@ -7012,11 +7239,11 @@
 </file>
 
 <file path=ppt/slides/slide1.xml><?xml version="1.0" encoding="utf-8"?>
-<p:sld xmlns:a="http://schemas.openxmlformats.org/drawingml/2006/main" xmlns:r="http://schemas.openxmlformats.org/officeDocument/2006/relationships" xmlns:mc="http://schemas.openxmlformats.org/markup-compatibility/2006" xmlns:mv="urn:schemas-microsoft-com:mac:vml" xmlns:p="http://schemas.openxmlformats.org/presentationml/2006/main" xmlns:c="http://schemas.openxmlformats.org/drawingml/2006/chart" xmlns:dgm="http://schemas.openxmlformats.org/drawingml/2006/diagram" xmlns:o="urn:schemas-microsoft-com:office:office" xmlns:v="urn:schemas-microsoft-com:vml" xmlns:pvml="urn:schemas-microsoft-com:office:powerpoint" xmlns:com="http://schemas.openxmlformats.org/drawingml/2006/compatibility" xmlns:p14="http://schemas.microsoft.com/office/powerpoint/2010/main" xmlns:p15="http://schemas.microsoft.com/office/powerpoint/2012/main">
+<p:sld xmlns:a="http://schemas.openxmlformats.org/drawingml/2006/main" xmlns:r="http://schemas.openxmlformats.org/officeDocument/2006/relationships" xmlns:p="http://schemas.openxmlformats.org/presentationml/2006/main">
   <p:cSld>
     <p:spTree>
       <p:nvGrpSpPr>
-        <p:cNvPr id="69" name="Shape 69"/>
+        <p:cNvPr id="1" name="Shape 69"/>
         <p:cNvGrpSpPr/>
         <p:nvPr/>
       </p:nvGrpSpPr>
@@ -7031,7 +7258,9 @@
       <p:sp>
         <p:nvSpPr>
           <p:cNvPr id="70" name="Shape 70"/>
-          <p:cNvSpPr txBox="1"/>
+          <p:cNvSpPr txBox="1">
+            <a:spLocks noGrp="1"/>
+          </p:cNvSpPr>
           <p:nvPr>
             <p:ph type="ctrTitle"/>
           </p:nvPr>
@@ -7046,12 +7275,12 @@
           </a:prstGeom>
         </p:spPr>
         <p:txBody>
-          <a:bodyPr anchorCtr="0" anchor="t" bIns="91425" lIns="91425" spcFirstLastPara="1" rIns="91425" wrap="square" tIns="91425">
+          <a:bodyPr spcFirstLastPara="1" wrap="square" lIns="91425" tIns="91425" rIns="91425" bIns="91425" anchor="t" anchorCtr="0">
             <a:noAutofit/>
           </a:bodyPr>
           <a:lstStyle/>
           <a:p>
-            <a:pPr indent="0" lvl="0" marL="0" algn="ctr">
+            <a:pPr marL="0" lvl="0" indent="0" algn="ctr">
               <a:spcBef>
                 <a:spcPts val="0"/>
               </a:spcBef>
@@ -7088,12 +7317,12 @@
           </a:ln>
         </p:spPr>
         <p:txBody>
-          <a:bodyPr anchorCtr="0" anchor="t" bIns="91425" lIns="91425" spcFirstLastPara="1" rIns="91425" wrap="square" tIns="91425">
+          <a:bodyPr spcFirstLastPara="1" wrap="square" lIns="91425" tIns="91425" rIns="91425" bIns="91425" anchor="t" anchorCtr="0">
             <a:noAutofit/>
           </a:bodyPr>
           <a:lstStyle/>
           <a:p>
-            <a:pPr indent="0" lvl="0" marL="0" algn="ctr">
+            <a:pPr marL="0" lvl="0" indent="0" algn="ctr">
               <a:spcBef>
                 <a:spcPts val="0"/>
               </a:spcBef>
@@ -7125,7 +7354,7 @@
             </a:endParaRPr>
           </a:p>
           <a:p>
-            <a:pPr indent="0" lvl="0" marL="0" algn="ctr">
+            <a:pPr marL="0" lvl="0" indent="0" algn="ctr">
               <a:spcBef>
                 <a:spcPts val="0"/>
               </a:spcBef>
@@ -7157,7 +7386,7 @@
             </a:endParaRPr>
           </a:p>
           <a:p>
-            <a:pPr indent="0" lvl="0" marL="0" algn="ctr">
+            <a:pPr marL="0" lvl="0" indent="0" algn="ctr">
               <a:spcBef>
                 <a:spcPts val="0"/>
               </a:spcBef>
@@ -7227,11 +7456,11 @@
 </file>
 
 <file path=ppt/slides/slide10.xml><?xml version="1.0" encoding="utf-8"?>
-<p:sld xmlns:a="http://schemas.openxmlformats.org/drawingml/2006/main" xmlns:r="http://schemas.openxmlformats.org/officeDocument/2006/relationships" xmlns:mc="http://schemas.openxmlformats.org/markup-compatibility/2006" xmlns:mv="urn:schemas-microsoft-com:mac:vml" xmlns:p="http://schemas.openxmlformats.org/presentationml/2006/main" xmlns:c="http://schemas.openxmlformats.org/drawingml/2006/chart" xmlns:dgm="http://schemas.openxmlformats.org/drawingml/2006/diagram" xmlns:o="urn:schemas-microsoft-com:office:office" xmlns:v="urn:schemas-microsoft-com:vml" xmlns:pvml="urn:schemas-microsoft-com:office:powerpoint" xmlns:com="http://schemas.openxmlformats.org/drawingml/2006/compatibility" xmlns:p14="http://schemas.microsoft.com/office/powerpoint/2010/main" xmlns:p15="http://schemas.microsoft.com/office/powerpoint/2012/main">
+<p:sld xmlns:a="http://schemas.openxmlformats.org/drawingml/2006/main" xmlns:r="http://schemas.openxmlformats.org/officeDocument/2006/relationships" xmlns:p="http://schemas.openxmlformats.org/presentationml/2006/main">
   <p:cSld>
     <p:spTree>
       <p:nvGrpSpPr>
-        <p:cNvPr id="138" name="Shape 138"/>
+        <p:cNvPr id="1" name="Shape 138"/>
         <p:cNvGrpSpPr/>
         <p:nvPr/>
       </p:nvGrpSpPr>
@@ -7246,9 +7475,11 @@
       <p:sp>
         <p:nvSpPr>
           <p:cNvPr id="139" name="Shape 139"/>
-          <p:cNvSpPr txBox="1"/>
+          <p:cNvSpPr txBox="1">
+            <a:spLocks noGrp="1"/>
+          </p:cNvSpPr>
           <p:nvPr>
-            <p:ph idx="4294967295" type="ctrTitle"/>
+            <p:ph type="ctrTitle" idx="4294967295"/>
           </p:nvPr>
         </p:nvSpPr>
         <p:spPr>
@@ -7261,12 +7492,12 @@
           </a:prstGeom>
         </p:spPr>
         <p:txBody>
-          <a:bodyPr anchorCtr="0" anchor="b" bIns="91425" lIns="91425" spcFirstLastPara="1" rIns="91425" wrap="square" tIns="91425">
+          <a:bodyPr spcFirstLastPara="1" wrap="square" lIns="91425" tIns="91425" rIns="91425" bIns="91425" anchor="b" anchorCtr="0">
             <a:noAutofit/>
           </a:bodyPr>
           <a:lstStyle/>
           <a:p>
-            <a:pPr indent="0" lvl="0" marL="0" rtl="0">
+            <a:pPr marL="0" lvl="0" indent="0" rtl="0">
               <a:spcBef>
                 <a:spcPts val="0"/>
               </a:spcBef>
@@ -7276,19 +7507,21 @@
               <a:buNone/>
             </a:pPr>
             <a:r>
-              <a:rPr b="1" lang="en" sz="6000"/>
+              <a:rPr lang="en" sz="6000" b="1"/>
               <a:t>Thanks!</a:t>
             </a:r>
-            <a:endParaRPr b="1" sz="6000"/>
+            <a:endParaRPr sz="6000" b="1"/>
           </a:p>
         </p:txBody>
       </p:sp>
       <p:sp>
         <p:nvSpPr>
           <p:cNvPr id="140" name="Shape 140"/>
-          <p:cNvSpPr txBox="1"/>
+          <p:cNvSpPr txBox="1">
+            <a:spLocks noGrp="1"/>
+          </p:cNvSpPr>
           <p:nvPr>
-            <p:ph idx="4294967295" type="subTitle"/>
+            <p:ph type="subTitle" idx="4294967295"/>
           </p:nvPr>
         </p:nvSpPr>
         <p:spPr>
@@ -7301,12 +7534,12 @@
           </a:prstGeom>
         </p:spPr>
         <p:txBody>
-          <a:bodyPr anchorCtr="0" anchor="t" bIns="91425" lIns="91425" spcFirstLastPara="1" rIns="91425" wrap="square" tIns="91425">
+          <a:bodyPr spcFirstLastPara="1" wrap="square" lIns="91425" tIns="91425" rIns="91425" bIns="91425" anchor="t" anchorCtr="0">
             <a:noAutofit/>
           </a:bodyPr>
           <a:lstStyle/>
           <a:p>
-            <a:pPr indent="0" lvl="0" marL="0" rtl="0">
+            <a:pPr marL="0" lvl="0" indent="0" rtl="0">
               <a:spcBef>
                 <a:spcPts val="600"/>
               </a:spcBef>
@@ -7316,19 +7549,21 @@
               <a:buNone/>
             </a:pPr>
             <a:r>
-              <a:rPr b="1" lang="en" sz="3600"/>
+              <a:rPr lang="en" sz="3600" b="1"/>
               <a:t>Any questions?</a:t>
             </a:r>
-            <a:endParaRPr b="1" sz="3600"/>
+            <a:endParaRPr sz="3600" b="1"/>
           </a:p>
         </p:txBody>
       </p:sp>
       <p:sp>
         <p:nvSpPr>
           <p:cNvPr id="141" name="Shape 141"/>
-          <p:cNvSpPr txBox="1"/>
+          <p:cNvSpPr txBox="1">
+            <a:spLocks noGrp="1"/>
+          </p:cNvSpPr>
           <p:nvPr>
-            <p:ph idx="12" type="sldNum"/>
+            <p:ph type="sldNum" idx="12"/>
           </p:nvPr>
         </p:nvSpPr>
         <p:spPr>
@@ -7341,12 +7576,12 @@
           </a:prstGeom>
         </p:spPr>
         <p:txBody>
-          <a:bodyPr anchorCtr="0" anchor="t" bIns="91425" lIns="91425" spcFirstLastPara="1" rIns="91425" wrap="square" tIns="91425">
+          <a:bodyPr spcFirstLastPara="1" wrap="square" lIns="91425" tIns="91425" rIns="91425" bIns="91425" anchor="t" anchorCtr="0">
             <a:noAutofit/>
           </a:bodyPr>
           <a:lstStyle/>
           <a:p>
-            <a:pPr indent="0" lvl="0" marL="0" rtl="0">
+            <a:pPr marL="0" lvl="0" indent="0" rtl="0">
               <a:spcBef>
                 <a:spcPts val="0"/>
               </a:spcBef>
@@ -7357,7 +7592,16 @@
             </a:pPr>
             <a:fld id="{00000000-1234-1234-1234-123412341234}" type="slidenum">
               <a:rPr lang="en"/>
-              <a:t>‹#›</a:t>
+              <a:pPr marL="0" lvl="0" indent="0" rtl="0">
+                <a:spcBef>
+                  <a:spcPts val="0"/>
+                </a:spcBef>
+                <a:spcAft>
+                  <a:spcPts val="0"/>
+                </a:spcAft>
+                <a:buNone/>
+              </a:pPr>
+              <a:t>10</a:t>
             </a:fld>
             <a:endParaRPr/>
           </a:p>
@@ -7372,11 +7616,11 @@
 </file>
 
 <file path=ppt/slides/slide2.xml><?xml version="1.0" encoding="utf-8"?>
-<p:sld xmlns:a="http://schemas.openxmlformats.org/drawingml/2006/main" xmlns:r="http://schemas.openxmlformats.org/officeDocument/2006/relationships" xmlns:mc="http://schemas.openxmlformats.org/markup-compatibility/2006" xmlns:mv="urn:schemas-microsoft-com:mac:vml" xmlns:p="http://schemas.openxmlformats.org/presentationml/2006/main" xmlns:c="http://schemas.openxmlformats.org/drawingml/2006/chart" xmlns:dgm="http://schemas.openxmlformats.org/drawingml/2006/diagram" xmlns:o="urn:schemas-microsoft-com:office:office" xmlns:v="urn:schemas-microsoft-com:vml" xmlns:pvml="urn:schemas-microsoft-com:office:powerpoint" xmlns:com="http://schemas.openxmlformats.org/drawingml/2006/compatibility" xmlns:p14="http://schemas.microsoft.com/office/powerpoint/2010/main" xmlns:p15="http://schemas.microsoft.com/office/powerpoint/2012/main">
+<p:sld xmlns:a="http://schemas.openxmlformats.org/drawingml/2006/main" xmlns:r="http://schemas.openxmlformats.org/officeDocument/2006/relationships" xmlns:p="http://schemas.openxmlformats.org/presentationml/2006/main">
   <p:cSld>
     <p:spTree>
       <p:nvGrpSpPr>
-        <p:cNvPr id="76" name="Shape 76"/>
+        <p:cNvPr id="1" name="Shape 76"/>
         <p:cNvGrpSpPr/>
         <p:nvPr/>
       </p:nvGrpSpPr>
@@ -7403,23 +7647,23 @@
             <a:avLst/>
           </a:prstGeom>
           <a:noFill/>
-          <a:ln cap="flat" cmpd="sng" w="9525">
+          <a:ln w="9525" cap="flat" cmpd="sng">
             <a:solidFill>
               <a:srgbClr val="CFD8DC"/>
             </a:solidFill>
             <a:prstDash val="dash"/>
             <a:round/>
-            <a:headEnd len="sm" w="sm" type="none"/>
-            <a:tailEnd len="sm" w="sm" type="none"/>
+            <a:headEnd type="none" w="sm" len="sm"/>
+            <a:tailEnd type="none" w="sm" len="sm"/>
           </a:ln>
         </p:spPr>
         <p:txBody>
-          <a:bodyPr anchorCtr="0" anchor="ctr" bIns="91425" lIns="91425" spcFirstLastPara="1" rIns="91425" wrap="square" tIns="91425">
+          <a:bodyPr spcFirstLastPara="1" wrap="square" lIns="91425" tIns="91425" rIns="91425" bIns="91425" anchor="ctr" anchorCtr="0">
             <a:noAutofit/>
           </a:bodyPr>
           <a:lstStyle/>
           <a:p>
-            <a:pPr indent="0" lvl="0" marL="0">
+            <a:pPr marL="0" lvl="0" indent="0">
               <a:spcBef>
                 <a:spcPts val="0"/>
               </a:spcBef>
@@ -7428,9 +7672,6 @@
               </a:spcAft>
               <a:buNone/>
             </a:pPr>
-            <a:r>
-              <a:t/>
-            </a:r>
             <a:endParaRPr/>
           </a:p>
         </p:txBody>
@@ -7438,9 +7679,11 @@
       <p:sp>
         <p:nvSpPr>
           <p:cNvPr id="78" name="Shape 78"/>
-          <p:cNvSpPr txBox="1"/>
+          <p:cNvSpPr txBox="1">
+            <a:spLocks noGrp="1"/>
+          </p:cNvSpPr>
           <p:nvPr>
-            <p:ph idx="4294967295" type="ctrTitle"/>
+            <p:ph type="ctrTitle" idx="4294967295"/>
           </p:nvPr>
         </p:nvSpPr>
         <p:spPr>
@@ -7453,12 +7696,12 @@
           </a:prstGeom>
         </p:spPr>
         <p:txBody>
-          <a:bodyPr anchorCtr="0" anchor="b" bIns="91425" lIns="91425" spcFirstLastPara="1" rIns="91425" wrap="square" tIns="91425">
+          <a:bodyPr spcFirstLastPara="1" wrap="square" lIns="91425" tIns="91425" rIns="91425" bIns="91425" anchor="b" anchorCtr="0">
             <a:noAutofit/>
           </a:bodyPr>
           <a:lstStyle/>
           <a:p>
-            <a:pPr indent="0" lvl="0" marL="0" rtl="0" algn="r">
+            <a:pPr marL="0" lvl="0" indent="0" algn="r" rtl="0">
               <a:spcBef>
                 <a:spcPts val="0"/>
               </a:spcBef>
@@ -7468,13 +7711,13 @@
               <a:buNone/>
             </a:pPr>
             <a:r>
-              <a:rPr b="1" lang="en" sz="6000"/>
+              <a:rPr lang="en" sz="6000" b="1"/>
               <a:t>Our</a:t>
             </a:r>
-            <a:endParaRPr b="1" sz="6000"/>
-          </a:p>
-          <a:p>
-            <a:pPr indent="0" lvl="0" marL="0" rtl="0" algn="r">
+            <a:endParaRPr sz="6000" b="1"/>
+          </a:p>
+          <a:p>
+            <a:pPr marL="0" lvl="0" indent="0" algn="r" rtl="0">
               <a:spcBef>
                 <a:spcPts val="0"/>
               </a:spcBef>
@@ -7484,19 +7727,21 @@
               <a:buNone/>
             </a:pPr>
             <a:r>
-              <a:rPr b="1" lang="en" sz="6000"/>
+              <a:rPr lang="en" sz="6000" b="1"/>
               <a:t>Idea</a:t>
             </a:r>
-            <a:endParaRPr b="1" sz="6000"/>
+            <a:endParaRPr sz="6000" b="1"/>
           </a:p>
         </p:txBody>
       </p:sp>
       <p:sp>
         <p:nvSpPr>
           <p:cNvPr id="79" name="Shape 79"/>
-          <p:cNvSpPr txBox="1"/>
+          <p:cNvSpPr txBox="1">
+            <a:spLocks noGrp="1"/>
+          </p:cNvSpPr>
           <p:nvPr>
-            <p:ph idx="4294967295" type="subTitle"/>
+            <p:ph type="subTitle" idx="4294967295"/>
           </p:nvPr>
         </p:nvSpPr>
         <p:spPr>
@@ -7509,12 +7754,12 @@
           </a:prstGeom>
         </p:spPr>
         <p:txBody>
-          <a:bodyPr anchorCtr="0" anchor="t" bIns="91425" lIns="91425" spcFirstLastPara="1" rIns="91425" wrap="square" tIns="91425">
+          <a:bodyPr spcFirstLastPara="1" wrap="square" lIns="91425" tIns="91425" rIns="91425" bIns="91425" anchor="t" anchorCtr="0">
             <a:noAutofit/>
           </a:bodyPr>
           <a:lstStyle/>
           <a:p>
-            <a:pPr indent="0" lvl="0" marL="0" rtl="0" algn="r">
+            <a:pPr marL="0" lvl="0" indent="0" algn="r" rtl="0">
               <a:spcBef>
                 <a:spcPts val="600"/>
               </a:spcBef>
@@ -7538,7 +7783,7 @@
           <p:nvPr/>
         </p:nvCxnSpPr>
         <p:spPr>
-          <a:xfrm flipH="1" rot="10800000">
+          <a:xfrm rot="10800000" flipH="1">
             <a:off x="6282450" y="705375"/>
             <a:ext cx="121500" cy="518700"/>
           </a:xfrm>
@@ -7546,14 +7791,14 @@
             <a:avLst/>
           </a:prstGeom>
           <a:noFill/>
-          <a:ln cap="flat" cmpd="sng" w="9525">
+          <a:ln w="9525" cap="flat" cmpd="sng">
             <a:solidFill>
               <a:srgbClr val="CFD8DC"/>
             </a:solidFill>
             <a:prstDash val="solid"/>
             <a:round/>
-            <a:headEnd len="med" w="med" type="none"/>
-            <a:tailEnd len="med" w="med" type="none"/>
+            <a:headEnd type="none" w="med" len="med"/>
+            <a:tailEnd type="none" w="med" len="med"/>
           </a:ln>
         </p:spPr>
       </p:cxnSp>
@@ -7572,14 +7817,14 @@
             <a:avLst/>
           </a:prstGeom>
           <a:noFill/>
-          <a:ln cap="flat" cmpd="sng" w="9525">
+          <a:ln w="9525" cap="flat" cmpd="sng">
             <a:solidFill>
               <a:srgbClr val="CFD8DC"/>
             </a:solidFill>
             <a:prstDash val="solid"/>
             <a:round/>
-            <a:headEnd len="med" w="med" type="none"/>
-            <a:tailEnd len="med" w="med" type="none"/>
+            <a:headEnd type="none" w="med" len="med"/>
+            <a:tailEnd type="none" w="med" len="med"/>
           </a:ln>
         </p:spPr>
       </p:cxnSp>
@@ -7600,14 +7845,14 @@
             <a:avLst/>
           </a:prstGeom>
           <a:noFill/>
-          <a:ln cap="flat" cmpd="sng" w="9525">
+          <a:ln w="9525" cap="flat" cmpd="sng">
             <a:solidFill>
               <a:srgbClr val="CFD8DC"/>
             </a:solidFill>
             <a:prstDash val="solid"/>
             <a:round/>
-            <a:headEnd len="med" w="med" type="none"/>
-            <a:tailEnd len="med" w="med" type="none"/>
+            <a:headEnd type="none" w="med" len="med"/>
+            <a:tailEnd type="none" w="med" len="med"/>
           </a:ln>
         </p:spPr>
       </p:cxnSp>
@@ -7626,23 +7871,23 @@
             <a:avLst/>
           </a:prstGeom>
           <a:noFill/>
-          <a:ln cap="flat" cmpd="sng" w="19050">
+          <a:ln w="19050" cap="flat" cmpd="sng">
             <a:solidFill>
               <a:srgbClr val="CFD8DC"/>
             </a:solidFill>
             <a:prstDash val="solid"/>
             <a:round/>
-            <a:headEnd len="sm" w="sm" type="none"/>
-            <a:tailEnd len="sm" w="sm" type="none"/>
+            <a:headEnd type="none" w="sm" len="sm"/>
+            <a:tailEnd type="none" w="sm" len="sm"/>
           </a:ln>
         </p:spPr>
         <p:txBody>
-          <a:bodyPr anchorCtr="0" anchor="ctr" bIns="91425" lIns="91425" spcFirstLastPara="1" rIns="91425" wrap="square" tIns="91425">
+          <a:bodyPr spcFirstLastPara="1" wrap="square" lIns="91425" tIns="91425" rIns="91425" bIns="91425" anchor="ctr" anchorCtr="0">
             <a:noAutofit/>
           </a:bodyPr>
           <a:lstStyle/>
           <a:p>
-            <a:pPr indent="0" lvl="0" marL="0">
+            <a:pPr marL="0" lvl="0" indent="0">
               <a:spcBef>
                 <a:spcPts val="0"/>
               </a:spcBef>
@@ -7651,9 +7896,6 @@
               </a:spcAft>
               <a:buNone/>
             </a:pPr>
-            <a:r>
-              <a:t/>
-            </a:r>
             <a:endParaRPr/>
           </a:p>
         </p:txBody>
@@ -7661,9 +7903,11 @@
       <p:sp>
         <p:nvSpPr>
           <p:cNvPr id="84" name="Shape 84"/>
-          <p:cNvSpPr txBox="1"/>
+          <p:cNvSpPr txBox="1">
+            <a:spLocks noGrp="1"/>
+          </p:cNvSpPr>
           <p:nvPr>
-            <p:ph idx="12" type="sldNum"/>
+            <p:ph type="sldNum" idx="12"/>
           </p:nvPr>
         </p:nvSpPr>
         <p:spPr>
@@ -7676,12 +7920,12 @@
           </a:prstGeom>
         </p:spPr>
         <p:txBody>
-          <a:bodyPr anchorCtr="0" anchor="t" bIns="91425" lIns="91425" spcFirstLastPara="1" rIns="91425" wrap="square" tIns="91425">
+          <a:bodyPr spcFirstLastPara="1" wrap="square" lIns="91425" tIns="91425" rIns="91425" bIns="91425" anchor="t" anchorCtr="0">
             <a:noAutofit/>
           </a:bodyPr>
           <a:lstStyle/>
           <a:p>
-            <a:pPr indent="0" lvl="0" marL="0" rtl="0">
+            <a:pPr marL="0" lvl="0" indent="0" rtl="0">
               <a:spcBef>
                 <a:spcPts val="0"/>
               </a:spcBef>
@@ -7692,7 +7936,16 @@
             </a:pPr>
             <a:fld id="{00000000-1234-1234-1234-123412341234}" type="slidenum">
               <a:rPr lang="en"/>
-              <a:t>‹#›</a:t>
+              <a:pPr marL="0" lvl="0" indent="0" rtl="0">
+                <a:spcBef>
+                  <a:spcPts val="0"/>
+                </a:spcBef>
+                <a:spcAft>
+                  <a:spcPts val="0"/>
+                </a:spcAft>
+                <a:buNone/>
+              </a:pPr>
+              <a:t>2</a:t>
             </a:fld>
             <a:endParaRPr/>
           </a:p>
@@ -7735,11 +7988,11 @@
 </file>
 
 <file path=ppt/slides/slide3.xml><?xml version="1.0" encoding="utf-8"?>
-<p:sld xmlns:a="http://schemas.openxmlformats.org/drawingml/2006/main" xmlns:r="http://schemas.openxmlformats.org/officeDocument/2006/relationships" xmlns:mc="http://schemas.openxmlformats.org/markup-compatibility/2006" xmlns:mv="urn:schemas-microsoft-com:mac:vml" xmlns:p="http://schemas.openxmlformats.org/presentationml/2006/main" xmlns:c="http://schemas.openxmlformats.org/drawingml/2006/chart" xmlns:dgm="http://schemas.openxmlformats.org/drawingml/2006/diagram" xmlns:o="urn:schemas-microsoft-com:office:office" xmlns:v="urn:schemas-microsoft-com:vml" xmlns:pvml="urn:schemas-microsoft-com:office:powerpoint" xmlns:com="http://schemas.openxmlformats.org/drawingml/2006/compatibility" xmlns:p14="http://schemas.microsoft.com/office/powerpoint/2010/main" xmlns:p15="http://schemas.microsoft.com/office/powerpoint/2012/main">
+<p:sld xmlns:a="http://schemas.openxmlformats.org/drawingml/2006/main" xmlns:r="http://schemas.openxmlformats.org/officeDocument/2006/relationships" xmlns:p="http://schemas.openxmlformats.org/presentationml/2006/main">
   <p:cSld>
     <p:spTree>
       <p:nvGrpSpPr>
-        <p:cNvPr id="89" name="Shape 89"/>
+        <p:cNvPr id="1" name="Shape 89"/>
         <p:cNvGrpSpPr/>
         <p:nvPr/>
       </p:nvGrpSpPr>
@@ -7754,7 +8007,9 @@
       <p:sp>
         <p:nvSpPr>
           <p:cNvPr id="90" name="Shape 90"/>
-          <p:cNvSpPr txBox="1"/>
+          <p:cNvSpPr txBox="1">
+            <a:spLocks noGrp="1"/>
+          </p:cNvSpPr>
           <p:nvPr>
             <p:ph type="title"/>
           </p:nvPr>
@@ -7769,12 +8024,12 @@
           </a:prstGeom>
         </p:spPr>
         <p:txBody>
-          <a:bodyPr anchorCtr="0" anchor="b" bIns="91425" lIns="91425" spcFirstLastPara="1" rIns="91425" wrap="square" tIns="91425">
+          <a:bodyPr spcFirstLastPara="1" wrap="square" lIns="91425" tIns="91425" rIns="91425" bIns="91425" anchor="b" anchorCtr="0">
             <a:noAutofit/>
           </a:bodyPr>
           <a:lstStyle/>
           <a:p>
-            <a:pPr indent="0" lvl="0" marL="0" rtl="0">
+            <a:pPr marL="0" lvl="0" indent="0" rtl="0">
               <a:spcBef>
                 <a:spcPts val="0"/>
               </a:spcBef>
@@ -7794,9 +8049,11 @@
       <p:sp>
         <p:nvSpPr>
           <p:cNvPr id="91" name="Shape 91"/>
-          <p:cNvSpPr txBox="1"/>
+          <p:cNvSpPr txBox="1">
+            <a:spLocks noGrp="1"/>
+          </p:cNvSpPr>
           <p:nvPr>
-            <p:ph idx="1" type="body"/>
+            <p:ph type="body" idx="1"/>
           </p:nvPr>
         </p:nvSpPr>
         <p:spPr>
@@ -7809,12 +8066,12 @@
           </a:prstGeom>
         </p:spPr>
         <p:txBody>
-          <a:bodyPr anchorCtr="0" anchor="t" bIns="91425" lIns="91425" spcFirstLastPara="1" rIns="91425" wrap="square" tIns="91425">
+          <a:bodyPr spcFirstLastPara="1" wrap="square" lIns="91425" tIns="91425" rIns="91425" bIns="91425" anchor="t" anchorCtr="0">
             <a:noAutofit/>
           </a:bodyPr>
           <a:lstStyle/>
           <a:p>
-            <a:pPr indent="-317500" lvl="0" marL="457200" rtl="0">
+            <a:pPr marL="457200" lvl="0" indent="-317500" rtl="0">
               <a:spcBef>
                 <a:spcPts val="600"/>
               </a:spcBef>
@@ -7834,7 +8091,7 @@
             <a:endParaRPr sz="1400"/>
           </a:p>
           <a:p>
-            <a:pPr indent="-317500" lvl="0" marL="457200" rtl="0">
+            <a:pPr marL="457200" lvl="0" indent="-317500" rtl="0">
               <a:spcBef>
                 <a:spcPts val="0"/>
               </a:spcBef>
@@ -7851,7 +8108,7 @@
             <a:endParaRPr sz="1400"/>
           </a:p>
           <a:p>
-            <a:pPr indent="0" lvl="0" marL="0" rtl="0">
+            <a:pPr marL="0" lvl="0" indent="0" rtl="0">
               <a:spcBef>
                 <a:spcPts val="600"/>
               </a:spcBef>
@@ -7860,13 +8117,10 @@
               </a:spcAft>
               <a:buNone/>
             </a:pPr>
-            <a:r>
-              <a:t/>
-            </a:r>
             <a:endParaRPr sz="1400"/>
           </a:p>
           <a:p>
-            <a:pPr indent="0" lvl="0" marL="0" rtl="0">
+            <a:pPr marL="0" lvl="0" indent="0" rtl="0">
               <a:spcBef>
                 <a:spcPts val="600"/>
               </a:spcBef>
@@ -7875,9 +8129,6 @@
               </a:spcAft>
               <a:buNone/>
             </a:pPr>
-            <a:r>
-              <a:t/>
-            </a:r>
             <a:endParaRPr/>
           </a:p>
         </p:txBody>
@@ -7885,9 +8136,11 @@
       <p:sp>
         <p:nvSpPr>
           <p:cNvPr id="92" name="Shape 92"/>
-          <p:cNvSpPr txBox="1"/>
+          <p:cNvSpPr txBox="1">
+            <a:spLocks noGrp="1"/>
+          </p:cNvSpPr>
           <p:nvPr>
-            <p:ph idx="12" type="sldNum"/>
+            <p:ph type="sldNum" idx="12"/>
           </p:nvPr>
         </p:nvSpPr>
         <p:spPr>
@@ -7900,12 +8153,12 @@
           </a:prstGeom>
         </p:spPr>
         <p:txBody>
-          <a:bodyPr anchorCtr="0" anchor="t" bIns="91425" lIns="91425" spcFirstLastPara="1" rIns="91425" wrap="square" tIns="91425">
+          <a:bodyPr spcFirstLastPara="1" wrap="square" lIns="91425" tIns="91425" rIns="91425" bIns="91425" anchor="t" anchorCtr="0">
             <a:noAutofit/>
           </a:bodyPr>
           <a:lstStyle/>
           <a:p>
-            <a:pPr indent="0" lvl="0" marL="0" rtl="0">
+            <a:pPr marL="0" lvl="0" indent="0" rtl="0">
               <a:spcBef>
                 <a:spcPts val="0"/>
               </a:spcBef>
@@ -7916,7 +8169,16 @@
             </a:pPr>
             <a:fld id="{00000000-1234-1234-1234-123412341234}" type="slidenum">
               <a:rPr lang="en"/>
-              <a:t>‹#›</a:t>
+              <a:pPr marL="0" lvl="0" indent="0" rtl="0">
+                <a:spcBef>
+                  <a:spcPts val="0"/>
+                </a:spcBef>
+                <a:spcAft>
+                  <a:spcPts val="0"/>
+                </a:spcAft>
+                <a:buNone/>
+              </a:pPr>
+              <a:t>3</a:t>
             </a:fld>
             <a:endParaRPr/>
           </a:p>
@@ -7931,11 +8193,11 @@
 </file>
 
 <file path=ppt/slides/slide4.xml><?xml version="1.0" encoding="utf-8"?>
-<p:sld xmlns:a="http://schemas.openxmlformats.org/drawingml/2006/main" xmlns:r="http://schemas.openxmlformats.org/officeDocument/2006/relationships" xmlns:mc="http://schemas.openxmlformats.org/markup-compatibility/2006" xmlns:mv="urn:schemas-microsoft-com:mac:vml" xmlns:p="http://schemas.openxmlformats.org/presentationml/2006/main" xmlns:c="http://schemas.openxmlformats.org/drawingml/2006/chart" xmlns:dgm="http://schemas.openxmlformats.org/drawingml/2006/diagram" xmlns:o="urn:schemas-microsoft-com:office:office" xmlns:v="urn:schemas-microsoft-com:vml" xmlns:pvml="urn:schemas-microsoft-com:office:powerpoint" xmlns:com="http://schemas.openxmlformats.org/drawingml/2006/compatibility" xmlns:p14="http://schemas.microsoft.com/office/powerpoint/2010/main" xmlns:p15="http://schemas.microsoft.com/office/powerpoint/2012/main">
+<p:sld xmlns:a="http://schemas.openxmlformats.org/drawingml/2006/main" xmlns:r="http://schemas.openxmlformats.org/officeDocument/2006/relationships" xmlns:p="http://schemas.openxmlformats.org/presentationml/2006/main">
   <p:cSld>
     <p:spTree>
       <p:nvGrpSpPr>
-        <p:cNvPr id="96" name="Shape 96"/>
+        <p:cNvPr id="1" name="Shape 96"/>
         <p:cNvGrpSpPr/>
         <p:nvPr/>
       </p:nvGrpSpPr>
@@ -7950,9 +8212,11 @@
       <p:sp>
         <p:nvSpPr>
           <p:cNvPr id="97" name="Shape 97"/>
-          <p:cNvSpPr txBox="1"/>
+          <p:cNvSpPr txBox="1">
+            <a:spLocks noGrp="1"/>
+          </p:cNvSpPr>
           <p:nvPr>
-            <p:ph idx="12" type="sldNum"/>
+            <p:ph type="sldNum" idx="12"/>
           </p:nvPr>
         </p:nvSpPr>
         <p:spPr>
@@ -7965,12 +8229,12 @@
           </a:prstGeom>
         </p:spPr>
         <p:txBody>
-          <a:bodyPr anchorCtr="0" anchor="t" bIns="91425" lIns="91425" spcFirstLastPara="1" rIns="91425" wrap="square" tIns="91425">
+          <a:bodyPr spcFirstLastPara="1" wrap="square" lIns="91425" tIns="91425" rIns="91425" bIns="91425" anchor="t" anchorCtr="0">
             <a:noAutofit/>
           </a:bodyPr>
           <a:lstStyle/>
           <a:p>
-            <a:pPr indent="0" lvl="0" marL="0">
+            <a:pPr marL="0" lvl="0" indent="0">
               <a:spcBef>
                 <a:spcPts val="0"/>
               </a:spcBef>
@@ -7981,7 +8245,16 @@
             </a:pPr>
             <a:fld id="{00000000-1234-1234-1234-123412341234}" type="slidenum">
               <a:rPr lang="en"/>
-              <a:t>‹#›</a:t>
+              <a:pPr marL="0" lvl="0" indent="0">
+                <a:spcBef>
+                  <a:spcPts val="0"/>
+                </a:spcBef>
+                <a:spcAft>
+                  <a:spcPts val="0"/>
+                </a:spcAft>
+                <a:buNone/>
+              </a:pPr>
+              <a:t>4</a:t>
             </a:fld>
             <a:endParaRPr/>
           </a:p>
@@ -7990,9 +8263,11 @@
       <p:sp>
         <p:nvSpPr>
           <p:cNvPr id="98" name="Shape 98"/>
-          <p:cNvSpPr txBox="1"/>
+          <p:cNvSpPr txBox="1">
+            <a:spLocks noGrp="1"/>
+          </p:cNvSpPr>
           <p:nvPr>
-            <p:ph idx="4294967295" type="ctrTitle"/>
+            <p:ph type="ctrTitle" idx="4294967295"/>
           </p:nvPr>
         </p:nvSpPr>
         <p:spPr>
@@ -8005,12 +8280,12 @@
           </a:prstGeom>
         </p:spPr>
         <p:txBody>
-          <a:bodyPr anchorCtr="0" anchor="b" bIns="91425" lIns="91425" spcFirstLastPara="1" rIns="91425" wrap="square" tIns="91425">
+          <a:bodyPr spcFirstLastPara="1" wrap="square" lIns="91425" tIns="91425" rIns="91425" bIns="91425" anchor="b" anchorCtr="0">
             <a:noAutofit/>
           </a:bodyPr>
           <a:lstStyle/>
           <a:p>
-            <a:pPr indent="0" lvl="0" marL="0" rtl="0" algn="ctr">
+            <a:pPr marL="0" lvl="0" indent="0" algn="ctr" rtl="0">
               <a:spcBef>
                 <a:spcPts val="0"/>
               </a:spcBef>
@@ -8020,14 +8295,10 @@
               <a:buNone/>
             </a:pPr>
             <a:r>
-              <a:rPr b="1" lang="en" sz="6000"/>
-              <a:t>Demo t</a:t>
+              <a:rPr lang="en" sz="6000" b="1"/>
+              <a:t>Demo time !</a:t>
             </a:r>
-            <a:r>
-              <a:rPr b="1" lang="en" sz="6000"/>
-              <a:t>ime !</a:t>
-            </a:r>
-            <a:endParaRPr b="1" sz="6000"/>
+            <a:endParaRPr sz="6000" b="1"/>
           </a:p>
         </p:txBody>
       </p:sp>
@@ -8040,11 +8311,11 @@
 </file>
 
 <file path=ppt/slides/slide5.xml><?xml version="1.0" encoding="utf-8"?>
-<p:sld xmlns:a="http://schemas.openxmlformats.org/drawingml/2006/main" xmlns:r="http://schemas.openxmlformats.org/officeDocument/2006/relationships" xmlns:mc="http://schemas.openxmlformats.org/markup-compatibility/2006" xmlns:mv="urn:schemas-microsoft-com:mac:vml" xmlns:p="http://schemas.openxmlformats.org/presentationml/2006/main" xmlns:c="http://schemas.openxmlformats.org/drawingml/2006/chart" xmlns:dgm="http://schemas.openxmlformats.org/drawingml/2006/diagram" xmlns:o="urn:schemas-microsoft-com:office:office" xmlns:v="urn:schemas-microsoft-com:vml" xmlns:pvml="urn:schemas-microsoft-com:office:powerpoint" xmlns:com="http://schemas.openxmlformats.org/drawingml/2006/compatibility" xmlns:p14="http://schemas.microsoft.com/office/powerpoint/2010/main" xmlns:p15="http://schemas.microsoft.com/office/powerpoint/2012/main">
+<p:sld xmlns:a="http://schemas.openxmlformats.org/drawingml/2006/main" xmlns:r="http://schemas.openxmlformats.org/officeDocument/2006/relationships" xmlns:p="http://schemas.openxmlformats.org/presentationml/2006/main">
   <p:cSld>
     <p:spTree>
       <p:nvGrpSpPr>
-        <p:cNvPr id="102" name="Shape 102"/>
+        <p:cNvPr id="1" name="Shape 102"/>
         <p:cNvGrpSpPr/>
         <p:nvPr/>
       </p:nvGrpSpPr>
@@ -8059,7 +8330,9 @@
       <p:sp>
         <p:nvSpPr>
           <p:cNvPr id="103" name="Shape 103"/>
-          <p:cNvSpPr txBox="1"/>
+          <p:cNvSpPr txBox="1">
+            <a:spLocks noGrp="1"/>
+          </p:cNvSpPr>
           <p:nvPr>
             <p:ph type="title"/>
           </p:nvPr>
@@ -8074,12 +8347,12 @@
           </a:prstGeom>
         </p:spPr>
         <p:txBody>
-          <a:bodyPr anchorCtr="0" anchor="b" bIns="91425" lIns="91425" spcFirstLastPara="1" rIns="91425" wrap="square" tIns="91425">
+          <a:bodyPr spcFirstLastPara="1" wrap="square" lIns="91425" tIns="91425" rIns="91425" bIns="91425" anchor="b" anchorCtr="0">
             <a:noAutofit/>
           </a:bodyPr>
           <a:lstStyle/>
           <a:p>
-            <a:pPr indent="0" lvl="0" marL="0" rtl="0">
+            <a:pPr marL="0" lvl="0" indent="0" rtl="0">
               <a:spcBef>
                 <a:spcPts val="0"/>
               </a:spcBef>
@@ -8099,9 +8372,11 @@
       <p:sp>
         <p:nvSpPr>
           <p:cNvPr id="104" name="Shape 104"/>
-          <p:cNvSpPr txBox="1"/>
+          <p:cNvSpPr txBox="1">
+            <a:spLocks noGrp="1"/>
+          </p:cNvSpPr>
           <p:nvPr>
-            <p:ph idx="12" type="sldNum"/>
+            <p:ph type="sldNum" idx="12"/>
           </p:nvPr>
         </p:nvSpPr>
         <p:spPr>
@@ -8114,12 +8389,12 @@
           </a:prstGeom>
         </p:spPr>
         <p:txBody>
-          <a:bodyPr anchorCtr="0" anchor="t" bIns="91425" lIns="91425" spcFirstLastPara="1" rIns="91425" wrap="square" tIns="91425">
+          <a:bodyPr spcFirstLastPara="1" wrap="square" lIns="91425" tIns="91425" rIns="91425" bIns="91425" anchor="t" anchorCtr="0">
             <a:noAutofit/>
           </a:bodyPr>
           <a:lstStyle/>
           <a:p>
-            <a:pPr indent="0" lvl="0" marL="0" rtl="0">
+            <a:pPr marL="0" lvl="0" indent="0" rtl="0">
               <a:spcBef>
                 <a:spcPts val="0"/>
               </a:spcBef>
@@ -8130,7 +8405,16 @@
             </a:pPr>
             <a:fld id="{00000000-1234-1234-1234-123412341234}" type="slidenum">
               <a:rPr lang="en"/>
-              <a:t>‹#›</a:t>
+              <a:pPr marL="0" lvl="0" indent="0" rtl="0">
+                <a:spcBef>
+                  <a:spcPts val="0"/>
+                </a:spcBef>
+                <a:spcAft>
+                  <a:spcPts val="0"/>
+                </a:spcAft>
+                <a:buNone/>
+              </a:pPr>
+              <a:t>5</a:t>
             </a:fld>
             <a:endParaRPr/>
           </a:p>
@@ -8156,12 +8440,12 @@
           </a:ln>
         </p:spPr>
         <p:txBody>
-          <a:bodyPr anchorCtr="0" anchor="t" bIns="91425" lIns="91425" spcFirstLastPara="1" rIns="91425" wrap="square" tIns="91425">
+          <a:bodyPr spcFirstLastPara="1" wrap="square" lIns="91425" tIns="91425" rIns="91425" bIns="91425" anchor="t" anchorCtr="0">
             <a:noAutofit/>
           </a:bodyPr>
           <a:lstStyle/>
           <a:p>
-            <a:pPr indent="0" lvl="0" marL="0" rtl="0" algn="r">
+            <a:pPr marL="0" lvl="0" indent="0" algn="r" rtl="0">
               <a:spcBef>
                 <a:spcPts val="0"/>
               </a:spcBef>
@@ -8220,11 +8504,11 @@
 </file>
 
 <file path=ppt/slides/slide6.xml><?xml version="1.0" encoding="utf-8"?>
-<p:sld xmlns:a="http://schemas.openxmlformats.org/drawingml/2006/main" xmlns:r="http://schemas.openxmlformats.org/officeDocument/2006/relationships" xmlns:mc="http://schemas.openxmlformats.org/markup-compatibility/2006" xmlns:mv="urn:schemas-microsoft-com:mac:vml" xmlns:p="http://schemas.openxmlformats.org/presentationml/2006/main" xmlns:c="http://schemas.openxmlformats.org/drawingml/2006/chart" xmlns:dgm="http://schemas.openxmlformats.org/drawingml/2006/diagram" xmlns:o="urn:schemas-microsoft-com:office:office" xmlns:v="urn:schemas-microsoft-com:vml" xmlns:pvml="urn:schemas-microsoft-com:office:powerpoint" xmlns:com="http://schemas.openxmlformats.org/drawingml/2006/compatibility" xmlns:p14="http://schemas.microsoft.com/office/powerpoint/2010/main" xmlns:p15="http://schemas.microsoft.com/office/powerpoint/2012/main">
+<p:sld xmlns:a="http://schemas.openxmlformats.org/drawingml/2006/main" xmlns:r="http://schemas.openxmlformats.org/officeDocument/2006/relationships" xmlns:p="http://schemas.openxmlformats.org/presentationml/2006/main">
   <p:cSld>
     <p:spTree>
       <p:nvGrpSpPr>
-        <p:cNvPr id="110" name="Shape 110"/>
+        <p:cNvPr id="1" name="Shape 110"/>
         <p:cNvGrpSpPr/>
         <p:nvPr/>
       </p:nvGrpSpPr>
@@ -8239,7 +8523,9 @@
       <p:sp>
         <p:nvSpPr>
           <p:cNvPr id="111" name="Shape 111"/>
-          <p:cNvSpPr txBox="1"/>
+          <p:cNvSpPr txBox="1">
+            <a:spLocks noGrp="1"/>
+          </p:cNvSpPr>
           <p:nvPr>
             <p:ph type="title"/>
           </p:nvPr>
@@ -8254,12 +8540,12 @@
           </a:prstGeom>
         </p:spPr>
         <p:txBody>
-          <a:bodyPr anchorCtr="0" anchor="b" bIns="91425" lIns="91425" spcFirstLastPara="1" rIns="91425" wrap="square" tIns="91425">
+          <a:bodyPr spcFirstLastPara="1" wrap="square" lIns="91425" tIns="91425" rIns="91425" bIns="91425" anchor="b" anchorCtr="0">
             <a:noAutofit/>
           </a:bodyPr>
           <a:lstStyle/>
           <a:p>
-            <a:pPr indent="0" lvl="0" marL="0" rtl="0">
+            <a:pPr marL="0" lvl="0" indent="0" rtl="0">
               <a:spcBef>
                 <a:spcPts val="0"/>
               </a:spcBef>
@@ -8279,9 +8565,11 @@
       <p:sp>
         <p:nvSpPr>
           <p:cNvPr id="112" name="Shape 112"/>
-          <p:cNvSpPr txBox="1"/>
+          <p:cNvSpPr txBox="1">
+            <a:spLocks noGrp="1"/>
+          </p:cNvSpPr>
           <p:nvPr>
-            <p:ph idx="12" type="sldNum"/>
+            <p:ph type="sldNum" idx="12"/>
           </p:nvPr>
         </p:nvSpPr>
         <p:spPr>
@@ -8294,12 +8582,12 @@
           </a:prstGeom>
         </p:spPr>
         <p:txBody>
-          <a:bodyPr anchorCtr="0" anchor="t" bIns="91425" lIns="91425" spcFirstLastPara="1" rIns="91425" wrap="square" tIns="91425">
+          <a:bodyPr spcFirstLastPara="1" wrap="square" lIns="91425" tIns="91425" rIns="91425" bIns="91425" anchor="t" anchorCtr="0">
             <a:noAutofit/>
           </a:bodyPr>
           <a:lstStyle/>
           <a:p>
-            <a:pPr indent="0" lvl="0" marL="0" rtl="0">
+            <a:pPr marL="0" lvl="0" indent="0" rtl="0">
               <a:spcBef>
                 <a:spcPts val="0"/>
               </a:spcBef>
@@ -8310,7 +8598,16 @@
             </a:pPr>
             <a:fld id="{00000000-1234-1234-1234-123412341234}" type="slidenum">
               <a:rPr lang="en"/>
-              <a:t>‹#›</a:t>
+              <a:pPr marL="0" lvl="0" indent="0" rtl="0">
+                <a:spcBef>
+                  <a:spcPts val="0"/>
+                </a:spcBef>
+                <a:spcAft>
+                  <a:spcPts val="0"/>
+                </a:spcAft>
+                <a:buNone/>
+              </a:pPr>
+              <a:t>6</a:t>
             </a:fld>
             <a:endParaRPr/>
           </a:p>
@@ -8319,9 +8616,11 @@
       <p:sp>
         <p:nvSpPr>
           <p:cNvPr id="113" name="Shape 113"/>
-          <p:cNvSpPr txBox="1"/>
+          <p:cNvSpPr txBox="1">
+            <a:spLocks noGrp="1"/>
+          </p:cNvSpPr>
           <p:nvPr>
-            <p:ph idx="4294967295" type="body"/>
+            <p:ph type="body" idx="4294967295"/>
           </p:nvPr>
         </p:nvSpPr>
         <p:spPr>
@@ -8334,12 +8633,12 @@
           </a:prstGeom>
         </p:spPr>
         <p:txBody>
-          <a:bodyPr anchorCtr="0" anchor="t" bIns="91425" lIns="91425" spcFirstLastPara="1" rIns="91425" wrap="square" tIns="91425">
+          <a:bodyPr spcFirstLastPara="1" wrap="square" lIns="91425" tIns="91425" rIns="91425" bIns="91425" anchor="t" anchorCtr="0">
             <a:noAutofit/>
           </a:bodyPr>
           <a:lstStyle/>
           <a:p>
-            <a:pPr indent="-342900" lvl="0" marL="457200" rtl="0" algn="just">
+            <a:pPr marL="457200" lvl="0" indent="-342900" algn="just" rtl="0">
               <a:spcBef>
                 <a:spcPts val="600"/>
               </a:spcBef>
@@ -8356,7 +8655,7 @@
             <a:endParaRPr sz="1800"/>
           </a:p>
           <a:p>
-            <a:pPr indent="-342900" lvl="0" marL="457200" rtl="0" algn="just">
+            <a:pPr marL="457200" lvl="0" indent="-342900" algn="just" rtl="0">
               <a:spcBef>
                 <a:spcPts val="1000"/>
               </a:spcBef>
@@ -8373,7 +8672,7 @@
             <a:endParaRPr sz="1800"/>
           </a:p>
           <a:p>
-            <a:pPr indent="-342900" lvl="0" marL="457200" rtl="0" algn="just">
+            <a:pPr marL="457200" lvl="0" indent="-342900" algn="just" rtl="0">
               <a:spcBef>
                 <a:spcPts val="1000"/>
               </a:spcBef>
@@ -8400,11 +8699,11 @@
 </file>
 
 <file path=ppt/slides/slide7.xml><?xml version="1.0" encoding="utf-8"?>
-<p:sld xmlns:a="http://schemas.openxmlformats.org/drawingml/2006/main" xmlns:r="http://schemas.openxmlformats.org/officeDocument/2006/relationships" xmlns:mc="http://schemas.openxmlformats.org/markup-compatibility/2006" xmlns:mv="urn:schemas-microsoft-com:mac:vml" xmlns:p="http://schemas.openxmlformats.org/presentationml/2006/main" xmlns:c="http://schemas.openxmlformats.org/drawingml/2006/chart" xmlns:dgm="http://schemas.openxmlformats.org/drawingml/2006/diagram" xmlns:o="urn:schemas-microsoft-com:office:office" xmlns:v="urn:schemas-microsoft-com:vml" xmlns:pvml="urn:schemas-microsoft-com:office:powerpoint" xmlns:com="http://schemas.openxmlformats.org/drawingml/2006/compatibility" xmlns:p14="http://schemas.microsoft.com/office/powerpoint/2010/main" xmlns:p15="http://schemas.microsoft.com/office/powerpoint/2012/main">
+<p:sld xmlns:a="http://schemas.openxmlformats.org/drawingml/2006/main" xmlns:r="http://schemas.openxmlformats.org/officeDocument/2006/relationships" xmlns:p="http://schemas.openxmlformats.org/presentationml/2006/main">
   <p:cSld>
     <p:spTree>
       <p:nvGrpSpPr>
-        <p:cNvPr id="117" name="Shape 117"/>
+        <p:cNvPr id="1" name="Shape 117"/>
         <p:cNvGrpSpPr/>
         <p:nvPr/>
       </p:nvGrpSpPr>
@@ -8419,7 +8718,9 @@
       <p:sp>
         <p:nvSpPr>
           <p:cNvPr id="118" name="Shape 118"/>
-          <p:cNvSpPr txBox="1"/>
+          <p:cNvSpPr txBox="1">
+            <a:spLocks noGrp="1"/>
+          </p:cNvSpPr>
           <p:nvPr>
             <p:ph type="title"/>
           </p:nvPr>
@@ -8434,12 +8735,12 @@
           </a:prstGeom>
         </p:spPr>
         <p:txBody>
-          <a:bodyPr anchorCtr="0" anchor="b" bIns="91425" lIns="91425" spcFirstLastPara="1" rIns="91425" wrap="square" tIns="91425">
+          <a:bodyPr spcFirstLastPara="1" wrap="square" lIns="91425" tIns="91425" rIns="91425" bIns="91425" anchor="b" anchorCtr="0">
             <a:noAutofit/>
           </a:bodyPr>
           <a:lstStyle/>
           <a:p>
-            <a:pPr indent="0" lvl="0" marL="0" rtl="0">
+            <a:pPr marL="0" lvl="0" indent="0" rtl="0">
               <a:spcBef>
                 <a:spcPts val="0"/>
               </a:spcBef>
@@ -8459,9 +8760,11 @@
       <p:sp>
         <p:nvSpPr>
           <p:cNvPr id="119" name="Shape 119"/>
-          <p:cNvSpPr txBox="1"/>
+          <p:cNvSpPr txBox="1">
+            <a:spLocks noGrp="1"/>
+          </p:cNvSpPr>
           <p:nvPr>
-            <p:ph idx="1" type="body"/>
+            <p:ph type="body" idx="1"/>
           </p:nvPr>
         </p:nvSpPr>
         <p:spPr>
@@ -8474,12 +8777,12 @@
           </a:prstGeom>
         </p:spPr>
         <p:txBody>
-          <a:bodyPr anchorCtr="0" anchor="t" bIns="91425" lIns="91425" spcFirstLastPara="1" rIns="91425" wrap="square" tIns="91425">
+          <a:bodyPr spcFirstLastPara="1" wrap="square" lIns="91425" tIns="91425" rIns="91425" bIns="91425" anchor="t" anchorCtr="0">
             <a:noAutofit/>
           </a:bodyPr>
           <a:lstStyle/>
           <a:p>
-            <a:pPr indent="-342900" lvl="0" marL="457200" rtl="0">
+            <a:pPr marL="457200" lvl="0" indent="-342900" rtl="0">
               <a:spcBef>
                 <a:spcPts val="600"/>
               </a:spcBef>
@@ -8496,7 +8799,7 @@
             <a:endParaRPr sz="1800"/>
           </a:p>
           <a:p>
-            <a:pPr indent="-342900" lvl="1" marL="914400" rtl="0">
+            <a:pPr marL="914400" lvl="1" indent="-342900" rtl="0">
               <a:spcBef>
                 <a:spcPts val="1000"/>
               </a:spcBef>
@@ -8513,7 +8816,7 @@
             <a:endParaRPr sz="1800"/>
           </a:p>
           <a:p>
-            <a:pPr indent="-342900" lvl="2" marL="1371600" rtl="0">
+            <a:pPr marL="1371600" lvl="2" indent="-342900" rtl="0">
               <a:spcBef>
                 <a:spcPts val="1000"/>
               </a:spcBef>
@@ -8530,7 +8833,7 @@
             <a:endParaRPr sz="1800"/>
           </a:p>
           <a:p>
-            <a:pPr indent="-342900" lvl="3" marL="1828800" rtl="0">
+            <a:pPr marL="1828800" lvl="3" indent="-342900" rtl="0">
               <a:spcBef>
                 <a:spcPts val="1000"/>
               </a:spcBef>
@@ -8547,7 +8850,7 @@
             <a:endParaRPr sz="1800"/>
           </a:p>
           <a:p>
-            <a:pPr indent="-342900" lvl="3" marL="1828800" rtl="0">
+            <a:pPr marL="1828800" lvl="3" indent="-342900" rtl="0">
               <a:spcBef>
                 <a:spcPts val="1000"/>
               </a:spcBef>
@@ -8561,13 +8864,17 @@
               <a:rPr lang="en"/>
               <a:t>Subscription duration was set to 0. It may not have found directly a match</a:t>
             </a:r>
+            <a:r>
+              <a:rPr lang="en" sz="1800"/>
+              <a:t/>
+            </a:r>
             <a:br>
               <a:rPr lang="en" sz="1800"/>
             </a:br>
             <a:endParaRPr sz="1800"/>
           </a:p>
           <a:p>
-            <a:pPr indent="-342900" lvl="0" marL="457200" rtl="0">
+            <a:pPr marL="457200" lvl="0" indent="-342900" rtl="0">
               <a:spcBef>
                 <a:spcPts val="1000"/>
               </a:spcBef>
@@ -8584,7 +8891,7 @@
             <a:endParaRPr sz="1800"/>
           </a:p>
           <a:p>
-            <a:pPr indent="-342900" lvl="1" marL="914400" rtl="0">
+            <a:pPr marL="914400" lvl="1" indent="-342900" rtl="0">
               <a:spcBef>
                 <a:spcPts val="1000"/>
               </a:spcBef>
@@ -8599,7 +8906,7 @@
               <a:t>When launching the app for the </a:t>
             </a:r>
             <a:r>
-              <a:rPr b="1" lang="en" sz="1800"/>
+              <a:rPr lang="en" sz="1800" b="1"/>
               <a:t>first time</a:t>
             </a:r>
             <a:r>
@@ -8609,7 +8916,7 @@
             <a:endParaRPr sz="1800"/>
           </a:p>
           <a:p>
-            <a:pPr indent="0" lvl="0" marL="0" rtl="0">
+            <a:pPr marL="0" lvl="0" indent="0" rtl="0">
               <a:spcBef>
                 <a:spcPts val="1000"/>
               </a:spcBef>
@@ -8618,9 +8925,6 @@
               </a:spcAft>
               <a:buNone/>
             </a:pPr>
-            <a:r>
-              <a:t/>
-            </a:r>
             <a:endParaRPr/>
           </a:p>
         </p:txBody>
@@ -8628,9 +8932,11 @@
       <p:sp>
         <p:nvSpPr>
           <p:cNvPr id="120" name="Shape 120"/>
-          <p:cNvSpPr txBox="1"/>
+          <p:cNvSpPr txBox="1">
+            <a:spLocks noGrp="1"/>
+          </p:cNvSpPr>
           <p:nvPr>
-            <p:ph idx="12" type="sldNum"/>
+            <p:ph type="sldNum" idx="12"/>
           </p:nvPr>
         </p:nvSpPr>
         <p:spPr>
@@ -8643,12 +8949,12 @@
           </a:prstGeom>
         </p:spPr>
         <p:txBody>
-          <a:bodyPr anchorCtr="0" anchor="t" bIns="91425" lIns="91425" spcFirstLastPara="1" rIns="91425" wrap="square" tIns="91425">
+          <a:bodyPr spcFirstLastPara="1" wrap="square" lIns="91425" tIns="91425" rIns="91425" bIns="91425" anchor="t" anchorCtr="0">
             <a:noAutofit/>
           </a:bodyPr>
           <a:lstStyle/>
           <a:p>
-            <a:pPr indent="0" lvl="0" marL="0" rtl="0">
+            <a:pPr marL="0" lvl="0" indent="0" rtl="0">
               <a:spcBef>
                 <a:spcPts val="0"/>
               </a:spcBef>
@@ -8659,7 +8965,16 @@
             </a:pPr>
             <a:fld id="{00000000-1234-1234-1234-123412341234}" type="slidenum">
               <a:rPr lang="en"/>
-              <a:t>‹#›</a:t>
+              <a:pPr marL="0" lvl="0" indent="0" rtl="0">
+                <a:spcBef>
+                  <a:spcPts val="0"/>
+                </a:spcBef>
+                <a:spcAft>
+                  <a:spcPts val="0"/>
+                </a:spcAft>
+                <a:buNone/>
+              </a:pPr>
+              <a:t>7</a:t>
             </a:fld>
             <a:endParaRPr/>
           </a:p>
@@ -8674,11 +8989,11 @@
 </file>
 
 <file path=ppt/slides/slide8.xml><?xml version="1.0" encoding="utf-8"?>
-<p:sld xmlns:a="http://schemas.openxmlformats.org/drawingml/2006/main" xmlns:r="http://schemas.openxmlformats.org/officeDocument/2006/relationships" xmlns:mc="http://schemas.openxmlformats.org/markup-compatibility/2006" xmlns:mv="urn:schemas-microsoft-com:mac:vml" xmlns:p="http://schemas.openxmlformats.org/presentationml/2006/main" xmlns:c="http://schemas.openxmlformats.org/drawingml/2006/chart" xmlns:dgm="http://schemas.openxmlformats.org/drawingml/2006/diagram" xmlns:o="urn:schemas-microsoft-com:office:office" xmlns:v="urn:schemas-microsoft-com:vml" xmlns:pvml="urn:schemas-microsoft-com:office:powerpoint" xmlns:com="http://schemas.openxmlformats.org/drawingml/2006/compatibility" xmlns:p14="http://schemas.microsoft.com/office/powerpoint/2010/main" xmlns:p15="http://schemas.microsoft.com/office/powerpoint/2012/main">
+<p:sld xmlns:a="http://schemas.openxmlformats.org/drawingml/2006/main" xmlns:r="http://schemas.openxmlformats.org/officeDocument/2006/relationships" xmlns:p="http://schemas.openxmlformats.org/presentationml/2006/main">
   <p:cSld>
     <p:spTree>
       <p:nvGrpSpPr>
-        <p:cNvPr id="124" name="Shape 124"/>
+        <p:cNvPr id="1" name="Shape 124"/>
         <p:cNvGrpSpPr/>
         <p:nvPr/>
       </p:nvGrpSpPr>
@@ -8693,7 +9008,9 @@
       <p:sp>
         <p:nvSpPr>
           <p:cNvPr id="125" name="Shape 125"/>
-          <p:cNvSpPr txBox="1"/>
+          <p:cNvSpPr txBox="1">
+            <a:spLocks noGrp="1"/>
+          </p:cNvSpPr>
           <p:nvPr>
             <p:ph type="title"/>
           </p:nvPr>
@@ -8708,12 +9025,12 @@
           </a:prstGeom>
         </p:spPr>
         <p:txBody>
-          <a:bodyPr anchorCtr="0" anchor="b" bIns="91425" lIns="91425" spcFirstLastPara="1" rIns="91425" wrap="square" tIns="91425">
+          <a:bodyPr spcFirstLastPara="1" wrap="square" lIns="91425" tIns="91425" rIns="91425" bIns="91425" anchor="b" anchorCtr="0">
             <a:noAutofit/>
           </a:bodyPr>
           <a:lstStyle/>
           <a:p>
-            <a:pPr indent="0" lvl="0" marL="0" rtl="0">
+            <a:pPr marL="0" lvl="0" indent="0" rtl="0">
               <a:spcBef>
                 <a:spcPts val="0"/>
               </a:spcBef>
@@ -8733,9 +9050,11 @@
       <p:sp>
         <p:nvSpPr>
           <p:cNvPr id="126" name="Shape 126"/>
-          <p:cNvSpPr txBox="1"/>
+          <p:cNvSpPr txBox="1">
+            <a:spLocks noGrp="1"/>
+          </p:cNvSpPr>
           <p:nvPr>
-            <p:ph idx="1" type="body"/>
+            <p:ph type="body" idx="1"/>
           </p:nvPr>
         </p:nvSpPr>
         <p:spPr>
@@ -8748,12 +9067,12 @@
           </a:prstGeom>
         </p:spPr>
         <p:txBody>
-          <a:bodyPr anchorCtr="0" anchor="t" bIns="91425" lIns="91425" spcFirstLastPara="1" rIns="91425" wrap="square" tIns="91425">
+          <a:bodyPr spcFirstLastPara="1" wrap="square" lIns="91425" tIns="91425" rIns="91425" bIns="91425" anchor="t" anchorCtr="0">
             <a:noAutofit/>
           </a:bodyPr>
           <a:lstStyle/>
           <a:p>
-            <a:pPr indent="-317500" lvl="0" marL="457200" rtl="0" algn="just">
+            <a:pPr marL="457200" lvl="0" indent="-317500" algn="just" rtl="0">
               <a:spcBef>
                 <a:spcPts val="600"/>
               </a:spcBef>
@@ -8765,20 +9084,12 @@
             </a:pPr>
             <a:r>
               <a:rPr lang="en" sz="1400"/>
-              <a:t>App </a:t>
-            </a:r>
-            <a:r>
-              <a:rPr lang="en" sz="1400"/>
-              <a:t>entirely</a:t>
-            </a:r>
-            <a:r>
-              <a:rPr lang="en" sz="1400"/>
-              <a:t> coded by Henri Keopraseuth, with the help of StackOverflow and others.</a:t>
+              <a:t>App entirely coded by Henri Keopraseuth, with the help of StackOverflow and others.</a:t>
             </a:r>
             <a:endParaRPr sz="1400"/>
           </a:p>
           <a:p>
-            <a:pPr indent="0" lvl="0" marL="0" rtl="0">
+            <a:pPr marL="0" lvl="0" indent="0" rtl="0">
               <a:spcBef>
                 <a:spcPts val="1000"/>
               </a:spcBef>
@@ -8787,9 +9098,6 @@
               </a:spcAft>
               <a:buNone/>
             </a:pPr>
-            <a:r>
-              <a:t/>
-            </a:r>
             <a:endParaRPr/>
           </a:p>
         </p:txBody>
@@ -8797,9 +9105,11 @@
       <p:sp>
         <p:nvSpPr>
           <p:cNvPr id="127" name="Shape 127"/>
-          <p:cNvSpPr txBox="1"/>
+          <p:cNvSpPr txBox="1">
+            <a:spLocks noGrp="1"/>
+          </p:cNvSpPr>
           <p:nvPr>
-            <p:ph idx="12" type="sldNum"/>
+            <p:ph type="sldNum" idx="12"/>
           </p:nvPr>
         </p:nvSpPr>
         <p:spPr>
@@ -8812,12 +9122,12 @@
           </a:prstGeom>
         </p:spPr>
         <p:txBody>
-          <a:bodyPr anchorCtr="0" anchor="t" bIns="91425" lIns="91425" spcFirstLastPara="1" rIns="91425" wrap="square" tIns="91425">
+          <a:bodyPr spcFirstLastPara="1" wrap="square" lIns="91425" tIns="91425" rIns="91425" bIns="91425" anchor="t" anchorCtr="0">
             <a:noAutofit/>
           </a:bodyPr>
           <a:lstStyle/>
           <a:p>
-            <a:pPr indent="0" lvl="0" marL="0" rtl="0">
+            <a:pPr marL="0" lvl="0" indent="0" rtl="0">
               <a:spcBef>
                 <a:spcPts val="0"/>
               </a:spcBef>
@@ -8828,7 +9138,16 @@
             </a:pPr>
             <a:fld id="{00000000-1234-1234-1234-123412341234}" type="slidenum">
               <a:rPr lang="en"/>
-              <a:t>‹#›</a:t>
+              <a:pPr marL="0" lvl="0" indent="0" rtl="0">
+                <a:spcBef>
+                  <a:spcPts val="0"/>
+                </a:spcBef>
+                <a:spcAft>
+                  <a:spcPts val="0"/>
+                </a:spcAft>
+                <a:buNone/>
+              </a:pPr>
+              <a:t>8</a:t>
             </a:fld>
             <a:endParaRPr/>
           </a:p>
@@ -8843,11 +9162,11 @@
 </file>
 
 <file path=ppt/slides/slide9.xml><?xml version="1.0" encoding="utf-8"?>
-<p:sld xmlns:a="http://schemas.openxmlformats.org/drawingml/2006/main" xmlns:r="http://schemas.openxmlformats.org/officeDocument/2006/relationships" xmlns:mc="http://schemas.openxmlformats.org/markup-compatibility/2006" xmlns:mv="urn:schemas-microsoft-com:mac:vml" xmlns:p="http://schemas.openxmlformats.org/presentationml/2006/main" xmlns:c="http://schemas.openxmlformats.org/drawingml/2006/chart" xmlns:dgm="http://schemas.openxmlformats.org/drawingml/2006/diagram" xmlns:o="urn:schemas-microsoft-com:office:office" xmlns:v="urn:schemas-microsoft-com:vml" xmlns:pvml="urn:schemas-microsoft-com:office:powerpoint" xmlns:com="http://schemas.openxmlformats.org/drawingml/2006/compatibility" xmlns:p14="http://schemas.microsoft.com/office/powerpoint/2010/main" xmlns:p15="http://schemas.microsoft.com/office/powerpoint/2012/main">
+<p:sld xmlns:a="http://schemas.openxmlformats.org/drawingml/2006/main" xmlns:r="http://schemas.openxmlformats.org/officeDocument/2006/relationships" xmlns:p="http://schemas.openxmlformats.org/presentationml/2006/main">
   <p:cSld>
     <p:spTree>
       <p:nvGrpSpPr>
-        <p:cNvPr id="131" name="Shape 131"/>
+        <p:cNvPr id="1" name="Shape 131"/>
         <p:cNvGrpSpPr/>
         <p:nvPr/>
       </p:nvGrpSpPr>
@@ -8862,7 +9181,9 @@
       <p:sp>
         <p:nvSpPr>
           <p:cNvPr id="132" name="Shape 132"/>
-          <p:cNvSpPr txBox="1"/>
+          <p:cNvSpPr txBox="1">
+            <a:spLocks noGrp="1"/>
+          </p:cNvSpPr>
           <p:nvPr>
             <p:ph type="title"/>
           </p:nvPr>
@@ -8877,12 +9198,12 @@
           </a:prstGeom>
         </p:spPr>
         <p:txBody>
-          <a:bodyPr anchorCtr="0" anchor="b" bIns="91425" lIns="91425" spcFirstLastPara="1" rIns="91425" wrap="square" tIns="91425">
+          <a:bodyPr spcFirstLastPara="1" wrap="square" lIns="91425" tIns="91425" rIns="91425" bIns="91425" anchor="b" anchorCtr="0">
             <a:noAutofit/>
           </a:bodyPr>
           <a:lstStyle/>
           <a:p>
-            <a:pPr indent="0" lvl="0" marL="0" rtl="0">
+            <a:pPr marL="0" lvl="0" indent="0" rtl="0">
               <a:spcBef>
                 <a:spcPts val="0"/>
               </a:spcBef>
@@ -8902,9 +9223,11 @@
       <p:sp>
         <p:nvSpPr>
           <p:cNvPr id="133" name="Shape 133"/>
-          <p:cNvSpPr txBox="1"/>
+          <p:cNvSpPr txBox="1">
+            <a:spLocks noGrp="1"/>
+          </p:cNvSpPr>
           <p:nvPr>
-            <p:ph idx="1" type="body"/>
+            <p:ph type="body" idx="1"/>
           </p:nvPr>
         </p:nvSpPr>
         <p:spPr>
@@ -8917,12 +9240,12 @@
           </a:prstGeom>
         </p:spPr>
         <p:txBody>
-          <a:bodyPr anchorCtr="0" anchor="t" bIns="91425" lIns="91425" spcFirstLastPara="1" rIns="91425" wrap="square" tIns="91425">
+          <a:bodyPr spcFirstLastPara="1" wrap="square" lIns="91425" tIns="91425" rIns="91425" bIns="91425" anchor="t" anchorCtr="0">
             <a:noAutofit/>
           </a:bodyPr>
           <a:lstStyle/>
           <a:p>
-            <a:pPr indent="-317500" lvl="0" marL="457200" rtl="0" algn="just">
+            <a:pPr marL="457200" lvl="0" indent="-317500" algn="just" rtl="0">
               <a:spcBef>
                 <a:spcPts val="600"/>
               </a:spcBef>
@@ -8939,7 +9262,7 @@
             <a:endParaRPr sz="1400"/>
           </a:p>
           <a:p>
-            <a:pPr indent="0" lvl="0" marL="0" rtl="0">
+            <a:pPr marL="0" lvl="0" indent="0" rtl="0">
               <a:spcBef>
                 <a:spcPts val="1000"/>
               </a:spcBef>
@@ -8948,9 +9271,6 @@
               </a:spcAft>
               <a:buNone/>
             </a:pPr>
-            <a:r>
-              <a:t/>
-            </a:r>
             <a:endParaRPr/>
           </a:p>
         </p:txBody>
@@ -8958,9 +9278,11 @@
       <p:sp>
         <p:nvSpPr>
           <p:cNvPr id="134" name="Shape 134"/>
-          <p:cNvSpPr txBox="1"/>
+          <p:cNvSpPr txBox="1">
+            <a:spLocks noGrp="1"/>
+          </p:cNvSpPr>
           <p:nvPr>
-            <p:ph idx="12" type="sldNum"/>
+            <p:ph type="sldNum" idx="12"/>
           </p:nvPr>
         </p:nvSpPr>
         <p:spPr>
@@ -8973,12 +9295,12 @@
           </a:prstGeom>
         </p:spPr>
         <p:txBody>
-          <a:bodyPr anchorCtr="0" anchor="t" bIns="91425" lIns="91425" spcFirstLastPara="1" rIns="91425" wrap="square" tIns="91425">
+          <a:bodyPr spcFirstLastPara="1" wrap="square" lIns="91425" tIns="91425" rIns="91425" bIns="91425" anchor="t" anchorCtr="0">
             <a:noAutofit/>
           </a:bodyPr>
           <a:lstStyle/>
           <a:p>
-            <a:pPr indent="0" lvl="0" marL="0" rtl="0">
+            <a:pPr marL="0" lvl="0" indent="0" rtl="0">
               <a:spcBef>
                 <a:spcPts val="0"/>
               </a:spcBef>
@@ -8989,7 +9311,16 @@
             </a:pPr>
             <a:fld id="{00000000-1234-1234-1234-123412341234}" type="slidenum">
               <a:rPr lang="en"/>
-              <a:t>‹#›</a:t>
+              <a:pPr marL="0" lvl="0" indent="0" rtl="0">
+                <a:spcBef>
+                  <a:spcPts val="0"/>
+                </a:spcBef>
+                <a:spcAft>
+                  <a:spcPts val="0"/>
+                </a:spcAft>
+                <a:buNone/>
+              </a:pPr>
+              <a:t>9</a:t>
             </a:fld>
             <a:endParaRPr/>
           </a:p>
@@ -9004,7 +9335,7 @@
 </file>
 
 <file path=ppt/theme/theme1.xml><?xml version="1.0" encoding="utf-8"?>
-<a:theme xmlns:a="http://schemas.openxmlformats.org/drawingml/2006/main" xmlns:r="http://schemas.openxmlformats.org/officeDocument/2006/relationships" name="Cordelia template">
+<a:theme xmlns:a="http://schemas.openxmlformats.org/drawingml/2006/main" name="Cordelia template">
   <a:themeElements>
     <a:clrScheme name="Custom 347">
       <a:dk1>
@@ -9279,11 +9610,13 @@
       </a:bgFillStyleLst>
     </a:fmtScheme>
   </a:themeElements>
+  <a:objectDefaults/>
+  <a:extraClrSchemeLst/>
 </a:theme>
 </file>
 
 <file path=ppt/theme/theme2.xml><?xml version="1.0" encoding="utf-8"?>
-<a:theme xmlns:a="http://schemas.openxmlformats.org/drawingml/2006/main" xmlns:r="http://schemas.openxmlformats.org/officeDocument/2006/relationships">
+<a:theme xmlns:a="http://schemas.openxmlformats.org/drawingml/2006/main">
   <a:themeElements>
     <a:clrScheme name="Default">
       <a:dk1>
@@ -9558,5 +9891,7 @@
       </a:bgFillStyleLst>
     </a:fmtScheme>
   </a:themeElements>
+  <a:objectDefaults/>
+  <a:extraClrSchemeLst/>
 </a:theme>
 </file>
--- a/Phase 2/Slides.pptx
+++ b/Phase 2/Slides.pptx
@@ -5,7 +5,7 @@
     <p:sldMasterId id="2147483658" r:id="rId1"/>
   </p:sldMasterIdLst>
   <p:notesMasterIdLst>
-    <p:notesMasterId r:id="rId12"/>
+    <p:notesMasterId r:id="rId11"/>
   </p:notesMasterIdLst>
   <p:sldIdLst>
     <p:sldId id="256" r:id="rId2"/>
@@ -14,25 +14,24 @@
     <p:sldId id="259" r:id="rId5"/>
     <p:sldId id="260" r:id="rId6"/>
     <p:sldId id="261" r:id="rId7"/>
-    <p:sldId id="262" r:id="rId8"/>
-    <p:sldId id="263" r:id="rId9"/>
-    <p:sldId id="264" r:id="rId10"/>
-    <p:sldId id="265" r:id="rId11"/>
+    <p:sldId id="263" r:id="rId8"/>
+    <p:sldId id="264" r:id="rId9"/>
+    <p:sldId id="265" r:id="rId10"/>
   </p:sldIdLst>
   <p:sldSz cx="9144000" cy="6858000" type="screen4x3"/>
   <p:notesSz cx="6858000" cy="9144000"/>
   <p:embeddedFontLst>
     <p:embeddedFont>
       <p:font typeface="Roboto Slab" pitchFamily="2" charset="0"/>
-      <p:regular r:id="rId13"/>
-      <p:bold r:id="rId14"/>
+      <p:regular r:id="rId12"/>
+      <p:bold r:id="rId13"/>
     </p:embeddedFont>
     <p:embeddedFont>
       <p:font typeface="Source Sans Pro" charset="0"/>
-      <p:regular r:id="rId15"/>
-      <p:bold r:id="rId16"/>
-      <p:italic r:id="rId17"/>
-      <p:boldItalic r:id="rId18"/>
+      <p:regular r:id="rId14"/>
+      <p:bold r:id="rId15"/>
+      <p:italic r:id="rId16"/>
+      <p:boldItalic r:id="rId17"/>
     </p:embeddedFont>
   </p:embeddedFontLst>
   <p:defaultTextStyle>
@@ -814,114 +813,6 @@
 </p:notes>
 </file>
 
-<file path=ppt/notesSlides/notesSlide10.xml><?xml version="1.0" encoding="utf-8"?>
-<p:notes xmlns:a="http://schemas.openxmlformats.org/drawingml/2006/main" xmlns:r="http://schemas.openxmlformats.org/officeDocument/2006/relationships" xmlns:p="http://schemas.openxmlformats.org/presentationml/2006/main" showMasterSp="0" showMasterPhAnim="0">
-  <p:cSld>
-    <p:spTree>
-      <p:nvGrpSpPr>
-        <p:cNvPr id="1" name="Shape 135"/>
-        <p:cNvGrpSpPr/>
-        <p:nvPr/>
-      </p:nvGrpSpPr>
-      <p:grpSpPr>
-        <a:xfrm>
-          <a:off x="0" y="0"/>
-          <a:ext cx="0" cy="0"/>
-          <a:chOff x="0" y="0"/>
-          <a:chExt cx="0" cy="0"/>
-        </a:xfrm>
-      </p:grpSpPr>
-      <p:sp>
-        <p:nvSpPr>
-          <p:cNvPr id="136" name="Shape 136"/>
-          <p:cNvSpPr>
-            <a:spLocks noGrp="1" noRot="1" noChangeAspect="1"/>
-          </p:cNvSpPr>
-          <p:nvPr>
-            <p:ph type="sldImg" idx="2"/>
-          </p:nvPr>
-        </p:nvSpPr>
-        <p:spPr>
-          <a:xfrm>
-            <a:off x="1143225" y="685800"/>
-            <a:ext cx="4572300" cy="3429000"/>
-          </a:xfrm>
-          <a:custGeom>
-            <a:avLst/>
-            <a:gdLst/>
-            <a:ahLst/>
-            <a:cxnLst/>
-            <a:rect l="0" t="0" r="0" b="0"/>
-            <a:pathLst>
-              <a:path w="120000" h="120000" extrusionOk="0">
-                <a:moveTo>
-                  <a:pt x="0" y="0"/>
-                </a:moveTo>
-                <a:lnTo>
-                  <a:pt x="120000" y="0"/>
-                </a:lnTo>
-                <a:lnTo>
-                  <a:pt x="120000" y="120000"/>
-                </a:lnTo>
-                <a:lnTo>
-                  <a:pt x="0" y="120000"/>
-                </a:lnTo>
-                <a:close/>
-              </a:path>
-            </a:pathLst>
-          </a:custGeom>
-        </p:spPr>
-      </p:sp>
-      <p:sp>
-        <p:nvSpPr>
-          <p:cNvPr id="137" name="Shape 137"/>
-          <p:cNvSpPr txBox="1">
-            <a:spLocks noGrp="1"/>
-          </p:cNvSpPr>
-          <p:nvPr>
-            <p:ph type="body" idx="1"/>
-          </p:nvPr>
-        </p:nvSpPr>
-        <p:spPr>
-          <a:xfrm>
-            <a:off x="685800" y="4343400"/>
-            <a:ext cx="5486400" cy="4114800"/>
-          </a:xfrm>
-          <a:prstGeom prst="rect">
-            <a:avLst/>
-          </a:prstGeom>
-        </p:spPr>
-        <p:txBody>
-          <a:bodyPr spcFirstLastPara="1" wrap="square" lIns="91425" tIns="91425" rIns="91425" bIns="91425" anchor="t" anchorCtr="0">
-            <a:noAutofit/>
-          </a:bodyPr>
-          <a:lstStyle/>
-          <a:p>
-            <a:pPr marL="0" lvl="0" indent="0" rtl="0">
-              <a:spcBef>
-                <a:spcPts val="0"/>
-              </a:spcBef>
-              <a:spcAft>
-                <a:spcPts val="0"/>
-              </a:spcAft>
-              <a:buNone/>
-            </a:pPr>
-            <a:r>
-              <a:rPr lang="en"/>
-              <a:t>Merci !</a:t>
-            </a:r>
-            <a:endParaRPr/>
-          </a:p>
-        </p:txBody>
-      </p:sp>
-    </p:spTree>
-  </p:cSld>
-  <p:clrMapOvr>
-    <a:masterClrMapping/>
-  </p:clrMapOvr>
-</p:notes>
-</file>
-
 <file path=ppt/notesSlides/notesSlide2.xml><?xml version="1.0" encoding="utf-8"?>
 <p:notes xmlns:a="http://schemas.openxmlformats.org/drawingml/2006/main" xmlns:r="http://schemas.openxmlformats.org/officeDocument/2006/relationships" xmlns:p="http://schemas.openxmlformats.org/presentationml/2006/main" showMasterSp="0" showMasterPhAnim="0">
   <p:cSld>
@@ -1554,7 +1445,7 @@
   <p:cSld>
     <p:spTree>
       <p:nvGrpSpPr>
-        <p:cNvPr id="1" name="Shape 114"/>
+        <p:cNvPr id="1" name="Shape 121"/>
         <p:cNvGrpSpPr/>
         <p:nvPr/>
       </p:nvGrpSpPr>
@@ -1568,7 +1459,7 @@
       </p:grpSpPr>
       <p:sp>
         <p:nvSpPr>
-          <p:cNvPr id="115" name="Shape 115"/>
+          <p:cNvPr id="122" name="Shape 122"/>
           <p:cNvSpPr>
             <a:spLocks noGrp="1" noRot="1" noChangeAspect="1"/>
           </p:cNvSpPr>
@@ -1578,8 +1469,8 @@
         </p:nvSpPr>
         <p:spPr>
           <a:xfrm>
-            <a:off x="1143225" y="685800"/>
-            <a:ext cx="4572300" cy="3429000"/>
+            <a:off x="1143000" y="685800"/>
+            <a:ext cx="4572000" cy="3429000"/>
           </a:xfrm>
           <a:custGeom>
             <a:avLst/>
@@ -1609,158 +1500,6 @@
       </p:sp>
       <p:sp>
         <p:nvSpPr>
-          <p:cNvPr id="116" name="Shape 116"/>
-          <p:cNvSpPr txBox="1">
-            <a:spLocks noGrp="1"/>
-          </p:cNvSpPr>
-          <p:nvPr>
-            <p:ph type="body" idx="1"/>
-          </p:nvPr>
-        </p:nvSpPr>
-        <p:spPr>
-          <a:xfrm>
-            <a:off x="685800" y="4343400"/>
-            <a:ext cx="5486400" cy="4114800"/>
-          </a:xfrm>
-          <a:prstGeom prst="rect">
-            <a:avLst/>
-          </a:prstGeom>
-        </p:spPr>
-        <p:txBody>
-          <a:bodyPr spcFirstLastPara="1" wrap="square" lIns="91425" tIns="91425" rIns="91425" bIns="91425" anchor="t" anchorCtr="0">
-            <a:noAutofit/>
-          </a:bodyPr>
-          <a:lstStyle/>
-          <a:p>
-            <a:pPr marL="0" lvl="0" indent="0">
-              <a:spcBef>
-                <a:spcPts val="0"/>
-              </a:spcBef>
-              <a:spcAft>
-                <a:spcPts val="0"/>
-              </a:spcAft>
-              <a:buNone/>
-            </a:pPr>
-            <a:r>
-              <a:rPr lang="en" dirty="0"/>
-              <a:t>Un problème rencontré dans l’émulateur Android, c’est qu’à partir de 40 matchs, le fichier JSON obtenus lors de la requête GET atteint sa limite. On n’est pas sûrs encore si ça vient du fait que la console d’Android Studio ne montre pas tous les caractères, ou si cela vient de la limite maximum imposée par MatchMore.</a:t>
-            </a:r>
-            <a:endParaRPr dirty="0"/>
-          </a:p>
-          <a:p>
-            <a:pPr marL="0" lvl="0" indent="0">
-              <a:spcBef>
-                <a:spcPts val="0"/>
-              </a:spcBef>
-              <a:spcAft>
-                <a:spcPts val="0"/>
-              </a:spcAft>
-              <a:buNone/>
-            </a:pPr>
-            <a:endParaRPr dirty="0"/>
-          </a:p>
-          <a:p>
-            <a:pPr marL="0" lvl="0" indent="0" rtl="0">
-              <a:spcBef>
-                <a:spcPts val="0"/>
-              </a:spcBef>
-              <a:spcAft>
-                <a:spcPts val="0"/>
-              </a:spcAft>
-              <a:buNone/>
-            </a:pPr>
-            <a:r>
-              <a:rPr lang="en" dirty="0"/>
-              <a:t>Un autre problème, mais cette fois dans la version APK-release, c’est que lorsqu’on lance l’app pour la première fois, l’application va mettre du temps pour se configurer et donc de trouver un </a:t>
-            </a:r>
-            <a:r>
-              <a:rPr lang="en"/>
-              <a:t>match</a:t>
-            </a:r>
-            <a:r>
-              <a:rPr lang="en" smtClean="0"/>
-              <a:t>. </a:t>
-            </a:r>
-            <a:r>
-              <a:rPr lang="en" dirty="0" smtClean="0"/>
-              <a:t>La </a:t>
-            </a:r>
-            <a:r>
-              <a:rPr lang="en" dirty="0"/>
-              <a:t>localisation du premier match (publication et souscription créées par le même device) va se faire en (0;0), sûrement à cause du temps de configuration. Les prochaines utilisation de l’app et les prochains matches n’ont pas de problèmes.</a:t>
-            </a:r>
-            <a:endParaRPr dirty="0"/>
-          </a:p>
-        </p:txBody>
-      </p:sp>
-    </p:spTree>
-  </p:cSld>
-  <p:clrMapOvr>
-    <a:masterClrMapping/>
-  </p:clrMapOvr>
-</p:notes>
-</file>
-
-<file path=ppt/notesSlides/notesSlide8.xml><?xml version="1.0" encoding="utf-8"?>
-<p:notes xmlns:a="http://schemas.openxmlformats.org/drawingml/2006/main" xmlns:r="http://schemas.openxmlformats.org/officeDocument/2006/relationships" xmlns:p="http://schemas.openxmlformats.org/presentationml/2006/main" showMasterSp="0" showMasterPhAnim="0">
-  <p:cSld>
-    <p:spTree>
-      <p:nvGrpSpPr>
-        <p:cNvPr id="1" name="Shape 121"/>
-        <p:cNvGrpSpPr/>
-        <p:nvPr/>
-      </p:nvGrpSpPr>
-      <p:grpSpPr>
-        <a:xfrm>
-          <a:off x="0" y="0"/>
-          <a:ext cx="0" cy="0"/>
-          <a:chOff x="0" y="0"/>
-          <a:chExt cx="0" cy="0"/>
-        </a:xfrm>
-      </p:grpSpPr>
-      <p:sp>
-        <p:nvSpPr>
-          <p:cNvPr id="122" name="Shape 122"/>
-          <p:cNvSpPr>
-            <a:spLocks noGrp="1" noRot="1" noChangeAspect="1"/>
-          </p:cNvSpPr>
-          <p:nvPr>
-            <p:ph type="sldImg" idx="2"/>
-          </p:nvPr>
-        </p:nvSpPr>
-        <p:spPr>
-          <a:xfrm>
-            <a:off x="1143225" y="685800"/>
-            <a:ext cx="4572300" cy="3429000"/>
-          </a:xfrm>
-          <a:custGeom>
-            <a:avLst/>
-            <a:gdLst/>
-            <a:ahLst/>
-            <a:cxnLst/>
-            <a:rect l="0" t="0" r="0" b="0"/>
-            <a:pathLst>
-              <a:path w="120000" h="120000" extrusionOk="0">
-                <a:moveTo>
-                  <a:pt x="0" y="0"/>
-                </a:moveTo>
-                <a:lnTo>
-                  <a:pt x="120000" y="0"/>
-                </a:lnTo>
-                <a:lnTo>
-                  <a:pt x="120000" y="120000"/>
-                </a:lnTo>
-                <a:lnTo>
-                  <a:pt x="0" y="120000"/>
-                </a:lnTo>
-                <a:close/>
-              </a:path>
-            </a:pathLst>
-          </a:custGeom>
-        </p:spPr>
-      </p:sp>
-      <p:sp>
-        <p:nvSpPr>
           <p:cNvPr id="123" name="Shape 123"/>
           <p:cNvSpPr txBox="1">
             <a:spLocks noGrp="1"/>
@@ -1809,7 +1548,7 @@
 </p:notes>
 </file>
 
-<file path=ppt/notesSlides/notesSlide9.xml><?xml version="1.0" encoding="utf-8"?>
+<file path=ppt/notesSlides/notesSlide8.xml><?xml version="1.0" encoding="utf-8"?>
 <p:notes xmlns:a="http://schemas.openxmlformats.org/drawingml/2006/main" xmlns:r="http://schemas.openxmlformats.org/officeDocument/2006/relationships" xmlns:p="http://schemas.openxmlformats.org/presentationml/2006/main" showMasterSp="0" showMasterPhAnim="0">
   <p:cSld>
     <p:spTree>
@@ -1838,8 +1577,8 @@
         </p:nvSpPr>
         <p:spPr>
           <a:xfrm>
-            <a:off x="1143225" y="685800"/>
-            <a:ext cx="4572300" cy="3429000"/>
+            <a:off x="1143000" y="685800"/>
+            <a:ext cx="4572000" cy="3429000"/>
           </a:xfrm>
           <a:custGeom>
             <a:avLst/>
@@ -1904,6 +1643,114 @@
             <a:r>
               <a:rPr lang="en"/>
               <a:t>Le travail qu’il nous reste à faire, c’est d’implémenter le backend. Optionnellement, implémenter l’upload d’une image lors d’une publication (sauf si trop dur à faire).</a:t>
+            </a:r>
+            <a:endParaRPr/>
+          </a:p>
+        </p:txBody>
+      </p:sp>
+    </p:spTree>
+  </p:cSld>
+  <p:clrMapOvr>
+    <a:masterClrMapping/>
+  </p:clrMapOvr>
+</p:notes>
+</file>
+
+<file path=ppt/notesSlides/notesSlide9.xml><?xml version="1.0" encoding="utf-8"?>
+<p:notes xmlns:a="http://schemas.openxmlformats.org/drawingml/2006/main" xmlns:r="http://schemas.openxmlformats.org/officeDocument/2006/relationships" xmlns:p="http://schemas.openxmlformats.org/presentationml/2006/main" showMasterSp="0" showMasterPhAnim="0">
+  <p:cSld>
+    <p:spTree>
+      <p:nvGrpSpPr>
+        <p:cNvPr id="1" name="Shape 135"/>
+        <p:cNvGrpSpPr/>
+        <p:nvPr/>
+      </p:nvGrpSpPr>
+      <p:grpSpPr>
+        <a:xfrm>
+          <a:off x="0" y="0"/>
+          <a:ext cx="0" cy="0"/>
+          <a:chOff x="0" y="0"/>
+          <a:chExt cx="0" cy="0"/>
+        </a:xfrm>
+      </p:grpSpPr>
+      <p:sp>
+        <p:nvSpPr>
+          <p:cNvPr id="136" name="Shape 136"/>
+          <p:cNvSpPr>
+            <a:spLocks noGrp="1" noRot="1" noChangeAspect="1"/>
+          </p:cNvSpPr>
+          <p:nvPr>
+            <p:ph type="sldImg" idx="2"/>
+          </p:nvPr>
+        </p:nvSpPr>
+        <p:spPr>
+          <a:xfrm>
+            <a:off x="1143000" y="685800"/>
+            <a:ext cx="4572000" cy="3429000"/>
+          </a:xfrm>
+          <a:custGeom>
+            <a:avLst/>
+            <a:gdLst/>
+            <a:ahLst/>
+            <a:cxnLst/>
+            <a:rect l="0" t="0" r="0" b="0"/>
+            <a:pathLst>
+              <a:path w="120000" h="120000" extrusionOk="0">
+                <a:moveTo>
+                  <a:pt x="0" y="0"/>
+                </a:moveTo>
+                <a:lnTo>
+                  <a:pt x="120000" y="0"/>
+                </a:lnTo>
+                <a:lnTo>
+                  <a:pt x="120000" y="120000"/>
+                </a:lnTo>
+                <a:lnTo>
+                  <a:pt x="0" y="120000"/>
+                </a:lnTo>
+                <a:close/>
+              </a:path>
+            </a:pathLst>
+          </a:custGeom>
+        </p:spPr>
+      </p:sp>
+      <p:sp>
+        <p:nvSpPr>
+          <p:cNvPr id="137" name="Shape 137"/>
+          <p:cNvSpPr txBox="1">
+            <a:spLocks noGrp="1"/>
+          </p:cNvSpPr>
+          <p:nvPr>
+            <p:ph type="body" idx="1"/>
+          </p:nvPr>
+        </p:nvSpPr>
+        <p:spPr>
+          <a:xfrm>
+            <a:off x="685800" y="4343400"/>
+            <a:ext cx="5486400" cy="4114800"/>
+          </a:xfrm>
+          <a:prstGeom prst="rect">
+            <a:avLst/>
+          </a:prstGeom>
+        </p:spPr>
+        <p:txBody>
+          <a:bodyPr spcFirstLastPara="1" wrap="square" lIns="91425" tIns="91425" rIns="91425" bIns="91425" anchor="t" anchorCtr="0">
+            <a:noAutofit/>
+          </a:bodyPr>
+          <a:lstStyle/>
+          <a:p>
+            <a:pPr marL="0" lvl="0" indent="0" rtl="0">
+              <a:spcBef>
+                <a:spcPts val="0"/>
+              </a:spcBef>
+              <a:spcAft>
+                <a:spcPts val="0"/>
+              </a:spcAft>
+              <a:buNone/>
+            </a:pPr>
+            <a:r>
+              <a:rPr lang="en"/>
+              <a:t>Merci !</a:t>
             </a:r>
             <a:endParaRPr/>
           </a:p>
@@ -7455,166 +7302,6 @@
 </p:sld>
 </file>
 
-<file path=ppt/slides/slide10.xml><?xml version="1.0" encoding="utf-8"?>
-<p:sld xmlns:a="http://schemas.openxmlformats.org/drawingml/2006/main" xmlns:r="http://schemas.openxmlformats.org/officeDocument/2006/relationships" xmlns:p="http://schemas.openxmlformats.org/presentationml/2006/main">
-  <p:cSld>
-    <p:spTree>
-      <p:nvGrpSpPr>
-        <p:cNvPr id="1" name="Shape 138"/>
-        <p:cNvGrpSpPr/>
-        <p:nvPr/>
-      </p:nvGrpSpPr>
-      <p:grpSpPr>
-        <a:xfrm>
-          <a:off x="0" y="0"/>
-          <a:ext cx="0" cy="0"/>
-          <a:chOff x="0" y="0"/>
-          <a:chExt cx="0" cy="0"/>
-        </a:xfrm>
-      </p:grpSpPr>
-      <p:sp>
-        <p:nvSpPr>
-          <p:cNvPr id="139" name="Shape 139"/>
-          <p:cNvSpPr txBox="1">
-            <a:spLocks noGrp="1"/>
-          </p:cNvSpPr>
-          <p:nvPr>
-            <p:ph type="ctrTitle" idx="4294967295"/>
-          </p:nvPr>
-        </p:nvSpPr>
-        <p:spPr>
-          <a:xfrm>
-            <a:off x="2891850" y="1635838"/>
-            <a:ext cx="3282000" cy="1546500"/>
-          </a:xfrm>
-          <a:prstGeom prst="rect">
-            <a:avLst/>
-          </a:prstGeom>
-        </p:spPr>
-        <p:txBody>
-          <a:bodyPr spcFirstLastPara="1" wrap="square" lIns="91425" tIns="91425" rIns="91425" bIns="91425" anchor="b" anchorCtr="0">
-            <a:noAutofit/>
-          </a:bodyPr>
-          <a:lstStyle/>
-          <a:p>
-            <a:pPr marL="0" lvl="0" indent="0" rtl="0">
-              <a:spcBef>
-                <a:spcPts val="0"/>
-              </a:spcBef>
-              <a:spcAft>
-                <a:spcPts val="0"/>
-              </a:spcAft>
-              <a:buNone/>
-            </a:pPr>
-            <a:r>
-              <a:rPr lang="en" sz="6000" b="1"/>
-              <a:t>Thanks!</a:t>
-            </a:r>
-            <a:endParaRPr sz="6000" b="1"/>
-          </a:p>
-        </p:txBody>
-      </p:sp>
-      <p:sp>
-        <p:nvSpPr>
-          <p:cNvPr id="140" name="Shape 140"/>
-          <p:cNvSpPr txBox="1">
-            <a:spLocks noGrp="1"/>
-          </p:cNvSpPr>
-          <p:nvPr>
-            <p:ph type="subTitle" idx="4294967295"/>
-          </p:nvPr>
-        </p:nvSpPr>
-        <p:spPr>
-          <a:xfrm>
-            <a:off x="2891850" y="3235263"/>
-            <a:ext cx="3360300" cy="1046400"/>
-          </a:xfrm>
-          <a:prstGeom prst="rect">
-            <a:avLst/>
-          </a:prstGeom>
-        </p:spPr>
-        <p:txBody>
-          <a:bodyPr spcFirstLastPara="1" wrap="square" lIns="91425" tIns="91425" rIns="91425" bIns="91425" anchor="t" anchorCtr="0">
-            <a:noAutofit/>
-          </a:bodyPr>
-          <a:lstStyle/>
-          <a:p>
-            <a:pPr marL="0" lvl="0" indent="0" rtl="0">
-              <a:spcBef>
-                <a:spcPts val="600"/>
-              </a:spcBef>
-              <a:spcAft>
-                <a:spcPts val="0"/>
-              </a:spcAft>
-              <a:buNone/>
-            </a:pPr>
-            <a:r>
-              <a:rPr lang="en" sz="3600" b="1"/>
-              <a:t>Any questions?</a:t>
-            </a:r>
-            <a:endParaRPr sz="3600" b="1"/>
-          </a:p>
-        </p:txBody>
-      </p:sp>
-      <p:sp>
-        <p:nvSpPr>
-          <p:cNvPr id="141" name="Shape 141"/>
-          <p:cNvSpPr txBox="1">
-            <a:spLocks noGrp="1"/>
-          </p:cNvSpPr>
-          <p:nvPr>
-            <p:ph type="sldNum" idx="12"/>
-          </p:nvPr>
-        </p:nvSpPr>
-        <p:spPr>
-          <a:xfrm>
-            <a:off x="8404384" y="6333134"/>
-            <a:ext cx="548700" cy="525000"/>
-          </a:xfrm>
-          <a:prstGeom prst="rect">
-            <a:avLst/>
-          </a:prstGeom>
-        </p:spPr>
-        <p:txBody>
-          <a:bodyPr spcFirstLastPara="1" wrap="square" lIns="91425" tIns="91425" rIns="91425" bIns="91425" anchor="t" anchorCtr="0">
-            <a:noAutofit/>
-          </a:bodyPr>
-          <a:lstStyle/>
-          <a:p>
-            <a:pPr marL="0" lvl="0" indent="0" rtl="0">
-              <a:spcBef>
-                <a:spcPts val="0"/>
-              </a:spcBef>
-              <a:spcAft>
-                <a:spcPts val="0"/>
-              </a:spcAft>
-              <a:buNone/>
-            </a:pPr>
-            <a:fld id="{00000000-1234-1234-1234-123412341234}" type="slidenum">
-              <a:rPr lang="en"/>
-              <a:pPr marL="0" lvl="0" indent="0" rtl="0">
-                <a:spcBef>
-                  <a:spcPts val="0"/>
-                </a:spcBef>
-                <a:spcAft>
-                  <a:spcPts val="0"/>
-                </a:spcAft>
-                <a:buNone/>
-              </a:pPr>
-              <a:t>10</a:t>
-            </a:fld>
-            <a:endParaRPr/>
-          </a:p>
-        </p:txBody>
-      </p:sp>
-    </p:spTree>
-  </p:cSld>
-  <p:clrMapOvr>
-    <a:masterClrMapping/>
-  </p:clrMapOvr>
-</p:sld>
-</file>
-
 <file path=ppt/slides/slide2.xml><?xml version="1.0" encoding="utf-8"?>
 <p:sld xmlns:a="http://schemas.openxmlformats.org/drawingml/2006/main" xmlns:r="http://schemas.openxmlformats.org/officeDocument/2006/relationships" xmlns:p="http://schemas.openxmlformats.org/presentationml/2006/main">
   <p:cSld>
@@ -8703,7 +8390,7 @@
   <p:cSld>
     <p:spTree>
       <p:nvGrpSpPr>
-        <p:cNvPr id="1" name="Shape 117"/>
+        <p:cNvPr id="1" name="Shape 124"/>
         <p:cNvGrpSpPr/>
         <p:nvPr/>
       </p:nvGrpSpPr>
@@ -8717,7 +8404,7 @@
       </p:grpSpPr>
       <p:sp>
         <p:nvSpPr>
-          <p:cNvPr id="118" name="Shape 118"/>
+          <p:cNvPr id="125" name="Shape 125"/>
           <p:cNvSpPr txBox="1">
             <a:spLocks noGrp="1"/>
           </p:cNvSpPr>
@@ -8751,7 +8438,7 @@
             </a:pPr>
             <a:r>
               <a:rPr lang="en"/>
-              <a:t>Notes</a:t>
+              <a:t>Work done</a:t>
             </a:r>
             <a:endParaRPr/>
           </a:p>
@@ -8759,7 +8446,7 @@
       </p:sp>
       <p:sp>
         <p:nvSpPr>
-          <p:cNvPr id="119" name="Shape 119"/>
+          <p:cNvPr id="126" name="Shape 126"/>
           <p:cNvSpPr txBox="1">
             <a:spLocks noGrp="1"/>
           </p:cNvSpPr>
@@ -8782,138 +8469,21 @@
           </a:bodyPr>
           <a:lstStyle/>
           <a:p>
-            <a:pPr marL="457200" lvl="0" indent="-342900" rtl="0">
+            <a:pPr marL="457200" lvl="0" indent="-317500" algn="just" rtl="0">
               <a:spcBef>
                 <a:spcPts val="600"/>
               </a:spcBef>
               <a:spcAft>
                 <a:spcPts val="0"/>
               </a:spcAft>
-              <a:buSzPts val="1800"/>
+              <a:buSzPts val="1400"/>
               <a:buChar char="◎"/>
             </a:pPr>
             <a:r>
-              <a:rPr lang="en" sz="1800"/>
-              <a:t>Bugs found:</a:t>
+              <a:rPr lang="en" sz="1400"/>
+              <a:t>App entirely coded by Henri Keopraseuth, with the help of StackOverflow and others.</a:t>
             </a:r>
-            <a:endParaRPr sz="1800"/>
-          </a:p>
-          <a:p>
-            <a:pPr marL="914400" lvl="1" indent="-342900" rtl="0">
-              <a:spcBef>
-                <a:spcPts val="1000"/>
-              </a:spcBef>
-              <a:spcAft>
-                <a:spcPts val="0"/>
-              </a:spcAft>
-              <a:buSzPts val="1800"/>
-              <a:buChar char="○"/>
-            </a:pPr>
-            <a:r>
-              <a:rPr lang="en" sz="1800"/>
-              <a:t>In our tests, our GET request reached a maximum of 40 matches. The JSONObject will reach the maximum GET request size. </a:t>
-            </a:r>
-            <a:endParaRPr sz="1800"/>
-          </a:p>
-          <a:p>
-            <a:pPr marL="1371600" lvl="2" indent="-342900" rtl="0">
-              <a:spcBef>
-                <a:spcPts val="1000"/>
-              </a:spcBef>
-              <a:spcAft>
-                <a:spcPts val="0"/>
-              </a:spcAft>
-              <a:buSzPts val="1800"/>
-              <a:buChar char="◉"/>
-            </a:pPr>
-            <a:r>
-              <a:rPr lang="en" sz="1800"/>
-              <a:t>Possible causes :</a:t>
-            </a:r>
-            <a:endParaRPr sz="1800"/>
-          </a:p>
-          <a:p>
-            <a:pPr marL="1828800" lvl="3" indent="-342900" rtl="0">
-              <a:spcBef>
-                <a:spcPts val="1000"/>
-              </a:spcBef>
-              <a:spcAft>
-                <a:spcPts val="0"/>
-              </a:spcAft>
-              <a:buSzPts val="1800"/>
-              <a:buChar char="●"/>
-            </a:pPr>
-            <a:r>
-              <a:rPr lang="en" sz="1800"/>
-              <a:t>It’s up to MatchMore to increase this limit.</a:t>
-            </a:r>
-            <a:endParaRPr sz="1800"/>
-          </a:p>
-          <a:p>
-            <a:pPr marL="1828800" lvl="3" indent="-342900" rtl="0">
-              <a:spcBef>
-                <a:spcPts val="1000"/>
-              </a:spcBef>
-              <a:spcAft>
-                <a:spcPts val="0"/>
-              </a:spcAft>
-              <a:buSzPts val="1800"/>
-              <a:buChar char="●"/>
-            </a:pPr>
-            <a:r>
-              <a:rPr lang="en"/>
-              <a:t>Subscription duration was set to 0. It may not have found directly a match</a:t>
-            </a:r>
-            <a:r>
-              <a:rPr lang="en" sz="1800"/>
-              <a:t/>
-            </a:r>
-            <a:br>
-              <a:rPr lang="en" sz="1800"/>
-            </a:br>
-            <a:endParaRPr sz="1800"/>
-          </a:p>
-          <a:p>
-            <a:pPr marL="457200" lvl="0" indent="-342900" rtl="0">
-              <a:spcBef>
-                <a:spcPts val="1000"/>
-              </a:spcBef>
-              <a:spcAft>
-                <a:spcPts val="0"/>
-              </a:spcAft>
-              <a:buSzPts val="1800"/>
-              <a:buChar char="◎"/>
-            </a:pPr>
-            <a:r>
-              <a:rPr lang="en" sz="1800"/>
-              <a:t>Bug found in APK release (not when using the AVD):</a:t>
-            </a:r>
-            <a:endParaRPr sz="1800"/>
-          </a:p>
-          <a:p>
-            <a:pPr marL="914400" lvl="1" indent="-342900" rtl="0">
-              <a:spcBef>
-                <a:spcPts val="1000"/>
-              </a:spcBef>
-              <a:spcAft>
-                <a:spcPts val="0"/>
-              </a:spcAft>
-              <a:buSzPts val="1800"/>
-              <a:buChar char="○"/>
-            </a:pPr>
-            <a:r>
-              <a:rPr lang="en" sz="1800"/>
-              <a:t>When launching the app for the </a:t>
-            </a:r>
-            <a:r>
-              <a:rPr lang="en" sz="1800" b="1"/>
-              <a:t>first time</a:t>
-            </a:r>
-            <a:r>
-              <a:rPr lang="en" sz="1800"/>
-              <a:t>, the app will take some time to configure. The first match will take up to a minute to show up. The location for the first match will be at (0, 0) even if location has been activated for a minute.</a:t>
-            </a:r>
-            <a:endParaRPr sz="1800"/>
+            <a:endParaRPr sz="1400"/>
           </a:p>
           <a:p>
             <a:pPr marL="0" lvl="0" indent="0" rtl="0">
@@ -8931,7 +8501,7 @@
       </p:sp>
       <p:sp>
         <p:nvSpPr>
-          <p:cNvPr id="120" name="Shape 120"/>
+          <p:cNvPr id="127" name="Shape 127"/>
           <p:cNvSpPr txBox="1">
             <a:spLocks noGrp="1"/>
           </p:cNvSpPr>
@@ -8993,7 +8563,7 @@
   <p:cSld>
     <p:spTree>
       <p:nvGrpSpPr>
-        <p:cNvPr id="1" name="Shape 124"/>
+        <p:cNvPr id="1" name="Shape 131"/>
         <p:cNvGrpSpPr/>
         <p:nvPr/>
       </p:nvGrpSpPr>
@@ -9007,7 +8577,7 @@
       </p:grpSpPr>
       <p:sp>
         <p:nvSpPr>
-          <p:cNvPr id="125" name="Shape 125"/>
+          <p:cNvPr id="132" name="Shape 132"/>
           <p:cNvSpPr txBox="1">
             <a:spLocks noGrp="1"/>
           </p:cNvSpPr>
@@ -9041,7 +8611,7 @@
             </a:pPr>
             <a:r>
               <a:rPr lang="en"/>
-              <a:t>Work done</a:t>
+              <a:t>TO DO:</a:t>
             </a:r>
             <a:endParaRPr/>
           </a:p>
@@ -9049,7 +8619,7 @@
       </p:sp>
       <p:sp>
         <p:nvSpPr>
-          <p:cNvPr id="126" name="Shape 126"/>
+          <p:cNvPr id="133" name="Shape 133"/>
           <p:cNvSpPr txBox="1">
             <a:spLocks noGrp="1"/>
           </p:cNvSpPr>
@@ -9084,7 +8654,7 @@
             </a:pPr>
             <a:r>
               <a:rPr lang="en" sz="1400"/>
-              <a:t>App entirely coded by Henri Keopraseuth, with the help of StackOverflow and others.</a:t>
+              <a:t>Implement backend</a:t>
             </a:r>
             <a:endParaRPr sz="1400"/>
           </a:p>
@@ -9104,7 +8674,7 @@
       </p:sp>
       <p:sp>
         <p:nvSpPr>
-          <p:cNvPr id="127" name="Shape 127"/>
+          <p:cNvPr id="134" name="Shape 134"/>
           <p:cNvSpPr txBox="1">
             <a:spLocks noGrp="1"/>
           </p:cNvSpPr>
@@ -9166,7 +8736,7 @@
   <p:cSld>
     <p:spTree>
       <p:nvGrpSpPr>
-        <p:cNvPr id="1" name="Shape 131"/>
+        <p:cNvPr id="1" name="Shape 138"/>
         <p:cNvGrpSpPr/>
         <p:nvPr/>
       </p:nvGrpSpPr>
@@ -9180,18 +8750,18 @@
       </p:grpSpPr>
       <p:sp>
         <p:nvSpPr>
-          <p:cNvPr id="132" name="Shape 132"/>
+          <p:cNvPr id="139" name="Shape 139"/>
           <p:cNvSpPr txBox="1">
             <a:spLocks noGrp="1"/>
           </p:cNvSpPr>
           <p:nvPr>
-            <p:ph type="title"/>
+            <p:ph type="ctrTitle" idx="4294967295"/>
           </p:nvPr>
         </p:nvSpPr>
         <p:spPr>
           <a:xfrm>
-            <a:off x="786150" y="410826"/>
-            <a:ext cx="7571700" cy="936900"/>
+            <a:off x="2891850" y="1635838"/>
+            <a:ext cx="3282000" cy="1546500"/>
           </a:xfrm>
           <a:prstGeom prst="rect">
             <a:avLst/>
@@ -9213,27 +8783,27 @@
               <a:buNone/>
             </a:pPr>
             <a:r>
-              <a:rPr lang="en"/>
-              <a:t>TO DO:</a:t>
+              <a:rPr lang="en" sz="6000" b="1"/>
+              <a:t>Thanks!</a:t>
             </a:r>
-            <a:endParaRPr/>
+            <a:endParaRPr sz="6000" b="1"/>
           </a:p>
         </p:txBody>
       </p:sp>
       <p:sp>
         <p:nvSpPr>
-          <p:cNvPr id="133" name="Shape 133"/>
+          <p:cNvPr id="140" name="Shape 140"/>
           <p:cNvSpPr txBox="1">
             <a:spLocks noGrp="1"/>
           </p:cNvSpPr>
           <p:nvPr>
-            <p:ph type="body" idx="1"/>
+            <p:ph type="subTitle" idx="4294967295"/>
           </p:nvPr>
         </p:nvSpPr>
         <p:spPr>
           <a:xfrm>
-            <a:off x="786150" y="1682267"/>
-            <a:ext cx="7571700" cy="4764900"/>
+            <a:off x="2891850" y="3235263"/>
+            <a:ext cx="3360300" cy="1046400"/>
           </a:xfrm>
           <a:prstGeom prst="rect">
             <a:avLst/>
@@ -9245,39 +8815,26 @@
           </a:bodyPr>
           <a:lstStyle/>
           <a:p>
-            <a:pPr marL="457200" lvl="0" indent="-317500" algn="just" rtl="0">
+            <a:pPr marL="0" lvl="0" indent="0" rtl="0">
               <a:spcBef>
                 <a:spcPts val="600"/>
               </a:spcBef>
               <a:spcAft>
                 <a:spcPts val="0"/>
               </a:spcAft>
-              <a:buSzPts val="1400"/>
-              <a:buChar char="◎"/>
+              <a:buNone/>
             </a:pPr>
             <a:r>
-              <a:rPr lang="en" sz="1400"/>
-              <a:t>Implement backend</a:t>
+              <a:rPr lang="en" sz="3600" b="1"/>
+              <a:t>Any questions?</a:t>
             </a:r>
-            <a:endParaRPr sz="1400"/>
-          </a:p>
-          <a:p>
-            <a:pPr marL="0" lvl="0" indent="0" rtl="0">
-              <a:spcBef>
-                <a:spcPts val="1000"/>
-              </a:spcBef>
-              <a:spcAft>
-                <a:spcPts val="0"/>
-              </a:spcAft>
-              <a:buNone/>
-            </a:pPr>
-            <a:endParaRPr/>
+            <a:endParaRPr sz="3600" b="1"/>
           </a:p>
         </p:txBody>
       </p:sp>
       <p:sp>
         <p:nvSpPr>
-          <p:cNvPr id="134" name="Shape 134"/>
+          <p:cNvPr id="141" name="Shape 141"/>
           <p:cNvSpPr txBox="1">
             <a:spLocks noGrp="1"/>
           </p:cNvSpPr>

--- a/Phase 2/Slides.pptx
+++ b/Phase 2/Slides.pptx
@@ -1,41 +1,42 @@
 
 <file path=ppt/presentation.xml><?xml version="1.0" encoding="utf-8"?>
-<p:presentation xmlns:a="http://schemas.openxmlformats.org/drawingml/2006/main" xmlns:r="http://schemas.openxmlformats.org/officeDocument/2006/relationships" xmlns:p="http://schemas.openxmlformats.org/presentationml/2006/main" showSpecialPlsOnTitleSld="0" strictFirstAndLastChars="0" embedTrueTypeFonts="1" saveSubsetFonts="1" autoCompressPictures="0">
+<p:presentation xmlns:a="http://schemas.openxmlformats.org/drawingml/2006/main" xmlns:r="http://schemas.openxmlformats.org/officeDocument/2006/relationships" xmlns:mc="http://schemas.openxmlformats.org/markup-compatibility/2006" xmlns:mv="urn:schemas-microsoft-com:mac:vml" xmlns:p="http://schemas.openxmlformats.org/presentationml/2006/main" xmlns:c="http://schemas.openxmlformats.org/drawingml/2006/chart" xmlns:dgm="http://schemas.openxmlformats.org/drawingml/2006/diagram" xmlns:o="urn:schemas-microsoft-com:office:office" xmlns:v="urn:schemas-microsoft-com:vml" xmlns:pvml="urn:schemas-microsoft-com:office:powerpoint" xmlns:com="http://schemas.openxmlformats.org/drawingml/2006/compatibility" xmlns:p14="http://schemas.microsoft.com/office/powerpoint/2010/main" xmlns:p15="http://schemas.microsoft.com/office/powerpoint/2012/main" autoCompressPictures="0" embedTrueTypeFonts="1" strictFirstAndLastChars="0" saveSubsetFonts="1" showSpecialPlsOnTitleSld="0">
   <p:sldMasterIdLst>
-    <p:sldMasterId id="2147483658" r:id="rId1"/>
+    <p:sldMasterId id="2147483658" r:id="rId3"/>
   </p:sldMasterIdLst>
   <p:notesMasterIdLst>
-    <p:notesMasterId r:id="rId11"/>
+    <p:notesMasterId r:id="rId4"/>
   </p:notesMasterIdLst>
   <p:sldIdLst>
-    <p:sldId id="256" r:id="rId2"/>
-    <p:sldId id="257" r:id="rId3"/>
-    <p:sldId id="258" r:id="rId4"/>
-    <p:sldId id="259" r:id="rId5"/>
-    <p:sldId id="260" r:id="rId6"/>
-    <p:sldId id="261" r:id="rId7"/>
-    <p:sldId id="263" r:id="rId8"/>
-    <p:sldId id="264" r:id="rId9"/>
-    <p:sldId id="265" r:id="rId10"/>
+    <p:sldId id="256" r:id="rId5"/>
+    <p:sldId id="257" r:id="rId6"/>
+    <p:sldId id="258" r:id="rId7"/>
+    <p:sldId id="259" r:id="rId8"/>
+    <p:sldId id="260" r:id="rId9"/>
+    <p:sldId id="261" r:id="rId10"/>
+    <p:sldId id="262" r:id="rId11"/>
+    <p:sldId id="263" r:id="rId12"/>
+    <p:sldId id="264" r:id="rId13"/>
+    <p:sldId id="265" r:id="rId14"/>
   </p:sldIdLst>
-  <p:sldSz cx="9144000" cy="6858000" type="screen4x3"/>
+  <p:sldSz cy="6858000" cx="9144000"/>
   <p:notesSz cx="6858000" cy="9144000"/>
   <p:embeddedFontLst>
     <p:embeddedFont>
-      <p:font typeface="Roboto Slab" pitchFamily="2" charset="0"/>
-      <p:regular r:id="rId12"/>
-      <p:bold r:id="rId13"/>
+      <p:font typeface="Roboto Slab"/>
+      <p:regular r:id="rId15"/>
+      <p:bold r:id="rId16"/>
     </p:embeddedFont>
     <p:embeddedFont>
-      <p:font typeface="Source Sans Pro" charset="0"/>
-      <p:regular r:id="rId14"/>
-      <p:bold r:id="rId15"/>
-      <p:italic r:id="rId16"/>
-      <p:boldItalic r:id="rId17"/>
+      <p:font typeface="Source Sans Pro"/>
+      <p:regular r:id="rId17"/>
+      <p:bold r:id="rId18"/>
+      <p:italic r:id="rId19"/>
+      <p:boldItalic r:id="rId20"/>
     </p:embeddedFont>
   </p:embeddedFontLst>
   <p:defaultTextStyle>
-    <a:defPPr marR="0" lvl="0" algn="l" rtl="0">
+    <a:defPPr lvl="0" marR="0" rtl="0" algn="l">
       <a:lnSpc>
         <a:spcPct val="100000"/>
       </a:lnSpc>
@@ -46,7 +47,7 @@
         <a:spcPts val="0"/>
       </a:spcAft>
     </a:defPPr>
-    <a:lvl1pPr marR="0" lvl="0" algn="l" rtl="0">
+    <a:lvl1pPr lvl="0" marR="0" rtl="0" algn="l">
       <a:lnSpc>
         <a:spcPct val="100000"/>
       </a:lnSpc>
@@ -60,7 +61,7 @@
         <a:srgbClr val="000000"/>
       </a:buClr>
       <a:buFont typeface="Arial"/>
-      <a:defRPr sz="1400" b="0" i="0" u="none" strike="noStrike" cap="none">
+      <a:defRPr b="0" i="0" sz="1400" u="none" cap="none" strike="noStrike">
         <a:solidFill>
           <a:srgbClr val="000000"/>
         </a:solidFill>
@@ -70,7 +71,7 @@
         <a:sym typeface="Arial"/>
       </a:defRPr>
     </a:lvl1pPr>
-    <a:lvl2pPr marR="0" lvl="1" algn="l" rtl="0">
+    <a:lvl2pPr lvl="1" marR="0" rtl="0" algn="l">
       <a:lnSpc>
         <a:spcPct val="100000"/>
       </a:lnSpc>
@@ -84,7 +85,7 @@
         <a:srgbClr val="000000"/>
       </a:buClr>
       <a:buFont typeface="Arial"/>
-      <a:defRPr sz="1400" b="0" i="0" u="none" strike="noStrike" cap="none">
+      <a:defRPr b="0" i="0" sz="1400" u="none" cap="none" strike="noStrike">
         <a:solidFill>
           <a:srgbClr val="000000"/>
         </a:solidFill>
@@ -94,7 +95,7 @@
         <a:sym typeface="Arial"/>
       </a:defRPr>
     </a:lvl2pPr>
-    <a:lvl3pPr marR="0" lvl="2" algn="l" rtl="0">
+    <a:lvl3pPr lvl="2" marR="0" rtl="0" algn="l">
       <a:lnSpc>
         <a:spcPct val="100000"/>
       </a:lnSpc>
@@ -108,7 +109,7 @@
         <a:srgbClr val="000000"/>
       </a:buClr>
       <a:buFont typeface="Arial"/>
-      <a:defRPr sz="1400" b="0" i="0" u="none" strike="noStrike" cap="none">
+      <a:defRPr b="0" i="0" sz="1400" u="none" cap="none" strike="noStrike">
         <a:solidFill>
           <a:srgbClr val="000000"/>
         </a:solidFill>
@@ -118,7 +119,7 @@
         <a:sym typeface="Arial"/>
       </a:defRPr>
     </a:lvl3pPr>
-    <a:lvl4pPr marR="0" lvl="3" algn="l" rtl="0">
+    <a:lvl4pPr lvl="3" marR="0" rtl="0" algn="l">
       <a:lnSpc>
         <a:spcPct val="100000"/>
       </a:lnSpc>
@@ -132,7 +133,7 @@
         <a:srgbClr val="000000"/>
       </a:buClr>
       <a:buFont typeface="Arial"/>
-      <a:defRPr sz="1400" b="0" i="0" u="none" strike="noStrike" cap="none">
+      <a:defRPr b="0" i="0" sz="1400" u="none" cap="none" strike="noStrike">
         <a:solidFill>
           <a:srgbClr val="000000"/>
         </a:solidFill>
@@ -142,7 +143,7 @@
         <a:sym typeface="Arial"/>
       </a:defRPr>
     </a:lvl4pPr>
-    <a:lvl5pPr marR="0" lvl="4" algn="l" rtl="0">
+    <a:lvl5pPr lvl="4" marR="0" rtl="0" algn="l">
       <a:lnSpc>
         <a:spcPct val="100000"/>
       </a:lnSpc>
@@ -156,7 +157,7 @@
         <a:srgbClr val="000000"/>
       </a:buClr>
       <a:buFont typeface="Arial"/>
-      <a:defRPr sz="1400" b="0" i="0" u="none" strike="noStrike" cap="none">
+      <a:defRPr b="0" i="0" sz="1400" u="none" cap="none" strike="noStrike">
         <a:solidFill>
           <a:srgbClr val="000000"/>
         </a:solidFill>
@@ -166,7 +167,7 @@
         <a:sym typeface="Arial"/>
       </a:defRPr>
     </a:lvl5pPr>
-    <a:lvl6pPr marR="0" lvl="5" algn="l" rtl="0">
+    <a:lvl6pPr lvl="5" marR="0" rtl="0" algn="l">
       <a:lnSpc>
         <a:spcPct val="100000"/>
       </a:lnSpc>
@@ -180,7 +181,7 @@
         <a:srgbClr val="000000"/>
       </a:buClr>
       <a:buFont typeface="Arial"/>
-      <a:defRPr sz="1400" b="0" i="0" u="none" strike="noStrike" cap="none">
+      <a:defRPr b="0" i="0" sz="1400" u="none" cap="none" strike="noStrike">
         <a:solidFill>
           <a:srgbClr val="000000"/>
         </a:solidFill>
@@ -190,7 +191,7 @@
         <a:sym typeface="Arial"/>
       </a:defRPr>
     </a:lvl6pPr>
-    <a:lvl7pPr marR="0" lvl="6" algn="l" rtl="0">
+    <a:lvl7pPr lvl="6" marR="0" rtl="0" algn="l">
       <a:lnSpc>
         <a:spcPct val="100000"/>
       </a:lnSpc>
@@ -204,7 +205,7 @@
         <a:srgbClr val="000000"/>
       </a:buClr>
       <a:buFont typeface="Arial"/>
-      <a:defRPr sz="1400" b="0" i="0" u="none" strike="noStrike" cap="none">
+      <a:defRPr b="0" i="0" sz="1400" u="none" cap="none" strike="noStrike">
         <a:solidFill>
           <a:srgbClr val="000000"/>
         </a:solidFill>
@@ -214,7 +215,7 @@
         <a:sym typeface="Arial"/>
       </a:defRPr>
     </a:lvl7pPr>
-    <a:lvl8pPr marR="0" lvl="7" algn="l" rtl="0">
+    <a:lvl8pPr lvl="7" marR="0" rtl="0" algn="l">
       <a:lnSpc>
         <a:spcPct val="100000"/>
       </a:lnSpc>
@@ -228,7 +229,7 @@
         <a:srgbClr val="000000"/>
       </a:buClr>
       <a:buFont typeface="Arial"/>
-      <a:defRPr sz="1400" b="0" i="0" u="none" strike="noStrike" cap="none">
+      <a:defRPr b="0" i="0" sz="1400" u="none" cap="none" strike="noStrike">
         <a:solidFill>
           <a:srgbClr val="000000"/>
         </a:solidFill>
@@ -238,7 +239,7 @@
         <a:sym typeface="Arial"/>
       </a:defRPr>
     </a:lvl8pPr>
-    <a:lvl9pPr marR="0" lvl="8" algn="l" rtl="0">
+    <a:lvl9pPr lvl="8" marR="0" rtl="0" algn="l">
       <a:lnSpc>
         <a:spcPct val="100000"/>
       </a:lnSpc>
@@ -252,7 +253,7 @@
         <a:srgbClr val="000000"/>
       </a:buClr>
       <a:buFont typeface="Arial"/>
-      <a:defRPr sz="1400" b="0" i="0" u="none" strike="noStrike" cap="none">
+      <a:defRPr b="0" i="0" sz="1400" u="none" cap="none" strike="noStrike">
         <a:solidFill>
           <a:srgbClr val="000000"/>
         </a:solidFill>
@@ -267,16 +268,11 @@
 </file>
 
 <file path=ppt/notesMasters/notesMaster1.xml><?xml version="1.0" encoding="utf-8"?>
-<p:notesMaster xmlns:a="http://schemas.openxmlformats.org/drawingml/2006/main" xmlns:r="http://schemas.openxmlformats.org/officeDocument/2006/relationships" xmlns:p="http://schemas.openxmlformats.org/presentationml/2006/main">
+<p:notesMaster xmlns:a="http://schemas.openxmlformats.org/drawingml/2006/main" xmlns:r="http://schemas.openxmlformats.org/officeDocument/2006/relationships" xmlns:mc="http://schemas.openxmlformats.org/markup-compatibility/2006" xmlns:mv="urn:schemas-microsoft-com:mac:vml" xmlns:p="http://schemas.openxmlformats.org/presentationml/2006/main" xmlns:c="http://schemas.openxmlformats.org/drawingml/2006/chart" xmlns:dgm="http://schemas.openxmlformats.org/drawingml/2006/diagram" xmlns:o="urn:schemas-microsoft-com:office:office" xmlns:v="urn:schemas-microsoft-com:vml" xmlns:pvml="urn:schemas-microsoft-com:office:powerpoint" xmlns:com="http://schemas.openxmlformats.org/drawingml/2006/compatibility" xmlns:p14="http://schemas.microsoft.com/office/powerpoint/2010/main" xmlns:p15="http://schemas.microsoft.com/office/powerpoint/2012/main">
   <p:cSld>
-    <p:bg>
-      <p:bgRef idx="1001">
-        <a:schemeClr val="bg1"/>
-      </p:bgRef>
-    </p:bg>
     <p:spTree>
       <p:nvGrpSpPr>
-        <p:cNvPr id="1" name="Shape 2"/>
+        <p:cNvPr id="2" name="Shape 2"/>
         <p:cNvGrpSpPr/>
         <p:nvPr/>
       </p:nvGrpSpPr>
@@ -291,11 +287,9 @@
       <p:sp>
         <p:nvSpPr>
           <p:cNvPr id="3" name="Shape 3"/>
-          <p:cNvSpPr>
-            <a:spLocks noGrp="1" noRot="1" noChangeAspect="1"/>
-          </p:cNvSpPr>
+          <p:cNvSpPr/>
           <p:nvPr>
-            <p:ph type="sldImg" idx="2"/>
+            <p:ph idx="2" type="sldImg"/>
           </p:nvPr>
         </p:nvSpPr>
         <p:spPr>
@@ -304,13 +298,8 @@
             <a:ext cx="4572300" cy="3429000"/>
           </a:xfrm>
           <a:custGeom>
-            <a:avLst/>
-            <a:gdLst/>
-            <a:ahLst/>
-            <a:cxnLst/>
-            <a:rect l="0" t="0" r="0" b="0"/>
             <a:pathLst>
-              <a:path w="120000" h="120000" extrusionOk="0">
+              <a:path extrusionOk="0" h="120000" w="120000">
                 <a:moveTo>
                   <a:pt x="0" y="0"/>
                 </a:moveTo>
@@ -328,25 +317,23 @@
             </a:pathLst>
           </a:custGeom>
           <a:noFill/>
-          <a:ln w="9525" cap="flat" cmpd="sng">
+          <a:ln cap="flat" cmpd="sng" w="9525">
             <a:solidFill>
               <a:srgbClr val="000000"/>
             </a:solidFill>
             <a:prstDash val="solid"/>
             <a:round/>
-            <a:headEnd type="none" w="sm" len="sm"/>
-            <a:tailEnd type="none" w="sm" len="sm"/>
+            <a:headEnd len="sm" w="sm" type="none"/>
+            <a:tailEnd len="sm" w="sm" type="none"/>
           </a:ln>
         </p:spPr>
       </p:sp>
       <p:sp>
         <p:nvSpPr>
           <p:cNvPr id="4" name="Shape 4"/>
-          <p:cNvSpPr txBox="1">
-            <a:spLocks noGrp="1"/>
-          </p:cNvSpPr>
+          <p:cNvSpPr txBox="1"/>
           <p:nvPr>
-            <p:ph type="body" idx="1"/>
+            <p:ph idx="1" type="body"/>
           </p:nvPr>
         </p:nvSpPr>
         <p:spPr>
@@ -363,9 +350,9 @@
           </a:ln>
         </p:spPr>
         <p:txBody>
-          <a:bodyPr spcFirstLastPara="1" wrap="square" lIns="91425" tIns="91425" rIns="91425" bIns="91425" anchor="t" anchorCtr="0"/>
+          <a:bodyPr anchorCtr="0" anchor="t" bIns="91425" lIns="91425" spcFirstLastPara="1" rIns="91425" wrap="square" tIns="91425"/>
           <a:lstStyle>
-            <a:lvl1pPr marL="457200" lvl="0" indent="-317500">
+            <a:lvl1pPr indent="-317500" lvl="0" marL="457200">
               <a:spcBef>
                 <a:spcPts val="0"/>
               </a:spcBef>
@@ -376,7 +363,7 @@
               <a:buChar char="●"/>
               <a:defRPr sz="1100"/>
             </a:lvl1pPr>
-            <a:lvl2pPr marL="914400" lvl="1" indent="-317500">
+            <a:lvl2pPr indent="-317500" lvl="1" marL="914400">
               <a:spcBef>
                 <a:spcPts val="0"/>
               </a:spcBef>
@@ -387,7 +374,7 @@
               <a:buChar char="○"/>
               <a:defRPr sz="1100"/>
             </a:lvl2pPr>
-            <a:lvl3pPr marL="1371600" lvl="2" indent="-317500">
+            <a:lvl3pPr indent="-317500" lvl="2" marL="1371600">
               <a:spcBef>
                 <a:spcPts val="0"/>
               </a:spcBef>
@@ -398,7 +385,7 @@
               <a:buChar char="■"/>
               <a:defRPr sz="1100"/>
             </a:lvl3pPr>
-            <a:lvl4pPr marL="1828800" lvl="3" indent="-317500">
+            <a:lvl4pPr indent="-317500" lvl="3" marL="1828800">
               <a:spcBef>
                 <a:spcPts val="0"/>
               </a:spcBef>
@@ -409,7 +396,7 @@
               <a:buChar char="●"/>
               <a:defRPr sz="1100"/>
             </a:lvl4pPr>
-            <a:lvl5pPr marL="2286000" lvl="4" indent="-317500">
+            <a:lvl5pPr indent="-317500" lvl="4" marL="2286000">
               <a:spcBef>
                 <a:spcPts val="0"/>
               </a:spcBef>
@@ -420,7 +407,7 @@
               <a:buChar char="○"/>
               <a:defRPr sz="1100"/>
             </a:lvl5pPr>
-            <a:lvl6pPr marL="2743200" lvl="5" indent="-317500">
+            <a:lvl6pPr indent="-317500" lvl="5" marL="2743200">
               <a:spcBef>
                 <a:spcPts val="0"/>
               </a:spcBef>
@@ -431,7 +418,7 @@
               <a:buChar char="■"/>
               <a:defRPr sz="1100"/>
             </a:lvl6pPr>
-            <a:lvl7pPr marL="3200400" lvl="6" indent="-317500">
+            <a:lvl7pPr indent="-317500" lvl="6" marL="3200400">
               <a:spcBef>
                 <a:spcPts val="0"/>
               </a:spcBef>
@@ -442,7 +429,7 @@
               <a:buChar char="●"/>
               <a:defRPr sz="1100"/>
             </a:lvl7pPr>
-            <a:lvl8pPr marL="3657600" lvl="7" indent="-317500">
+            <a:lvl8pPr indent="-317500" lvl="7" marL="3657600">
               <a:spcBef>
                 <a:spcPts val="0"/>
               </a:spcBef>
@@ -453,7 +440,7 @@
               <a:buChar char="○"/>
               <a:defRPr sz="1100"/>
             </a:lvl8pPr>
-            <a:lvl9pPr marL="4114800" lvl="8" indent="-317500">
+            <a:lvl9pPr indent="-317500" lvl="8" marL="4114800">
               <a:spcBef>
                 <a:spcPts val="0"/>
               </a:spcBef>
@@ -465,16 +452,14 @@
               <a:defRPr sz="1100"/>
             </a:lvl9pPr>
           </a:lstStyle>
-          <a:p>
-            <a:endParaRPr/>
-          </a:p>
+          <a:p/>
         </p:txBody>
       </p:sp>
     </p:spTree>
   </p:cSld>
-  <p:clrMap bg1="lt1" tx1="dk1" bg2="dk2" tx2="lt2" accent1="accent1" accent2="accent2" accent3="accent3" accent4="accent4" accent5="accent5" accent6="accent6" hlink="hlink" folHlink="folHlink"/>
+  <p:clrMap accent1="accent1" accent2="accent2" accent3="accent3" accent4="accent4" accent5="accent5" accent6="accent6" bg1="lt1" bg2="dk2" tx1="dk1" tx2="lt2" folHlink="folHlink" hlink="hlink"/>
   <p:notesStyle>
-    <a:defPPr marR="0" lvl="0" algn="l" rtl="0">
+    <a:defPPr lvl="0" marR="0" rtl="0" algn="l">
       <a:lnSpc>
         <a:spcPct val="100000"/>
       </a:lnSpc>
@@ -485,7 +470,7 @@
         <a:spcPts val="0"/>
       </a:spcAft>
     </a:defPPr>
-    <a:lvl1pPr marR="0" lvl="0" algn="l" rtl="0">
+    <a:lvl1pPr lvl="0" marR="0" rtl="0" algn="l">
       <a:lnSpc>
         <a:spcPct val="100000"/>
       </a:lnSpc>
@@ -499,7 +484,7 @@
         <a:srgbClr val="000000"/>
       </a:buClr>
       <a:buFont typeface="Arial"/>
-      <a:defRPr sz="1400" b="0" i="0" u="none" strike="noStrike" cap="none">
+      <a:defRPr b="0" i="0" sz="1400" u="none" cap="none" strike="noStrike">
         <a:solidFill>
           <a:srgbClr val="000000"/>
         </a:solidFill>
@@ -509,7 +494,7 @@
         <a:sym typeface="Arial"/>
       </a:defRPr>
     </a:lvl1pPr>
-    <a:lvl2pPr marR="0" lvl="1" algn="l" rtl="0">
+    <a:lvl2pPr lvl="1" marR="0" rtl="0" algn="l">
       <a:lnSpc>
         <a:spcPct val="100000"/>
       </a:lnSpc>
@@ -523,7 +508,7 @@
         <a:srgbClr val="000000"/>
       </a:buClr>
       <a:buFont typeface="Arial"/>
-      <a:defRPr sz="1400" b="0" i="0" u="none" strike="noStrike" cap="none">
+      <a:defRPr b="0" i="0" sz="1400" u="none" cap="none" strike="noStrike">
         <a:solidFill>
           <a:srgbClr val="000000"/>
         </a:solidFill>
@@ -533,7 +518,7 @@
         <a:sym typeface="Arial"/>
       </a:defRPr>
     </a:lvl2pPr>
-    <a:lvl3pPr marR="0" lvl="2" algn="l" rtl="0">
+    <a:lvl3pPr lvl="2" marR="0" rtl="0" algn="l">
       <a:lnSpc>
         <a:spcPct val="100000"/>
       </a:lnSpc>
@@ -547,7 +532,7 @@
         <a:srgbClr val="000000"/>
       </a:buClr>
       <a:buFont typeface="Arial"/>
-      <a:defRPr sz="1400" b="0" i="0" u="none" strike="noStrike" cap="none">
+      <a:defRPr b="0" i="0" sz="1400" u="none" cap="none" strike="noStrike">
         <a:solidFill>
           <a:srgbClr val="000000"/>
         </a:solidFill>
@@ -557,7 +542,7 @@
         <a:sym typeface="Arial"/>
       </a:defRPr>
     </a:lvl3pPr>
-    <a:lvl4pPr marR="0" lvl="3" algn="l" rtl="0">
+    <a:lvl4pPr lvl="3" marR="0" rtl="0" algn="l">
       <a:lnSpc>
         <a:spcPct val="100000"/>
       </a:lnSpc>
@@ -571,7 +556,7 @@
         <a:srgbClr val="000000"/>
       </a:buClr>
       <a:buFont typeface="Arial"/>
-      <a:defRPr sz="1400" b="0" i="0" u="none" strike="noStrike" cap="none">
+      <a:defRPr b="0" i="0" sz="1400" u="none" cap="none" strike="noStrike">
         <a:solidFill>
           <a:srgbClr val="000000"/>
         </a:solidFill>
@@ -581,7 +566,7 @@
         <a:sym typeface="Arial"/>
       </a:defRPr>
     </a:lvl4pPr>
-    <a:lvl5pPr marR="0" lvl="4" algn="l" rtl="0">
+    <a:lvl5pPr lvl="4" marR="0" rtl="0" algn="l">
       <a:lnSpc>
         <a:spcPct val="100000"/>
       </a:lnSpc>
@@ -595,7 +580,7 @@
         <a:srgbClr val="000000"/>
       </a:buClr>
       <a:buFont typeface="Arial"/>
-      <a:defRPr sz="1400" b="0" i="0" u="none" strike="noStrike" cap="none">
+      <a:defRPr b="0" i="0" sz="1400" u="none" cap="none" strike="noStrike">
         <a:solidFill>
           <a:srgbClr val="000000"/>
         </a:solidFill>
@@ -605,7 +590,7 @@
         <a:sym typeface="Arial"/>
       </a:defRPr>
     </a:lvl5pPr>
-    <a:lvl6pPr marR="0" lvl="5" algn="l" rtl="0">
+    <a:lvl6pPr lvl="5" marR="0" rtl="0" algn="l">
       <a:lnSpc>
         <a:spcPct val="100000"/>
       </a:lnSpc>
@@ -619,7 +604,7 @@
         <a:srgbClr val="000000"/>
       </a:buClr>
       <a:buFont typeface="Arial"/>
-      <a:defRPr sz="1400" b="0" i="0" u="none" strike="noStrike" cap="none">
+      <a:defRPr b="0" i="0" sz="1400" u="none" cap="none" strike="noStrike">
         <a:solidFill>
           <a:srgbClr val="000000"/>
         </a:solidFill>
@@ -629,7 +614,7 @@
         <a:sym typeface="Arial"/>
       </a:defRPr>
     </a:lvl6pPr>
-    <a:lvl7pPr marR="0" lvl="6" algn="l" rtl="0">
+    <a:lvl7pPr lvl="6" marR="0" rtl="0" algn="l">
       <a:lnSpc>
         <a:spcPct val="100000"/>
       </a:lnSpc>
@@ -643,7 +628,7 @@
         <a:srgbClr val="000000"/>
       </a:buClr>
       <a:buFont typeface="Arial"/>
-      <a:defRPr sz="1400" b="0" i="0" u="none" strike="noStrike" cap="none">
+      <a:defRPr b="0" i="0" sz="1400" u="none" cap="none" strike="noStrike">
         <a:solidFill>
           <a:srgbClr val="000000"/>
         </a:solidFill>
@@ -653,7 +638,7 @@
         <a:sym typeface="Arial"/>
       </a:defRPr>
     </a:lvl7pPr>
-    <a:lvl8pPr marR="0" lvl="7" algn="l" rtl="0">
+    <a:lvl8pPr lvl="7" marR="0" rtl="0" algn="l">
       <a:lnSpc>
         <a:spcPct val="100000"/>
       </a:lnSpc>
@@ -667,7 +652,7 @@
         <a:srgbClr val="000000"/>
       </a:buClr>
       <a:buFont typeface="Arial"/>
-      <a:defRPr sz="1400" b="0" i="0" u="none" strike="noStrike" cap="none">
+      <a:defRPr b="0" i="0" sz="1400" u="none" cap="none" strike="noStrike">
         <a:solidFill>
           <a:srgbClr val="000000"/>
         </a:solidFill>
@@ -677,7 +662,7 @@
         <a:sym typeface="Arial"/>
       </a:defRPr>
     </a:lvl8pPr>
-    <a:lvl9pPr marR="0" lvl="8" algn="l" rtl="0">
+    <a:lvl9pPr lvl="8" marR="0" rtl="0" algn="l">
       <a:lnSpc>
         <a:spcPct val="100000"/>
       </a:lnSpc>
@@ -691,7 +676,7 @@
         <a:srgbClr val="000000"/>
       </a:buClr>
       <a:buFont typeface="Arial"/>
-      <a:defRPr sz="1400" b="0" i="0" u="none" strike="noStrike" cap="none">
+      <a:defRPr b="0" i="0" sz="1400" u="none" cap="none" strike="noStrike">
         <a:solidFill>
           <a:srgbClr val="000000"/>
         </a:solidFill>
@@ -706,11 +691,11 @@
 </file>
 
 <file path=ppt/notesSlides/notesSlide1.xml><?xml version="1.0" encoding="utf-8"?>
-<p:notes xmlns:a="http://schemas.openxmlformats.org/drawingml/2006/main" xmlns:r="http://schemas.openxmlformats.org/officeDocument/2006/relationships" xmlns:p="http://schemas.openxmlformats.org/presentationml/2006/main" showMasterSp="0" showMasterPhAnim="0">
+<p:notes xmlns:a="http://schemas.openxmlformats.org/drawingml/2006/main" xmlns:r="http://schemas.openxmlformats.org/officeDocument/2006/relationships" xmlns:mc="http://schemas.openxmlformats.org/markup-compatibility/2006" xmlns:mv="urn:schemas-microsoft-com:mac:vml" xmlns:p="http://schemas.openxmlformats.org/presentationml/2006/main" xmlns:c="http://schemas.openxmlformats.org/drawingml/2006/chart" xmlns:dgm="http://schemas.openxmlformats.org/drawingml/2006/diagram" xmlns:o="urn:schemas-microsoft-com:office:office" xmlns:v="urn:schemas-microsoft-com:vml" xmlns:pvml="urn:schemas-microsoft-com:office:powerpoint" xmlns:com="http://schemas.openxmlformats.org/drawingml/2006/compatibility" xmlns:p14="http://schemas.microsoft.com/office/powerpoint/2010/main" xmlns:p15="http://schemas.microsoft.com/office/powerpoint/2012/main" showMasterPhAnim="0" showMasterSp="0">
   <p:cSld>
     <p:spTree>
       <p:nvGrpSpPr>
-        <p:cNvPr id="1" name="Shape 66"/>
+        <p:cNvPr id="66" name="Shape 66"/>
         <p:cNvGrpSpPr/>
         <p:nvPr/>
       </p:nvGrpSpPr>
@@ -725,11 +710,9 @@
       <p:sp>
         <p:nvSpPr>
           <p:cNvPr id="67" name="Shape 67"/>
-          <p:cNvSpPr>
-            <a:spLocks noGrp="1" noRot="1" noChangeAspect="1"/>
-          </p:cNvSpPr>
+          <p:cNvSpPr/>
           <p:nvPr>
-            <p:ph type="sldImg" idx="2"/>
+            <p:ph idx="2" type="sldImg"/>
           </p:nvPr>
         </p:nvSpPr>
         <p:spPr>
@@ -738,13 +721,8 @@
             <a:ext cx="4572300" cy="3429000"/>
           </a:xfrm>
           <a:custGeom>
-            <a:avLst/>
-            <a:gdLst/>
-            <a:ahLst/>
-            <a:cxnLst/>
-            <a:rect l="0" t="0" r="0" b="0"/>
             <a:pathLst>
-              <a:path w="120000" h="120000" extrusionOk="0">
+              <a:path extrusionOk="0" h="120000" w="120000">
                 <a:moveTo>
                   <a:pt x="0" y="0"/>
                 </a:moveTo>
@@ -766,11 +744,9 @@
       <p:sp>
         <p:nvSpPr>
           <p:cNvPr id="68" name="Shape 68"/>
-          <p:cNvSpPr txBox="1">
-            <a:spLocks noGrp="1"/>
-          </p:cNvSpPr>
+          <p:cNvSpPr txBox="1"/>
           <p:nvPr>
-            <p:ph type="body" idx="1"/>
+            <p:ph idx="1" type="body"/>
           </p:nvPr>
         </p:nvSpPr>
         <p:spPr>
@@ -783,12 +759,12 @@
           </a:prstGeom>
         </p:spPr>
         <p:txBody>
-          <a:bodyPr spcFirstLastPara="1" wrap="square" lIns="91425" tIns="91425" rIns="91425" bIns="91425" anchor="t" anchorCtr="0">
+          <a:bodyPr anchorCtr="0" anchor="t" bIns="91425" lIns="91425" spcFirstLastPara="1" rIns="91425" wrap="square" tIns="91425">
             <a:noAutofit/>
           </a:bodyPr>
           <a:lstStyle/>
           <a:p>
-            <a:pPr marL="0" lvl="0" indent="0">
+            <a:pPr indent="0" lvl="0" marL="0">
               <a:spcBef>
                 <a:spcPts val="0"/>
               </a:spcBef>
@@ -813,12 +789,12 @@
 </p:notes>
 </file>
 
-<file path=ppt/notesSlides/notesSlide2.xml><?xml version="1.0" encoding="utf-8"?>
-<p:notes xmlns:a="http://schemas.openxmlformats.org/drawingml/2006/main" xmlns:r="http://schemas.openxmlformats.org/officeDocument/2006/relationships" xmlns:p="http://schemas.openxmlformats.org/presentationml/2006/main" showMasterSp="0" showMasterPhAnim="0">
+<file path=ppt/notesSlides/notesSlide10.xml><?xml version="1.0" encoding="utf-8"?>
+<p:notes xmlns:a="http://schemas.openxmlformats.org/drawingml/2006/main" xmlns:r="http://schemas.openxmlformats.org/officeDocument/2006/relationships" xmlns:mc="http://schemas.openxmlformats.org/markup-compatibility/2006" xmlns:mv="urn:schemas-microsoft-com:mac:vml" xmlns:p="http://schemas.openxmlformats.org/presentationml/2006/main" xmlns:c="http://schemas.openxmlformats.org/drawingml/2006/chart" xmlns:dgm="http://schemas.openxmlformats.org/drawingml/2006/diagram" xmlns:o="urn:schemas-microsoft-com:office:office" xmlns:v="urn:schemas-microsoft-com:vml" xmlns:pvml="urn:schemas-microsoft-com:office:powerpoint" xmlns:com="http://schemas.openxmlformats.org/drawingml/2006/compatibility" xmlns:p14="http://schemas.microsoft.com/office/powerpoint/2010/main" xmlns:p15="http://schemas.microsoft.com/office/powerpoint/2012/main" showMasterPhAnim="0" showMasterSp="0">
   <p:cSld>
     <p:spTree>
       <p:nvGrpSpPr>
-        <p:cNvPr id="1" name="Shape 73"/>
+        <p:cNvPr id="135" name="Shape 135"/>
         <p:cNvGrpSpPr/>
         <p:nvPr/>
       </p:nvGrpSpPr>
@@ -832,12 +808,10 @@
       </p:grpSpPr>
       <p:sp>
         <p:nvSpPr>
-          <p:cNvPr id="74" name="Shape 74"/>
-          <p:cNvSpPr>
-            <a:spLocks noGrp="1" noRot="1" noChangeAspect="1"/>
-          </p:cNvSpPr>
+          <p:cNvPr id="136" name="Shape 136"/>
+          <p:cNvSpPr/>
           <p:nvPr>
-            <p:ph type="sldImg" idx="2"/>
+            <p:ph idx="2" type="sldImg"/>
           </p:nvPr>
         </p:nvSpPr>
         <p:spPr>
@@ -846,13 +820,8 @@
             <a:ext cx="4572300" cy="3429000"/>
           </a:xfrm>
           <a:custGeom>
-            <a:avLst/>
-            <a:gdLst/>
-            <a:ahLst/>
-            <a:cxnLst/>
-            <a:rect l="0" t="0" r="0" b="0"/>
             <a:pathLst>
-              <a:path w="120000" h="120000" extrusionOk="0">
+              <a:path extrusionOk="0" h="120000" w="120000">
                 <a:moveTo>
                   <a:pt x="0" y="0"/>
                 </a:moveTo>
@@ -873,12 +842,10 @@
       </p:sp>
       <p:sp>
         <p:nvSpPr>
-          <p:cNvPr id="75" name="Shape 75"/>
-          <p:cNvSpPr txBox="1">
-            <a:spLocks noGrp="1"/>
-          </p:cNvSpPr>
+          <p:cNvPr id="137" name="Shape 137"/>
+          <p:cNvSpPr txBox="1"/>
           <p:nvPr>
-            <p:ph type="body" idx="1"/>
+            <p:ph idx="1" type="body"/>
           </p:nvPr>
         </p:nvSpPr>
         <p:spPr>
@@ -891,12 +858,111 @@
           </a:prstGeom>
         </p:spPr>
         <p:txBody>
-          <a:bodyPr spcFirstLastPara="1" wrap="square" lIns="91425" tIns="91425" rIns="91425" bIns="91425" anchor="t" anchorCtr="0">
+          <a:bodyPr anchorCtr="0" anchor="t" bIns="91425" lIns="91425" spcFirstLastPara="1" rIns="91425" wrap="square" tIns="91425">
             <a:noAutofit/>
           </a:bodyPr>
           <a:lstStyle/>
           <a:p>
-            <a:pPr marL="0" lvl="0" indent="0" rtl="0">
+            <a:pPr indent="0" lvl="0" marL="0" rtl="0">
+              <a:spcBef>
+                <a:spcPts val="0"/>
+              </a:spcBef>
+              <a:spcAft>
+                <a:spcPts val="0"/>
+              </a:spcAft>
+              <a:buNone/>
+            </a:pPr>
+            <a:r>
+              <a:rPr lang="en"/>
+              <a:t>Merci !</a:t>
+            </a:r>
+            <a:endParaRPr/>
+          </a:p>
+        </p:txBody>
+      </p:sp>
+    </p:spTree>
+  </p:cSld>
+  <p:clrMapOvr>
+    <a:masterClrMapping/>
+  </p:clrMapOvr>
+</p:notes>
+</file>
+
+<file path=ppt/notesSlides/notesSlide2.xml><?xml version="1.0" encoding="utf-8"?>
+<p:notes xmlns:a="http://schemas.openxmlformats.org/drawingml/2006/main" xmlns:r="http://schemas.openxmlformats.org/officeDocument/2006/relationships" xmlns:mc="http://schemas.openxmlformats.org/markup-compatibility/2006" xmlns:mv="urn:schemas-microsoft-com:mac:vml" xmlns:p="http://schemas.openxmlformats.org/presentationml/2006/main" xmlns:c="http://schemas.openxmlformats.org/drawingml/2006/chart" xmlns:dgm="http://schemas.openxmlformats.org/drawingml/2006/diagram" xmlns:o="urn:schemas-microsoft-com:office:office" xmlns:v="urn:schemas-microsoft-com:vml" xmlns:pvml="urn:schemas-microsoft-com:office:powerpoint" xmlns:com="http://schemas.openxmlformats.org/drawingml/2006/compatibility" xmlns:p14="http://schemas.microsoft.com/office/powerpoint/2010/main" xmlns:p15="http://schemas.microsoft.com/office/powerpoint/2012/main" showMasterPhAnim="0" showMasterSp="0">
+  <p:cSld>
+    <p:spTree>
+      <p:nvGrpSpPr>
+        <p:cNvPr id="73" name="Shape 73"/>
+        <p:cNvGrpSpPr/>
+        <p:nvPr/>
+      </p:nvGrpSpPr>
+      <p:grpSpPr>
+        <a:xfrm>
+          <a:off x="0" y="0"/>
+          <a:ext cx="0" cy="0"/>
+          <a:chOff x="0" y="0"/>
+          <a:chExt cx="0" cy="0"/>
+        </a:xfrm>
+      </p:grpSpPr>
+      <p:sp>
+        <p:nvSpPr>
+          <p:cNvPr id="74" name="Shape 74"/>
+          <p:cNvSpPr/>
+          <p:nvPr>
+            <p:ph idx="2" type="sldImg"/>
+          </p:nvPr>
+        </p:nvSpPr>
+        <p:spPr>
+          <a:xfrm>
+            <a:off x="1143225" y="685800"/>
+            <a:ext cx="4572300" cy="3429000"/>
+          </a:xfrm>
+          <a:custGeom>
+            <a:pathLst>
+              <a:path extrusionOk="0" h="120000" w="120000">
+                <a:moveTo>
+                  <a:pt x="0" y="0"/>
+                </a:moveTo>
+                <a:lnTo>
+                  <a:pt x="120000" y="0"/>
+                </a:lnTo>
+                <a:lnTo>
+                  <a:pt x="120000" y="120000"/>
+                </a:lnTo>
+                <a:lnTo>
+                  <a:pt x="0" y="120000"/>
+                </a:lnTo>
+                <a:close/>
+              </a:path>
+            </a:pathLst>
+          </a:custGeom>
+        </p:spPr>
+      </p:sp>
+      <p:sp>
+        <p:nvSpPr>
+          <p:cNvPr id="75" name="Shape 75"/>
+          <p:cNvSpPr txBox="1"/>
+          <p:nvPr>
+            <p:ph idx="1" type="body"/>
+          </p:nvPr>
+        </p:nvSpPr>
+        <p:spPr>
+          <a:xfrm>
+            <a:off x="685800" y="4343400"/>
+            <a:ext cx="5486400" cy="4114800"/>
+          </a:xfrm>
+          <a:prstGeom prst="rect">
+            <a:avLst/>
+          </a:prstGeom>
+        </p:spPr>
+        <p:txBody>
+          <a:bodyPr anchorCtr="0" anchor="t" bIns="91425" lIns="91425" spcFirstLastPara="1" rIns="91425" wrap="square" tIns="91425">
+            <a:noAutofit/>
+          </a:bodyPr>
+          <a:lstStyle/>
+          <a:p>
+            <a:pPr indent="0" lvl="0" marL="0" rtl="0">
               <a:spcBef>
                 <a:spcPts val="0"/>
               </a:spcBef>
@@ -922,11 +988,11 @@
 </file>
 
 <file path=ppt/notesSlides/notesSlide3.xml><?xml version="1.0" encoding="utf-8"?>
-<p:notes xmlns:a="http://schemas.openxmlformats.org/drawingml/2006/main" xmlns:r="http://schemas.openxmlformats.org/officeDocument/2006/relationships" xmlns:p="http://schemas.openxmlformats.org/presentationml/2006/main" showMasterSp="0" showMasterPhAnim="0">
+<p:notes xmlns:a="http://schemas.openxmlformats.org/drawingml/2006/main" xmlns:r="http://schemas.openxmlformats.org/officeDocument/2006/relationships" xmlns:mc="http://schemas.openxmlformats.org/markup-compatibility/2006" xmlns:mv="urn:schemas-microsoft-com:mac:vml" xmlns:p="http://schemas.openxmlformats.org/presentationml/2006/main" xmlns:c="http://schemas.openxmlformats.org/drawingml/2006/chart" xmlns:dgm="http://schemas.openxmlformats.org/drawingml/2006/diagram" xmlns:o="urn:schemas-microsoft-com:office:office" xmlns:v="urn:schemas-microsoft-com:vml" xmlns:pvml="urn:schemas-microsoft-com:office:powerpoint" xmlns:com="http://schemas.openxmlformats.org/drawingml/2006/compatibility" xmlns:p14="http://schemas.microsoft.com/office/powerpoint/2010/main" xmlns:p15="http://schemas.microsoft.com/office/powerpoint/2012/main" showMasterPhAnim="0" showMasterSp="0">
   <p:cSld>
     <p:spTree>
       <p:nvGrpSpPr>
-        <p:cNvPr id="1" name="Shape 86"/>
+        <p:cNvPr id="86" name="Shape 86"/>
         <p:cNvGrpSpPr/>
         <p:nvPr/>
       </p:nvGrpSpPr>
@@ -941,11 +1007,9 @@
       <p:sp>
         <p:nvSpPr>
           <p:cNvPr id="87" name="Shape 87"/>
-          <p:cNvSpPr>
-            <a:spLocks noGrp="1" noRot="1" noChangeAspect="1"/>
-          </p:cNvSpPr>
+          <p:cNvSpPr/>
           <p:nvPr>
-            <p:ph type="sldImg" idx="2"/>
+            <p:ph idx="2" type="sldImg"/>
           </p:nvPr>
         </p:nvSpPr>
         <p:spPr>
@@ -954,13 +1018,8 @@
             <a:ext cx="4572300" cy="3429000"/>
           </a:xfrm>
           <a:custGeom>
-            <a:avLst/>
-            <a:gdLst/>
-            <a:ahLst/>
-            <a:cxnLst/>
-            <a:rect l="0" t="0" r="0" b="0"/>
             <a:pathLst>
-              <a:path w="120000" h="120000" extrusionOk="0">
+              <a:path extrusionOk="0" h="120000" w="120000">
                 <a:moveTo>
                   <a:pt x="0" y="0"/>
                 </a:moveTo>
@@ -982,11 +1041,9 @@
       <p:sp>
         <p:nvSpPr>
           <p:cNvPr id="88" name="Shape 88"/>
-          <p:cNvSpPr txBox="1">
-            <a:spLocks noGrp="1"/>
-          </p:cNvSpPr>
+          <p:cNvSpPr txBox="1"/>
           <p:nvPr>
-            <p:ph type="body" idx="1"/>
+            <p:ph idx="1" type="body"/>
           </p:nvPr>
         </p:nvSpPr>
         <p:spPr>
@@ -999,12 +1056,12 @@
           </a:prstGeom>
         </p:spPr>
         <p:txBody>
-          <a:bodyPr spcFirstLastPara="1" wrap="square" lIns="91425" tIns="91425" rIns="91425" bIns="91425" anchor="t" anchorCtr="0">
+          <a:bodyPr anchorCtr="0" anchor="t" bIns="91425" lIns="91425" spcFirstLastPara="1" rIns="91425" wrap="square" tIns="91425">
             <a:noAutofit/>
           </a:bodyPr>
           <a:lstStyle/>
           <a:p>
-            <a:pPr marL="0" lvl="0" indent="0">
+            <a:pPr indent="0" lvl="0" marL="0">
               <a:spcBef>
                 <a:spcPts val="0"/>
               </a:spcBef>
@@ -1020,7 +1077,7 @@
             <a:endParaRPr/>
           </a:p>
           <a:p>
-            <a:pPr marL="0" lvl="0" indent="0">
+            <a:pPr indent="0" lvl="0" marL="0">
               <a:spcBef>
                 <a:spcPts val="0"/>
               </a:spcBef>
@@ -1029,10 +1086,13 @@
               </a:spcAft>
               <a:buNone/>
             </a:pPr>
+            <a:r>
+              <a:t/>
+            </a:r>
             <a:endParaRPr/>
           </a:p>
           <a:p>
-            <a:pPr marL="0" lvl="0" indent="0">
+            <a:pPr indent="0" lvl="0" marL="0">
               <a:spcBef>
                 <a:spcPts val="0"/>
               </a:spcBef>
@@ -1048,7 +1108,7 @@
             <a:endParaRPr/>
           </a:p>
           <a:p>
-            <a:pPr marL="0" lvl="0" indent="0">
+            <a:pPr indent="0" lvl="0" marL="0">
               <a:spcBef>
                 <a:spcPts val="0"/>
               </a:spcBef>
@@ -1057,10 +1117,13 @@
               </a:spcAft>
               <a:buNone/>
             </a:pPr>
+            <a:r>
+              <a:t/>
+            </a:r>
             <a:endParaRPr/>
           </a:p>
           <a:p>
-            <a:pPr marL="0" lvl="0" indent="0" rtl="0">
+            <a:pPr indent="0" lvl="0" marL="0" rtl="0">
               <a:spcBef>
                 <a:spcPts val="0"/>
               </a:spcBef>
@@ -1069,6 +1132,9 @@
               </a:spcAft>
               <a:buNone/>
             </a:pPr>
+            <a:r>
+              <a:t/>
+            </a:r>
             <a:endParaRPr/>
           </a:p>
         </p:txBody>
@@ -1082,11 +1148,11 @@
 </file>
 
 <file path=ppt/notesSlides/notesSlide4.xml><?xml version="1.0" encoding="utf-8"?>
-<p:notes xmlns:a="http://schemas.openxmlformats.org/drawingml/2006/main" xmlns:r="http://schemas.openxmlformats.org/officeDocument/2006/relationships" xmlns:p="http://schemas.openxmlformats.org/presentationml/2006/main" showMasterSp="0" showMasterPhAnim="0">
+<p:notes xmlns:a="http://schemas.openxmlformats.org/drawingml/2006/main" xmlns:r="http://schemas.openxmlformats.org/officeDocument/2006/relationships" xmlns:mc="http://schemas.openxmlformats.org/markup-compatibility/2006" xmlns:mv="urn:schemas-microsoft-com:mac:vml" xmlns:p="http://schemas.openxmlformats.org/presentationml/2006/main" xmlns:c="http://schemas.openxmlformats.org/drawingml/2006/chart" xmlns:dgm="http://schemas.openxmlformats.org/drawingml/2006/diagram" xmlns:o="urn:schemas-microsoft-com:office:office" xmlns:v="urn:schemas-microsoft-com:vml" xmlns:pvml="urn:schemas-microsoft-com:office:powerpoint" xmlns:com="http://schemas.openxmlformats.org/drawingml/2006/compatibility" xmlns:p14="http://schemas.microsoft.com/office/powerpoint/2010/main" xmlns:p15="http://schemas.microsoft.com/office/powerpoint/2012/main" showMasterPhAnim="0" showMasterSp="0">
   <p:cSld>
     <p:spTree>
       <p:nvGrpSpPr>
-        <p:cNvPr id="1" name="Shape 93"/>
+        <p:cNvPr id="93" name="Shape 93"/>
         <p:cNvGrpSpPr/>
         <p:nvPr/>
       </p:nvGrpSpPr>
@@ -1101,11 +1167,9 @@
       <p:sp>
         <p:nvSpPr>
           <p:cNvPr id="94" name="Shape 94"/>
-          <p:cNvSpPr>
-            <a:spLocks noGrp="1" noRot="1" noChangeAspect="1"/>
-          </p:cNvSpPr>
+          <p:cNvSpPr/>
           <p:nvPr>
-            <p:ph type="sldImg" idx="2"/>
+            <p:ph idx="2" type="sldImg"/>
           </p:nvPr>
         </p:nvSpPr>
         <p:spPr>
@@ -1114,13 +1178,8 @@
             <a:ext cx="4572300" cy="3429000"/>
           </a:xfrm>
           <a:custGeom>
-            <a:avLst/>
-            <a:gdLst/>
-            <a:ahLst/>
-            <a:cxnLst/>
-            <a:rect l="0" t="0" r="0" b="0"/>
             <a:pathLst>
-              <a:path w="120000" h="120000" extrusionOk="0">
+              <a:path extrusionOk="0" h="120000" w="120000">
                 <a:moveTo>
                   <a:pt x="0" y="0"/>
                 </a:moveTo>
@@ -1142,11 +1201,9 @@
       <p:sp>
         <p:nvSpPr>
           <p:cNvPr id="95" name="Shape 95"/>
-          <p:cNvSpPr txBox="1">
-            <a:spLocks noGrp="1"/>
-          </p:cNvSpPr>
+          <p:cNvSpPr txBox="1"/>
           <p:nvPr>
-            <p:ph type="body" idx="1"/>
+            <p:ph idx="1" type="body"/>
           </p:nvPr>
         </p:nvSpPr>
         <p:spPr>
@@ -1159,12 +1216,12 @@
           </a:prstGeom>
         </p:spPr>
         <p:txBody>
-          <a:bodyPr spcFirstLastPara="1" wrap="square" lIns="91425" tIns="91425" rIns="91425" bIns="91425" anchor="t" anchorCtr="0">
+          <a:bodyPr anchorCtr="0" anchor="t" bIns="91425" lIns="91425" spcFirstLastPara="1" rIns="91425" wrap="square" tIns="91425">
             <a:noAutofit/>
           </a:bodyPr>
           <a:lstStyle/>
           <a:p>
-            <a:pPr marL="0" lvl="0" indent="0">
+            <a:pPr indent="0" lvl="0" marL="0">
               <a:spcBef>
                 <a:spcPts val="0"/>
               </a:spcBef>
@@ -1190,11 +1247,11 @@
 </file>
 
 <file path=ppt/notesSlides/notesSlide5.xml><?xml version="1.0" encoding="utf-8"?>
-<p:notes xmlns:a="http://schemas.openxmlformats.org/drawingml/2006/main" xmlns:r="http://schemas.openxmlformats.org/officeDocument/2006/relationships" xmlns:p="http://schemas.openxmlformats.org/presentationml/2006/main" showMasterSp="0" showMasterPhAnim="0">
+<p:notes xmlns:a="http://schemas.openxmlformats.org/drawingml/2006/main" xmlns:r="http://schemas.openxmlformats.org/officeDocument/2006/relationships" xmlns:mc="http://schemas.openxmlformats.org/markup-compatibility/2006" xmlns:mv="urn:schemas-microsoft-com:mac:vml" xmlns:p="http://schemas.openxmlformats.org/presentationml/2006/main" xmlns:c="http://schemas.openxmlformats.org/drawingml/2006/chart" xmlns:dgm="http://schemas.openxmlformats.org/drawingml/2006/diagram" xmlns:o="urn:schemas-microsoft-com:office:office" xmlns:v="urn:schemas-microsoft-com:vml" xmlns:pvml="urn:schemas-microsoft-com:office:powerpoint" xmlns:com="http://schemas.openxmlformats.org/drawingml/2006/compatibility" xmlns:p14="http://schemas.microsoft.com/office/powerpoint/2010/main" xmlns:p15="http://schemas.microsoft.com/office/powerpoint/2012/main" showMasterPhAnim="0" showMasterSp="0">
   <p:cSld>
     <p:spTree>
       <p:nvGrpSpPr>
-        <p:cNvPr id="1" name="Shape 99"/>
+        <p:cNvPr id="99" name="Shape 99"/>
         <p:cNvGrpSpPr/>
         <p:nvPr/>
       </p:nvGrpSpPr>
@@ -1209,11 +1266,9 @@
       <p:sp>
         <p:nvSpPr>
           <p:cNvPr id="100" name="Shape 100"/>
-          <p:cNvSpPr>
-            <a:spLocks noGrp="1" noRot="1" noChangeAspect="1"/>
-          </p:cNvSpPr>
+          <p:cNvSpPr/>
           <p:nvPr>
-            <p:ph type="sldImg" idx="2"/>
+            <p:ph idx="2" type="sldImg"/>
           </p:nvPr>
         </p:nvSpPr>
         <p:spPr>
@@ -1222,13 +1277,8 @@
             <a:ext cx="4572300" cy="3429000"/>
           </a:xfrm>
           <a:custGeom>
-            <a:avLst/>
-            <a:gdLst/>
-            <a:ahLst/>
-            <a:cxnLst/>
-            <a:rect l="0" t="0" r="0" b="0"/>
             <a:pathLst>
-              <a:path w="120000" h="120000" extrusionOk="0">
+              <a:path extrusionOk="0" h="120000" w="120000">
                 <a:moveTo>
                   <a:pt x="0" y="0"/>
                 </a:moveTo>
@@ -1250,11 +1300,9 @@
       <p:sp>
         <p:nvSpPr>
           <p:cNvPr id="101" name="Shape 101"/>
-          <p:cNvSpPr txBox="1">
-            <a:spLocks noGrp="1"/>
-          </p:cNvSpPr>
+          <p:cNvSpPr txBox="1"/>
           <p:nvPr>
-            <p:ph type="body" idx="1"/>
+            <p:ph idx="1" type="body"/>
           </p:nvPr>
         </p:nvSpPr>
         <p:spPr>
@@ -1267,12 +1315,12 @@
           </a:prstGeom>
         </p:spPr>
         <p:txBody>
-          <a:bodyPr spcFirstLastPara="1" wrap="square" lIns="91425" tIns="91425" rIns="91425" bIns="91425" anchor="t" anchorCtr="0">
+          <a:bodyPr anchorCtr="0" anchor="t" bIns="91425" lIns="91425" spcFirstLastPara="1" rIns="91425" wrap="square" tIns="91425">
             <a:noAutofit/>
           </a:bodyPr>
           <a:lstStyle/>
           <a:p>
-            <a:pPr marL="0" lvl="0" indent="0">
+            <a:pPr indent="0" lvl="0" marL="0">
               <a:spcBef>
                 <a:spcPts val="0"/>
               </a:spcBef>
@@ -1295,7 +1343,7 @@
             <a:endParaRPr/>
           </a:p>
           <a:p>
-            <a:pPr marL="0" lvl="0" indent="0">
+            <a:pPr indent="0" lvl="0" marL="0">
               <a:spcBef>
                 <a:spcPts val="0"/>
               </a:spcBef>
@@ -1304,10 +1352,13 @@
               </a:spcAft>
               <a:buNone/>
             </a:pPr>
+            <a:r>
+              <a:t/>
+            </a:r>
             <a:endParaRPr/>
           </a:p>
           <a:p>
-            <a:pPr marL="0" lvl="0" indent="0" rtl="0">
+            <a:pPr indent="0" lvl="0" marL="0" rtl="0">
               <a:spcBef>
                 <a:spcPts val="0"/>
               </a:spcBef>
@@ -1333,11 +1384,11 @@
 </file>
 
 <file path=ppt/notesSlides/notesSlide6.xml><?xml version="1.0" encoding="utf-8"?>
-<p:notes xmlns:a="http://schemas.openxmlformats.org/drawingml/2006/main" xmlns:r="http://schemas.openxmlformats.org/officeDocument/2006/relationships" xmlns:p="http://schemas.openxmlformats.org/presentationml/2006/main" showMasterSp="0" showMasterPhAnim="0">
+<p:notes xmlns:a="http://schemas.openxmlformats.org/drawingml/2006/main" xmlns:r="http://schemas.openxmlformats.org/officeDocument/2006/relationships" xmlns:mc="http://schemas.openxmlformats.org/markup-compatibility/2006" xmlns:mv="urn:schemas-microsoft-com:mac:vml" xmlns:p="http://schemas.openxmlformats.org/presentationml/2006/main" xmlns:c="http://schemas.openxmlformats.org/drawingml/2006/chart" xmlns:dgm="http://schemas.openxmlformats.org/drawingml/2006/diagram" xmlns:o="urn:schemas-microsoft-com:office:office" xmlns:v="urn:schemas-microsoft-com:vml" xmlns:pvml="urn:schemas-microsoft-com:office:powerpoint" xmlns:com="http://schemas.openxmlformats.org/drawingml/2006/compatibility" xmlns:p14="http://schemas.microsoft.com/office/powerpoint/2010/main" xmlns:p15="http://schemas.microsoft.com/office/powerpoint/2012/main" showMasterPhAnim="0" showMasterSp="0">
   <p:cSld>
     <p:spTree>
       <p:nvGrpSpPr>
-        <p:cNvPr id="1" name="Shape 107"/>
+        <p:cNvPr id="107" name="Shape 107"/>
         <p:cNvGrpSpPr/>
         <p:nvPr/>
       </p:nvGrpSpPr>
@@ -1352,11 +1403,9 @@
       <p:sp>
         <p:nvSpPr>
           <p:cNvPr id="108" name="Shape 108"/>
-          <p:cNvSpPr>
-            <a:spLocks noGrp="1" noRot="1" noChangeAspect="1"/>
-          </p:cNvSpPr>
+          <p:cNvSpPr/>
           <p:nvPr>
-            <p:ph type="sldImg" idx="2"/>
+            <p:ph idx="2" type="sldImg"/>
           </p:nvPr>
         </p:nvSpPr>
         <p:spPr>
@@ -1365,13 +1414,8 @@
             <a:ext cx="4572300" cy="3429000"/>
           </a:xfrm>
           <a:custGeom>
-            <a:avLst/>
-            <a:gdLst/>
-            <a:ahLst/>
-            <a:cxnLst/>
-            <a:rect l="0" t="0" r="0" b="0"/>
             <a:pathLst>
-              <a:path w="120000" h="120000" extrusionOk="0">
+              <a:path extrusionOk="0" h="120000" w="120000">
                 <a:moveTo>
                   <a:pt x="0" y="0"/>
                 </a:moveTo>
@@ -1393,11 +1437,9 @@
       <p:sp>
         <p:nvSpPr>
           <p:cNvPr id="109" name="Shape 109"/>
-          <p:cNvSpPr txBox="1">
-            <a:spLocks noGrp="1"/>
-          </p:cNvSpPr>
+          <p:cNvSpPr txBox="1"/>
           <p:nvPr>
-            <p:ph type="body" idx="1"/>
+            <p:ph idx="1" type="body"/>
           </p:nvPr>
         </p:nvSpPr>
         <p:spPr>
@@ -1410,12 +1452,12 @@
           </a:prstGeom>
         </p:spPr>
         <p:txBody>
-          <a:bodyPr spcFirstLastPara="1" wrap="square" lIns="91425" tIns="91425" rIns="91425" bIns="91425" anchor="t" anchorCtr="0">
+          <a:bodyPr anchorCtr="0" anchor="t" bIns="91425" lIns="91425" spcFirstLastPara="1" rIns="91425" wrap="square" tIns="91425">
             <a:noAutofit/>
           </a:bodyPr>
           <a:lstStyle/>
           <a:p>
-            <a:pPr marL="0" lvl="0" indent="0" rtl="0">
+            <a:pPr indent="0" lvl="0" marL="0" rtl="0">
               <a:spcBef>
                 <a:spcPts val="0"/>
               </a:spcBef>
@@ -1441,11 +1483,11 @@
 </file>
 
 <file path=ppt/notesSlides/notesSlide7.xml><?xml version="1.0" encoding="utf-8"?>
-<p:notes xmlns:a="http://schemas.openxmlformats.org/drawingml/2006/main" xmlns:r="http://schemas.openxmlformats.org/officeDocument/2006/relationships" xmlns:p="http://schemas.openxmlformats.org/presentationml/2006/main" showMasterSp="0" showMasterPhAnim="0">
+<p:notes xmlns:a="http://schemas.openxmlformats.org/drawingml/2006/main" xmlns:r="http://schemas.openxmlformats.org/officeDocument/2006/relationships" xmlns:mc="http://schemas.openxmlformats.org/markup-compatibility/2006" xmlns:mv="urn:schemas-microsoft-com:mac:vml" xmlns:p="http://schemas.openxmlformats.org/presentationml/2006/main" xmlns:c="http://schemas.openxmlformats.org/drawingml/2006/chart" xmlns:dgm="http://schemas.openxmlformats.org/drawingml/2006/diagram" xmlns:o="urn:schemas-microsoft-com:office:office" xmlns:v="urn:schemas-microsoft-com:vml" xmlns:pvml="urn:schemas-microsoft-com:office:powerpoint" xmlns:com="http://schemas.openxmlformats.org/drawingml/2006/compatibility" xmlns:p14="http://schemas.microsoft.com/office/powerpoint/2010/main" xmlns:p15="http://schemas.microsoft.com/office/powerpoint/2012/main" showMasterPhAnim="0" showMasterSp="0">
   <p:cSld>
     <p:spTree>
       <p:nvGrpSpPr>
-        <p:cNvPr id="1" name="Shape 121"/>
+        <p:cNvPr id="114" name="Shape 114"/>
         <p:cNvGrpSpPr/>
         <p:nvPr/>
       </p:nvGrpSpPr>
@@ -1459,27 +1501,20 @@
       </p:grpSpPr>
       <p:sp>
         <p:nvSpPr>
-          <p:cNvPr id="122" name="Shape 122"/>
-          <p:cNvSpPr>
-            <a:spLocks noGrp="1" noRot="1" noChangeAspect="1"/>
-          </p:cNvSpPr>
+          <p:cNvPr id="115" name="Shape 115"/>
+          <p:cNvSpPr/>
           <p:nvPr>
-            <p:ph type="sldImg" idx="2"/>
+            <p:ph idx="2" type="sldImg"/>
           </p:nvPr>
         </p:nvSpPr>
         <p:spPr>
           <a:xfrm>
-            <a:off x="1143000" y="685800"/>
-            <a:ext cx="4572000" cy="3429000"/>
+            <a:off x="1143225" y="685800"/>
+            <a:ext cx="4572300" cy="3429000"/>
           </a:xfrm>
           <a:custGeom>
-            <a:avLst/>
-            <a:gdLst/>
-            <a:ahLst/>
-            <a:cxnLst/>
-            <a:rect l="0" t="0" r="0" b="0"/>
             <a:pathLst>
-              <a:path w="120000" h="120000" extrusionOk="0">
+              <a:path extrusionOk="0" h="120000" w="120000">
                 <a:moveTo>
                   <a:pt x="0" y="0"/>
                 </a:moveTo>
@@ -1500,12 +1535,10 @@
       </p:sp>
       <p:sp>
         <p:nvSpPr>
-          <p:cNvPr id="123" name="Shape 123"/>
-          <p:cNvSpPr txBox="1">
-            <a:spLocks noGrp="1"/>
-          </p:cNvSpPr>
+          <p:cNvPr id="116" name="Shape 116"/>
+          <p:cNvSpPr txBox="1"/>
           <p:nvPr>
-            <p:ph type="body" idx="1"/>
+            <p:ph idx="1" type="body"/>
           </p:nvPr>
         </p:nvSpPr>
         <p:spPr>
@@ -1518,12 +1551,142 @@
           </a:prstGeom>
         </p:spPr>
         <p:txBody>
-          <a:bodyPr spcFirstLastPara="1" wrap="square" lIns="91425" tIns="91425" rIns="91425" bIns="91425" anchor="t" anchorCtr="0">
+          <a:bodyPr anchorCtr="0" anchor="t" bIns="91425" lIns="91425" spcFirstLastPara="1" rIns="91425" wrap="square" tIns="91425">
             <a:noAutofit/>
           </a:bodyPr>
           <a:lstStyle/>
           <a:p>
-            <a:pPr marL="0" lvl="0" indent="0" rtl="0">
+            <a:pPr indent="0" lvl="0" marL="0">
+              <a:spcBef>
+                <a:spcPts val="0"/>
+              </a:spcBef>
+              <a:spcAft>
+                <a:spcPts val="0"/>
+              </a:spcAft>
+              <a:buNone/>
+            </a:pPr>
+            <a:r>
+              <a:rPr lang="en"/>
+              <a:t>On a rencontré deux problèmes en utilisant l’API de matchmore: dans nos tests, on a réussi à trouver une publication à Berne avec une souscription faite à Yverdon, alors que la publication avait un range de 0m et la souscription 3km.</a:t>
+            </a:r>
+            <a:endParaRPr/>
+          </a:p>
+          <a:p>
+            <a:pPr indent="0" lvl="0" marL="0">
+              <a:spcBef>
+                <a:spcPts val="0"/>
+              </a:spcBef>
+              <a:spcAft>
+                <a:spcPts val="0"/>
+              </a:spcAft>
+              <a:buNone/>
+            </a:pPr>
+            <a:r>
+              <a:t/>
+            </a:r>
+            <a:endParaRPr/>
+          </a:p>
+          <a:p>
+            <a:pPr indent="0" lvl="0" marL="0" rtl="0">
+              <a:spcBef>
+                <a:spcPts val="0"/>
+              </a:spcBef>
+              <a:spcAft>
+                <a:spcPts val="0"/>
+              </a:spcAft>
+              <a:buNone/>
+            </a:pPr>
+            <a:r>
+              <a:rPr lang="en"/>
+              <a:t>Aussi, la fonction startUpdatingLocation ne change pas automatiquement la localisation des publications ou souscriptions.</a:t>
+            </a:r>
+            <a:endParaRPr/>
+          </a:p>
+        </p:txBody>
+      </p:sp>
+    </p:spTree>
+  </p:cSld>
+  <p:clrMapOvr>
+    <a:masterClrMapping/>
+  </p:clrMapOvr>
+</p:notes>
+</file>
+
+<file path=ppt/notesSlides/notesSlide8.xml><?xml version="1.0" encoding="utf-8"?>
+<p:notes xmlns:a="http://schemas.openxmlformats.org/drawingml/2006/main" xmlns:r="http://schemas.openxmlformats.org/officeDocument/2006/relationships" xmlns:mc="http://schemas.openxmlformats.org/markup-compatibility/2006" xmlns:mv="urn:schemas-microsoft-com:mac:vml" xmlns:p="http://schemas.openxmlformats.org/presentationml/2006/main" xmlns:c="http://schemas.openxmlformats.org/drawingml/2006/chart" xmlns:dgm="http://schemas.openxmlformats.org/drawingml/2006/diagram" xmlns:o="urn:schemas-microsoft-com:office:office" xmlns:v="urn:schemas-microsoft-com:vml" xmlns:pvml="urn:schemas-microsoft-com:office:powerpoint" xmlns:com="http://schemas.openxmlformats.org/drawingml/2006/compatibility" xmlns:p14="http://schemas.microsoft.com/office/powerpoint/2010/main" xmlns:p15="http://schemas.microsoft.com/office/powerpoint/2012/main" showMasterPhAnim="0" showMasterSp="0">
+  <p:cSld>
+    <p:spTree>
+      <p:nvGrpSpPr>
+        <p:cNvPr id="121" name="Shape 121"/>
+        <p:cNvGrpSpPr/>
+        <p:nvPr/>
+      </p:nvGrpSpPr>
+      <p:grpSpPr>
+        <a:xfrm>
+          <a:off x="0" y="0"/>
+          <a:ext cx="0" cy="0"/>
+          <a:chOff x="0" y="0"/>
+          <a:chExt cx="0" cy="0"/>
+        </a:xfrm>
+      </p:grpSpPr>
+      <p:sp>
+        <p:nvSpPr>
+          <p:cNvPr id="122" name="Shape 122"/>
+          <p:cNvSpPr/>
+          <p:nvPr>
+            <p:ph idx="2" type="sldImg"/>
+          </p:nvPr>
+        </p:nvSpPr>
+        <p:spPr>
+          <a:xfrm>
+            <a:off x="1143225" y="685800"/>
+            <a:ext cx="4572300" cy="3429000"/>
+          </a:xfrm>
+          <a:custGeom>
+            <a:pathLst>
+              <a:path extrusionOk="0" h="120000" w="120000">
+                <a:moveTo>
+                  <a:pt x="0" y="0"/>
+                </a:moveTo>
+                <a:lnTo>
+                  <a:pt x="120000" y="0"/>
+                </a:lnTo>
+                <a:lnTo>
+                  <a:pt x="120000" y="120000"/>
+                </a:lnTo>
+                <a:lnTo>
+                  <a:pt x="0" y="120000"/>
+                </a:lnTo>
+                <a:close/>
+              </a:path>
+            </a:pathLst>
+          </a:custGeom>
+        </p:spPr>
+      </p:sp>
+      <p:sp>
+        <p:nvSpPr>
+          <p:cNvPr id="123" name="Shape 123"/>
+          <p:cNvSpPr txBox="1"/>
+          <p:nvPr>
+            <p:ph idx="1" type="body"/>
+          </p:nvPr>
+        </p:nvSpPr>
+        <p:spPr>
+          <a:xfrm>
+            <a:off x="685800" y="4343400"/>
+            <a:ext cx="5486400" cy="4114800"/>
+          </a:xfrm>
+          <a:prstGeom prst="rect">
+            <a:avLst/>
+          </a:prstGeom>
+        </p:spPr>
+        <p:txBody>
+          <a:bodyPr anchorCtr="0" anchor="t" bIns="91425" lIns="91425" spcFirstLastPara="1" rIns="91425" wrap="square" tIns="91425">
+            <a:noAutofit/>
+          </a:bodyPr>
+          <a:lstStyle/>
+          <a:p>
+            <a:pPr indent="0" lvl="0" marL="0" rtl="0">
               <a:spcBef>
                 <a:spcPts val="0"/>
               </a:spcBef>
@@ -1548,12 +1711,12 @@
 </p:notes>
 </file>
 
-<file path=ppt/notesSlides/notesSlide8.xml><?xml version="1.0" encoding="utf-8"?>
-<p:notes xmlns:a="http://schemas.openxmlformats.org/drawingml/2006/main" xmlns:r="http://schemas.openxmlformats.org/officeDocument/2006/relationships" xmlns:p="http://schemas.openxmlformats.org/presentationml/2006/main" showMasterSp="0" showMasterPhAnim="0">
+<file path=ppt/notesSlides/notesSlide9.xml><?xml version="1.0" encoding="utf-8"?>
+<p:notes xmlns:a="http://schemas.openxmlformats.org/drawingml/2006/main" xmlns:r="http://schemas.openxmlformats.org/officeDocument/2006/relationships" xmlns:mc="http://schemas.openxmlformats.org/markup-compatibility/2006" xmlns:mv="urn:schemas-microsoft-com:mac:vml" xmlns:p="http://schemas.openxmlformats.org/presentationml/2006/main" xmlns:c="http://schemas.openxmlformats.org/drawingml/2006/chart" xmlns:dgm="http://schemas.openxmlformats.org/drawingml/2006/diagram" xmlns:o="urn:schemas-microsoft-com:office:office" xmlns:v="urn:schemas-microsoft-com:vml" xmlns:pvml="urn:schemas-microsoft-com:office:powerpoint" xmlns:com="http://schemas.openxmlformats.org/drawingml/2006/compatibility" xmlns:p14="http://schemas.microsoft.com/office/powerpoint/2010/main" xmlns:p15="http://schemas.microsoft.com/office/powerpoint/2012/main" showMasterPhAnim="0" showMasterSp="0">
   <p:cSld>
     <p:spTree>
       <p:nvGrpSpPr>
-        <p:cNvPr id="1" name="Shape 128"/>
+        <p:cNvPr id="128" name="Shape 128"/>
         <p:cNvGrpSpPr/>
         <p:nvPr/>
       </p:nvGrpSpPr>
@@ -1568,26 +1731,19 @@
       <p:sp>
         <p:nvSpPr>
           <p:cNvPr id="129" name="Shape 129"/>
-          <p:cNvSpPr>
-            <a:spLocks noGrp="1" noRot="1" noChangeAspect="1"/>
-          </p:cNvSpPr>
+          <p:cNvSpPr/>
           <p:nvPr>
-            <p:ph type="sldImg" idx="2"/>
+            <p:ph idx="2" type="sldImg"/>
           </p:nvPr>
         </p:nvSpPr>
         <p:spPr>
           <a:xfrm>
-            <a:off x="1143000" y="685800"/>
-            <a:ext cx="4572000" cy="3429000"/>
+            <a:off x="1143225" y="685800"/>
+            <a:ext cx="4572300" cy="3429000"/>
           </a:xfrm>
           <a:custGeom>
-            <a:avLst/>
-            <a:gdLst/>
-            <a:ahLst/>
-            <a:cxnLst/>
-            <a:rect l="0" t="0" r="0" b="0"/>
             <a:pathLst>
-              <a:path w="120000" h="120000" extrusionOk="0">
+              <a:path extrusionOk="0" h="120000" w="120000">
                 <a:moveTo>
                   <a:pt x="0" y="0"/>
                 </a:moveTo>
@@ -1609,11 +1765,9 @@
       <p:sp>
         <p:nvSpPr>
           <p:cNvPr id="130" name="Shape 130"/>
-          <p:cNvSpPr txBox="1">
-            <a:spLocks noGrp="1"/>
-          </p:cNvSpPr>
+          <p:cNvSpPr txBox="1"/>
           <p:nvPr>
-            <p:ph type="body" idx="1"/>
+            <p:ph idx="1" type="body"/>
           </p:nvPr>
         </p:nvSpPr>
         <p:spPr>
@@ -1626,12 +1780,12 @@
           </a:prstGeom>
         </p:spPr>
         <p:txBody>
-          <a:bodyPr spcFirstLastPara="1" wrap="square" lIns="91425" tIns="91425" rIns="91425" bIns="91425" anchor="t" anchorCtr="0">
+          <a:bodyPr anchorCtr="0" anchor="t" bIns="91425" lIns="91425" spcFirstLastPara="1" rIns="91425" wrap="square" tIns="91425">
             <a:noAutofit/>
           </a:bodyPr>
           <a:lstStyle/>
           <a:p>
-            <a:pPr marL="0" lvl="0" indent="0" rtl="0">
+            <a:pPr indent="0" lvl="0" marL="0" rtl="0">
               <a:spcBef>
                 <a:spcPts val="0"/>
               </a:spcBef>
@@ -1656,116 +1810,8 @@
 </p:notes>
 </file>
 
-<file path=ppt/notesSlides/notesSlide9.xml><?xml version="1.0" encoding="utf-8"?>
-<p:notes xmlns:a="http://schemas.openxmlformats.org/drawingml/2006/main" xmlns:r="http://schemas.openxmlformats.org/officeDocument/2006/relationships" xmlns:p="http://schemas.openxmlformats.org/presentationml/2006/main" showMasterSp="0" showMasterPhAnim="0">
-  <p:cSld>
-    <p:spTree>
-      <p:nvGrpSpPr>
-        <p:cNvPr id="1" name="Shape 135"/>
-        <p:cNvGrpSpPr/>
-        <p:nvPr/>
-      </p:nvGrpSpPr>
-      <p:grpSpPr>
-        <a:xfrm>
-          <a:off x="0" y="0"/>
-          <a:ext cx="0" cy="0"/>
-          <a:chOff x="0" y="0"/>
-          <a:chExt cx="0" cy="0"/>
-        </a:xfrm>
-      </p:grpSpPr>
-      <p:sp>
-        <p:nvSpPr>
-          <p:cNvPr id="136" name="Shape 136"/>
-          <p:cNvSpPr>
-            <a:spLocks noGrp="1" noRot="1" noChangeAspect="1"/>
-          </p:cNvSpPr>
-          <p:nvPr>
-            <p:ph type="sldImg" idx="2"/>
-          </p:nvPr>
-        </p:nvSpPr>
-        <p:spPr>
-          <a:xfrm>
-            <a:off x="1143000" y="685800"/>
-            <a:ext cx="4572000" cy="3429000"/>
-          </a:xfrm>
-          <a:custGeom>
-            <a:avLst/>
-            <a:gdLst/>
-            <a:ahLst/>
-            <a:cxnLst/>
-            <a:rect l="0" t="0" r="0" b="0"/>
-            <a:pathLst>
-              <a:path w="120000" h="120000" extrusionOk="0">
-                <a:moveTo>
-                  <a:pt x="0" y="0"/>
-                </a:moveTo>
-                <a:lnTo>
-                  <a:pt x="120000" y="0"/>
-                </a:lnTo>
-                <a:lnTo>
-                  <a:pt x="120000" y="120000"/>
-                </a:lnTo>
-                <a:lnTo>
-                  <a:pt x="0" y="120000"/>
-                </a:lnTo>
-                <a:close/>
-              </a:path>
-            </a:pathLst>
-          </a:custGeom>
-        </p:spPr>
-      </p:sp>
-      <p:sp>
-        <p:nvSpPr>
-          <p:cNvPr id="137" name="Shape 137"/>
-          <p:cNvSpPr txBox="1">
-            <a:spLocks noGrp="1"/>
-          </p:cNvSpPr>
-          <p:nvPr>
-            <p:ph type="body" idx="1"/>
-          </p:nvPr>
-        </p:nvSpPr>
-        <p:spPr>
-          <a:xfrm>
-            <a:off x="685800" y="4343400"/>
-            <a:ext cx="5486400" cy="4114800"/>
-          </a:xfrm>
-          <a:prstGeom prst="rect">
-            <a:avLst/>
-          </a:prstGeom>
-        </p:spPr>
-        <p:txBody>
-          <a:bodyPr spcFirstLastPara="1" wrap="square" lIns="91425" tIns="91425" rIns="91425" bIns="91425" anchor="t" anchorCtr="0">
-            <a:noAutofit/>
-          </a:bodyPr>
-          <a:lstStyle/>
-          <a:p>
-            <a:pPr marL="0" lvl="0" indent="0" rtl="0">
-              <a:spcBef>
-                <a:spcPts val="0"/>
-              </a:spcBef>
-              <a:spcAft>
-                <a:spcPts val="0"/>
-              </a:spcAft>
-              <a:buNone/>
-            </a:pPr>
-            <a:r>
-              <a:rPr lang="en"/>
-              <a:t>Merci !</a:t>
-            </a:r>
-            <a:endParaRPr/>
-          </a:p>
-        </p:txBody>
-      </p:sp>
-    </p:spTree>
-  </p:cSld>
-  <p:clrMapOvr>
-    <a:masterClrMapping/>
-  </p:clrMapOvr>
-</p:notes>
-</file>
-
 <file path=ppt/slideLayouts/slideLayout1.xml><?xml version="1.0" encoding="utf-8"?>
-<p:sldLayout xmlns:a="http://schemas.openxmlformats.org/drawingml/2006/main" xmlns:r="http://schemas.openxmlformats.org/officeDocument/2006/relationships" xmlns:p="http://schemas.openxmlformats.org/presentationml/2006/main" matchingName="Title" type="title">
+<p:sldLayout xmlns:a="http://schemas.openxmlformats.org/drawingml/2006/main" xmlns:r="http://schemas.openxmlformats.org/officeDocument/2006/relationships" xmlns:mc="http://schemas.openxmlformats.org/markup-compatibility/2006" xmlns:mv="urn:schemas-microsoft-com:mac:vml" xmlns:p="http://schemas.openxmlformats.org/presentationml/2006/main" xmlns:c="http://schemas.openxmlformats.org/drawingml/2006/chart" xmlns:dgm="http://schemas.openxmlformats.org/drawingml/2006/diagram" xmlns:o="urn:schemas-microsoft-com:office:office" xmlns:v="urn:schemas-microsoft-com:vml" xmlns:pvml="urn:schemas-microsoft-com:office:powerpoint" xmlns:com="http://schemas.openxmlformats.org/drawingml/2006/compatibility" xmlns:p14="http://schemas.microsoft.com/office/powerpoint/2010/main" xmlns:p15="http://schemas.microsoft.com/office/powerpoint/2012/main" matchingName="Title" type="title">
   <p:cSld name="TITLE">
     <p:bg>
       <p:bgPr>
@@ -1777,12 +1823,11 @@
             <a:fillRect/>
           </a:stretch>
         </a:blipFill>
-        <a:effectLst/>
       </p:bgPr>
     </p:bg>
     <p:spTree>
       <p:nvGrpSpPr>
-        <p:cNvPr id="1" name="Shape 9"/>
+        <p:cNvPr id="9" name="Shape 9"/>
         <p:cNvGrpSpPr/>
         <p:nvPr/>
       </p:nvGrpSpPr>
@@ -1797,9 +1842,7 @@
       <p:sp>
         <p:nvSpPr>
           <p:cNvPr id="10" name="Shape 10"/>
-          <p:cNvSpPr txBox="1">
-            <a:spLocks noGrp="1"/>
-          </p:cNvSpPr>
+          <p:cNvSpPr txBox="1"/>
           <p:nvPr>
             <p:ph type="ctrTitle"/>
           </p:nvPr>
@@ -1814,7 +1857,7 @@
           </a:prstGeom>
         </p:spPr>
         <p:txBody>
-          <a:bodyPr spcFirstLastPara="1" wrap="square" lIns="91425" tIns="91425" rIns="91425" bIns="91425" anchor="t" anchorCtr="0"/>
+          <a:bodyPr anchorCtr="0" anchor="t" bIns="91425" lIns="91425" spcFirstLastPara="1" rIns="91425" wrap="square" tIns="91425"/>
           <a:lstStyle>
             <a:lvl1pPr lvl="0">
               <a:spcBef>
@@ -1828,7 +1871,7 @@
               </a:buClr>
               <a:buSzPts val="6000"/>
               <a:buNone/>
-              <a:defRPr sz="6000" b="1">
+              <a:defRPr b="1" sz="6000">
                 <a:solidFill>
                   <a:srgbClr val="0091EA"/>
                 </a:solidFill>
@@ -1846,7 +1889,7 @@
               </a:buClr>
               <a:buSzPts val="6000"/>
               <a:buNone/>
-              <a:defRPr sz="6000" b="1">
+              <a:defRPr b="1" sz="6000">
                 <a:solidFill>
                   <a:srgbClr val="0091EA"/>
                 </a:solidFill>
@@ -1864,7 +1907,7 @@
               </a:buClr>
               <a:buSzPts val="6000"/>
               <a:buNone/>
-              <a:defRPr sz="6000" b="1">
+              <a:defRPr b="1" sz="6000">
                 <a:solidFill>
                   <a:srgbClr val="0091EA"/>
                 </a:solidFill>
@@ -1882,7 +1925,7 @@
               </a:buClr>
               <a:buSzPts val="6000"/>
               <a:buNone/>
-              <a:defRPr sz="6000" b="1">
+              <a:defRPr b="1" sz="6000">
                 <a:solidFill>
                   <a:srgbClr val="0091EA"/>
                 </a:solidFill>
@@ -1900,7 +1943,7 @@
               </a:buClr>
               <a:buSzPts val="6000"/>
               <a:buNone/>
-              <a:defRPr sz="6000" b="1">
+              <a:defRPr b="1" sz="6000">
                 <a:solidFill>
                   <a:srgbClr val="0091EA"/>
                 </a:solidFill>
@@ -1918,7 +1961,7 @@
               </a:buClr>
               <a:buSzPts val="6000"/>
               <a:buNone/>
-              <a:defRPr sz="6000" b="1">
+              <a:defRPr b="1" sz="6000">
                 <a:solidFill>
                   <a:srgbClr val="0091EA"/>
                 </a:solidFill>
@@ -1936,7 +1979,7 @@
               </a:buClr>
               <a:buSzPts val="6000"/>
               <a:buNone/>
-              <a:defRPr sz="6000" b="1">
+              <a:defRPr b="1" sz="6000">
                 <a:solidFill>
                   <a:srgbClr val="0091EA"/>
                 </a:solidFill>
@@ -1954,7 +1997,7 @@
               </a:buClr>
               <a:buSzPts val="6000"/>
               <a:buNone/>
-              <a:defRPr sz="6000" b="1">
+              <a:defRPr b="1" sz="6000">
                 <a:solidFill>
                   <a:srgbClr val="0091EA"/>
                 </a:solidFill>
@@ -1972,16 +2015,14 @@
               </a:buClr>
               <a:buSzPts val="6000"/>
               <a:buNone/>
-              <a:defRPr sz="6000" b="1">
+              <a:defRPr b="1" sz="6000">
                 <a:solidFill>
                   <a:srgbClr val="0091EA"/>
                 </a:solidFill>
               </a:defRPr>
             </a:lvl9pPr>
           </a:lstStyle>
-          <a:p>
-            <a:endParaRPr/>
-          </a:p>
+          <a:p/>
         </p:txBody>
       </p:sp>
       <p:sp>
@@ -2006,12 +2047,12 @@
           </a:ln>
         </p:spPr>
         <p:txBody>
-          <a:bodyPr spcFirstLastPara="1" wrap="square" lIns="91425" tIns="91425" rIns="91425" bIns="91425" anchor="ctr" anchorCtr="0">
+          <a:bodyPr anchorCtr="0" anchor="ctr" bIns="91425" lIns="91425" spcFirstLastPara="1" rIns="91425" wrap="square" tIns="91425">
             <a:noAutofit/>
           </a:bodyPr>
           <a:lstStyle/>
           <a:p>
-            <a:pPr marL="0" lvl="0" indent="0">
+            <a:pPr indent="0" lvl="0" marL="0">
               <a:spcBef>
                 <a:spcPts val="0"/>
               </a:spcBef>
@@ -2020,6 +2061,9 @@
               </a:spcAft>
               <a:buNone/>
             </a:pPr>
+            <a:r>
+              <a:t/>
+            </a:r>
             <a:endParaRPr/>
           </a:p>
         </p:txBody>
@@ -2046,12 +2090,12 @@
           </a:ln>
         </p:spPr>
         <p:txBody>
-          <a:bodyPr spcFirstLastPara="1" wrap="square" lIns="91425" tIns="91425" rIns="91425" bIns="91425" anchor="ctr" anchorCtr="0">
+          <a:bodyPr anchorCtr="0" anchor="ctr" bIns="91425" lIns="91425" spcFirstLastPara="1" rIns="91425" wrap="square" tIns="91425">
             <a:noAutofit/>
           </a:bodyPr>
           <a:lstStyle/>
           <a:p>
-            <a:pPr marL="0" lvl="0" indent="0">
+            <a:pPr indent="0" lvl="0" marL="0">
               <a:spcBef>
                 <a:spcPts val="0"/>
               </a:spcBef>
@@ -2060,6 +2104,9 @@
               </a:spcAft>
               <a:buNone/>
             </a:pPr>
+            <a:r>
+              <a:t/>
+            </a:r>
             <a:endParaRPr/>
           </a:p>
         </p:txBody>
@@ -2086,12 +2133,12 @@
           </a:ln>
         </p:spPr>
         <p:txBody>
-          <a:bodyPr spcFirstLastPara="1" wrap="square" lIns="91425" tIns="91425" rIns="91425" bIns="91425" anchor="ctr" anchorCtr="0">
+          <a:bodyPr anchorCtr="0" anchor="ctr" bIns="91425" lIns="91425" spcFirstLastPara="1" rIns="91425" wrap="square" tIns="91425">
             <a:noAutofit/>
           </a:bodyPr>
           <a:lstStyle/>
           <a:p>
-            <a:pPr marL="0" lvl="0" indent="0">
+            <a:pPr indent="0" lvl="0" marL="0">
               <a:spcBef>
                 <a:spcPts val="0"/>
               </a:spcBef>
@@ -2100,6 +2147,9 @@
               </a:spcAft>
               <a:buNone/>
             </a:pPr>
+            <a:r>
+              <a:t/>
+            </a:r>
             <a:endParaRPr/>
           </a:p>
         </p:txBody>
@@ -2126,12 +2176,12 @@
           </a:ln>
         </p:spPr>
         <p:txBody>
-          <a:bodyPr spcFirstLastPara="1" wrap="square" lIns="91425" tIns="91425" rIns="91425" bIns="91425" anchor="ctr" anchorCtr="0">
+          <a:bodyPr anchorCtr="0" anchor="ctr" bIns="91425" lIns="91425" spcFirstLastPara="1" rIns="91425" wrap="square" tIns="91425">
             <a:noAutofit/>
           </a:bodyPr>
           <a:lstStyle/>
           <a:p>
-            <a:pPr marL="0" lvl="0" indent="0">
+            <a:pPr indent="0" lvl="0" marL="0">
               <a:spcBef>
                 <a:spcPts val="0"/>
               </a:spcBef>
@@ -2140,6 +2190,9 @@
               </a:spcAft>
               <a:buNone/>
             </a:pPr>
+            <a:r>
+              <a:t/>
+            </a:r>
             <a:endParaRPr/>
           </a:p>
         </p:txBody>
@@ -2166,12 +2219,12 @@
           </a:ln>
         </p:spPr>
         <p:txBody>
-          <a:bodyPr spcFirstLastPara="1" wrap="square" lIns="91425" tIns="91425" rIns="91425" bIns="91425" anchor="ctr" anchorCtr="0">
+          <a:bodyPr anchorCtr="0" anchor="ctr" bIns="91425" lIns="91425" spcFirstLastPara="1" rIns="91425" wrap="square" tIns="91425">
             <a:noAutofit/>
           </a:bodyPr>
           <a:lstStyle/>
           <a:p>
-            <a:pPr marL="0" lvl="0" indent="0">
+            <a:pPr indent="0" lvl="0" marL="0">
               <a:spcBef>
                 <a:spcPts val="0"/>
               </a:spcBef>
@@ -2180,6 +2233,9 @@
               </a:spcAft>
               <a:buNone/>
             </a:pPr>
+            <a:r>
+              <a:t/>
+            </a:r>
             <a:endParaRPr/>
           </a:p>
         </p:txBody>
@@ -2206,12 +2262,12 @@
           </a:ln>
         </p:spPr>
         <p:txBody>
-          <a:bodyPr spcFirstLastPara="1" wrap="square" lIns="91425" tIns="91425" rIns="91425" bIns="91425" anchor="ctr" anchorCtr="0">
+          <a:bodyPr anchorCtr="0" anchor="ctr" bIns="91425" lIns="91425" spcFirstLastPara="1" rIns="91425" wrap="square" tIns="91425">
             <a:noAutofit/>
           </a:bodyPr>
           <a:lstStyle/>
           <a:p>
-            <a:pPr marL="0" lvl="0" indent="0">
+            <a:pPr indent="0" lvl="0" marL="0">
               <a:spcBef>
                 <a:spcPts val="0"/>
               </a:spcBef>
@@ -2220,6 +2276,9 @@
               </a:spcAft>
               <a:buNone/>
             </a:pPr>
+            <a:r>
+              <a:t/>
+            </a:r>
             <a:endParaRPr/>
           </a:p>
         </p:txBody>
@@ -2246,12 +2305,12 @@
           </a:ln>
         </p:spPr>
         <p:txBody>
-          <a:bodyPr spcFirstLastPara="1" wrap="square" lIns="91425" tIns="91425" rIns="91425" bIns="91425" anchor="ctr" anchorCtr="0">
+          <a:bodyPr anchorCtr="0" anchor="ctr" bIns="91425" lIns="91425" spcFirstLastPara="1" rIns="91425" wrap="square" tIns="91425">
             <a:noAutofit/>
           </a:bodyPr>
           <a:lstStyle/>
           <a:p>
-            <a:pPr marL="0" lvl="0" indent="0">
+            <a:pPr indent="0" lvl="0" marL="0">
               <a:spcBef>
                 <a:spcPts val="0"/>
               </a:spcBef>
@@ -2260,6 +2319,9 @@
               </a:spcAft>
               <a:buNone/>
             </a:pPr>
+            <a:r>
+              <a:t/>
+            </a:r>
             <a:endParaRPr/>
           </a:p>
         </p:txBody>
@@ -2279,23 +2341,23 @@
             <a:avLst/>
           </a:prstGeom>
           <a:noFill/>
-          <a:ln w="19050" cap="flat" cmpd="sng">
+          <a:ln cap="flat" cmpd="sng" w="19050">
             <a:solidFill>
               <a:srgbClr val="0091EA"/>
             </a:solidFill>
             <a:prstDash val="solid"/>
             <a:round/>
-            <a:headEnd type="none" w="sm" len="sm"/>
-            <a:tailEnd type="none" w="sm" len="sm"/>
+            <a:headEnd len="sm" w="sm" type="none"/>
+            <a:tailEnd len="sm" w="sm" type="none"/>
           </a:ln>
         </p:spPr>
         <p:txBody>
-          <a:bodyPr spcFirstLastPara="1" wrap="square" lIns="91425" tIns="91425" rIns="91425" bIns="91425" anchor="ctr" anchorCtr="0">
+          <a:bodyPr anchorCtr="0" anchor="ctr" bIns="91425" lIns="91425" spcFirstLastPara="1" rIns="91425" wrap="square" tIns="91425">
             <a:noAutofit/>
           </a:bodyPr>
           <a:lstStyle/>
           <a:p>
-            <a:pPr marL="0" lvl="0" indent="0">
+            <a:pPr indent="0" lvl="0" marL="0">
               <a:spcBef>
                 <a:spcPts val="0"/>
               </a:spcBef>
@@ -2304,6 +2366,9 @@
               </a:spcAft>
               <a:buNone/>
             </a:pPr>
+            <a:r>
+              <a:t/>
+            </a:r>
             <a:endParaRPr/>
           </a:p>
         </p:txBody>
@@ -2323,23 +2388,23 @@
             <a:avLst/>
           </a:prstGeom>
           <a:noFill/>
-          <a:ln w="19050" cap="flat" cmpd="sng">
+          <a:ln cap="flat" cmpd="sng" w="19050">
             <a:solidFill>
               <a:srgbClr val="0091EA"/>
             </a:solidFill>
             <a:prstDash val="solid"/>
             <a:round/>
-            <a:headEnd type="none" w="sm" len="sm"/>
-            <a:tailEnd type="none" w="sm" len="sm"/>
+            <a:headEnd len="sm" w="sm" type="none"/>
+            <a:tailEnd len="sm" w="sm" type="none"/>
           </a:ln>
         </p:spPr>
         <p:txBody>
-          <a:bodyPr spcFirstLastPara="1" wrap="square" lIns="91425" tIns="91425" rIns="91425" bIns="91425" anchor="ctr" anchorCtr="0">
+          <a:bodyPr anchorCtr="0" anchor="ctr" bIns="91425" lIns="91425" spcFirstLastPara="1" rIns="91425" wrap="square" tIns="91425">
             <a:noAutofit/>
           </a:bodyPr>
           <a:lstStyle/>
           <a:p>
-            <a:pPr marL="0" lvl="0" indent="0">
+            <a:pPr indent="0" lvl="0" marL="0">
               <a:spcBef>
                 <a:spcPts val="0"/>
               </a:spcBef>
@@ -2348,6 +2413,9 @@
               </a:spcAft>
               <a:buNone/>
             </a:pPr>
+            <a:r>
+              <a:t/>
+            </a:r>
             <a:endParaRPr/>
           </a:p>
         </p:txBody>
@@ -2367,23 +2435,23 @@
             <a:avLst/>
           </a:prstGeom>
           <a:noFill/>
-          <a:ln w="19050" cap="flat" cmpd="sng">
+          <a:ln cap="flat" cmpd="sng" w="19050">
             <a:solidFill>
               <a:srgbClr val="0091EA"/>
             </a:solidFill>
             <a:prstDash val="solid"/>
             <a:round/>
-            <a:headEnd type="none" w="sm" len="sm"/>
-            <a:tailEnd type="none" w="sm" len="sm"/>
+            <a:headEnd len="sm" w="sm" type="none"/>
+            <a:tailEnd len="sm" w="sm" type="none"/>
           </a:ln>
         </p:spPr>
         <p:txBody>
-          <a:bodyPr spcFirstLastPara="1" wrap="square" lIns="91425" tIns="91425" rIns="91425" bIns="91425" anchor="ctr" anchorCtr="0">
+          <a:bodyPr anchorCtr="0" anchor="ctr" bIns="91425" lIns="91425" spcFirstLastPara="1" rIns="91425" wrap="square" tIns="91425">
             <a:noAutofit/>
           </a:bodyPr>
           <a:lstStyle/>
           <a:p>
-            <a:pPr marL="0" lvl="0" indent="0">
+            <a:pPr indent="0" lvl="0" marL="0">
               <a:spcBef>
                 <a:spcPts val="0"/>
               </a:spcBef>
@@ -2392,6 +2460,9 @@
               </a:spcAft>
               <a:buNone/>
             </a:pPr>
+            <a:r>
+              <a:t/>
+            </a:r>
             <a:endParaRPr/>
           </a:p>
         </p:txBody>
@@ -2418,12 +2489,12 @@
           </a:ln>
         </p:spPr>
         <p:txBody>
-          <a:bodyPr spcFirstLastPara="1" wrap="square" lIns="91425" tIns="91425" rIns="91425" bIns="91425" anchor="ctr" anchorCtr="0">
+          <a:bodyPr anchorCtr="0" anchor="ctr" bIns="91425" lIns="91425" spcFirstLastPara="1" rIns="91425" wrap="square" tIns="91425">
             <a:noAutofit/>
           </a:bodyPr>
           <a:lstStyle/>
           <a:p>
-            <a:pPr marL="0" lvl="0" indent="0">
+            <a:pPr indent="0" lvl="0" marL="0">
               <a:spcBef>
                 <a:spcPts val="0"/>
               </a:spcBef>
@@ -2432,6 +2503,9 @@
               </a:spcAft>
               <a:buNone/>
             </a:pPr>
+            <a:r>
+              <a:t/>
+            </a:r>
             <a:endParaRPr/>
           </a:p>
         </p:txBody>
@@ -2451,23 +2525,23 @@
             <a:avLst/>
           </a:prstGeom>
           <a:noFill/>
-          <a:ln w="19050" cap="flat" cmpd="sng">
+          <a:ln cap="flat" cmpd="sng" w="19050">
             <a:solidFill>
               <a:srgbClr val="0091EA"/>
             </a:solidFill>
             <a:prstDash val="solid"/>
             <a:round/>
-            <a:headEnd type="none" w="sm" len="sm"/>
-            <a:tailEnd type="none" w="sm" len="sm"/>
+            <a:headEnd len="sm" w="sm" type="none"/>
+            <a:tailEnd len="sm" w="sm" type="none"/>
           </a:ln>
         </p:spPr>
         <p:txBody>
-          <a:bodyPr spcFirstLastPara="1" wrap="square" lIns="91425" tIns="91425" rIns="91425" bIns="91425" anchor="ctr" anchorCtr="0">
+          <a:bodyPr anchorCtr="0" anchor="ctr" bIns="91425" lIns="91425" spcFirstLastPara="1" rIns="91425" wrap="square" tIns="91425">
             <a:noAutofit/>
           </a:bodyPr>
           <a:lstStyle/>
           <a:p>
-            <a:pPr marL="0" lvl="0" indent="0">
+            <a:pPr indent="0" lvl="0" marL="0">
               <a:spcBef>
                 <a:spcPts val="0"/>
               </a:spcBef>
@@ -2476,6 +2550,9 @@
               </a:spcAft>
               <a:buNone/>
             </a:pPr>
+            <a:r>
+              <a:t/>
+            </a:r>
             <a:endParaRPr/>
           </a:p>
         </p:txBody>
@@ -2502,12 +2579,12 @@
           </a:ln>
         </p:spPr>
         <p:txBody>
-          <a:bodyPr spcFirstLastPara="1" wrap="square" lIns="91425" tIns="91425" rIns="91425" bIns="91425" anchor="ctr" anchorCtr="0">
+          <a:bodyPr anchorCtr="0" anchor="ctr" bIns="91425" lIns="91425" spcFirstLastPara="1" rIns="91425" wrap="square" tIns="91425">
             <a:noAutofit/>
           </a:bodyPr>
           <a:lstStyle/>
           <a:p>
-            <a:pPr marL="0" lvl="0" indent="0">
+            <a:pPr indent="0" lvl="0" marL="0">
               <a:spcBef>
                 <a:spcPts val="0"/>
               </a:spcBef>
@@ -2516,6 +2593,9 @@
               </a:spcAft>
               <a:buNone/>
             </a:pPr>
+            <a:r>
+              <a:t/>
+            </a:r>
             <a:endParaRPr/>
           </a:p>
         </p:txBody>
@@ -2542,12 +2622,12 @@
           </a:ln>
         </p:spPr>
         <p:txBody>
-          <a:bodyPr spcFirstLastPara="1" wrap="square" lIns="91425" tIns="91425" rIns="91425" bIns="91425" anchor="ctr" anchorCtr="0">
+          <a:bodyPr anchorCtr="0" anchor="ctr" bIns="91425" lIns="91425" spcFirstLastPara="1" rIns="91425" wrap="square" tIns="91425">
             <a:noAutofit/>
           </a:bodyPr>
           <a:lstStyle/>
           <a:p>
-            <a:pPr marL="0" lvl="0" indent="0">
+            <a:pPr indent="0" lvl="0" marL="0">
               <a:spcBef>
                 <a:spcPts val="0"/>
               </a:spcBef>
@@ -2556,6 +2636,9 @@
               </a:spcAft>
               <a:buNone/>
             </a:pPr>
+            <a:r>
+              <a:t/>
+            </a:r>
             <a:endParaRPr/>
           </a:p>
         </p:txBody>
@@ -2575,23 +2658,23 @@
             <a:avLst/>
           </a:prstGeom>
           <a:noFill/>
-          <a:ln w="19050" cap="flat" cmpd="sng">
+          <a:ln cap="flat" cmpd="sng" w="19050">
             <a:solidFill>
               <a:srgbClr val="0091EA"/>
             </a:solidFill>
             <a:prstDash val="solid"/>
             <a:round/>
-            <a:headEnd type="none" w="sm" len="sm"/>
-            <a:tailEnd type="none" w="sm" len="sm"/>
+            <a:headEnd len="sm" w="sm" type="none"/>
+            <a:tailEnd len="sm" w="sm" type="none"/>
           </a:ln>
         </p:spPr>
         <p:txBody>
-          <a:bodyPr spcFirstLastPara="1" wrap="square" lIns="91425" tIns="91425" rIns="91425" bIns="91425" anchor="ctr" anchorCtr="0">
+          <a:bodyPr anchorCtr="0" anchor="ctr" bIns="91425" lIns="91425" spcFirstLastPara="1" rIns="91425" wrap="square" tIns="91425">
             <a:noAutofit/>
           </a:bodyPr>
           <a:lstStyle/>
           <a:p>
-            <a:pPr marL="0" lvl="0" indent="0">
+            <a:pPr indent="0" lvl="0" marL="0">
               <a:spcBef>
                 <a:spcPts val="0"/>
               </a:spcBef>
@@ -2600,6 +2683,9 @@
               </a:spcAft>
               <a:buNone/>
             </a:pPr>
+            <a:r>
+              <a:t/>
+            </a:r>
             <a:endParaRPr/>
           </a:p>
         </p:txBody>
@@ -2613,7 +2699,7 @@
 </file>
 
 <file path=ppt/slideLayouts/slideLayout10.xml><?xml version="1.0" encoding="utf-8"?>
-<p:sldLayout xmlns:a="http://schemas.openxmlformats.org/drawingml/2006/main" xmlns:r="http://schemas.openxmlformats.org/officeDocument/2006/relationships" xmlns:p="http://schemas.openxmlformats.org/presentationml/2006/main" matchingName="Blank complete pattern">
+<p:sldLayout xmlns:a="http://schemas.openxmlformats.org/drawingml/2006/main" xmlns:r="http://schemas.openxmlformats.org/officeDocument/2006/relationships" xmlns:mc="http://schemas.openxmlformats.org/markup-compatibility/2006" xmlns:mv="urn:schemas-microsoft-com:mac:vml" xmlns:p="http://schemas.openxmlformats.org/presentationml/2006/main" xmlns:c="http://schemas.openxmlformats.org/drawingml/2006/chart" xmlns:dgm="http://schemas.openxmlformats.org/drawingml/2006/diagram" xmlns:o="urn:schemas-microsoft-com:office:office" xmlns:v="urn:schemas-microsoft-com:vml" xmlns:pvml="urn:schemas-microsoft-com:office:powerpoint" xmlns:com="http://schemas.openxmlformats.org/drawingml/2006/compatibility" xmlns:p14="http://schemas.microsoft.com/office/powerpoint/2010/main" xmlns:p15="http://schemas.microsoft.com/office/powerpoint/2012/main" matchingName="Blank complete pattern">
   <p:cSld name="BLANK_1">
     <p:bg>
       <p:bgPr>
@@ -2625,12 +2711,11 @@
             <a:fillRect/>
           </a:stretch>
         </a:blipFill>
-        <a:effectLst/>
       </p:bgPr>
     </p:bg>
     <p:spTree>
       <p:nvGrpSpPr>
-        <p:cNvPr id="1" name="Shape 63"/>
+        <p:cNvPr id="63" name="Shape 63"/>
         <p:cNvGrpSpPr/>
         <p:nvPr/>
       </p:nvGrpSpPr>
@@ -2666,12 +2751,12 @@
           </a:ln>
         </p:spPr>
         <p:txBody>
-          <a:bodyPr spcFirstLastPara="1" wrap="square" lIns="91425" tIns="91425" rIns="91425" bIns="91425" anchor="ctr" anchorCtr="0">
+          <a:bodyPr anchorCtr="0" anchor="ctr" bIns="91425" lIns="91425" spcFirstLastPara="1" rIns="91425" wrap="square" tIns="91425">
             <a:noAutofit/>
           </a:bodyPr>
           <a:lstStyle/>
           <a:p>
-            <a:pPr marL="0" lvl="0" indent="0">
+            <a:pPr indent="0" lvl="0" marL="0">
               <a:spcBef>
                 <a:spcPts val="0"/>
               </a:spcBef>
@@ -2680,6 +2765,9 @@
               </a:spcAft>
               <a:buNone/>
             </a:pPr>
+            <a:r>
+              <a:t/>
+            </a:r>
             <a:endParaRPr/>
           </a:p>
         </p:txBody>
@@ -2687,11 +2775,9 @@
       <p:sp>
         <p:nvSpPr>
           <p:cNvPr id="65" name="Shape 65"/>
-          <p:cNvSpPr txBox="1">
-            <a:spLocks noGrp="1"/>
-          </p:cNvSpPr>
+          <p:cNvSpPr txBox="1"/>
           <p:nvPr>
-            <p:ph type="sldNum" idx="12"/>
+            <p:ph idx="12" type="sldNum"/>
           </p:nvPr>
         </p:nvSpPr>
         <p:spPr>
@@ -2704,7 +2790,7 @@
           </a:prstGeom>
         </p:spPr>
         <p:txBody>
-          <a:bodyPr spcFirstLastPara="1" wrap="square" lIns="91425" tIns="91425" rIns="91425" bIns="91425" anchor="t" anchorCtr="0">
+          <a:bodyPr anchorCtr="0" anchor="t" bIns="91425" lIns="91425" spcFirstLastPara="1" rIns="91425" wrap="square" tIns="91425">
             <a:noAutofit/>
           </a:bodyPr>
           <a:lstStyle>
@@ -2746,7 +2832,7 @@
             </a:lvl9pPr>
           </a:lstStyle>
           <a:p>
-            <a:pPr marL="0" lvl="0" indent="0">
+            <a:pPr indent="0" lvl="0" marL="0">
               <a:spcBef>
                 <a:spcPts val="0"/>
               </a:spcBef>
@@ -2757,16 +2843,7 @@
             </a:pPr>
             <a:fld id="{00000000-1234-1234-1234-123412341234}" type="slidenum">
               <a:rPr lang="en"/>
-              <a:pPr marL="0" lvl="0" indent="0">
-                <a:spcBef>
-                  <a:spcPts val="0"/>
-                </a:spcBef>
-                <a:spcAft>
-                  <a:spcPts val="0"/>
-                </a:spcAft>
-                <a:buNone/>
-              </a:pPr>
-              <a:t>‹N°›</a:t>
+              <a:t>‹#›</a:t>
             </a:fld>
             <a:endParaRPr/>
           </a:p>
@@ -2781,7 +2858,7 @@
 </file>
 
 <file path=ppt/slideLayouts/slideLayout2.xml><?xml version="1.0" encoding="utf-8"?>
-<p:sldLayout xmlns:a="http://schemas.openxmlformats.org/drawingml/2006/main" xmlns:r="http://schemas.openxmlformats.org/officeDocument/2006/relationships" xmlns:p="http://schemas.openxmlformats.org/presentationml/2006/main" matchingName="Subtitle">
+<p:sldLayout xmlns:a="http://schemas.openxmlformats.org/drawingml/2006/main" xmlns:r="http://schemas.openxmlformats.org/officeDocument/2006/relationships" xmlns:mc="http://schemas.openxmlformats.org/markup-compatibility/2006" xmlns:mv="urn:schemas-microsoft-com:mac:vml" xmlns:p="http://schemas.openxmlformats.org/presentationml/2006/main" xmlns:c="http://schemas.openxmlformats.org/drawingml/2006/chart" xmlns:dgm="http://schemas.openxmlformats.org/drawingml/2006/diagram" xmlns:o="urn:schemas-microsoft-com:office:office" xmlns:v="urn:schemas-microsoft-com:vml" xmlns:pvml="urn:schemas-microsoft-com:office:powerpoint" xmlns:com="http://schemas.openxmlformats.org/drawingml/2006/compatibility" xmlns:p14="http://schemas.microsoft.com/office/powerpoint/2010/main" xmlns:p15="http://schemas.microsoft.com/office/powerpoint/2012/main" matchingName="Subtitle">
   <p:cSld name="TITLE_1">
     <p:bg>
       <p:bgPr>
@@ -2793,12 +2870,11 @@
             <a:fillRect/>
           </a:stretch>
         </a:blipFill>
-        <a:effectLst/>
       </p:bgPr>
     </p:bg>
     <p:spTree>
       <p:nvGrpSpPr>
-        <p:cNvPr id="1" name="Shape 26"/>
+        <p:cNvPr id="26" name="Shape 26"/>
         <p:cNvGrpSpPr/>
         <p:nvPr/>
       </p:nvGrpSpPr>
@@ -2813,9 +2889,7 @@
       <p:sp>
         <p:nvSpPr>
           <p:cNvPr id="27" name="Shape 27"/>
-          <p:cNvSpPr txBox="1">
-            <a:spLocks noGrp="1"/>
-          </p:cNvSpPr>
+          <p:cNvSpPr txBox="1"/>
           <p:nvPr>
             <p:ph type="ctrTitle"/>
           </p:nvPr>
@@ -2830,7 +2904,7 @@
           </a:prstGeom>
         </p:spPr>
         <p:txBody>
-          <a:bodyPr spcFirstLastPara="1" wrap="square" lIns="91425" tIns="91425" rIns="91425" bIns="91425" anchor="b" anchorCtr="0"/>
+          <a:bodyPr anchorCtr="0" anchor="b" bIns="91425" lIns="91425" spcFirstLastPara="1" rIns="91425" wrap="square" tIns="91425"/>
           <a:lstStyle>
             <a:lvl1pPr lvl="0" rtl="0">
               <a:spcBef>
@@ -2841,7 +2915,7 @@
               </a:spcAft>
               <a:buSzPts val="4800"/>
               <a:buNone/>
-              <a:defRPr sz="4800" b="1"/>
+              <a:defRPr b="1" sz="4800"/>
             </a:lvl1pPr>
             <a:lvl2pPr lvl="1" rtl="0">
               <a:spcBef>
@@ -2852,7 +2926,7 @@
               </a:spcAft>
               <a:buSzPts val="4800"/>
               <a:buNone/>
-              <a:defRPr sz="4800" b="1"/>
+              <a:defRPr b="1" sz="4800"/>
             </a:lvl2pPr>
             <a:lvl3pPr lvl="2" rtl="0">
               <a:spcBef>
@@ -2863,7 +2937,7 @@
               </a:spcAft>
               <a:buSzPts val="4800"/>
               <a:buNone/>
-              <a:defRPr sz="4800" b="1"/>
+              <a:defRPr b="1" sz="4800"/>
             </a:lvl3pPr>
             <a:lvl4pPr lvl="3" rtl="0">
               <a:spcBef>
@@ -2874,7 +2948,7 @@
               </a:spcAft>
               <a:buSzPts val="4800"/>
               <a:buNone/>
-              <a:defRPr sz="4800" b="1"/>
+              <a:defRPr b="1" sz="4800"/>
             </a:lvl4pPr>
             <a:lvl5pPr lvl="4" rtl="0">
               <a:spcBef>
@@ -2885,7 +2959,7 @@
               </a:spcAft>
               <a:buSzPts val="4800"/>
               <a:buNone/>
-              <a:defRPr sz="4800" b="1"/>
+              <a:defRPr b="1" sz="4800"/>
             </a:lvl5pPr>
             <a:lvl6pPr lvl="5" rtl="0">
               <a:spcBef>
@@ -2896,7 +2970,7 @@
               </a:spcAft>
               <a:buSzPts val="4800"/>
               <a:buNone/>
-              <a:defRPr sz="4800" b="1"/>
+              <a:defRPr b="1" sz="4800"/>
             </a:lvl6pPr>
             <a:lvl7pPr lvl="6" rtl="0">
               <a:spcBef>
@@ -2907,7 +2981,7 @@
               </a:spcAft>
               <a:buSzPts val="4800"/>
               <a:buNone/>
-              <a:defRPr sz="4800" b="1"/>
+              <a:defRPr b="1" sz="4800"/>
             </a:lvl7pPr>
             <a:lvl8pPr lvl="7" rtl="0">
               <a:spcBef>
@@ -2918,7 +2992,7 @@
               </a:spcAft>
               <a:buSzPts val="4800"/>
               <a:buNone/>
-              <a:defRPr sz="4800" b="1"/>
+              <a:defRPr b="1" sz="4800"/>
             </a:lvl8pPr>
             <a:lvl9pPr lvl="8" rtl="0">
               <a:spcBef>
@@ -2929,22 +3003,18 @@
               </a:spcAft>
               <a:buSzPts val="4800"/>
               <a:buNone/>
-              <a:defRPr sz="4800" b="1"/>
+              <a:defRPr b="1" sz="4800"/>
             </a:lvl9pPr>
           </a:lstStyle>
-          <a:p>
-            <a:endParaRPr/>
-          </a:p>
+          <a:p/>
         </p:txBody>
       </p:sp>
       <p:sp>
         <p:nvSpPr>
           <p:cNvPr id="28" name="Shape 28"/>
-          <p:cNvSpPr txBox="1">
-            <a:spLocks noGrp="1"/>
-          </p:cNvSpPr>
+          <p:cNvSpPr txBox="1"/>
           <p:nvPr>
-            <p:ph type="subTitle" idx="1"/>
+            <p:ph idx="1" type="subTitle"/>
           </p:nvPr>
         </p:nvSpPr>
         <p:spPr>
@@ -2957,7 +3027,7 @@
           </a:prstGeom>
         </p:spPr>
         <p:txBody>
-          <a:bodyPr spcFirstLastPara="1" wrap="square" lIns="91425" tIns="91425" rIns="91425" bIns="91425" anchor="t" anchorCtr="0"/>
+          <a:bodyPr anchorCtr="0" anchor="t" bIns="91425" lIns="91425" spcFirstLastPara="1" rIns="91425" wrap="square" tIns="91425"/>
           <a:lstStyle>
             <a:lvl1pPr lvl="0" rtl="0">
               <a:spcBef>
@@ -3122,9 +3192,7 @@
               </a:defRPr>
             </a:lvl9pPr>
           </a:lstStyle>
-          <a:p>
-            <a:endParaRPr/>
-          </a:p>
+          <a:p/>
         </p:txBody>
       </p:sp>
     </p:spTree>
@@ -3136,11 +3204,11 @@
 </file>
 
 <file path=ppt/slideLayouts/slideLayout3.xml><?xml version="1.0" encoding="utf-8"?>
-<p:sldLayout xmlns:a="http://schemas.openxmlformats.org/drawingml/2006/main" xmlns:r="http://schemas.openxmlformats.org/officeDocument/2006/relationships" xmlns:p="http://schemas.openxmlformats.org/presentationml/2006/main" matchingName="Quote">
+<p:sldLayout xmlns:a="http://schemas.openxmlformats.org/drawingml/2006/main" xmlns:r="http://schemas.openxmlformats.org/officeDocument/2006/relationships" xmlns:mc="http://schemas.openxmlformats.org/markup-compatibility/2006" xmlns:mv="urn:schemas-microsoft-com:mac:vml" xmlns:p="http://schemas.openxmlformats.org/presentationml/2006/main" xmlns:c="http://schemas.openxmlformats.org/drawingml/2006/chart" xmlns:dgm="http://schemas.openxmlformats.org/drawingml/2006/diagram" xmlns:o="urn:schemas-microsoft-com:office:office" xmlns:v="urn:schemas-microsoft-com:vml" xmlns:pvml="urn:schemas-microsoft-com:office:powerpoint" xmlns:com="http://schemas.openxmlformats.org/drawingml/2006/compatibility" xmlns:p14="http://schemas.microsoft.com/office/powerpoint/2010/main" xmlns:p15="http://schemas.microsoft.com/office/powerpoint/2012/main" matchingName="Quote">
   <p:cSld name="TITLE_1_1">
     <p:spTree>
       <p:nvGrpSpPr>
-        <p:cNvPr id="1" name="Shape 29"/>
+        <p:cNvPr id="29" name="Shape 29"/>
         <p:cNvGrpSpPr/>
         <p:nvPr/>
       </p:nvGrpSpPr>
@@ -3154,7 +3222,7 @@
       </p:grpSpPr>
       <p:pic>
         <p:nvPicPr>
-          <p:cNvPr id="30" name="Shape 30" descr="connections-05.png"/>
+          <p:cNvPr descr="connections-05.png" id="30" name="Shape 30"/>
           <p:cNvPicPr preferRelativeResize="0"/>
           <p:nvPr/>
         </p:nvPicPr>
@@ -3167,7 +3235,7 @@
           </a:stretch>
         </p:blipFill>
         <p:spPr>
-          <a:xfrm rot="10800000" flipH="1">
+          <a:xfrm flipH="1" rot="10800000">
             <a:off x="5945" y="0"/>
             <a:ext cx="9132109" cy="6858000"/>
           </a:xfrm>
@@ -3183,11 +3251,9 @@
       <p:sp>
         <p:nvSpPr>
           <p:cNvPr id="31" name="Shape 31"/>
-          <p:cNvSpPr txBox="1">
-            <a:spLocks noGrp="1"/>
-          </p:cNvSpPr>
+          <p:cNvSpPr txBox="1"/>
           <p:nvPr>
-            <p:ph type="body" idx="1"/>
+            <p:ph idx="1" type="body"/>
           </p:nvPr>
         </p:nvSpPr>
         <p:spPr>
@@ -3200,9 +3266,9 @@
           </a:prstGeom>
         </p:spPr>
         <p:txBody>
-          <a:bodyPr spcFirstLastPara="1" wrap="square" lIns="91425" tIns="91425" rIns="91425" bIns="91425" anchor="t" anchorCtr="0"/>
+          <a:bodyPr anchorCtr="0" anchor="t" bIns="91425" lIns="91425" spcFirstLastPara="1" rIns="91425" wrap="square" tIns="91425"/>
           <a:lstStyle>
-            <a:lvl1pPr marL="457200" lvl="0" indent="-457200" algn="ctr" rtl="0">
+            <a:lvl1pPr indent="-457200" lvl="0" marL="457200" rtl="0" algn="ctr">
               <a:spcBef>
                 <a:spcPts val="600"/>
               </a:spcBef>
@@ -3214,9 +3280,9 @@
               </a:buClr>
               <a:buSzPts val="3600"/>
               <a:buChar char="◎"/>
-              <a:defRPr sz="3600" i="1"/>
+              <a:defRPr i="1" sz="3600"/>
             </a:lvl1pPr>
-            <a:lvl2pPr marL="914400" lvl="1" indent="-457200" algn="ctr" rtl="0">
+            <a:lvl2pPr indent="-457200" lvl="1" marL="914400" rtl="0" algn="ctr">
               <a:spcBef>
                 <a:spcPts val="0"/>
               </a:spcBef>
@@ -3228,9 +3294,9 @@
               </a:buClr>
               <a:buSzPts val="3600"/>
               <a:buChar char="○"/>
-              <a:defRPr sz="3600" i="1"/>
+              <a:defRPr i="1" sz="3600"/>
             </a:lvl2pPr>
-            <a:lvl3pPr marL="1371600" lvl="2" indent="-457200" algn="ctr" rtl="0">
+            <a:lvl3pPr indent="-457200" lvl="2" marL="1371600" rtl="0" algn="ctr">
               <a:spcBef>
                 <a:spcPts val="0"/>
               </a:spcBef>
@@ -3242,9 +3308,9 @@
               </a:buClr>
               <a:buSzPts val="3600"/>
               <a:buChar char="◉"/>
-              <a:defRPr sz="3600" i="1"/>
+              <a:defRPr i="1" sz="3600"/>
             </a:lvl3pPr>
-            <a:lvl4pPr marL="1828800" lvl="3" indent="-457200" algn="ctr" rtl="0">
+            <a:lvl4pPr indent="-457200" lvl="3" marL="1828800" rtl="0" algn="ctr">
               <a:spcBef>
                 <a:spcPts val="0"/>
               </a:spcBef>
@@ -3256,9 +3322,9 @@
               </a:buClr>
               <a:buSzPts val="3600"/>
               <a:buChar char="●"/>
-              <a:defRPr sz="3600" i="1"/>
+              <a:defRPr i="1" sz="3600"/>
             </a:lvl4pPr>
-            <a:lvl5pPr marL="2286000" lvl="4" indent="-457200" algn="ctr" rtl="0">
+            <a:lvl5pPr indent="-457200" lvl="4" marL="2286000" rtl="0" algn="ctr">
               <a:spcBef>
                 <a:spcPts val="0"/>
               </a:spcBef>
@@ -3270,9 +3336,9 @@
               </a:buClr>
               <a:buSzPts val="3600"/>
               <a:buChar char="○"/>
-              <a:defRPr sz="3600" i="1"/>
+              <a:defRPr i="1" sz="3600"/>
             </a:lvl5pPr>
-            <a:lvl6pPr marL="2743200" lvl="5" indent="-457200" algn="ctr" rtl="0">
+            <a:lvl6pPr indent="-457200" lvl="5" marL="2743200" rtl="0" algn="ctr">
               <a:spcBef>
                 <a:spcPts val="0"/>
               </a:spcBef>
@@ -3284,9 +3350,9 @@
               </a:buClr>
               <a:buSzPts val="3600"/>
               <a:buChar char="■"/>
-              <a:defRPr sz="3600" i="1"/>
+              <a:defRPr i="1" sz="3600"/>
             </a:lvl6pPr>
-            <a:lvl7pPr marL="3200400" lvl="6" indent="-457200" algn="ctr" rtl="0">
+            <a:lvl7pPr indent="-457200" lvl="6" marL="3200400" rtl="0" algn="ctr">
               <a:spcBef>
                 <a:spcPts val="0"/>
               </a:spcBef>
@@ -3298,9 +3364,9 @@
               </a:buClr>
               <a:buSzPts val="3600"/>
               <a:buChar char="●"/>
-              <a:defRPr sz="3600" i="1"/>
+              <a:defRPr i="1" sz="3600"/>
             </a:lvl7pPr>
-            <a:lvl8pPr marL="3657600" lvl="7" indent="-457200" algn="ctr" rtl="0">
+            <a:lvl8pPr indent="-457200" lvl="7" marL="3657600" rtl="0" algn="ctr">
               <a:spcBef>
                 <a:spcPts val="0"/>
               </a:spcBef>
@@ -3312,9 +3378,9 @@
               </a:buClr>
               <a:buSzPts val="3600"/>
               <a:buChar char="○"/>
-              <a:defRPr sz="3600" i="1"/>
+              <a:defRPr i="1" sz="3600"/>
             </a:lvl8pPr>
-            <a:lvl9pPr marL="4114800" lvl="8" indent="-457200" algn="ctr">
+            <a:lvl9pPr indent="-457200" lvl="8" marL="4114800" algn="ctr">
               <a:spcBef>
                 <a:spcPts val="0"/>
               </a:spcBef>
@@ -3326,12 +3392,10 @@
               </a:buClr>
               <a:buSzPts val="3600"/>
               <a:buChar char="■"/>
-              <a:defRPr sz="3600" i="1"/>
+              <a:defRPr i="1" sz="3600"/>
             </a:lvl9pPr>
           </a:lstStyle>
-          <a:p>
-            <a:endParaRPr/>
-          </a:p>
+          <a:p/>
         </p:txBody>
       </p:sp>
       <p:grpSp>
@@ -3368,12 +3432,12 @@
             </a:ln>
           </p:spPr>
           <p:txBody>
-            <a:bodyPr spcFirstLastPara="1" wrap="square" lIns="91425" tIns="91425" rIns="91425" bIns="91425" anchor="t" anchorCtr="0">
+            <a:bodyPr anchorCtr="0" anchor="t" bIns="91425" lIns="91425" spcFirstLastPara="1" rIns="91425" wrap="square" tIns="91425">
               <a:noAutofit/>
             </a:bodyPr>
             <a:lstStyle/>
             <a:p>
-              <a:pPr marL="0" lvl="0" indent="0" algn="ctr">
+              <a:pPr indent="0" lvl="0" marL="0" algn="ctr">
                 <a:spcBef>
                   <a:spcPts val="0"/>
                 </a:spcBef>
@@ -3383,7 +3447,7 @@
                 <a:buNone/>
               </a:pPr>
               <a:r>
-                <a:rPr lang="en" sz="6000" b="1">
+                <a:rPr b="1" lang="en" sz="6000">
                   <a:solidFill>
                     <a:srgbClr val="0091EA"/>
                   </a:solidFill>
@@ -3394,7 +3458,7 @@
                 </a:rPr>
                 <a:t>“</a:t>
               </a:r>
-              <a:endParaRPr sz="6000" b="1">
+              <a:endParaRPr b="1" sz="6000">
                 <a:solidFill>
                   <a:srgbClr val="0091EA"/>
                 </a:solidFill>
@@ -3421,23 +3485,23 @@
               <a:avLst/>
             </a:prstGeom>
             <a:noFill/>
-            <a:ln w="9525" cap="flat" cmpd="sng">
+            <a:ln cap="flat" cmpd="sng" w="9525">
               <a:solidFill>
                 <a:srgbClr val="CFD8DC"/>
               </a:solidFill>
               <a:prstDash val="dash"/>
               <a:round/>
-              <a:headEnd type="none" w="sm" len="sm"/>
-              <a:tailEnd type="none" w="sm" len="sm"/>
+              <a:headEnd len="sm" w="sm" type="none"/>
+              <a:tailEnd len="sm" w="sm" type="none"/>
             </a:ln>
           </p:spPr>
           <p:txBody>
-            <a:bodyPr spcFirstLastPara="1" wrap="square" lIns="91425" tIns="91425" rIns="91425" bIns="91425" anchor="ctr" anchorCtr="0">
+            <a:bodyPr anchorCtr="0" anchor="ctr" bIns="91425" lIns="91425" spcFirstLastPara="1" rIns="91425" wrap="square" tIns="91425">
               <a:noAutofit/>
             </a:bodyPr>
             <a:lstStyle/>
             <a:p>
-              <a:pPr marL="0" lvl="0" indent="0">
+              <a:pPr indent="0" lvl="0" marL="0">
                 <a:spcBef>
                   <a:spcPts val="0"/>
                 </a:spcBef>
@@ -3446,6 +3510,9 @@
                 </a:spcAft>
                 <a:buNone/>
               </a:pPr>
+              <a:r>
+                <a:t/>
+              </a:r>
               <a:endParaRPr/>
             </a:p>
           </p:txBody>
@@ -3465,23 +3532,23 @@
               <a:avLst/>
             </a:prstGeom>
             <a:noFill/>
-            <a:ln w="19050" cap="flat" cmpd="sng">
+            <a:ln cap="flat" cmpd="sng" w="19050">
               <a:solidFill>
                 <a:srgbClr val="CFD8DC"/>
               </a:solidFill>
               <a:prstDash val="solid"/>
               <a:round/>
-              <a:headEnd type="none" w="sm" len="sm"/>
-              <a:tailEnd type="none" w="sm" len="sm"/>
+              <a:headEnd len="sm" w="sm" type="none"/>
+              <a:tailEnd len="sm" w="sm" type="none"/>
             </a:ln>
           </p:spPr>
           <p:txBody>
-            <a:bodyPr spcFirstLastPara="1" wrap="square" lIns="91425" tIns="91425" rIns="91425" bIns="91425" anchor="ctr" anchorCtr="0">
+            <a:bodyPr anchorCtr="0" anchor="ctr" bIns="91425" lIns="91425" spcFirstLastPara="1" rIns="91425" wrap="square" tIns="91425">
               <a:noAutofit/>
             </a:bodyPr>
             <a:lstStyle/>
             <a:p>
-              <a:pPr marL="0" lvl="0" indent="0">
+              <a:pPr indent="0" lvl="0" marL="0">
                 <a:spcBef>
                   <a:spcPts val="0"/>
                 </a:spcBef>
@@ -3490,6 +3557,9 @@
                 </a:spcAft>
                 <a:buNone/>
               </a:pPr>
+              <a:r>
+                <a:t/>
+              </a:r>
               <a:endParaRPr/>
             </a:p>
           </p:txBody>
@@ -3512,14 +3582,14 @@
             <a:avLst/>
           </a:prstGeom>
           <a:noFill/>
-          <a:ln w="9525" cap="flat" cmpd="sng">
+          <a:ln cap="flat" cmpd="sng" w="9525">
             <a:solidFill>
               <a:srgbClr val="CFD8DC"/>
             </a:solidFill>
             <a:prstDash val="solid"/>
             <a:round/>
-            <a:headEnd type="none" w="med" len="med"/>
-            <a:tailEnd type="none" w="med" len="med"/>
+            <a:headEnd len="med" w="med" type="none"/>
+            <a:tailEnd len="med" w="med" type="none"/>
           </a:ln>
         </p:spPr>
       </p:cxnSp>
@@ -3538,14 +3608,14 @@
             <a:avLst/>
           </a:prstGeom>
           <a:noFill/>
-          <a:ln w="9525" cap="flat" cmpd="sng">
+          <a:ln cap="flat" cmpd="sng" w="9525">
             <a:solidFill>
               <a:srgbClr val="CFD8DC"/>
             </a:solidFill>
             <a:prstDash val="solid"/>
             <a:round/>
-            <a:headEnd type="none" w="med" len="med"/>
-            <a:tailEnd type="none" w="med" len="med"/>
+            <a:headEnd len="med" w="med" type="none"/>
+            <a:tailEnd len="med" w="med" type="none"/>
           </a:ln>
         </p:spPr>
       </p:cxnSp>
@@ -3556,7 +3626,7 @@
           <p:nvPr/>
         </p:nvCxnSpPr>
         <p:spPr>
-          <a:xfrm rot="10800000" flipH="1">
+          <a:xfrm flipH="1" rot="10800000">
             <a:off x="4749075" y="753125"/>
             <a:ext cx="95100" cy="348900"/>
           </a:xfrm>
@@ -3564,25 +3634,23 @@
             <a:avLst/>
           </a:prstGeom>
           <a:noFill/>
-          <a:ln w="9525" cap="flat" cmpd="sng">
+          <a:ln cap="flat" cmpd="sng" w="9525">
             <a:solidFill>
               <a:srgbClr val="CFD8DC"/>
             </a:solidFill>
             <a:prstDash val="solid"/>
             <a:round/>
-            <a:headEnd type="none" w="med" len="med"/>
-            <a:tailEnd type="none" w="med" len="med"/>
+            <a:headEnd len="med" w="med" type="none"/>
+            <a:tailEnd len="med" w="med" type="none"/>
           </a:ln>
         </p:spPr>
       </p:cxnSp>
       <p:sp>
         <p:nvSpPr>
           <p:cNvPr id="39" name="Shape 39"/>
-          <p:cNvSpPr txBox="1">
-            <a:spLocks noGrp="1"/>
-          </p:cNvSpPr>
+          <p:cNvSpPr txBox="1"/>
           <p:nvPr>
-            <p:ph type="sldNum" idx="12"/>
+            <p:ph idx="12" type="sldNum"/>
           </p:nvPr>
         </p:nvSpPr>
         <p:spPr>
@@ -3595,7 +3663,7 @@
           </a:prstGeom>
         </p:spPr>
         <p:txBody>
-          <a:bodyPr spcFirstLastPara="1" wrap="square" lIns="91425" tIns="91425" rIns="91425" bIns="91425" anchor="t" anchorCtr="0">
+          <a:bodyPr anchorCtr="0" anchor="t" bIns="91425" lIns="91425" spcFirstLastPara="1" rIns="91425" wrap="square" tIns="91425">
             <a:noAutofit/>
           </a:bodyPr>
           <a:lstStyle>
@@ -3637,7 +3705,7 @@
             </a:lvl9pPr>
           </a:lstStyle>
           <a:p>
-            <a:pPr marL="0" lvl="0" indent="0">
+            <a:pPr indent="0" lvl="0" marL="0">
               <a:spcBef>
                 <a:spcPts val="0"/>
               </a:spcBef>
@@ -3648,16 +3716,7 @@
             </a:pPr>
             <a:fld id="{00000000-1234-1234-1234-123412341234}" type="slidenum">
               <a:rPr lang="en"/>
-              <a:pPr marL="0" lvl="0" indent="0">
-                <a:spcBef>
-                  <a:spcPts val="0"/>
-                </a:spcBef>
-                <a:spcAft>
-                  <a:spcPts val="0"/>
-                </a:spcAft>
-                <a:buNone/>
-              </a:pPr>
-              <a:t>‹N°›</a:t>
+              <a:t>‹#›</a:t>
             </a:fld>
             <a:endParaRPr/>
           </a:p>
@@ -3672,11 +3731,11 @@
 </file>
 
 <file path=ppt/slideLayouts/slideLayout4.xml><?xml version="1.0" encoding="utf-8"?>
-<p:sldLayout xmlns:a="http://schemas.openxmlformats.org/drawingml/2006/main" xmlns:r="http://schemas.openxmlformats.org/officeDocument/2006/relationships" xmlns:p="http://schemas.openxmlformats.org/presentationml/2006/main" matchingName="Title + 1 column" type="tx">
+<p:sldLayout xmlns:a="http://schemas.openxmlformats.org/drawingml/2006/main" xmlns:r="http://schemas.openxmlformats.org/officeDocument/2006/relationships" xmlns:mc="http://schemas.openxmlformats.org/markup-compatibility/2006" xmlns:mv="urn:schemas-microsoft-com:mac:vml" xmlns:p="http://schemas.openxmlformats.org/presentationml/2006/main" xmlns:c="http://schemas.openxmlformats.org/drawingml/2006/chart" xmlns:dgm="http://schemas.openxmlformats.org/drawingml/2006/diagram" xmlns:o="urn:schemas-microsoft-com:office:office" xmlns:v="urn:schemas-microsoft-com:vml" xmlns:pvml="urn:schemas-microsoft-com:office:powerpoint" xmlns:com="http://schemas.openxmlformats.org/drawingml/2006/compatibility" xmlns:p14="http://schemas.microsoft.com/office/powerpoint/2010/main" xmlns:p15="http://schemas.microsoft.com/office/powerpoint/2012/main" matchingName="Title + 1 column" type="tx">
   <p:cSld name="TITLE_AND_BODY">
     <p:spTree>
       <p:nvGrpSpPr>
-        <p:cNvPr id="1" name="Shape 40"/>
+        <p:cNvPr id="40" name="Shape 40"/>
         <p:cNvGrpSpPr/>
         <p:nvPr/>
       </p:nvGrpSpPr>
@@ -3691,9 +3750,7 @@
       <p:sp>
         <p:nvSpPr>
           <p:cNvPr id="41" name="Shape 41"/>
-          <p:cNvSpPr txBox="1">
-            <a:spLocks noGrp="1"/>
-          </p:cNvSpPr>
+          <p:cNvSpPr txBox="1"/>
           <p:nvPr>
             <p:ph type="title"/>
           </p:nvPr>
@@ -3708,7 +3765,7 @@
           </a:prstGeom>
         </p:spPr>
         <p:txBody>
-          <a:bodyPr spcFirstLastPara="1" wrap="square" lIns="91425" tIns="91425" rIns="91425" bIns="91425" anchor="b" anchorCtr="0"/>
+          <a:bodyPr anchorCtr="0" anchor="b" bIns="91425" lIns="91425" spcFirstLastPara="1" rIns="91425" wrap="square" tIns="91425"/>
           <a:lstStyle>
             <a:lvl1pPr lvl="0">
               <a:spcBef>
@@ -3810,19 +3867,15 @@
               <a:defRPr/>
             </a:lvl9pPr>
           </a:lstStyle>
-          <a:p>
-            <a:endParaRPr/>
-          </a:p>
+          <a:p/>
         </p:txBody>
       </p:sp>
       <p:sp>
         <p:nvSpPr>
           <p:cNvPr id="42" name="Shape 42"/>
-          <p:cNvSpPr txBox="1">
-            <a:spLocks noGrp="1"/>
-          </p:cNvSpPr>
+          <p:cNvSpPr txBox="1"/>
           <p:nvPr>
-            <p:ph type="body" idx="1"/>
+            <p:ph idx="1" type="body"/>
           </p:nvPr>
         </p:nvSpPr>
         <p:spPr>
@@ -3835,9 +3888,9 @@
           </a:prstGeom>
         </p:spPr>
         <p:txBody>
-          <a:bodyPr spcFirstLastPara="1" wrap="square" lIns="91425" tIns="91425" rIns="91425" bIns="91425" anchor="t" anchorCtr="0"/>
+          <a:bodyPr anchorCtr="0" anchor="t" bIns="91425" lIns="91425" spcFirstLastPara="1" rIns="91425" wrap="square" tIns="91425"/>
           <a:lstStyle>
-            <a:lvl1pPr marL="457200" lvl="0" indent="-419100">
+            <a:lvl1pPr indent="-419100" lvl="0" marL="457200">
               <a:spcBef>
                 <a:spcPts val="600"/>
               </a:spcBef>
@@ -3848,7 +3901,7 @@
               <a:buChar char="◎"/>
               <a:defRPr/>
             </a:lvl1pPr>
-            <a:lvl2pPr marL="914400" lvl="1" indent="-381000">
+            <a:lvl2pPr indent="-381000" lvl="1" marL="914400">
               <a:spcBef>
                 <a:spcPts val="0"/>
               </a:spcBef>
@@ -3859,7 +3912,7 @@
               <a:buChar char="○"/>
               <a:defRPr/>
             </a:lvl2pPr>
-            <a:lvl3pPr marL="1371600" lvl="2" indent="-381000">
+            <a:lvl3pPr indent="-381000" lvl="2" marL="1371600">
               <a:spcBef>
                 <a:spcPts val="0"/>
               </a:spcBef>
@@ -3870,7 +3923,7 @@
               <a:buChar char="◉"/>
               <a:defRPr/>
             </a:lvl3pPr>
-            <a:lvl4pPr marL="1828800" lvl="3" indent="-342900">
+            <a:lvl4pPr indent="-342900" lvl="3" marL="1828800">
               <a:spcBef>
                 <a:spcPts val="0"/>
               </a:spcBef>
@@ -3881,7 +3934,7 @@
               <a:buChar char="●"/>
               <a:defRPr/>
             </a:lvl4pPr>
-            <a:lvl5pPr marL="2286000" lvl="4" indent="-342900">
+            <a:lvl5pPr indent="-342900" lvl="4" marL="2286000">
               <a:spcBef>
                 <a:spcPts val="0"/>
               </a:spcBef>
@@ -3892,7 +3945,7 @@
               <a:buChar char="○"/>
               <a:defRPr/>
             </a:lvl5pPr>
-            <a:lvl6pPr marL="2743200" lvl="5" indent="-342900">
+            <a:lvl6pPr indent="-342900" lvl="5" marL="2743200">
               <a:spcBef>
                 <a:spcPts val="0"/>
               </a:spcBef>
@@ -3903,7 +3956,7 @@
               <a:buChar char="■"/>
               <a:defRPr/>
             </a:lvl6pPr>
-            <a:lvl7pPr marL="3200400" lvl="6" indent="-342900">
+            <a:lvl7pPr indent="-342900" lvl="6" marL="3200400">
               <a:spcBef>
                 <a:spcPts val="0"/>
               </a:spcBef>
@@ -3914,7 +3967,7 @@
               <a:buChar char="●"/>
               <a:defRPr/>
             </a:lvl7pPr>
-            <a:lvl8pPr marL="3657600" lvl="7" indent="-342900">
+            <a:lvl8pPr indent="-342900" lvl="7" marL="3657600">
               <a:spcBef>
                 <a:spcPts val="0"/>
               </a:spcBef>
@@ -3925,7 +3978,7 @@
               <a:buChar char="○"/>
               <a:defRPr/>
             </a:lvl8pPr>
-            <a:lvl9pPr marL="4114800" lvl="8" indent="-342900">
+            <a:lvl9pPr indent="-342900" lvl="8" marL="4114800">
               <a:spcBef>
                 <a:spcPts val="0"/>
               </a:spcBef>
@@ -3937,19 +3990,15 @@
               <a:defRPr/>
             </a:lvl9pPr>
           </a:lstStyle>
-          <a:p>
-            <a:endParaRPr/>
-          </a:p>
+          <a:p/>
         </p:txBody>
       </p:sp>
       <p:sp>
         <p:nvSpPr>
           <p:cNvPr id="43" name="Shape 43"/>
-          <p:cNvSpPr txBox="1">
-            <a:spLocks noGrp="1"/>
-          </p:cNvSpPr>
+          <p:cNvSpPr txBox="1"/>
           <p:nvPr>
-            <p:ph type="sldNum" idx="12"/>
+            <p:ph idx="12" type="sldNum"/>
           </p:nvPr>
         </p:nvSpPr>
         <p:spPr>
@@ -3962,7 +4011,7 @@
           </a:prstGeom>
         </p:spPr>
         <p:txBody>
-          <a:bodyPr spcFirstLastPara="1" wrap="square" lIns="91425" tIns="91425" rIns="91425" bIns="91425" anchor="t" anchorCtr="0">
+          <a:bodyPr anchorCtr="0" anchor="t" bIns="91425" lIns="91425" spcFirstLastPara="1" rIns="91425" wrap="square" tIns="91425">
             <a:noAutofit/>
           </a:bodyPr>
           <a:lstStyle>
@@ -4004,7 +4053,7 @@
             </a:lvl9pPr>
           </a:lstStyle>
           <a:p>
-            <a:pPr marL="0" lvl="0" indent="0">
+            <a:pPr indent="0" lvl="0" marL="0">
               <a:spcBef>
                 <a:spcPts val="0"/>
               </a:spcBef>
@@ -4015,16 +4064,7 @@
             </a:pPr>
             <a:fld id="{00000000-1234-1234-1234-123412341234}" type="slidenum">
               <a:rPr lang="en"/>
-              <a:pPr marL="0" lvl="0" indent="0">
-                <a:spcBef>
-                  <a:spcPts val="0"/>
-                </a:spcBef>
-                <a:spcAft>
-                  <a:spcPts val="0"/>
-                </a:spcAft>
-                <a:buNone/>
-              </a:pPr>
-              <a:t>‹N°›</a:t>
+              <a:t>‹#›</a:t>
             </a:fld>
             <a:endParaRPr/>
           </a:p>
@@ -4039,11 +4079,11 @@
 </file>
 
 <file path=ppt/slideLayouts/slideLayout5.xml><?xml version="1.0" encoding="utf-8"?>
-<p:sldLayout xmlns:a="http://schemas.openxmlformats.org/drawingml/2006/main" xmlns:r="http://schemas.openxmlformats.org/officeDocument/2006/relationships" xmlns:p="http://schemas.openxmlformats.org/presentationml/2006/main" matchingName="Title + 2 columns" type="twoColTx">
+<p:sldLayout xmlns:a="http://schemas.openxmlformats.org/drawingml/2006/main" xmlns:r="http://schemas.openxmlformats.org/officeDocument/2006/relationships" xmlns:mc="http://schemas.openxmlformats.org/markup-compatibility/2006" xmlns:mv="urn:schemas-microsoft-com:mac:vml" xmlns:p="http://schemas.openxmlformats.org/presentationml/2006/main" xmlns:c="http://schemas.openxmlformats.org/drawingml/2006/chart" xmlns:dgm="http://schemas.openxmlformats.org/drawingml/2006/diagram" xmlns:o="urn:schemas-microsoft-com:office:office" xmlns:v="urn:schemas-microsoft-com:vml" xmlns:pvml="urn:schemas-microsoft-com:office:powerpoint" xmlns:com="http://schemas.openxmlformats.org/drawingml/2006/compatibility" xmlns:p14="http://schemas.microsoft.com/office/powerpoint/2010/main" xmlns:p15="http://schemas.microsoft.com/office/powerpoint/2012/main" matchingName="Title + 2 columns" type="twoColTx">
   <p:cSld name="TITLE_AND_TWO_COLUMNS">
     <p:spTree>
       <p:nvGrpSpPr>
-        <p:cNvPr id="1" name="Shape 44"/>
+        <p:cNvPr id="44" name="Shape 44"/>
         <p:cNvGrpSpPr/>
         <p:nvPr/>
       </p:nvGrpSpPr>
@@ -4058,9 +4098,7 @@
       <p:sp>
         <p:nvSpPr>
           <p:cNvPr id="45" name="Shape 45"/>
-          <p:cNvSpPr txBox="1">
-            <a:spLocks noGrp="1"/>
-          </p:cNvSpPr>
+          <p:cNvSpPr txBox="1"/>
           <p:nvPr>
             <p:ph type="title"/>
           </p:nvPr>
@@ -4075,7 +4113,7 @@
           </a:prstGeom>
         </p:spPr>
         <p:txBody>
-          <a:bodyPr spcFirstLastPara="1" wrap="square" lIns="91425" tIns="91425" rIns="91425" bIns="91425" anchor="b" anchorCtr="0"/>
+          <a:bodyPr anchorCtr="0" anchor="b" bIns="91425" lIns="91425" spcFirstLastPara="1" rIns="91425" wrap="square" tIns="91425"/>
           <a:lstStyle>
             <a:lvl1pPr lvl="0">
               <a:spcBef>
@@ -4177,19 +4215,15 @@
               <a:defRPr/>
             </a:lvl9pPr>
           </a:lstStyle>
-          <a:p>
-            <a:endParaRPr/>
-          </a:p>
+          <a:p/>
         </p:txBody>
       </p:sp>
       <p:sp>
         <p:nvSpPr>
           <p:cNvPr id="46" name="Shape 46"/>
-          <p:cNvSpPr txBox="1">
-            <a:spLocks noGrp="1"/>
-          </p:cNvSpPr>
+          <p:cNvSpPr txBox="1"/>
           <p:nvPr>
-            <p:ph type="body" idx="1"/>
+            <p:ph idx="1" type="body"/>
           </p:nvPr>
         </p:nvSpPr>
         <p:spPr>
@@ -4202,9 +4236,9 @@
           </a:prstGeom>
         </p:spPr>
         <p:txBody>
-          <a:bodyPr spcFirstLastPara="1" wrap="square" lIns="91425" tIns="91425" rIns="91425" bIns="91425" anchor="t" anchorCtr="0"/>
+          <a:bodyPr anchorCtr="0" anchor="t" bIns="91425" lIns="91425" spcFirstLastPara="1" rIns="91425" wrap="square" tIns="91425"/>
           <a:lstStyle>
-            <a:lvl1pPr marL="457200" lvl="0" indent="-393700">
+            <a:lvl1pPr indent="-393700" lvl="0" marL="457200">
               <a:spcBef>
                 <a:spcPts val="600"/>
               </a:spcBef>
@@ -4215,7 +4249,7 @@
               <a:buChar char="◎"/>
               <a:defRPr sz="2600"/>
             </a:lvl1pPr>
-            <a:lvl2pPr marL="914400" lvl="1" indent="-393700">
+            <a:lvl2pPr indent="-393700" lvl="1" marL="914400">
               <a:spcBef>
                 <a:spcPts val="0"/>
               </a:spcBef>
@@ -4226,7 +4260,7 @@
               <a:buChar char="○"/>
               <a:defRPr sz="2600"/>
             </a:lvl2pPr>
-            <a:lvl3pPr marL="1371600" lvl="2" indent="-393700">
+            <a:lvl3pPr indent="-393700" lvl="2" marL="1371600">
               <a:spcBef>
                 <a:spcPts val="0"/>
               </a:spcBef>
@@ -4237,7 +4271,7 @@
               <a:buChar char="◉"/>
               <a:defRPr sz="2600"/>
             </a:lvl3pPr>
-            <a:lvl4pPr marL="1828800" lvl="3" indent="-393700">
+            <a:lvl4pPr indent="-393700" lvl="3" marL="1828800">
               <a:spcBef>
                 <a:spcPts val="0"/>
               </a:spcBef>
@@ -4248,7 +4282,7 @@
               <a:buChar char="●"/>
               <a:defRPr sz="2600"/>
             </a:lvl4pPr>
-            <a:lvl5pPr marL="2286000" lvl="4" indent="-393700">
+            <a:lvl5pPr indent="-393700" lvl="4" marL="2286000">
               <a:spcBef>
                 <a:spcPts val="0"/>
               </a:spcBef>
@@ -4259,7 +4293,7 @@
               <a:buChar char="○"/>
               <a:defRPr sz="2600"/>
             </a:lvl5pPr>
-            <a:lvl6pPr marL="2743200" lvl="5" indent="-393700">
+            <a:lvl6pPr indent="-393700" lvl="5" marL="2743200">
               <a:spcBef>
                 <a:spcPts val="0"/>
               </a:spcBef>
@@ -4270,7 +4304,7 @@
               <a:buChar char="■"/>
               <a:defRPr sz="2600"/>
             </a:lvl6pPr>
-            <a:lvl7pPr marL="3200400" lvl="6" indent="-393700">
+            <a:lvl7pPr indent="-393700" lvl="6" marL="3200400">
               <a:spcBef>
                 <a:spcPts val="0"/>
               </a:spcBef>
@@ -4281,7 +4315,7 @@
               <a:buChar char="●"/>
               <a:defRPr sz="2600"/>
             </a:lvl7pPr>
-            <a:lvl8pPr marL="3657600" lvl="7" indent="-393700">
+            <a:lvl8pPr indent="-393700" lvl="7" marL="3657600">
               <a:spcBef>
                 <a:spcPts val="0"/>
               </a:spcBef>
@@ -4292,7 +4326,7 @@
               <a:buChar char="○"/>
               <a:defRPr sz="2600"/>
             </a:lvl8pPr>
-            <a:lvl9pPr marL="4114800" lvl="8" indent="-393700">
+            <a:lvl9pPr indent="-393700" lvl="8" marL="4114800">
               <a:spcBef>
                 <a:spcPts val="0"/>
               </a:spcBef>
@@ -4304,19 +4338,15 @@
               <a:defRPr sz="2600"/>
             </a:lvl9pPr>
           </a:lstStyle>
-          <a:p>
-            <a:endParaRPr/>
-          </a:p>
+          <a:p/>
         </p:txBody>
       </p:sp>
       <p:sp>
         <p:nvSpPr>
           <p:cNvPr id="47" name="Shape 47"/>
-          <p:cNvSpPr txBox="1">
-            <a:spLocks noGrp="1"/>
-          </p:cNvSpPr>
+          <p:cNvSpPr txBox="1"/>
           <p:nvPr>
-            <p:ph type="body" idx="2"/>
+            <p:ph idx="2" type="body"/>
           </p:nvPr>
         </p:nvSpPr>
         <p:spPr>
@@ -4329,9 +4359,9 @@
           </a:prstGeom>
         </p:spPr>
         <p:txBody>
-          <a:bodyPr spcFirstLastPara="1" wrap="square" lIns="91425" tIns="91425" rIns="91425" bIns="91425" anchor="t" anchorCtr="0"/>
+          <a:bodyPr anchorCtr="0" anchor="t" bIns="91425" lIns="91425" spcFirstLastPara="1" rIns="91425" wrap="square" tIns="91425"/>
           <a:lstStyle>
-            <a:lvl1pPr marL="457200" lvl="0" indent="-393700">
+            <a:lvl1pPr indent="-393700" lvl="0" marL="457200">
               <a:spcBef>
                 <a:spcPts val="600"/>
               </a:spcBef>
@@ -4342,7 +4372,7 @@
               <a:buChar char="◎"/>
               <a:defRPr sz="2600"/>
             </a:lvl1pPr>
-            <a:lvl2pPr marL="914400" lvl="1" indent="-393700">
+            <a:lvl2pPr indent="-393700" lvl="1" marL="914400">
               <a:spcBef>
                 <a:spcPts val="0"/>
               </a:spcBef>
@@ -4353,7 +4383,7 @@
               <a:buChar char="○"/>
               <a:defRPr sz="2600"/>
             </a:lvl2pPr>
-            <a:lvl3pPr marL="1371600" lvl="2" indent="-393700">
+            <a:lvl3pPr indent="-393700" lvl="2" marL="1371600">
               <a:spcBef>
                 <a:spcPts val="0"/>
               </a:spcBef>
@@ -4364,7 +4394,7 @@
               <a:buChar char="◉"/>
               <a:defRPr sz="2600"/>
             </a:lvl3pPr>
-            <a:lvl4pPr marL="1828800" lvl="3" indent="-393700">
+            <a:lvl4pPr indent="-393700" lvl="3" marL="1828800">
               <a:spcBef>
                 <a:spcPts val="0"/>
               </a:spcBef>
@@ -4375,7 +4405,7 @@
               <a:buChar char="●"/>
               <a:defRPr sz="2600"/>
             </a:lvl4pPr>
-            <a:lvl5pPr marL="2286000" lvl="4" indent="-393700">
+            <a:lvl5pPr indent="-393700" lvl="4" marL="2286000">
               <a:spcBef>
                 <a:spcPts val="0"/>
               </a:spcBef>
@@ -4386,7 +4416,7 @@
               <a:buChar char="○"/>
               <a:defRPr sz="2600"/>
             </a:lvl5pPr>
-            <a:lvl6pPr marL="2743200" lvl="5" indent="-393700">
+            <a:lvl6pPr indent="-393700" lvl="5" marL="2743200">
               <a:spcBef>
                 <a:spcPts val="0"/>
               </a:spcBef>
@@ -4397,7 +4427,7 @@
               <a:buChar char="■"/>
               <a:defRPr sz="2600"/>
             </a:lvl6pPr>
-            <a:lvl7pPr marL="3200400" lvl="6" indent="-393700">
+            <a:lvl7pPr indent="-393700" lvl="6" marL="3200400">
               <a:spcBef>
                 <a:spcPts val="0"/>
               </a:spcBef>
@@ -4408,7 +4438,7 @@
               <a:buChar char="●"/>
               <a:defRPr sz="2600"/>
             </a:lvl7pPr>
-            <a:lvl8pPr marL="3657600" lvl="7" indent="-393700">
+            <a:lvl8pPr indent="-393700" lvl="7" marL="3657600">
               <a:spcBef>
                 <a:spcPts val="0"/>
               </a:spcBef>
@@ -4419,7 +4449,7 @@
               <a:buChar char="○"/>
               <a:defRPr sz="2600"/>
             </a:lvl8pPr>
-            <a:lvl9pPr marL="4114800" lvl="8" indent="-393700">
+            <a:lvl9pPr indent="-393700" lvl="8" marL="4114800">
               <a:spcBef>
                 <a:spcPts val="0"/>
               </a:spcBef>
@@ -4431,19 +4461,15 @@
               <a:defRPr sz="2600"/>
             </a:lvl9pPr>
           </a:lstStyle>
-          <a:p>
-            <a:endParaRPr/>
-          </a:p>
+          <a:p/>
         </p:txBody>
       </p:sp>
       <p:sp>
         <p:nvSpPr>
           <p:cNvPr id="48" name="Shape 48"/>
-          <p:cNvSpPr txBox="1">
-            <a:spLocks noGrp="1"/>
-          </p:cNvSpPr>
+          <p:cNvSpPr txBox="1"/>
           <p:nvPr>
-            <p:ph type="sldNum" idx="12"/>
+            <p:ph idx="12" type="sldNum"/>
           </p:nvPr>
         </p:nvSpPr>
         <p:spPr>
@@ -4456,7 +4482,7 @@
           </a:prstGeom>
         </p:spPr>
         <p:txBody>
-          <a:bodyPr spcFirstLastPara="1" wrap="square" lIns="91425" tIns="91425" rIns="91425" bIns="91425" anchor="t" anchorCtr="0">
+          <a:bodyPr anchorCtr="0" anchor="t" bIns="91425" lIns="91425" spcFirstLastPara="1" rIns="91425" wrap="square" tIns="91425">
             <a:noAutofit/>
           </a:bodyPr>
           <a:lstStyle>
@@ -4498,7 +4524,7 @@
             </a:lvl9pPr>
           </a:lstStyle>
           <a:p>
-            <a:pPr marL="0" lvl="0" indent="0">
+            <a:pPr indent="0" lvl="0" marL="0">
               <a:spcBef>
                 <a:spcPts val="0"/>
               </a:spcBef>
@@ -4509,16 +4535,7 @@
             </a:pPr>
             <a:fld id="{00000000-1234-1234-1234-123412341234}" type="slidenum">
               <a:rPr lang="en"/>
-              <a:pPr marL="0" lvl="0" indent="0">
-                <a:spcBef>
-                  <a:spcPts val="0"/>
-                </a:spcBef>
-                <a:spcAft>
-                  <a:spcPts val="0"/>
-                </a:spcAft>
-                <a:buNone/>
-              </a:pPr>
-              <a:t>‹N°›</a:t>
+              <a:t>‹#›</a:t>
             </a:fld>
             <a:endParaRPr/>
           </a:p>
@@ -4533,11 +4550,11 @@
 </file>
 
 <file path=ppt/slideLayouts/slideLayout6.xml><?xml version="1.0" encoding="utf-8"?>
-<p:sldLayout xmlns:a="http://schemas.openxmlformats.org/drawingml/2006/main" xmlns:r="http://schemas.openxmlformats.org/officeDocument/2006/relationships" xmlns:p="http://schemas.openxmlformats.org/presentationml/2006/main" matchingName="Title + 3 columns">
+<p:sldLayout xmlns:a="http://schemas.openxmlformats.org/drawingml/2006/main" xmlns:r="http://schemas.openxmlformats.org/officeDocument/2006/relationships" xmlns:mc="http://schemas.openxmlformats.org/markup-compatibility/2006" xmlns:mv="urn:schemas-microsoft-com:mac:vml" xmlns:p="http://schemas.openxmlformats.org/presentationml/2006/main" xmlns:c="http://schemas.openxmlformats.org/drawingml/2006/chart" xmlns:dgm="http://schemas.openxmlformats.org/drawingml/2006/diagram" xmlns:o="urn:schemas-microsoft-com:office:office" xmlns:v="urn:schemas-microsoft-com:vml" xmlns:pvml="urn:schemas-microsoft-com:office:powerpoint" xmlns:com="http://schemas.openxmlformats.org/drawingml/2006/compatibility" xmlns:p14="http://schemas.microsoft.com/office/powerpoint/2010/main" xmlns:p15="http://schemas.microsoft.com/office/powerpoint/2012/main" matchingName="Title + 3 columns">
   <p:cSld name="TITLE_AND_TWO_COLUMNS_1">
     <p:spTree>
       <p:nvGrpSpPr>
-        <p:cNvPr id="1" name="Shape 49"/>
+        <p:cNvPr id="49" name="Shape 49"/>
         <p:cNvGrpSpPr/>
         <p:nvPr/>
       </p:nvGrpSpPr>
@@ -4552,9 +4569,7 @@
       <p:sp>
         <p:nvSpPr>
           <p:cNvPr id="50" name="Shape 50"/>
-          <p:cNvSpPr txBox="1">
-            <a:spLocks noGrp="1"/>
-          </p:cNvSpPr>
+          <p:cNvSpPr txBox="1"/>
           <p:nvPr>
             <p:ph type="title"/>
           </p:nvPr>
@@ -4569,7 +4584,7 @@
           </a:prstGeom>
         </p:spPr>
         <p:txBody>
-          <a:bodyPr spcFirstLastPara="1" wrap="square" lIns="91425" tIns="91425" rIns="91425" bIns="91425" anchor="b" anchorCtr="0"/>
+          <a:bodyPr anchorCtr="0" anchor="b" bIns="91425" lIns="91425" spcFirstLastPara="1" rIns="91425" wrap="square" tIns="91425"/>
           <a:lstStyle>
             <a:lvl1pPr lvl="0" rtl="0">
               <a:spcBef>
@@ -4671,19 +4686,15 @@
               <a:defRPr/>
             </a:lvl9pPr>
           </a:lstStyle>
-          <a:p>
-            <a:endParaRPr/>
-          </a:p>
+          <a:p/>
         </p:txBody>
       </p:sp>
       <p:sp>
         <p:nvSpPr>
           <p:cNvPr id="51" name="Shape 51"/>
-          <p:cNvSpPr txBox="1">
-            <a:spLocks noGrp="1"/>
-          </p:cNvSpPr>
+          <p:cNvSpPr txBox="1"/>
           <p:nvPr>
-            <p:ph type="body" idx="1"/>
+            <p:ph idx="1" type="body"/>
           </p:nvPr>
         </p:nvSpPr>
         <p:spPr>
@@ -4696,9 +4707,9 @@
           </a:prstGeom>
         </p:spPr>
         <p:txBody>
-          <a:bodyPr spcFirstLastPara="1" wrap="square" lIns="91425" tIns="91425" rIns="91425" bIns="91425" anchor="t" anchorCtr="0"/>
+          <a:bodyPr anchorCtr="0" anchor="t" bIns="91425" lIns="91425" spcFirstLastPara="1" rIns="91425" wrap="square" tIns="91425"/>
           <a:lstStyle>
-            <a:lvl1pPr marL="457200" lvl="0" indent="-355600" rtl="0">
+            <a:lvl1pPr indent="-355600" lvl="0" marL="457200" rtl="0">
               <a:spcBef>
                 <a:spcPts val="600"/>
               </a:spcBef>
@@ -4709,7 +4720,7 @@
               <a:buChar char="◎"/>
               <a:defRPr sz="2000"/>
             </a:lvl1pPr>
-            <a:lvl2pPr marL="914400" lvl="1" indent="-355600" rtl="0">
+            <a:lvl2pPr indent="-355600" lvl="1" marL="914400" rtl="0">
               <a:spcBef>
                 <a:spcPts val="0"/>
               </a:spcBef>
@@ -4720,7 +4731,7 @@
               <a:buChar char="○"/>
               <a:defRPr sz="2000"/>
             </a:lvl2pPr>
-            <a:lvl3pPr marL="1371600" lvl="2" indent="-355600" rtl="0">
+            <a:lvl3pPr indent="-355600" lvl="2" marL="1371600" rtl="0">
               <a:spcBef>
                 <a:spcPts val="0"/>
               </a:spcBef>
@@ -4731,7 +4742,7 @@
               <a:buChar char="◉"/>
               <a:defRPr sz="2000"/>
             </a:lvl3pPr>
-            <a:lvl4pPr marL="1828800" lvl="3" indent="-355600" rtl="0">
+            <a:lvl4pPr indent="-355600" lvl="3" marL="1828800" rtl="0">
               <a:spcBef>
                 <a:spcPts val="0"/>
               </a:spcBef>
@@ -4742,7 +4753,7 @@
               <a:buChar char="●"/>
               <a:defRPr sz="2000"/>
             </a:lvl4pPr>
-            <a:lvl5pPr marL="2286000" lvl="4" indent="-355600" rtl="0">
+            <a:lvl5pPr indent="-355600" lvl="4" marL="2286000" rtl="0">
               <a:spcBef>
                 <a:spcPts val="0"/>
               </a:spcBef>
@@ -4753,7 +4764,7 @@
               <a:buChar char="○"/>
               <a:defRPr sz="2000"/>
             </a:lvl5pPr>
-            <a:lvl6pPr marL="2743200" lvl="5" indent="-355600" rtl="0">
+            <a:lvl6pPr indent="-355600" lvl="5" marL="2743200" rtl="0">
               <a:spcBef>
                 <a:spcPts val="0"/>
               </a:spcBef>
@@ -4764,7 +4775,7 @@
               <a:buChar char="■"/>
               <a:defRPr sz="2000"/>
             </a:lvl6pPr>
-            <a:lvl7pPr marL="3200400" lvl="6" indent="-355600" rtl="0">
+            <a:lvl7pPr indent="-355600" lvl="6" marL="3200400" rtl="0">
               <a:spcBef>
                 <a:spcPts val="0"/>
               </a:spcBef>
@@ -4775,7 +4786,7 @@
               <a:buChar char="●"/>
               <a:defRPr sz="2000"/>
             </a:lvl7pPr>
-            <a:lvl8pPr marL="3657600" lvl="7" indent="-355600" rtl="0">
+            <a:lvl8pPr indent="-355600" lvl="7" marL="3657600" rtl="0">
               <a:spcBef>
                 <a:spcPts val="0"/>
               </a:spcBef>
@@ -4786,7 +4797,7 @@
               <a:buChar char="○"/>
               <a:defRPr sz="2000"/>
             </a:lvl8pPr>
-            <a:lvl9pPr marL="4114800" lvl="8" indent="-355600" rtl="0">
+            <a:lvl9pPr indent="-355600" lvl="8" marL="4114800" rtl="0">
               <a:spcBef>
                 <a:spcPts val="0"/>
               </a:spcBef>
@@ -4798,19 +4809,15 @@
               <a:defRPr sz="2000"/>
             </a:lvl9pPr>
           </a:lstStyle>
-          <a:p>
-            <a:endParaRPr/>
-          </a:p>
+          <a:p/>
         </p:txBody>
       </p:sp>
       <p:sp>
         <p:nvSpPr>
           <p:cNvPr id="52" name="Shape 52"/>
-          <p:cNvSpPr txBox="1">
-            <a:spLocks noGrp="1"/>
-          </p:cNvSpPr>
+          <p:cNvSpPr txBox="1"/>
           <p:nvPr>
-            <p:ph type="body" idx="2"/>
+            <p:ph idx="2" type="body"/>
           </p:nvPr>
         </p:nvSpPr>
         <p:spPr>
@@ -4823,9 +4830,9 @@
           </a:prstGeom>
         </p:spPr>
         <p:txBody>
-          <a:bodyPr spcFirstLastPara="1" wrap="square" lIns="91425" tIns="91425" rIns="91425" bIns="91425" anchor="t" anchorCtr="0"/>
+          <a:bodyPr anchorCtr="0" anchor="t" bIns="91425" lIns="91425" spcFirstLastPara="1" rIns="91425" wrap="square" tIns="91425"/>
           <a:lstStyle>
-            <a:lvl1pPr marL="457200" lvl="0" indent="-355600" rtl="0">
+            <a:lvl1pPr indent="-355600" lvl="0" marL="457200" rtl="0">
               <a:spcBef>
                 <a:spcPts val="600"/>
               </a:spcBef>
@@ -4836,7 +4843,7 @@
               <a:buChar char="◎"/>
               <a:defRPr sz="2000"/>
             </a:lvl1pPr>
-            <a:lvl2pPr marL="914400" lvl="1" indent="-355600" rtl="0">
+            <a:lvl2pPr indent="-355600" lvl="1" marL="914400" rtl="0">
               <a:spcBef>
                 <a:spcPts val="0"/>
               </a:spcBef>
@@ -4847,7 +4854,7 @@
               <a:buChar char="○"/>
               <a:defRPr sz="2000"/>
             </a:lvl2pPr>
-            <a:lvl3pPr marL="1371600" lvl="2" indent="-355600" rtl="0">
+            <a:lvl3pPr indent="-355600" lvl="2" marL="1371600" rtl="0">
               <a:spcBef>
                 <a:spcPts val="0"/>
               </a:spcBef>
@@ -4858,7 +4865,7 @@
               <a:buChar char="◉"/>
               <a:defRPr sz="2000"/>
             </a:lvl3pPr>
-            <a:lvl4pPr marL="1828800" lvl="3" indent="-355600" rtl="0">
+            <a:lvl4pPr indent="-355600" lvl="3" marL="1828800" rtl="0">
               <a:spcBef>
                 <a:spcPts val="0"/>
               </a:spcBef>
@@ -4869,7 +4876,7 @@
               <a:buChar char="●"/>
               <a:defRPr sz="2000"/>
             </a:lvl4pPr>
-            <a:lvl5pPr marL="2286000" lvl="4" indent="-355600" rtl="0">
+            <a:lvl5pPr indent="-355600" lvl="4" marL="2286000" rtl="0">
               <a:spcBef>
                 <a:spcPts val="0"/>
               </a:spcBef>
@@ -4880,7 +4887,7 @@
               <a:buChar char="○"/>
               <a:defRPr sz="2000"/>
             </a:lvl5pPr>
-            <a:lvl6pPr marL="2743200" lvl="5" indent="-355600" rtl="0">
+            <a:lvl6pPr indent="-355600" lvl="5" marL="2743200" rtl="0">
               <a:spcBef>
                 <a:spcPts val="0"/>
               </a:spcBef>
@@ -4891,7 +4898,7 @@
               <a:buChar char="■"/>
               <a:defRPr sz="2000"/>
             </a:lvl6pPr>
-            <a:lvl7pPr marL="3200400" lvl="6" indent="-355600" rtl="0">
+            <a:lvl7pPr indent="-355600" lvl="6" marL="3200400" rtl="0">
               <a:spcBef>
                 <a:spcPts val="0"/>
               </a:spcBef>
@@ -4902,7 +4909,7 @@
               <a:buChar char="●"/>
               <a:defRPr sz="2000"/>
             </a:lvl7pPr>
-            <a:lvl8pPr marL="3657600" lvl="7" indent="-355600" rtl="0">
+            <a:lvl8pPr indent="-355600" lvl="7" marL="3657600" rtl="0">
               <a:spcBef>
                 <a:spcPts val="0"/>
               </a:spcBef>
@@ -4913,7 +4920,7 @@
               <a:buChar char="○"/>
               <a:defRPr sz="2000"/>
             </a:lvl8pPr>
-            <a:lvl9pPr marL="4114800" lvl="8" indent="-355600" rtl="0">
+            <a:lvl9pPr indent="-355600" lvl="8" marL="4114800" rtl="0">
               <a:spcBef>
                 <a:spcPts val="0"/>
               </a:spcBef>
@@ -4925,19 +4932,15 @@
               <a:defRPr sz="2000"/>
             </a:lvl9pPr>
           </a:lstStyle>
-          <a:p>
-            <a:endParaRPr/>
-          </a:p>
+          <a:p/>
         </p:txBody>
       </p:sp>
       <p:sp>
         <p:nvSpPr>
           <p:cNvPr id="53" name="Shape 53"/>
-          <p:cNvSpPr txBox="1">
-            <a:spLocks noGrp="1"/>
-          </p:cNvSpPr>
+          <p:cNvSpPr txBox="1"/>
           <p:nvPr>
-            <p:ph type="body" idx="3"/>
+            <p:ph idx="3" type="body"/>
           </p:nvPr>
         </p:nvSpPr>
         <p:spPr>
@@ -4950,9 +4953,9 @@
           </a:prstGeom>
         </p:spPr>
         <p:txBody>
-          <a:bodyPr spcFirstLastPara="1" wrap="square" lIns="91425" tIns="91425" rIns="91425" bIns="91425" anchor="t" anchorCtr="0"/>
+          <a:bodyPr anchorCtr="0" anchor="t" bIns="91425" lIns="91425" spcFirstLastPara="1" rIns="91425" wrap="square" tIns="91425"/>
           <a:lstStyle>
-            <a:lvl1pPr marL="457200" lvl="0" indent="-355600" rtl="0">
+            <a:lvl1pPr indent="-355600" lvl="0" marL="457200" rtl="0">
               <a:spcBef>
                 <a:spcPts val="600"/>
               </a:spcBef>
@@ -4963,7 +4966,7 @@
               <a:buChar char="◎"/>
               <a:defRPr sz="2000"/>
             </a:lvl1pPr>
-            <a:lvl2pPr marL="914400" lvl="1" indent="-355600" rtl="0">
+            <a:lvl2pPr indent="-355600" lvl="1" marL="914400" rtl="0">
               <a:spcBef>
                 <a:spcPts val="0"/>
               </a:spcBef>
@@ -4974,7 +4977,7 @@
               <a:buChar char="○"/>
               <a:defRPr sz="2000"/>
             </a:lvl2pPr>
-            <a:lvl3pPr marL="1371600" lvl="2" indent="-355600" rtl="0">
+            <a:lvl3pPr indent="-355600" lvl="2" marL="1371600" rtl="0">
               <a:spcBef>
                 <a:spcPts val="0"/>
               </a:spcBef>
@@ -4985,7 +4988,7 @@
               <a:buChar char="◉"/>
               <a:defRPr sz="2000"/>
             </a:lvl3pPr>
-            <a:lvl4pPr marL="1828800" lvl="3" indent="-355600" rtl="0">
+            <a:lvl4pPr indent="-355600" lvl="3" marL="1828800" rtl="0">
               <a:spcBef>
                 <a:spcPts val="0"/>
               </a:spcBef>
@@ -4996,7 +4999,7 @@
               <a:buChar char="●"/>
               <a:defRPr sz="2000"/>
             </a:lvl4pPr>
-            <a:lvl5pPr marL="2286000" lvl="4" indent="-355600" rtl="0">
+            <a:lvl5pPr indent="-355600" lvl="4" marL="2286000" rtl="0">
               <a:spcBef>
                 <a:spcPts val="0"/>
               </a:spcBef>
@@ -5007,7 +5010,7 @@
               <a:buChar char="○"/>
               <a:defRPr sz="2000"/>
             </a:lvl5pPr>
-            <a:lvl6pPr marL="2743200" lvl="5" indent="-355600" rtl="0">
+            <a:lvl6pPr indent="-355600" lvl="5" marL="2743200" rtl="0">
               <a:spcBef>
                 <a:spcPts val="0"/>
               </a:spcBef>
@@ -5018,7 +5021,7 @@
               <a:buChar char="■"/>
               <a:defRPr sz="2000"/>
             </a:lvl6pPr>
-            <a:lvl7pPr marL="3200400" lvl="6" indent="-355600" rtl="0">
+            <a:lvl7pPr indent="-355600" lvl="6" marL="3200400" rtl="0">
               <a:spcBef>
                 <a:spcPts val="0"/>
               </a:spcBef>
@@ -5029,7 +5032,7 @@
               <a:buChar char="●"/>
               <a:defRPr sz="2000"/>
             </a:lvl7pPr>
-            <a:lvl8pPr marL="3657600" lvl="7" indent="-355600" rtl="0">
+            <a:lvl8pPr indent="-355600" lvl="7" marL="3657600" rtl="0">
               <a:spcBef>
                 <a:spcPts val="0"/>
               </a:spcBef>
@@ -5040,7 +5043,7 @@
               <a:buChar char="○"/>
               <a:defRPr sz="2000"/>
             </a:lvl8pPr>
-            <a:lvl9pPr marL="4114800" lvl="8" indent="-355600" rtl="0">
+            <a:lvl9pPr indent="-355600" lvl="8" marL="4114800" rtl="0">
               <a:spcBef>
                 <a:spcPts val="0"/>
               </a:spcBef>
@@ -5052,19 +5055,15 @@
               <a:defRPr sz="2000"/>
             </a:lvl9pPr>
           </a:lstStyle>
-          <a:p>
-            <a:endParaRPr/>
-          </a:p>
+          <a:p/>
         </p:txBody>
       </p:sp>
       <p:sp>
         <p:nvSpPr>
           <p:cNvPr id="54" name="Shape 54"/>
-          <p:cNvSpPr txBox="1">
-            <a:spLocks noGrp="1"/>
-          </p:cNvSpPr>
+          <p:cNvSpPr txBox="1"/>
           <p:nvPr>
-            <p:ph type="sldNum" idx="12"/>
+            <p:ph idx="12" type="sldNum"/>
           </p:nvPr>
         </p:nvSpPr>
         <p:spPr>
@@ -5077,7 +5076,7 @@
           </a:prstGeom>
         </p:spPr>
         <p:txBody>
-          <a:bodyPr spcFirstLastPara="1" wrap="square" lIns="91425" tIns="91425" rIns="91425" bIns="91425" anchor="t" anchorCtr="0">
+          <a:bodyPr anchorCtr="0" anchor="t" bIns="91425" lIns="91425" spcFirstLastPara="1" rIns="91425" wrap="square" tIns="91425">
             <a:noAutofit/>
           </a:bodyPr>
           <a:lstStyle>
@@ -5119,7 +5118,7 @@
             </a:lvl9pPr>
           </a:lstStyle>
           <a:p>
-            <a:pPr marL="0" lvl="0" indent="0">
+            <a:pPr indent="0" lvl="0" marL="0">
               <a:spcBef>
                 <a:spcPts val="0"/>
               </a:spcBef>
@@ -5130,16 +5129,7 @@
             </a:pPr>
             <a:fld id="{00000000-1234-1234-1234-123412341234}" type="slidenum">
               <a:rPr lang="en"/>
-              <a:pPr marL="0" lvl="0" indent="0">
-                <a:spcBef>
-                  <a:spcPts val="0"/>
-                </a:spcBef>
-                <a:spcAft>
-                  <a:spcPts val="0"/>
-                </a:spcAft>
-                <a:buNone/>
-              </a:pPr>
-              <a:t>‹N°›</a:t>
+              <a:t>‹#›</a:t>
             </a:fld>
             <a:endParaRPr/>
           </a:p>
@@ -5154,7 +5144,7 @@
 </file>
 
 <file path=ppt/slideLayouts/slideLayout7.xml><?xml version="1.0" encoding="utf-8"?>
-<p:sldLayout xmlns:a="http://schemas.openxmlformats.org/drawingml/2006/main" xmlns:r="http://schemas.openxmlformats.org/officeDocument/2006/relationships" xmlns:p="http://schemas.openxmlformats.org/presentationml/2006/main" matchingName="Title only" type="titleOnly">
+<p:sldLayout xmlns:a="http://schemas.openxmlformats.org/drawingml/2006/main" xmlns:r="http://schemas.openxmlformats.org/officeDocument/2006/relationships" xmlns:mc="http://schemas.openxmlformats.org/markup-compatibility/2006" xmlns:mv="urn:schemas-microsoft-com:mac:vml" xmlns:p="http://schemas.openxmlformats.org/presentationml/2006/main" xmlns:c="http://schemas.openxmlformats.org/drawingml/2006/chart" xmlns:dgm="http://schemas.openxmlformats.org/drawingml/2006/diagram" xmlns:o="urn:schemas-microsoft-com:office:office" xmlns:v="urn:schemas-microsoft-com:vml" xmlns:pvml="urn:schemas-microsoft-com:office:powerpoint" xmlns:com="http://schemas.openxmlformats.org/drawingml/2006/compatibility" xmlns:p14="http://schemas.microsoft.com/office/powerpoint/2010/main" xmlns:p15="http://schemas.microsoft.com/office/powerpoint/2012/main" matchingName="Title only" type="titleOnly">
   <p:cSld name="TITLE_ONLY">
     <p:bg>
       <p:bgPr>
@@ -5166,12 +5156,11 @@
             <a:fillRect/>
           </a:stretch>
         </a:blipFill>
-        <a:effectLst/>
       </p:bgPr>
     </p:bg>
     <p:spTree>
       <p:nvGrpSpPr>
-        <p:cNvPr id="1" name="Shape 55"/>
+        <p:cNvPr id="55" name="Shape 55"/>
         <p:cNvGrpSpPr/>
         <p:nvPr/>
       </p:nvGrpSpPr>
@@ -5186,9 +5175,7 @@
       <p:sp>
         <p:nvSpPr>
           <p:cNvPr id="56" name="Shape 56"/>
-          <p:cNvSpPr txBox="1">
-            <a:spLocks noGrp="1"/>
-          </p:cNvSpPr>
+          <p:cNvSpPr txBox="1"/>
           <p:nvPr>
             <p:ph type="title"/>
           </p:nvPr>
@@ -5203,7 +5190,7 @@
           </a:prstGeom>
         </p:spPr>
         <p:txBody>
-          <a:bodyPr spcFirstLastPara="1" wrap="square" lIns="91425" tIns="91425" rIns="91425" bIns="91425" anchor="b" anchorCtr="0"/>
+          <a:bodyPr anchorCtr="0" anchor="b" bIns="91425" lIns="91425" spcFirstLastPara="1" rIns="91425" wrap="square" tIns="91425"/>
           <a:lstStyle>
             <a:lvl1pPr lvl="0">
               <a:spcBef>
@@ -5305,19 +5292,15 @@
               <a:defRPr/>
             </a:lvl9pPr>
           </a:lstStyle>
-          <a:p>
-            <a:endParaRPr/>
-          </a:p>
+          <a:p/>
         </p:txBody>
       </p:sp>
       <p:sp>
         <p:nvSpPr>
           <p:cNvPr id="57" name="Shape 57"/>
-          <p:cNvSpPr txBox="1">
-            <a:spLocks noGrp="1"/>
-          </p:cNvSpPr>
+          <p:cNvSpPr txBox="1"/>
           <p:nvPr>
-            <p:ph type="sldNum" idx="12"/>
+            <p:ph idx="12" type="sldNum"/>
           </p:nvPr>
         </p:nvSpPr>
         <p:spPr>
@@ -5330,7 +5313,7 @@
           </a:prstGeom>
         </p:spPr>
         <p:txBody>
-          <a:bodyPr spcFirstLastPara="1" wrap="square" lIns="91425" tIns="91425" rIns="91425" bIns="91425" anchor="t" anchorCtr="0">
+          <a:bodyPr anchorCtr="0" anchor="t" bIns="91425" lIns="91425" spcFirstLastPara="1" rIns="91425" wrap="square" tIns="91425">
             <a:noAutofit/>
           </a:bodyPr>
           <a:lstStyle>
@@ -5372,7 +5355,7 @@
             </a:lvl9pPr>
           </a:lstStyle>
           <a:p>
-            <a:pPr marL="0" lvl="0" indent="0">
+            <a:pPr indent="0" lvl="0" marL="0">
               <a:spcBef>
                 <a:spcPts val="0"/>
               </a:spcBef>
@@ -5383,16 +5366,7 @@
             </a:pPr>
             <a:fld id="{00000000-1234-1234-1234-123412341234}" type="slidenum">
               <a:rPr lang="en"/>
-              <a:pPr marL="0" lvl="0" indent="0">
-                <a:spcBef>
-                  <a:spcPts val="0"/>
-                </a:spcBef>
-                <a:spcAft>
-                  <a:spcPts val="0"/>
-                </a:spcAft>
-                <a:buNone/>
-              </a:pPr>
-              <a:t>‹N°›</a:t>
+              <a:t>‹#›</a:t>
             </a:fld>
             <a:endParaRPr/>
           </a:p>
@@ -5407,7 +5381,7 @@
 </file>
 
 <file path=ppt/slideLayouts/slideLayout8.xml><?xml version="1.0" encoding="utf-8"?>
-<p:sldLayout xmlns:a="http://schemas.openxmlformats.org/drawingml/2006/main" xmlns:r="http://schemas.openxmlformats.org/officeDocument/2006/relationships" xmlns:p="http://schemas.openxmlformats.org/presentationml/2006/main" matchingName="Caption">
+<p:sldLayout xmlns:a="http://schemas.openxmlformats.org/drawingml/2006/main" xmlns:r="http://schemas.openxmlformats.org/officeDocument/2006/relationships" xmlns:mc="http://schemas.openxmlformats.org/markup-compatibility/2006" xmlns:mv="urn:schemas-microsoft-com:mac:vml" xmlns:p="http://schemas.openxmlformats.org/presentationml/2006/main" xmlns:c="http://schemas.openxmlformats.org/drawingml/2006/chart" xmlns:dgm="http://schemas.openxmlformats.org/drawingml/2006/diagram" xmlns:o="urn:schemas-microsoft-com:office:office" xmlns:v="urn:schemas-microsoft-com:vml" xmlns:pvml="urn:schemas-microsoft-com:office:powerpoint" xmlns:com="http://schemas.openxmlformats.org/drawingml/2006/compatibility" xmlns:p14="http://schemas.microsoft.com/office/powerpoint/2010/main" xmlns:p15="http://schemas.microsoft.com/office/powerpoint/2012/main" matchingName="Caption">
   <p:cSld name="CAPTION_ONLY">
     <p:bg>
       <p:bgPr>
@@ -5419,12 +5393,11 @@
             <a:fillRect/>
           </a:stretch>
         </a:blipFill>
-        <a:effectLst/>
       </p:bgPr>
     </p:bg>
     <p:spTree>
       <p:nvGrpSpPr>
-        <p:cNvPr id="1" name="Shape 58"/>
+        <p:cNvPr id="58" name="Shape 58"/>
         <p:cNvGrpSpPr/>
         <p:nvPr/>
       </p:nvGrpSpPr>
@@ -5439,11 +5412,9 @@
       <p:sp>
         <p:nvSpPr>
           <p:cNvPr id="59" name="Shape 59"/>
-          <p:cNvSpPr txBox="1">
-            <a:spLocks noGrp="1"/>
-          </p:cNvSpPr>
+          <p:cNvSpPr txBox="1"/>
           <p:nvPr>
-            <p:ph type="body" idx="1"/>
+            <p:ph idx="1" type="body"/>
           </p:nvPr>
         </p:nvSpPr>
         <p:spPr>
@@ -5456,9 +5427,9 @@
           </a:prstGeom>
         </p:spPr>
         <p:txBody>
-          <a:bodyPr spcFirstLastPara="1" wrap="square" lIns="91425" tIns="91425" rIns="91425" bIns="91425" anchor="t" anchorCtr="0"/>
+          <a:bodyPr anchorCtr="0" anchor="t" bIns="91425" lIns="91425" spcFirstLastPara="1" rIns="91425" wrap="square" tIns="91425"/>
           <a:lstStyle>
-            <a:lvl1pPr marL="457200" lvl="0" indent="-228600" algn="ctr">
+            <a:lvl1pPr indent="-228600" lvl="0" marL="457200" algn="ctr">
               <a:spcBef>
                 <a:spcPts val="360"/>
               </a:spcBef>
@@ -5470,19 +5441,15 @@
               <a:defRPr sz="1800"/>
             </a:lvl1pPr>
           </a:lstStyle>
-          <a:p>
-            <a:endParaRPr/>
-          </a:p>
+          <a:p/>
         </p:txBody>
       </p:sp>
       <p:sp>
         <p:nvSpPr>
           <p:cNvPr id="60" name="Shape 60"/>
-          <p:cNvSpPr txBox="1">
-            <a:spLocks noGrp="1"/>
-          </p:cNvSpPr>
+          <p:cNvSpPr txBox="1"/>
           <p:nvPr>
-            <p:ph type="sldNum" idx="12"/>
+            <p:ph idx="12" type="sldNum"/>
           </p:nvPr>
         </p:nvSpPr>
         <p:spPr>
@@ -5495,7 +5462,7 @@
           </a:prstGeom>
         </p:spPr>
         <p:txBody>
-          <a:bodyPr spcFirstLastPara="1" wrap="square" lIns="91425" tIns="91425" rIns="91425" bIns="91425" anchor="t" anchorCtr="0">
+          <a:bodyPr anchorCtr="0" anchor="t" bIns="91425" lIns="91425" spcFirstLastPara="1" rIns="91425" wrap="square" tIns="91425">
             <a:noAutofit/>
           </a:bodyPr>
           <a:lstStyle>
@@ -5537,7 +5504,7 @@
             </a:lvl9pPr>
           </a:lstStyle>
           <a:p>
-            <a:pPr marL="0" lvl="0" indent="0">
+            <a:pPr indent="0" lvl="0" marL="0">
               <a:spcBef>
                 <a:spcPts val="0"/>
               </a:spcBef>
@@ -5548,16 +5515,7 @@
             </a:pPr>
             <a:fld id="{00000000-1234-1234-1234-123412341234}" type="slidenum">
               <a:rPr lang="en"/>
-              <a:pPr marL="0" lvl="0" indent="0">
-                <a:spcBef>
-                  <a:spcPts val="0"/>
-                </a:spcBef>
-                <a:spcAft>
-                  <a:spcPts val="0"/>
-                </a:spcAft>
-                <a:buNone/>
-              </a:pPr>
-              <a:t>‹N°›</a:t>
+              <a:t>‹#›</a:t>
             </a:fld>
             <a:endParaRPr/>
           </a:p>
@@ -5572,7 +5530,7 @@
 </file>
 
 <file path=ppt/slideLayouts/slideLayout9.xml><?xml version="1.0" encoding="utf-8"?>
-<p:sldLayout xmlns:a="http://schemas.openxmlformats.org/drawingml/2006/main" xmlns:r="http://schemas.openxmlformats.org/officeDocument/2006/relationships" xmlns:p="http://schemas.openxmlformats.org/presentationml/2006/main" matchingName="Blank" type="blank">
+<p:sldLayout xmlns:a="http://schemas.openxmlformats.org/drawingml/2006/main" xmlns:r="http://schemas.openxmlformats.org/officeDocument/2006/relationships" xmlns:mc="http://schemas.openxmlformats.org/markup-compatibility/2006" xmlns:mv="urn:schemas-microsoft-com:mac:vml" xmlns:p="http://schemas.openxmlformats.org/presentationml/2006/main" xmlns:c="http://schemas.openxmlformats.org/drawingml/2006/chart" xmlns:dgm="http://schemas.openxmlformats.org/drawingml/2006/diagram" xmlns:o="urn:schemas-microsoft-com:office:office" xmlns:v="urn:schemas-microsoft-com:vml" xmlns:pvml="urn:schemas-microsoft-com:office:powerpoint" xmlns:com="http://schemas.openxmlformats.org/drawingml/2006/compatibility" xmlns:p14="http://schemas.microsoft.com/office/powerpoint/2010/main" xmlns:p15="http://schemas.microsoft.com/office/powerpoint/2012/main" matchingName="Blank" type="blank">
   <p:cSld name="BLANK">
     <p:bg>
       <p:bgPr>
@@ -5584,12 +5542,11 @@
             <a:fillRect/>
           </a:stretch>
         </a:blipFill>
-        <a:effectLst/>
       </p:bgPr>
     </p:bg>
     <p:spTree>
       <p:nvGrpSpPr>
-        <p:cNvPr id="1" name="Shape 61"/>
+        <p:cNvPr id="61" name="Shape 61"/>
         <p:cNvGrpSpPr/>
         <p:nvPr/>
       </p:nvGrpSpPr>
@@ -5604,11 +5561,9 @@
       <p:sp>
         <p:nvSpPr>
           <p:cNvPr id="62" name="Shape 62"/>
-          <p:cNvSpPr txBox="1">
-            <a:spLocks noGrp="1"/>
-          </p:cNvSpPr>
+          <p:cNvSpPr txBox="1"/>
           <p:nvPr>
-            <p:ph type="sldNum" idx="12"/>
+            <p:ph idx="12" type="sldNum"/>
           </p:nvPr>
         </p:nvSpPr>
         <p:spPr>
@@ -5621,7 +5576,7 @@
           </a:prstGeom>
         </p:spPr>
         <p:txBody>
-          <a:bodyPr spcFirstLastPara="1" wrap="square" lIns="91425" tIns="91425" rIns="91425" bIns="91425" anchor="t" anchorCtr="0">
+          <a:bodyPr anchorCtr="0" anchor="t" bIns="91425" lIns="91425" spcFirstLastPara="1" rIns="91425" wrap="square" tIns="91425">
             <a:noAutofit/>
           </a:bodyPr>
           <a:lstStyle>
@@ -5663,7 +5618,7 @@
             </a:lvl9pPr>
           </a:lstStyle>
           <a:p>
-            <a:pPr marL="0" lvl="0" indent="0">
+            <a:pPr indent="0" lvl="0" marL="0">
               <a:spcBef>
                 <a:spcPts val="0"/>
               </a:spcBef>
@@ -5674,16 +5629,7 @@
             </a:pPr>
             <a:fld id="{00000000-1234-1234-1234-123412341234}" type="slidenum">
               <a:rPr lang="en"/>
-              <a:pPr marL="0" lvl="0" indent="0">
-                <a:spcBef>
-                  <a:spcPts val="0"/>
-                </a:spcBef>
-                <a:spcAft>
-                  <a:spcPts val="0"/>
-                </a:spcAft>
-                <a:buNone/>
-              </a:pPr>
-              <a:t>‹N°›</a:t>
+              <a:t>‹#›</a:t>
             </a:fld>
             <a:endParaRPr/>
           </a:p>
@@ -5698,24 +5644,23 @@
 </file>
 
 <file path=ppt/slideMasters/slideMaster1.xml><?xml version="1.0" encoding="utf-8"?>
-<p:sldMaster xmlns:a="http://schemas.openxmlformats.org/drawingml/2006/main" xmlns:r="http://schemas.openxmlformats.org/officeDocument/2006/relationships" xmlns:p="http://schemas.openxmlformats.org/presentationml/2006/main">
+<p:sldMaster xmlns:a="http://schemas.openxmlformats.org/drawingml/2006/main" xmlns:r="http://schemas.openxmlformats.org/officeDocument/2006/relationships" xmlns:mc="http://schemas.openxmlformats.org/markup-compatibility/2006" xmlns:mv="urn:schemas-microsoft-com:mac:vml" xmlns:p="http://schemas.openxmlformats.org/presentationml/2006/main" xmlns:c="http://schemas.openxmlformats.org/drawingml/2006/chart" xmlns:dgm="http://schemas.openxmlformats.org/drawingml/2006/diagram" xmlns:o="urn:schemas-microsoft-com:office:office" xmlns:v="urn:schemas-microsoft-com:vml" xmlns:pvml="urn:schemas-microsoft-com:office:powerpoint" xmlns:com="http://schemas.openxmlformats.org/drawingml/2006/compatibility" xmlns:p14="http://schemas.microsoft.com/office/powerpoint/2010/main" xmlns:p15="http://schemas.microsoft.com/office/powerpoint/2012/main">
   <p:cSld name="simple-light">
     <p:bg>
       <p:bgPr>
         <a:blipFill>
-          <a:blip r:embed="rId12">
+          <a:blip r:embed="rId1">
             <a:alphaModFix/>
           </a:blip>
           <a:stretch>
             <a:fillRect/>
           </a:stretch>
         </a:blipFill>
-        <a:effectLst/>
       </p:bgPr>
     </p:bg>
     <p:spTree>
       <p:nvGrpSpPr>
-        <p:cNvPr id="1" name="Shape 5"/>
+        <p:cNvPr id="5" name="Shape 5"/>
         <p:cNvGrpSpPr/>
         <p:nvPr/>
       </p:nvGrpSpPr>
@@ -5730,9 +5675,7 @@
       <p:sp>
         <p:nvSpPr>
           <p:cNvPr id="6" name="Shape 6"/>
-          <p:cNvSpPr txBox="1">
-            <a:spLocks noGrp="1"/>
-          </p:cNvSpPr>
+          <p:cNvSpPr txBox="1"/>
           <p:nvPr>
             <p:ph type="title"/>
           </p:nvPr>
@@ -5751,7 +5694,7 @@
           </a:ln>
         </p:spPr>
         <p:txBody>
-          <a:bodyPr spcFirstLastPara="1" wrap="square" lIns="91425" tIns="91425" rIns="91425" bIns="91425" anchor="b" anchorCtr="0"/>
+          <a:bodyPr anchorCtr="0" anchor="b" bIns="91425" lIns="91425" spcFirstLastPara="1" rIns="91425" wrap="square" tIns="91425"/>
           <a:lstStyle>
             <a:lvl1pPr lvl="0">
               <a:spcBef>
@@ -5961,19 +5904,15 @@
               </a:defRPr>
             </a:lvl9pPr>
           </a:lstStyle>
-          <a:p>
-            <a:endParaRPr/>
-          </a:p>
+          <a:p/>
         </p:txBody>
       </p:sp>
       <p:sp>
         <p:nvSpPr>
           <p:cNvPr id="7" name="Shape 7"/>
-          <p:cNvSpPr txBox="1">
-            <a:spLocks noGrp="1"/>
-          </p:cNvSpPr>
+          <p:cNvSpPr txBox="1"/>
           <p:nvPr>
-            <p:ph type="body" idx="1"/>
+            <p:ph idx="1" type="body"/>
           </p:nvPr>
         </p:nvSpPr>
         <p:spPr>
@@ -5990,9 +5929,9 @@
           </a:ln>
         </p:spPr>
         <p:txBody>
-          <a:bodyPr spcFirstLastPara="1" wrap="square" lIns="91425" tIns="91425" rIns="91425" bIns="91425" anchor="t" anchorCtr="0"/>
+          <a:bodyPr anchorCtr="0" anchor="t" bIns="91425" lIns="91425" spcFirstLastPara="1" rIns="91425" wrap="square" tIns="91425"/>
           <a:lstStyle>
-            <a:lvl1pPr marL="457200" lvl="0" indent="-419100">
+            <a:lvl1pPr indent="-419100" lvl="0" marL="457200">
               <a:spcBef>
                 <a:spcPts val="600"/>
               </a:spcBef>
@@ -6015,7 +5954,7 @@
                 <a:sym typeface="Source Sans Pro"/>
               </a:defRPr>
             </a:lvl1pPr>
-            <a:lvl2pPr marL="914400" lvl="1" indent="-381000">
+            <a:lvl2pPr indent="-381000" lvl="1" marL="914400">
               <a:spcBef>
                 <a:spcPts val="0"/>
               </a:spcBef>
@@ -6038,7 +5977,7 @@
                 <a:sym typeface="Source Sans Pro"/>
               </a:defRPr>
             </a:lvl2pPr>
-            <a:lvl3pPr marL="1371600" lvl="2" indent="-381000">
+            <a:lvl3pPr indent="-381000" lvl="2" marL="1371600">
               <a:spcBef>
                 <a:spcPts val="0"/>
               </a:spcBef>
@@ -6061,7 +6000,7 @@
                 <a:sym typeface="Source Sans Pro"/>
               </a:defRPr>
             </a:lvl3pPr>
-            <a:lvl4pPr marL="1828800" lvl="3" indent="-342900">
+            <a:lvl4pPr indent="-342900" lvl="3" marL="1828800">
               <a:spcBef>
                 <a:spcPts val="0"/>
               </a:spcBef>
@@ -6084,7 +6023,7 @@
                 <a:sym typeface="Source Sans Pro"/>
               </a:defRPr>
             </a:lvl4pPr>
-            <a:lvl5pPr marL="2286000" lvl="4" indent="-342900">
+            <a:lvl5pPr indent="-342900" lvl="4" marL="2286000">
               <a:spcBef>
                 <a:spcPts val="0"/>
               </a:spcBef>
@@ -6107,7 +6046,7 @@
                 <a:sym typeface="Source Sans Pro"/>
               </a:defRPr>
             </a:lvl5pPr>
-            <a:lvl6pPr marL="2743200" lvl="5" indent="-342900">
+            <a:lvl6pPr indent="-342900" lvl="5" marL="2743200">
               <a:spcBef>
                 <a:spcPts val="0"/>
               </a:spcBef>
@@ -6130,7 +6069,7 @@
                 <a:sym typeface="Source Sans Pro"/>
               </a:defRPr>
             </a:lvl6pPr>
-            <a:lvl7pPr marL="3200400" lvl="6" indent="-342900">
+            <a:lvl7pPr indent="-342900" lvl="6" marL="3200400">
               <a:spcBef>
                 <a:spcPts val="0"/>
               </a:spcBef>
@@ -6153,7 +6092,7 @@
                 <a:sym typeface="Source Sans Pro"/>
               </a:defRPr>
             </a:lvl7pPr>
-            <a:lvl8pPr marL="3657600" lvl="7" indent="-342900">
+            <a:lvl8pPr indent="-342900" lvl="7" marL="3657600">
               <a:spcBef>
                 <a:spcPts val="0"/>
               </a:spcBef>
@@ -6176,7 +6115,7 @@
                 <a:sym typeface="Source Sans Pro"/>
               </a:defRPr>
             </a:lvl8pPr>
-            <a:lvl9pPr marL="4114800" lvl="8" indent="-342900">
+            <a:lvl9pPr indent="-342900" lvl="8" marL="4114800">
               <a:spcBef>
                 <a:spcPts val="0"/>
               </a:spcBef>
@@ -6200,19 +6139,15 @@
               </a:defRPr>
             </a:lvl9pPr>
           </a:lstStyle>
-          <a:p>
-            <a:endParaRPr/>
-          </a:p>
+          <a:p/>
         </p:txBody>
       </p:sp>
       <p:sp>
         <p:nvSpPr>
           <p:cNvPr id="8" name="Shape 8"/>
-          <p:cNvSpPr txBox="1">
-            <a:spLocks noGrp="1"/>
-          </p:cNvSpPr>
+          <p:cNvSpPr txBox="1"/>
           <p:nvPr>
-            <p:ph type="sldNum" idx="12"/>
+            <p:ph idx="12" type="sldNum"/>
           </p:nvPr>
         </p:nvSpPr>
         <p:spPr>
@@ -6229,13 +6164,13 @@
           </a:ln>
         </p:spPr>
         <p:txBody>
-          <a:bodyPr spcFirstLastPara="1" wrap="square" lIns="91425" tIns="91425" rIns="91425" bIns="91425" anchor="t" anchorCtr="0">
+          <a:bodyPr anchorCtr="0" anchor="t" bIns="91425" lIns="91425" spcFirstLastPara="1" rIns="91425" wrap="square" tIns="91425">
             <a:noAutofit/>
           </a:bodyPr>
           <a:lstStyle>
             <a:lvl1pPr lvl="0" algn="r">
               <a:buNone/>
-              <a:defRPr sz="1300" b="1">
+              <a:defRPr b="1" sz="1300">
                 <a:solidFill>
                   <a:srgbClr val="0091EA"/>
                 </a:solidFill>
@@ -6247,7 +6182,7 @@
             </a:lvl1pPr>
             <a:lvl2pPr lvl="1" algn="r">
               <a:buNone/>
-              <a:defRPr sz="1300" b="1">
+              <a:defRPr b="1" sz="1300">
                 <a:solidFill>
                   <a:srgbClr val="0091EA"/>
                 </a:solidFill>
@@ -6259,7 +6194,7 @@
             </a:lvl2pPr>
             <a:lvl3pPr lvl="2" algn="r">
               <a:buNone/>
-              <a:defRPr sz="1300" b="1">
+              <a:defRPr b="1" sz="1300">
                 <a:solidFill>
                   <a:srgbClr val="0091EA"/>
                 </a:solidFill>
@@ -6271,7 +6206,7 @@
             </a:lvl3pPr>
             <a:lvl4pPr lvl="3" algn="r">
               <a:buNone/>
-              <a:defRPr sz="1300" b="1">
+              <a:defRPr b="1" sz="1300">
                 <a:solidFill>
                   <a:srgbClr val="0091EA"/>
                 </a:solidFill>
@@ -6283,7 +6218,7 @@
             </a:lvl4pPr>
             <a:lvl5pPr lvl="4" algn="r">
               <a:buNone/>
-              <a:defRPr sz="1300" b="1">
+              <a:defRPr b="1" sz="1300">
                 <a:solidFill>
                   <a:srgbClr val="0091EA"/>
                 </a:solidFill>
@@ -6295,7 +6230,7 @@
             </a:lvl5pPr>
             <a:lvl6pPr lvl="5" algn="r">
               <a:buNone/>
-              <a:defRPr sz="1300" b="1">
+              <a:defRPr b="1" sz="1300">
                 <a:solidFill>
                   <a:srgbClr val="0091EA"/>
                 </a:solidFill>
@@ -6307,7 +6242,7 @@
             </a:lvl6pPr>
             <a:lvl7pPr lvl="6" algn="r">
               <a:buNone/>
-              <a:defRPr sz="1300" b="1">
+              <a:defRPr b="1" sz="1300">
                 <a:solidFill>
                   <a:srgbClr val="0091EA"/>
                 </a:solidFill>
@@ -6319,7 +6254,7 @@
             </a:lvl7pPr>
             <a:lvl8pPr lvl="7" algn="r">
               <a:buNone/>
-              <a:defRPr sz="1300" b="1">
+              <a:defRPr b="1" sz="1300">
                 <a:solidFill>
                   <a:srgbClr val="0091EA"/>
                 </a:solidFill>
@@ -6331,7 +6266,7 @@
             </a:lvl8pPr>
             <a:lvl9pPr lvl="8" algn="r">
               <a:buNone/>
-              <a:defRPr sz="1300" b="1">
+              <a:defRPr b="1" sz="1300">
                 <a:solidFill>
                   <a:srgbClr val="0091EA"/>
                 </a:solidFill>
@@ -6343,7 +6278,7 @@
             </a:lvl9pPr>
           </a:lstStyle>
           <a:p>
-            <a:pPr marL="0" lvl="0" indent="0">
+            <a:pPr indent="0" lvl="0" marL="0">
               <a:spcBef>
                 <a:spcPts val="0"/>
               </a:spcBef>
@@ -6354,16 +6289,7 @@
             </a:pPr>
             <a:fld id="{00000000-1234-1234-1234-123412341234}" type="slidenum">
               <a:rPr lang="en"/>
-              <a:pPr marL="0" lvl="0" indent="0">
-                <a:spcBef>
-                  <a:spcPts val="0"/>
-                </a:spcBef>
-                <a:spcAft>
-                  <a:spcPts val="0"/>
-                </a:spcAft>
-                <a:buNone/>
-              </a:pPr>
-              <a:t>‹N°›</a:t>
+              <a:t>‹#›</a:t>
             </a:fld>
             <a:endParaRPr>
               <a:latin typeface="Roboto Slab"/>
@@ -6376,26 +6302,26 @@
       </p:sp>
     </p:spTree>
   </p:cSld>
-  <p:clrMap bg1="lt1" tx1="dk1" bg2="dk2" tx2="lt2" accent1="accent1" accent2="accent2" accent3="accent3" accent4="accent4" accent5="accent5" accent6="accent6" hlink="hlink" folHlink="folHlink"/>
+  <p:clrMap accent1="accent1" accent2="accent2" accent3="accent3" accent4="accent4" accent5="accent5" accent6="accent6" bg1="lt1" bg2="dk2" tx1="dk1" tx2="lt2" folHlink="folHlink" hlink="hlink"/>
   <p:sldLayoutIdLst>
-    <p:sldLayoutId id="2147483648" r:id="rId1"/>
-    <p:sldLayoutId id="2147483649" r:id="rId2"/>
-    <p:sldLayoutId id="2147483650" r:id="rId3"/>
-    <p:sldLayoutId id="2147483651" r:id="rId4"/>
-    <p:sldLayoutId id="2147483652" r:id="rId5"/>
-    <p:sldLayoutId id="2147483653" r:id="rId6"/>
-    <p:sldLayoutId id="2147483654" r:id="rId7"/>
-    <p:sldLayoutId id="2147483655" r:id="rId8"/>
-    <p:sldLayoutId id="2147483656" r:id="rId9"/>
-    <p:sldLayoutId id="2147483657" r:id="rId10"/>
+    <p:sldLayoutId id="2147483648" r:id="rId2"/>
+    <p:sldLayoutId id="2147483649" r:id="rId3"/>
+    <p:sldLayoutId id="2147483650" r:id="rId4"/>
+    <p:sldLayoutId id="2147483651" r:id="rId5"/>
+    <p:sldLayoutId id="2147483652" r:id="rId6"/>
+    <p:sldLayoutId id="2147483653" r:id="rId7"/>
+    <p:sldLayoutId id="2147483654" r:id="rId8"/>
+    <p:sldLayoutId id="2147483655" r:id="rId9"/>
+    <p:sldLayoutId id="2147483656" r:id="rId10"/>
+    <p:sldLayoutId id="2147483657" r:id="rId11"/>
   </p:sldLayoutIdLst>
   <p:transition>
     <p:fade thruBlk="1"/>
   </p:transition>
-  <p:hf hdr="0" ftr="0" dt="0"/>
+  <p:hf dt="0" ftr="0" hdr="0"/>
   <p:txStyles>
     <p:titleStyle>
-      <a:defPPr marR="0" lvl="0" algn="l" rtl="0">
+      <a:defPPr lvl="0" marR="0" rtl="0" algn="l">
         <a:lnSpc>
           <a:spcPct val="100000"/>
         </a:lnSpc>
@@ -6406,7 +6332,7 @@
           <a:spcPts val="0"/>
         </a:spcAft>
       </a:defPPr>
-      <a:lvl1pPr marR="0" lvl="0" algn="l" rtl="0">
+      <a:lvl1pPr lvl="0" marR="0" rtl="0" algn="l">
         <a:lnSpc>
           <a:spcPct val="100000"/>
         </a:lnSpc>
@@ -6420,7 +6346,7 @@
           <a:srgbClr val="000000"/>
         </a:buClr>
         <a:buFont typeface="Arial"/>
-        <a:defRPr sz="1400" b="0" i="0" u="none" strike="noStrike" cap="none">
+        <a:defRPr b="0" i="0" sz="1400" u="none" cap="none" strike="noStrike">
           <a:solidFill>
             <a:srgbClr val="000000"/>
           </a:solidFill>
@@ -6430,7 +6356,7 @@
           <a:sym typeface="Arial"/>
         </a:defRPr>
       </a:lvl1pPr>
-      <a:lvl2pPr marR="0" lvl="1" algn="l" rtl="0">
+      <a:lvl2pPr lvl="1" marR="0" rtl="0" algn="l">
         <a:lnSpc>
           <a:spcPct val="100000"/>
         </a:lnSpc>
@@ -6444,7 +6370,7 @@
           <a:srgbClr val="000000"/>
         </a:buClr>
         <a:buFont typeface="Arial"/>
-        <a:defRPr sz="1400" b="0" i="0" u="none" strike="noStrike" cap="none">
+        <a:defRPr b="0" i="0" sz="1400" u="none" cap="none" strike="noStrike">
           <a:solidFill>
             <a:srgbClr val="000000"/>
           </a:solidFill>
@@ -6454,7 +6380,7 @@
           <a:sym typeface="Arial"/>
         </a:defRPr>
       </a:lvl2pPr>
-      <a:lvl3pPr marR="0" lvl="2" algn="l" rtl="0">
+      <a:lvl3pPr lvl="2" marR="0" rtl="0" algn="l">
         <a:lnSpc>
           <a:spcPct val="100000"/>
         </a:lnSpc>
@@ -6468,7 +6394,7 @@
           <a:srgbClr val="000000"/>
         </a:buClr>
         <a:buFont typeface="Arial"/>
-        <a:defRPr sz="1400" b="0" i="0" u="none" strike="noStrike" cap="none">
+        <a:defRPr b="0" i="0" sz="1400" u="none" cap="none" strike="noStrike">
           <a:solidFill>
             <a:srgbClr val="000000"/>
           </a:solidFill>
@@ -6478,7 +6404,7 @@
           <a:sym typeface="Arial"/>
         </a:defRPr>
       </a:lvl3pPr>
-      <a:lvl4pPr marR="0" lvl="3" algn="l" rtl="0">
+      <a:lvl4pPr lvl="3" marR="0" rtl="0" algn="l">
         <a:lnSpc>
           <a:spcPct val="100000"/>
         </a:lnSpc>
@@ -6492,7 +6418,7 @@
           <a:srgbClr val="000000"/>
         </a:buClr>
         <a:buFont typeface="Arial"/>
-        <a:defRPr sz="1400" b="0" i="0" u="none" strike="noStrike" cap="none">
+        <a:defRPr b="0" i="0" sz="1400" u="none" cap="none" strike="noStrike">
           <a:solidFill>
             <a:srgbClr val="000000"/>
           </a:solidFill>
@@ -6502,7 +6428,7 @@
           <a:sym typeface="Arial"/>
         </a:defRPr>
       </a:lvl4pPr>
-      <a:lvl5pPr marR="0" lvl="4" algn="l" rtl="0">
+      <a:lvl5pPr lvl="4" marR="0" rtl="0" algn="l">
         <a:lnSpc>
           <a:spcPct val="100000"/>
         </a:lnSpc>
@@ -6516,7 +6442,7 @@
           <a:srgbClr val="000000"/>
         </a:buClr>
         <a:buFont typeface="Arial"/>
-        <a:defRPr sz="1400" b="0" i="0" u="none" strike="noStrike" cap="none">
+        <a:defRPr b="0" i="0" sz="1400" u="none" cap="none" strike="noStrike">
           <a:solidFill>
             <a:srgbClr val="000000"/>
           </a:solidFill>
@@ -6526,7 +6452,7 @@
           <a:sym typeface="Arial"/>
         </a:defRPr>
       </a:lvl5pPr>
-      <a:lvl6pPr marR="0" lvl="5" algn="l" rtl="0">
+      <a:lvl6pPr lvl="5" marR="0" rtl="0" algn="l">
         <a:lnSpc>
           <a:spcPct val="100000"/>
         </a:lnSpc>
@@ -6540,7 +6466,7 @@
           <a:srgbClr val="000000"/>
         </a:buClr>
         <a:buFont typeface="Arial"/>
-        <a:defRPr sz="1400" b="0" i="0" u="none" strike="noStrike" cap="none">
+        <a:defRPr b="0" i="0" sz="1400" u="none" cap="none" strike="noStrike">
           <a:solidFill>
             <a:srgbClr val="000000"/>
           </a:solidFill>
@@ -6550,7 +6476,7 @@
           <a:sym typeface="Arial"/>
         </a:defRPr>
       </a:lvl6pPr>
-      <a:lvl7pPr marR="0" lvl="6" algn="l" rtl="0">
+      <a:lvl7pPr lvl="6" marR="0" rtl="0" algn="l">
         <a:lnSpc>
           <a:spcPct val="100000"/>
         </a:lnSpc>
@@ -6564,7 +6490,7 @@
           <a:srgbClr val="000000"/>
         </a:buClr>
         <a:buFont typeface="Arial"/>
-        <a:defRPr sz="1400" b="0" i="0" u="none" strike="noStrike" cap="none">
+        <a:defRPr b="0" i="0" sz="1400" u="none" cap="none" strike="noStrike">
           <a:solidFill>
             <a:srgbClr val="000000"/>
           </a:solidFill>
@@ -6574,7 +6500,7 @@
           <a:sym typeface="Arial"/>
         </a:defRPr>
       </a:lvl7pPr>
-      <a:lvl8pPr marR="0" lvl="7" algn="l" rtl="0">
+      <a:lvl8pPr lvl="7" marR="0" rtl="0" algn="l">
         <a:lnSpc>
           <a:spcPct val="100000"/>
         </a:lnSpc>
@@ -6588,7 +6514,7 @@
           <a:srgbClr val="000000"/>
         </a:buClr>
         <a:buFont typeface="Arial"/>
-        <a:defRPr sz="1400" b="0" i="0" u="none" strike="noStrike" cap="none">
+        <a:defRPr b="0" i="0" sz="1400" u="none" cap="none" strike="noStrike">
           <a:solidFill>
             <a:srgbClr val="000000"/>
           </a:solidFill>
@@ -6598,7 +6524,7 @@
           <a:sym typeface="Arial"/>
         </a:defRPr>
       </a:lvl8pPr>
-      <a:lvl9pPr marR="0" lvl="8" algn="l" rtl="0">
+      <a:lvl9pPr lvl="8" marR="0" rtl="0" algn="l">
         <a:lnSpc>
           <a:spcPct val="100000"/>
         </a:lnSpc>
@@ -6612,7 +6538,7 @@
           <a:srgbClr val="000000"/>
         </a:buClr>
         <a:buFont typeface="Arial"/>
-        <a:defRPr sz="1400" b="0" i="0" u="none" strike="noStrike" cap="none">
+        <a:defRPr b="0" i="0" sz="1400" u="none" cap="none" strike="noStrike">
           <a:solidFill>
             <a:srgbClr val="000000"/>
           </a:solidFill>
@@ -6624,7 +6550,7 @@
       </a:lvl9pPr>
     </p:titleStyle>
     <p:bodyStyle>
-      <a:defPPr marR="0" lvl="0" algn="l" rtl="0">
+      <a:defPPr lvl="0" marR="0" rtl="0" algn="l">
         <a:lnSpc>
           <a:spcPct val="100000"/>
         </a:lnSpc>
@@ -6635,7 +6561,7 @@
           <a:spcPts val="0"/>
         </a:spcAft>
       </a:defPPr>
-      <a:lvl1pPr marR="0" lvl="0" algn="l" rtl="0">
+      <a:lvl1pPr lvl="0" marR="0" rtl="0" algn="l">
         <a:lnSpc>
           <a:spcPct val="100000"/>
         </a:lnSpc>
@@ -6649,7 +6575,7 @@
           <a:srgbClr val="000000"/>
         </a:buClr>
         <a:buFont typeface="Arial"/>
-        <a:defRPr sz="1400" b="0" i="0" u="none" strike="noStrike" cap="none">
+        <a:defRPr b="0" i="0" sz="1400" u="none" cap="none" strike="noStrike">
           <a:solidFill>
             <a:srgbClr val="000000"/>
           </a:solidFill>
@@ -6659,7 +6585,7 @@
           <a:sym typeface="Arial"/>
         </a:defRPr>
       </a:lvl1pPr>
-      <a:lvl2pPr marR="0" lvl="1" algn="l" rtl="0">
+      <a:lvl2pPr lvl="1" marR="0" rtl="0" algn="l">
         <a:lnSpc>
           <a:spcPct val="100000"/>
         </a:lnSpc>
@@ -6673,7 +6599,7 @@
           <a:srgbClr val="000000"/>
         </a:buClr>
         <a:buFont typeface="Arial"/>
-        <a:defRPr sz="1400" b="0" i="0" u="none" strike="noStrike" cap="none">
+        <a:defRPr b="0" i="0" sz="1400" u="none" cap="none" strike="noStrike">
           <a:solidFill>
             <a:srgbClr val="000000"/>
           </a:solidFill>
@@ -6683,7 +6609,7 @@
           <a:sym typeface="Arial"/>
         </a:defRPr>
       </a:lvl2pPr>
-      <a:lvl3pPr marR="0" lvl="2" algn="l" rtl="0">
+      <a:lvl3pPr lvl="2" marR="0" rtl="0" algn="l">
         <a:lnSpc>
           <a:spcPct val="100000"/>
         </a:lnSpc>
@@ -6697,7 +6623,7 @@
           <a:srgbClr val="000000"/>
         </a:buClr>
         <a:buFont typeface="Arial"/>
-        <a:defRPr sz="1400" b="0" i="0" u="none" strike="noStrike" cap="none">
+        <a:defRPr b="0" i="0" sz="1400" u="none" cap="none" strike="noStrike">
           <a:solidFill>
             <a:srgbClr val="000000"/>
           </a:solidFill>
@@ -6707,7 +6633,7 @@
           <a:sym typeface="Arial"/>
         </a:defRPr>
       </a:lvl3pPr>
-      <a:lvl4pPr marR="0" lvl="3" algn="l" rtl="0">
+      <a:lvl4pPr lvl="3" marR="0" rtl="0" algn="l">
         <a:lnSpc>
           <a:spcPct val="100000"/>
         </a:lnSpc>
@@ -6721,7 +6647,7 @@
           <a:srgbClr val="000000"/>
         </a:buClr>
         <a:buFont typeface="Arial"/>
-        <a:defRPr sz="1400" b="0" i="0" u="none" strike="noStrike" cap="none">
+        <a:defRPr b="0" i="0" sz="1400" u="none" cap="none" strike="noStrike">
           <a:solidFill>
             <a:srgbClr val="000000"/>
           </a:solidFill>
@@ -6731,7 +6657,7 @@
           <a:sym typeface="Arial"/>
         </a:defRPr>
       </a:lvl4pPr>
-      <a:lvl5pPr marR="0" lvl="4" algn="l" rtl="0">
+      <a:lvl5pPr lvl="4" marR="0" rtl="0" algn="l">
         <a:lnSpc>
           <a:spcPct val="100000"/>
         </a:lnSpc>
@@ -6745,7 +6671,7 @@
           <a:srgbClr val="000000"/>
         </a:buClr>
         <a:buFont typeface="Arial"/>
-        <a:defRPr sz="1400" b="0" i="0" u="none" strike="noStrike" cap="none">
+        <a:defRPr b="0" i="0" sz="1400" u="none" cap="none" strike="noStrike">
           <a:solidFill>
             <a:srgbClr val="000000"/>
           </a:solidFill>
@@ -6755,7 +6681,7 @@
           <a:sym typeface="Arial"/>
         </a:defRPr>
       </a:lvl5pPr>
-      <a:lvl6pPr marR="0" lvl="5" algn="l" rtl="0">
+      <a:lvl6pPr lvl="5" marR="0" rtl="0" algn="l">
         <a:lnSpc>
           <a:spcPct val="100000"/>
         </a:lnSpc>
@@ -6769,7 +6695,7 @@
           <a:srgbClr val="000000"/>
         </a:buClr>
         <a:buFont typeface="Arial"/>
-        <a:defRPr sz="1400" b="0" i="0" u="none" strike="noStrike" cap="none">
+        <a:defRPr b="0" i="0" sz="1400" u="none" cap="none" strike="noStrike">
           <a:solidFill>
             <a:srgbClr val="000000"/>
           </a:solidFill>
@@ -6779,7 +6705,7 @@
           <a:sym typeface="Arial"/>
         </a:defRPr>
       </a:lvl6pPr>
-      <a:lvl7pPr marR="0" lvl="6" algn="l" rtl="0">
+      <a:lvl7pPr lvl="6" marR="0" rtl="0" algn="l">
         <a:lnSpc>
           <a:spcPct val="100000"/>
         </a:lnSpc>
@@ -6793,7 +6719,7 @@
           <a:srgbClr val="000000"/>
         </a:buClr>
         <a:buFont typeface="Arial"/>
-        <a:defRPr sz="1400" b="0" i="0" u="none" strike="noStrike" cap="none">
+        <a:defRPr b="0" i="0" sz="1400" u="none" cap="none" strike="noStrike">
           <a:solidFill>
             <a:srgbClr val="000000"/>
           </a:solidFill>
@@ -6803,7 +6729,7 @@
           <a:sym typeface="Arial"/>
         </a:defRPr>
       </a:lvl7pPr>
-      <a:lvl8pPr marR="0" lvl="7" algn="l" rtl="0">
+      <a:lvl8pPr lvl="7" marR="0" rtl="0" algn="l">
         <a:lnSpc>
           <a:spcPct val="100000"/>
         </a:lnSpc>
@@ -6817,7 +6743,7 @@
           <a:srgbClr val="000000"/>
         </a:buClr>
         <a:buFont typeface="Arial"/>
-        <a:defRPr sz="1400" b="0" i="0" u="none" strike="noStrike" cap="none">
+        <a:defRPr b="0" i="0" sz="1400" u="none" cap="none" strike="noStrike">
           <a:solidFill>
             <a:srgbClr val="000000"/>
           </a:solidFill>
@@ -6827,7 +6753,7 @@
           <a:sym typeface="Arial"/>
         </a:defRPr>
       </a:lvl8pPr>
-      <a:lvl9pPr marR="0" lvl="8" algn="l" rtl="0">
+      <a:lvl9pPr lvl="8" marR="0" rtl="0" algn="l">
         <a:lnSpc>
           <a:spcPct val="100000"/>
         </a:lnSpc>
@@ -6841,7 +6767,7 @@
           <a:srgbClr val="000000"/>
         </a:buClr>
         <a:buFont typeface="Arial"/>
-        <a:defRPr sz="1400" b="0" i="0" u="none" strike="noStrike" cap="none">
+        <a:defRPr b="0" i="0" sz="1400" u="none" cap="none" strike="noStrike">
           <a:solidFill>
             <a:srgbClr val="000000"/>
           </a:solidFill>
@@ -6853,7 +6779,7 @@
       </a:lvl9pPr>
     </p:bodyStyle>
     <p:otherStyle>
-      <a:defPPr marR="0" lvl="0" algn="l" rtl="0">
+      <a:defPPr lvl="0" marR="0" rtl="0" algn="l">
         <a:lnSpc>
           <a:spcPct val="100000"/>
         </a:lnSpc>
@@ -6864,7 +6790,7 @@
           <a:spcPts val="0"/>
         </a:spcAft>
       </a:defPPr>
-      <a:lvl1pPr marR="0" lvl="0" algn="l" rtl="0">
+      <a:lvl1pPr lvl="0" marR="0" rtl="0" algn="l">
         <a:lnSpc>
           <a:spcPct val="100000"/>
         </a:lnSpc>
@@ -6878,7 +6804,7 @@
           <a:srgbClr val="000000"/>
         </a:buClr>
         <a:buFont typeface="Arial"/>
-        <a:defRPr sz="1400" b="0" i="0" u="none" strike="noStrike" cap="none">
+        <a:defRPr b="0" i="0" sz="1400" u="none" cap="none" strike="noStrike">
           <a:solidFill>
             <a:srgbClr val="000000"/>
           </a:solidFill>
@@ -6888,7 +6814,7 @@
           <a:sym typeface="Arial"/>
         </a:defRPr>
       </a:lvl1pPr>
-      <a:lvl2pPr marR="0" lvl="1" algn="l" rtl="0">
+      <a:lvl2pPr lvl="1" marR="0" rtl="0" algn="l">
         <a:lnSpc>
           <a:spcPct val="100000"/>
         </a:lnSpc>
@@ -6902,7 +6828,7 @@
           <a:srgbClr val="000000"/>
         </a:buClr>
         <a:buFont typeface="Arial"/>
-        <a:defRPr sz="1400" b="0" i="0" u="none" strike="noStrike" cap="none">
+        <a:defRPr b="0" i="0" sz="1400" u="none" cap="none" strike="noStrike">
           <a:solidFill>
             <a:srgbClr val="000000"/>
           </a:solidFill>
@@ -6912,7 +6838,7 @@
           <a:sym typeface="Arial"/>
         </a:defRPr>
       </a:lvl2pPr>
-      <a:lvl3pPr marR="0" lvl="2" algn="l" rtl="0">
+      <a:lvl3pPr lvl="2" marR="0" rtl="0" algn="l">
         <a:lnSpc>
           <a:spcPct val="100000"/>
         </a:lnSpc>
@@ -6926,7 +6852,7 @@
           <a:srgbClr val="000000"/>
         </a:buClr>
         <a:buFont typeface="Arial"/>
-        <a:defRPr sz="1400" b="0" i="0" u="none" strike="noStrike" cap="none">
+        <a:defRPr b="0" i="0" sz="1400" u="none" cap="none" strike="noStrike">
           <a:solidFill>
             <a:srgbClr val="000000"/>
           </a:solidFill>
@@ -6936,7 +6862,7 @@
           <a:sym typeface="Arial"/>
         </a:defRPr>
       </a:lvl3pPr>
-      <a:lvl4pPr marR="0" lvl="3" algn="l" rtl="0">
+      <a:lvl4pPr lvl="3" marR="0" rtl="0" algn="l">
         <a:lnSpc>
           <a:spcPct val="100000"/>
         </a:lnSpc>
@@ -6950,7 +6876,7 @@
           <a:srgbClr val="000000"/>
         </a:buClr>
         <a:buFont typeface="Arial"/>
-        <a:defRPr sz="1400" b="0" i="0" u="none" strike="noStrike" cap="none">
+        <a:defRPr b="0" i="0" sz="1400" u="none" cap="none" strike="noStrike">
           <a:solidFill>
             <a:srgbClr val="000000"/>
           </a:solidFill>
@@ -6960,7 +6886,7 @@
           <a:sym typeface="Arial"/>
         </a:defRPr>
       </a:lvl4pPr>
-      <a:lvl5pPr marR="0" lvl="4" algn="l" rtl="0">
+      <a:lvl5pPr lvl="4" marR="0" rtl="0" algn="l">
         <a:lnSpc>
           <a:spcPct val="100000"/>
         </a:lnSpc>
@@ -6974,7 +6900,7 @@
           <a:srgbClr val="000000"/>
         </a:buClr>
         <a:buFont typeface="Arial"/>
-        <a:defRPr sz="1400" b="0" i="0" u="none" strike="noStrike" cap="none">
+        <a:defRPr b="0" i="0" sz="1400" u="none" cap="none" strike="noStrike">
           <a:solidFill>
             <a:srgbClr val="000000"/>
           </a:solidFill>
@@ -6984,7 +6910,7 @@
           <a:sym typeface="Arial"/>
         </a:defRPr>
       </a:lvl5pPr>
-      <a:lvl6pPr marR="0" lvl="5" algn="l" rtl="0">
+      <a:lvl6pPr lvl="5" marR="0" rtl="0" algn="l">
         <a:lnSpc>
           <a:spcPct val="100000"/>
         </a:lnSpc>
@@ -6998,7 +6924,7 @@
           <a:srgbClr val="000000"/>
         </a:buClr>
         <a:buFont typeface="Arial"/>
-        <a:defRPr sz="1400" b="0" i="0" u="none" strike="noStrike" cap="none">
+        <a:defRPr b="0" i="0" sz="1400" u="none" cap="none" strike="noStrike">
           <a:solidFill>
             <a:srgbClr val="000000"/>
           </a:solidFill>
@@ -7008,7 +6934,7 @@
           <a:sym typeface="Arial"/>
         </a:defRPr>
       </a:lvl6pPr>
-      <a:lvl7pPr marR="0" lvl="6" algn="l" rtl="0">
+      <a:lvl7pPr lvl="6" marR="0" rtl="0" algn="l">
         <a:lnSpc>
           <a:spcPct val="100000"/>
         </a:lnSpc>
@@ -7022,7 +6948,7 @@
           <a:srgbClr val="000000"/>
         </a:buClr>
         <a:buFont typeface="Arial"/>
-        <a:defRPr sz="1400" b="0" i="0" u="none" strike="noStrike" cap="none">
+        <a:defRPr b="0" i="0" sz="1400" u="none" cap="none" strike="noStrike">
           <a:solidFill>
             <a:srgbClr val="000000"/>
           </a:solidFill>
@@ -7032,7 +6958,7 @@
           <a:sym typeface="Arial"/>
         </a:defRPr>
       </a:lvl7pPr>
-      <a:lvl8pPr marR="0" lvl="7" algn="l" rtl="0">
+      <a:lvl8pPr lvl="7" marR="0" rtl="0" algn="l">
         <a:lnSpc>
           <a:spcPct val="100000"/>
         </a:lnSpc>
@@ -7046,7 +6972,7 @@
           <a:srgbClr val="000000"/>
         </a:buClr>
         <a:buFont typeface="Arial"/>
-        <a:defRPr sz="1400" b="0" i="0" u="none" strike="noStrike" cap="none">
+        <a:defRPr b="0" i="0" sz="1400" u="none" cap="none" strike="noStrike">
           <a:solidFill>
             <a:srgbClr val="000000"/>
           </a:solidFill>
@@ -7056,7 +6982,7 @@
           <a:sym typeface="Arial"/>
         </a:defRPr>
       </a:lvl8pPr>
-      <a:lvl9pPr marR="0" lvl="8" algn="l" rtl="0">
+      <a:lvl9pPr lvl="8" marR="0" rtl="0" algn="l">
         <a:lnSpc>
           <a:spcPct val="100000"/>
         </a:lnSpc>
@@ -7070,7 +6996,7 @@
           <a:srgbClr val="000000"/>
         </a:buClr>
         <a:buFont typeface="Arial"/>
-        <a:defRPr sz="1400" b="0" i="0" u="none" strike="noStrike" cap="none">
+        <a:defRPr b="0" i="0" sz="1400" u="none" cap="none" strike="noStrike">
           <a:solidFill>
             <a:srgbClr val="000000"/>
           </a:solidFill>
@@ -7086,11 +7012,11 @@
 </file>
 
 <file path=ppt/slides/slide1.xml><?xml version="1.0" encoding="utf-8"?>
-<p:sld xmlns:a="http://schemas.openxmlformats.org/drawingml/2006/main" xmlns:r="http://schemas.openxmlformats.org/officeDocument/2006/relationships" xmlns:p="http://schemas.openxmlformats.org/presentationml/2006/main">
+<p:sld xmlns:a="http://schemas.openxmlformats.org/drawingml/2006/main" xmlns:r="http://schemas.openxmlformats.org/officeDocument/2006/relationships" xmlns:mc="http://schemas.openxmlformats.org/markup-compatibility/2006" xmlns:mv="urn:schemas-microsoft-com:mac:vml" xmlns:p="http://schemas.openxmlformats.org/presentationml/2006/main" xmlns:c="http://schemas.openxmlformats.org/drawingml/2006/chart" xmlns:dgm="http://schemas.openxmlformats.org/drawingml/2006/diagram" xmlns:o="urn:schemas-microsoft-com:office:office" xmlns:v="urn:schemas-microsoft-com:vml" xmlns:pvml="urn:schemas-microsoft-com:office:powerpoint" xmlns:com="http://schemas.openxmlformats.org/drawingml/2006/compatibility" xmlns:p14="http://schemas.microsoft.com/office/powerpoint/2010/main" xmlns:p15="http://schemas.microsoft.com/office/powerpoint/2012/main">
   <p:cSld>
     <p:spTree>
       <p:nvGrpSpPr>
-        <p:cNvPr id="1" name="Shape 69"/>
+        <p:cNvPr id="69" name="Shape 69"/>
         <p:cNvGrpSpPr/>
         <p:nvPr/>
       </p:nvGrpSpPr>
@@ -7105,9 +7031,7 @@
       <p:sp>
         <p:nvSpPr>
           <p:cNvPr id="70" name="Shape 70"/>
-          <p:cNvSpPr txBox="1">
-            <a:spLocks noGrp="1"/>
-          </p:cNvSpPr>
+          <p:cNvSpPr txBox="1"/>
           <p:nvPr>
             <p:ph type="ctrTitle"/>
           </p:nvPr>
@@ -7122,12 +7046,12 @@
           </a:prstGeom>
         </p:spPr>
         <p:txBody>
-          <a:bodyPr spcFirstLastPara="1" wrap="square" lIns="91425" tIns="91425" rIns="91425" bIns="91425" anchor="t" anchorCtr="0">
+          <a:bodyPr anchorCtr="0" anchor="t" bIns="91425" lIns="91425" spcFirstLastPara="1" rIns="91425" wrap="square" tIns="91425">
             <a:noAutofit/>
           </a:bodyPr>
           <a:lstStyle/>
           <a:p>
-            <a:pPr marL="0" lvl="0" indent="0" algn="ctr">
+            <a:pPr indent="0" lvl="0" marL="0" algn="ctr">
               <a:spcBef>
                 <a:spcPts val="0"/>
               </a:spcBef>
@@ -7164,12 +7088,12 @@
           </a:ln>
         </p:spPr>
         <p:txBody>
-          <a:bodyPr spcFirstLastPara="1" wrap="square" lIns="91425" tIns="91425" rIns="91425" bIns="91425" anchor="t" anchorCtr="0">
+          <a:bodyPr anchorCtr="0" anchor="t" bIns="91425" lIns="91425" spcFirstLastPara="1" rIns="91425" wrap="square" tIns="91425">
             <a:noAutofit/>
           </a:bodyPr>
           <a:lstStyle/>
           <a:p>
-            <a:pPr marL="0" lvl="0" indent="0" algn="ctr">
+            <a:pPr indent="0" lvl="0" marL="0" algn="ctr">
               <a:spcBef>
                 <a:spcPts val="0"/>
               </a:spcBef>
@@ -7201,7 +7125,7 @@
             </a:endParaRPr>
           </a:p>
           <a:p>
-            <a:pPr marL="0" lvl="0" indent="0" algn="ctr">
+            <a:pPr indent="0" lvl="0" marL="0" algn="ctr">
               <a:spcBef>
                 <a:spcPts val="0"/>
               </a:spcBef>
@@ -7233,7 +7157,7 @@
             </a:endParaRPr>
           </a:p>
           <a:p>
-            <a:pPr marL="0" lvl="0" indent="0" algn="ctr">
+            <a:pPr indent="0" lvl="0" marL="0" algn="ctr">
               <a:spcBef>
                 <a:spcPts val="0"/>
               </a:spcBef>
@@ -7302,12 +7226,157 @@
 </p:sld>
 </file>
 
-<file path=ppt/slides/slide2.xml><?xml version="1.0" encoding="utf-8"?>
-<p:sld xmlns:a="http://schemas.openxmlformats.org/drawingml/2006/main" xmlns:r="http://schemas.openxmlformats.org/officeDocument/2006/relationships" xmlns:p="http://schemas.openxmlformats.org/presentationml/2006/main">
+<file path=ppt/slides/slide10.xml><?xml version="1.0" encoding="utf-8"?>
+<p:sld xmlns:a="http://schemas.openxmlformats.org/drawingml/2006/main" xmlns:r="http://schemas.openxmlformats.org/officeDocument/2006/relationships" xmlns:mc="http://schemas.openxmlformats.org/markup-compatibility/2006" xmlns:mv="urn:schemas-microsoft-com:mac:vml" xmlns:p="http://schemas.openxmlformats.org/presentationml/2006/main" xmlns:c="http://schemas.openxmlformats.org/drawingml/2006/chart" xmlns:dgm="http://schemas.openxmlformats.org/drawingml/2006/diagram" xmlns:o="urn:schemas-microsoft-com:office:office" xmlns:v="urn:schemas-microsoft-com:vml" xmlns:pvml="urn:schemas-microsoft-com:office:powerpoint" xmlns:com="http://schemas.openxmlformats.org/drawingml/2006/compatibility" xmlns:p14="http://schemas.microsoft.com/office/powerpoint/2010/main" xmlns:p15="http://schemas.microsoft.com/office/powerpoint/2012/main">
   <p:cSld>
     <p:spTree>
       <p:nvGrpSpPr>
-        <p:cNvPr id="1" name="Shape 76"/>
+        <p:cNvPr id="138" name="Shape 138"/>
+        <p:cNvGrpSpPr/>
+        <p:nvPr/>
+      </p:nvGrpSpPr>
+      <p:grpSpPr>
+        <a:xfrm>
+          <a:off x="0" y="0"/>
+          <a:ext cx="0" cy="0"/>
+          <a:chOff x="0" y="0"/>
+          <a:chExt cx="0" cy="0"/>
+        </a:xfrm>
+      </p:grpSpPr>
+      <p:sp>
+        <p:nvSpPr>
+          <p:cNvPr id="139" name="Shape 139"/>
+          <p:cNvSpPr txBox="1"/>
+          <p:nvPr>
+            <p:ph idx="4294967295" type="ctrTitle"/>
+          </p:nvPr>
+        </p:nvSpPr>
+        <p:spPr>
+          <a:xfrm>
+            <a:off x="2891850" y="1635838"/>
+            <a:ext cx="3282000" cy="1546500"/>
+          </a:xfrm>
+          <a:prstGeom prst="rect">
+            <a:avLst/>
+          </a:prstGeom>
+        </p:spPr>
+        <p:txBody>
+          <a:bodyPr anchorCtr="0" anchor="b" bIns="91425" lIns="91425" spcFirstLastPara="1" rIns="91425" wrap="square" tIns="91425">
+            <a:noAutofit/>
+          </a:bodyPr>
+          <a:lstStyle/>
+          <a:p>
+            <a:pPr indent="0" lvl="0" marL="0" rtl="0">
+              <a:spcBef>
+                <a:spcPts val="0"/>
+              </a:spcBef>
+              <a:spcAft>
+                <a:spcPts val="0"/>
+              </a:spcAft>
+              <a:buNone/>
+            </a:pPr>
+            <a:r>
+              <a:rPr b="1" lang="en" sz="6000"/>
+              <a:t>Thanks!</a:t>
+            </a:r>
+            <a:endParaRPr b="1" sz="6000"/>
+          </a:p>
+        </p:txBody>
+      </p:sp>
+      <p:sp>
+        <p:nvSpPr>
+          <p:cNvPr id="140" name="Shape 140"/>
+          <p:cNvSpPr txBox="1"/>
+          <p:nvPr>
+            <p:ph idx="4294967295" type="subTitle"/>
+          </p:nvPr>
+        </p:nvSpPr>
+        <p:spPr>
+          <a:xfrm>
+            <a:off x="2891850" y="3235263"/>
+            <a:ext cx="3360300" cy="1046400"/>
+          </a:xfrm>
+          <a:prstGeom prst="rect">
+            <a:avLst/>
+          </a:prstGeom>
+        </p:spPr>
+        <p:txBody>
+          <a:bodyPr anchorCtr="0" anchor="t" bIns="91425" lIns="91425" spcFirstLastPara="1" rIns="91425" wrap="square" tIns="91425">
+            <a:noAutofit/>
+          </a:bodyPr>
+          <a:lstStyle/>
+          <a:p>
+            <a:pPr indent="0" lvl="0" marL="0" rtl="0">
+              <a:spcBef>
+                <a:spcPts val="600"/>
+              </a:spcBef>
+              <a:spcAft>
+                <a:spcPts val="0"/>
+              </a:spcAft>
+              <a:buNone/>
+            </a:pPr>
+            <a:r>
+              <a:rPr b="1" lang="en" sz="3600"/>
+              <a:t>Any questions?</a:t>
+            </a:r>
+            <a:endParaRPr b="1" sz="3600"/>
+          </a:p>
+        </p:txBody>
+      </p:sp>
+      <p:sp>
+        <p:nvSpPr>
+          <p:cNvPr id="141" name="Shape 141"/>
+          <p:cNvSpPr txBox="1"/>
+          <p:nvPr>
+            <p:ph idx="12" type="sldNum"/>
+          </p:nvPr>
+        </p:nvSpPr>
+        <p:spPr>
+          <a:xfrm>
+            <a:off x="8404384" y="6333134"/>
+            <a:ext cx="548700" cy="525000"/>
+          </a:xfrm>
+          <a:prstGeom prst="rect">
+            <a:avLst/>
+          </a:prstGeom>
+        </p:spPr>
+        <p:txBody>
+          <a:bodyPr anchorCtr="0" anchor="t" bIns="91425" lIns="91425" spcFirstLastPara="1" rIns="91425" wrap="square" tIns="91425">
+            <a:noAutofit/>
+          </a:bodyPr>
+          <a:lstStyle/>
+          <a:p>
+            <a:pPr indent="0" lvl="0" marL="0" rtl="0">
+              <a:spcBef>
+                <a:spcPts val="0"/>
+              </a:spcBef>
+              <a:spcAft>
+                <a:spcPts val="0"/>
+              </a:spcAft>
+              <a:buNone/>
+            </a:pPr>
+            <a:fld id="{00000000-1234-1234-1234-123412341234}" type="slidenum">
+              <a:rPr lang="en"/>
+              <a:t>‹#›</a:t>
+            </a:fld>
+            <a:endParaRPr/>
+          </a:p>
+        </p:txBody>
+      </p:sp>
+    </p:spTree>
+  </p:cSld>
+  <p:clrMapOvr>
+    <a:masterClrMapping/>
+  </p:clrMapOvr>
+</p:sld>
+</file>
+
+<file path=ppt/slides/slide2.xml><?xml version="1.0" encoding="utf-8"?>
+<p:sld xmlns:a="http://schemas.openxmlformats.org/drawingml/2006/main" xmlns:r="http://schemas.openxmlformats.org/officeDocument/2006/relationships" xmlns:mc="http://schemas.openxmlformats.org/markup-compatibility/2006" xmlns:mv="urn:schemas-microsoft-com:mac:vml" xmlns:p="http://schemas.openxmlformats.org/presentationml/2006/main" xmlns:c="http://schemas.openxmlformats.org/drawingml/2006/chart" xmlns:dgm="http://schemas.openxmlformats.org/drawingml/2006/diagram" xmlns:o="urn:schemas-microsoft-com:office:office" xmlns:v="urn:schemas-microsoft-com:vml" xmlns:pvml="urn:schemas-microsoft-com:office:powerpoint" xmlns:com="http://schemas.openxmlformats.org/drawingml/2006/compatibility" xmlns:p14="http://schemas.microsoft.com/office/powerpoint/2010/main" xmlns:p15="http://schemas.microsoft.com/office/powerpoint/2012/main">
+  <p:cSld>
+    <p:spTree>
+      <p:nvGrpSpPr>
+        <p:cNvPr id="76" name="Shape 76"/>
         <p:cNvGrpSpPr/>
         <p:nvPr/>
       </p:nvGrpSpPr>
@@ -7334,23 +7403,23 @@
             <a:avLst/>
           </a:prstGeom>
           <a:noFill/>
-          <a:ln w="9525" cap="flat" cmpd="sng">
+          <a:ln cap="flat" cmpd="sng" w="9525">
             <a:solidFill>
               <a:srgbClr val="CFD8DC"/>
             </a:solidFill>
             <a:prstDash val="dash"/>
             <a:round/>
-            <a:headEnd type="none" w="sm" len="sm"/>
-            <a:tailEnd type="none" w="sm" len="sm"/>
+            <a:headEnd len="sm" w="sm" type="none"/>
+            <a:tailEnd len="sm" w="sm" type="none"/>
           </a:ln>
         </p:spPr>
         <p:txBody>
-          <a:bodyPr spcFirstLastPara="1" wrap="square" lIns="91425" tIns="91425" rIns="91425" bIns="91425" anchor="ctr" anchorCtr="0">
+          <a:bodyPr anchorCtr="0" anchor="ctr" bIns="91425" lIns="91425" spcFirstLastPara="1" rIns="91425" wrap="square" tIns="91425">
             <a:noAutofit/>
           </a:bodyPr>
           <a:lstStyle/>
           <a:p>
-            <a:pPr marL="0" lvl="0" indent="0">
+            <a:pPr indent="0" lvl="0" marL="0">
               <a:spcBef>
                 <a:spcPts val="0"/>
               </a:spcBef>
@@ -7359,6 +7428,9 @@
               </a:spcAft>
               <a:buNone/>
             </a:pPr>
+            <a:r>
+              <a:t/>
+            </a:r>
             <a:endParaRPr/>
           </a:p>
         </p:txBody>
@@ -7366,11 +7438,9 @@
       <p:sp>
         <p:nvSpPr>
           <p:cNvPr id="78" name="Shape 78"/>
-          <p:cNvSpPr txBox="1">
-            <a:spLocks noGrp="1"/>
-          </p:cNvSpPr>
+          <p:cNvSpPr txBox="1"/>
           <p:nvPr>
-            <p:ph type="ctrTitle" idx="4294967295"/>
+            <p:ph idx="4294967295" type="ctrTitle"/>
           </p:nvPr>
         </p:nvSpPr>
         <p:spPr>
@@ -7383,12 +7453,12 @@
           </a:prstGeom>
         </p:spPr>
         <p:txBody>
-          <a:bodyPr spcFirstLastPara="1" wrap="square" lIns="91425" tIns="91425" rIns="91425" bIns="91425" anchor="b" anchorCtr="0">
+          <a:bodyPr anchorCtr="0" anchor="b" bIns="91425" lIns="91425" spcFirstLastPara="1" rIns="91425" wrap="square" tIns="91425">
             <a:noAutofit/>
           </a:bodyPr>
           <a:lstStyle/>
           <a:p>
-            <a:pPr marL="0" lvl="0" indent="0" algn="r" rtl="0">
+            <a:pPr indent="0" lvl="0" marL="0" rtl="0" algn="r">
               <a:spcBef>
                 <a:spcPts val="0"/>
               </a:spcBef>
@@ -7398,13 +7468,13 @@
               <a:buNone/>
             </a:pPr>
             <a:r>
-              <a:rPr lang="en" sz="6000" b="1"/>
+              <a:rPr b="1" lang="en" sz="6000"/>
               <a:t>Our</a:t>
             </a:r>
-            <a:endParaRPr sz="6000" b="1"/>
+            <a:endParaRPr b="1" sz="6000"/>
           </a:p>
           <a:p>
-            <a:pPr marL="0" lvl="0" indent="0" algn="r" rtl="0">
+            <a:pPr indent="0" lvl="0" marL="0" rtl="0" algn="r">
               <a:spcBef>
                 <a:spcPts val="0"/>
               </a:spcBef>
@@ -7414,21 +7484,19 @@
               <a:buNone/>
             </a:pPr>
             <a:r>
-              <a:rPr lang="en" sz="6000" b="1"/>
+              <a:rPr b="1" lang="en" sz="6000"/>
               <a:t>Idea</a:t>
             </a:r>
-            <a:endParaRPr sz="6000" b="1"/>
+            <a:endParaRPr b="1" sz="6000"/>
           </a:p>
         </p:txBody>
       </p:sp>
       <p:sp>
         <p:nvSpPr>
           <p:cNvPr id="79" name="Shape 79"/>
-          <p:cNvSpPr txBox="1">
-            <a:spLocks noGrp="1"/>
-          </p:cNvSpPr>
+          <p:cNvSpPr txBox="1"/>
           <p:nvPr>
-            <p:ph type="subTitle" idx="4294967295"/>
+            <p:ph idx="4294967295" type="subTitle"/>
           </p:nvPr>
         </p:nvSpPr>
         <p:spPr>
@@ -7441,12 +7509,12 @@
           </a:prstGeom>
         </p:spPr>
         <p:txBody>
-          <a:bodyPr spcFirstLastPara="1" wrap="square" lIns="91425" tIns="91425" rIns="91425" bIns="91425" anchor="t" anchorCtr="0">
+          <a:bodyPr anchorCtr="0" anchor="t" bIns="91425" lIns="91425" spcFirstLastPara="1" rIns="91425" wrap="square" tIns="91425">
             <a:noAutofit/>
           </a:bodyPr>
           <a:lstStyle/>
           <a:p>
-            <a:pPr marL="0" lvl="0" indent="0" algn="r" rtl="0">
+            <a:pPr indent="0" lvl="0" marL="0" rtl="0" algn="r">
               <a:spcBef>
                 <a:spcPts val="600"/>
               </a:spcBef>
@@ -7470,7 +7538,7 @@
           <p:nvPr/>
         </p:nvCxnSpPr>
         <p:spPr>
-          <a:xfrm rot="10800000" flipH="1">
+          <a:xfrm flipH="1" rot="10800000">
             <a:off x="6282450" y="705375"/>
             <a:ext cx="121500" cy="518700"/>
           </a:xfrm>
@@ -7478,14 +7546,14 @@
             <a:avLst/>
           </a:prstGeom>
           <a:noFill/>
-          <a:ln w="9525" cap="flat" cmpd="sng">
+          <a:ln cap="flat" cmpd="sng" w="9525">
             <a:solidFill>
               <a:srgbClr val="CFD8DC"/>
             </a:solidFill>
             <a:prstDash val="solid"/>
             <a:round/>
-            <a:headEnd type="none" w="med" len="med"/>
-            <a:tailEnd type="none" w="med" len="med"/>
+            <a:headEnd len="med" w="med" type="none"/>
+            <a:tailEnd len="med" w="med" type="none"/>
           </a:ln>
         </p:spPr>
       </p:cxnSp>
@@ -7504,14 +7572,14 @@
             <a:avLst/>
           </a:prstGeom>
           <a:noFill/>
-          <a:ln w="9525" cap="flat" cmpd="sng">
+          <a:ln cap="flat" cmpd="sng" w="9525">
             <a:solidFill>
               <a:srgbClr val="CFD8DC"/>
             </a:solidFill>
             <a:prstDash val="solid"/>
             <a:round/>
-            <a:headEnd type="none" w="med" len="med"/>
-            <a:tailEnd type="none" w="med" len="med"/>
+            <a:headEnd len="med" w="med" type="none"/>
+            <a:tailEnd len="med" w="med" type="none"/>
           </a:ln>
         </p:spPr>
       </p:cxnSp>
@@ -7532,14 +7600,14 @@
             <a:avLst/>
           </a:prstGeom>
           <a:noFill/>
-          <a:ln w="9525" cap="flat" cmpd="sng">
+          <a:ln cap="flat" cmpd="sng" w="9525">
             <a:solidFill>
               <a:srgbClr val="CFD8DC"/>
             </a:solidFill>
             <a:prstDash val="solid"/>
             <a:round/>
-            <a:headEnd type="none" w="med" len="med"/>
-            <a:tailEnd type="none" w="med" len="med"/>
+            <a:headEnd len="med" w="med" type="none"/>
+            <a:tailEnd len="med" w="med" type="none"/>
           </a:ln>
         </p:spPr>
       </p:cxnSp>
@@ -7558,23 +7626,23 @@
             <a:avLst/>
           </a:prstGeom>
           <a:noFill/>
-          <a:ln w="19050" cap="flat" cmpd="sng">
+          <a:ln cap="flat" cmpd="sng" w="19050">
             <a:solidFill>
               <a:srgbClr val="CFD8DC"/>
             </a:solidFill>
             <a:prstDash val="solid"/>
             <a:round/>
-            <a:headEnd type="none" w="sm" len="sm"/>
-            <a:tailEnd type="none" w="sm" len="sm"/>
+            <a:headEnd len="sm" w="sm" type="none"/>
+            <a:tailEnd len="sm" w="sm" type="none"/>
           </a:ln>
         </p:spPr>
         <p:txBody>
-          <a:bodyPr spcFirstLastPara="1" wrap="square" lIns="91425" tIns="91425" rIns="91425" bIns="91425" anchor="ctr" anchorCtr="0">
+          <a:bodyPr anchorCtr="0" anchor="ctr" bIns="91425" lIns="91425" spcFirstLastPara="1" rIns="91425" wrap="square" tIns="91425">
             <a:noAutofit/>
           </a:bodyPr>
           <a:lstStyle/>
           <a:p>
-            <a:pPr marL="0" lvl="0" indent="0">
+            <a:pPr indent="0" lvl="0" marL="0">
               <a:spcBef>
                 <a:spcPts val="0"/>
               </a:spcBef>
@@ -7583,6 +7651,9 @@
               </a:spcAft>
               <a:buNone/>
             </a:pPr>
+            <a:r>
+              <a:t/>
+            </a:r>
             <a:endParaRPr/>
           </a:p>
         </p:txBody>
@@ -7590,11 +7661,9 @@
       <p:sp>
         <p:nvSpPr>
           <p:cNvPr id="84" name="Shape 84"/>
-          <p:cNvSpPr txBox="1">
-            <a:spLocks noGrp="1"/>
-          </p:cNvSpPr>
+          <p:cNvSpPr txBox="1"/>
           <p:nvPr>
-            <p:ph type="sldNum" idx="12"/>
+            <p:ph idx="12" type="sldNum"/>
           </p:nvPr>
         </p:nvSpPr>
         <p:spPr>
@@ -7607,12 +7676,12 @@
           </a:prstGeom>
         </p:spPr>
         <p:txBody>
-          <a:bodyPr spcFirstLastPara="1" wrap="square" lIns="91425" tIns="91425" rIns="91425" bIns="91425" anchor="t" anchorCtr="0">
+          <a:bodyPr anchorCtr="0" anchor="t" bIns="91425" lIns="91425" spcFirstLastPara="1" rIns="91425" wrap="square" tIns="91425">
             <a:noAutofit/>
           </a:bodyPr>
           <a:lstStyle/>
           <a:p>
-            <a:pPr marL="0" lvl="0" indent="0" rtl="0">
+            <a:pPr indent="0" lvl="0" marL="0" rtl="0">
               <a:spcBef>
                 <a:spcPts val="0"/>
               </a:spcBef>
@@ -7623,16 +7692,7 @@
             </a:pPr>
             <a:fld id="{00000000-1234-1234-1234-123412341234}" type="slidenum">
               <a:rPr lang="en"/>
-              <a:pPr marL="0" lvl="0" indent="0" rtl="0">
-                <a:spcBef>
-                  <a:spcPts val="0"/>
-                </a:spcBef>
-                <a:spcAft>
-                  <a:spcPts val="0"/>
-                </a:spcAft>
-                <a:buNone/>
-              </a:pPr>
-              <a:t>2</a:t>
+              <a:t>‹#›</a:t>
             </a:fld>
             <a:endParaRPr/>
           </a:p>
@@ -7675,11 +7735,11 @@
 </file>
 
 <file path=ppt/slides/slide3.xml><?xml version="1.0" encoding="utf-8"?>
-<p:sld xmlns:a="http://schemas.openxmlformats.org/drawingml/2006/main" xmlns:r="http://schemas.openxmlformats.org/officeDocument/2006/relationships" xmlns:p="http://schemas.openxmlformats.org/presentationml/2006/main">
+<p:sld xmlns:a="http://schemas.openxmlformats.org/drawingml/2006/main" xmlns:r="http://schemas.openxmlformats.org/officeDocument/2006/relationships" xmlns:mc="http://schemas.openxmlformats.org/markup-compatibility/2006" xmlns:mv="urn:schemas-microsoft-com:mac:vml" xmlns:p="http://schemas.openxmlformats.org/presentationml/2006/main" xmlns:c="http://schemas.openxmlformats.org/drawingml/2006/chart" xmlns:dgm="http://schemas.openxmlformats.org/drawingml/2006/diagram" xmlns:o="urn:schemas-microsoft-com:office:office" xmlns:v="urn:schemas-microsoft-com:vml" xmlns:pvml="urn:schemas-microsoft-com:office:powerpoint" xmlns:com="http://schemas.openxmlformats.org/drawingml/2006/compatibility" xmlns:p14="http://schemas.microsoft.com/office/powerpoint/2010/main" xmlns:p15="http://schemas.microsoft.com/office/powerpoint/2012/main">
   <p:cSld>
     <p:spTree>
       <p:nvGrpSpPr>
-        <p:cNvPr id="1" name="Shape 89"/>
+        <p:cNvPr id="89" name="Shape 89"/>
         <p:cNvGrpSpPr/>
         <p:nvPr/>
       </p:nvGrpSpPr>
@@ -7694,9 +7754,7 @@
       <p:sp>
         <p:nvSpPr>
           <p:cNvPr id="90" name="Shape 90"/>
-          <p:cNvSpPr txBox="1">
-            <a:spLocks noGrp="1"/>
-          </p:cNvSpPr>
+          <p:cNvSpPr txBox="1"/>
           <p:nvPr>
             <p:ph type="title"/>
           </p:nvPr>
@@ -7711,12 +7769,12 @@
           </a:prstGeom>
         </p:spPr>
         <p:txBody>
-          <a:bodyPr spcFirstLastPara="1" wrap="square" lIns="91425" tIns="91425" rIns="91425" bIns="91425" anchor="b" anchorCtr="0">
+          <a:bodyPr anchorCtr="0" anchor="b" bIns="91425" lIns="91425" spcFirstLastPara="1" rIns="91425" wrap="square" tIns="91425">
             <a:noAutofit/>
           </a:bodyPr>
           <a:lstStyle/>
           <a:p>
-            <a:pPr marL="0" lvl="0" indent="0" rtl="0">
+            <a:pPr indent="0" lvl="0" marL="0" rtl="0">
               <a:spcBef>
                 <a:spcPts val="0"/>
               </a:spcBef>
@@ -7736,11 +7794,9 @@
       <p:sp>
         <p:nvSpPr>
           <p:cNvPr id="91" name="Shape 91"/>
-          <p:cNvSpPr txBox="1">
-            <a:spLocks noGrp="1"/>
-          </p:cNvSpPr>
+          <p:cNvSpPr txBox="1"/>
           <p:nvPr>
-            <p:ph type="body" idx="1"/>
+            <p:ph idx="1" type="body"/>
           </p:nvPr>
         </p:nvSpPr>
         <p:spPr>
@@ -7753,12 +7809,12 @@
           </a:prstGeom>
         </p:spPr>
         <p:txBody>
-          <a:bodyPr spcFirstLastPara="1" wrap="square" lIns="91425" tIns="91425" rIns="91425" bIns="91425" anchor="t" anchorCtr="0">
+          <a:bodyPr anchorCtr="0" anchor="t" bIns="91425" lIns="91425" spcFirstLastPara="1" rIns="91425" wrap="square" tIns="91425">
             <a:noAutofit/>
           </a:bodyPr>
           <a:lstStyle/>
           <a:p>
-            <a:pPr marL="457200" lvl="0" indent="-317500" rtl="0">
+            <a:pPr indent="-317500" lvl="0" marL="457200" rtl="0">
               <a:spcBef>
                 <a:spcPts val="600"/>
               </a:spcBef>
@@ -7778,7 +7834,7 @@
             <a:endParaRPr sz="1400"/>
           </a:p>
           <a:p>
-            <a:pPr marL="457200" lvl="0" indent="-317500" rtl="0">
+            <a:pPr indent="-317500" lvl="0" marL="457200" rtl="0">
               <a:spcBef>
                 <a:spcPts val="0"/>
               </a:spcBef>
@@ -7795,7 +7851,7 @@
             <a:endParaRPr sz="1400"/>
           </a:p>
           <a:p>
-            <a:pPr marL="0" lvl="0" indent="0" rtl="0">
+            <a:pPr indent="0" lvl="0" marL="0" rtl="0">
               <a:spcBef>
                 <a:spcPts val="600"/>
               </a:spcBef>
@@ -7804,10 +7860,13 @@
               </a:spcAft>
               <a:buNone/>
             </a:pPr>
+            <a:r>
+              <a:t/>
+            </a:r>
             <a:endParaRPr sz="1400"/>
           </a:p>
           <a:p>
-            <a:pPr marL="0" lvl="0" indent="0" rtl="0">
+            <a:pPr indent="0" lvl="0" marL="0" rtl="0">
               <a:spcBef>
                 <a:spcPts val="600"/>
               </a:spcBef>
@@ -7816,6 +7875,9 @@
               </a:spcAft>
               <a:buNone/>
             </a:pPr>
+            <a:r>
+              <a:t/>
+            </a:r>
             <a:endParaRPr/>
           </a:p>
         </p:txBody>
@@ -7823,11 +7885,9 @@
       <p:sp>
         <p:nvSpPr>
           <p:cNvPr id="92" name="Shape 92"/>
-          <p:cNvSpPr txBox="1">
-            <a:spLocks noGrp="1"/>
-          </p:cNvSpPr>
+          <p:cNvSpPr txBox="1"/>
           <p:nvPr>
-            <p:ph type="sldNum" idx="12"/>
+            <p:ph idx="12" type="sldNum"/>
           </p:nvPr>
         </p:nvSpPr>
         <p:spPr>
@@ -7840,12 +7900,12 @@
           </a:prstGeom>
         </p:spPr>
         <p:txBody>
-          <a:bodyPr spcFirstLastPara="1" wrap="square" lIns="91425" tIns="91425" rIns="91425" bIns="91425" anchor="t" anchorCtr="0">
+          <a:bodyPr anchorCtr="0" anchor="t" bIns="91425" lIns="91425" spcFirstLastPara="1" rIns="91425" wrap="square" tIns="91425">
             <a:noAutofit/>
           </a:bodyPr>
           <a:lstStyle/>
           <a:p>
-            <a:pPr marL="0" lvl="0" indent="0" rtl="0">
+            <a:pPr indent="0" lvl="0" marL="0" rtl="0">
               <a:spcBef>
                 <a:spcPts val="0"/>
               </a:spcBef>
@@ -7856,16 +7916,7 @@
             </a:pPr>
             <a:fld id="{00000000-1234-1234-1234-123412341234}" type="slidenum">
               <a:rPr lang="en"/>
-              <a:pPr marL="0" lvl="0" indent="0" rtl="0">
-                <a:spcBef>
-                  <a:spcPts val="0"/>
-                </a:spcBef>
-                <a:spcAft>
-                  <a:spcPts val="0"/>
-                </a:spcAft>
-                <a:buNone/>
-              </a:pPr>
-              <a:t>3</a:t>
+              <a:t>‹#›</a:t>
             </a:fld>
             <a:endParaRPr/>
           </a:p>
@@ -7880,11 +7931,11 @@
 </file>
 
 <file path=ppt/slides/slide4.xml><?xml version="1.0" encoding="utf-8"?>
-<p:sld xmlns:a="http://schemas.openxmlformats.org/drawingml/2006/main" xmlns:r="http://schemas.openxmlformats.org/officeDocument/2006/relationships" xmlns:p="http://schemas.openxmlformats.org/presentationml/2006/main">
+<p:sld xmlns:a="http://schemas.openxmlformats.org/drawingml/2006/main" xmlns:r="http://schemas.openxmlformats.org/officeDocument/2006/relationships" xmlns:mc="http://schemas.openxmlformats.org/markup-compatibility/2006" xmlns:mv="urn:schemas-microsoft-com:mac:vml" xmlns:p="http://schemas.openxmlformats.org/presentationml/2006/main" xmlns:c="http://schemas.openxmlformats.org/drawingml/2006/chart" xmlns:dgm="http://schemas.openxmlformats.org/drawingml/2006/diagram" xmlns:o="urn:schemas-microsoft-com:office:office" xmlns:v="urn:schemas-microsoft-com:vml" xmlns:pvml="urn:schemas-microsoft-com:office:powerpoint" xmlns:com="http://schemas.openxmlformats.org/drawingml/2006/compatibility" xmlns:p14="http://schemas.microsoft.com/office/powerpoint/2010/main" xmlns:p15="http://schemas.microsoft.com/office/powerpoint/2012/main">
   <p:cSld>
     <p:spTree>
       <p:nvGrpSpPr>
-        <p:cNvPr id="1" name="Shape 96"/>
+        <p:cNvPr id="96" name="Shape 96"/>
         <p:cNvGrpSpPr/>
         <p:nvPr/>
       </p:nvGrpSpPr>
@@ -7899,11 +7950,9 @@
       <p:sp>
         <p:nvSpPr>
           <p:cNvPr id="97" name="Shape 97"/>
-          <p:cNvSpPr txBox="1">
-            <a:spLocks noGrp="1"/>
-          </p:cNvSpPr>
+          <p:cNvSpPr txBox="1"/>
           <p:nvPr>
-            <p:ph type="sldNum" idx="12"/>
+            <p:ph idx="12" type="sldNum"/>
           </p:nvPr>
         </p:nvSpPr>
         <p:spPr>
@@ -7916,12 +7965,12 @@
           </a:prstGeom>
         </p:spPr>
         <p:txBody>
-          <a:bodyPr spcFirstLastPara="1" wrap="square" lIns="91425" tIns="91425" rIns="91425" bIns="91425" anchor="t" anchorCtr="0">
+          <a:bodyPr anchorCtr="0" anchor="t" bIns="91425" lIns="91425" spcFirstLastPara="1" rIns="91425" wrap="square" tIns="91425">
             <a:noAutofit/>
           </a:bodyPr>
           <a:lstStyle/>
           <a:p>
-            <a:pPr marL="0" lvl="0" indent="0">
+            <a:pPr indent="0" lvl="0" marL="0">
               <a:spcBef>
                 <a:spcPts val="0"/>
               </a:spcBef>
@@ -7932,16 +7981,7 @@
             </a:pPr>
             <a:fld id="{00000000-1234-1234-1234-123412341234}" type="slidenum">
               <a:rPr lang="en"/>
-              <a:pPr marL="0" lvl="0" indent="0">
-                <a:spcBef>
-                  <a:spcPts val="0"/>
-                </a:spcBef>
-                <a:spcAft>
-                  <a:spcPts val="0"/>
-                </a:spcAft>
-                <a:buNone/>
-              </a:pPr>
-              <a:t>4</a:t>
+              <a:t>‹#›</a:t>
             </a:fld>
             <a:endParaRPr/>
           </a:p>
@@ -7950,11 +7990,9 @@
       <p:sp>
         <p:nvSpPr>
           <p:cNvPr id="98" name="Shape 98"/>
-          <p:cNvSpPr txBox="1">
-            <a:spLocks noGrp="1"/>
-          </p:cNvSpPr>
+          <p:cNvSpPr txBox="1"/>
           <p:nvPr>
-            <p:ph type="ctrTitle" idx="4294967295"/>
+            <p:ph idx="4294967295" type="ctrTitle"/>
           </p:nvPr>
         </p:nvSpPr>
         <p:spPr>
@@ -7967,12 +8005,12 @@
           </a:prstGeom>
         </p:spPr>
         <p:txBody>
-          <a:bodyPr spcFirstLastPara="1" wrap="square" lIns="91425" tIns="91425" rIns="91425" bIns="91425" anchor="b" anchorCtr="0">
+          <a:bodyPr anchorCtr="0" anchor="b" bIns="91425" lIns="91425" spcFirstLastPara="1" rIns="91425" wrap="square" tIns="91425">
             <a:noAutofit/>
           </a:bodyPr>
           <a:lstStyle/>
           <a:p>
-            <a:pPr marL="0" lvl="0" indent="0" algn="ctr" rtl="0">
+            <a:pPr indent="0" lvl="0" marL="0" rtl="0" algn="ctr">
               <a:spcBef>
                 <a:spcPts val="0"/>
               </a:spcBef>
@@ -7982,10 +8020,14 @@
               <a:buNone/>
             </a:pPr>
             <a:r>
-              <a:rPr lang="en" sz="6000" b="1"/>
-              <a:t>Demo time !</a:t>
+              <a:rPr b="1" lang="en" sz="6000"/>
+              <a:t>Demo t</a:t>
             </a:r>
-            <a:endParaRPr sz="6000" b="1"/>
+            <a:r>
+              <a:rPr b="1" lang="en" sz="6000"/>
+              <a:t>ime !</a:t>
+            </a:r>
+            <a:endParaRPr b="1" sz="6000"/>
           </a:p>
         </p:txBody>
       </p:sp>
@@ -7998,11 +8040,11 @@
 </file>
 
 <file path=ppt/slides/slide5.xml><?xml version="1.0" encoding="utf-8"?>
-<p:sld xmlns:a="http://schemas.openxmlformats.org/drawingml/2006/main" xmlns:r="http://schemas.openxmlformats.org/officeDocument/2006/relationships" xmlns:p="http://schemas.openxmlformats.org/presentationml/2006/main">
+<p:sld xmlns:a="http://schemas.openxmlformats.org/drawingml/2006/main" xmlns:r="http://schemas.openxmlformats.org/officeDocument/2006/relationships" xmlns:mc="http://schemas.openxmlformats.org/markup-compatibility/2006" xmlns:mv="urn:schemas-microsoft-com:mac:vml" xmlns:p="http://schemas.openxmlformats.org/presentationml/2006/main" xmlns:c="http://schemas.openxmlformats.org/drawingml/2006/chart" xmlns:dgm="http://schemas.openxmlformats.org/drawingml/2006/diagram" xmlns:o="urn:schemas-microsoft-com:office:office" xmlns:v="urn:schemas-microsoft-com:vml" xmlns:pvml="urn:schemas-microsoft-com:office:powerpoint" xmlns:com="http://schemas.openxmlformats.org/drawingml/2006/compatibility" xmlns:p14="http://schemas.microsoft.com/office/powerpoint/2010/main" xmlns:p15="http://schemas.microsoft.com/office/powerpoint/2012/main">
   <p:cSld>
     <p:spTree>
       <p:nvGrpSpPr>
-        <p:cNvPr id="1" name="Shape 102"/>
+        <p:cNvPr id="102" name="Shape 102"/>
         <p:cNvGrpSpPr/>
         <p:nvPr/>
       </p:nvGrpSpPr>
@@ -8017,9 +8059,7 @@
       <p:sp>
         <p:nvSpPr>
           <p:cNvPr id="103" name="Shape 103"/>
-          <p:cNvSpPr txBox="1">
-            <a:spLocks noGrp="1"/>
-          </p:cNvSpPr>
+          <p:cNvSpPr txBox="1"/>
           <p:nvPr>
             <p:ph type="title"/>
           </p:nvPr>
@@ -8034,12 +8074,12 @@
           </a:prstGeom>
         </p:spPr>
         <p:txBody>
-          <a:bodyPr spcFirstLastPara="1" wrap="square" lIns="91425" tIns="91425" rIns="91425" bIns="91425" anchor="b" anchorCtr="0">
+          <a:bodyPr anchorCtr="0" anchor="b" bIns="91425" lIns="91425" spcFirstLastPara="1" rIns="91425" wrap="square" tIns="91425">
             <a:noAutofit/>
           </a:bodyPr>
           <a:lstStyle/>
           <a:p>
-            <a:pPr marL="0" lvl="0" indent="0" rtl="0">
+            <a:pPr indent="0" lvl="0" marL="0" rtl="0">
               <a:spcBef>
                 <a:spcPts val="0"/>
               </a:spcBef>
@@ -8059,11 +8099,9 @@
       <p:sp>
         <p:nvSpPr>
           <p:cNvPr id="104" name="Shape 104"/>
-          <p:cNvSpPr txBox="1">
-            <a:spLocks noGrp="1"/>
-          </p:cNvSpPr>
+          <p:cNvSpPr txBox="1"/>
           <p:nvPr>
-            <p:ph type="sldNum" idx="12"/>
+            <p:ph idx="12" type="sldNum"/>
           </p:nvPr>
         </p:nvSpPr>
         <p:spPr>
@@ -8076,12 +8114,12 @@
           </a:prstGeom>
         </p:spPr>
         <p:txBody>
-          <a:bodyPr spcFirstLastPara="1" wrap="square" lIns="91425" tIns="91425" rIns="91425" bIns="91425" anchor="t" anchorCtr="0">
+          <a:bodyPr anchorCtr="0" anchor="t" bIns="91425" lIns="91425" spcFirstLastPara="1" rIns="91425" wrap="square" tIns="91425">
             <a:noAutofit/>
           </a:bodyPr>
           <a:lstStyle/>
           <a:p>
-            <a:pPr marL="0" lvl="0" indent="0" rtl="0">
+            <a:pPr indent="0" lvl="0" marL="0" rtl="0">
               <a:spcBef>
                 <a:spcPts val="0"/>
               </a:spcBef>
@@ -8092,16 +8130,7 @@
             </a:pPr>
             <a:fld id="{00000000-1234-1234-1234-123412341234}" type="slidenum">
               <a:rPr lang="en"/>
-              <a:pPr marL="0" lvl="0" indent="0" rtl="0">
-                <a:spcBef>
-                  <a:spcPts val="0"/>
-                </a:spcBef>
-                <a:spcAft>
-                  <a:spcPts val="0"/>
-                </a:spcAft>
-                <a:buNone/>
-              </a:pPr>
-              <a:t>5</a:t>
+              <a:t>‹#›</a:t>
             </a:fld>
             <a:endParaRPr/>
           </a:p>
@@ -8127,12 +8156,12 @@
           </a:ln>
         </p:spPr>
         <p:txBody>
-          <a:bodyPr spcFirstLastPara="1" wrap="square" lIns="91425" tIns="91425" rIns="91425" bIns="91425" anchor="t" anchorCtr="0">
+          <a:bodyPr anchorCtr="0" anchor="t" bIns="91425" lIns="91425" spcFirstLastPara="1" rIns="91425" wrap="square" tIns="91425">
             <a:noAutofit/>
           </a:bodyPr>
           <a:lstStyle/>
           <a:p>
-            <a:pPr marL="0" lvl="0" indent="0" algn="r" rtl="0">
+            <a:pPr indent="0" lvl="0" marL="0" rtl="0" algn="r">
               <a:spcBef>
                 <a:spcPts val="0"/>
               </a:spcBef>
@@ -8191,11 +8220,11 @@
 </file>
 
 <file path=ppt/slides/slide6.xml><?xml version="1.0" encoding="utf-8"?>
-<p:sld xmlns:a="http://schemas.openxmlformats.org/drawingml/2006/main" xmlns:r="http://schemas.openxmlformats.org/officeDocument/2006/relationships" xmlns:p="http://schemas.openxmlformats.org/presentationml/2006/main">
+<p:sld xmlns:a="http://schemas.openxmlformats.org/drawingml/2006/main" xmlns:r="http://schemas.openxmlformats.org/officeDocument/2006/relationships" xmlns:mc="http://schemas.openxmlformats.org/markup-compatibility/2006" xmlns:mv="urn:schemas-microsoft-com:mac:vml" xmlns:p="http://schemas.openxmlformats.org/presentationml/2006/main" xmlns:c="http://schemas.openxmlformats.org/drawingml/2006/chart" xmlns:dgm="http://schemas.openxmlformats.org/drawingml/2006/diagram" xmlns:o="urn:schemas-microsoft-com:office:office" xmlns:v="urn:schemas-microsoft-com:vml" xmlns:pvml="urn:schemas-microsoft-com:office:powerpoint" xmlns:com="http://schemas.openxmlformats.org/drawingml/2006/compatibility" xmlns:p14="http://schemas.microsoft.com/office/powerpoint/2010/main" xmlns:p15="http://schemas.microsoft.com/office/powerpoint/2012/main">
   <p:cSld>
     <p:spTree>
       <p:nvGrpSpPr>
-        <p:cNvPr id="1" name="Shape 110"/>
+        <p:cNvPr id="110" name="Shape 110"/>
         <p:cNvGrpSpPr/>
         <p:nvPr/>
       </p:nvGrpSpPr>
@@ -8210,9 +8239,7 @@
       <p:sp>
         <p:nvSpPr>
           <p:cNvPr id="111" name="Shape 111"/>
-          <p:cNvSpPr txBox="1">
-            <a:spLocks noGrp="1"/>
-          </p:cNvSpPr>
+          <p:cNvSpPr txBox="1"/>
           <p:nvPr>
             <p:ph type="title"/>
           </p:nvPr>
@@ -8227,12 +8254,12 @@
           </a:prstGeom>
         </p:spPr>
         <p:txBody>
-          <a:bodyPr spcFirstLastPara="1" wrap="square" lIns="91425" tIns="91425" rIns="91425" bIns="91425" anchor="b" anchorCtr="0">
+          <a:bodyPr anchorCtr="0" anchor="b" bIns="91425" lIns="91425" spcFirstLastPara="1" rIns="91425" wrap="square" tIns="91425">
             <a:noAutofit/>
           </a:bodyPr>
           <a:lstStyle/>
           <a:p>
-            <a:pPr marL="0" lvl="0" indent="0" rtl="0">
+            <a:pPr indent="0" lvl="0" marL="0" rtl="0">
               <a:spcBef>
                 <a:spcPts val="0"/>
               </a:spcBef>
@@ -8252,11 +8279,9 @@
       <p:sp>
         <p:nvSpPr>
           <p:cNvPr id="112" name="Shape 112"/>
-          <p:cNvSpPr txBox="1">
-            <a:spLocks noGrp="1"/>
-          </p:cNvSpPr>
+          <p:cNvSpPr txBox="1"/>
           <p:nvPr>
-            <p:ph type="sldNum" idx="12"/>
+            <p:ph idx="12" type="sldNum"/>
           </p:nvPr>
         </p:nvSpPr>
         <p:spPr>
@@ -8269,12 +8294,12 @@
           </a:prstGeom>
         </p:spPr>
         <p:txBody>
-          <a:bodyPr spcFirstLastPara="1" wrap="square" lIns="91425" tIns="91425" rIns="91425" bIns="91425" anchor="t" anchorCtr="0">
+          <a:bodyPr anchorCtr="0" anchor="t" bIns="91425" lIns="91425" spcFirstLastPara="1" rIns="91425" wrap="square" tIns="91425">
             <a:noAutofit/>
           </a:bodyPr>
           <a:lstStyle/>
           <a:p>
-            <a:pPr marL="0" lvl="0" indent="0" rtl="0">
+            <a:pPr indent="0" lvl="0" marL="0" rtl="0">
               <a:spcBef>
                 <a:spcPts val="0"/>
               </a:spcBef>
@@ -8285,16 +8310,7 @@
             </a:pPr>
             <a:fld id="{00000000-1234-1234-1234-123412341234}" type="slidenum">
               <a:rPr lang="en"/>
-              <a:pPr marL="0" lvl="0" indent="0" rtl="0">
-                <a:spcBef>
-                  <a:spcPts val="0"/>
-                </a:spcBef>
-                <a:spcAft>
-                  <a:spcPts val="0"/>
-                </a:spcAft>
-                <a:buNone/>
-              </a:pPr>
-              <a:t>6</a:t>
+              <a:t>‹#›</a:t>
             </a:fld>
             <a:endParaRPr/>
           </a:p>
@@ -8303,11 +8319,9 @@
       <p:sp>
         <p:nvSpPr>
           <p:cNvPr id="113" name="Shape 113"/>
-          <p:cNvSpPr txBox="1">
-            <a:spLocks noGrp="1"/>
-          </p:cNvSpPr>
+          <p:cNvSpPr txBox="1"/>
           <p:nvPr>
-            <p:ph type="body" idx="4294967295"/>
+            <p:ph idx="4294967295" type="body"/>
           </p:nvPr>
         </p:nvSpPr>
         <p:spPr>
@@ -8320,12 +8334,12 @@
           </a:prstGeom>
         </p:spPr>
         <p:txBody>
-          <a:bodyPr spcFirstLastPara="1" wrap="square" lIns="91425" tIns="91425" rIns="91425" bIns="91425" anchor="t" anchorCtr="0">
+          <a:bodyPr anchorCtr="0" anchor="t" bIns="91425" lIns="91425" spcFirstLastPara="1" rIns="91425" wrap="square" tIns="91425">
             <a:noAutofit/>
           </a:bodyPr>
           <a:lstStyle/>
           <a:p>
-            <a:pPr marL="457200" lvl="0" indent="-342900" algn="just" rtl="0">
+            <a:pPr indent="-342900" lvl="0" marL="457200" rtl="0" algn="just">
               <a:spcBef>
                 <a:spcPts val="600"/>
               </a:spcBef>
@@ -8342,7 +8356,7 @@
             <a:endParaRPr sz="1800"/>
           </a:p>
           <a:p>
-            <a:pPr marL="457200" lvl="0" indent="-342900" algn="just" rtl="0">
+            <a:pPr indent="-342900" lvl="0" marL="457200" rtl="0" algn="just">
               <a:spcBef>
                 <a:spcPts val="1000"/>
               </a:spcBef>
@@ -8359,7 +8373,7 @@
             <a:endParaRPr sz="1800"/>
           </a:p>
           <a:p>
-            <a:pPr marL="457200" lvl="0" indent="-342900" algn="just" rtl="0">
+            <a:pPr indent="-342900" lvl="0" marL="457200" rtl="0" algn="just">
               <a:spcBef>
                 <a:spcPts val="1000"/>
               </a:spcBef>
@@ -8386,11 +8400,206 @@
 </file>
 
 <file path=ppt/slides/slide7.xml><?xml version="1.0" encoding="utf-8"?>
-<p:sld xmlns:a="http://schemas.openxmlformats.org/drawingml/2006/main" xmlns:r="http://schemas.openxmlformats.org/officeDocument/2006/relationships" xmlns:p="http://schemas.openxmlformats.org/presentationml/2006/main">
+<p:sld xmlns:a="http://schemas.openxmlformats.org/drawingml/2006/main" xmlns:r="http://schemas.openxmlformats.org/officeDocument/2006/relationships" xmlns:mc="http://schemas.openxmlformats.org/markup-compatibility/2006" xmlns:mv="urn:schemas-microsoft-com:mac:vml" xmlns:p="http://schemas.openxmlformats.org/presentationml/2006/main" xmlns:c="http://schemas.openxmlformats.org/drawingml/2006/chart" xmlns:dgm="http://schemas.openxmlformats.org/drawingml/2006/diagram" xmlns:o="urn:schemas-microsoft-com:office:office" xmlns:v="urn:schemas-microsoft-com:vml" xmlns:pvml="urn:schemas-microsoft-com:office:powerpoint" xmlns:com="http://schemas.openxmlformats.org/drawingml/2006/compatibility" xmlns:p14="http://schemas.microsoft.com/office/powerpoint/2010/main" xmlns:p15="http://schemas.microsoft.com/office/powerpoint/2012/main">
   <p:cSld>
     <p:spTree>
       <p:nvGrpSpPr>
-        <p:cNvPr id="1" name="Shape 124"/>
+        <p:cNvPr id="117" name="Shape 117"/>
+        <p:cNvGrpSpPr/>
+        <p:nvPr/>
+      </p:nvGrpSpPr>
+      <p:grpSpPr>
+        <a:xfrm>
+          <a:off x="0" y="0"/>
+          <a:ext cx="0" cy="0"/>
+          <a:chOff x="0" y="0"/>
+          <a:chExt cx="0" cy="0"/>
+        </a:xfrm>
+      </p:grpSpPr>
+      <p:sp>
+        <p:nvSpPr>
+          <p:cNvPr id="118" name="Shape 118"/>
+          <p:cNvSpPr txBox="1"/>
+          <p:nvPr>
+            <p:ph type="title"/>
+          </p:nvPr>
+        </p:nvSpPr>
+        <p:spPr>
+          <a:xfrm>
+            <a:off x="786150" y="410826"/>
+            <a:ext cx="7571700" cy="936900"/>
+          </a:xfrm>
+          <a:prstGeom prst="rect">
+            <a:avLst/>
+          </a:prstGeom>
+        </p:spPr>
+        <p:txBody>
+          <a:bodyPr anchorCtr="0" anchor="b" bIns="91425" lIns="91425" spcFirstLastPara="1" rIns="91425" wrap="square" tIns="91425">
+            <a:noAutofit/>
+          </a:bodyPr>
+          <a:lstStyle/>
+          <a:p>
+            <a:pPr indent="0" lvl="0" marL="0" rtl="0">
+              <a:spcBef>
+                <a:spcPts val="0"/>
+              </a:spcBef>
+              <a:spcAft>
+                <a:spcPts val="0"/>
+              </a:spcAft>
+              <a:buNone/>
+            </a:pPr>
+            <a:r>
+              <a:rPr lang="en"/>
+              <a:t>Notes</a:t>
+            </a:r>
+            <a:endParaRPr/>
+          </a:p>
+        </p:txBody>
+      </p:sp>
+      <p:sp>
+        <p:nvSpPr>
+          <p:cNvPr id="119" name="Shape 119"/>
+          <p:cNvSpPr txBox="1"/>
+          <p:nvPr>
+            <p:ph idx="1" type="body"/>
+          </p:nvPr>
+        </p:nvSpPr>
+        <p:spPr>
+          <a:xfrm>
+            <a:off x="786150" y="1682267"/>
+            <a:ext cx="7571700" cy="4764900"/>
+          </a:xfrm>
+          <a:prstGeom prst="rect">
+            <a:avLst/>
+          </a:prstGeom>
+        </p:spPr>
+        <p:txBody>
+          <a:bodyPr anchorCtr="0" anchor="t" bIns="91425" lIns="91425" spcFirstLastPara="1" rIns="91425" wrap="square" tIns="91425">
+            <a:noAutofit/>
+          </a:bodyPr>
+          <a:lstStyle/>
+          <a:p>
+            <a:pPr indent="-342900" lvl="0" marL="457200" rtl="0">
+              <a:spcBef>
+                <a:spcPts val="600"/>
+              </a:spcBef>
+              <a:spcAft>
+                <a:spcPts val="0"/>
+              </a:spcAft>
+              <a:buSzPts val="1800"/>
+              <a:buChar char="◎"/>
+            </a:pPr>
+            <a:r>
+              <a:rPr lang="en" sz="1800"/>
+              <a:t>Bugs found:</a:t>
+            </a:r>
+            <a:endParaRPr sz="1800"/>
+          </a:p>
+          <a:p>
+            <a:pPr indent="-342900" lvl="1" marL="914400" rtl="0">
+              <a:spcBef>
+                <a:spcPts val="1000"/>
+              </a:spcBef>
+              <a:spcAft>
+                <a:spcPts val="0"/>
+              </a:spcAft>
+              <a:buSzPts val="1800"/>
+              <a:buChar char="○"/>
+            </a:pPr>
+            <a:r>
+              <a:rPr lang="en" sz="1800"/>
+              <a:t>In our tests, a match will be found regardless of the maximum range set. Ex: We managed to find a publication in Bern with a subscription in Yverdon.</a:t>
+            </a:r>
+            <a:endParaRPr sz="1800"/>
+          </a:p>
+          <a:p>
+            <a:pPr indent="-342900" lvl="1" marL="914400" rtl="0">
+              <a:spcBef>
+                <a:spcPts val="1000"/>
+              </a:spcBef>
+              <a:spcAft>
+                <a:spcPts val="0"/>
+              </a:spcAft>
+              <a:buSzPts val="1800"/>
+              <a:buChar char="○"/>
+            </a:pPr>
+            <a:r>
+              <a:rPr lang="en" sz="1800"/>
+              <a:t>“startUpdatingLocation” is not updating any publication or subscription</a:t>
+            </a:r>
+            <a:endParaRPr sz="1800"/>
+          </a:p>
+          <a:p>
+            <a:pPr indent="0" lvl="0" marL="0" rtl="0">
+              <a:spcBef>
+                <a:spcPts val="1000"/>
+              </a:spcBef>
+              <a:spcAft>
+                <a:spcPts val="0"/>
+              </a:spcAft>
+              <a:buNone/>
+            </a:pPr>
+            <a:r>
+              <a:t/>
+            </a:r>
+            <a:endParaRPr/>
+          </a:p>
+        </p:txBody>
+      </p:sp>
+      <p:sp>
+        <p:nvSpPr>
+          <p:cNvPr id="120" name="Shape 120"/>
+          <p:cNvSpPr txBox="1"/>
+          <p:nvPr>
+            <p:ph idx="12" type="sldNum"/>
+          </p:nvPr>
+        </p:nvSpPr>
+        <p:spPr>
+          <a:xfrm>
+            <a:off x="8404384" y="6333134"/>
+            <a:ext cx="548700" cy="525000"/>
+          </a:xfrm>
+          <a:prstGeom prst="rect">
+            <a:avLst/>
+          </a:prstGeom>
+        </p:spPr>
+        <p:txBody>
+          <a:bodyPr anchorCtr="0" anchor="t" bIns="91425" lIns="91425" spcFirstLastPara="1" rIns="91425" wrap="square" tIns="91425">
+            <a:noAutofit/>
+          </a:bodyPr>
+          <a:lstStyle/>
+          <a:p>
+            <a:pPr indent="0" lvl="0" marL="0" rtl="0">
+              <a:spcBef>
+                <a:spcPts val="0"/>
+              </a:spcBef>
+              <a:spcAft>
+                <a:spcPts val="0"/>
+              </a:spcAft>
+              <a:buNone/>
+            </a:pPr>
+            <a:fld id="{00000000-1234-1234-1234-123412341234}" type="slidenum">
+              <a:rPr lang="en"/>
+              <a:t>‹#›</a:t>
+            </a:fld>
+            <a:endParaRPr/>
+          </a:p>
+        </p:txBody>
+      </p:sp>
+    </p:spTree>
+  </p:cSld>
+  <p:clrMapOvr>
+    <a:masterClrMapping/>
+  </p:clrMapOvr>
+</p:sld>
+</file>
+
+<file path=ppt/slides/slide8.xml><?xml version="1.0" encoding="utf-8"?>
+<p:sld xmlns:a="http://schemas.openxmlformats.org/drawingml/2006/main" xmlns:r="http://schemas.openxmlformats.org/officeDocument/2006/relationships" xmlns:mc="http://schemas.openxmlformats.org/markup-compatibility/2006" xmlns:mv="urn:schemas-microsoft-com:mac:vml" xmlns:p="http://schemas.openxmlformats.org/presentationml/2006/main" xmlns:c="http://schemas.openxmlformats.org/drawingml/2006/chart" xmlns:dgm="http://schemas.openxmlformats.org/drawingml/2006/diagram" xmlns:o="urn:schemas-microsoft-com:office:office" xmlns:v="urn:schemas-microsoft-com:vml" xmlns:pvml="urn:schemas-microsoft-com:office:powerpoint" xmlns:com="http://schemas.openxmlformats.org/drawingml/2006/compatibility" xmlns:p14="http://schemas.microsoft.com/office/powerpoint/2010/main" xmlns:p15="http://schemas.microsoft.com/office/powerpoint/2012/main">
+  <p:cSld>
+    <p:spTree>
+      <p:nvGrpSpPr>
+        <p:cNvPr id="124" name="Shape 124"/>
         <p:cNvGrpSpPr/>
         <p:nvPr/>
       </p:nvGrpSpPr>
@@ -8405,9 +8614,7 @@
       <p:sp>
         <p:nvSpPr>
           <p:cNvPr id="125" name="Shape 125"/>
-          <p:cNvSpPr txBox="1">
-            <a:spLocks noGrp="1"/>
-          </p:cNvSpPr>
+          <p:cNvSpPr txBox="1"/>
           <p:nvPr>
             <p:ph type="title"/>
           </p:nvPr>
@@ -8422,12 +8629,12 @@
           </a:prstGeom>
         </p:spPr>
         <p:txBody>
-          <a:bodyPr spcFirstLastPara="1" wrap="square" lIns="91425" tIns="91425" rIns="91425" bIns="91425" anchor="b" anchorCtr="0">
+          <a:bodyPr anchorCtr="0" anchor="b" bIns="91425" lIns="91425" spcFirstLastPara="1" rIns="91425" wrap="square" tIns="91425">
             <a:noAutofit/>
           </a:bodyPr>
           <a:lstStyle/>
           <a:p>
-            <a:pPr marL="0" lvl="0" indent="0" rtl="0">
+            <a:pPr indent="0" lvl="0" marL="0" rtl="0">
               <a:spcBef>
                 <a:spcPts val="0"/>
               </a:spcBef>
@@ -8447,11 +8654,9 @@
       <p:sp>
         <p:nvSpPr>
           <p:cNvPr id="126" name="Shape 126"/>
-          <p:cNvSpPr txBox="1">
-            <a:spLocks noGrp="1"/>
-          </p:cNvSpPr>
+          <p:cNvSpPr txBox="1"/>
           <p:nvPr>
-            <p:ph type="body" idx="1"/>
+            <p:ph idx="1" type="body"/>
           </p:nvPr>
         </p:nvSpPr>
         <p:spPr>
@@ -8464,12 +8669,12 @@
           </a:prstGeom>
         </p:spPr>
         <p:txBody>
-          <a:bodyPr spcFirstLastPara="1" wrap="square" lIns="91425" tIns="91425" rIns="91425" bIns="91425" anchor="t" anchorCtr="0">
+          <a:bodyPr anchorCtr="0" anchor="t" bIns="91425" lIns="91425" spcFirstLastPara="1" rIns="91425" wrap="square" tIns="91425">
             <a:noAutofit/>
           </a:bodyPr>
           <a:lstStyle/>
           <a:p>
-            <a:pPr marL="457200" lvl="0" indent="-317500" algn="just" rtl="0">
+            <a:pPr indent="-317500" lvl="0" marL="457200" rtl="0" algn="just">
               <a:spcBef>
                 <a:spcPts val="600"/>
               </a:spcBef>
@@ -8481,12 +8686,20 @@
             </a:pPr>
             <a:r>
               <a:rPr lang="en" sz="1400"/>
-              <a:t>App entirely coded by Henri Keopraseuth, with the help of StackOverflow and others.</a:t>
+              <a:t>App </a:t>
+            </a:r>
+            <a:r>
+              <a:rPr lang="en" sz="1400"/>
+              <a:t>entirely</a:t>
+            </a:r>
+            <a:r>
+              <a:rPr lang="en" sz="1400"/>
+              <a:t> coded by Henri Keopraseuth, with the help of StackOverflow and others.</a:t>
             </a:r>
             <a:endParaRPr sz="1400"/>
           </a:p>
           <a:p>
-            <a:pPr marL="0" lvl="0" indent="0" rtl="0">
+            <a:pPr indent="0" lvl="0" marL="0" rtl="0">
               <a:spcBef>
                 <a:spcPts val="1000"/>
               </a:spcBef>
@@ -8495,6 +8708,9 @@
               </a:spcAft>
               <a:buNone/>
             </a:pPr>
+            <a:r>
+              <a:t/>
+            </a:r>
             <a:endParaRPr/>
           </a:p>
         </p:txBody>
@@ -8502,11 +8718,9 @@
       <p:sp>
         <p:nvSpPr>
           <p:cNvPr id="127" name="Shape 127"/>
-          <p:cNvSpPr txBox="1">
-            <a:spLocks noGrp="1"/>
-          </p:cNvSpPr>
+          <p:cNvSpPr txBox="1"/>
           <p:nvPr>
-            <p:ph type="sldNum" idx="12"/>
+            <p:ph idx="12" type="sldNum"/>
           </p:nvPr>
         </p:nvSpPr>
         <p:spPr>
@@ -8519,12 +8733,12 @@
           </a:prstGeom>
         </p:spPr>
         <p:txBody>
-          <a:bodyPr spcFirstLastPara="1" wrap="square" lIns="91425" tIns="91425" rIns="91425" bIns="91425" anchor="t" anchorCtr="0">
+          <a:bodyPr anchorCtr="0" anchor="t" bIns="91425" lIns="91425" spcFirstLastPara="1" rIns="91425" wrap="square" tIns="91425">
             <a:noAutofit/>
           </a:bodyPr>
           <a:lstStyle/>
           <a:p>
-            <a:pPr marL="0" lvl="0" indent="0" rtl="0">
+            <a:pPr indent="0" lvl="0" marL="0" rtl="0">
               <a:spcBef>
                 <a:spcPts val="0"/>
               </a:spcBef>
@@ -8535,16 +8749,7 @@
             </a:pPr>
             <a:fld id="{00000000-1234-1234-1234-123412341234}" type="slidenum">
               <a:rPr lang="en"/>
-              <a:pPr marL="0" lvl="0" indent="0" rtl="0">
-                <a:spcBef>
-                  <a:spcPts val="0"/>
-                </a:spcBef>
-                <a:spcAft>
-                  <a:spcPts val="0"/>
-                </a:spcAft>
-                <a:buNone/>
-              </a:pPr>
-              <a:t>7</a:t>
+              <a:t>‹#›</a:t>
             </a:fld>
             <a:endParaRPr/>
           </a:p>
@@ -8558,12 +8763,12 @@
 </p:sld>
 </file>
 
-<file path=ppt/slides/slide8.xml><?xml version="1.0" encoding="utf-8"?>
-<p:sld xmlns:a="http://schemas.openxmlformats.org/drawingml/2006/main" xmlns:r="http://schemas.openxmlformats.org/officeDocument/2006/relationships" xmlns:p="http://schemas.openxmlformats.org/presentationml/2006/main">
+<file path=ppt/slides/slide9.xml><?xml version="1.0" encoding="utf-8"?>
+<p:sld xmlns:a="http://schemas.openxmlformats.org/drawingml/2006/main" xmlns:r="http://schemas.openxmlformats.org/officeDocument/2006/relationships" xmlns:mc="http://schemas.openxmlformats.org/markup-compatibility/2006" xmlns:mv="urn:schemas-microsoft-com:mac:vml" xmlns:p="http://schemas.openxmlformats.org/presentationml/2006/main" xmlns:c="http://schemas.openxmlformats.org/drawingml/2006/chart" xmlns:dgm="http://schemas.openxmlformats.org/drawingml/2006/diagram" xmlns:o="urn:schemas-microsoft-com:office:office" xmlns:v="urn:schemas-microsoft-com:vml" xmlns:pvml="urn:schemas-microsoft-com:office:powerpoint" xmlns:com="http://schemas.openxmlformats.org/drawingml/2006/compatibility" xmlns:p14="http://schemas.microsoft.com/office/powerpoint/2010/main" xmlns:p15="http://schemas.microsoft.com/office/powerpoint/2012/main">
   <p:cSld>
     <p:spTree>
       <p:nvGrpSpPr>
-        <p:cNvPr id="1" name="Shape 131"/>
+        <p:cNvPr id="131" name="Shape 131"/>
         <p:cNvGrpSpPr/>
         <p:nvPr/>
       </p:nvGrpSpPr>
@@ -8578,9 +8783,7 @@
       <p:sp>
         <p:nvSpPr>
           <p:cNvPr id="132" name="Shape 132"/>
-          <p:cNvSpPr txBox="1">
-            <a:spLocks noGrp="1"/>
-          </p:cNvSpPr>
+          <p:cNvSpPr txBox="1"/>
           <p:nvPr>
             <p:ph type="title"/>
           </p:nvPr>
@@ -8595,12 +8798,12 @@
           </a:prstGeom>
         </p:spPr>
         <p:txBody>
-          <a:bodyPr spcFirstLastPara="1" wrap="square" lIns="91425" tIns="91425" rIns="91425" bIns="91425" anchor="b" anchorCtr="0">
+          <a:bodyPr anchorCtr="0" anchor="b" bIns="91425" lIns="91425" spcFirstLastPara="1" rIns="91425" wrap="square" tIns="91425">
             <a:noAutofit/>
           </a:bodyPr>
           <a:lstStyle/>
           <a:p>
-            <a:pPr marL="0" lvl="0" indent="0" rtl="0">
+            <a:pPr indent="0" lvl="0" marL="0" rtl="0">
               <a:spcBef>
                 <a:spcPts val="0"/>
               </a:spcBef>
@@ -8620,11 +8823,9 @@
       <p:sp>
         <p:nvSpPr>
           <p:cNvPr id="133" name="Shape 133"/>
-          <p:cNvSpPr txBox="1">
-            <a:spLocks noGrp="1"/>
-          </p:cNvSpPr>
+          <p:cNvSpPr txBox="1"/>
           <p:nvPr>
-            <p:ph type="body" idx="1"/>
+            <p:ph idx="1" type="body"/>
           </p:nvPr>
         </p:nvSpPr>
         <p:spPr>
@@ -8637,12 +8838,12 @@
           </a:prstGeom>
         </p:spPr>
         <p:txBody>
-          <a:bodyPr spcFirstLastPara="1" wrap="square" lIns="91425" tIns="91425" rIns="91425" bIns="91425" anchor="t" anchorCtr="0">
+          <a:bodyPr anchorCtr="0" anchor="t" bIns="91425" lIns="91425" spcFirstLastPara="1" rIns="91425" wrap="square" tIns="91425">
             <a:noAutofit/>
           </a:bodyPr>
           <a:lstStyle/>
           <a:p>
-            <a:pPr marL="457200" lvl="0" indent="-317500" algn="just" rtl="0">
+            <a:pPr indent="-317500" lvl="0" marL="457200" rtl="0" algn="just">
               <a:spcBef>
                 <a:spcPts val="600"/>
               </a:spcBef>
@@ -8659,7 +8860,7 @@
             <a:endParaRPr sz="1400"/>
           </a:p>
           <a:p>
-            <a:pPr marL="0" lvl="0" indent="0" rtl="0">
+            <a:pPr indent="0" lvl="0" marL="0" rtl="0">
               <a:spcBef>
                 <a:spcPts val="1000"/>
               </a:spcBef>
@@ -8668,6 +8869,9 @@
               </a:spcAft>
               <a:buNone/>
             </a:pPr>
+            <a:r>
+              <a:t/>
+            </a:r>
             <a:endParaRPr/>
           </a:p>
         </p:txBody>
@@ -8675,11 +8879,9 @@
       <p:sp>
         <p:nvSpPr>
           <p:cNvPr id="134" name="Shape 134"/>
-          <p:cNvSpPr txBox="1">
-            <a:spLocks noGrp="1"/>
-          </p:cNvSpPr>
+          <p:cNvSpPr txBox="1"/>
           <p:nvPr>
-            <p:ph type="sldNum" idx="12"/>
+            <p:ph idx="12" type="sldNum"/>
           </p:nvPr>
         </p:nvSpPr>
         <p:spPr>
@@ -8692,12 +8894,12 @@
           </a:prstGeom>
         </p:spPr>
         <p:txBody>
-          <a:bodyPr spcFirstLastPara="1" wrap="square" lIns="91425" tIns="91425" rIns="91425" bIns="91425" anchor="t" anchorCtr="0">
+          <a:bodyPr anchorCtr="0" anchor="t" bIns="91425" lIns="91425" spcFirstLastPara="1" rIns="91425" wrap="square" tIns="91425">
             <a:noAutofit/>
           </a:bodyPr>
           <a:lstStyle/>
           <a:p>
-            <a:pPr marL="0" lvl="0" indent="0" rtl="0">
+            <a:pPr indent="0" lvl="0" marL="0" rtl="0">
               <a:spcBef>
                 <a:spcPts val="0"/>
               </a:spcBef>
@@ -8708,176 +8910,7 @@
             </a:pPr>
             <a:fld id="{00000000-1234-1234-1234-123412341234}" type="slidenum">
               <a:rPr lang="en"/>
-              <a:pPr marL="0" lvl="0" indent="0" rtl="0">
-                <a:spcBef>
-                  <a:spcPts val="0"/>
-                </a:spcBef>
-                <a:spcAft>
-                  <a:spcPts val="0"/>
-                </a:spcAft>
-                <a:buNone/>
-              </a:pPr>
-              <a:t>8</a:t>
-            </a:fld>
-            <a:endParaRPr/>
-          </a:p>
-        </p:txBody>
-      </p:sp>
-    </p:spTree>
-  </p:cSld>
-  <p:clrMapOvr>
-    <a:masterClrMapping/>
-  </p:clrMapOvr>
-</p:sld>
-</file>
-
-<file path=ppt/slides/slide9.xml><?xml version="1.0" encoding="utf-8"?>
-<p:sld xmlns:a="http://schemas.openxmlformats.org/drawingml/2006/main" xmlns:r="http://schemas.openxmlformats.org/officeDocument/2006/relationships" xmlns:p="http://schemas.openxmlformats.org/presentationml/2006/main">
-  <p:cSld>
-    <p:spTree>
-      <p:nvGrpSpPr>
-        <p:cNvPr id="1" name="Shape 138"/>
-        <p:cNvGrpSpPr/>
-        <p:nvPr/>
-      </p:nvGrpSpPr>
-      <p:grpSpPr>
-        <a:xfrm>
-          <a:off x="0" y="0"/>
-          <a:ext cx="0" cy="0"/>
-          <a:chOff x="0" y="0"/>
-          <a:chExt cx="0" cy="0"/>
-        </a:xfrm>
-      </p:grpSpPr>
-      <p:sp>
-        <p:nvSpPr>
-          <p:cNvPr id="139" name="Shape 139"/>
-          <p:cNvSpPr txBox="1">
-            <a:spLocks noGrp="1"/>
-          </p:cNvSpPr>
-          <p:nvPr>
-            <p:ph type="ctrTitle" idx="4294967295"/>
-          </p:nvPr>
-        </p:nvSpPr>
-        <p:spPr>
-          <a:xfrm>
-            <a:off x="2891850" y="1635838"/>
-            <a:ext cx="3282000" cy="1546500"/>
-          </a:xfrm>
-          <a:prstGeom prst="rect">
-            <a:avLst/>
-          </a:prstGeom>
-        </p:spPr>
-        <p:txBody>
-          <a:bodyPr spcFirstLastPara="1" wrap="square" lIns="91425" tIns="91425" rIns="91425" bIns="91425" anchor="b" anchorCtr="0">
-            <a:noAutofit/>
-          </a:bodyPr>
-          <a:lstStyle/>
-          <a:p>
-            <a:pPr marL="0" lvl="0" indent="0" rtl="0">
-              <a:spcBef>
-                <a:spcPts val="0"/>
-              </a:spcBef>
-              <a:spcAft>
-                <a:spcPts val="0"/>
-              </a:spcAft>
-              <a:buNone/>
-            </a:pPr>
-            <a:r>
-              <a:rPr lang="en" sz="6000" b="1"/>
-              <a:t>Thanks!</a:t>
-            </a:r>
-            <a:endParaRPr sz="6000" b="1"/>
-          </a:p>
-        </p:txBody>
-      </p:sp>
-      <p:sp>
-        <p:nvSpPr>
-          <p:cNvPr id="140" name="Shape 140"/>
-          <p:cNvSpPr txBox="1">
-            <a:spLocks noGrp="1"/>
-          </p:cNvSpPr>
-          <p:nvPr>
-            <p:ph type="subTitle" idx="4294967295"/>
-          </p:nvPr>
-        </p:nvSpPr>
-        <p:spPr>
-          <a:xfrm>
-            <a:off x="2891850" y="3235263"/>
-            <a:ext cx="3360300" cy="1046400"/>
-          </a:xfrm>
-          <a:prstGeom prst="rect">
-            <a:avLst/>
-          </a:prstGeom>
-        </p:spPr>
-        <p:txBody>
-          <a:bodyPr spcFirstLastPara="1" wrap="square" lIns="91425" tIns="91425" rIns="91425" bIns="91425" anchor="t" anchorCtr="0">
-            <a:noAutofit/>
-          </a:bodyPr>
-          <a:lstStyle/>
-          <a:p>
-            <a:pPr marL="0" lvl="0" indent="0" rtl="0">
-              <a:spcBef>
-                <a:spcPts val="600"/>
-              </a:spcBef>
-              <a:spcAft>
-                <a:spcPts val="0"/>
-              </a:spcAft>
-              <a:buNone/>
-            </a:pPr>
-            <a:r>
-              <a:rPr lang="en" sz="3600" b="1"/>
-              <a:t>Any questions?</a:t>
-            </a:r>
-            <a:endParaRPr sz="3600" b="1"/>
-          </a:p>
-        </p:txBody>
-      </p:sp>
-      <p:sp>
-        <p:nvSpPr>
-          <p:cNvPr id="141" name="Shape 141"/>
-          <p:cNvSpPr txBox="1">
-            <a:spLocks noGrp="1"/>
-          </p:cNvSpPr>
-          <p:nvPr>
-            <p:ph type="sldNum" idx="12"/>
-          </p:nvPr>
-        </p:nvSpPr>
-        <p:spPr>
-          <a:xfrm>
-            <a:off x="8404384" y="6333134"/>
-            <a:ext cx="548700" cy="525000"/>
-          </a:xfrm>
-          <a:prstGeom prst="rect">
-            <a:avLst/>
-          </a:prstGeom>
-        </p:spPr>
-        <p:txBody>
-          <a:bodyPr spcFirstLastPara="1" wrap="square" lIns="91425" tIns="91425" rIns="91425" bIns="91425" anchor="t" anchorCtr="0">
-            <a:noAutofit/>
-          </a:bodyPr>
-          <a:lstStyle/>
-          <a:p>
-            <a:pPr marL="0" lvl="0" indent="0" rtl="0">
-              <a:spcBef>
-                <a:spcPts val="0"/>
-              </a:spcBef>
-              <a:spcAft>
-                <a:spcPts val="0"/>
-              </a:spcAft>
-              <a:buNone/>
-            </a:pPr>
-            <a:fld id="{00000000-1234-1234-1234-123412341234}" type="slidenum">
-              <a:rPr lang="en"/>
-              <a:pPr marL="0" lvl="0" indent="0" rtl="0">
-                <a:spcBef>
-                  <a:spcPts val="0"/>
-                </a:spcBef>
-                <a:spcAft>
-                  <a:spcPts val="0"/>
-                </a:spcAft>
-                <a:buNone/>
-              </a:pPr>
-              <a:t>9</a:t>
+              <a:t>‹#›</a:t>
             </a:fld>
             <a:endParaRPr/>
           </a:p>
@@ -8892,7 +8925,286 @@
 </file>
 
 <file path=ppt/theme/theme1.xml><?xml version="1.0" encoding="utf-8"?>
-<a:theme xmlns:a="http://schemas.openxmlformats.org/drawingml/2006/main" name="Cordelia template">
+<a:theme xmlns:a="http://schemas.openxmlformats.org/drawingml/2006/main" xmlns:r="http://schemas.openxmlformats.org/officeDocument/2006/relationships">
+  <a:themeElements>
+    <a:clrScheme name="Default">
+      <a:dk1>
+        <a:srgbClr val="000000"/>
+      </a:dk1>
+      <a:lt1>
+        <a:srgbClr val="FFFFFF"/>
+      </a:lt1>
+      <a:dk2>
+        <a:srgbClr val="158158"/>
+      </a:dk2>
+      <a:lt2>
+        <a:srgbClr val="F3F3F3"/>
+      </a:lt2>
+      <a:accent1>
+        <a:srgbClr val="058DC7"/>
+      </a:accent1>
+      <a:accent2>
+        <a:srgbClr val="50B432"/>
+      </a:accent2>
+      <a:accent3>
+        <a:srgbClr val="ED561B"/>
+      </a:accent3>
+      <a:accent4>
+        <a:srgbClr val="EDEF00"/>
+      </a:accent4>
+      <a:accent5>
+        <a:srgbClr val="24CBE5"/>
+      </a:accent5>
+      <a:accent6>
+        <a:srgbClr val="64E572"/>
+      </a:accent6>
+      <a:hlink>
+        <a:srgbClr val="2200CC"/>
+      </a:hlink>
+      <a:folHlink>
+        <a:srgbClr val="551A8B"/>
+      </a:folHlink>
+    </a:clrScheme>
+    <a:fontScheme name="Office">
+      <a:majorFont>
+        <a:latin typeface="Arial"/>
+        <a:ea typeface=""/>
+        <a:cs typeface=""/>
+        <a:font script="Jpan" typeface="ＭＳ Ｐゴシック"/>
+        <a:font script="Hang" typeface="맑은 고딕"/>
+        <a:font script="Hans" typeface="宋体"/>
+        <a:font script="Hant" typeface="新細明體"/>
+        <a:font script="Arab" typeface="Times New Roman"/>
+        <a:font script="Hebr" typeface="Times New Roman"/>
+        <a:font script="Thai" typeface="Angsana New"/>
+        <a:font script="Ethi" typeface="Nyala"/>
+        <a:font script="Beng" typeface="Vrinda"/>
+        <a:font script="Gujr" typeface="Shruti"/>
+        <a:font script="Khmr" typeface="MoolBoran"/>
+        <a:font script="Knda" typeface="Tunga"/>
+        <a:font script="Guru" typeface="Raavi"/>
+        <a:font script="Cans" typeface="Euphemia"/>
+        <a:font script="Cher" typeface="Plantagenet Cherokee"/>
+        <a:font script="Yiii" typeface="Microsoft Yi Baiti"/>
+        <a:font script="Tibt" typeface="Microsoft Himalaya"/>
+        <a:font script="Thaa" typeface="MV Boli"/>
+        <a:font script="Deva" typeface="Mangal"/>
+        <a:font script="Telu" typeface="Gautami"/>
+        <a:font script="Taml" typeface="Latha"/>
+        <a:font script="Syrc" typeface="Estrangelo Edessa"/>
+        <a:font script="Orya" typeface="Kalinga"/>
+        <a:font script="Mlym" typeface="Kartika"/>
+        <a:font script="Laoo" typeface="DokChampa"/>
+        <a:font script="Sinh" typeface="Iskoola Pota"/>
+        <a:font script="Mong" typeface="Mongolian Baiti"/>
+        <a:font script="Viet" typeface="Times New Roman"/>
+        <a:font script="Uigh" typeface="Microsoft Uighur"/>
+        <a:font script="Geor" typeface="Sylfaen"/>
+      </a:majorFont>
+      <a:minorFont>
+        <a:latin typeface="Arial"/>
+        <a:ea typeface=""/>
+        <a:cs typeface=""/>
+        <a:font script="Jpan" typeface="ＭＳ Ｐゴシック"/>
+        <a:font script="Hang" typeface="맑은 고딕"/>
+        <a:font script="Hans" typeface="宋体"/>
+        <a:font script="Hant" typeface="新細明體"/>
+        <a:font script="Arab" typeface="Arial"/>
+        <a:font script="Hebr" typeface="Arial"/>
+        <a:font script="Thai" typeface="Cordia New"/>
+        <a:font script="Ethi" typeface="Nyala"/>
+        <a:font script="Beng" typeface="Vrinda"/>
+        <a:font script="Gujr" typeface="Shruti"/>
+        <a:font script="Khmr" typeface="DaunPenh"/>
+        <a:font script="Knda" typeface="Tunga"/>
+        <a:font script="Guru" typeface="Raavi"/>
+        <a:font script="Cans" typeface="Euphemia"/>
+        <a:font script="Cher" typeface="Plantagenet Cherokee"/>
+        <a:font script="Yiii" typeface="Microsoft Yi Baiti"/>
+        <a:font script="Tibt" typeface="Microsoft Himalaya"/>
+        <a:font script="Thaa" typeface="MV Boli"/>
+        <a:font script="Deva" typeface="Mangal"/>
+        <a:font script="Telu" typeface="Gautami"/>
+        <a:font script="Taml" typeface="Latha"/>
+        <a:font script="Syrc" typeface="Estrangelo Edessa"/>
+        <a:font script="Orya" typeface="Kalinga"/>
+        <a:font script="Mlym" typeface="Kartika"/>
+        <a:font script="Laoo" typeface="DokChampa"/>
+        <a:font script="Sinh" typeface="Iskoola Pota"/>
+        <a:font script="Mong" typeface="Mongolian Baiti"/>
+        <a:font script="Viet" typeface="Arial"/>
+        <a:font script="Uigh" typeface="Microsoft Uighur"/>
+        <a:font script="Geor" typeface="Sylfaen"/>
+      </a:minorFont>
+    </a:fontScheme>
+    <a:fmtScheme name="Office">
+      <a:fillStyleLst>
+        <a:solidFill>
+          <a:schemeClr val="phClr"/>
+        </a:solidFill>
+        <a:gradFill rotWithShape="1">
+          <a:gsLst>
+            <a:gs pos="0">
+              <a:schemeClr val="phClr">
+                <a:tint val="50000"/>
+                <a:satMod val="300000"/>
+              </a:schemeClr>
+            </a:gs>
+            <a:gs pos="35000">
+              <a:schemeClr val="phClr">
+                <a:tint val="37000"/>
+                <a:satMod val="300000"/>
+              </a:schemeClr>
+            </a:gs>
+            <a:gs pos="100000">
+              <a:schemeClr val="phClr">
+                <a:tint val="15000"/>
+                <a:satMod val="350000"/>
+              </a:schemeClr>
+            </a:gs>
+          </a:gsLst>
+          <a:lin ang="16200000" scaled="1"/>
+        </a:gradFill>
+        <a:gradFill rotWithShape="1">
+          <a:gsLst>
+            <a:gs pos="0">
+              <a:schemeClr val="phClr">
+                <a:tint val="100000"/>
+                <a:shade val="100000"/>
+                <a:satMod val="130000"/>
+              </a:schemeClr>
+            </a:gs>
+            <a:gs pos="100000">
+              <a:schemeClr val="phClr">
+                <a:tint val="50000"/>
+                <a:shade val="100000"/>
+                <a:satMod val="350000"/>
+              </a:schemeClr>
+            </a:gs>
+          </a:gsLst>
+          <a:lin ang="16200000" scaled="0"/>
+        </a:gradFill>
+      </a:fillStyleLst>
+      <a:lnStyleLst>
+        <a:ln w="9525" cap="flat" cmpd="sng" algn="ctr">
+          <a:solidFill>
+            <a:schemeClr val="phClr">
+              <a:shade val="95000"/>
+              <a:satMod val="105000"/>
+            </a:schemeClr>
+          </a:solidFill>
+          <a:prstDash val="solid"/>
+        </a:ln>
+        <a:ln w="25400" cap="flat" cmpd="sng" algn="ctr">
+          <a:solidFill>
+            <a:schemeClr val="phClr"/>
+          </a:solidFill>
+          <a:prstDash val="solid"/>
+        </a:ln>
+        <a:ln w="38100" cap="flat" cmpd="sng" algn="ctr">
+          <a:solidFill>
+            <a:schemeClr val="phClr"/>
+          </a:solidFill>
+          <a:prstDash val="solid"/>
+        </a:ln>
+      </a:lnStyleLst>
+      <a:effectStyleLst>
+        <a:effectStyle>
+          <a:effectLst>
+            <a:outerShdw blurRad="40000" dist="20000" dir="5400000" rotWithShape="0">
+              <a:srgbClr val="000000">
+                <a:alpha val="38000"/>
+              </a:srgbClr>
+            </a:outerShdw>
+          </a:effectLst>
+        </a:effectStyle>
+        <a:effectStyle>
+          <a:effectLst>
+            <a:outerShdw blurRad="40000" dist="23000" dir="5400000" rotWithShape="0">
+              <a:srgbClr val="000000">
+                <a:alpha val="35000"/>
+              </a:srgbClr>
+            </a:outerShdw>
+          </a:effectLst>
+        </a:effectStyle>
+        <a:effectStyle>
+          <a:effectLst>
+            <a:outerShdw blurRad="40000" dist="23000" dir="5400000" rotWithShape="0">
+              <a:srgbClr val="000000">
+                <a:alpha val="35000"/>
+              </a:srgbClr>
+            </a:outerShdw>
+          </a:effectLst>
+          <a:scene3d>
+            <a:camera prst="orthographicFront">
+              <a:rot lat="0" lon="0" rev="0"/>
+            </a:camera>
+            <a:lightRig rig="threePt" dir="t">
+              <a:rot lat="0" lon="0" rev="1200000"/>
+            </a:lightRig>
+          </a:scene3d>
+          <a:sp3d>
+            <a:bevelT w="63500" h="25400"/>
+          </a:sp3d>
+        </a:effectStyle>
+      </a:effectStyleLst>
+      <a:bgFillStyleLst>
+        <a:solidFill>
+          <a:schemeClr val="phClr"/>
+        </a:solidFill>
+        <a:gradFill rotWithShape="1">
+          <a:gsLst>
+            <a:gs pos="0">
+              <a:schemeClr val="phClr">
+                <a:tint val="40000"/>
+                <a:satMod val="350000"/>
+              </a:schemeClr>
+            </a:gs>
+            <a:gs pos="40000">
+              <a:schemeClr val="phClr">
+                <a:tint val="45000"/>
+                <a:shade val="99000"/>
+                <a:satMod val="350000"/>
+              </a:schemeClr>
+            </a:gs>
+            <a:gs pos="100000">
+              <a:schemeClr val="phClr">
+                <a:shade val="20000"/>
+                <a:satMod val="255000"/>
+              </a:schemeClr>
+            </a:gs>
+          </a:gsLst>
+          <a:path path="circle">
+            <a:fillToRect l="50000" t="-80000" r="50000" b="180000"/>
+          </a:path>
+        </a:gradFill>
+        <a:gradFill rotWithShape="1">
+          <a:gsLst>
+            <a:gs pos="0">
+              <a:schemeClr val="phClr">
+                <a:tint val="80000"/>
+                <a:satMod val="300000"/>
+              </a:schemeClr>
+            </a:gs>
+            <a:gs pos="100000">
+              <a:schemeClr val="phClr">
+                <a:shade val="30000"/>
+                <a:satMod val="200000"/>
+              </a:schemeClr>
+            </a:gs>
+          </a:gsLst>
+          <a:path path="circle">
+            <a:fillToRect l="50000" t="50000" r="50000" b="50000"/>
+          </a:path>
+        </a:gradFill>
+      </a:bgFillStyleLst>
+    </a:fmtScheme>
+  </a:themeElements>
+</a:theme>
+</file>
+
+<file path=ppt/theme/theme2.xml><?xml version="1.0" encoding="utf-8"?>
+<a:theme xmlns:a="http://schemas.openxmlformats.org/drawingml/2006/main" xmlns:r="http://schemas.openxmlformats.org/officeDocument/2006/relationships" name="Cordelia template">
   <a:themeElements>
     <a:clrScheme name="Custom 347">
       <a:dk1>
@@ -9167,288 +9479,5 @@
       </a:bgFillStyleLst>
     </a:fmtScheme>
   </a:themeElements>
-  <a:objectDefaults/>
-  <a:extraClrSchemeLst/>
-</a:theme>
-</file>
-
-<file path=ppt/theme/theme2.xml><?xml version="1.0" encoding="utf-8"?>
-<a:theme xmlns:a="http://schemas.openxmlformats.org/drawingml/2006/main">
-  <a:themeElements>
-    <a:clrScheme name="Default">
-      <a:dk1>
-        <a:srgbClr val="000000"/>
-      </a:dk1>
-      <a:lt1>
-        <a:srgbClr val="FFFFFF"/>
-      </a:lt1>
-      <a:dk2>
-        <a:srgbClr val="158158"/>
-      </a:dk2>
-      <a:lt2>
-        <a:srgbClr val="F3F3F3"/>
-      </a:lt2>
-      <a:accent1>
-        <a:srgbClr val="058DC7"/>
-      </a:accent1>
-      <a:accent2>
-        <a:srgbClr val="50B432"/>
-      </a:accent2>
-      <a:accent3>
-        <a:srgbClr val="ED561B"/>
-      </a:accent3>
-      <a:accent4>
-        <a:srgbClr val="EDEF00"/>
-      </a:accent4>
-      <a:accent5>
-        <a:srgbClr val="24CBE5"/>
-      </a:accent5>
-      <a:accent6>
-        <a:srgbClr val="64E572"/>
-      </a:accent6>
-      <a:hlink>
-        <a:srgbClr val="2200CC"/>
-      </a:hlink>
-      <a:folHlink>
-        <a:srgbClr val="551A8B"/>
-      </a:folHlink>
-    </a:clrScheme>
-    <a:fontScheme name="Office">
-      <a:majorFont>
-        <a:latin typeface="Arial"/>
-        <a:ea typeface=""/>
-        <a:cs typeface=""/>
-        <a:font script="Jpan" typeface="ＭＳ Ｐゴシック"/>
-        <a:font script="Hang" typeface="맑은 고딕"/>
-        <a:font script="Hans" typeface="宋体"/>
-        <a:font script="Hant" typeface="新細明體"/>
-        <a:font script="Arab" typeface="Times New Roman"/>
-        <a:font script="Hebr" typeface="Times New Roman"/>
-        <a:font script="Thai" typeface="Angsana New"/>
-        <a:font script="Ethi" typeface="Nyala"/>
-        <a:font script="Beng" typeface="Vrinda"/>
-        <a:font script="Gujr" typeface="Shruti"/>
-        <a:font script="Khmr" typeface="MoolBoran"/>
-        <a:font script="Knda" typeface="Tunga"/>
-        <a:font script="Guru" typeface="Raavi"/>
-        <a:font script="Cans" typeface="Euphemia"/>
-        <a:font script="Cher" typeface="Plantagenet Cherokee"/>
-        <a:font script="Yiii" typeface="Microsoft Yi Baiti"/>
-        <a:font script="Tibt" typeface="Microsoft Himalaya"/>
-        <a:font script="Thaa" typeface="MV Boli"/>
-        <a:font script="Deva" typeface="Mangal"/>
-        <a:font script="Telu" typeface="Gautami"/>
-        <a:font script="Taml" typeface="Latha"/>
-        <a:font script="Syrc" typeface="Estrangelo Edessa"/>
-        <a:font script="Orya" typeface="Kalinga"/>
-        <a:font script="Mlym" typeface="Kartika"/>
-        <a:font script="Laoo" typeface="DokChampa"/>
-        <a:font script="Sinh" typeface="Iskoola Pota"/>
-        <a:font script="Mong" typeface="Mongolian Baiti"/>
-        <a:font script="Viet" typeface="Times New Roman"/>
-        <a:font script="Uigh" typeface="Microsoft Uighur"/>
-        <a:font script="Geor" typeface="Sylfaen"/>
-      </a:majorFont>
-      <a:minorFont>
-        <a:latin typeface="Arial"/>
-        <a:ea typeface=""/>
-        <a:cs typeface=""/>
-        <a:font script="Jpan" typeface="ＭＳ Ｐゴシック"/>
-        <a:font script="Hang" typeface="맑은 고딕"/>
-        <a:font script="Hans" typeface="宋体"/>
-        <a:font script="Hant" typeface="新細明體"/>
-        <a:font script="Arab" typeface="Arial"/>
-        <a:font script="Hebr" typeface="Arial"/>
-        <a:font script="Thai" typeface="Cordia New"/>
-        <a:font script="Ethi" typeface="Nyala"/>
-        <a:font script="Beng" typeface="Vrinda"/>
-        <a:font script="Gujr" typeface="Shruti"/>
-        <a:font script="Khmr" typeface="DaunPenh"/>
-        <a:font script="Knda" typeface="Tunga"/>
-        <a:font script="Guru" typeface="Raavi"/>
-        <a:font script="Cans" typeface="Euphemia"/>
-        <a:font script="Cher" typeface="Plantagenet Cherokee"/>
-        <a:font script="Yiii" typeface="Microsoft Yi Baiti"/>
-        <a:font script="Tibt" typeface="Microsoft Himalaya"/>
-        <a:font script="Thaa" typeface="MV Boli"/>
-        <a:font script="Deva" typeface="Mangal"/>
-        <a:font script="Telu" typeface="Gautami"/>
-        <a:font script="Taml" typeface="Latha"/>
-        <a:font script="Syrc" typeface="Estrangelo Edessa"/>
-        <a:font script="Orya" typeface="Kalinga"/>
-        <a:font script="Mlym" typeface="Kartika"/>
-        <a:font script="Laoo" typeface="DokChampa"/>
-        <a:font script="Sinh" typeface="Iskoola Pota"/>
-        <a:font script="Mong" typeface="Mongolian Baiti"/>
-        <a:font script="Viet" typeface="Arial"/>
-        <a:font script="Uigh" typeface="Microsoft Uighur"/>
-        <a:font script="Geor" typeface="Sylfaen"/>
-      </a:minorFont>
-    </a:fontScheme>
-    <a:fmtScheme name="Office">
-      <a:fillStyleLst>
-        <a:solidFill>
-          <a:schemeClr val="phClr"/>
-        </a:solidFill>
-        <a:gradFill rotWithShape="1">
-          <a:gsLst>
-            <a:gs pos="0">
-              <a:schemeClr val="phClr">
-                <a:tint val="50000"/>
-                <a:satMod val="300000"/>
-              </a:schemeClr>
-            </a:gs>
-            <a:gs pos="35000">
-              <a:schemeClr val="phClr">
-                <a:tint val="37000"/>
-                <a:satMod val="300000"/>
-              </a:schemeClr>
-            </a:gs>
-            <a:gs pos="100000">
-              <a:schemeClr val="phClr">
-                <a:tint val="15000"/>
-                <a:satMod val="350000"/>
-              </a:schemeClr>
-            </a:gs>
-          </a:gsLst>
-          <a:lin ang="16200000" scaled="1"/>
-        </a:gradFill>
-        <a:gradFill rotWithShape="1">
-          <a:gsLst>
-            <a:gs pos="0">
-              <a:schemeClr val="phClr">
-                <a:tint val="100000"/>
-                <a:shade val="100000"/>
-                <a:satMod val="130000"/>
-              </a:schemeClr>
-            </a:gs>
-            <a:gs pos="100000">
-              <a:schemeClr val="phClr">
-                <a:tint val="50000"/>
-                <a:shade val="100000"/>
-                <a:satMod val="350000"/>
-              </a:schemeClr>
-            </a:gs>
-          </a:gsLst>
-          <a:lin ang="16200000" scaled="0"/>
-        </a:gradFill>
-      </a:fillStyleLst>
-      <a:lnStyleLst>
-        <a:ln w="9525" cap="flat" cmpd="sng" algn="ctr">
-          <a:solidFill>
-            <a:schemeClr val="phClr">
-              <a:shade val="95000"/>
-              <a:satMod val="105000"/>
-            </a:schemeClr>
-          </a:solidFill>
-          <a:prstDash val="solid"/>
-        </a:ln>
-        <a:ln w="25400" cap="flat" cmpd="sng" algn="ctr">
-          <a:solidFill>
-            <a:schemeClr val="phClr"/>
-          </a:solidFill>
-          <a:prstDash val="solid"/>
-        </a:ln>
-        <a:ln w="38100" cap="flat" cmpd="sng" algn="ctr">
-          <a:solidFill>
-            <a:schemeClr val="phClr"/>
-          </a:solidFill>
-          <a:prstDash val="solid"/>
-        </a:ln>
-      </a:lnStyleLst>
-      <a:effectStyleLst>
-        <a:effectStyle>
-          <a:effectLst>
-            <a:outerShdw blurRad="40000" dist="20000" dir="5400000" rotWithShape="0">
-              <a:srgbClr val="000000">
-                <a:alpha val="38000"/>
-              </a:srgbClr>
-            </a:outerShdw>
-          </a:effectLst>
-        </a:effectStyle>
-        <a:effectStyle>
-          <a:effectLst>
-            <a:outerShdw blurRad="40000" dist="23000" dir="5400000" rotWithShape="0">
-              <a:srgbClr val="000000">
-                <a:alpha val="35000"/>
-              </a:srgbClr>
-            </a:outerShdw>
-          </a:effectLst>
-        </a:effectStyle>
-        <a:effectStyle>
-          <a:effectLst>
-            <a:outerShdw blurRad="40000" dist="23000" dir="5400000" rotWithShape="0">
-              <a:srgbClr val="000000">
-                <a:alpha val="35000"/>
-              </a:srgbClr>
-            </a:outerShdw>
-          </a:effectLst>
-          <a:scene3d>
-            <a:camera prst="orthographicFront">
-              <a:rot lat="0" lon="0" rev="0"/>
-            </a:camera>
-            <a:lightRig rig="threePt" dir="t">
-              <a:rot lat="0" lon="0" rev="1200000"/>
-            </a:lightRig>
-          </a:scene3d>
-          <a:sp3d>
-            <a:bevelT w="63500" h="25400"/>
-          </a:sp3d>
-        </a:effectStyle>
-      </a:effectStyleLst>
-      <a:bgFillStyleLst>
-        <a:solidFill>
-          <a:schemeClr val="phClr"/>
-        </a:solidFill>
-        <a:gradFill rotWithShape="1">
-          <a:gsLst>
-            <a:gs pos="0">
-              <a:schemeClr val="phClr">
-                <a:tint val="40000"/>
-                <a:satMod val="350000"/>
-              </a:schemeClr>
-            </a:gs>
-            <a:gs pos="40000">
-              <a:schemeClr val="phClr">
-                <a:tint val="45000"/>
-                <a:shade val="99000"/>
-                <a:satMod val="350000"/>
-              </a:schemeClr>
-            </a:gs>
-            <a:gs pos="100000">
-              <a:schemeClr val="phClr">
-                <a:shade val="20000"/>
-                <a:satMod val="255000"/>
-              </a:schemeClr>
-            </a:gs>
-          </a:gsLst>
-          <a:path path="circle">
-            <a:fillToRect l="50000" t="-80000" r="50000" b="180000"/>
-          </a:path>
-        </a:gradFill>
-        <a:gradFill rotWithShape="1">
-          <a:gsLst>
-            <a:gs pos="0">
-              <a:schemeClr val="phClr">
-                <a:tint val="80000"/>
-                <a:satMod val="300000"/>
-              </a:schemeClr>
-            </a:gs>
-            <a:gs pos="100000">
-              <a:schemeClr val="phClr">
-                <a:shade val="30000"/>
-                <a:satMod val="200000"/>
-              </a:schemeClr>
-            </a:gs>
-          </a:gsLst>
-          <a:path path="circle">
-            <a:fillToRect l="50000" t="50000" r="50000" b="50000"/>
-          </a:path>
-        </a:gradFill>
-      </a:bgFillStyleLst>
-    </a:fmtScheme>
-  </a:themeElements>
-  <a:objectDefaults/>
-  <a:extraClrSchemeLst/>
 </a:theme>
 </file>
--- a/Phase 2/Slides.pptx
+++ b/Phase 2/Slides.pptx
@@ -17,22 +17,21 @@
     <p:sldId id="262" r:id="rId11"/>
     <p:sldId id="263" r:id="rId12"/>
     <p:sldId id="264" r:id="rId13"/>
-    <p:sldId id="265" r:id="rId14"/>
   </p:sldIdLst>
   <p:sldSz cy="6858000" cx="9144000"/>
   <p:notesSz cx="6858000" cy="9144000"/>
   <p:embeddedFontLst>
     <p:embeddedFont>
       <p:font typeface="Roboto Slab"/>
-      <p:regular r:id="rId15"/>
-      <p:bold r:id="rId16"/>
+      <p:regular r:id="rId14"/>
+      <p:bold r:id="rId15"/>
     </p:embeddedFont>
     <p:embeddedFont>
       <p:font typeface="Source Sans Pro"/>
-      <p:regular r:id="rId17"/>
-      <p:bold r:id="rId18"/>
-      <p:italic r:id="rId19"/>
-      <p:boldItalic r:id="rId20"/>
+      <p:regular r:id="rId16"/>
+      <p:bold r:id="rId17"/>
+      <p:italic r:id="rId18"/>
+      <p:boldItalic r:id="rId19"/>
     </p:embeddedFont>
   </p:embeddedFontLst>
   <p:defaultTextStyle>
@@ -789,105 +788,6 @@
 </p:notes>
 </file>
 
-<file path=ppt/notesSlides/notesSlide10.xml><?xml version="1.0" encoding="utf-8"?>
-<p:notes xmlns:a="http://schemas.openxmlformats.org/drawingml/2006/main" xmlns:r="http://schemas.openxmlformats.org/officeDocument/2006/relationships" xmlns:mc="http://schemas.openxmlformats.org/markup-compatibility/2006" xmlns:mv="urn:schemas-microsoft-com:mac:vml" xmlns:p="http://schemas.openxmlformats.org/presentationml/2006/main" xmlns:c="http://schemas.openxmlformats.org/drawingml/2006/chart" xmlns:dgm="http://schemas.openxmlformats.org/drawingml/2006/diagram" xmlns:o="urn:schemas-microsoft-com:office:office" xmlns:v="urn:schemas-microsoft-com:vml" xmlns:pvml="urn:schemas-microsoft-com:office:powerpoint" xmlns:com="http://schemas.openxmlformats.org/drawingml/2006/compatibility" xmlns:p14="http://schemas.microsoft.com/office/powerpoint/2010/main" xmlns:p15="http://schemas.microsoft.com/office/powerpoint/2012/main" showMasterPhAnim="0" showMasterSp="0">
-  <p:cSld>
-    <p:spTree>
-      <p:nvGrpSpPr>
-        <p:cNvPr id="135" name="Shape 135"/>
-        <p:cNvGrpSpPr/>
-        <p:nvPr/>
-      </p:nvGrpSpPr>
-      <p:grpSpPr>
-        <a:xfrm>
-          <a:off x="0" y="0"/>
-          <a:ext cx="0" cy="0"/>
-          <a:chOff x="0" y="0"/>
-          <a:chExt cx="0" cy="0"/>
-        </a:xfrm>
-      </p:grpSpPr>
-      <p:sp>
-        <p:nvSpPr>
-          <p:cNvPr id="136" name="Shape 136"/>
-          <p:cNvSpPr/>
-          <p:nvPr>
-            <p:ph idx="2" type="sldImg"/>
-          </p:nvPr>
-        </p:nvSpPr>
-        <p:spPr>
-          <a:xfrm>
-            <a:off x="1143225" y="685800"/>
-            <a:ext cx="4572300" cy="3429000"/>
-          </a:xfrm>
-          <a:custGeom>
-            <a:pathLst>
-              <a:path extrusionOk="0" h="120000" w="120000">
-                <a:moveTo>
-                  <a:pt x="0" y="0"/>
-                </a:moveTo>
-                <a:lnTo>
-                  <a:pt x="120000" y="0"/>
-                </a:lnTo>
-                <a:lnTo>
-                  <a:pt x="120000" y="120000"/>
-                </a:lnTo>
-                <a:lnTo>
-                  <a:pt x="0" y="120000"/>
-                </a:lnTo>
-                <a:close/>
-              </a:path>
-            </a:pathLst>
-          </a:custGeom>
-        </p:spPr>
-      </p:sp>
-      <p:sp>
-        <p:nvSpPr>
-          <p:cNvPr id="137" name="Shape 137"/>
-          <p:cNvSpPr txBox="1"/>
-          <p:nvPr>
-            <p:ph idx="1" type="body"/>
-          </p:nvPr>
-        </p:nvSpPr>
-        <p:spPr>
-          <a:xfrm>
-            <a:off x="685800" y="4343400"/>
-            <a:ext cx="5486400" cy="4114800"/>
-          </a:xfrm>
-          <a:prstGeom prst="rect">
-            <a:avLst/>
-          </a:prstGeom>
-        </p:spPr>
-        <p:txBody>
-          <a:bodyPr anchorCtr="0" anchor="t" bIns="91425" lIns="91425" spcFirstLastPara="1" rIns="91425" wrap="square" tIns="91425">
-            <a:noAutofit/>
-          </a:bodyPr>
-          <a:lstStyle/>
-          <a:p>
-            <a:pPr indent="0" lvl="0" marL="0" rtl="0">
-              <a:spcBef>
-                <a:spcPts val="0"/>
-              </a:spcBef>
-              <a:spcAft>
-                <a:spcPts val="0"/>
-              </a:spcAft>
-              <a:buNone/>
-            </a:pPr>
-            <a:r>
-              <a:rPr lang="en"/>
-              <a:t>Merci !</a:t>
-            </a:r>
-            <a:endParaRPr/>
-          </a:p>
-        </p:txBody>
-      </p:sp>
-    </p:spTree>
-  </p:cSld>
-  <p:clrMapOvr>
-    <a:masterClrMapping/>
-  </p:clrMapOvr>
-</p:notes>
-</file>
-
 <file path=ppt/notesSlides/notesSlide2.xml><?xml version="1.0" encoding="utf-8"?>
 <p:notes xmlns:a="http://schemas.openxmlformats.org/drawingml/2006/main" xmlns:r="http://schemas.openxmlformats.org/officeDocument/2006/relationships" xmlns:mc="http://schemas.openxmlformats.org/markup-compatibility/2006" xmlns:mv="urn:schemas-microsoft-com:mac:vml" xmlns:p="http://schemas.openxmlformats.org/presentationml/2006/main" xmlns:c="http://schemas.openxmlformats.org/drawingml/2006/chart" xmlns:dgm="http://schemas.openxmlformats.org/drawingml/2006/diagram" xmlns:o="urn:schemas-microsoft-com:office:office" xmlns:v="urn:schemas-microsoft-com:vml" xmlns:pvml="urn:schemas-microsoft-com:office:powerpoint" xmlns:com="http://schemas.openxmlformats.org/drawingml/2006/compatibility" xmlns:p14="http://schemas.microsoft.com/office/powerpoint/2010/main" xmlns:p15="http://schemas.microsoft.com/office/powerpoint/2012/main" showMasterPhAnim="0" showMasterSp="0">
   <p:cSld>
@@ -1072,7 +972,23 @@
             </a:pPr>
             <a:r>
               <a:rPr lang="en"/>
-              <a:t>Avant de commencer la démo, on va juste préciser quelques détails à propos du fonctionnement de l’application. La personne qui perd l’objet est un “publisher”. On va mettre un “range* de 0 mètre sur sa position actuelle. Le problème qui peut se poser dans ce cas, c’est si publie cette publication dans un lieu où elle n’a pas perdu l’objet, cela peut poser problème pour trouver des matches. Sa publication va durer 1 jour, ce qui reste raisonnable: on trouve souvent des posts sur Facebook pour des chargeurs oublié dans une salle, l’heure qui suit la perte de l’objet à l’UNIL.</a:t>
+              <a:t>Avant de commencer la démo, on va juste préciser quelques détails à propos du fonctionnement de l’application. La personne qui perd l’objet est un “publisher”. On va mettre un “range</a:t>
+            </a:r>
+            <a:r>
+              <a:rPr lang="en"/>
+              <a:t>"</a:t>
+            </a:r>
+            <a:r>
+              <a:rPr lang="en"/>
+              <a:t> de 0 mètre sur sa position actuelle. Le problème qui peut se poser dans ce cas, c’est si ladite personne publie </a:t>
+            </a:r>
+            <a:r>
+              <a:rPr lang="en"/>
+              <a:t>cette </a:t>
+            </a:r>
+            <a:r>
+              <a:rPr lang="en"/>
+              <a:t>publication dans un lieu où elle n’a pas perdu l’objet, cela peut poser problème pour trouver des matches. Sa publication va durer 1 jour, ce qui reste raisonnable, car, par exemple, on trouve souvent des posts sur Facebook pour des chargeurs oublié dans une salle, l’heure qui suit la perte de l’objet à l’UNIL.</a:t>
             </a:r>
             <a:endParaRPr/>
           </a:p>
@@ -1103,7 +1019,7 @@
             </a:pPr>
             <a:r>
               <a:rPr lang="en"/>
-              <a:t>Le “subscriber” est la personne qui trouve l’objet. C’est lui qui aura les matches et qui sera responsable de rendre l’objet, comme dans la vie réelle. Un problème qui peut se poser à l’état actuelle, c’est d’identifier la personne qui a perdu l’objet. Mais c’est un problème qui sera probablement réglé lors de l’implémentation du backend. Sa portée sera de 3 km, ce qui couvre le campus. Il y a eu quelques soucis en mettant le durée de la souscription à 0, c’est pour ça que la souscription dure 1 heure.</a:t>
+              <a:t>Le “subscriber” est la personne qui trouve l’objet. C’est lui qui aura les matches et qui sera responsable de rendre l’objet, comme dans la vie réelle. Un problème qui peut se poser à l’état actuel, c’est d’identifier la personne qui a perdu l’objet. Mais c’est un problème qui sera probablement réglé lors de l’implémentation du backend. Sa portée sera de 3 km, ce qui couvre le campus. Il y a eu quelques soucis en mettant le durée de la souscription à 0, c’est pour ça que la souscription dure 1 heure.</a:t>
             </a:r>
             <a:endParaRPr/>
           </a:p>
@@ -1119,6 +1035,22 @@
             </a:pPr>
             <a:r>
               <a:t/>
+            </a:r>
+            <a:endParaRPr/>
+          </a:p>
+          <a:p>
+            <a:pPr indent="0" lvl="0" marL="0">
+              <a:spcBef>
+                <a:spcPts val="0"/>
+              </a:spcBef>
+              <a:spcAft>
+                <a:spcPts val="0"/>
+              </a:spcAft>
+              <a:buNone/>
+            </a:pPr>
+            <a:r>
+              <a:rPr lang="en"/>
+              <a:t>Quand matchmore trouve un match, il est automatiquement ajouté dans la page “Status”. On peut cliquer sur le match pour voir la localisation de la publication pour rendre l’objet perdu.</a:t>
             </a:r>
             <a:endParaRPr/>
           </a:p>
@@ -1457,7 +1389,7 @@
           </a:bodyPr>
           <a:lstStyle/>
           <a:p>
-            <a:pPr indent="0" lvl="0" marL="0" rtl="0">
+            <a:pPr indent="0" lvl="0" marL="0">
               <a:spcBef>
                 <a:spcPts val="0"/>
               </a:spcBef>
@@ -1468,7 +1400,39 @@
             </a:pPr>
             <a:r>
               <a:rPr lang="en"/>
-              <a:t>[Les slides parlent d’elles-mêmes]</a:t>
+              <a:t>-Quand on crée une nouvelle notice, l’application va utiliser l’API de MatchMore afin de créer une nouvelle publication ou souscription sur le serveur de MatchMore</a:t>
+            </a:r>
+            <a:endParaRPr/>
+          </a:p>
+          <a:p>
+            <a:pPr indent="0" lvl="0" marL="0">
+              <a:spcBef>
+                <a:spcPts val="0"/>
+              </a:spcBef>
+              <a:spcAft>
+                <a:spcPts val="0"/>
+              </a:spcAft>
+              <a:buNone/>
+            </a:pPr>
+            <a:r>
+              <a:rPr lang="en"/>
+              <a:t>-Si il y a un match, le serveur de MatchMore va notifier l’application au travers de l’API de MatchMore</a:t>
+            </a:r>
+            <a:endParaRPr/>
+          </a:p>
+          <a:p>
+            <a:pPr indent="0" lvl="0" marL="0" rtl="0">
+              <a:spcBef>
+                <a:spcPts val="0"/>
+              </a:spcBef>
+              <a:spcAft>
+                <a:spcPts val="0"/>
+              </a:spcAft>
+              <a:buNone/>
+            </a:pPr>
+            <a:r>
+              <a:rPr lang="en"/>
+              <a:t>-Nous utilisons l’API de Google Map pour montrer sur notre apllication une carte avec notre location, et afin de montrer où l’objet se trouve, nous utilisons l’API de MatchMore qui va demander au serveur MatchMore où ledit objet se trouve.</a:t>
             </a:r>
             <a:endParaRPr/>
           </a:p>
@@ -1556,7 +1520,7 @@
           </a:bodyPr>
           <a:lstStyle/>
           <a:p>
-            <a:pPr indent="0" lvl="0" marL="0">
+            <a:pPr indent="0" lvl="0" marL="0" rtl="0">
               <a:spcBef>
                 <a:spcPts val="0"/>
               </a:spcBef>
@@ -1567,38 +1531,7 @@
             </a:pPr>
             <a:r>
               <a:rPr lang="en"/>
-              <a:t>On a rencontré deux problèmes en utilisant l’API de matchmore: dans nos tests, on a réussi à trouver une publication à Berne avec une souscription faite à Yverdon, alors que la publication avait un range de 0m et la souscription 3km.</a:t>
-            </a:r>
-            <a:endParaRPr/>
-          </a:p>
-          <a:p>
-            <a:pPr indent="0" lvl="0" marL="0">
-              <a:spcBef>
-                <a:spcPts val="0"/>
-              </a:spcBef>
-              <a:spcAft>
-                <a:spcPts val="0"/>
-              </a:spcAft>
-              <a:buNone/>
-            </a:pPr>
-            <a:r>
-              <a:t/>
-            </a:r>
-            <a:endParaRPr/>
-          </a:p>
-          <a:p>
-            <a:pPr indent="0" lvl="0" marL="0" rtl="0">
-              <a:spcBef>
-                <a:spcPts val="0"/>
-              </a:spcBef>
-              <a:spcAft>
-                <a:spcPts val="0"/>
-              </a:spcAft>
-              <a:buNone/>
-            </a:pPr>
-            <a:r>
-              <a:rPr lang="en"/>
-              <a:t>Aussi, la fonction startUpdatingLocation ne change pas automatiquement la localisation des publications ou souscriptions.</a:t>
+              <a:t>[La slide est parlante]</a:t>
             </a:r>
             <a:endParaRPr/>
           </a:p>
@@ -1697,7 +1630,7 @@
             </a:pPr>
             <a:r>
               <a:rPr lang="en"/>
-              <a:t>[La slide est parlante]</a:t>
+              <a:t>Le travail qu’il nous reste à faire, c’est d’implémenter le backend et les notifications lors des matchs. Et, optionnellement, la possibilité d’implémenter l’upload d’une image lors d’une publication (sauf si trop dur à faire). On a mis le 30 mai (qui est la dernière deadline) comme fin du projet, mais on va sûrement terminer plus tôt.</a:t>
             </a:r>
             <a:endParaRPr/>
           </a:p>
@@ -1716,7 +1649,7 @@
   <p:cSld>
     <p:spTree>
       <p:nvGrpSpPr>
-        <p:cNvPr id="128" name="Shape 128"/>
+        <p:cNvPr id="139" name="Shape 139"/>
         <p:cNvGrpSpPr/>
         <p:nvPr/>
       </p:nvGrpSpPr>
@@ -1730,7 +1663,7 @@
       </p:grpSpPr>
       <p:sp>
         <p:nvSpPr>
-          <p:cNvPr id="129" name="Shape 129"/>
+          <p:cNvPr id="140" name="Shape 140"/>
           <p:cNvSpPr/>
           <p:nvPr>
             <p:ph idx="2" type="sldImg"/>
@@ -1764,7 +1697,7 @@
       </p:sp>
       <p:sp>
         <p:nvSpPr>
-          <p:cNvPr id="130" name="Shape 130"/>
+          <p:cNvPr id="141" name="Shape 141"/>
           <p:cNvSpPr txBox="1"/>
           <p:nvPr>
             <p:ph idx="1" type="body"/>
@@ -1796,7 +1729,7 @@
             </a:pPr>
             <a:r>
               <a:rPr lang="en"/>
-              <a:t>Le travail qu’il nous reste à faire, c’est d’implémenter le backend. Optionnellement, implémenter l’upload d’une image lors d’une publication (sauf si trop dur à faire).</a:t>
+              <a:t>Merci !</a:t>
             </a:r>
             <a:endParaRPr/>
           </a:p>
@@ -7226,151 +7159,6 @@
 </p:sld>
 </file>
 
-<file path=ppt/slides/slide10.xml><?xml version="1.0" encoding="utf-8"?>
-<p:sld xmlns:a="http://schemas.openxmlformats.org/drawingml/2006/main" xmlns:r="http://schemas.openxmlformats.org/officeDocument/2006/relationships" xmlns:mc="http://schemas.openxmlformats.org/markup-compatibility/2006" xmlns:mv="urn:schemas-microsoft-com:mac:vml" xmlns:p="http://schemas.openxmlformats.org/presentationml/2006/main" xmlns:c="http://schemas.openxmlformats.org/drawingml/2006/chart" xmlns:dgm="http://schemas.openxmlformats.org/drawingml/2006/diagram" xmlns:o="urn:schemas-microsoft-com:office:office" xmlns:v="urn:schemas-microsoft-com:vml" xmlns:pvml="urn:schemas-microsoft-com:office:powerpoint" xmlns:com="http://schemas.openxmlformats.org/drawingml/2006/compatibility" xmlns:p14="http://schemas.microsoft.com/office/powerpoint/2010/main" xmlns:p15="http://schemas.microsoft.com/office/powerpoint/2012/main">
-  <p:cSld>
-    <p:spTree>
-      <p:nvGrpSpPr>
-        <p:cNvPr id="138" name="Shape 138"/>
-        <p:cNvGrpSpPr/>
-        <p:nvPr/>
-      </p:nvGrpSpPr>
-      <p:grpSpPr>
-        <a:xfrm>
-          <a:off x="0" y="0"/>
-          <a:ext cx="0" cy="0"/>
-          <a:chOff x="0" y="0"/>
-          <a:chExt cx="0" cy="0"/>
-        </a:xfrm>
-      </p:grpSpPr>
-      <p:sp>
-        <p:nvSpPr>
-          <p:cNvPr id="139" name="Shape 139"/>
-          <p:cNvSpPr txBox="1"/>
-          <p:nvPr>
-            <p:ph idx="4294967295" type="ctrTitle"/>
-          </p:nvPr>
-        </p:nvSpPr>
-        <p:spPr>
-          <a:xfrm>
-            <a:off x="2891850" y="1635838"/>
-            <a:ext cx="3282000" cy="1546500"/>
-          </a:xfrm>
-          <a:prstGeom prst="rect">
-            <a:avLst/>
-          </a:prstGeom>
-        </p:spPr>
-        <p:txBody>
-          <a:bodyPr anchorCtr="0" anchor="b" bIns="91425" lIns="91425" spcFirstLastPara="1" rIns="91425" wrap="square" tIns="91425">
-            <a:noAutofit/>
-          </a:bodyPr>
-          <a:lstStyle/>
-          <a:p>
-            <a:pPr indent="0" lvl="0" marL="0" rtl="0">
-              <a:spcBef>
-                <a:spcPts val="0"/>
-              </a:spcBef>
-              <a:spcAft>
-                <a:spcPts val="0"/>
-              </a:spcAft>
-              <a:buNone/>
-            </a:pPr>
-            <a:r>
-              <a:rPr b="1" lang="en" sz="6000"/>
-              <a:t>Thanks!</a:t>
-            </a:r>
-            <a:endParaRPr b="1" sz="6000"/>
-          </a:p>
-        </p:txBody>
-      </p:sp>
-      <p:sp>
-        <p:nvSpPr>
-          <p:cNvPr id="140" name="Shape 140"/>
-          <p:cNvSpPr txBox="1"/>
-          <p:nvPr>
-            <p:ph idx="4294967295" type="subTitle"/>
-          </p:nvPr>
-        </p:nvSpPr>
-        <p:spPr>
-          <a:xfrm>
-            <a:off x="2891850" y="3235263"/>
-            <a:ext cx="3360300" cy="1046400"/>
-          </a:xfrm>
-          <a:prstGeom prst="rect">
-            <a:avLst/>
-          </a:prstGeom>
-        </p:spPr>
-        <p:txBody>
-          <a:bodyPr anchorCtr="0" anchor="t" bIns="91425" lIns="91425" spcFirstLastPara="1" rIns="91425" wrap="square" tIns="91425">
-            <a:noAutofit/>
-          </a:bodyPr>
-          <a:lstStyle/>
-          <a:p>
-            <a:pPr indent="0" lvl="0" marL="0" rtl="0">
-              <a:spcBef>
-                <a:spcPts val="600"/>
-              </a:spcBef>
-              <a:spcAft>
-                <a:spcPts val="0"/>
-              </a:spcAft>
-              <a:buNone/>
-            </a:pPr>
-            <a:r>
-              <a:rPr b="1" lang="en" sz="3600"/>
-              <a:t>Any questions?</a:t>
-            </a:r>
-            <a:endParaRPr b="1" sz="3600"/>
-          </a:p>
-        </p:txBody>
-      </p:sp>
-      <p:sp>
-        <p:nvSpPr>
-          <p:cNvPr id="141" name="Shape 141"/>
-          <p:cNvSpPr txBox="1"/>
-          <p:nvPr>
-            <p:ph idx="12" type="sldNum"/>
-          </p:nvPr>
-        </p:nvSpPr>
-        <p:spPr>
-          <a:xfrm>
-            <a:off x="8404384" y="6333134"/>
-            <a:ext cx="548700" cy="525000"/>
-          </a:xfrm>
-          <a:prstGeom prst="rect">
-            <a:avLst/>
-          </a:prstGeom>
-        </p:spPr>
-        <p:txBody>
-          <a:bodyPr anchorCtr="0" anchor="t" bIns="91425" lIns="91425" spcFirstLastPara="1" rIns="91425" wrap="square" tIns="91425">
-            <a:noAutofit/>
-          </a:bodyPr>
-          <a:lstStyle/>
-          <a:p>
-            <a:pPr indent="0" lvl="0" marL="0" rtl="0">
-              <a:spcBef>
-                <a:spcPts val="0"/>
-              </a:spcBef>
-              <a:spcAft>
-                <a:spcPts val="0"/>
-              </a:spcAft>
-              <a:buNone/>
-            </a:pPr>
-            <a:fld id="{00000000-1234-1234-1234-123412341234}" type="slidenum">
-              <a:rPr lang="en"/>
-              <a:t>‹#›</a:t>
-            </a:fld>
-            <a:endParaRPr/>
-          </a:p>
-        </p:txBody>
-      </p:sp>
-    </p:spTree>
-  </p:cSld>
-  <p:clrMapOvr>
-    <a:masterClrMapping/>
-  </p:clrMapOvr>
-</p:sld>
-</file>
-
 <file path=ppt/slides/slide2.xml><?xml version="1.0" encoding="utf-8"?>
 <p:sld xmlns:a="http://schemas.openxmlformats.org/drawingml/2006/main" xmlns:r="http://schemas.openxmlformats.org/officeDocument/2006/relationships" xmlns:mc="http://schemas.openxmlformats.org/markup-compatibility/2006" xmlns:mv="urn:schemas-microsoft-com:mac:vml" xmlns:p="http://schemas.openxmlformats.org/presentationml/2006/main" xmlns:c="http://schemas.openxmlformats.org/drawingml/2006/chart" xmlns:dgm="http://schemas.openxmlformats.org/drawingml/2006/diagram" xmlns:o="urn:schemas-microsoft-com:office:office" xmlns:v="urn:schemas-microsoft-com:vml" xmlns:pvml="urn:schemas-microsoft-com:office:powerpoint" xmlns:com="http://schemas.openxmlformats.org/drawingml/2006/compatibility" xmlns:p14="http://schemas.microsoft.com/office/powerpoint/2010/main" xmlns:p15="http://schemas.microsoft.com/office/powerpoint/2012/main">
   <p:cSld>
@@ -7847,6 +7635,26 @@
             <a:r>
               <a:rPr lang="en" sz="1400"/>
               <a:t>The person who found an object is a subscriber. He’s the one that is getting matches. He is responsible to find the owner (like in real life). His subscription will have a range of 3km and a duration of 1 hour (explained why after the demo).</a:t>
+            </a:r>
+            <a:br>
+              <a:rPr lang="en" sz="1400"/>
+            </a:br>
+            <a:endParaRPr sz="1400"/>
+          </a:p>
+          <a:p>
+            <a:pPr indent="-317500" lvl="0" marL="457200" rtl="0">
+              <a:spcBef>
+                <a:spcPts val="0"/>
+              </a:spcBef>
+              <a:spcAft>
+                <a:spcPts val="0"/>
+              </a:spcAft>
+              <a:buSzPts val="1400"/>
+              <a:buChar char="◎"/>
+            </a:pPr>
+            <a:r>
+              <a:rPr lang="en" sz="1400"/>
+              <a:t>When a match occurs, you will be able to see it in the “Status” page. You can also click on the match to get the location of the publication.</a:t>
             </a:r>
             <a:endParaRPr sz="1400"/>
           </a:p>
@@ -8450,7 +8258,7 @@
             </a:pPr>
             <a:r>
               <a:rPr lang="en"/>
-              <a:t>Notes</a:t>
+              <a:t>Work done</a:t>
             </a:r>
             <a:endParaRPr/>
           </a:p>
@@ -8479,55 +8287,29 @@
           </a:bodyPr>
           <a:lstStyle/>
           <a:p>
-            <a:pPr indent="-342900" lvl="0" marL="457200" rtl="0">
+            <a:pPr indent="-317500" lvl="0" marL="457200" rtl="0" algn="just">
               <a:spcBef>
                 <a:spcPts val="600"/>
               </a:spcBef>
               <a:spcAft>
                 <a:spcPts val="0"/>
               </a:spcAft>
-              <a:buSzPts val="1800"/>
+              <a:buSzPts val="1400"/>
               <a:buChar char="◎"/>
             </a:pPr>
             <a:r>
-              <a:rPr lang="en" sz="1800"/>
-              <a:t>Bugs found:</a:t>
+              <a:rPr lang="en" sz="1400"/>
+              <a:t>App </a:t>
             </a:r>
-            <a:endParaRPr sz="1800"/>
-          </a:p>
-          <a:p>
-            <a:pPr indent="-342900" lvl="1" marL="914400" rtl="0">
-              <a:spcBef>
-                <a:spcPts val="1000"/>
-              </a:spcBef>
-              <a:spcAft>
-                <a:spcPts val="0"/>
-              </a:spcAft>
-              <a:buSzPts val="1800"/>
-              <a:buChar char="○"/>
-            </a:pPr>
             <a:r>
-              <a:rPr lang="en" sz="1800"/>
-              <a:t>In our tests, a match will be found regardless of the maximum range set. Ex: We managed to find a publication in Bern with a subscription in Yverdon.</a:t>
+              <a:rPr lang="en" sz="1400"/>
+              <a:t>entirely</a:t>
             </a:r>
-            <a:endParaRPr sz="1800"/>
-          </a:p>
-          <a:p>
-            <a:pPr indent="-342900" lvl="1" marL="914400" rtl="0">
-              <a:spcBef>
-                <a:spcPts val="1000"/>
-              </a:spcBef>
-              <a:spcAft>
-                <a:spcPts val="0"/>
-              </a:spcAft>
-              <a:buSzPts val="1800"/>
-              <a:buChar char="○"/>
-            </a:pPr>
             <a:r>
-              <a:rPr lang="en" sz="1800"/>
-              <a:t>“startUpdatingLocation” is not updating any publication or subscription</a:t>
+              <a:rPr lang="en" sz="1400"/>
+              <a:t> coded by Henri Keopraseuth, with the help of StackOverflow and others.</a:t>
             </a:r>
-            <a:endParaRPr sz="1800"/>
+            <a:endParaRPr sz="1400"/>
           </a:p>
           <a:p>
             <a:pPr indent="0" lvl="0" marL="0" rtl="0">
@@ -8645,7 +8427,7 @@
             </a:pPr>
             <a:r>
               <a:rPr lang="en"/>
-              <a:t>Work done</a:t>
+              <a:t>TO DO:</a:t>
             </a:r>
             <a:endParaRPr/>
           </a:p>
@@ -8661,8 +8443,8 @@
         </p:nvSpPr>
         <p:spPr>
           <a:xfrm>
-            <a:off x="786150" y="1682267"/>
-            <a:ext cx="7571700" cy="4764900"/>
+            <a:off x="786150" y="1682269"/>
+            <a:ext cx="7571700" cy="936900"/>
           </a:xfrm>
           <a:prstGeom prst="rect">
             <a:avLst/>
@@ -8686,15 +8468,41 @@
             </a:pPr>
             <a:r>
               <a:rPr lang="en" sz="1400"/>
-              <a:t>App </a:t>
+              <a:t>Implement back-end</a:t>
             </a:r>
+            <a:endParaRPr sz="1400"/>
+          </a:p>
+          <a:p>
+            <a:pPr indent="-317500" lvl="0" marL="457200" rtl="0" algn="just">
+              <a:spcBef>
+                <a:spcPts val="1000"/>
+              </a:spcBef>
+              <a:spcAft>
+                <a:spcPts val="0"/>
+              </a:spcAft>
+              <a:buSzPts val="1400"/>
+              <a:buChar char="◎"/>
+            </a:pPr>
             <a:r>
               <a:rPr lang="en" sz="1400"/>
-              <a:t>entirely</a:t>
+              <a:t>Notifications</a:t>
             </a:r>
+            <a:endParaRPr sz="1400"/>
+          </a:p>
+          <a:p>
+            <a:pPr indent="-317500" lvl="0" marL="457200" rtl="0" algn="just">
+              <a:spcBef>
+                <a:spcPts val="1000"/>
+              </a:spcBef>
+              <a:spcAft>
+                <a:spcPts val="0"/>
+              </a:spcAft>
+              <a:buSzPts val="1400"/>
+              <a:buChar char="◎"/>
+            </a:pPr>
             <a:r>
               <a:rPr lang="en" sz="1400"/>
-              <a:t> coded by Henri Keopraseuth, with the help of StackOverflow and others.</a:t>
+              <a:t>(Optional) Implement photo uploading when creating a notice.</a:t>
             </a:r>
             <a:endParaRPr sz="1400"/>
           </a:p>
@@ -8755,6 +8563,669 @@
           </a:p>
         </p:txBody>
       </p:sp>
+      <p:sp>
+        <p:nvSpPr>
+          <p:cNvPr id="128" name="Shape 128"/>
+          <p:cNvSpPr/>
+          <p:nvPr/>
+        </p:nvSpPr>
+        <p:spPr>
+          <a:xfrm>
+            <a:off x="1319550" y="3935275"/>
+            <a:ext cx="258900" cy="258900"/>
+          </a:xfrm>
+          <a:prstGeom prst="ellipse">
+            <a:avLst/>
+          </a:prstGeom>
+          <a:solidFill>
+            <a:srgbClr val="0091EA"/>
+          </a:solidFill>
+          <a:ln cap="flat" cmpd="sng" w="9525">
+            <a:solidFill>
+              <a:srgbClr val="0091EA"/>
+            </a:solidFill>
+            <a:prstDash val="solid"/>
+            <a:round/>
+            <a:headEnd len="sm" w="sm" type="none"/>
+            <a:tailEnd len="sm" w="sm" type="none"/>
+          </a:ln>
+        </p:spPr>
+        <p:txBody>
+          <a:bodyPr anchorCtr="0" anchor="ctr" bIns="91425" lIns="91425" spcFirstLastPara="1" rIns="91425" wrap="square" tIns="91425">
+            <a:noAutofit/>
+          </a:bodyPr>
+          <a:lstStyle/>
+          <a:p>
+            <a:pPr indent="0" lvl="0" marL="0">
+              <a:spcBef>
+                <a:spcPts val="0"/>
+              </a:spcBef>
+              <a:spcAft>
+                <a:spcPts val="0"/>
+              </a:spcAft>
+              <a:buNone/>
+            </a:pPr>
+            <a:r>
+              <a:t/>
+            </a:r>
+            <a:endParaRPr/>
+          </a:p>
+        </p:txBody>
+      </p:sp>
+      <p:sp>
+        <p:nvSpPr>
+          <p:cNvPr id="129" name="Shape 129"/>
+          <p:cNvSpPr txBox="1"/>
+          <p:nvPr/>
+        </p:nvSpPr>
+        <p:spPr>
+          <a:xfrm>
+            <a:off x="615000" y="3279700"/>
+            <a:ext cx="1668000" cy="476700"/>
+          </a:xfrm>
+          <a:prstGeom prst="rect">
+            <a:avLst/>
+          </a:prstGeom>
+          <a:noFill/>
+          <a:ln>
+            <a:noFill/>
+          </a:ln>
+        </p:spPr>
+        <p:txBody>
+          <a:bodyPr anchorCtr="0" anchor="t" bIns="91425" lIns="91425" spcFirstLastPara="1" rIns="91425" wrap="square" tIns="91425">
+            <a:noAutofit/>
+          </a:bodyPr>
+          <a:lstStyle/>
+          <a:p>
+            <a:pPr indent="0" lvl="0" marL="0" rtl="0" algn="ctr">
+              <a:spcBef>
+                <a:spcPts val="0"/>
+              </a:spcBef>
+              <a:spcAft>
+                <a:spcPts val="0"/>
+              </a:spcAft>
+              <a:buNone/>
+            </a:pPr>
+            <a:r>
+              <a:rPr lang="en">
+                <a:solidFill>
+                  <a:srgbClr val="0091EA"/>
+                </a:solidFill>
+                <a:latin typeface="Source Sans Pro"/>
+                <a:ea typeface="Source Sans Pro"/>
+                <a:cs typeface="Source Sans Pro"/>
+                <a:sym typeface="Source Sans Pro"/>
+              </a:rPr>
+              <a:t>22.03</a:t>
+            </a:r>
+            <a:endParaRPr>
+              <a:solidFill>
+                <a:srgbClr val="0091EA"/>
+              </a:solidFill>
+              <a:latin typeface="Source Sans Pro"/>
+              <a:ea typeface="Source Sans Pro"/>
+              <a:cs typeface="Source Sans Pro"/>
+              <a:sym typeface="Source Sans Pro"/>
+            </a:endParaRPr>
+          </a:p>
+          <a:p>
+            <a:pPr indent="0" lvl="0" marL="0" rtl="0" algn="ctr">
+              <a:spcBef>
+                <a:spcPts val="0"/>
+              </a:spcBef>
+              <a:spcAft>
+                <a:spcPts val="0"/>
+              </a:spcAft>
+              <a:buNone/>
+            </a:pPr>
+            <a:r>
+              <a:rPr lang="en">
+                <a:solidFill>
+                  <a:srgbClr val="0091EA"/>
+                </a:solidFill>
+                <a:latin typeface="Source Sans Pro"/>
+                <a:ea typeface="Source Sans Pro"/>
+                <a:cs typeface="Source Sans Pro"/>
+                <a:sym typeface="Source Sans Pro"/>
+              </a:rPr>
+              <a:t>Started project</a:t>
+            </a:r>
+            <a:endParaRPr>
+              <a:solidFill>
+                <a:srgbClr val="0091EA"/>
+              </a:solidFill>
+              <a:latin typeface="Source Sans Pro"/>
+              <a:ea typeface="Source Sans Pro"/>
+              <a:cs typeface="Source Sans Pro"/>
+              <a:sym typeface="Source Sans Pro"/>
+            </a:endParaRPr>
+          </a:p>
+        </p:txBody>
+      </p:sp>
+      <p:sp>
+        <p:nvSpPr>
+          <p:cNvPr id="130" name="Shape 130"/>
+          <p:cNvSpPr/>
+          <p:nvPr/>
+        </p:nvSpPr>
+        <p:spPr>
+          <a:xfrm>
+            <a:off x="3077625" y="3935275"/>
+            <a:ext cx="258900" cy="258900"/>
+          </a:xfrm>
+          <a:prstGeom prst="ellipse">
+            <a:avLst/>
+          </a:prstGeom>
+          <a:solidFill>
+            <a:srgbClr val="0091EA"/>
+          </a:solidFill>
+          <a:ln cap="flat" cmpd="sng" w="9525">
+            <a:solidFill>
+              <a:srgbClr val="0091EA"/>
+            </a:solidFill>
+            <a:prstDash val="solid"/>
+            <a:round/>
+            <a:headEnd len="sm" w="sm" type="none"/>
+            <a:tailEnd len="sm" w="sm" type="none"/>
+          </a:ln>
+        </p:spPr>
+        <p:txBody>
+          <a:bodyPr anchorCtr="0" anchor="ctr" bIns="91425" lIns="91425" spcFirstLastPara="1" rIns="91425" wrap="square" tIns="91425">
+            <a:noAutofit/>
+          </a:bodyPr>
+          <a:lstStyle/>
+          <a:p>
+            <a:pPr indent="0" lvl="0" marL="0">
+              <a:spcBef>
+                <a:spcPts val="0"/>
+              </a:spcBef>
+              <a:spcAft>
+                <a:spcPts val="0"/>
+              </a:spcAft>
+              <a:buNone/>
+            </a:pPr>
+            <a:r>
+              <a:t/>
+            </a:r>
+            <a:endParaRPr/>
+          </a:p>
+        </p:txBody>
+      </p:sp>
+      <p:sp>
+        <p:nvSpPr>
+          <p:cNvPr id="131" name="Shape 131"/>
+          <p:cNvSpPr txBox="1"/>
+          <p:nvPr/>
+        </p:nvSpPr>
+        <p:spPr>
+          <a:xfrm>
+            <a:off x="2373075" y="3279700"/>
+            <a:ext cx="1668000" cy="476700"/>
+          </a:xfrm>
+          <a:prstGeom prst="rect">
+            <a:avLst/>
+          </a:prstGeom>
+          <a:noFill/>
+          <a:ln>
+            <a:noFill/>
+          </a:ln>
+        </p:spPr>
+        <p:txBody>
+          <a:bodyPr anchorCtr="0" anchor="t" bIns="91425" lIns="91425" spcFirstLastPara="1" rIns="91425" wrap="square" tIns="91425">
+            <a:noAutofit/>
+          </a:bodyPr>
+          <a:lstStyle/>
+          <a:p>
+            <a:pPr indent="0" lvl="0" marL="0" rtl="0" algn="ctr">
+              <a:spcBef>
+                <a:spcPts val="0"/>
+              </a:spcBef>
+              <a:spcAft>
+                <a:spcPts val="0"/>
+              </a:spcAft>
+              <a:buNone/>
+            </a:pPr>
+            <a:r>
+              <a:rPr lang="en">
+                <a:solidFill>
+                  <a:srgbClr val="0091EA"/>
+                </a:solidFill>
+                <a:latin typeface="Source Sans Pro"/>
+                <a:ea typeface="Source Sans Pro"/>
+                <a:cs typeface="Source Sans Pro"/>
+                <a:sym typeface="Source Sans Pro"/>
+              </a:rPr>
+              <a:t>04</a:t>
+            </a:r>
+            <a:r>
+              <a:rPr lang="en">
+                <a:solidFill>
+                  <a:srgbClr val="0091EA"/>
+                </a:solidFill>
+                <a:latin typeface="Source Sans Pro"/>
+                <a:ea typeface="Source Sans Pro"/>
+                <a:cs typeface="Source Sans Pro"/>
+                <a:sym typeface="Source Sans Pro"/>
+              </a:rPr>
+              <a:t>.04</a:t>
+            </a:r>
+            <a:endParaRPr>
+              <a:solidFill>
+                <a:srgbClr val="0091EA"/>
+              </a:solidFill>
+              <a:latin typeface="Source Sans Pro"/>
+              <a:ea typeface="Source Sans Pro"/>
+              <a:cs typeface="Source Sans Pro"/>
+              <a:sym typeface="Source Sans Pro"/>
+            </a:endParaRPr>
+          </a:p>
+          <a:p>
+            <a:pPr indent="0" lvl="0" marL="0" rtl="0" algn="ctr">
+              <a:spcBef>
+                <a:spcPts val="0"/>
+              </a:spcBef>
+              <a:spcAft>
+                <a:spcPts val="0"/>
+              </a:spcAft>
+              <a:buNone/>
+            </a:pPr>
+            <a:r>
+              <a:rPr lang="en">
+                <a:solidFill>
+                  <a:srgbClr val="0091EA"/>
+                </a:solidFill>
+                <a:latin typeface="Source Sans Pro"/>
+                <a:ea typeface="Source Sans Pro"/>
+                <a:cs typeface="Source Sans Pro"/>
+                <a:sym typeface="Source Sans Pro"/>
+              </a:rPr>
+              <a:t>Front-end finished</a:t>
+            </a:r>
+            <a:endParaRPr>
+              <a:solidFill>
+                <a:srgbClr val="0091EA"/>
+              </a:solidFill>
+              <a:latin typeface="Source Sans Pro"/>
+              <a:ea typeface="Source Sans Pro"/>
+              <a:cs typeface="Source Sans Pro"/>
+              <a:sym typeface="Source Sans Pro"/>
+            </a:endParaRPr>
+          </a:p>
+        </p:txBody>
+      </p:sp>
+      <p:sp>
+        <p:nvSpPr>
+          <p:cNvPr id="132" name="Shape 132"/>
+          <p:cNvSpPr/>
+          <p:nvPr/>
+        </p:nvSpPr>
+        <p:spPr>
+          <a:xfrm>
+            <a:off x="4041075" y="3935275"/>
+            <a:ext cx="258900" cy="258900"/>
+          </a:xfrm>
+          <a:prstGeom prst="ellipse">
+            <a:avLst/>
+          </a:prstGeom>
+          <a:solidFill>
+            <a:srgbClr val="0091EA"/>
+          </a:solidFill>
+          <a:ln cap="flat" cmpd="sng" w="9525">
+            <a:solidFill>
+              <a:srgbClr val="0091EA"/>
+            </a:solidFill>
+            <a:prstDash val="solid"/>
+            <a:round/>
+            <a:headEnd len="sm" w="sm" type="none"/>
+            <a:tailEnd len="sm" w="sm" type="none"/>
+          </a:ln>
+        </p:spPr>
+        <p:txBody>
+          <a:bodyPr anchorCtr="0" anchor="ctr" bIns="91425" lIns="91425" spcFirstLastPara="1" rIns="91425" wrap="square" tIns="91425">
+            <a:noAutofit/>
+          </a:bodyPr>
+          <a:lstStyle/>
+          <a:p>
+            <a:pPr indent="0" lvl="0" marL="0">
+              <a:spcBef>
+                <a:spcPts val="0"/>
+              </a:spcBef>
+              <a:spcAft>
+                <a:spcPts val="0"/>
+              </a:spcAft>
+              <a:buNone/>
+            </a:pPr>
+            <a:r>
+              <a:t/>
+            </a:r>
+            <a:endParaRPr/>
+          </a:p>
+        </p:txBody>
+      </p:sp>
+      <p:sp>
+        <p:nvSpPr>
+          <p:cNvPr id="133" name="Shape 133"/>
+          <p:cNvSpPr txBox="1"/>
+          <p:nvPr/>
+        </p:nvSpPr>
+        <p:spPr>
+          <a:xfrm>
+            <a:off x="6690025" y="3279700"/>
+            <a:ext cx="1668000" cy="476700"/>
+          </a:xfrm>
+          <a:prstGeom prst="rect">
+            <a:avLst/>
+          </a:prstGeom>
+          <a:noFill/>
+          <a:ln>
+            <a:noFill/>
+          </a:ln>
+        </p:spPr>
+        <p:txBody>
+          <a:bodyPr anchorCtr="0" anchor="t" bIns="91425" lIns="91425" spcFirstLastPara="1" rIns="91425" wrap="square" tIns="91425">
+            <a:noAutofit/>
+          </a:bodyPr>
+          <a:lstStyle/>
+          <a:p>
+            <a:pPr indent="0" lvl="0" marL="0" rtl="0" algn="ctr">
+              <a:spcBef>
+                <a:spcPts val="0"/>
+              </a:spcBef>
+              <a:spcAft>
+                <a:spcPts val="0"/>
+              </a:spcAft>
+              <a:buNone/>
+            </a:pPr>
+            <a:r>
+              <a:rPr lang="en">
+                <a:solidFill>
+                  <a:srgbClr val="0091EA"/>
+                </a:solidFill>
+                <a:latin typeface="Source Sans Pro"/>
+                <a:ea typeface="Source Sans Pro"/>
+                <a:cs typeface="Source Sans Pro"/>
+                <a:sym typeface="Source Sans Pro"/>
+              </a:rPr>
+              <a:t>(30</a:t>
+            </a:r>
+            <a:r>
+              <a:rPr lang="en">
+                <a:solidFill>
+                  <a:srgbClr val="0091EA"/>
+                </a:solidFill>
+                <a:latin typeface="Source Sans Pro"/>
+                <a:ea typeface="Source Sans Pro"/>
+                <a:cs typeface="Source Sans Pro"/>
+                <a:sym typeface="Source Sans Pro"/>
+              </a:rPr>
+              <a:t>.05)</a:t>
+            </a:r>
+            <a:endParaRPr>
+              <a:solidFill>
+                <a:srgbClr val="0091EA"/>
+              </a:solidFill>
+              <a:latin typeface="Source Sans Pro"/>
+              <a:ea typeface="Source Sans Pro"/>
+              <a:cs typeface="Source Sans Pro"/>
+              <a:sym typeface="Source Sans Pro"/>
+            </a:endParaRPr>
+          </a:p>
+          <a:p>
+            <a:pPr indent="0" lvl="0" marL="0" rtl="0" algn="ctr">
+              <a:spcBef>
+                <a:spcPts val="0"/>
+              </a:spcBef>
+              <a:spcAft>
+                <a:spcPts val="0"/>
+              </a:spcAft>
+              <a:buNone/>
+            </a:pPr>
+            <a:r>
+              <a:rPr lang="en">
+                <a:solidFill>
+                  <a:srgbClr val="0091EA"/>
+                </a:solidFill>
+                <a:latin typeface="Source Sans Pro"/>
+                <a:ea typeface="Source Sans Pro"/>
+                <a:cs typeface="Source Sans Pro"/>
+                <a:sym typeface="Source Sans Pro"/>
+              </a:rPr>
+              <a:t>Finish back-end</a:t>
+            </a:r>
+            <a:endParaRPr>
+              <a:solidFill>
+                <a:srgbClr val="0091EA"/>
+              </a:solidFill>
+              <a:latin typeface="Source Sans Pro"/>
+              <a:ea typeface="Source Sans Pro"/>
+              <a:cs typeface="Source Sans Pro"/>
+              <a:sym typeface="Source Sans Pro"/>
+            </a:endParaRPr>
+          </a:p>
+        </p:txBody>
+      </p:sp>
+      <p:cxnSp>
+        <p:nvCxnSpPr>
+          <p:cNvPr id="134" name="Shape 134"/>
+          <p:cNvCxnSpPr>
+            <a:endCxn id="130" idx="2"/>
+          </p:cNvCxnSpPr>
+          <p:nvPr/>
+        </p:nvCxnSpPr>
+        <p:spPr>
+          <a:xfrm flipH="1" rot="10800000">
+            <a:off x="1569225" y="4064725"/>
+            <a:ext cx="1508400" cy="2100"/>
+          </a:xfrm>
+          <a:prstGeom prst="straightConnector1">
+            <a:avLst/>
+          </a:prstGeom>
+          <a:noFill/>
+          <a:ln cap="flat" cmpd="sng" w="9525">
+            <a:solidFill>
+              <a:srgbClr val="0091EA"/>
+            </a:solidFill>
+            <a:prstDash val="solid"/>
+            <a:round/>
+            <a:headEnd len="med" w="med" type="none"/>
+            <a:tailEnd len="med" w="med" type="none"/>
+          </a:ln>
+        </p:spPr>
+      </p:cxnSp>
+      <p:cxnSp>
+        <p:nvCxnSpPr>
+          <p:cNvPr id="135" name="Shape 135"/>
+          <p:cNvCxnSpPr>
+            <a:stCxn id="130" idx="6"/>
+            <a:endCxn id="132" idx="2"/>
+          </p:cNvCxnSpPr>
+          <p:nvPr/>
+        </p:nvCxnSpPr>
+        <p:spPr>
+          <a:xfrm>
+            <a:off x="3336525" y="4064725"/>
+            <a:ext cx="704700" cy="0"/>
+          </a:xfrm>
+          <a:prstGeom prst="straightConnector1">
+            <a:avLst/>
+          </a:prstGeom>
+          <a:noFill/>
+          <a:ln cap="flat" cmpd="sng" w="9525">
+            <a:solidFill>
+              <a:srgbClr val="0091EA"/>
+            </a:solidFill>
+            <a:prstDash val="solid"/>
+            <a:round/>
+            <a:headEnd len="med" w="med" type="none"/>
+            <a:tailEnd len="med" w="med" type="none"/>
+          </a:ln>
+        </p:spPr>
+      </p:cxnSp>
+      <p:sp>
+        <p:nvSpPr>
+          <p:cNvPr id="136" name="Shape 136"/>
+          <p:cNvSpPr/>
+          <p:nvPr/>
+        </p:nvSpPr>
+        <p:spPr>
+          <a:xfrm>
+            <a:off x="7394575" y="3935275"/>
+            <a:ext cx="258900" cy="258900"/>
+          </a:xfrm>
+          <a:prstGeom prst="ellipse">
+            <a:avLst/>
+          </a:prstGeom>
+          <a:noFill/>
+          <a:ln cap="flat" cmpd="sng" w="9525">
+            <a:solidFill>
+              <a:srgbClr val="0091EA"/>
+            </a:solidFill>
+            <a:prstDash val="solid"/>
+            <a:round/>
+            <a:headEnd len="sm" w="sm" type="none"/>
+            <a:tailEnd len="sm" w="sm" type="none"/>
+          </a:ln>
+        </p:spPr>
+        <p:txBody>
+          <a:bodyPr anchorCtr="0" anchor="ctr" bIns="91425" lIns="91425" spcFirstLastPara="1" rIns="91425" wrap="square" tIns="91425">
+            <a:noAutofit/>
+          </a:bodyPr>
+          <a:lstStyle/>
+          <a:p>
+            <a:pPr indent="0" lvl="0" marL="0">
+              <a:spcBef>
+                <a:spcPts val="0"/>
+              </a:spcBef>
+              <a:spcAft>
+                <a:spcPts val="0"/>
+              </a:spcAft>
+              <a:buNone/>
+            </a:pPr>
+            <a:r>
+              <a:t/>
+            </a:r>
+            <a:endParaRPr/>
+          </a:p>
+        </p:txBody>
+      </p:sp>
+      <p:sp>
+        <p:nvSpPr>
+          <p:cNvPr id="137" name="Shape 137"/>
+          <p:cNvSpPr txBox="1"/>
+          <p:nvPr/>
+        </p:nvSpPr>
+        <p:spPr>
+          <a:xfrm>
+            <a:off x="3336525" y="4373050"/>
+            <a:ext cx="1668000" cy="476700"/>
+          </a:xfrm>
+          <a:prstGeom prst="rect">
+            <a:avLst/>
+          </a:prstGeom>
+          <a:noFill/>
+          <a:ln>
+            <a:noFill/>
+          </a:ln>
+        </p:spPr>
+        <p:txBody>
+          <a:bodyPr anchorCtr="0" anchor="t" bIns="91425" lIns="91425" spcFirstLastPara="1" rIns="91425" wrap="square" tIns="91425">
+            <a:noAutofit/>
+          </a:bodyPr>
+          <a:lstStyle/>
+          <a:p>
+            <a:pPr indent="0" lvl="0" marL="0" rtl="0" algn="ctr">
+              <a:spcBef>
+                <a:spcPts val="0"/>
+              </a:spcBef>
+              <a:spcAft>
+                <a:spcPts val="0"/>
+              </a:spcAft>
+              <a:buNone/>
+            </a:pPr>
+            <a:r>
+              <a:rPr lang="en">
+                <a:solidFill>
+                  <a:srgbClr val="0091EA"/>
+                </a:solidFill>
+                <a:latin typeface="Source Sans Pro"/>
+                <a:ea typeface="Source Sans Pro"/>
+                <a:cs typeface="Source Sans Pro"/>
+                <a:sym typeface="Source Sans Pro"/>
+              </a:rPr>
+              <a:t>10.04</a:t>
+            </a:r>
+            <a:endParaRPr>
+              <a:solidFill>
+                <a:srgbClr val="0091EA"/>
+              </a:solidFill>
+              <a:latin typeface="Source Sans Pro"/>
+              <a:ea typeface="Source Sans Pro"/>
+              <a:cs typeface="Source Sans Pro"/>
+              <a:sym typeface="Source Sans Pro"/>
+            </a:endParaRPr>
+          </a:p>
+          <a:p>
+            <a:pPr indent="0" lvl="0" marL="0" rtl="0" algn="ctr">
+              <a:spcBef>
+                <a:spcPts val="0"/>
+              </a:spcBef>
+              <a:spcAft>
+                <a:spcPts val="0"/>
+              </a:spcAft>
+              <a:buNone/>
+            </a:pPr>
+            <a:r>
+              <a:rPr lang="en">
+                <a:solidFill>
+                  <a:srgbClr val="0091EA"/>
+                </a:solidFill>
+                <a:latin typeface="Source Sans Pro"/>
+                <a:ea typeface="Source Sans Pro"/>
+                <a:cs typeface="Source Sans Pro"/>
+                <a:sym typeface="Source Sans Pro"/>
+              </a:rPr>
+              <a:t>Bug fixes</a:t>
+            </a:r>
+            <a:endParaRPr>
+              <a:solidFill>
+                <a:srgbClr val="0091EA"/>
+              </a:solidFill>
+              <a:latin typeface="Source Sans Pro"/>
+              <a:ea typeface="Source Sans Pro"/>
+              <a:cs typeface="Source Sans Pro"/>
+              <a:sym typeface="Source Sans Pro"/>
+            </a:endParaRPr>
+          </a:p>
+        </p:txBody>
+      </p:sp>
+      <p:cxnSp>
+        <p:nvCxnSpPr>
+          <p:cNvPr id="138" name="Shape 138"/>
+          <p:cNvCxnSpPr>
+            <a:endCxn id="136" idx="2"/>
+          </p:cNvCxnSpPr>
+          <p:nvPr/>
+        </p:nvCxnSpPr>
+        <p:spPr>
+          <a:xfrm>
+            <a:off x="4304275" y="4056625"/>
+            <a:ext cx="3090300" cy="8100"/>
+          </a:xfrm>
+          <a:prstGeom prst="straightConnector1">
+            <a:avLst/>
+          </a:prstGeom>
+          <a:noFill/>
+          <a:ln cap="flat" cmpd="sng" w="9525">
+            <a:solidFill>
+              <a:srgbClr val="0091EA"/>
+            </a:solidFill>
+            <a:prstDash val="dot"/>
+            <a:round/>
+            <a:headEnd len="med" w="med" type="none"/>
+            <a:tailEnd len="med" w="med" type="none"/>
+          </a:ln>
+        </p:spPr>
+      </p:cxnSp>
     </p:spTree>
   </p:cSld>
   <p:clrMapOvr>
@@ -8768,7 +9239,7 @@
   <p:cSld>
     <p:spTree>
       <p:nvGrpSpPr>
-        <p:cNvPr id="131" name="Shape 131"/>
+        <p:cNvPr id="142" name="Shape 142"/>
         <p:cNvGrpSpPr/>
         <p:nvPr/>
       </p:nvGrpSpPr>
@@ -8782,16 +9253,16 @@
       </p:grpSpPr>
       <p:sp>
         <p:nvSpPr>
-          <p:cNvPr id="132" name="Shape 132"/>
+          <p:cNvPr id="143" name="Shape 143"/>
           <p:cNvSpPr txBox="1"/>
           <p:nvPr>
-            <p:ph type="title"/>
+            <p:ph idx="4294967295" type="ctrTitle"/>
           </p:nvPr>
         </p:nvSpPr>
         <p:spPr>
           <a:xfrm>
-            <a:off x="786150" y="410826"/>
-            <a:ext cx="7571700" cy="936900"/>
+            <a:off x="2891850" y="1635838"/>
+            <a:ext cx="3282000" cy="1546500"/>
           </a:xfrm>
           <a:prstGeom prst="rect">
             <a:avLst/>
@@ -8813,25 +9284,25 @@
               <a:buNone/>
             </a:pPr>
             <a:r>
-              <a:rPr lang="en"/>
-              <a:t>TO DO:</a:t>
+              <a:rPr b="1" lang="en" sz="6000"/>
+              <a:t>Thanks!</a:t>
             </a:r>
-            <a:endParaRPr/>
+            <a:endParaRPr b="1" sz="6000"/>
           </a:p>
         </p:txBody>
       </p:sp>
       <p:sp>
         <p:nvSpPr>
-          <p:cNvPr id="133" name="Shape 133"/>
+          <p:cNvPr id="144" name="Shape 144"/>
           <p:cNvSpPr txBox="1"/>
           <p:nvPr>
-            <p:ph idx="1" type="body"/>
+            <p:ph idx="4294967295" type="subTitle"/>
           </p:nvPr>
         </p:nvSpPr>
         <p:spPr>
           <a:xfrm>
-            <a:off x="786150" y="1682267"/>
-            <a:ext cx="7571700" cy="4764900"/>
+            <a:off x="2891850" y="3235263"/>
+            <a:ext cx="3360300" cy="1046400"/>
           </a:xfrm>
           <a:prstGeom prst="rect">
             <a:avLst/>
@@ -8843,42 +9314,26 @@
           </a:bodyPr>
           <a:lstStyle/>
           <a:p>
-            <a:pPr indent="-317500" lvl="0" marL="457200" rtl="0" algn="just">
+            <a:pPr indent="0" lvl="0" marL="0" rtl="0">
               <a:spcBef>
                 <a:spcPts val="600"/>
               </a:spcBef>
               <a:spcAft>
                 <a:spcPts val="0"/>
               </a:spcAft>
-              <a:buSzPts val="1400"/>
-              <a:buChar char="◎"/>
+              <a:buNone/>
             </a:pPr>
             <a:r>
-              <a:rPr lang="en" sz="1400"/>
-              <a:t>Implement backend</a:t>
+              <a:rPr b="1" lang="en" sz="3600"/>
+              <a:t>Any questions?</a:t>
             </a:r>
-            <a:endParaRPr sz="1400"/>
-          </a:p>
-          <a:p>
-            <a:pPr indent="0" lvl="0" marL="0" rtl="0">
-              <a:spcBef>
-                <a:spcPts val="1000"/>
-              </a:spcBef>
-              <a:spcAft>
-                <a:spcPts val="0"/>
-              </a:spcAft>
-              <a:buNone/>
-            </a:pPr>
-            <a:r>
-              <a:t/>
-            </a:r>
-            <a:endParaRPr/>
+            <a:endParaRPr b="1" sz="3600"/>
           </a:p>
         </p:txBody>
       </p:sp>
       <p:sp>
         <p:nvSpPr>
-          <p:cNvPr id="134" name="Shape 134"/>
+          <p:cNvPr id="145" name="Shape 145"/>
           <p:cNvSpPr txBox="1"/>
           <p:nvPr>
             <p:ph idx="12" type="sldNum"/>

--- a/Phase 2/Slides.pptx
+++ b/Phase 2/Slides.pptx
@@ -1,41 +1,41 @@
 
 <file path=ppt/presentation.xml><?xml version="1.0" encoding="utf-8"?>
-<p:presentation xmlns:a="http://schemas.openxmlformats.org/drawingml/2006/main" xmlns:r="http://schemas.openxmlformats.org/officeDocument/2006/relationships" xmlns:mc="http://schemas.openxmlformats.org/markup-compatibility/2006" xmlns:mv="urn:schemas-microsoft-com:mac:vml" xmlns:p="http://schemas.openxmlformats.org/presentationml/2006/main" xmlns:c="http://schemas.openxmlformats.org/drawingml/2006/chart" xmlns:dgm="http://schemas.openxmlformats.org/drawingml/2006/diagram" xmlns:o="urn:schemas-microsoft-com:office:office" xmlns:v="urn:schemas-microsoft-com:vml" xmlns:pvml="urn:schemas-microsoft-com:office:powerpoint" xmlns:com="http://schemas.openxmlformats.org/drawingml/2006/compatibility" xmlns:p14="http://schemas.microsoft.com/office/powerpoint/2010/main" xmlns:p15="http://schemas.microsoft.com/office/powerpoint/2012/main" autoCompressPictures="0" embedTrueTypeFonts="1" strictFirstAndLastChars="0" saveSubsetFonts="1" showSpecialPlsOnTitleSld="0">
+<p:presentation xmlns:a="http://schemas.openxmlformats.org/drawingml/2006/main" xmlns:r="http://schemas.openxmlformats.org/officeDocument/2006/relationships" xmlns:p="http://schemas.openxmlformats.org/presentationml/2006/main" showSpecialPlsOnTitleSld="0" strictFirstAndLastChars="0" embedTrueTypeFonts="1" saveSubsetFonts="1" autoCompressPictures="0">
   <p:sldMasterIdLst>
-    <p:sldMasterId id="2147483658" r:id="rId3"/>
+    <p:sldMasterId id="2147483658" r:id="rId1"/>
   </p:sldMasterIdLst>
   <p:notesMasterIdLst>
-    <p:notesMasterId r:id="rId4"/>
+    <p:notesMasterId r:id="rId11"/>
   </p:notesMasterIdLst>
   <p:sldIdLst>
-    <p:sldId id="256" r:id="rId5"/>
-    <p:sldId id="257" r:id="rId6"/>
-    <p:sldId id="258" r:id="rId7"/>
-    <p:sldId id="259" r:id="rId8"/>
-    <p:sldId id="260" r:id="rId9"/>
-    <p:sldId id="261" r:id="rId10"/>
-    <p:sldId id="262" r:id="rId11"/>
-    <p:sldId id="263" r:id="rId12"/>
-    <p:sldId id="264" r:id="rId13"/>
+    <p:sldId id="256" r:id="rId2"/>
+    <p:sldId id="257" r:id="rId3"/>
+    <p:sldId id="258" r:id="rId4"/>
+    <p:sldId id="259" r:id="rId5"/>
+    <p:sldId id="260" r:id="rId6"/>
+    <p:sldId id="261" r:id="rId7"/>
+    <p:sldId id="262" r:id="rId8"/>
+    <p:sldId id="263" r:id="rId9"/>
+    <p:sldId id="264" r:id="rId10"/>
   </p:sldIdLst>
-  <p:sldSz cy="6858000" cx="9144000"/>
+  <p:sldSz cx="9144000" cy="6858000" type="screen4x3"/>
   <p:notesSz cx="6858000" cy="9144000"/>
   <p:embeddedFontLst>
     <p:embeddedFont>
-      <p:font typeface="Roboto Slab"/>
+      <p:font typeface="Roboto Slab" pitchFamily="2" charset="0"/>
+      <p:regular r:id="rId12"/>
+      <p:bold r:id="rId13"/>
+    </p:embeddedFont>
+    <p:embeddedFont>
+      <p:font typeface="Source Sans Pro" charset="0"/>
       <p:regular r:id="rId14"/>
       <p:bold r:id="rId15"/>
-    </p:embeddedFont>
-    <p:embeddedFont>
-      <p:font typeface="Source Sans Pro"/>
-      <p:regular r:id="rId16"/>
-      <p:bold r:id="rId17"/>
-      <p:italic r:id="rId18"/>
-      <p:boldItalic r:id="rId19"/>
+      <p:italic r:id="rId16"/>
+      <p:boldItalic r:id="rId17"/>
     </p:embeddedFont>
   </p:embeddedFontLst>
   <p:defaultTextStyle>
-    <a:defPPr lvl="0" marR="0" rtl="0" algn="l">
+    <a:defPPr marR="0" lvl="0" algn="l" rtl="0">
       <a:lnSpc>
         <a:spcPct val="100000"/>
       </a:lnSpc>
@@ -46,7 +46,7 @@
         <a:spcPts val="0"/>
       </a:spcAft>
     </a:defPPr>
-    <a:lvl1pPr lvl="0" marR="0" rtl="0" algn="l">
+    <a:lvl1pPr marR="0" lvl="0" algn="l" rtl="0">
       <a:lnSpc>
         <a:spcPct val="100000"/>
       </a:lnSpc>
@@ -60,7 +60,7 @@
         <a:srgbClr val="000000"/>
       </a:buClr>
       <a:buFont typeface="Arial"/>
-      <a:defRPr b="0" i="0" sz="1400" u="none" cap="none" strike="noStrike">
+      <a:defRPr sz="1400" b="0" i="0" u="none" strike="noStrike" cap="none">
         <a:solidFill>
           <a:srgbClr val="000000"/>
         </a:solidFill>
@@ -70,7 +70,7 @@
         <a:sym typeface="Arial"/>
       </a:defRPr>
     </a:lvl1pPr>
-    <a:lvl2pPr lvl="1" marR="0" rtl="0" algn="l">
+    <a:lvl2pPr marR="0" lvl="1" algn="l" rtl="0">
       <a:lnSpc>
         <a:spcPct val="100000"/>
       </a:lnSpc>
@@ -84,7 +84,7 @@
         <a:srgbClr val="000000"/>
       </a:buClr>
       <a:buFont typeface="Arial"/>
-      <a:defRPr b="0" i="0" sz="1400" u="none" cap="none" strike="noStrike">
+      <a:defRPr sz="1400" b="0" i="0" u="none" strike="noStrike" cap="none">
         <a:solidFill>
           <a:srgbClr val="000000"/>
         </a:solidFill>
@@ -94,7 +94,7 @@
         <a:sym typeface="Arial"/>
       </a:defRPr>
     </a:lvl2pPr>
-    <a:lvl3pPr lvl="2" marR="0" rtl="0" algn="l">
+    <a:lvl3pPr marR="0" lvl="2" algn="l" rtl="0">
       <a:lnSpc>
         <a:spcPct val="100000"/>
       </a:lnSpc>
@@ -108,7 +108,7 @@
         <a:srgbClr val="000000"/>
       </a:buClr>
       <a:buFont typeface="Arial"/>
-      <a:defRPr b="0" i="0" sz="1400" u="none" cap="none" strike="noStrike">
+      <a:defRPr sz="1400" b="0" i="0" u="none" strike="noStrike" cap="none">
         <a:solidFill>
           <a:srgbClr val="000000"/>
         </a:solidFill>
@@ -118,7 +118,7 @@
         <a:sym typeface="Arial"/>
       </a:defRPr>
     </a:lvl3pPr>
-    <a:lvl4pPr lvl="3" marR="0" rtl="0" algn="l">
+    <a:lvl4pPr marR="0" lvl="3" algn="l" rtl="0">
       <a:lnSpc>
         <a:spcPct val="100000"/>
       </a:lnSpc>
@@ -132,7 +132,7 @@
         <a:srgbClr val="000000"/>
       </a:buClr>
       <a:buFont typeface="Arial"/>
-      <a:defRPr b="0" i="0" sz="1400" u="none" cap="none" strike="noStrike">
+      <a:defRPr sz="1400" b="0" i="0" u="none" strike="noStrike" cap="none">
         <a:solidFill>
           <a:srgbClr val="000000"/>
         </a:solidFill>
@@ -142,7 +142,7 @@
         <a:sym typeface="Arial"/>
       </a:defRPr>
     </a:lvl4pPr>
-    <a:lvl5pPr lvl="4" marR="0" rtl="0" algn="l">
+    <a:lvl5pPr marR="0" lvl="4" algn="l" rtl="0">
       <a:lnSpc>
         <a:spcPct val="100000"/>
       </a:lnSpc>
@@ -156,7 +156,7 @@
         <a:srgbClr val="000000"/>
       </a:buClr>
       <a:buFont typeface="Arial"/>
-      <a:defRPr b="0" i="0" sz="1400" u="none" cap="none" strike="noStrike">
+      <a:defRPr sz="1400" b="0" i="0" u="none" strike="noStrike" cap="none">
         <a:solidFill>
           <a:srgbClr val="000000"/>
         </a:solidFill>
@@ -166,7 +166,7 @@
         <a:sym typeface="Arial"/>
       </a:defRPr>
     </a:lvl5pPr>
-    <a:lvl6pPr lvl="5" marR="0" rtl="0" algn="l">
+    <a:lvl6pPr marR="0" lvl="5" algn="l" rtl="0">
       <a:lnSpc>
         <a:spcPct val="100000"/>
       </a:lnSpc>
@@ -180,7 +180,7 @@
         <a:srgbClr val="000000"/>
       </a:buClr>
       <a:buFont typeface="Arial"/>
-      <a:defRPr b="0" i="0" sz="1400" u="none" cap="none" strike="noStrike">
+      <a:defRPr sz="1400" b="0" i="0" u="none" strike="noStrike" cap="none">
         <a:solidFill>
           <a:srgbClr val="000000"/>
         </a:solidFill>
@@ -190,7 +190,7 @@
         <a:sym typeface="Arial"/>
       </a:defRPr>
     </a:lvl6pPr>
-    <a:lvl7pPr lvl="6" marR="0" rtl="0" algn="l">
+    <a:lvl7pPr marR="0" lvl="6" algn="l" rtl="0">
       <a:lnSpc>
         <a:spcPct val="100000"/>
       </a:lnSpc>
@@ -204,7 +204,7 @@
         <a:srgbClr val="000000"/>
       </a:buClr>
       <a:buFont typeface="Arial"/>
-      <a:defRPr b="0" i="0" sz="1400" u="none" cap="none" strike="noStrike">
+      <a:defRPr sz="1400" b="0" i="0" u="none" strike="noStrike" cap="none">
         <a:solidFill>
           <a:srgbClr val="000000"/>
         </a:solidFill>
@@ -214,7 +214,7 @@
         <a:sym typeface="Arial"/>
       </a:defRPr>
     </a:lvl7pPr>
-    <a:lvl8pPr lvl="7" marR="0" rtl="0" algn="l">
+    <a:lvl8pPr marR="0" lvl="7" algn="l" rtl="0">
       <a:lnSpc>
         <a:spcPct val="100000"/>
       </a:lnSpc>
@@ -228,7 +228,7 @@
         <a:srgbClr val="000000"/>
       </a:buClr>
       <a:buFont typeface="Arial"/>
-      <a:defRPr b="0" i="0" sz="1400" u="none" cap="none" strike="noStrike">
+      <a:defRPr sz="1400" b="0" i="0" u="none" strike="noStrike" cap="none">
         <a:solidFill>
           <a:srgbClr val="000000"/>
         </a:solidFill>
@@ -238,7 +238,7 @@
         <a:sym typeface="Arial"/>
       </a:defRPr>
     </a:lvl8pPr>
-    <a:lvl9pPr lvl="8" marR="0" rtl="0" algn="l">
+    <a:lvl9pPr marR="0" lvl="8" algn="l" rtl="0">
       <a:lnSpc>
         <a:spcPct val="100000"/>
       </a:lnSpc>
@@ -252,7 +252,7 @@
         <a:srgbClr val="000000"/>
       </a:buClr>
       <a:buFont typeface="Arial"/>
-      <a:defRPr b="0" i="0" sz="1400" u="none" cap="none" strike="noStrike">
+      <a:defRPr sz="1400" b="0" i="0" u="none" strike="noStrike" cap="none">
         <a:solidFill>
           <a:srgbClr val="000000"/>
         </a:solidFill>
@@ -267,11 +267,16 @@
 </file>
 
 <file path=ppt/notesMasters/notesMaster1.xml><?xml version="1.0" encoding="utf-8"?>
-<p:notesMaster xmlns:a="http://schemas.openxmlformats.org/drawingml/2006/main" xmlns:r="http://schemas.openxmlformats.org/officeDocument/2006/relationships" xmlns:mc="http://schemas.openxmlformats.org/markup-compatibility/2006" xmlns:mv="urn:schemas-microsoft-com:mac:vml" xmlns:p="http://schemas.openxmlformats.org/presentationml/2006/main" xmlns:c="http://schemas.openxmlformats.org/drawingml/2006/chart" xmlns:dgm="http://schemas.openxmlformats.org/drawingml/2006/diagram" xmlns:o="urn:schemas-microsoft-com:office:office" xmlns:v="urn:schemas-microsoft-com:vml" xmlns:pvml="urn:schemas-microsoft-com:office:powerpoint" xmlns:com="http://schemas.openxmlformats.org/drawingml/2006/compatibility" xmlns:p14="http://schemas.microsoft.com/office/powerpoint/2010/main" xmlns:p15="http://schemas.microsoft.com/office/powerpoint/2012/main">
+<p:notesMaster xmlns:a="http://schemas.openxmlformats.org/drawingml/2006/main" xmlns:r="http://schemas.openxmlformats.org/officeDocument/2006/relationships" xmlns:p="http://schemas.openxmlformats.org/presentationml/2006/main">
   <p:cSld>
+    <p:bg>
+      <p:bgRef idx="1001">
+        <a:schemeClr val="bg1"/>
+      </p:bgRef>
+    </p:bg>
     <p:spTree>
       <p:nvGrpSpPr>
-        <p:cNvPr id="2" name="Shape 2"/>
+        <p:cNvPr id="1" name="Shape 2"/>
         <p:cNvGrpSpPr/>
         <p:nvPr/>
       </p:nvGrpSpPr>
@@ -286,9 +291,11 @@
       <p:sp>
         <p:nvSpPr>
           <p:cNvPr id="3" name="Shape 3"/>
-          <p:cNvSpPr/>
+          <p:cNvSpPr>
+            <a:spLocks noGrp="1" noRot="1" noChangeAspect="1"/>
+          </p:cNvSpPr>
           <p:nvPr>
-            <p:ph idx="2" type="sldImg"/>
+            <p:ph type="sldImg" idx="2"/>
           </p:nvPr>
         </p:nvSpPr>
         <p:spPr>
@@ -297,8 +304,13 @@
             <a:ext cx="4572300" cy="3429000"/>
           </a:xfrm>
           <a:custGeom>
+            <a:avLst/>
+            <a:gdLst/>
+            <a:ahLst/>
+            <a:cxnLst/>
+            <a:rect l="0" t="0" r="0" b="0"/>
             <a:pathLst>
-              <a:path extrusionOk="0" h="120000" w="120000">
+              <a:path w="120000" h="120000" extrusionOk="0">
                 <a:moveTo>
                   <a:pt x="0" y="0"/>
                 </a:moveTo>
@@ -316,23 +328,25 @@
             </a:pathLst>
           </a:custGeom>
           <a:noFill/>
-          <a:ln cap="flat" cmpd="sng" w="9525">
+          <a:ln w="9525" cap="flat" cmpd="sng">
             <a:solidFill>
               <a:srgbClr val="000000"/>
             </a:solidFill>
             <a:prstDash val="solid"/>
             <a:round/>
-            <a:headEnd len="sm" w="sm" type="none"/>
-            <a:tailEnd len="sm" w="sm" type="none"/>
+            <a:headEnd type="none" w="sm" len="sm"/>
+            <a:tailEnd type="none" w="sm" len="sm"/>
           </a:ln>
         </p:spPr>
       </p:sp>
       <p:sp>
         <p:nvSpPr>
           <p:cNvPr id="4" name="Shape 4"/>
-          <p:cNvSpPr txBox="1"/>
+          <p:cNvSpPr txBox="1">
+            <a:spLocks noGrp="1"/>
+          </p:cNvSpPr>
           <p:nvPr>
-            <p:ph idx="1" type="body"/>
+            <p:ph type="body" idx="1"/>
           </p:nvPr>
         </p:nvSpPr>
         <p:spPr>
@@ -349,9 +363,9 @@
           </a:ln>
         </p:spPr>
         <p:txBody>
-          <a:bodyPr anchorCtr="0" anchor="t" bIns="91425" lIns="91425" spcFirstLastPara="1" rIns="91425" wrap="square" tIns="91425"/>
+          <a:bodyPr spcFirstLastPara="1" wrap="square" lIns="91425" tIns="91425" rIns="91425" bIns="91425" anchor="t" anchorCtr="0"/>
           <a:lstStyle>
-            <a:lvl1pPr indent="-317500" lvl="0" marL="457200">
+            <a:lvl1pPr marL="457200" lvl="0" indent="-317500">
               <a:spcBef>
                 <a:spcPts val="0"/>
               </a:spcBef>
@@ -362,7 +376,7 @@
               <a:buChar char="●"/>
               <a:defRPr sz="1100"/>
             </a:lvl1pPr>
-            <a:lvl2pPr indent="-317500" lvl="1" marL="914400">
+            <a:lvl2pPr marL="914400" lvl="1" indent="-317500">
               <a:spcBef>
                 <a:spcPts val="0"/>
               </a:spcBef>
@@ -373,7 +387,7 @@
               <a:buChar char="○"/>
               <a:defRPr sz="1100"/>
             </a:lvl2pPr>
-            <a:lvl3pPr indent="-317500" lvl="2" marL="1371600">
+            <a:lvl3pPr marL="1371600" lvl="2" indent="-317500">
               <a:spcBef>
                 <a:spcPts val="0"/>
               </a:spcBef>
@@ -384,7 +398,7 @@
               <a:buChar char="■"/>
               <a:defRPr sz="1100"/>
             </a:lvl3pPr>
-            <a:lvl4pPr indent="-317500" lvl="3" marL="1828800">
+            <a:lvl4pPr marL="1828800" lvl="3" indent="-317500">
               <a:spcBef>
                 <a:spcPts val="0"/>
               </a:spcBef>
@@ -395,7 +409,7 @@
               <a:buChar char="●"/>
               <a:defRPr sz="1100"/>
             </a:lvl4pPr>
-            <a:lvl5pPr indent="-317500" lvl="4" marL="2286000">
+            <a:lvl5pPr marL="2286000" lvl="4" indent="-317500">
               <a:spcBef>
                 <a:spcPts val="0"/>
               </a:spcBef>
@@ -406,7 +420,7 @@
               <a:buChar char="○"/>
               <a:defRPr sz="1100"/>
             </a:lvl5pPr>
-            <a:lvl6pPr indent="-317500" lvl="5" marL="2743200">
+            <a:lvl6pPr marL="2743200" lvl="5" indent="-317500">
               <a:spcBef>
                 <a:spcPts val="0"/>
               </a:spcBef>
@@ -417,7 +431,7 @@
               <a:buChar char="■"/>
               <a:defRPr sz="1100"/>
             </a:lvl6pPr>
-            <a:lvl7pPr indent="-317500" lvl="6" marL="3200400">
+            <a:lvl7pPr marL="3200400" lvl="6" indent="-317500">
               <a:spcBef>
                 <a:spcPts val="0"/>
               </a:spcBef>
@@ -428,7 +442,7 @@
               <a:buChar char="●"/>
               <a:defRPr sz="1100"/>
             </a:lvl7pPr>
-            <a:lvl8pPr indent="-317500" lvl="7" marL="3657600">
+            <a:lvl8pPr marL="3657600" lvl="7" indent="-317500">
               <a:spcBef>
                 <a:spcPts val="0"/>
               </a:spcBef>
@@ -439,7 +453,7 @@
               <a:buChar char="○"/>
               <a:defRPr sz="1100"/>
             </a:lvl8pPr>
-            <a:lvl9pPr indent="-317500" lvl="8" marL="4114800">
+            <a:lvl9pPr marL="4114800" lvl="8" indent="-317500">
               <a:spcBef>
                 <a:spcPts val="0"/>
               </a:spcBef>
@@ -451,14 +465,16 @@
               <a:defRPr sz="1100"/>
             </a:lvl9pPr>
           </a:lstStyle>
-          <a:p/>
+          <a:p>
+            <a:endParaRPr/>
+          </a:p>
         </p:txBody>
       </p:sp>
     </p:spTree>
   </p:cSld>
-  <p:clrMap accent1="accent1" accent2="accent2" accent3="accent3" accent4="accent4" accent5="accent5" accent6="accent6" bg1="lt1" bg2="dk2" tx1="dk1" tx2="lt2" folHlink="folHlink" hlink="hlink"/>
+  <p:clrMap bg1="lt1" tx1="dk1" bg2="dk2" tx2="lt2" accent1="accent1" accent2="accent2" accent3="accent3" accent4="accent4" accent5="accent5" accent6="accent6" hlink="hlink" folHlink="folHlink"/>
   <p:notesStyle>
-    <a:defPPr lvl="0" marR="0" rtl="0" algn="l">
+    <a:defPPr marR="0" lvl="0" algn="l" rtl="0">
       <a:lnSpc>
         <a:spcPct val="100000"/>
       </a:lnSpc>
@@ -469,7 +485,7 @@
         <a:spcPts val="0"/>
       </a:spcAft>
     </a:defPPr>
-    <a:lvl1pPr lvl="0" marR="0" rtl="0" algn="l">
+    <a:lvl1pPr marR="0" lvl="0" algn="l" rtl="0">
       <a:lnSpc>
         <a:spcPct val="100000"/>
       </a:lnSpc>
@@ -483,7 +499,7 @@
         <a:srgbClr val="000000"/>
       </a:buClr>
       <a:buFont typeface="Arial"/>
-      <a:defRPr b="0" i="0" sz="1400" u="none" cap="none" strike="noStrike">
+      <a:defRPr sz="1400" b="0" i="0" u="none" strike="noStrike" cap="none">
         <a:solidFill>
           <a:srgbClr val="000000"/>
         </a:solidFill>
@@ -493,7 +509,7 @@
         <a:sym typeface="Arial"/>
       </a:defRPr>
     </a:lvl1pPr>
-    <a:lvl2pPr lvl="1" marR="0" rtl="0" algn="l">
+    <a:lvl2pPr marR="0" lvl="1" algn="l" rtl="0">
       <a:lnSpc>
         <a:spcPct val="100000"/>
       </a:lnSpc>
@@ -507,7 +523,7 @@
         <a:srgbClr val="000000"/>
       </a:buClr>
       <a:buFont typeface="Arial"/>
-      <a:defRPr b="0" i="0" sz="1400" u="none" cap="none" strike="noStrike">
+      <a:defRPr sz="1400" b="0" i="0" u="none" strike="noStrike" cap="none">
         <a:solidFill>
           <a:srgbClr val="000000"/>
         </a:solidFill>
@@ -517,7 +533,7 @@
         <a:sym typeface="Arial"/>
       </a:defRPr>
     </a:lvl2pPr>
-    <a:lvl3pPr lvl="2" marR="0" rtl="0" algn="l">
+    <a:lvl3pPr marR="0" lvl="2" algn="l" rtl="0">
       <a:lnSpc>
         <a:spcPct val="100000"/>
       </a:lnSpc>
@@ -531,7 +547,7 @@
         <a:srgbClr val="000000"/>
       </a:buClr>
       <a:buFont typeface="Arial"/>
-      <a:defRPr b="0" i="0" sz="1400" u="none" cap="none" strike="noStrike">
+      <a:defRPr sz="1400" b="0" i="0" u="none" strike="noStrike" cap="none">
         <a:solidFill>
           <a:srgbClr val="000000"/>
         </a:solidFill>
@@ -541,7 +557,7 @@
         <a:sym typeface="Arial"/>
       </a:defRPr>
     </a:lvl3pPr>
-    <a:lvl4pPr lvl="3" marR="0" rtl="0" algn="l">
+    <a:lvl4pPr marR="0" lvl="3" algn="l" rtl="0">
       <a:lnSpc>
         <a:spcPct val="100000"/>
       </a:lnSpc>
@@ -555,7 +571,7 @@
         <a:srgbClr val="000000"/>
       </a:buClr>
       <a:buFont typeface="Arial"/>
-      <a:defRPr b="0" i="0" sz="1400" u="none" cap="none" strike="noStrike">
+      <a:defRPr sz="1400" b="0" i="0" u="none" strike="noStrike" cap="none">
         <a:solidFill>
           <a:srgbClr val="000000"/>
         </a:solidFill>
@@ -565,7 +581,7 @@
         <a:sym typeface="Arial"/>
       </a:defRPr>
     </a:lvl4pPr>
-    <a:lvl5pPr lvl="4" marR="0" rtl="0" algn="l">
+    <a:lvl5pPr marR="0" lvl="4" algn="l" rtl="0">
       <a:lnSpc>
         <a:spcPct val="100000"/>
       </a:lnSpc>
@@ -579,7 +595,7 @@
         <a:srgbClr val="000000"/>
       </a:buClr>
       <a:buFont typeface="Arial"/>
-      <a:defRPr b="0" i="0" sz="1400" u="none" cap="none" strike="noStrike">
+      <a:defRPr sz="1400" b="0" i="0" u="none" strike="noStrike" cap="none">
         <a:solidFill>
           <a:srgbClr val="000000"/>
         </a:solidFill>
@@ -589,7 +605,7 @@
         <a:sym typeface="Arial"/>
       </a:defRPr>
     </a:lvl5pPr>
-    <a:lvl6pPr lvl="5" marR="0" rtl="0" algn="l">
+    <a:lvl6pPr marR="0" lvl="5" algn="l" rtl="0">
       <a:lnSpc>
         <a:spcPct val="100000"/>
       </a:lnSpc>
@@ -603,7 +619,7 @@
         <a:srgbClr val="000000"/>
       </a:buClr>
       <a:buFont typeface="Arial"/>
-      <a:defRPr b="0" i="0" sz="1400" u="none" cap="none" strike="noStrike">
+      <a:defRPr sz="1400" b="0" i="0" u="none" strike="noStrike" cap="none">
         <a:solidFill>
           <a:srgbClr val="000000"/>
         </a:solidFill>
@@ -613,7 +629,7 @@
         <a:sym typeface="Arial"/>
       </a:defRPr>
     </a:lvl6pPr>
-    <a:lvl7pPr lvl="6" marR="0" rtl="0" algn="l">
+    <a:lvl7pPr marR="0" lvl="6" algn="l" rtl="0">
       <a:lnSpc>
         <a:spcPct val="100000"/>
       </a:lnSpc>
@@ -627,7 +643,7 @@
         <a:srgbClr val="000000"/>
       </a:buClr>
       <a:buFont typeface="Arial"/>
-      <a:defRPr b="0" i="0" sz="1400" u="none" cap="none" strike="noStrike">
+      <a:defRPr sz="1400" b="0" i="0" u="none" strike="noStrike" cap="none">
         <a:solidFill>
           <a:srgbClr val="000000"/>
         </a:solidFill>
@@ -637,7 +653,7 @@
         <a:sym typeface="Arial"/>
       </a:defRPr>
     </a:lvl7pPr>
-    <a:lvl8pPr lvl="7" marR="0" rtl="0" algn="l">
+    <a:lvl8pPr marR="0" lvl="7" algn="l" rtl="0">
       <a:lnSpc>
         <a:spcPct val="100000"/>
       </a:lnSpc>
@@ -651,7 +667,7 @@
         <a:srgbClr val="000000"/>
       </a:buClr>
       <a:buFont typeface="Arial"/>
-      <a:defRPr b="0" i="0" sz="1400" u="none" cap="none" strike="noStrike">
+      <a:defRPr sz="1400" b="0" i="0" u="none" strike="noStrike" cap="none">
         <a:solidFill>
           <a:srgbClr val="000000"/>
         </a:solidFill>
@@ -661,7 +677,7 @@
         <a:sym typeface="Arial"/>
       </a:defRPr>
     </a:lvl8pPr>
-    <a:lvl9pPr lvl="8" marR="0" rtl="0" algn="l">
+    <a:lvl9pPr marR="0" lvl="8" algn="l" rtl="0">
       <a:lnSpc>
         <a:spcPct val="100000"/>
       </a:lnSpc>
@@ -675,7 +691,7 @@
         <a:srgbClr val="000000"/>
       </a:buClr>
       <a:buFont typeface="Arial"/>
-      <a:defRPr b="0" i="0" sz="1400" u="none" cap="none" strike="noStrike">
+      <a:defRPr sz="1400" b="0" i="0" u="none" strike="noStrike" cap="none">
         <a:solidFill>
           <a:srgbClr val="000000"/>
         </a:solidFill>
@@ -690,11 +706,11 @@
 </file>
 
 <file path=ppt/notesSlides/notesSlide1.xml><?xml version="1.0" encoding="utf-8"?>
-<p:notes xmlns:a="http://schemas.openxmlformats.org/drawingml/2006/main" xmlns:r="http://schemas.openxmlformats.org/officeDocument/2006/relationships" xmlns:mc="http://schemas.openxmlformats.org/markup-compatibility/2006" xmlns:mv="urn:schemas-microsoft-com:mac:vml" xmlns:p="http://schemas.openxmlformats.org/presentationml/2006/main" xmlns:c="http://schemas.openxmlformats.org/drawingml/2006/chart" xmlns:dgm="http://schemas.openxmlformats.org/drawingml/2006/diagram" xmlns:o="urn:schemas-microsoft-com:office:office" xmlns:v="urn:schemas-microsoft-com:vml" xmlns:pvml="urn:schemas-microsoft-com:office:powerpoint" xmlns:com="http://schemas.openxmlformats.org/drawingml/2006/compatibility" xmlns:p14="http://schemas.microsoft.com/office/powerpoint/2010/main" xmlns:p15="http://schemas.microsoft.com/office/powerpoint/2012/main" showMasterPhAnim="0" showMasterSp="0">
+<p:notes xmlns:a="http://schemas.openxmlformats.org/drawingml/2006/main" xmlns:r="http://schemas.openxmlformats.org/officeDocument/2006/relationships" xmlns:p="http://schemas.openxmlformats.org/presentationml/2006/main" showMasterSp="0" showMasterPhAnim="0">
   <p:cSld>
     <p:spTree>
       <p:nvGrpSpPr>
-        <p:cNvPr id="66" name="Shape 66"/>
+        <p:cNvPr id="1" name="Shape 66"/>
         <p:cNvGrpSpPr/>
         <p:nvPr/>
       </p:nvGrpSpPr>
@@ -709,9 +725,11 @@
       <p:sp>
         <p:nvSpPr>
           <p:cNvPr id="67" name="Shape 67"/>
-          <p:cNvSpPr/>
+          <p:cNvSpPr>
+            <a:spLocks noGrp="1" noRot="1" noChangeAspect="1"/>
+          </p:cNvSpPr>
           <p:nvPr>
-            <p:ph idx="2" type="sldImg"/>
+            <p:ph type="sldImg" idx="2"/>
           </p:nvPr>
         </p:nvSpPr>
         <p:spPr>
@@ -720,8 +738,13 @@
             <a:ext cx="4572300" cy="3429000"/>
           </a:xfrm>
           <a:custGeom>
+            <a:avLst/>
+            <a:gdLst/>
+            <a:ahLst/>
+            <a:cxnLst/>
+            <a:rect l="0" t="0" r="0" b="0"/>
             <a:pathLst>
-              <a:path extrusionOk="0" h="120000" w="120000">
+              <a:path w="120000" h="120000" extrusionOk="0">
                 <a:moveTo>
                   <a:pt x="0" y="0"/>
                 </a:moveTo>
@@ -743,9 +766,11 @@
       <p:sp>
         <p:nvSpPr>
           <p:cNvPr id="68" name="Shape 68"/>
-          <p:cNvSpPr txBox="1"/>
+          <p:cNvSpPr txBox="1">
+            <a:spLocks noGrp="1"/>
+          </p:cNvSpPr>
           <p:nvPr>
-            <p:ph idx="1" type="body"/>
+            <p:ph type="body" idx="1"/>
           </p:nvPr>
         </p:nvSpPr>
         <p:spPr>
@@ -758,12 +783,12 @@
           </a:prstGeom>
         </p:spPr>
         <p:txBody>
-          <a:bodyPr anchorCtr="0" anchor="t" bIns="91425" lIns="91425" spcFirstLastPara="1" rIns="91425" wrap="square" tIns="91425">
+          <a:bodyPr spcFirstLastPara="1" wrap="square" lIns="91425" tIns="91425" rIns="91425" bIns="91425" anchor="t" anchorCtr="0">
             <a:noAutofit/>
           </a:bodyPr>
           <a:lstStyle/>
           <a:p>
-            <a:pPr indent="0" lvl="0" marL="0">
+            <a:pPr marL="0" lvl="0" indent="0">
               <a:spcBef>
                 <a:spcPts val="0"/>
               </a:spcBef>
@@ -789,11 +814,11 @@
 </file>
 
 <file path=ppt/notesSlides/notesSlide2.xml><?xml version="1.0" encoding="utf-8"?>
-<p:notes xmlns:a="http://schemas.openxmlformats.org/drawingml/2006/main" xmlns:r="http://schemas.openxmlformats.org/officeDocument/2006/relationships" xmlns:mc="http://schemas.openxmlformats.org/markup-compatibility/2006" xmlns:mv="urn:schemas-microsoft-com:mac:vml" xmlns:p="http://schemas.openxmlformats.org/presentationml/2006/main" xmlns:c="http://schemas.openxmlformats.org/drawingml/2006/chart" xmlns:dgm="http://schemas.openxmlformats.org/drawingml/2006/diagram" xmlns:o="urn:schemas-microsoft-com:office:office" xmlns:v="urn:schemas-microsoft-com:vml" xmlns:pvml="urn:schemas-microsoft-com:office:powerpoint" xmlns:com="http://schemas.openxmlformats.org/drawingml/2006/compatibility" xmlns:p14="http://schemas.microsoft.com/office/powerpoint/2010/main" xmlns:p15="http://schemas.microsoft.com/office/powerpoint/2012/main" showMasterPhAnim="0" showMasterSp="0">
+<p:notes xmlns:a="http://schemas.openxmlformats.org/drawingml/2006/main" xmlns:r="http://schemas.openxmlformats.org/officeDocument/2006/relationships" xmlns:p="http://schemas.openxmlformats.org/presentationml/2006/main" showMasterSp="0" showMasterPhAnim="0">
   <p:cSld>
     <p:spTree>
       <p:nvGrpSpPr>
-        <p:cNvPr id="73" name="Shape 73"/>
+        <p:cNvPr id="1" name="Shape 73"/>
         <p:cNvGrpSpPr/>
         <p:nvPr/>
       </p:nvGrpSpPr>
@@ -808,9 +833,11 @@
       <p:sp>
         <p:nvSpPr>
           <p:cNvPr id="74" name="Shape 74"/>
-          <p:cNvSpPr/>
+          <p:cNvSpPr>
+            <a:spLocks noGrp="1" noRot="1" noChangeAspect="1"/>
+          </p:cNvSpPr>
           <p:nvPr>
-            <p:ph idx="2" type="sldImg"/>
+            <p:ph type="sldImg" idx="2"/>
           </p:nvPr>
         </p:nvSpPr>
         <p:spPr>
@@ -819,8 +846,13 @@
             <a:ext cx="4572300" cy="3429000"/>
           </a:xfrm>
           <a:custGeom>
+            <a:avLst/>
+            <a:gdLst/>
+            <a:ahLst/>
+            <a:cxnLst/>
+            <a:rect l="0" t="0" r="0" b="0"/>
             <a:pathLst>
-              <a:path extrusionOk="0" h="120000" w="120000">
+              <a:path w="120000" h="120000" extrusionOk="0">
                 <a:moveTo>
                   <a:pt x="0" y="0"/>
                 </a:moveTo>
@@ -842,9 +874,11 @@
       <p:sp>
         <p:nvSpPr>
           <p:cNvPr id="75" name="Shape 75"/>
-          <p:cNvSpPr txBox="1"/>
+          <p:cNvSpPr txBox="1">
+            <a:spLocks noGrp="1"/>
+          </p:cNvSpPr>
           <p:nvPr>
-            <p:ph idx="1" type="body"/>
+            <p:ph type="body" idx="1"/>
           </p:nvPr>
         </p:nvSpPr>
         <p:spPr>
@@ -857,12 +891,12 @@
           </a:prstGeom>
         </p:spPr>
         <p:txBody>
-          <a:bodyPr anchorCtr="0" anchor="t" bIns="91425" lIns="91425" spcFirstLastPara="1" rIns="91425" wrap="square" tIns="91425">
+          <a:bodyPr spcFirstLastPara="1" wrap="square" lIns="91425" tIns="91425" rIns="91425" bIns="91425" anchor="t" anchorCtr="0">
             <a:noAutofit/>
           </a:bodyPr>
           <a:lstStyle/>
           <a:p>
-            <a:pPr indent="0" lvl="0" marL="0" rtl="0">
+            <a:pPr marL="0" lvl="0" indent="0" rtl="0">
               <a:spcBef>
                 <a:spcPts val="0"/>
               </a:spcBef>
@@ -888,11 +922,11 @@
 </file>
 
 <file path=ppt/notesSlides/notesSlide3.xml><?xml version="1.0" encoding="utf-8"?>
-<p:notes xmlns:a="http://schemas.openxmlformats.org/drawingml/2006/main" xmlns:r="http://schemas.openxmlformats.org/officeDocument/2006/relationships" xmlns:mc="http://schemas.openxmlformats.org/markup-compatibility/2006" xmlns:mv="urn:schemas-microsoft-com:mac:vml" xmlns:p="http://schemas.openxmlformats.org/presentationml/2006/main" xmlns:c="http://schemas.openxmlformats.org/drawingml/2006/chart" xmlns:dgm="http://schemas.openxmlformats.org/drawingml/2006/diagram" xmlns:o="urn:schemas-microsoft-com:office:office" xmlns:v="urn:schemas-microsoft-com:vml" xmlns:pvml="urn:schemas-microsoft-com:office:powerpoint" xmlns:com="http://schemas.openxmlformats.org/drawingml/2006/compatibility" xmlns:p14="http://schemas.microsoft.com/office/powerpoint/2010/main" xmlns:p15="http://schemas.microsoft.com/office/powerpoint/2012/main" showMasterPhAnim="0" showMasterSp="0">
+<p:notes xmlns:a="http://schemas.openxmlformats.org/drawingml/2006/main" xmlns:r="http://schemas.openxmlformats.org/officeDocument/2006/relationships" xmlns:p="http://schemas.openxmlformats.org/presentationml/2006/main" showMasterSp="0" showMasterPhAnim="0">
   <p:cSld>
     <p:spTree>
       <p:nvGrpSpPr>
-        <p:cNvPr id="86" name="Shape 86"/>
+        <p:cNvPr id="1" name="Shape 86"/>
         <p:cNvGrpSpPr/>
         <p:nvPr/>
       </p:nvGrpSpPr>
@@ -907,19 +941,26 @@
       <p:sp>
         <p:nvSpPr>
           <p:cNvPr id="87" name="Shape 87"/>
-          <p:cNvSpPr/>
+          <p:cNvSpPr>
+            <a:spLocks noGrp="1" noRot="1" noChangeAspect="1"/>
+          </p:cNvSpPr>
           <p:nvPr>
-            <p:ph idx="2" type="sldImg"/>
+            <p:ph type="sldImg" idx="2"/>
           </p:nvPr>
         </p:nvSpPr>
         <p:spPr>
           <a:xfrm>
-            <a:off x="1143225" y="685800"/>
-            <a:ext cx="4572300" cy="3429000"/>
+            <a:off x="1143000" y="685800"/>
+            <a:ext cx="4572000" cy="3429000"/>
           </a:xfrm>
           <a:custGeom>
+            <a:avLst/>
+            <a:gdLst/>
+            <a:ahLst/>
+            <a:cxnLst/>
+            <a:rect l="0" t="0" r="0" b="0"/>
             <a:pathLst>
-              <a:path extrusionOk="0" h="120000" w="120000">
+              <a:path w="120000" h="120000" extrusionOk="0">
                 <a:moveTo>
                   <a:pt x="0" y="0"/>
                 </a:moveTo>
@@ -941,9 +982,11 @@
       <p:sp>
         <p:nvSpPr>
           <p:cNvPr id="88" name="Shape 88"/>
-          <p:cNvSpPr txBox="1"/>
+          <p:cNvSpPr txBox="1">
+            <a:spLocks noGrp="1"/>
+          </p:cNvSpPr>
           <p:nvPr>
-            <p:ph idx="1" type="body"/>
+            <p:ph type="body" idx="1"/>
           </p:nvPr>
         </p:nvSpPr>
         <p:spPr>
@@ -956,12 +999,12 @@
           </a:prstGeom>
         </p:spPr>
         <p:txBody>
-          <a:bodyPr anchorCtr="0" anchor="t" bIns="91425" lIns="91425" spcFirstLastPara="1" rIns="91425" wrap="square" tIns="91425">
+          <a:bodyPr spcFirstLastPara="1" wrap="square" lIns="91425" tIns="91425" rIns="91425" bIns="91425" anchor="t" anchorCtr="0">
             <a:noAutofit/>
           </a:bodyPr>
           <a:lstStyle/>
           <a:p>
-            <a:pPr indent="0" lvl="0" marL="0">
+            <a:pPr marL="0" lvl="0" indent="0">
               <a:spcBef>
                 <a:spcPts val="0"/>
               </a:spcBef>
@@ -972,28 +1015,12 @@
             </a:pPr>
             <a:r>
               <a:rPr lang="en"/>
-              <a:t>Avant de commencer la démo, on va juste préciser quelques détails à propos du fonctionnement de l’application. La personne qui perd l’objet est un “publisher”. On va mettre un “range</a:t>
-            </a:r>
-            <a:r>
-              <a:rPr lang="en"/>
-              <a:t>"</a:t>
-            </a:r>
-            <a:r>
-              <a:rPr lang="en"/>
-              <a:t> de 0 mètre sur sa position actuelle. Le problème qui peut se poser dans ce cas, c’est si ladite personne publie </a:t>
-            </a:r>
-            <a:r>
-              <a:rPr lang="en"/>
-              <a:t>cette </a:t>
-            </a:r>
-            <a:r>
-              <a:rPr lang="en"/>
-              <a:t>publication dans un lieu où elle n’a pas perdu l’objet, cela peut poser problème pour trouver des matches. Sa publication va durer 1 jour, ce qui reste raisonnable, car, par exemple, on trouve souvent des posts sur Facebook pour des chargeurs oublié dans une salle, l’heure qui suit la perte de l’objet à l’UNIL.</a:t>
+              <a:t>Avant de commencer la démo, on va juste préciser quelques détails à propos du fonctionnement de l’application. La personne qui perd l’objet est un “publisher”. On va mettre un “range" de 0 mètre sur sa position actuelle. Le problème qui peut se poser dans ce cas, c’est si ladite personne publie cette publication dans un lieu où elle n’a pas perdu l’objet, cela peut poser problème pour trouver des matches. Sa publication va durer 1 jour, ce qui reste raisonnable, car, par exemple, on trouve souvent des posts sur Facebook pour des chargeurs oublié dans une salle, l’heure qui suit la perte de l’objet à l’UNIL.</a:t>
             </a:r>
             <a:endParaRPr/>
           </a:p>
           <a:p>
-            <a:pPr indent="0" lvl="0" marL="0">
+            <a:pPr marL="0" lvl="0" indent="0">
               <a:spcBef>
                 <a:spcPts val="0"/>
               </a:spcBef>
@@ -1002,13 +1029,10 @@
               </a:spcAft>
               <a:buNone/>
             </a:pPr>
-            <a:r>
-              <a:t/>
-            </a:r>
             <a:endParaRPr/>
           </a:p>
           <a:p>
-            <a:pPr indent="0" lvl="0" marL="0">
+            <a:pPr marL="0" lvl="0" indent="0">
               <a:spcBef>
                 <a:spcPts val="0"/>
               </a:spcBef>
@@ -1024,7 +1048,7 @@
             <a:endParaRPr/>
           </a:p>
           <a:p>
-            <a:pPr indent="0" lvl="0" marL="0">
+            <a:pPr marL="0" lvl="0" indent="0">
               <a:spcBef>
                 <a:spcPts val="0"/>
               </a:spcBef>
@@ -1033,13 +1057,10 @@
               </a:spcAft>
               <a:buNone/>
             </a:pPr>
-            <a:r>
-              <a:t/>
-            </a:r>
             <a:endParaRPr/>
           </a:p>
           <a:p>
-            <a:pPr indent="0" lvl="0" marL="0">
+            <a:pPr marL="0" lvl="0" indent="0">
               <a:spcBef>
                 <a:spcPts val="0"/>
               </a:spcBef>
@@ -1055,7 +1076,7 @@
             <a:endParaRPr/>
           </a:p>
           <a:p>
-            <a:pPr indent="0" lvl="0" marL="0" rtl="0">
+            <a:pPr marL="0" lvl="0" indent="0" rtl="0">
               <a:spcBef>
                 <a:spcPts val="0"/>
               </a:spcBef>
@@ -1064,9 +1085,6 @@
               </a:spcAft>
               <a:buNone/>
             </a:pPr>
-            <a:r>
-              <a:t/>
-            </a:r>
             <a:endParaRPr/>
           </a:p>
         </p:txBody>
@@ -1080,11 +1098,11 @@
 </file>
 
 <file path=ppt/notesSlides/notesSlide4.xml><?xml version="1.0" encoding="utf-8"?>
-<p:notes xmlns:a="http://schemas.openxmlformats.org/drawingml/2006/main" xmlns:r="http://schemas.openxmlformats.org/officeDocument/2006/relationships" xmlns:mc="http://schemas.openxmlformats.org/markup-compatibility/2006" xmlns:mv="urn:schemas-microsoft-com:mac:vml" xmlns:p="http://schemas.openxmlformats.org/presentationml/2006/main" xmlns:c="http://schemas.openxmlformats.org/drawingml/2006/chart" xmlns:dgm="http://schemas.openxmlformats.org/drawingml/2006/diagram" xmlns:o="urn:schemas-microsoft-com:office:office" xmlns:v="urn:schemas-microsoft-com:vml" xmlns:pvml="urn:schemas-microsoft-com:office:powerpoint" xmlns:com="http://schemas.openxmlformats.org/drawingml/2006/compatibility" xmlns:p14="http://schemas.microsoft.com/office/powerpoint/2010/main" xmlns:p15="http://schemas.microsoft.com/office/powerpoint/2012/main" showMasterPhAnim="0" showMasterSp="0">
+<p:notes xmlns:a="http://schemas.openxmlformats.org/drawingml/2006/main" xmlns:r="http://schemas.openxmlformats.org/officeDocument/2006/relationships" xmlns:p="http://schemas.openxmlformats.org/presentationml/2006/main" showMasterSp="0" showMasterPhAnim="0">
   <p:cSld>
     <p:spTree>
       <p:nvGrpSpPr>
-        <p:cNvPr id="93" name="Shape 93"/>
+        <p:cNvPr id="1" name="Shape 93"/>
         <p:cNvGrpSpPr/>
         <p:nvPr/>
       </p:nvGrpSpPr>
@@ -1099,9 +1117,11 @@
       <p:sp>
         <p:nvSpPr>
           <p:cNvPr id="94" name="Shape 94"/>
-          <p:cNvSpPr/>
+          <p:cNvSpPr>
+            <a:spLocks noGrp="1" noRot="1" noChangeAspect="1"/>
+          </p:cNvSpPr>
           <p:nvPr>
-            <p:ph idx="2" type="sldImg"/>
+            <p:ph type="sldImg" idx="2"/>
           </p:nvPr>
         </p:nvSpPr>
         <p:spPr>
@@ -1110,8 +1130,13 @@
             <a:ext cx="4572300" cy="3429000"/>
           </a:xfrm>
           <a:custGeom>
+            <a:avLst/>
+            <a:gdLst/>
+            <a:ahLst/>
+            <a:cxnLst/>
+            <a:rect l="0" t="0" r="0" b="0"/>
             <a:pathLst>
-              <a:path extrusionOk="0" h="120000" w="120000">
+              <a:path w="120000" h="120000" extrusionOk="0">
                 <a:moveTo>
                   <a:pt x="0" y="0"/>
                 </a:moveTo>
@@ -1133,9 +1158,11 @@
       <p:sp>
         <p:nvSpPr>
           <p:cNvPr id="95" name="Shape 95"/>
-          <p:cNvSpPr txBox="1"/>
+          <p:cNvSpPr txBox="1">
+            <a:spLocks noGrp="1"/>
+          </p:cNvSpPr>
           <p:nvPr>
-            <p:ph idx="1" type="body"/>
+            <p:ph type="body" idx="1"/>
           </p:nvPr>
         </p:nvSpPr>
         <p:spPr>
@@ -1148,12 +1175,12 @@
           </a:prstGeom>
         </p:spPr>
         <p:txBody>
-          <a:bodyPr anchorCtr="0" anchor="t" bIns="91425" lIns="91425" spcFirstLastPara="1" rIns="91425" wrap="square" tIns="91425">
+          <a:bodyPr spcFirstLastPara="1" wrap="square" lIns="91425" tIns="91425" rIns="91425" bIns="91425" anchor="t" anchorCtr="0">
             <a:noAutofit/>
           </a:bodyPr>
           <a:lstStyle/>
           <a:p>
-            <a:pPr indent="0" lvl="0" marL="0">
+            <a:pPr marL="0" lvl="0" indent="0">
               <a:spcBef>
                 <a:spcPts val="0"/>
               </a:spcBef>
@@ -1179,11 +1206,11 @@
 </file>
 
 <file path=ppt/notesSlides/notesSlide5.xml><?xml version="1.0" encoding="utf-8"?>
-<p:notes xmlns:a="http://schemas.openxmlformats.org/drawingml/2006/main" xmlns:r="http://schemas.openxmlformats.org/officeDocument/2006/relationships" xmlns:mc="http://schemas.openxmlformats.org/markup-compatibility/2006" xmlns:mv="urn:schemas-microsoft-com:mac:vml" xmlns:p="http://schemas.openxmlformats.org/presentationml/2006/main" xmlns:c="http://schemas.openxmlformats.org/drawingml/2006/chart" xmlns:dgm="http://schemas.openxmlformats.org/drawingml/2006/diagram" xmlns:o="urn:schemas-microsoft-com:office:office" xmlns:v="urn:schemas-microsoft-com:vml" xmlns:pvml="urn:schemas-microsoft-com:office:powerpoint" xmlns:com="http://schemas.openxmlformats.org/drawingml/2006/compatibility" xmlns:p14="http://schemas.microsoft.com/office/powerpoint/2010/main" xmlns:p15="http://schemas.microsoft.com/office/powerpoint/2012/main" showMasterPhAnim="0" showMasterSp="0">
+<p:notes xmlns:a="http://schemas.openxmlformats.org/drawingml/2006/main" xmlns:r="http://schemas.openxmlformats.org/officeDocument/2006/relationships" xmlns:p="http://schemas.openxmlformats.org/presentationml/2006/main" showMasterSp="0" showMasterPhAnim="0">
   <p:cSld>
     <p:spTree>
       <p:nvGrpSpPr>
-        <p:cNvPr id="99" name="Shape 99"/>
+        <p:cNvPr id="1" name="Shape 99"/>
         <p:cNvGrpSpPr/>
         <p:nvPr/>
       </p:nvGrpSpPr>
@@ -1198,9 +1225,11 @@
       <p:sp>
         <p:nvSpPr>
           <p:cNvPr id="100" name="Shape 100"/>
-          <p:cNvSpPr/>
+          <p:cNvSpPr>
+            <a:spLocks noGrp="1" noRot="1" noChangeAspect="1"/>
+          </p:cNvSpPr>
           <p:nvPr>
-            <p:ph idx="2" type="sldImg"/>
+            <p:ph type="sldImg" idx="2"/>
           </p:nvPr>
         </p:nvSpPr>
         <p:spPr>
@@ -1209,8 +1238,13 @@
             <a:ext cx="4572300" cy="3429000"/>
           </a:xfrm>
           <a:custGeom>
+            <a:avLst/>
+            <a:gdLst/>
+            <a:ahLst/>
+            <a:cxnLst/>
+            <a:rect l="0" t="0" r="0" b="0"/>
             <a:pathLst>
-              <a:path extrusionOk="0" h="120000" w="120000">
+              <a:path w="120000" h="120000" extrusionOk="0">
                 <a:moveTo>
                   <a:pt x="0" y="0"/>
                 </a:moveTo>
@@ -1232,9 +1266,11 @@
       <p:sp>
         <p:nvSpPr>
           <p:cNvPr id="101" name="Shape 101"/>
-          <p:cNvSpPr txBox="1"/>
+          <p:cNvSpPr txBox="1">
+            <a:spLocks noGrp="1"/>
+          </p:cNvSpPr>
           <p:nvPr>
-            <p:ph idx="1" type="body"/>
+            <p:ph type="body" idx="1"/>
           </p:nvPr>
         </p:nvSpPr>
         <p:spPr>
@@ -1247,12 +1283,12 @@
           </a:prstGeom>
         </p:spPr>
         <p:txBody>
-          <a:bodyPr anchorCtr="0" anchor="t" bIns="91425" lIns="91425" spcFirstLastPara="1" rIns="91425" wrap="square" tIns="91425">
+          <a:bodyPr spcFirstLastPara="1" wrap="square" lIns="91425" tIns="91425" rIns="91425" bIns="91425" anchor="t" anchorCtr="0">
             <a:noAutofit/>
           </a:bodyPr>
           <a:lstStyle/>
           <a:p>
-            <a:pPr indent="0" lvl="0" marL="0">
+            <a:pPr marL="0" lvl="0" indent="0">
               <a:spcBef>
                 <a:spcPts val="0"/>
               </a:spcBef>
@@ -1275,7 +1311,7 @@
             <a:endParaRPr/>
           </a:p>
           <a:p>
-            <a:pPr indent="0" lvl="0" marL="0">
+            <a:pPr marL="0" lvl="0" indent="0">
               <a:spcBef>
                 <a:spcPts val="0"/>
               </a:spcBef>
@@ -1284,13 +1320,10 @@
               </a:spcAft>
               <a:buNone/>
             </a:pPr>
-            <a:r>
-              <a:t/>
-            </a:r>
             <a:endParaRPr/>
           </a:p>
           <a:p>
-            <a:pPr indent="0" lvl="0" marL="0" rtl="0">
+            <a:pPr marL="0" lvl="0" indent="0" rtl="0">
               <a:spcBef>
                 <a:spcPts val="0"/>
               </a:spcBef>
@@ -1316,11 +1349,11 @@
 </file>
 
 <file path=ppt/notesSlides/notesSlide6.xml><?xml version="1.0" encoding="utf-8"?>
-<p:notes xmlns:a="http://schemas.openxmlformats.org/drawingml/2006/main" xmlns:r="http://schemas.openxmlformats.org/officeDocument/2006/relationships" xmlns:mc="http://schemas.openxmlformats.org/markup-compatibility/2006" xmlns:mv="urn:schemas-microsoft-com:mac:vml" xmlns:p="http://schemas.openxmlformats.org/presentationml/2006/main" xmlns:c="http://schemas.openxmlformats.org/drawingml/2006/chart" xmlns:dgm="http://schemas.openxmlformats.org/drawingml/2006/diagram" xmlns:o="urn:schemas-microsoft-com:office:office" xmlns:v="urn:schemas-microsoft-com:vml" xmlns:pvml="urn:schemas-microsoft-com:office:powerpoint" xmlns:com="http://schemas.openxmlformats.org/drawingml/2006/compatibility" xmlns:p14="http://schemas.microsoft.com/office/powerpoint/2010/main" xmlns:p15="http://schemas.microsoft.com/office/powerpoint/2012/main" showMasterPhAnim="0" showMasterSp="0">
+<p:notes xmlns:a="http://schemas.openxmlformats.org/drawingml/2006/main" xmlns:r="http://schemas.openxmlformats.org/officeDocument/2006/relationships" xmlns:p="http://schemas.openxmlformats.org/presentationml/2006/main" showMasterSp="0" showMasterPhAnim="0">
   <p:cSld>
     <p:spTree>
       <p:nvGrpSpPr>
-        <p:cNvPr id="107" name="Shape 107"/>
+        <p:cNvPr id="1" name="Shape 107"/>
         <p:cNvGrpSpPr/>
         <p:nvPr/>
       </p:nvGrpSpPr>
@@ -1335,9 +1368,11 @@
       <p:sp>
         <p:nvSpPr>
           <p:cNvPr id="108" name="Shape 108"/>
-          <p:cNvSpPr/>
+          <p:cNvSpPr>
+            <a:spLocks noGrp="1" noRot="1" noChangeAspect="1"/>
+          </p:cNvSpPr>
           <p:nvPr>
-            <p:ph idx="2" type="sldImg"/>
+            <p:ph type="sldImg" idx="2"/>
           </p:nvPr>
         </p:nvSpPr>
         <p:spPr>
@@ -1346,8 +1381,13 @@
             <a:ext cx="4572300" cy="3429000"/>
           </a:xfrm>
           <a:custGeom>
+            <a:avLst/>
+            <a:gdLst/>
+            <a:ahLst/>
+            <a:cxnLst/>
+            <a:rect l="0" t="0" r="0" b="0"/>
             <a:pathLst>
-              <a:path extrusionOk="0" h="120000" w="120000">
+              <a:path w="120000" h="120000" extrusionOk="0">
                 <a:moveTo>
                   <a:pt x="0" y="0"/>
                 </a:moveTo>
@@ -1369,9 +1409,11 @@
       <p:sp>
         <p:nvSpPr>
           <p:cNvPr id="109" name="Shape 109"/>
-          <p:cNvSpPr txBox="1"/>
+          <p:cNvSpPr txBox="1">
+            <a:spLocks noGrp="1"/>
+          </p:cNvSpPr>
           <p:nvPr>
-            <p:ph idx="1" type="body"/>
+            <p:ph type="body" idx="1"/>
           </p:nvPr>
         </p:nvSpPr>
         <p:spPr>
@@ -1384,12 +1426,12 @@
           </a:prstGeom>
         </p:spPr>
         <p:txBody>
-          <a:bodyPr anchorCtr="0" anchor="t" bIns="91425" lIns="91425" spcFirstLastPara="1" rIns="91425" wrap="square" tIns="91425">
+          <a:bodyPr spcFirstLastPara="1" wrap="square" lIns="91425" tIns="91425" rIns="91425" bIns="91425" anchor="t" anchorCtr="0">
             <a:noAutofit/>
           </a:bodyPr>
           <a:lstStyle/>
           <a:p>
-            <a:pPr indent="0" lvl="0" marL="0">
+            <a:pPr marL="0" lvl="0" indent="0">
               <a:spcBef>
                 <a:spcPts val="0"/>
               </a:spcBef>
@@ -1405,7 +1447,7 @@
             <a:endParaRPr/>
           </a:p>
           <a:p>
-            <a:pPr indent="0" lvl="0" marL="0">
+            <a:pPr marL="0" lvl="0" indent="0">
               <a:spcBef>
                 <a:spcPts val="0"/>
               </a:spcBef>
@@ -1421,7 +1463,7 @@
             <a:endParaRPr/>
           </a:p>
           <a:p>
-            <a:pPr indent="0" lvl="0" marL="0" rtl="0">
+            <a:pPr marL="0" lvl="0" indent="0" rtl="0">
               <a:spcBef>
                 <a:spcPts val="0"/>
               </a:spcBef>
@@ -1447,11 +1489,11 @@
 </file>
 
 <file path=ppt/notesSlides/notesSlide7.xml><?xml version="1.0" encoding="utf-8"?>
-<p:notes xmlns:a="http://schemas.openxmlformats.org/drawingml/2006/main" xmlns:r="http://schemas.openxmlformats.org/officeDocument/2006/relationships" xmlns:mc="http://schemas.openxmlformats.org/markup-compatibility/2006" xmlns:mv="urn:schemas-microsoft-com:mac:vml" xmlns:p="http://schemas.openxmlformats.org/presentationml/2006/main" xmlns:c="http://schemas.openxmlformats.org/drawingml/2006/chart" xmlns:dgm="http://schemas.openxmlformats.org/drawingml/2006/diagram" xmlns:o="urn:schemas-microsoft-com:office:office" xmlns:v="urn:schemas-microsoft-com:vml" xmlns:pvml="urn:schemas-microsoft-com:office:powerpoint" xmlns:com="http://schemas.openxmlformats.org/drawingml/2006/compatibility" xmlns:p14="http://schemas.microsoft.com/office/powerpoint/2010/main" xmlns:p15="http://schemas.microsoft.com/office/powerpoint/2012/main" showMasterPhAnim="0" showMasterSp="0">
+<p:notes xmlns:a="http://schemas.openxmlformats.org/drawingml/2006/main" xmlns:r="http://schemas.openxmlformats.org/officeDocument/2006/relationships" xmlns:p="http://schemas.openxmlformats.org/presentationml/2006/main" showMasterSp="0" showMasterPhAnim="0">
   <p:cSld>
     <p:spTree>
       <p:nvGrpSpPr>
-        <p:cNvPr id="114" name="Shape 114"/>
+        <p:cNvPr id="1" name="Shape 114"/>
         <p:cNvGrpSpPr/>
         <p:nvPr/>
       </p:nvGrpSpPr>
@@ -1466,9 +1508,11 @@
       <p:sp>
         <p:nvSpPr>
           <p:cNvPr id="115" name="Shape 115"/>
-          <p:cNvSpPr/>
+          <p:cNvSpPr>
+            <a:spLocks noGrp="1" noRot="1" noChangeAspect="1"/>
+          </p:cNvSpPr>
           <p:nvPr>
-            <p:ph idx="2" type="sldImg"/>
+            <p:ph type="sldImg" idx="2"/>
           </p:nvPr>
         </p:nvSpPr>
         <p:spPr>
@@ -1477,8 +1521,13 @@
             <a:ext cx="4572300" cy="3429000"/>
           </a:xfrm>
           <a:custGeom>
+            <a:avLst/>
+            <a:gdLst/>
+            <a:ahLst/>
+            <a:cxnLst/>
+            <a:rect l="0" t="0" r="0" b="0"/>
             <a:pathLst>
-              <a:path extrusionOk="0" h="120000" w="120000">
+              <a:path w="120000" h="120000" extrusionOk="0">
                 <a:moveTo>
                   <a:pt x="0" y="0"/>
                 </a:moveTo>
@@ -1500,9 +1549,11 @@
       <p:sp>
         <p:nvSpPr>
           <p:cNvPr id="116" name="Shape 116"/>
-          <p:cNvSpPr txBox="1"/>
+          <p:cNvSpPr txBox="1">
+            <a:spLocks noGrp="1"/>
+          </p:cNvSpPr>
           <p:nvPr>
-            <p:ph idx="1" type="body"/>
+            <p:ph type="body" idx="1"/>
           </p:nvPr>
         </p:nvSpPr>
         <p:spPr>
@@ -1515,12 +1566,12 @@
           </a:prstGeom>
         </p:spPr>
         <p:txBody>
-          <a:bodyPr anchorCtr="0" anchor="t" bIns="91425" lIns="91425" spcFirstLastPara="1" rIns="91425" wrap="square" tIns="91425">
+          <a:bodyPr spcFirstLastPara="1" wrap="square" lIns="91425" tIns="91425" rIns="91425" bIns="91425" anchor="t" anchorCtr="0">
             <a:noAutofit/>
           </a:bodyPr>
           <a:lstStyle/>
           <a:p>
-            <a:pPr indent="0" lvl="0" marL="0" rtl="0">
+            <a:pPr marL="0" lvl="0" indent="0" rtl="0">
               <a:spcBef>
                 <a:spcPts val="0"/>
               </a:spcBef>
@@ -1546,11 +1597,11 @@
 </file>
 
 <file path=ppt/notesSlides/notesSlide8.xml><?xml version="1.0" encoding="utf-8"?>
-<p:notes xmlns:a="http://schemas.openxmlformats.org/drawingml/2006/main" xmlns:r="http://schemas.openxmlformats.org/officeDocument/2006/relationships" xmlns:mc="http://schemas.openxmlformats.org/markup-compatibility/2006" xmlns:mv="urn:schemas-microsoft-com:mac:vml" xmlns:p="http://schemas.openxmlformats.org/presentationml/2006/main" xmlns:c="http://schemas.openxmlformats.org/drawingml/2006/chart" xmlns:dgm="http://schemas.openxmlformats.org/drawingml/2006/diagram" xmlns:o="urn:schemas-microsoft-com:office:office" xmlns:v="urn:schemas-microsoft-com:vml" xmlns:pvml="urn:schemas-microsoft-com:office:powerpoint" xmlns:com="http://schemas.openxmlformats.org/drawingml/2006/compatibility" xmlns:p14="http://schemas.microsoft.com/office/powerpoint/2010/main" xmlns:p15="http://schemas.microsoft.com/office/powerpoint/2012/main" showMasterPhAnim="0" showMasterSp="0">
+<p:notes xmlns:a="http://schemas.openxmlformats.org/drawingml/2006/main" xmlns:r="http://schemas.openxmlformats.org/officeDocument/2006/relationships" xmlns:p="http://schemas.openxmlformats.org/presentationml/2006/main" showMasterSp="0" showMasterPhAnim="0">
   <p:cSld>
     <p:spTree>
       <p:nvGrpSpPr>
-        <p:cNvPr id="121" name="Shape 121"/>
+        <p:cNvPr id="1" name="Shape 121"/>
         <p:cNvGrpSpPr/>
         <p:nvPr/>
       </p:nvGrpSpPr>
@@ -1565,9 +1616,11 @@
       <p:sp>
         <p:nvSpPr>
           <p:cNvPr id="122" name="Shape 122"/>
-          <p:cNvSpPr/>
+          <p:cNvSpPr>
+            <a:spLocks noGrp="1" noRot="1" noChangeAspect="1"/>
+          </p:cNvSpPr>
           <p:nvPr>
-            <p:ph idx="2" type="sldImg"/>
+            <p:ph type="sldImg" idx="2"/>
           </p:nvPr>
         </p:nvSpPr>
         <p:spPr>
@@ -1576,8 +1629,13 @@
             <a:ext cx="4572300" cy="3429000"/>
           </a:xfrm>
           <a:custGeom>
+            <a:avLst/>
+            <a:gdLst/>
+            <a:ahLst/>
+            <a:cxnLst/>
+            <a:rect l="0" t="0" r="0" b="0"/>
             <a:pathLst>
-              <a:path extrusionOk="0" h="120000" w="120000">
+              <a:path w="120000" h="120000" extrusionOk="0">
                 <a:moveTo>
                   <a:pt x="0" y="0"/>
                 </a:moveTo>
@@ -1599,9 +1657,11 @@
       <p:sp>
         <p:nvSpPr>
           <p:cNvPr id="123" name="Shape 123"/>
-          <p:cNvSpPr txBox="1"/>
+          <p:cNvSpPr txBox="1">
+            <a:spLocks noGrp="1"/>
+          </p:cNvSpPr>
           <p:nvPr>
-            <p:ph idx="1" type="body"/>
+            <p:ph type="body" idx="1"/>
           </p:nvPr>
         </p:nvSpPr>
         <p:spPr>
@@ -1614,12 +1674,12 @@
           </a:prstGeom>
         </p:spPr>
         <p:txBody>
-          <a:bodyPr anchorCtr="0" anchor="t" bIns="91425" lIns="91425" spcFirstLastPara="1" rIns="91425" wrap="square" tIns="91425">
+          <a:bodyPr spcFirstLastPara="1" wrap="square" lIns="91425" tIns="91425" rIns="91425" bIns="91425" anchor="t" anchorCtr="0">
             <a:noAutofit/>
           </a:bodyPr>
           <a:lstStyle/>
           <a:p>
-            <a:pPr indent="0" lvl="0" marL="0" rtl="0">
+            <a:pPr marL="0" lvl="0" indent="0" rtl="0">
               <a:spcBef>
                 <a:spcPts val="0"/>
               </a:spcBef>
@@ -1645,11 +1705,11 @@
 </file>
 
 <file path=ppt/notesSlides/notesSlide9.xml><?xml version="1.0" encoding="utf-8"?>
-<p:notes xmlns:a="http://schemas.openxmlformats.org/drawingml/2006/main" xmlns:r="http://schemas.openxmlformats.org/officeDocument/2006/relationships" xmlns:mc="http://schemas.openxmlformats.org/markup-compatibility/2006" xmlns:mv="urn:schemas-microsoft-com:mac:vml" xmlns:p="http://schemas.openxmlformats.org/presentationml/2006/main" xmlns:c="http://schemas.openxmlformats.org/drawingml/2006/chart" xmlns:dgm="http://schemas.openxmlformats.org/drawingml/2006/diagram" xmlns:o="urn:schemas-microsoft-com:office:office" xmlns:v="urn:schemas-microsoft-com:vml" xmlns:pvml="urn:schemas-microsoft-com:office:powerpoint" xmlns:com="http://schemas.openxmlformats.org/drawingml/2006/compatibility" xmlns:p14="http://schemas.microsoft.com/office/powerpoint/2010/main" xmlns:p15="http://schemas.microsoft.com/office/powerpoint/2012/main" showMasterPhAnim="0" showMasterSp="0">
+<p:notes xmlns:a="http://schemas.openxmlformats.org/drawingml/2006/main" xmlns:r="http://schemas.openxmlformats.org/officeDocument/2006/relationships" xmlns:p="http://schemas.openxmlformats.org/presentationml/2006/main" showMasterSp="0" showMasterPhAnim="0">
   <p:cSld>
     <p:spTree>
       <p:nvGrpSpPr>
-        <p:cNvPr id="139" name="Shape 139"/>
+        <p:cNvPr id="1" name="Shape 139"/>
         <p:cNvGrpSpPr/>
         <p:nvPr/>
       </p:nvGrpSpPr>
@@ -1664,9 +1724,11 @@
       <p:sp>
         <p:nvSpPr>
           <p:cNvPr id="140" name="Shape 140"/>
-          <p:cNvSpPr/>
+          <p:cNvSpPr>
+            <a:spLocks noGrp="1" noRot="1" noChangeAspect="1"/>
+          </p:cNvSpPr>
           <p:nvPr>
-            <p:ph idx="2" type="sldImg"/>
+            <p:ph type="sldImg" idx="2"/>
           </p:nvPr>
         </p:nvSpPr>
         <p:spPr>
@@ -1675,8 +1737,13 @@
             <a:ext cx="4572300" cy="3429000"/>
           </a:xfrm>
           <a:custGeom>
+            <a:avLst/>
+            <a:gdLst/>
+            <a:ahLst/>
+            <a:cxnLst/>
+            <a:rect l="0" t="0" r="0" b="0"/>
             <a:pathLst>
-              <a:path extrusionOk="0" h="120000" w="120000">
+              <a:path w="120000" h="120000" extrusionOk="0">
                 <a:moveTo>
                   <a:pt x="0" y="0"/>
                 </a:moveTo>
@@ -1698,9 +1765,11 @@
       <p:sp>
         <p:nvSpPr>
           <p:cNvPr id="141" name="Shape 141"/>
-          <p:cNvSpPr txBox="1"/>
+          <p:cNvSpPr txBox="1">
+            <a:spLocks noGrp="1"/>
+          </p:cNvSpPr>
           <p:nvPr>
-            <p:ph idx="1" type="body"/>
+            <p:ph type="body" idx="1"/>
           </p:nvPr>
         </p:nvSpPr>
         <p:spPr>
@@ -1713,12 +1782,12 @@
           </a:prstGeom>
         </p:spPr>
         <p:txBody>
-          <a:bodyPr anchorCtr="0" anchor="t" bIns="91425" lIns="91425" spcFirstLastPara="1" rIns="91425" wrap="square" tIns="91425">
+          <a:bodyPr spcFirstLastPara="1" wrap="square" lIns="91425" tIns="91425" rIns="91425" bIns="91425" anchor="t" anchorCtr="0">
             <a:noAutofit/>
           </a:bodyPr>
           <a:lstStyle/>
           <a:p>
-            <a:pPr indent="0" lvl="0" marL="0" rtl="0">
+            <a:pPr marL="0" lvl="0" indent="0" rtl="0">
               <a:spcBef>
                 <a:spcPts val="0"/>
               </a:spcBef>
@@ -1744,7 +1813,7 @@
 </file>
 
 <file path=ppt/slideLayouts/slideLayout1.xml><?xml version="1.0" encoding="utf-8"?>
-<p:sldLayout xmlns:a="http://schemas.openxmlformats.org/drawingml/2006/main" xmlns:r="http://schemas.openxmlformats.org/officeDocument/2006/relationships" xmlns:mc="http://schemas.openxmlformats.org/markup-compatibility/2006" xmlns:mv="urn:schemas-microsoft-com:mac:vml" xmlns:p="http://schemas.openxmlformats.org/presentationml/2006/main" xmlns:c="http://schemas.openxmlformats.org/drawingml/2006/chart" xmlns:dgm="http://schemas.openxmlformats.org/drawingml/2006/diagram" xmlns:o="urn:schemas-microsoft-com:office:office" xmlns:v="urn:schemas-microsoft-com:vml" xmlns:pvml="urn:schemas-microsoft-com:office:powerpoint" xmlns:com="http://schemas.openxmlformats.org/drawingml/2006/compatibility" xmlns:p14="http://schemas.microsoft.com/office/powerpoint/2010/main" xmlns:p15="http://schemas.microsoft.com/office/powerpoint/2012/main" matchingName="Title" type="title">
+<p:sldLayout xmlns:a="http://schemas.openxmlformats.org/drawingml/2006/main" xmlns:r="http://schemas.openxmlformats.org/officeDocument/2006/relationships" xmlns:p="http://schemas.openxmlformats.org/presentationml/2006/main" matchingName="Title" type="title">
   <p:cSld name="TITLE">
     <p:bg>
       <p:bgPr>
@@ -1756,11 +1825,12 @@
             <a:fillRect/>
           </a:stretch>
         </a:blipFill>
+        <a:effectLst/>
       </p:bgPr>
     </p:bg>
     <p:spTree>
       <p:nvGrpSpPr>
-        <p:cNvPr id="9" name="Shape 9"/>
+        <p:cNvPr id="1" name="Shape 9"/>
         <p:cNvGrpSpPr/>
         <p:nvPr/>
       </p:nvGrpSpPr>
@@ -1775,7 +1845,9 @@
       <p:sp>
         <p:nvSpPr>
           <p:cNvPr id="10" name="Shape 10"/>
-          <p:cNvSpPr txBox="1"/>
+          <p:cNvSpPr txBox="1">
+            <a:spLocks noGrp="1"/>
+          </p:cNvSpPr>
           <p:nvPr>
             <p:ph type="ctrTitle"/>
           </p:nvPr>
@@ -1790,7 +1862,7 @@
           </a:prstGeom>
         </p:spPr>
         <p:txBody>
-          <a:bodyPr anchorCtr="0" anchor="t" bIns="91425" lIns="91425" spcFirstLastPara="1" rIns="91425" wrap="square" tIns="91425"/>
+          <a:bodyPr spcFirstLastPara="1" wrap="square" lIns="91425" tIns="91425" rIns="91425" bIns="91425" anchor="t" anchorCtr="0"/>
           <a:lstStyle>
             <a:lvl1pPr lvl="0">
               <a:spcBef>
@@ -1804,7 +1876,7 @@
               </a:buClr>
               <a:buSzPts val="6000"/>
               <a:buNone/>
-              <a:defRPr b="1" sz="6000">
+              <a:defRPr sz="6000" b="1">
                 <a:solidFill>
                   <a:srgbClr val="0091EA"/>
                 </a:solidFill>
@@ -1822,7 +1894,7 @@
               </a:buClr>
               <a:buSzPts val="6000"/>
               <a:buNone/>
-              <a:defRPr b="1" sz="6000">
+              <a:defRPr sz="6000" b="1">
                 <a:solidFill>
                   <a:srgbClr val="0091EA"/>
                 </a:solidFill>
@@ -1840,7 +1912,7 @@
               </a:buClr>
               <a:buSzPts val="6000"/>
               <a:buNone/>
-              <a:defRPr b="1" sz="6000">
+              <a:defRPr sz="6000" b="1">
                 <a:solidFill>
                   <a:srgbClr val="0091EA"/>
                 </a:solidFill>
@@ -1858,7 +1930,7 @@
               </a:buClr>
               <a:buSzPts val="6000"/>
               <a:buNone/>
-              <a:defRPr b="1" sz="6000">
+              <a:defRPr sz="6000" b="1">
                 <a:solidFill>
                   <a:srgbClr val="0091EA"/>
                 </a:solidFill>
@@ -1876,7 +1948,7 @@
               </a:buClr>
               <a:buSzPts val="6000"/>
               <a:buNone/>
-              <a:defRPr b="1" sz="6000">
+              <a:defRPr sz="6000" b="1">
                 <a:solidFill>
                   <a:srgbClr val="0091EA"/>
                 </a:solidFill>
@@ -1894,7 +1966,7 @@
               </a:buClr>
               <a:buSzPts val="6000"/>
               <a:buNone/>
-              <a:defRPr b="1" sz="6000">
+              <a:defRPr sz="6000" b="1">
                 <a:solidFill>
                   <a:srgbClr val="0091EA"/>
                 </a:solidFill>
@@ -1912,7 +1984,7 @@
               </a:buClr>
               <a:buSzPts val="6000"/>
               <a:buNone/>
-              <a:defRPr b="1" sz="6000">
+              <a:defRPr sz="6000" b="1">
                 <a:solidFill>
                   <a:srgbClr val="0091EA"/>
                 </a:solidFill>
@@ -1930,7 +2002,7 @@
               </a:buClr>
               <a:buSzPts val="6000"/>
               <a:buNone/>
-              <a:defRPr b="1" sz="6000">
+              <a:defRPr sz="6000" b="1">
                 <a:solidFill>
                   <a:srgbClr val="0091EA"/>
                 </a:solidFill>
@@ -1948,14 +2020,16 @@
               </a:buClr>
               <a:buSzPts val="6000"/>
               <a:buNone/>
-              <a:defRPr b="1" sz="6000">
+              <a:defRPr sz="6000" b="1">
                 <a:solidFill>
                   <a:srgbClr val="0091EA"/>
                 </a:solidFill>
               </a:defRPr>
             </a:lvl9pPr>
           </a:lstStyle>
-          <a:p/>
+          <a:p>
+            <a:endParaRPr/>
+          </a:p>
         </p:txBody>
       </p:sp>
       <p:sp>
@@ -1980,12 +2054,12 @@
           </a:ln>
         </p:spPr>
         <p:txBody>
-          <a:bodyPr anchorCtr="0" anchor="ctr" bIns="91425" lIns="91425" spcFirstLastPara="1" rIns="91425" wrap="square" tIns="91425">
+          <a:bodyPr spcFirstLastPara="1" wrap="square" lIns="91425" tIns="91425" rIns="91425" bIns="91425" anchor="ctr" anchorCtr="0">
             <a:noAutofit/>
           </a:bodyPr>
           <a:lstStyle/>
           <a:p>
-            <a:pPr indent="0" lvl="0" marL="0">
+            <a:pPr marL="0" lvl="0" indent="0">
               <a:spcBef>
                 <a:spcPts val="0"/>
               </a:spcBef>
@@ -1994,9 +2068,6 @@
               </a:spcAft>
               <a:buNone/>
             </a:pPr>
-            <a:r>
-              <a:t/>
-            </a:r>
             <a:endParaRPr/>
           </a:p>
         </p:txBody>
@@ -2023,12 +2094,12 @@
           </a:ln>
         </p:spPr>
         <p:txBody>
-          <a:bodyPr anchorCtr="0" anchor="ctr" bIns="91425" lIns="91425" spcFirstLastPara="1" rIns="91425" wrap="square" tIns="91425">
+          <a:bodyPr spcFirstLastPara="1" wrap="square" lIns="91425" tIns="91425" rIns="91425" bIns="91425" anchor="ctr" anchorCtr="0">
             <a:noAutofit/>
           </a:bodyPr>
           <a:lstStyle/>
           <a:p>
-            <a:pPr indent="0" lvl="0" marL="0">
+            <a:pPr marL="0" lvl="0" indent="0">
               <a:spcBef>
                 <a:spcPts val="0"/>
               </a:spcBef>
@@ -2037,9 +2108,6 @@
               </a:spcAft>
               <a:buNone/>
             </a:pPr>
-            <a:r>
-              <a:t/>
-            </a:r>
             <a:endParaRPr/>
           </a:p>
         </p:txBody>
@@ -2066,12 +2134,12 @@
           </a:ln>
         </p:spPr>
         <p:txBody>
-          <a:bodyPr anchorCtr="0" anchor="ctr" bIns="91425" lIns="91425" spcFirstLastPara="1" rIns="91425" wrap="square" tIns="91425">
+          <a:bodyPr spcFirstLastPara="1" wrap="square" lIns="91425" tIns="91425" rIns="91425" bIns="91425" anchor="ctr" anchorCtr="0">
             <a:noAutofit/>
           </a:bodyPr>
           <a:lstStyle/>
           <a:p>
-            <a:pPr indent="0" lvl="0" marL="0">
+            <a:pPr marL="0" lvl="0" indent="0">
               <a:spcBef>
                 <a:spcPts val="0"/>
               </a:spcBef>
@@ -2080,9 +2148,6 @@
               </a:spcAft>
               <a:buNone/>
             </a:pPr>
-            <a:r>
-              <a:t/>
-            </a:r>
             <a:endParaRPr/>
           </a:p>
         </p:txBody>
@@ -2109,12 +2174,12 @@
           </a:ln>
         </p:spPr>
         <p:txBody>
-          <a:bodyPr anchorCtr="0" anchor="ctr" bIns="91425" lIns="91425" spcFirstLastPara="1" rIns="91425" wrap="square" tIns="91425">
+          <a:bodyPr spcFirstLastPara="1" wrap="square" lIns="91425" tIns="91425" rIns="91425" bIns="91425" anchor="ctr" anchorCtr="0">
             <a:noAutofit/>
           </a:bodyPr>
           <a:lstStyle/>
           <a:p>
-            <a:pPr indent="0" lvl="0" marL="0">
+            <a:pPr marL="0" lvl="0" indent="0">
               <a:spcBef>
                 <a:spcPts val="0"/>
               </a:spcBef>
@@ -2123,9 +2188,6 @@
               </a:spcAft>
               <a:buNone/>
             </a:pPr>
-            <a:r>
-              <a:t/>
-            </a:r>
             <a:endParaRPr/>
           </a:p>
         </p:txBody>
@@ -2152,12 +2214,12 @@
           </a:ln>
         </p:spPr>
         <p:txBody>
-          <a:bodyPr anchorCtr="0" anchor="ctr" bIns="91425" lIns="91425" spcFirstLastPara="1" rIns="91425" wrap="square" tIns="91425">
+          <a:bodyPr spcFirstLastPara="1" wrap="square" lIns="91425" tIns="91425" rIns="91425" bIns="91425" anchor="ctr" anchorCtr="0">
             <a:noAutofit/>
           </a:bodyPr>
           <a:lstStyle/>
           <a:p>
-            <a:pPr indent="0" lvl="0" marL="0">
+            <a:pPr marL="0" lvl="0" indent="0">
               <a:spcBef>
                 <a:spcPts val="0"/>
               </a:spcBef>
@@ -2166,9 +2228,6 @@
               </a:spcAft>
               <a:buNone/>
             </a:pPr>
-            <a:r>
-              <a:t/>
-            </a:r>
             <a:endParaRPr/>
           </a:p>
         </p:txBody>
@@ -2195,12 +2254,12 @@
           </a:ln>
         </p:spPr>
         <p:txBody>
-          <a:bodyPr anchorCtr="0" anchor="ctr" bIns="91425" lIns="91425" spcFirstLastPara="1" rIns="91425" wrap="square" tIns="91425">
+          <a:bodyPr spcFirstLastPara="1" wrap="square" lIns="91425" tIns="91425" rIns="91425" bIns="91425" anchor="ctr" anchorCtr="0">
             <a:noAutofit/>
           </a:bodyPr>
           <a:lstStyle/>
           <a:p>
-            <a:pPr indent="0" lvl="0" marL="0">
+            <a:pPr marL="0" lvl="0" indent="0">
               <a:spcBef>
                 <a:spcPts val="0"/>
               </a:spcBef>
@@ -2209,9 +2268,6 @@
               </a:spcAft>
               <a:buNone/>
             </a:pPr>
-            <a:r>
-              <a:t/>
-            </a:r>
             <a:endParaRPr/>
           </a:p>
         </p:txBody>
@@ -2238,12 +2294,12 @@
           </a:ln>
         </p:spPr>
         <p:txBody>
-          <a:bodyPr anchorCtr="0" anchor="ctr" bIns="91425" lIns="91425" spcFirstLastPara="1" rIns="91425" wrap="square" tIns="91425">
+          <a:bodyPr spcFirstLastPara="1" wrap="square" lIns="91425" tIns="91425" rIns="91425" bIns="91425" anchor="ctr" anchorCtr="0">
             <a:noAutofit/>
           </a:bodyPr>
           <a:lstStyle/>
           <a:p>
-            <a:pPr indent="0" lvl="0" marL="0">
+            <a:pPr marL="0" lvl="0" indent="0">
               <a:spcBef>
                 <a:spcPts val="0"/>
               </a:spcBef>
@@ -2252,9 +2308,6 @@
               </a:spcAft>
               <a:buNone/>
             </a:pPr>
-            <a:r>
-              <a:t/>
-            </a:r>
             <a:endParaRPr/>
           </a:p>
         </p:txBody>
@@ -2274,23 +2327,23 @@
             <a:avLst/>
           </a:prstGeom>
           <a:noFill/>
-          <a:ln cap="flat" cmpd="sng" w="19050">
+          <a:ln w="19050" cap="flat" cmpd="sng">
             <a:solidFill>
               <a:srgbClr val="0091EA"/>
             </a:solidFill>
             <a:prstDash val="solid"/>
             <a:round/>
-            <a:headEnd len="sm" w="sm" type="none"/>
-            <a:tailEnd len="sm" w="sm" type="none"/>
+            <a:headEnd type="none" w="sm" len="sm"/>
+            <a:tailEnd type="none" w="sm" len="sm"/>
           </a:ln>
         </p:spPr>
         <p:txBody>
-          <a:bodyPr anchorCtr="0" anchor="ctr" bIns="91425" lIns="91425" spcFirstLastPara="1" rIns="91425" wrap="square" tIns="91425">
+          <a:bodyPr spcFirstLastPara="1" wrap="square" lIns="91425" tIns="91425" rIns="91425" bIns="91425" anchor="ctr" anchorCtr="0">
             <a:noAutofit/>
           </a:bodyPr>
           <a:lstStyle/>
           <a:p>
-            <a:pPr indent="0" lvl="0" marL="0">
+            <a:pPr marL="0" lvl="0" indent="0">
               <a:spcBef>
                 <a:spcPts val="0"/>
               </a:spcBef>
@@ -2299,9 +2352,6 @@
               </a:spcAft>
               <a:buNone/>
             </a:pPr>
-            <a:r>
-              <a:t/>
-            </a:r>
             <a:endParaRPr/>
           </a:p>
         </p:txBody>
@@ -2321,23 +2371,23 @@
             <a:avLst/>
           </a:prstGeom>
           <a:noFill/>
-          <a:ln cap="flat" cmpd="sng" w="19050">
+          <a:ln w="19050" cap="flat" cmpd="sng">
             <a:solidFill>
               <a:srgbClr val="0091EA"/>
             </a:solidFill>
             <a:prstDash val="solid"/>
             <a:round/>
-            <a:headEnd len="sm" w="sm" type="none"/>
-            <a:tailEnd len="sm" w="sm" type="none"/>
+            <a:headEnd type="none" w="sm" len="sm"/>
+            <a:tailEnd type="none" w="sm" len="sm"/>
           </a:ln>
         </p:spPr>
         <p:txBody>
-          <a:bodyPr anchorCtr="0" anchor="ctr" bIns="91425" lIns="91425" spcFirstLastPara="1" rIns="91425" wrap="square" tIns="91425">
+          <a:bodyPr spcFirstLastPara="1" wrap="square" lIns="91425" tIns="91425" rIns="91425" bIns="91425" anchor="ctr" anchorCtr="0">
             <a:noAutofit/>
           </a:bodyPr>
           <a:lstStyle/>
           <a:p>
-            <a:pPr indent="0" lvl="0" marL="0">
+            <a:pPr marL="0" lvl="0" indent="0">
               <a:spcBef>
                 <a:spcPts val="0"/>
               </a:spcBef>
@@ -2346,9 +2396,6 @@
               </a:spcAft>
               <a:buNone/>
             </a:pPr>
-            <a:r>
-              <a:t/>
-            </a:r>
             <a:endParaRPr/>
           </a:p>
         </p:txBody>
@@ -2368,23 +2415,23 @@
             <a:avLst/>
           </a:prstGeom>
           <a:noFill/>
-          <a:ln cap="flat" cmpd="sng" w="19050">
+          <a:ln w="19050" cap="flat" cmpd="sng">
             <a:solidFill>
               <a:srgbClr val="0091EA"/>
             </a:solidFill>
             <a:prstDash val="solid"/>
             <a:round/>
-            <a:headEnd len="sm" w="sm" type="none"/>
-            <a:tailEnd len="sm" w="sm" type="none"/>
+            <a:headEnd type="none" w="sm" len="sm"/>
+            <a:tailEnd type="none" w="sm" len="sm"/>
           </a:ln>
         </p:spPr>
         <p:txBody>
-          <a:bodyPr anchorCtr="0" anchor="ctr" bIns="91425" lIns="91425" spcFirstLastPara="1" rIns="91425" wrap="square" tIns="91425">
+          <a:bodyPr spcFirstLastPara="1" wrap="square" lIns="91425" tIns="91425" rIns="91425" bIns="91425" anchor="ctr" anchorCtr="0">
             <a:noAutofit/>
           </a:bodyPr>
           <a:lstStyle/>
           <a:p>
-            <a:pPr indent="0" lvl="0" marL="0">
+            <a:pPr marL="0" lvl="0" indent="0">
               <a:spcBef>
                 <a:spcPts val="0"/>
               </a:spcBef>
@@ -2393,9 +2440,6 @@
               </a:spcAft>
               <a:buNone/>
             </a:pPr>
-            <a:r>
-              <a:t/>
-            </a:r>
             <a:endParaRPr/>
           </a:p>
         </p:txBody>
@@ -2422,12 +2466,12 @@
           </a:ln>
         </p:spPr>
         <p:txBody>
-          <a:bodyPr anchorCtr="0" anchor="ctr" bIns="91425" lIns="91425" spcFirstLastPara="1" rIns="91425" wrap="square" tIns="91425">
+          <a:bodyPr spcFirstLastPara="1" wrap="square" lIns="91425" tIns="91425" rIns="91425" bIns="91425" anchor="ctr" anchorCtr="0">
             <a:noAutofit/>
           </a:bodyPr>
           <a:lstStyle/>
           <a:p>
-            <a:pPr indent="0" lvl="0" marL="0">
+            <a:pPr marL="0" lvl="0" indent="0">
               <a:spcBef>
                 <a:spcPts val="0"/>
               </a:spcBef>
@@ -2436,9 +2480,6 @@
               </a:spcAft>
               <a:buNone/>
             </a:pPr>
-            <a:r>
-              <a:t/>
-            </a:r>
             <a:endParaRPr/>
           </a:p>
         </p:txBody>
@@ -2458,23 +2499,23 @@
             <a:avLst/>
           </a:prstGeom>
           <a:noFill/>
-          <a:ln cap="flat" cmpd="sng" w="19050">
+          <a:ln w="19050" cap="flat" cmpd="sng">
             <a:solidFill>
               <a:srgbClr val="0091EA"/>
             </a:solidFill>
             <a:prstDash val="solid"/>
             <a:round/>
-            <a:headEnd len="sm" w="sm" type="none"/>
-            <a:tailEnd len="sm" w="sm" type="none"/>
+            <a:headEnd type="none" w="sm" len="sm"/>
+            <a:tailEnd type="none" w="sm" len="sm"/>
           </a:ln>
         </p:spPr>
         <p:txBody>
-          <a:bodyPr anchorCtr="0" anchor="ctr" bIns="91425" lIns="91425" spcFirstLastPara="1" rIns="91425" wrap="square" tIns="91425">
+          <a:bodyPr spcFirstLastPara="1" wrap="square" lIns="91425" tIns="91425" rIns="91425" bIns="91425" anchor="ctr" anchorCtr="0">
             <a:noAutofit/>
           </a:bodyPr>
           <a:lstStyle/>
           <a:p>
-            <a:pPr indent="0" lvl="0" marL="0">
+            <a:pPr marL="0" lvl="0" indent="0">
               <a:spcBef>
                 <a:spcPts val="0"/>
               </a:spcBef>
@@ -2483,9 +2524,6 @@
               </a:spcAft>
               <a:buNone/>
             </a:pPr>
-            <a:r>
-              <a:t/>
-            </a:r>
             <a:endParaRPr/>
           </a:p>
         </p:txBody>
@@ -2512,12 +2550,12 @@
           </a:ln>
         </p:spPr>
         <p:txBody>
-          <a:bodyPr anchorCtr="0" anchor="ctr" bIns="91425" lIns="91425" spcFirstLastPara="1" rIns="91425" wrap="square" tIns="91425">
+          <a:bodyPr spcFirstLastPara="1" wrap="square" lIns="91425" tIns="91425" rIns="91425" bIns="91425" anchor="ctr" anchorCtr="0">
             <a:noAutofit/>
           </a:bodyPr>
           <a:lstStyle/>
           <a:p>
-            <a:pPr indent="0" lvl="0" marL="0">
+            <a:pPr marL="0" lvl="0" indent="0">
               <a:spcBef>
                 <a:spcPts val="0"/>
               </a:spcBef>
@@ -2526,9 +2564,6 @@
               </a:spcAft>
               <a:buNone/>
             </a:pPr>
-            <a:r>
-              <a:t/>
-            </a:r>
             <a:endParaRPr/>
           </a:p>
         </p:txBody>
@@ -2555,12 +2590,12 @@
           </a:ln>
         </p:spPr>
         <p:txBody>
-          <a:bodyPr anchorCtr="0" anchor="ctr" bIns="91425" lIns="91425" spcFirstLastPara="1" rIns="91425" wrap="square" tIns="91425">
+          <a:bodyPr spcFirstLastPara="1" wrap="square" lIns="91425" tIns="91425" rIns="91425" bIns="91425" anchor="ctr" anchorCtr="0">
             <a:noAutofit/>
           </a:bodyPr>
           <a:lstStyle/>
           <a:p>
-            <a:pPr indent="0" lvl="0" marL="0">
+            <a:pPr marL="0" lvl="0" indent="0">
               <a:spcBef>
                 <a:spcPts val="0"/>
               </a:spcBef>
@@ -2569,9 +2604,6 @@
               </a:spcAft>
               <a:buNone/>
             </a:pPr>
-            <a:r>
-              <a:t/>
-            </a:r>
             <a:endParaRPr/>
           </a:p>
         </p:txBody>
@@ -2591,23 +2623,23 @@
             <a:avLst/>
           </a:prstGeom>
           <a:noFill/>
-          <a:ln cap="flat" cmpd="sng" w="19050">
+          <a:ln w="19050" cap="flat" cmpd="sng">
             <a:solidFill>
               <a:srgbClr val="0091EA"/>
             </a:solidFill>
             <a:prstDash val="solid"/>
             <a:round/>
-            <a:headEnd len="sm" w="sm" type="none"/>
-            <a:tailEnd len="sm" w="sm" type="none"/>
+            <a:headEnd type="none" w="sm" len="sm"/>
+            <a:tailEnd type="none" w="sm" len="sm"/>
           </a:ln>
         </p:spPr>
         <p:txBody>
-          <a:bodyPr anchorCtr="0" anchor="ctr" bIns="91425" lIns="91425" spcFirstLastPara="1" rIns="91425" wrap="square" tIns="91425">
+          <a:bodyPr spcFirstLastPara="1" wrap="square" lIns="91425" tIns="91425" rIns="91425" bIns="91425" anchor="ctr" anchorCtr="0">
             <a:noAutofit/>
           </a:bodyPr>
           <a:lstStyle/>
           <a:p>
-            <a:pPr indent="0" lvl="0" marL="0">
+            <a:pPr marL="0" lvl="0" indent="0">
               <a:spcBef>
                 <a:spcPts val="0"/>
               </a:spcBef>
@@ -2616,9 +2648,6 @@
               </a:spcAft>
               <a:buNone/>
             </a:pPr>
-            <a:r>
-              <a:t/>
-            </a:r>
             <a:endParaRPr/>
           </a:p>
         </p:txBody>
@@ -2632,7 +2661,7 @@
 </file>
 
 <file path=ppt/slideLayouts/slideLayout10.xml><?xml version="1.0" encoding="utf-8"?>
-<p:sldLayout xmlns:a="http://schemas.openxmlformats.org/drawingml/2006/main" xmlns:r="http://schemas.openxmlformats.org/officeDocument/2006/relationships" xmlns:mc="http://schemas.openxmlformats.org/markup-compatibility/2006" xmlns:mv="urn:schemas-microsoft-com:mac:vml" xmlns:p="http://schemas.openxmlformats.org/presentationml/2006/main" xmlns:c="http://schemas.openxmlformats.org/drawingml/2006/chart" xmlns:dgm="http://schemas.openxmlformats.org/drawingml/2006/diagram" xmlns:o="urn:schemas-microsoft-com:office:office" xmlns:v="urn:schemas-microsoft-com:vml" xmlns:pvml="urn:schemas-microsoft-com:office:powerpoint" xmlns:com="http://schemas.openxmlformats.org/drawingml/2006/compatibility" xmlns:p14="http://schemas.microsoft.com/office/powerpoint/2010/main" xmlns:p15="http://schemas.microsoft.com/office/powerpoint/2012/main" matchingName="Blank complete pattern">
+<p:sldLayout xmlns:a="http://schemas.openxmlformats.org/drawingml/2006/main" xmlns:r="http://schemas.openxmlformats.org/officeDocument/2006/relationships" xmlns:p="http://schemas.openxmlformats.org/presentationml/2006/main" matchingName="Blank complete pattern">
   <p:cSld name="BLANK_1">
     <p:bg>
       <p:bgPr>
@@ -2644,11 +2673,12 @@
             <a:fillRect/>
           </a:stretch>
         </a:blipFill>
+        <a:effectLst/>
       </p:bgPr>
     </p:bg>
     <p:spTree>
       <p:nvGrpSpPr>
-        <p:cNvPr id="63" name="Shape 63"/>
+        <p:cNvPr id="1" name="Shape 63"/>
         <p:cNvGrpSpPr/>
         <p:nvPr/>
       </p:nvGrpSpPr>
@@ -2684,12 +2714,12 @@
           </a:ln>
         </p:spPr>
         <p:txBody>
-          <a:bodyPr anchorCtr="0" anchor="ctr" bIns="91425" lIns="91425" spcFirstLastPara="1" rIns="91425" wrap="square" tIns="91425">
+          <a:bodyPr spcFirstLastPara="1" wrap="square" lIns="91425" tIns="91425" rIns="91425" bIns="91425" anchor="ctr" anchorCtr="0">
             <a:noAutofit/>
           </a:bodyPr>
           <a:lstStyle/>
           <a:p>
-            <a:pPr indent="0" lvl="0" marL="0">
+            <a:pPr marL="0" lvl="0" indent="0">
               <a:spcBef>
                 <a:spcPts val="0"/>
               </a:spcBef>
@@ -2698,9 +2728,6 @@
               </a:spcAft>
               <a:buNone/>
             </a:pPr>
-            <a:r>
-              <a:t/>
-            </a:r>
             <a:endParaRPr/>
           </a:p>
         </p:txBody>
@@ -2708,9 +2735,11 @@
       <p:sp>
         <p:nvSpPr>
           <p:cNvPr id="65" name="Shape 65"/>
-          <p:cNvSpPr txBox="1"/>
+          <p:cNvSpPr txBox="1">
+            <a:spLocks noGrp="1"/>
+          </p:cNvSpPr>
           <p:nvPr>
-            <p:ph idx="12" type="sldNum"/>
+            <p:ph type="sldNum" idx="12"/>
           </p:nvPr>
         </p:nvSpPr>
         <p:spPr>
@@ -2723,7 +2752,7 @@
           </a:prstGeom>
         </p:spPr>
         <p:txBody>
-          <a:bodyPr anchorCtr="0" anchor="t" bIns="91425" lIns="91425" spcFirstLastPara="1" rIns="91425" wrap="square" tIns="91425">
+          <a:bodyPr spcFirstLastPara="1" wrap="square" lIns="91425" tIns="91425" rIns="91425" bIns="91425" anchor="t" anchorCtr="0">
             <a:noAutofit/>
           </a:bodyPr>
           <a:lstStyle>
@@ -2765,7 +2794,7 @@
             </a:lvl9pPr>
           </a:lstStyle>
           <a:p>
-            <a:pPr indent="0" lvl="0" marL="0">
+            <a:pPr marL="0" lvl="0" indent="0">
               <a:spcBef>
                 <a:spcPts val="0"/>
               </a:spcBef>
@@ -2776,7 +2805,16 @@
             </a:pPr>
             <a:fld id="{00000000-1234-1234-1234-123412341234}" type="slidenum">
               <a:rPr lang="en"/>
-              <a:t>‹#›</a:t>
+              <a:pPr marL="0" lvl="0" indent="0">
+                <a:spcBef>
+                  <a:spcPts val="0"/>
+                </a:spcBef>
+                <a:spcAft>
+                  <a:spcPts val="0"/>
+                </a:spcAft>
+                <a:buNone/>
+              </a:pPr>
+              <a:t>‹N°›</a:t>
             </a:fld>
             <a:endParaRPr/>
           </a:p>
@@ -2791,7 +2829,7 @@
 </file>
 
 <file path=ppt/slideLayouts/slideLayout2.xml><?xml version="1.0" encoding="utf-8"?>
-<p:sldLayout xmlns:a="http://schemas.openxmlformats.org/drawingml/2006/main" xmlns:r="http://schemas.openxmlformats.org/officeDocument/2006/relationships" xmlns:mc="http://schemas.openxmlformats.org/markup-compatibility/2006" xmlns:mv="urn:schemas-microsoft-com:mac:vml" xmlns:p="http://schemas.openxmlformats.org/presentationml/2006/main" xmlns:c="http://schemas.openxmlformats.org/drawingml/2006/chart" xmlns:dgm="http://schemas.openxmlformats.org/drawingml/2006/diagram" xmlns:o="urn:schemas-microsoft-com:office:office" xmlns:v="urn:schemas-microsoft-com:vml" xmlns:pvml="urn:schemas-microsoft-com:office:powerpoint" xmlns:com="http://schemas.openxmlformats.org/drawingml/2006/compatibility" xmlns:p14="http://schemas.microsoft.com/office/powerpoint/2010/main" xmlns:p15="http://schemas.microsoft.com/office/powerpoint/2012/main" matchingName="Subtitle">
+<p:sldLayout xmlns:a="http://schemas.openxmlformats.org/drawingml/2006/main" xmlns:r="http://schemas.openxmlformats.org/officeDocument/2006/relationships" xmlns:p="http://schemas.openxmlformats.org/presentationml/2006/main" matchingName="Subtitle">
   <p:cSld name="TITLE_1">
     <p:bg>
       <p:bgPr>
@@ -2803,11 +2841,12 @@
             <a:fillRect/>
           </a:stretch>
         </a:blipFill>
+        <a:effectLst/>
       </p:bgPr>
     </p:bg>
     <p:spTree>
       <p:nvGrpSpPr>
-        <p:cNvPr id="26" name="Shape 26"/>
+        <p:cNvPr id="1" name="Shape 26"/>
         <p:cNvGrpSpPr/>
         <p:nvPr/>
       </p:nvGrpSpPr>
@@ -2822,7 +2861,9 @@
       <p:sp>
         <p:nvSpPr>
           <p:cNvPr id="27" name="Shape 27"/>
-          <p:cNvSpPr txBox="1"/>
+          <p:cNvSpPr txBox="1">
+            <a:spLocks noGrp="1"/>
+          </p:cNvSpPr>
           <p:nvPr>
             <p:ph type="ctrTitle"/>
           </p:nvPr>
@@ -2837,7 +2878,7 @@
           </a:prstGeom>
         </p:spPr>
         <p:txBody>
-          <a:bodyPr anchorCtr="0" anchor="b" bIns="91425" lIns="91425" spcFirstLastPara="1" rIns="91425" wrap="square" tIns="91425"/>
+          <a:bodyPr spcFirstLastPara="1" wrap="square" lIns="91425" tIns="91425" rIns="91425" bIns="91425" anchor="b" anchorCtr="0"/>
           <a:lstStyle>
             <a:lvl1pPr lvl="0" rtl="0">
               <a:spcBef>
@@ -2848,7 +2889,7 @@
               </a:spcAft>
               <a:buSzPts val="4800"/>
               <a:buNone/>
-              <a:defRPr b="1" sz="4800"/>
+              <a:defRPr sz="4800" b="1"/>
             </a:lvl1pPr>
             <a:lvl2pPr lvl="1" rtl="0">
               <a:spcBef>
@@ -2859,7 +2900,7 @@
               </a:spcAft>
               <a:buSzPts val="4800"/>
               <a:buNone/>
-              <a:defRPr b="1" sz="4800"/>
+              <a:defRPr sz="4800" b="1"/>
             </a:lvl2pPr>
             <a:lvl3pPr lvl="2" rtl="0">
               <a:spcBef>
@@ -2870,7 +2911,7 @@
               </a:spcAft>
               <a:buSzPts val="4800"/>
               <a:buNone/>
-              <a:defRPr b="1" sz="4800"/>
+              <a:defRPr sz="4800" b="1"/>
             </a:lvl3pPr>
             <a:lvl4pPr lvl="3" rtl="0">
               <a:spcBef>
@@ -2881,7 +2922,7 @@
               </a:spcAft>
               <a:buSzPts val="4800"/>
               <a:buNone/>
-              <a:defRPr b="1" sz="4800"/>
+              <a:defRPr sz="4800" b="1"/>
             </a:lvl4pPr>
             <a:lvl5pPr lvl="4" rtl="0">
               <a:spcBef>
@@ -2892,7 +2933,7 @@
               </a:spcAft>
               <a:buSzPts val="4800"/>
               <a:buNone/>
-              <a:defRPr b="1" sz="4800"/>
+              <a:defRPr sz="4800" b="1"/>
             </a:lvl5pPr>
             <a:lvl6pPr lvl="5" rtl="0">
               <a:spcBef>
@@ -2903,7 +2944,7 @@
               </a:spcAft>
               <a:buSzPts val="4800"/>
               <a:buNone/>
-              <a:defRPr b="1" sz="4800"/>
+              <a:defRPr sz="4800" b="1"/>
             </a:lvl6pPr>
             <a:lvl7pPr lvl="6" rtl="0">
               <a:spcBef>
@@ -2914,7 +2955,7 @@
               </a:spcAft>
               <a:buSzPts val="4800"/>
               <a:buNone/>
-              <a:defRPr b="1" sz="4800"/>
+              <a:defRPr sz="4800" b="1"/>
             </a:lvl7pPr>
             <a:lvl8pPr lvl="7" rtl="0">
               <a:spcBef>
@@ -2925,7 +2966,7 @@
               </a:spcAft>
               <a:buSzPts val="4800"/>
               <a:buNone/>
-              <a:defRPr b="1" sz="4800"/>
+              <a:defRPr sz="4800" b="1"/>
             </a:lvl8pPr>
             <a:lvl9pPr lvl="8" rtl="0">
               <a:spcBef>
@@ -2936,18 +2977,22 @@
               </a:spcAft>
               <a:buSzPts val="4800"/>
               <a:buNone/>
-              <a:defRPr b="1" sz="4800"/>
+              <a:defRPr sz="4800" b="1"/>
             </a:lvl9pPr>
           </a:lstStyle>
-          <a:p/>
+          <a:p>
+            <a:endParaRPr/>
+          </a:p>
         </p:txBody>
       </p:sp>
       <p:sp>
         <p:nvSpPr>
           <p:cNvPr id="28" name="Shape 28"/>
-          <p:cNvSpPr txBox="1"/>
+          <p:cNvSpPr txBox="1">
+            <a:spLocks noGrp="1"/>
+          </p:cNvSpPr>
           <p:nvPr>
-            <p:ph idx="1" type="subTitle"/>
+            <p:ph type="subTitle" idx="1"/>
           </p:nvPr>
         </p:nvSpPr>
         <p:spPr>
@@ -2960,7 +3005,7 @@
           </a:prstGeom>
         </p:spPr>
         <p:txBody>
-          <a:bodyPr anchorCtr="0" anchor="t" bIns="91425" lIns="91425" spcFirstLastPara="1" rIns="91425" wrap="square" tIns="91425"/>
+          <a:bodyPr spcFirstLastPara="1" wrap="square" lIns="91425" tIns="91425" rIns="91425" bIns="91425" anchor="t" anchorCtr="0"/>
           <a:lstStyle>
             <a:lvl1pPr lvl="0" rtl="0">
               <a:spcBef>
@@ -3125,7 +3170,9 @@
               </a:defRPr>
             </a:lvl9pPr>
           </a:lstStyle>
-          <a:p/>
+          <a:p>
+            <a:endParaRPr/>
+          </a:p>
         </p:txBody>
       </p:sp>
     </p:spTree>
@@ -3137,11 +3184,11 @@
 </file>
 
 <file path=ppt/slideLayouts/slideLayout3.xml><?xml version="1.0" encoding="utf-8"?>
-<p:sldLayout xmlns:a="http://schemas.openxmlformats.org/drawingml/2006/main" xmlns:r="http://schemas.openxmlformats.org/officeDocument/2006/relationships" xmlns:mc="http://schemas.openxmlformats.org/markup-compatibility/2006" xmlns:mv="urn:schemas-microsoft-com:mac:vml" xmlns:p="http://schemas.openxmlformats.org/presentationml/2006/main" xmlns:c="http://schemas.openxmlformats.org/drawingml/2006/chart" xmlns:dgm="http://schemas.openxmlformats.org/drawingml/2006/diagram" xmlns:o="urn:schemas-microsoft-com:office:office" xmlns:v="urn:schemas-microsoft-com:vml" xmlns:pvml="urn:schemas-microsoft-com:office:powerpoint" xmlns:com="http://schemas.openxmlformats.org/drawingml/2006/compatibility" xmlns:p14="http://schemas.microsoft.com/office/powerpoint/2010/main" xmlns:p15="http://schemas.microsoft.com/office/powerpoint/2012/main" matchingName="Quote">
+<p:sldLayout xmlns:a="http://schemas.openxmlformats.org/drawingml/2006/main" xmlns:r="http://schemas.openxmlformats.org/officeDocument/2006/relationships" xmlns:p="http://schemas.openxmlformats.org/presentationml/2006/main" matchingName="Quote">
   <p:cSld name="TITLE_1_1">
     <p:spTree>
       <p:nvGrpSpPr>
-        <p:cNvPr id="29" name="Shape 29"/>
+        <p:cNvPr id="1" name="Shape 29"/>
         <p:cNvGrpSpPr/>
         <p:nvPr/>
       </p:nvGrpSpPr>
@@ -3155,7 +3202,7 @@
       </p:grpSpPr>
       <p:pic>
         <p:nvPicPr>
-          <p:cNvPr descr="connections-05.png" id="30" name="Shape 30"/>
+          <p:cNvPr id="30" name="Shape 30" descr="connections-05.png"/>
           <p:cNvPicPr preferRelativeResize="0"/>
           <p:nvPr/>
         </p:nvPicPr>
@@ -3168,7 +3215,7 @@
           </a:stretch>
         </p:blipFill>
         <p:spPr>
-          <a:xfrm flipH="1" rot="10800000">
+          <a:xfrm rot="10800000" flipH="1">
             <a:off x="5945" y="0"/>
             <a:ext cx="9132109" cy="6858000"/>
           </a:xfrm>
@@ -3184,9 +3231,11 @@
       <p:sp>
         <p:nvSpPr>
           <p:cNvPr id="31" name="Shape 31"/>
-          <p:cNvSpPr txBox="1"/>
+          <p:cNvSpPr txBox="1">
+            <a:spLocks noGrp="1"/>
+          </p:cNvSpPr>
           <p:nvPr>
-            <p:ph idx="1" type="body"/>
+            <p:ph type="body" idx="1"/>
           </p:nvPr>
         </p:nvSpPr>
         <p:spPr>
@@ -3199,9 +3248,9 @@
           </a:prstGeom>
         </p:spPr>
         <p:txBody>
-          <a:bodyPr anchorCtr="0" anchor="t" bIns="91425" lIns="91425" spcFirstLastPara="1" rIns="91425" wrap="square" tIns="91425"/>
+          <a:bodyPr spcFirstLastPara="1" wrap="square" lIns="91425" tIns="91425" rIns="91425" bIns="91425" anchor="t" anchorCtr="0"/>
           <a:lstStyle>
-            <a:lvl1pPr indent="-457200" lvl="0" marL="457200" rtl="0" algn="ctr">
+            <a:lvl1pPr marL="457200" lvl="0" indent="-457200" algn="ctr" rtl="0">
               <a:spcBef>
                 <a:spcPts val="600"/>
               </a:spcBef>
@@ -3213,9 +3262,9 @@
               </a:buClr>
               <a:buSzPts val="3600"/>
               <a:buChar char="◎"/>
-              <a:defRPr i="1" sz="3600"/>
+              <a:defRPr sz="3600" i="1"/>
             </a:lvl1pPr>
-            <a:lvl2pPr indent="-457200" lvl="1" marL="914400" rtl="0" algn="ctr">
+            <a:lvl2pPr marL="914400" lvl="1" indent="-457200" algn="ctr" rtl="0">
               <a:spcBef>
                 <a:spcPts val="0"/>
               </a:spcBef>
@@ -3227,9 +3276,9 @@
               </a:buClr>
               <a:buSzPts val="3600"/>
               <a:buChar char="○"/>
-              <a:defRPr i="1" sz="3600"/>
+              <a:defRPr sz="3600" i="1"/>
             </a:lvl2pPr>
-            <a:lvl3pPr indent="-457200" lvl="2" marL="1371600" rtl="0" algn="ctr">
+            <a:lvl3pPr marL="1371600" lvl="2" indent="-457200" algn="ctr" rtl="0">
               <a:spcBef>
                 <a:spcPts val="0"/>
               </a:spcBef>
@@ -3241,9 +3290,9 @@
               </a:buClr>
               <a:buSzPts val="3600"/>
               <a:buChar char="◉"/>
-              <a:defRPr i="1" sz="3600"/>
+              <a:defRPr sz="3600" i="1"/>
             </a:lvl3pPr>
-            <a:lvl4pPr indent="-457200" lvl="3" marL="1828800" rtl="0" algn="ctr">
+            <a:lvl4pPr marL="1828800" lvl="3" indent="-457200" algn="ctr" rtl="0">
               <a:spcBef>
                 <a:spcPts val="0"/>
               </a:spcBef>
@@ -3255,9 +3304,9 @@
               </a:buClr>
               <a:buSzPts val="3600"/>
               <a:buChar char="●"/>
-              <a:defRPr i="1" sz="3600"/>
+              <a:defRPr sz="3600" i="1"/>
             </a:lvl4pPr>
-            <a:lvl5pPr indent="-457200" lvl="4" marL="2286000" rtl="0" algn="ctr">
+            <a:lvl5pPr marL="2286000" lvl="4" indent="-457200" algn="ctr" rtl="0">
               <a:spcBef>
                 <a:spcPts val="0"/>
               </a:spcBef>
@@ -3269,9 +3318,9 @@
               </a:buClr>
               <a:buSzPts val="3600"/>
               <a:buChar char="○"/>
-              <a:defRPr i="1" sz="3600"/>
+              <a:defRPr sz="3600" i="1"/>
             </a:lvl5pPr>
-            <a:lvl6pPr indent="-457200" lvl="5" marL="2743200" rtl="0" algn="ctr">
+            <a:lvl6pPr marL="2743200" lvl="5" indent="-457200" algn="ctr" rtl="0">
               <a:spcBef>
                 <a:spcPts val="0"/>
               </a:spcBef>
@@ -3283,9 +3332,9 @@
               </a:buClr>
               <a:buSzPts val="3600"/>
               <a:buChar char="■"/>
-              <a:defRPr i="1" sz="3600"/>
+              <a:defRPr sz="3600" i="1"/>
             </a:lvl6pPr>
-            <a:lvl7pPr indent="-457200" lvl="6" marL="3200400" rtl="0" algn="ctr">
+            <a:lvl7pPr marL="3200400" lvl="6" indent="-457200" algn="ctr" rtl="0">
               <a:spcBef>
                 <a:spcPts val="0"/>
               </a:spcBef>
@@ -3297,9 +3346,9 @@
               </a:buClr>
               <a:buSzPts val="3600"/>
               <a:buChar char="●"/>
-              <a:defRPr i="1" sz="3600"/>
+              <a:defRPr sz="3600" i="1"/>
             </a:lvl7pPr>
-            <a:lvl8pPr indent="-457200" lvl="7" marL="3657600" rtl="0" algn="ctr">
+            <a:lvl8pPr marL="3657600" lvl="7" indent="-457200" algn="ctr" rtl="0">
               <a:spcBef>
                 <a:spcPts val="0"/>
               </a:spcBef>
@@ -3311,9 +3360,9 @@
               </a:buClr>
               <a:buSzPts val="3600"/>
               <a:buChar char="○"/>
-              <a:defRPr i="1" sz="3600"/>
+              <a:defRPr sz="3600" i="1"/>
             </a:lvl8pPr>
-            <a:lvl9pPr indent="-457200" lvl="8" marL="4114800" algn="ctr">
+            <a:lvl9pPr marL="4114800" lvl="8" indent="-457200" algn="ctr">
               <a:spcBef>
                 <a:spcPts val="0"/>
               </a:spcBef>
@@ -3325,10 +3374,12 @@
               </a:buClr>
               <a:buSzPts val="3600"/>
               <a:buChar char="■"/>
-              <a:defRPr i="1" sz="3600"/>
+              <a:defRPr sz="3600" i="1"/>
             </a:lvl9pPr>
           </a:lstStyle>
-          <a:p/>
+          <a:p>
+            <a:endParaRPr/>
+          </a:p>
         </p:txBody>
       </p:sp>
       <p:grpSp>
@@ -3365,12 +3416,12 @@
             </a:ln>
           </p:spPr>
           <p:txBody>
-            <a:bodyPr anchorCtr="0" anchor="t" bIns="91425" lIns="91425" spcFirstLastPara="1" rIns="91425" wrap="square" tIns="91425">
+            <a:bodyPr spcFirstLastPara="1" wrap="square" lIns="91425" tIns="91425" rIns="91425" bIns="91425" anchor="t" anchorCtr="0">
               <a:noAutofit/>
             </a:bodyPr>
             <a:lstStyle/>
             <a:p>
-              <a:pPr indent="0" lvl="0" marL="0" algn="ctr">
+              <a:pPr marL="0" lvl="0" indent="0" algn="ctr">
                 <a:spcBef>
                   <a:spcPts val="0"/>
                 </a:spcBef>
@@ -3380,7 +3431,7 @@
                 <a:buNone/>
               </a:pPr>
               <a:r>
-                <a:rPr b="1" lang="en" sz="6000">
+                <a:rPr lang="en" sz="6000" b="1">
                   <a:solidFill>
                     <a:srgbClr val="0091EA"/>
                   </a:solidFill>
@@ -3391,7 +3442,7 @@
                 </a:rPr>
                 <a:t>“</a:t>
               </a:r>
-              <a:endParaRPr b="1" sz="6000">
+              <a:endParaRPr sz="6000" b="1">
                 <a:solidFill>
                   <a:srgbClr val="0091EA"/>
                 </a:solidFill>
@@ -3418,23 +3469,23 @@
               <a:avLst/>
             </a:prstGeom>
             <a:noFill/>
-            <a:ln cap="flat" cmpd="sng" w="9525">
+            <a:ln w="9525" cap="flat" cmpd="sng">
               <a:solidFill>
                 <a:srgbClr val="CFD8DC"/>
               </a:solidFill>
               <a:prstDash val="dash"/>
               <a:round/>
-              <a:headEnd len="sm" w="sm" type="none"/>
-              <a:tailEnd len="sm" w="sm" type="none"/>
+              <a:headEnd type="none" w="sm" len="sm"/>
+              <a:tailEnd type="none" w="sm" len="sm"/>
             </a:ln>
           </p:spPr>
           <p:txBody>
-            <a:bodyPr anchorCtr="0" anchor="ctr" bIns="91425" lIns="91425" spcFirstLastPara="1" rIns="91425" wrap="square" tIns="91425">
+            <a:bodyPr spcFirstLastPara="1" wrap="square" lIns="91425" tIns="91425" rIns="91425" bIns="91425" anchor="ctr" anchorCtr="0">
               <a:noAutofit/>
             </a:bodyPr>
             <a:lstStyle/>
             <a:p>
-              <a:pPr indent="0" lvl="0" marL="0">
+              <a:pPr marL="0" lvl="0" indent="0">
                 <a:spcBef>
                   <a:spcPts val="0"/>
                 </a:spcBef>
@@ -3443,9 +3494,6 @@
                 </a:spcAft>
                 <a:buNone/>
               </a:pPr>
-              <a:r>
-                <a:t/>
-              </a:r>
               <a:endParaRPr/>
             </a:p>
           </p:txBody>
@@ -3465,23 +3513,23 @@
               <a:avLst/>
             </a:prstGeom>
             <a:noFill/>
-            <a:ln cap="flat" cmpd="sng" w="19050">
+            <a:ln w="19050" cap="flat" cmpd="sng">
               <a:solidFill>
                 <a:srgbClr val="CFD8DC"/>
               </a:solidFill>
               <a:prstDash val="solid"/>
               <a:round/>
-              <a:headEnd len="sm" w="sm" type="none"/>
-              <a:tailEnd len="sm" w="sm" type="none"/>
+              <a:headEnd type="none" w="sm" len="sm"/>
+              <a:tailEnd type="none" w="sm" len="sm"/>
             </a:ln>
           </p:spPr>
           <p:txBody>
-            <a:bodyPr anchorCtr="0" anchor="ctr" bIns="91425" lIns="91425" spcFirstLastPara="1" rIns="91425" wrap="square" tIns="91425">
+            <a:bodyPr spcFirstLastPara="1" wrap="square" lIns="91425" tIns="91425" rIns="91425" bIns="91425" anchor="ctr" anchorCtr="0">
               <a:noAutofit/>
             </a:bodyPr>
             <a:lstStyle/>
             <a:p>
-              <a:pPr indent="0" lvl="0" marL="0">
+              <a:pPr marL="0" lvl="0" indent="0">
                 <a:spcBef>
                   <a:spcPts val="0"/>
                 </a:spcBef>
@@ -3490,9 +3538,6 @@
                 </a:spcAft>
                 <a:buNone/>
               </a:pPr>
-              <a:r>
-                <a:t/>
-              </a:r>
               <a:endParaRPr/>
             </a:p>
           </p:txBody>
@@ -3515,14 +3560,14 @@
             <a:avLst/>
           </a:prstGeom>
           <a:noFill/>
-          <a:ln cap="flat" cmpd="sng" w="9525">
+          <a:ln w="9525" cap="flat" cmpd="sng">
             <a:solidFill>
               <a:srgbClr val="CFD8DC"/>
             </a:solidFill>
             <a:prstDash val="solid"/>
             <a:round/>
-            <a:headEnd len="med" w="med" type="none"/>
-            <a:tailEnd len="med" w="med" type="none"/>
+            <a:headEnd type="none" w="med" len="med"/>
+            <a:tailEnd type="none" w="med" len="med"/>
           </a:ln>
         </p:spPr>
       </p:cxnSp>
@@ -3541,14 +3586,14 @@
             <a:avLst/>
           </a:prstGeom>
           <a:noFill/>
-          <a:ln cap="flat" cmpd="sng" w="9525">
+          <a:ln w="9525" cap="flat" cmpd="sng">
             <a:solidFill>
               <a:srgbClr val="CFD8DC"/>
             </a:solidFill>
             <a:prstDash val="solid"/>
             <a:round/>
-            <a:headEnd len="med" w="med" type="none"/>
-            <a:tailEnd len="med" w="med" type="none"/>
+            <a:headEnd type="none" w="med" len="med"/>
+            <a:tailEnd type="none" w="med" len="med"/>
           </a:ln>
         </p:spPr>
       </p:cxnSp>
@@ -3559,7 +3604,7 @@
           <p:nvPr/>
         </p:nvCxnSpPr>
         <p:spPr>
-          <a:xfrm flipH="1" rot="10800000">
+          <a:xfrm rot="10800000" flipH="1">
             <a:off x="4749075" y="753125"/>
             <a:ext cx="95100" cy="348900"/>
           </a:xfrm>
@@ -3567,23 +3612,25 @@
             <a:avLst/>
           </a:prstGeom>
           <a:noFill/>
-          <a:ln cap="flat" cmpd="sng" w="9525">
+          <a:ln w="9525" cap="flat" cmpd="sng">
             <a:solidFill>
               <a:srgbClr val="CFD8DC"/>
             </a:solidFill>
             <a:prstDash val="solid"/>
             <a:round/>
-            <a:headEnd len="med" w="med" type="none"/>
-            <a:tailEnd len="med" w="med" type="none"/>
+            <a:headEnd type="none" w="med" len="med"/>
+            <a:tailEnd type="none" w="med" len="med"/>
           </a:ln>
         </p:spPr>
       </p:cxnSp>
       <p:sp>
         <p:nvSpPr>
           <p:cNvPr id="39" name="Shape 39"/>
-          <p:cNvSpPr txBox="1"/>
+          <p:cNvSpPr txBox="1">
+            <a:spLocks noGrp="1"/>
+          </p:cNvSpPr>
           <p:nvPr>
-            <p:ph idx="12" type="sldNum"/>
+            <p:ph type="sldNum" idx="12"/>
           </p:nvPr>
         </p:nvSpPr>
         <p:spPr>
@@ -3596,7 +3643,7 @@
           </a:prstGeom>
         </p:spPr>
         <p:txBody>
-          <a:bodyPr anchorCtr="0" anchor="t" bIns="91425" lIns="91425" spcFirstLastPara="1" rIns="91425" wrap="square" tIns="91425">
+          <a:bodyPr spcFirstLastPara="1" wrap="square" lIns="91425" tIns="91425" rIns="91425" bIns="91425" anchor="t" anchorCtr="0">
             <a:noAutofit/>
           </a:bodyPr>
           <a:lstStyle>
@@ -3638,7 +3685,7 @@
             </a:lvl9pPr>
           </a:lstStyle>
           <a:p>
-            <a:pPr indent="0" lvl="0" marL="0">
+            <a:pPr marL="0" lvl="0" indent="0">
               <a:spcBef>
                 <a:spcPts val="0"/>
               </a:spcBef>
@@ -3649,7 +3696,16 @@
             </a:pPr>
             <a:fld id="{00000000-1234-1234-1234-123412341234}" type="slidenum">
               <a:rPr lang="en"/>
-              <a:t>‹#›</a:t>
+              <a:pPr marL="0" lvl="0" indent="0">
+                <a:spcBef>
+                  <a:spcPts val="0"/>
+                </a:spcBef>
+                <a:spcAft>
+                  <a:spcPts val="0"/>
+                </a:spcAft>
+                <a:buNone/>
+              </a:pPr>
+              <a:t>‹N°›</a:t>
             </a:fld>
             <a:endParaRPr/>
           </a:p>
@@ -3664,11 +3720,11 @@
 </file>
 
 <file path=ppt/slideLayouts/slideLayout4.xml><?xml version="1.0" encoding="utf-8"?>
-<p:sldLayout xmlns:a="http://schemas.openxmlformats.org/drawingml/2006/main" xmlns:r="http://schemas.openxmlformats.org/officeDocument/2006/relationships" xmlns:mc="http://schemas.openxmlformats.org/markup-compatibility/2006" xmlns:mv="urn:schemas-microsoft-com:mac:vml" xmlns:p="http://schemas.openxmlformats.org/presentationml/2006/main" xmlns:c="http://schemas.openxmlformats.org/drawingml/2006/chart" xmlns:dgm="http://schemas.openxmlformats.org/drawingml/2006/diagram" xmlns:o="urn:schemas-microsoft-com:office:office" xmlns:v="urn:schemas-microsoft-com:vml" xmlns:pvml="urn:schemas-microsoft-com:office:powerpoint" xmlns:com="http://schemas.openxmlformats.org/drawingml/2006/compatibility" xmlns:p14="http://schemas.microsoft.com/office/powerpoint/2010/main" xmlns:p15="http://schemas.microsoft.com/office/powerpoint/2012/main" matchingName="Title + 1 column" type="tx">
+<p:sldLayout xmlns:a="http://schemas.openxmlformats.org/drawingml/2006/main" xmlns:r="http://schemas.openxmlformats.org/officeDocument/2006/relationships" xmlns:p="http://schemas.openxmlformats.org/presentationml/2006/main" matchingName="Title + 1 column" type="tx">
   <p:cSld name="TITLE_AND_BODY">
     <p:spTree>
       <p:nvGrpSpPr>
-        <p:cNvPr id="40" name="Shape 40"/>
+        <p:cNvPr id="1" name="Shape 40"/>
         <p:cNvGrpSpPr/>
         <p:nvPr/>
       </p:nvGrpSpPr>
@@ -3683,7 +3739,9 @@
       <p:sp>
         <p:nvSpPr>
           <p:cNvPr id="41" name="Shape 41"/>
-          <p:cNvSpPr txBox="1"/>
+          <p:cNvSpPr txBox="1">
+            <a:spLocks noGrp="1"/>
+          </p:cNvSpPr>
           <p:nvPr>
             <p:ph type="title"/>
           </p:nvPr>
@@ -3698,7 +3756,7 @@
           </a:prstGeom>
         </p:spPr>
         <p:txBody>
-          <a:bodyPr anchorCtr="0" anchor="b" bIns="91425" lIns="91425" spcFirstLastPara="1" rIns="91425" wrap="square" tIns="91425"/>
+          <a:bodyPr spcFirstLastPara="1" wrap="square" lIns="91425" tIns="91425" rIns="91425" bIns="91425" anchor="b" anchorCtr="0"/>
           <a:lstStyle>
             <a:lvl1pPr lvl="0">
               <a:spcBef>
@@ -3800,15 +3858,19 @@
               <a:defRPr/>
             </a:lvl9pPr>
           </a:lstStyle>
-          <a:p/>
+          <a:p>
+            <a:endParaRPr/>
+          </a:p>
         </p:txBody>
       </p:sp>
       <p:sp>
         <p:nvSpPr>
           <p:cNvPr id="42" name="Shape 42"/>
-          <p:cNvSpPr txBox="1"/>
+          <p:cNvSpPr txBox="1">
+            <a:spLocks noGrp="1"/>
+          </p:cNvSpPr>
           <p:nvPr>
-            <p:ph idx="1" type="body"/>
+            <p:ph type="body" idx="1"/>
           </p:nvPr>
         </p:nvSpPr>
         <p:spPr>
@@ -3821,9 +3883,9 @@
           </a:prstGeom>
         </p:spPr>
         <p:txBody>
-          <a:bodyPr anchorCtr="0" anchor="t" bIns="91425" lIns="91425" spcFirstLastPara="1" rIns="91425" wrap="square" tIns="91425"/>
+          <a:bodyPr spcFirstLastPara="1" wrap="square" lIns="91425" tIns="91425" rIns="91425" bIns="91425" anchor="t" anchorCtr="0"/>
           <a:lstStyle>
-            <a:lvl1pPr indent="-419100" lvl="0" marL="457200">
+            <a:lvl1pPr marL="457200" lvl="0" indent="-419100">
               <a:spcBef>
                 <a:spcPts val="600"/>
               </a:spcBef>
@@ -3834,7 +3896,7 @@
               <a:buChar char="◎"/>
               <a:defRPr/>
             </a:lvl1pPr>
-            <a:lvl2pPr indent="-381000" lvl="1" marL="914400">
+            <a:lvl2pPr marL="914400" lvl="1" indent="-381000">
               <a:spcBef>
                 <a:spcPts val="0"/>
               </a:spcBef>
@@ -3845,7 +3907,7 @@
               <a:buChar char="○"/>
               <a:defRPr/>
             </a:lvl2pPr>
-            <a:lvl3pPr indent="-381000" lvl="2" marL="1371600">
+            <a:lvl3pPr marL="1371600" lvl="2" indent="-381000">
               <a:spcBef>
                 <a:spcPts val="0"/>
               </a:spcBef>
@@ -3856,7 +3918,7 @@
               <a:buChar char="◉"/>
               <a:defRPr/>
             </a:lvl3pPr>
-            <a:lvl4pPr indent="-342900" lvl="3" marL="1828800">
+            <a:lvl4pPr marL="1828800" lvl="3" indent="-342900">
               <a:spcBef>
                 <a:spcPts val="0"/>
               </a:spcBef>
@@ -3867,7 +3929,7 @@
               <a:buChar char="●"/>
               <a:defRPr/>
             </a:lvl4pPr>
-            <a:lvl5pPr indent="-342900" lvl="4" marL="2286000">
+            <a:lvl5pPr marL="2286000" lvl="4" indent="-342900">
               <a:spcBef>
                 <a:spcPts val="0"/>
               </a:spcBef>
@@ -3878,7 +3940,7 @@
               <a:buChar char="○"/>
               <a:defRPr/>
             </a:lvl5pPr>
-            <a:lvl6pPr indent="-342900" lvl="5" marL="2743200">
+            <a:lvl6pPr marL="2743200" lvl="5" indent="-342900">
               <a:spcBef>
                 <a:spcPts val="0"/>
               </a:spcBef>
@@ -3889,7 +3951,7 @@
               <a:buChar char="■"/>
               <a:defRPr/>
             </a:lvl6pPr>
-            <a:lvl7pPr indent="-342900" lvl="6" marL="3200400">
+            <a:lvl7pPr marL="3200400" lvl="6" indent="-342900">
               <a:spcBef>
                 <a:spcPts val="0"/>
               </a:spcBef>
@@ -3900,7 +3962,7 @@
               <a:buChar char="●"/>
               <a:defRPr/>
             </a:lvl7pPr>
-            <a:lvl8pPr indent="-342900" lvl="7" marL="3657600">
+            <a:lvl8pPr marL="3657600" lvl="7" indent="-342900">
               <a:spcBef>
                 <a:spcPts val="0"/>
               </a:spcBef>
@@ -3911,7 +3973,7 @@
               <a:buChar char="○"/>
               <a:defRPr/>
             </a:lvl8pPr>
-            <a:lvl9pPr indent="-342900" lvl="8" marL="4114800">
+            <a:lvl9pPr marL="4114800" lvl="8" indent="-342900">
               <a:spcBef>
                 <a:spcPts val="0"/>
               </a:spcBef>
@@ -3923,15 +3985,19 @@
               <a:defRPr/>
             </a:lvl9pPr>
           </a:lstStyle>
-          <a:p/>
+          <a:p>
+            <a:endParaRPr/>
+          </a:p>
         </p:txBody>
       </p:sp>
       <p:sp>
         <p:nvSpPr>
           <p:cNvPr id="43" name="Shape 43"/>
-          <p:cNvSpPr txBox="1"/>
+          <p:cNvSpPr txBox="1">
+            <a:spLocks noGrp="1"/>
+          </p:cNvSpPr>
           <p:nvPr>
-            <p:ph idx="12" type="sldNum"/>
+            <p:ph type="sldNum" idx="12"/>
           </p:nvPr>
         </p:nvSpPr>
         <p:spPr>
@@ -3944,7 +4010,7 @@
           </a:prstGeom>
         </p:spPr>
         <p:txBody>
-          <a:bodyPr anchorCtr="0" anchor="t" bIns="91425" lIns="91425" spcFirstLastPara="1" rIns="91425" wrap="square" tIns="91425">
+          <a:bodyPr spcFirstLastPara="1" wrap="square" lIns="91425" tIns="91425" rIns="91425" bIns="91425" anchor="t" anchorCtr="0">
             <a:noAutofit/>
           </a:bodyPr>
           <a:lstStyle>
@@ -3986,7 +4052,7 @@
             </a:lvl9pPr>
           </a:lstStyle>
           <a:p>
-            <a:pPr indent="0" lvl="0" marL="0">
+            <a:pPr marL="0" lvl="0" indent="0">
               <a:spcBef>
                 <a:spcPts val="0"/>
               </a:spcBef>
@@ -3997,7 +4063,16 @@
             </a:pPr>
             <a:fld id="{00000000-1234-1234-1234-123412341234}" type="slidenum">
               <a:rPr lang="en"/>
-              <a:t>‹#›</a:t>
+              <a:pPr marL="0" lvl="0" indent="0">
+                <a:spcBef>
+                  <a:spcPts val="0"/>
+                </a:spcBef>
+                <a:spcAft>
+                  <a:spcPts val="0"/>
+                </a:spcAft>
+                <a:buNone/>
+              </a:pPr>
+              <a:t>‹N°›</a:t>
             </a:fld>
             <a:endParaRPr/>
           </a:p>
@@ -4012,11 +4087,11 @@
 </file>
 
 <file path=ppt/slideLayouts/slideLayout5.xml><?xml version="1.0" encoding="utf-8"?>
-<p:sldLayout xmlns:a="http://schemas.openxmlformats.org/drawingml/2006/main" xmlns:r="http://schemas.openxmlformats.org/officeDocument/2006/relationships" xmlns:mc="http://schemas.openxmlformats.org/markup-compatibility/2006" xmlns:mv="urn:schemas-microsoft-com:mac:vml" xmlns:p="http://schemas.openxmlformats.org/presentationml/2006/main" xmlns:c="http://schemas.openxmlformats.org/drawingml/2006/chart" xmlns:dgm="http://schemas.openxmlformats.org/drawingml/2006/diagram" xmlns:o="urn:schemas-microsoft-com:office:office" xmlns:v="urn:schemas-microsoft-com:vml" xmlns:pvml="urn:schemas-microsoft-com:office:powerpoint" xmlns:com="http://schemas.openxmlformats.org/drawingml/2006/compatibility" xmlns:p14="http://schemas.microsoft.com/office/powerpoint/2010/main" xmlns:p15="http://schemas.microsoft.com/office/powerpoint/2012/main" matchingName="Title + 2 columns" type="twoColTx">
+<p:sldLayout xmlns:a="http://schemas.openxmlformats.org/drawingml/2006/main" xmlns:r="http://schemas.openxmlformats.org/officeDocument/2006/relationships" xmlns:p="http://schemas.openxmlformats.org/presentationml/2006/main" matchingName="Title + 2 columns" type="twoColTx">
   <p:cSld name="TITLE_AND_TWO_COLUMNS">
     <p:spTree>
       <p:nvGrpSpPr>
-        <p:cNvPr id="44" name="Shape 44"/>
+        <p:cNvPr id="1" name="Shape 44"/>
         <p:cNvGrpSpPr/>
         <p:nvPr/>
       </p:nvGrpSpPr>
@@ -4031,7 +4106,9 @@
       <p:sp>
         <p:nvSpPr>
           <p:cNvPr id="45" name="Shape 45"/>
-          <p:cNvSpPr txBox="1"/>
+          <p:cNvSpPr txBox="1">
+            <a:spLocks noGrp="1"/>
+          </p:cNvSpPr>
           <p:nvPr>
             <p:ph type="title"/>
           </p:nvPr>
@@ -4046,7 +4123,7 @@
           </a:prstGeom>
         </p:spPr>
         <p:txBody>
-          <a:bodyPr anchorCtr="0" anchor="b" bIns="91425" lIns="91425" spcFirstLastPara="1" rIns="91425" wrap="square" tIns="91425"/>
+          <a:bodyPr spcFirstLastPara="1" wrap="square" lIns="91425" tIns="91425" rIns="91425" bIns="91425" anchor="b" anchorCtr="0"/>
           <a:lstStyle>
             <a:lvl1pPr lvl="0">
               <a:spcBef>
@@ -4148,15 +4225,19 @@
               <a:defRPr/>
             </a:lvl9pPr>
           </a:lstStyle>
-          <a:p/>
+          <a:p>
+            <a:endParaRPr/>
+          </a:p>
         </p:txBody>
       </p:sp>
       <p:sp>
         <p:nvSpPr>
           <p:cNvPr id="46" name="Shape 46"/>
-          <p:cNvSpPr txBox="1"/>
+          <p:cNvSpPr txBox="1">
+            <a:spLocks noGrp="1"/>
+          </p:cNvSpPr>
           <p:nvPr>
-            <p:ph idx="1" type="body"/>
+            <p:ph type="body" idx="1"/>
           </p:nvPr>
         </p:nvSpPr>
         <p:spPr>
@@ -4169,9 +4250,9 @@
           </a:prstGeom>
         </p:spPr>
         <p:txBody>
-          <a:bodyPr anchorCtr="0" anchor="t" bIns="91425" lIns="91425" spcFirstLastPara="1" rIns="91425" wrap="square" tIns="91425"/>
+          <a:bodyPr spcFirstLastPara="1" wrap="square" lIns="91425" tIns="91425" rIns="91425" bIns="91425" anchor="t" anchorCtr="0"/>
           <a:lstStyle>
-            <a:lvl1pPr indent="-393700" lvl="0" marL="457200">
+            <a:lvl1pPr marL="457200" lvl="0" indent="-393700">
               <a:spcBef>
                 <a:spcPts val="600"/>
               </a:spcBef>
@@ -4182,7 +4263,7 @@
               <a:buChar char="◎"/>
               <a:defRPr sz="2600"/>
             </a:lvl1pPr>
-            <a:lvl2pPr indent="-393700" lvl="1" marL="914400">
+            <a:lvl2pPr marL="914400" lvl="1" indent="-393700">
               <a:spcBef>
                 <a:spcPts val="0"/>
               </a:spcBef>
@@ -4193,7 +4274,7 @@
               <a:buChar char="○"/>
               <a:defRPr sz="2600"/>
             </a:lvl2pPr>
-            <a:lvl3pPr indent="-393700" lvl="2" marL="1371600">
+            <a:lvl3pPr marL="1371600" lvl="2" indent="-393700">
               <a:spcBef>
                 <a:spcPts val="0"/>
               </a:spcBef>
@@ -4204,7 +4285,7 @@
               <a:buChar char="◉"/>
               <a:defRPr sz="2600"/>
             </a:lvl3pPr>
-            <a:lvl4pPr indent="-393700" lvl="3" marL="1828800">
+            <a:lvl4pPr marL="1828800" lvl="3" indent="-393700">
               <a:spcBef>
                 <a:spcPts val="0"/>
               </a:spcBef>
@@ -4215,7 +4296,7 @@
               <a:buChar char="●"/>
               <a:defRPr sz="2600"/>
             </a:lvl4pPr>
-            <a:lvl5pPr indent="-393700" lvl="4" marL="2286000">
+            <a:lvl5pPr marL="2286000" lvl="4" indent="-393700">
               <a:spcBef>
                 <a:spcPts val="0"/>
               </a:spcBef>
@@ -4226,7 +4307,7 @@
               <a:buChar char="○"/>
               <a:defRPr sz="2600"/>
             </a:lvl5pPr>
-            <a:lvl6pPr indent="-393700" lvl="5" marL="2743200">
+            <a:lvl6pPr marL="2743200" lvl="5" indent="-393700">
               <a:spcBef>
                 <a:spcPts val="0"/>
               </a:spcBef>
@@ -4237,7 +4318,7 @@
               <a:buChar char="■"/>
               <a:defRPr sz="2600"/>
             </a:lvl6pPr>
-            <a:lvl7pPr indent="-393700" lvl="6" marL="3200400">
+            <a:lvl7pPr marL="3200400" lvl="6" indent="-393700">
               <a:spcBef>
                 <a:spcPts val="0"/>
               </a:spcBef>
@@ -4248,7 +4329,7 @@
               <a:buChar char="●"/>
               <a:defRPr sz="2600"/>
             </a:lvl7pPr>
-            <a:lvl8pPr indent="-393700" lvl="7" marL="3657600">
+            <a:lvl8pPr marL="3657600" lvl="7" indent="-393700">
               <a:spcBef>
                 <a:spcPts val="0"/>
               </a:spcBef>
@@ -4259,7 +4340,7 @@
               <a:buChar char="○"/>
               <a:defRPr sz="2600"/>
             </a:lvl8pPr>
-            <a:lvl9pPr indent="-393700" lvl="8" marL="4114800">
+            <a:lvl9pPr marL="4114800" lvl="8" indent="-393700">
               <a:spcBef>
                 <a:spcPts val="0"/>
               </a:spcBef>
@@ -4271,15 +4352,19 @@
               <a:defRPr sz="2600"/>
             </a:lvl9pPr>
           </a:lstStyle>
-          <a:p/>
+          <a:p>
+            <a:endParaRPr/>
+          </a:p>
         </p:txBody>
       </p:sp>
       <p:sp>
         <p:nvSpPr>
           <p:cNvPr id="47" name="Shape 47"/>
-          <p:cNvSpPr txBox="1"/>
+          <p:cNvSpPr txBox="1">
+            <a:spLocks noGrp="1"/>
+          </p:cNvSpPr>
           <p:nvPr>
-            <p:ph idx="2" type="body"/>
+            <p:ph type="body" idx="2"/>
           </p:nvPr>
         </p:nvSpPr>
         <p:spPr>
@@ -4292,9 +4377,9 @@
           </a:prstGeom>
         </p:spPr>
         <p:txBody>
-          <a:bodyPr anchorCtr="0" anchor="t" bIns="91425" lIns="91425" spcFirstLastPara="1" rIns="91425" wrap="square" tIns="91425"/>
+          <a:bodyPr spcFirstLastPara="1" wrap="square" lIns="91425" tIns="91425" rIns="91425" bIns="91425" anchor="t" anchorCtr="0"/>
           <a:lstStyle>
-            <a:lvl1pPr indent="-393700" lvl="0" marL="457200">
+            <a:lvl1pPr marL="457200" lvl="0" indent="-393700">
               <a:spcBef>
                 <a:spcPts val="600"/>
               </a:spcBef>
@@ -4305,7 +4390,7 @@
               <a:buChar char="◎"/>
               <a:defRPr sz="2600"/>
             </a:lvl1pPr>
-            <a:lvl2pPr indent="-393700" lvl="1" marL="914400">
+            <a:lvl2pPr marL="914400" lvl="1" indent="-393700">
               <a:spcBef>
                 <a:spcPts val="0"/>
               </a:spcBef>
@@ -4316,7 +4401,7 @@
               <a:buChar char="○"/>
               <a:defRPr sz="2600"/>
             </a:lvl2pPr>
-            <a:lvl3pPr indent="-393700" lvl="2" marL="1371600">
+            <a:lvl3pPr marL="1371600" lvl="2" indent="-393700">
               <a:spcBef>
                 <a:spcPts val="0"/>
               </a:spcBef>
@@ -4327,7 +4412,7 @@
               <a:buChar char="◉"/>
               <a:defRPr sz="2600"/>
             </a:lvl3pPr>
-            <a:lvl4pPr indent="-393700" lvl="3" marL="1828800">
+            <a:lvl4pPr marL="1828800" lvl="3" indent="-393700">
               <a:spcBef>
                 <a:spcPts val="0"/>
               </a:spcBef>
@@ -4338,7 +4423,7 @@
               <a:buChar char="●"/>
               <a:defRPr sz="2600"/>
             </a:lvl4pPr>
-            <a:lvl5pPr indent="-393700" lvl="4" marL="2286000">
+            <a:lvl5pPr marL="2286000" lvl="4" indent="-393700">
               <a:spcBef>
                 <a:spcPts val="0"/>
               </a:spcBef>
@@ -4349,7 +4434,7 @@
               <a:buChar char="○"/>
               <a:defRPr sz="2600"/>
             </a:lvl5pPr>
-            <a:lvl6pPr indent="-393700" lvl="5" marL="2743200">
+            <a:lvl6pPr marL="2743200" lvl="5" indent="-393700">
               <a:spcBef>
                 <a:spcPts val="0"/>
               </a:spcBef>
@@ -4360,7 +4445,7 @@
               <a:buChar char="■"/>
               <a:defRPr sz="2600"/>
             </a:lvl6pPr>
-            <a:lvl7pPr indent="-393700" lvl="6" marL="3200400">
+            <a:lvl7pPr marL="3200400" lvl="6" indent="-393700">
               <a:spcBef>
                 <a:spcPts val="0"/>
               </a:spcBef>
@@ -4371,7 +4456,7 @@
               <a:buChar char="●"/>
               <a:defRPr sz="2600"/>
             </a:lvl7pPr>
-            <a:lvl8pPr indent="-393700" lvl="7" marL="3657600">
+            <a:lvl8pPr marL="3657600" lvl="7" indent="-393700">
               <a:spcBef>
                 <a:spcPts val="0"/>
               </a:spcBef>
@@ -4382,7 +4467,7 @@
               <a:buChar char="○"/>
               <a:defRPr sz="2600"/>
             </a:lvl8pPr>
-            <a:lvl9pPr indent="-393700" lvl="8" marL="4114800">
+            <a:lvl9pPr marL="4114800" lvl="8" indent="-393700">
               <a:spcBef>
                 <a:spcPts val="0"/>
               </a:spcBef>
@@ -4394,15 +4479,19 @@
               <a:defRPr sz="2600"/>
             </a:lvl9pPr>
           </a:lstStyle>
-          <a:p/>
+          <a:p>
+            <a:endParaRPr/>
+          </a:p>
         </p:txBody>
       </p:sp>
       <p:sp>
         <p:nvSpPr>
           <p:cNvPr id="48" name="Shape 48"/>
-          <p:cNvSpPr txBox="1"/>
+          <p:cNvSpPr txBox="1">
+            <a:spLocks noGrp="1"/>
+          </p:cNvSpPr>
           <p:nvPr>
-            <p:ph idx="12" type="sldNum"/>
+            <p:ph type="sldNum" idx="12"/>
           </p:nvPr>
         </p:nvSpPr>
         <p:spPr>
@@ -4415,7 +4504,7 @@
           </a:prstGeom>
         </p:spPr>
         <p:txBody>
-          <a:bodyPr anchorCtr="0" anchor="t" bIns="91425" lIns="91425" spcFirstLastPara="1" rIns="91425" wrap="square" tIns="91425">
+          <a:bodyPr spcFirstLastPara="1" wrap="square" lIns="91425" tIns="91425" rIns="91425" bIns="91425" anchor="t" anchorCtr="0">
             <a:noAutofit/>
           </a:bodyPr>
           <a:lstStyle>
@@ -4457,7 +4546,7 @@
             </a:lvl9pPr>
           </a:lstStyle>
           <a:p>
-            <a:pPr indent="0" lvl="0" marL="0">
+            <a:pPr marL="0" lvl="0" indent="0">
               <a:spcBef>
                 <a:spcPts val="0"/>
               </a:spcBef>
@@ -4468,7 +4557,16 @@
             </a:pPr>
             <a:fld id="{00000000-1234-1234-1234-123412341234}" type="slidenum">
               <a:rPr lang="en"/>
-              <a:t>‹#›</a:t>
+              <a:pPr marL="0" lvl="0" indent="0">
+                <a:spcBef>
+                  <a:spcPts val="0"/>
+                </a:spcBef>
+                <a:spcAft>
+                  <a:spcPts val="0"/>
+                </a:spcAft>
+                <a:buNone/>
+              </a:pPr>
+              <a:t>‹N°›</a:t>
             </a:fld>
             <a:endParaRPr/>
           </a:p>
@@ -4483,11 +4581,11 @@
 </file>
 
 <file path=ppt/slideLayouts/slideLayout6.xml><?xml version="1.0" encoding="utf-8"?>
-<p:sldLayout xmlns:a="http://schemas.openxmlformats.org/drawingml/2006/main" xmlns:r="http://schemas.openxmlformats.org/officeDocument/2006/relationships" xmlns:mc="http://schemas.openxmlformats.org/markup-compatibility/2006" xmlns:mv="urn:schemas-microsoft-com:mac:vml" xmlns:p="http://schemas.openxmlformats.org/presentationml/2006/main" xmlns:c="http://schemas.openxmlformats.org/drawingml/2006/chart" xmlns:dgm="http://schemas.openxmlformats.org/drawingml/2006/diagram" xmlns:o="urn:schemas-microsoft-com:office:office" xmlns:v="urn:schemas-microsoft-com:vml" xmlns:pvml="urn:schemas-microsoft-com:office:powerpoint" xmlns:com="http://schemas.openxmlformats.org/drawingml/2006/compatibility" xmlns:p14="http://schemas.microsoft.com/office/powerpoint/2010/main" xmlns:p15="http://schemas.microsoft.com/office/powerpoint/2012/main" matchingName="Title + 3 columns">
+<p:sldLayout xmlns:a="http://schemas.openxmlformats.org/drawingml/2006/main" xmlns:r="http://schemas.openxmlformats.org/officeDocument/2006/relationships" xmlns:p="http://schemas.openxmlformats.org/presentationml/2006/main" matchingName="Title + 3 columns">
   <p:cSld name="TITLE_AND_TWO_COLUMNS_1">
     <p:spTree>
       <p:nvGrpSpPr>
-        <p:cNvPr id="49" name="Shape 49"/>
+        <p:cNvPr id="1" name="Shape 49"/>
         <p:cNvGrpSpPr/>
         <p:nvPr/>
       </p:nvGrpSpPr>
@@ -4502,7 +4600,9 @@
       <p:sp>
         <p:nvSpPr>
           <p:cNvPr id="50" name="Shape 50"/>
-          <p:cNvSpPr txBox="1"/>
+          <p:cNvSpPr txBox="1">
+            <a:spLocks noGrp="1"/>
+          </p:cNvSpPr>
           <p:nvPr>
             <p:ph type="title"/>
           </p:nvPr>
@@ -4517,7 +4617,7 @@
           </a:prstGeom>
         </p:spPr>
         <p:txBody>
-          <a:bodyPr anchorCtr="0" anchor="b" bIns="91425" lIns="91425" spcFirstLastPara="1" rIns="91425" wrap="square" tIns="91425"/>
+          <a:bodyPr spcFirstLastPara="1" wrap="square" lIns="91425" tIns="91425" rIns="91425" bIns="91425" anchor="b" anchorCtr="0"/>
           <a:lstStyle>
             <a:lvl1pPr lvl="0" rtl="0">
               <a:spcBef>
@@ -4619,15 +4719,19 @@
               <a:defRPr/>
             </a:lvl9pPr>
           </a:lstStyle>
-          <a:p/>
+          <a:p>
+            <a:endParaRPr/>
+          </a:p>
         </p:txBody>
       </p:sp>
       <p:sp>
         <p:nvSpPr>
           <p:cNvPr id="51" name="Shape 51"/>
-          <p:cNvSpPr txBox="1"/>
+          <p:cNvSpPr txBox="1">
+            <a:spLocks noGrp="1"/>
+          </p:cNvSpPr>
           <p:nvPr>
-            <p:ph idx="1" type="body"/>
+            <p:ph type="body" idx="1"/>
           </p:nvPr>
         </p:nvSpPr>
         <p:spPr>
@@ -4640,9 +4744,9 @@
           </a:prstGeom>
         </p:spPr>
         <p:txBody>
-          <a:bodyPr anchorCtr="0" anchor="t" bIns="91425" lIns="91425" spcFirstLastPara="1" rIns="91425" wrap="square" tIns="91425"/>
+          <a:bodyPr spcFirstLastPara="1" wrap="square" lIns="91425" tIns="91425" rIns="91425" bIns="91425" anchor="t" anchorCtr="0"/>
           <a:lstStyle>
-            <a:lvl1pPr indent="-355600" lvl="0" marL="457200" rtl="0">
+            <a:lvl1pPr marL="457200" lvl="0" indent="-355600" rtl="0">
               <a:spcBef>
                 <a:spcPts val="600"/>
               </a:spcBef>
@@ -4653,7 +4757,7 @@
               <a:buChar char="◎"/>
               <a:defRPr sz="2000"/>
             </a:lvl1pPr>
-            <a:lvl2pPr indent="-355600" lvl="1" marL="914400" rtl="0">
+            <a:lvl2pPr marL="914400" lvl="1" indent="-355600" rtl="0">
               <a:spcBef>
                 <a:spcPts val="0"/>
               </a:spcBef>
@@ -4664,7 +4768,7 @@
               <a:buChar char="○"/>
               <a:defRPr sz="2000"/>
             </a:lvl2pPr>
-            <a:lvl3pPr indent="-355600" lvl="2" marL="1371600" rtl="0">
+            <a:lvl3pPr marL="1371600" lvl="2" indent="-355600" rtl="0">
               <a:spcBef>
                 <a:spcPts val="0"/>
               </a:spcBef>
@@ -4675,7 +4779,7 @@
               <a:buChar char="◉"/>
               <a:defRPr sz="2000"/>
             </a:lvl3pPr>
-            <a:lvl4pPr indent="-355600" lvl="3" marL="1828800" rtl="0">
+            <a:lvl4pPr marL="1828800" lvl="3" indent="-355600" rtl="0">
               <a:spcBef>
                 <a:spcPts val="0"/>
               </a:spcBef>
@@ -4686,7 +4790,7 @@
               <a:buChar char="●"/>
               <a:defRPr sz="2000"/>
             </a:lvl4pPr>
-            <a:lvl5pPr indent="-355600" lvl="4" marL="2286000" rtl="0">
+            <a:lvl5pPr marL="2286000" lvl="4" indent="-355600" rtl="0">
               <a:spcBef>
                 <a:spcPts val="0"/>
               </a:spcBef>
@@ -4697,7 +4801,7 @@
               <a:buChar char="○"/>
               <a:defRPr sz="2000"/>
             </a:lvl5pPr>
-            <a:lvl6pPr indent="-355600" lvl="5" marL="2743200" rtl="0">
+            <a:lvl6pPr marL="2743200" lvl="5" indent="-355600" rtl="0">
               <a:spcBef>
                 <a:spcPts val="0"/>
               </a:spcBef>
@@ -4708,7 +4812,7 @@
               <a:buChar char="■"/>
               <a:defRPr sz="2000"/>
             </a:lvl6pPr>
-            <a:lvl7pPr indent="-355600" lvl="6" marL="3200400" rtl="0">
+            <a:lvl7pPr marL="3200400" lvl="6" indent="-355600" rtl="0">
               <a:spcBef>
                 <a:spcPts val="0"/>
               </a:spcBef>
@@ -4719,7 +4823,7 @@
               <a:buChar char="●"/>
               <a:defRPr sz="2000"/>
             </a:lvl7pPr>
-            <a:lvl8pPr indent="-355600" lvl="7" marL="3657600" rtl="0">
+            <a:lvl8pPr marL="3657600" lvl="7" indent="-355600" rtl="0">
               <a:spcBef>
                 <a:spcPts val="0"/>
               </a:spcBef>
@@ -4730,7 +4834,7 @@
               <a:buChar char="○"/>
               <a:defRPr sz="2000"/>
             </a:lvl8pPr>
-            <a:lvl9pPr indent="-355600" lvl="8" marL="4114800" rtl="0">
+            <a:lvl9pPr marL="4114800" lvl="8" indent="-355600" rtl="0">
               <a:spcBef>
                 <a:spcPts val="0"/>
               </a:spcBef>
@@ -4742,15 +4846,19 @@
               <a:defRPr sz="2000"/>
             </a:lvl9pPr>
           </a:lstStyle>
-          <a:p/>
+          <a:p>
+            <a:endParaRPr/>
+          </a:p>
         </p:txBody>
       </p:sp>
       <p:sp>
         <p:nvSpPr>
           <p:cNvPr id="52" name="Shape 52"/>
-          <p:cNvSpPr txBox="1"/>
+          <p:cNvSpPr txBox="1">
+            <a:spLocks noGrp="1"/>
+          </p:cNvSpPr>
           <p:nvPr>
-            <p:ph idx="2" type="body"/>
+            <p:ph type="body" idx="2"/>
           </p:nvPr>
         </p:nvSpPr>
         <p:spPr>
@@ -4763,9 +4871,9 @@
           </a:prstGeom>
         </p:spPr>
         <p:txBody>
-          <a:bodyPr anchorCtr="0" anchor="t" bIns="91425" lIns="91425" spcFirstLastPara="1" rIns="91425" wrap="square" tIns="91425"/>
+          <a:bodyPr spcFirstLastPara="1" wrap="square" lIns="91425" tIns="91425" rIns="91425" bIns="91425" anchor="t" anchorCtr="0"/>
           <a:lstStyle>
-            <a:lvl1pPr indent="-355600" lvl="0" marL="457200" rtl="0">
+            <a:lvl1pPr marL="457200" lvl="0" indent="-355600" rtl="0">
               <a:spcBef>
                 <a:spcPts val="600"/>
               </a:spcBef>
@@ -4776,7 +4884,7 @@
               <a:buChar char="◎"/>
               <a:defRPr sz="2000"/>
             </a:lvl1pPr>
-            <a:lvl2pPr indent="-355600" lvl="1" marL="914400" rtl="0">
+            <a:lvl2pPr marL="914400" lvl="1" indent="-355600" rtl="0">
               <a:spcBef>
                 <a:spcPts val="0"/>
               </a:spcBef>
@@ -4787,7 +4895,7 @@
               <a:buChar char="○"/>
               <a:defRPr sz="2000"/>
             </a:lvl2pPr>
-            <a:lvl3pPr indent="-355600" lvl="2" marL="1371600" rtl="0">
+            <a:lvl3pPr marL="1371600" lvl="2" indent="-355600" rtl="0">
               <a:spcBef>
                 <a:spcPts val="0"/>
               </a:spcBef>
@@ -4798,7 +4906,7 @@
               <a:buChar char="◉"/>
               <a:defRPr sz="2000"/>
             </a:lvl3pPr>
-            <a:lvl4pPr indent="-355600" lvl="3" marL="1828800" rtl="0">
+            <a:lvl4pPr marL="1828800" lvl="3" indent="-355600" rtl="0">
               <a:spcBef>
                 <a:spcPts val="0"/>
               </a:spcBef>
@@ -4809,7 +4917,7 @@
               <a:buChar char="●"/>
               <a:defRPr sz="2000"/>
             </a:lvl4pPr>
-            <a:lvl5pPr indent="-355600" lvl="4" marL="2286000" rtl="0">
+            <a:lvl5pPr marL="2286000" lvl="4" indent="-355600" rtl="0">
               <a:spcBef>
                 <a:spcPts val="0"/>
               </a:spcBef>
@@ -4820,7 +4928,7 @@
               <a:buChar char="○"/>
               <a:defRPr sz="2000"/>
             </a:lvl5pPr>
-            <a:lvl6pPr indent="-355600" lvl="5" marL="2743200" rtl="0">
+            <a:lvl6pPr marL="2743200" lvl="5" indent="-355600" rtl="0">
               <a:spcBef>
                 <a:spcPts val="0"/>
               </a:spcBef>
@@ -4831,7 +4939,7 @@
               <a:buChar char="■"/>
               <a:defRPr sz="2000"/>
             </a:lvl6pPr>
-            <a:lvl7pPr indent="-355600" lvl="6" marL="3200400" rtl="0">
+            <a:lvl7pPr marL="3200400" lvl="6" indent="-355600" rtl="0">
               <a:spcBef>
                 <a:spcPts val="0"/>
               </a:spcBef>
@@ -4842,7 +4950,7 @@
               <a:buChar char="●"/>
               <a:defRPr sz="2000"/>
             </a:lvl7pPr>
-            <a:lvl8pPr indent="-355600" lvl="7" marL="3657600" rtl="0">
+            <a:lvl8pPr marL="3657600" lvl="7" indent="-355600" rtl="0">
               <a:spcBef>
                 <a:spcPts val="0"/>
               </a:spcBef>
@@ -4853,7 +4961,7 @@
               <a:buChar char="○"/>
               <a:defRPr sz="2000"/>
             </a:lvl8pPr>
-            <a:lvl9pPr indent="-355600" lvl="8" marL="4114800" rtl="0">
+            <a:lvl9pPr marL="4114800" lvl="8" indent="-355600" rtl="0">
               <a:spcBef>
                 <a:spcPts val="0"/>
               </a:spcBef>
@@ -4865,15 +4973,19 @@
               <a:defRPr sz="2000"/>
             </a:lvl9pPr>
           </a:lstStyle>
-          <a:p/>
+          <a:p>
+            <a:endParaRPr/>
+          </a:p>
         </p:txBody>
       </p:sp>
       <p:sp>
         <p:nvSpPr>
           <p:cNvPr id="53" name="Shape 53"/>
-          <p:cNvSpPr txBox="1"/>
+          <p:cNvSpPr txBox="1">
+            <a:spLocks noGrp="1"/>
+          </p:cNvSpPr>
           <p:nvPr>
-            <p:ph idx="3" type="body"/>
+            <p:ph type="body" idx="3"/>
           </p:nvPr>
         </p:nvSpPr>
         <p:spPr>
@@ -4886,9 +4998,9 @@
           </a:prstGeom>
         </p:spPr>
         <p:txBody>
-          <a:bodyPr anchorCtr="0" anchor="t" bIns="91425" lIns="91425" spcFirstLastPara="1" rIns="91425" wrap="square" tIns="91425"/>
+          <a:bodyPr spcFirstLastPara="1" wrap="square" lIns="91425" tIns="91425" rIns="91425" bIns="91425" anchor="t" anchorCtr="0"/>
           <a:lstStyle>
-            <a:lvl1pPr indent="-355600" lvl="0" marL="457200" rtl="0">
+            <a:lvl1pPr marL="457200" lvl="0" indent="-355600" rtl="0">
               <a:spcBef>
                 <a:spcPts val="600"/>
               </a:spcBef>
@@ -4899,7 +5011,7 @@
               <a:buChar char="◎"/>
               <a:defRPr sz="2000"/>
             </a:lvl1pPr>
-            <a:lvl2pPr indent="-355600" lvl="1" marL="914400" rtl="0">
+            <a:lvl2pPr marL="914400" lvl="1" indent="-355600" rtl="0">
               <a:spcBef>
                 <a:spcPts val="0"/>
               </a:spcBef>
@@ -4910,7 +5022,7 @@
               <a:buChar char="○"/>
               <a:defRPr sz="2000"/>
             </a:lvl2pPr>
-            <a:lvl3pPr indent="-355600" lvl="2" marL="1371600" rtl="0">
+            <a:lvl3pPr marL="1371600" lvl="2" indent="-355600" rtl="0">
               <a:spcBef>
                 <a:spcPts val="0"/>
               </a:spcBef>
@@ -4921,7 +5033,7 @@
               <a:buChar char="◉"/>
               <a:defRPr sz="2000"/>
             </a:lvl3pPr>
-            <a:lvl4pPr indent="-355600" lvl="3" marL="1828800" rtl="0">
+            <a:lvl4pPr marL="1828800" lvl="3" indent="-355600" rtl="0">
               <a:spcBef>
                 <a:spcPts val="0"/>
               </a:spcBef>
@@ -4932,7 +5044,7 @@
               <a:buChar char="●"/>
               <a:defRPr sz="2000"/>
             </a:lvl4pPr>
-            <a:lvl5pPr indent="-355600" lvl="4" marL="2286000" rtl="0">
+            <a:lvl5pPr marL="2286000" lvl="4" indent="-355600" rtl="0">
               <a:spcBef>
                 <a:spcPts val="0"/>
               </a:spcBef>
@@ -4943,7 +5055,7 @@
               <a:buChar char="○"/>
               <a:defRPr sz="2000"/>
             </a:lvl5pPr>
-            <a:lvl6pPr indent="-355600" lvl="5" marL="2743200" rtl="0">
+            <a:lvl6pPr marL="2743200" lvl="5" indent="-355600" rtl="0">
               <a:spcBef>
                 <a:spcPts val="0"/>
               </a:spcBef>
@@ -4954,7 +5066,7 @@
               <a:buChar char="■"/>
               <a:defRPr sz="2000"/>
             </a:lvl6pPr>
-            <a:lvl7pPr indent="-355600" lvl="6" marL="3200400" rtl="0">
+            <a:lvl7pPr marL="3200400" lvl="6" indent="-355600" rtl="0">
               <a:spcBef>
                 <a:spcPts val="0"/>
               </a:spcBef>
@@ -4965,7 +5077,7 @@
               <a:buChar char="●"/>
               <a:defRPr sz="2000"/>
             </a:lvl7pPr>
-            <a:lvl8pPr indent="-355600" lvl="7" marL="3657600" rtl="0">
+            <a:lvl8pPr marL="3657600" lvl="7" indent="-355600" rtl="0">
               <a:spcBef>
                 <a:spcPts val="0"/>
               </a:spcBef>
@@ -4976,7 +5088,7 @@
               <a:buChar char="○"/>
               <a:defRPr sz="2000"/>
             </a:lvl8pPr>
-            <a:lvl9pPr indent="-355600" lvl="8" marL="4114800" rtl="0">
+            <a:lvl9pPr marL="4114800" lvl="8" indent="-355600" rtl="0">
               <a:spcBef>
                 <a:spcPts val="0"/>
               </a:spcBef>
@@ -4988,15 +5100,19 @@
               <a:defRPr sz="2000"/>
             </a:lvl9pPr>
           </a:lstStyle>
-          <a:p/>
+          <a:p>
+            <a:endParaRPr/>
+          </a:p>
         </p:txBody>
       </p:sp>
       <p:sp>
         <p:nvSpPr>
           <p:cNvPr id="54" name="Shape 54"/>
-          <p:cNvSpPr txBox="1"/>
+          <p:cNvSpPr txBox="1">
+            <a:spLocks noGrp="1"/>
+          </p:cNvSpPr>
           <p:nvPr>
-            <p:ph idx="12" type="sldNum"/>
+            <p:ph type="sldNum" idx="12"/>
           </p:nvPr>
         </p:nvSpPr>
         <p:spPr>
@@ -5009,7 +5125,7 @@
           </a:prstGeom>
         </p:spPr>
         <p:txBody>
-          <a:bodyPr anchorCtr="0" anchor="t" bIns="91425" lIns="91425" spcFirstLastPara="1" rIns="91425" wrap="square" tIns="91425">
+          <a:bodyPr spcFirstLastPara="1" wrap="square" lIns="91425" tIns="91425" rIns="91425" bIns="91425" anchor="t" anchorCtr="0">
             <a:noAutofit/>
           </a:bodyPr>
           <a:lstStyle>
@@ -5051,7 +5167,7 @@
             </a:lvl9pPr>
           </a:lstStyle>
           <a:p>
-            <a:pPr indent="0" lvl="0" marL="0">
+            <a:pPr marL="0" lvl="0" indent="0">
               <a:spcBef>
                 <a:spcPts val="0"/>
               </a:spcBef>
@@ -5062,7 +5178,16 @@
             </a:pPr>
             <a:fld id="{00000000-1234-1234-1234-123412341234}" type="slidenum">
               <a:rPr lang="en"/>
-              <a:t>‹#›</a:t>
+              <a:pPr marL="0" lvl="0" indent="0">
+                <a:spcBef>
+                  <a:spcPts val="0"/>
+                </a:spcBef>
+                <a:spcAft>
+                  <a:spcPts val="0"/>
+                </a:spcAft>
+                <a:buNone/>
+              </a:pPr>
+              <a:t>‹N°›</a:t>
             </a:fld>
             <a:endParaRPr/>
           </a:p>
@@ -5077,7 +5202,7 @@
 </file>
 
 <file path=ppt/slideLayouts/slideLayout7.xml><?xml version="1.0" encoding="utf-8"?>
-<p:sldLayout xmlns:a="http://schemas.openxmlformats.org/drawingml/2006/main" xmlns:r="http://schemas.openxmlformats.org/officeDocument/2006/relationships" xmlns:mc="http://schemas.openxmlformats.org/markup-compatibility/2006" xmlns:mv="urn:schemas-microsoft-com:mac:vml" xmlns:p="http://schemas.openxmlformats.org/presentationml/2006/main" xmlns:c="http://schemas.openxmlformats.org/drawingml/2006/chart" xmlns:dgm="http://schemas.openxmlformats.org/drawingml/2006/diagram" xmlns:o="urn:schemas-microsoft-com:office:office" xmlns:v="urn:schemas-microsoft-com:vml" xmlns:pvml="urn:schemas-microsoft-com:office:powerpoint" xmlns:com="http://schemas.openxmlformats.org/drawingml/2006/compatibility" xmlns:p14="http://schemas.microsoft.com/office/powerpoint/2010/main" xmlns:p15="http://schemas.microsoft.com/office/powerpoint/2012/main" matchingName="Title only" type="titleOnly">
+<p:sldLayout xmlns:a="http://schemas.openxmlformats.org/drawingml/2006/main" xmlns:r="http://schemas.openxmlformats.org/officeDocument/2006/relationships" xmlns:p="http://schemas.openxmlformats.org/presentationml/2006/main" matchingName="Title only" type="titleOnly">
   <p:cSld name="TITLE_ONLY">
     <p:bg>
       <p:bgPr>
@@ -5089,11 +5214,12 @@
             <a:fillRect/>
           </a:stretch>
         </a:blipFill>
+        <a:effectLst/>
       </p:bgPr>
     </p:bg>
     <p:spTree>
       <p:nvGrpSpPr>
-        <p:cNvPr id="55" name="Shape 55"/>
+        <p:cNvPr id="1" name="Shape 55"/>
         <p:cNvGrpSpPr/>
         <p:nvPr/>
       </p:nvGrpSpPr>
@@ -5108,7 +5234,9 @@
       <p:sp>
         <p:nvSpPr>
           <p:cNvPr id="56" name="Shape 56"/>
-          <p:cNvSpPr txBox="1"/>
+          <p:cNvSpPr txBox="1">
+            <a:spLocks noGrp="1"/>
+          </p:cNvSpPr>
           <p:nvPr>
             <p:ph type="title"/>
           </p:nvPr>
@@ -5123,7 +5251,7 @@
           </a:prstGeom>
         </p:spPr>
         <p:txBody>
-          <a:bodyPr anchorCtr="0" anchor="b" bIns="91425" lIns="91425" spcFirstLastPara="1" rIns="91425" wrap="square" tIns="91425"/>
+          <a:bodyPr spcFirstLastPara="1" wrap="square" lIns="91425" tIns="91425" rIns="91425" bIns="91425" anchor="b" anchorCtr="0"/>
           <a:lstStyle>
             <a:lvl1pPr lvl="0">
               <a:spcBef>
@@ -5225,15 +5353,19 @@
               <a:defRPr/>
             </a:lvl9pPr>
           </a:lstStyle>
-          <a:p/>
+          <a:p>
+            <a:endParaRPr/>
+          </a:p>
         </p:txBody>
       </p:sp>
       <p:sp>
         <p:nvSpPr>
           <p:cNvPr id="57" name="Shape 57"/>
-          <p:cNvSpPr txBox="1"/>
+          <p:cNvSpPr txBox="1">
+            <a:spLocks noGrp="1"/>
+          </p:cNvSpPr>
           <p:nvPr>
-            <p:ph idx="12" type="sldNum"/>
+            <p:ph type="sldNum" idx="12"/>
           </p:nvPr>
         </p:nvSpPr>
         <p:spPr>
@@ -5246,7 +5378,7 @@
           </a:prstGeom>
         </p:spPr>
         <p:txBody>
-          <a:bodyPr anchorCtr="0" anchor="t" bIns="91425" lIns="91425" spcFirstLastPara="1" rIns="91425" wrap="square" tIns="91425">
+          <a:bodyPr spcFirstLastPara="1" wrap="square" lIns="91425" tIns="91425" rIns="91425" bIns="91425" anchor="t" anchorCtr="0">
             <a:noAutofit/>
           </a:bodyPr>
           <a:lstStyle>
@@ -5288,7 +5420,7 @@
             </a:lvl9pPr>
           </a:lstStyle>
           <a:p>
-            <a:pPr indent="0" lvl="0" marL="0">
+            <a:pPr marL="0" lvl="0" indent="0">
               <a:spcBef>
                 <a:spcPts val="0"/>
               </a:spcBef>
@@ -5299,7 +5431,16 @@
             </a:pPr>
             <a:fld id="{00000000-1234-1234-1234-123412341234}" type="slidenum">
               <a:rPr lang="en"/>
-              <a:t>‹#›</a:t>
+              <a:pPr marL="0" lvl="0" indent="0">
+                <a:spcBef>
+                  <a:spcPts val="0"/>
+                </a:spcBef>
+                <a:spcAft>
+                  <a:spcPts val="0"/>
+                </a:spcAft>
+                <a:buNone/>
+              </a:pPr>
+              <a:t>‹N°›</a:t>
             </a:fld>
             <a:endParaRPr/>
           </a:p>
@@ -5314,7 +5455,7 @@
 </file>
 
 <file path=ppt/slideLayouts/slideLayout8.xml><?xml version="1.0" encoding="utf-8"?>
-<p:sldLayout xmlns:a="http://schemas.openxmlformats.org/drawingml/2006/main" xmlns:r="http://schemas.openxmlformats.org/officeDocument/2006/relationships" xmlns:mc="http://schemas.openxmlformats.org/markup-compatibility/2006" xmlns:mv="urn:schemas-microsoft-com:mac:vml" xmlns:p="http://schemas.openxmlformats.org/presentationml/2006/main" xmlns:c="http://schemas.openxmlformats.org/drawingml/2006/chart" xmlns:dgm="http://schemas.openxmlformats.org/drawingml/2006/diagram" xmlns:o="urn:schemas-microsoft-com:office:office" xmlns:v="urn:schemas-microsoft-com:vml" xmlns:pvml="urn:schemas-microsoft-com:office:powerpoint" xmlns:com="http://schemas.openxmlformats.org/drawingml/2006/compatibility" xmlns:p14="http://schemas.microsoft.com/office/powerpoint/2010/main" xmlns:p15="http://schemas.microsoft.com/office/powerpoint/2012/main" matchingName="Caption">
+<p:sldLayout xmlns:a="http://schemas.openxmlformats.org/drawingml/2006/main" xmlns:r="http://schemas.openxmlformats.org/officeDocument/2006/relationships" xmlns:p="http://schemas.openxmlformats.org/presentationml/2006/main" matchingName="Caption">
   <p:cSld name="CAPTION_ONLY">
     <p:bg>
       <p:bgPr>
@@ -5326,11 +5467,12 @@
             <a:fillRect/>
           </a:stretch>
         </a:blipFill>
+        <a:effectLst/>
       </p:bgPr>
     </p:bg>
     <p:spTree>
       <p:nvGrpSpPr>
-        <p:cNvPr id="58" name="Shape 58"/>
+        <p:cNvPr id="1" name="Shape 58"/>
         <p:cNvGrpSpPr/>
         <p:nvPr/>
       </p:nvGrpSpPr>
@@ -5345,9 +5487,11 @@
       <p:sp>
         <p:nvSpPr>
           <p:cNvPr id="59" name="Shape 59"/>
-          <p:cNvSpPr txBox="1"/>
+          <p:cNvSpPr txBox="1">
+            <a:spLocks noGrp="1"/>
+          </p:cNvSpPr>
           <p:nvPr>
-            <p:ph idx="1" type="body"/>
+            <p:ph type="body" idx="1"/>
           </p:nvPr>
         </p:nvSpPr>
         <p:spPr>
@@ -5360,9 +5504,9 @@
           </a:prstGeom>
         </p:spPr>
         <p:txBody>
-          <a:bodyPr anchorCtr="0" anchor="t" bIns="91425" lIns="91425" spcFirstLastPara="1" rIns="91425" wrap="square" tIns="91425"/>
+          <a:bodyPr spcFirstLastPara="1" wrap="square" lIns="91425" tIns="91425" rIns="91425" bIns="91425" anchor="t" anchorCtr="0"/>
           <a:lstStyle>
-            <a:lvl1pPr indent="-228600" lvl="0" marL="457200" algn="ctr">
+            <a:lvl1pPr marL="457200" lvl="0" indent="-228600" algn="ctr">
               <a:spcBef>
                 <a:spcPts val="360"/>
               </a:spcBef>
@@ -5374,15 +5518,19 @@
               <a:defRPr sz="1800"/>
             </a:lvl1pPr>
           </a:lstStyle>
-          <a:p/>
+          <a:p>
+            <a:endParaRPr/>
+          </a:p>
         </p:txBody>
       </p:sp>
       <p:sp>
         <p:nvSpPr>
           <p:cNvPr id="60" name="Shape 60"/>
-          <p:cNvSpPr txBox="1"/>
+          <p:cNvSpPr txBox="1">
+            <a:spLocks noGrp="1"/>
+          </p:cNvSpPr>
           <p:nvPr>
-            <p:ph idx="12" type="sldNum"/>
+            <p:ph type="sldNum" idx="12"/>
           </p:nvPr>
         </p:nvSpPr>
         <p:spPr>
@@ -5395,7 +5543,7 @@
           </a:prstGeom>
         </p:spPr>
         <p:txBody>
-          <a:bodyPr anchorCtr="0" anchor="t" bIns="91425" lIns="91425" spcFirstLastPara="1" rIns="91425" wrap="square" tIns="91425">
+          <a:bodyPr spcFirstLastPara="1" wrap="square" lIns="91425" tIns="91425" rIns="91425" bIns="91425" anchor="t" anchorCtr="0">
             <a:noAutofit/>
           </a:bodyPr>
           <a:lstStyle>
@@ -5437,7 +5585,7 @@
             </a:lvl9pPr>
           </a:lstStyle>
           <a:p>
-            <a:pPr indent="0" lvl="0" marL="0">
+            <a:pPr marL="0" lvl="0" indent="0">
               <a:spcBef>
                 <a:spcPts val="0"/>
               </a:spcBef>
@@ -5448,7 +5596,16 @@
             </a:pPr>
             <a:fld id="{00000000-1234-1234-1234-123412341234}" type="slidenum">
               <a:rPr lang="en"/>
-              <a:t>‹#›</a:t>
+              <a:pPr marL="0" lvl="0" indent="0">
+                <a:spcBef>
+                  <a:spcPts val="0"/>
+                </a:spcBef>
+                <a:spcAft>
+                  <a:spcPts val="0"/>
+                </a:spcAft>
+                <a:buNone/>
+              </a:pPr>
+              <a:t>‹N°›</a:t>
             </a:fld>
             <a:endParaRPr/>
           </a:p>
@@ -5463,7 +5620,7 @@
 </file>
 
 <file path=ppt/slideLayouts/slideLayout9.xml><?xml version="1.0" encoding="utf-8"?>
-<p:sldLayout xmlns:a="http://schemas.openxmlformats.org/drawingml/2006/main" xmlns:r="http://schemas.openxmlformats.org/officeDocument/2006/relationships" xmlns:mc="http://schemas.openxmlformats.org/markup-compatibility/2006" xmlns:mv="urn:schemas-microsoft-com:mac:vml" xmlns:p="http://schemas.openxmlformats.org/presentationml/2006/main" xmlns:c="http://schemas.openxmlformats.org/drawingml/2006/chart" xmlns:dgm="http://schemas.openxmlformats.org/drawingml/2006/diagram" xmlns:o="urn:schemas-microsoft-com:office:office" xmlns:v="urn:schemas-microsoft-com:vml" xmlns:pvml="urn:schemas-microsoft-com:office:powerpoint" xmlns:com="http://schemas.openxmlformats.org/drawingml/2006/compatibility" xmlns:p14="http://schemas.microsoft.com/office/powerpoint/2010/main" xmlns:p15="http://schemas.microsoft.com/office/powerpoint/2012/main" matchingName="Blank" type="blank">
+<p:sldLayout xmlns:a="http://schemas.openxmlformats.org/drawingml/2006/main" xmlns:r="http://schemas.openxmlformats.org/officeDocument/2006/relationships" xmlns:p="http://schemas.openxmlformats.org/presentationml/2006/main" matchingName="Blank" type="blank">
   <p:cSld name="BLANK">
     <p:bg>
       <p:bgPr>
@@ -5475,11 +5632,12 @@
             <a:fillRect/>
           </a:stretch>
         </a:blipFill>
+        <a:effectLst/>
       </p:bgPr>
     </p:bg>
     <p:spTree>
       <p:nvGrpSpPr>
-        <p:cNvPr id="61" name="Shape 61"/>
+        <p:cNvPr id="1" name="Shape 61"/>
         <p:cNvGrpSpPr/>
         <p:nvPr/>
       </p:nvGrpSpPr>
@@ -5494,9 +5652,11 @@
       <p:sp>
         <p:nvSpPr>
           <p:cNvPr id="62" name="Shape 62"/>
-          <p:cNvSpPr txBox="1"/>
+          <p:cNvSpPr txBox="1">
+            <a:spLocks noGrp="1"/>
+          </p:cNvSpPr>
           <p:nvPr>
-            <p:ph idx="12" type="sldNum"/>
+            <p:ph type="sldNum" idx="12"/>
           </p:nvPr>
         </p:nvSpPr>
         <p:spPr>
@@ -5509,7 +5669,7 @@
           </a:prstGeom>
         </p:spPr>
         <p:txBody>
-          <a:bodyPr anchorCtr="0" anchor="t" bIns="91425" lIns="91425" spcFirstLastPara="1" rIns="91425" wrap="square" tIns="91425">
+          <a:bodyPr spcFirstLastPara="1" wrap="square" lIns="91425" tIns="91425" rIns="91425" bIns="91425" anchor="t" anchorCtr="0">
             <a:noAutofit/>
           </a:bodyPr>
           <a:lstStyle>
@@ -5551,7 +5711,7 @@
             </a:lvl9pPr>
           </a:lstStyle>
           <a:p>
-            <a:pPr indent="0" lvl="0" marL="0">
+            <a:pPr marL="0" lvl="0" indent="0">
               <a:spcBef>
                 <a:spcPts val="0"/>
               </a:spcBef>
@@ -5562,7 +5722,16 @@
             </a:pPr>
             <a:fld id="{00000000-1234-1234-1234-123412341234}" type="slidenum">
               <a:rPr lang="en"/>
-              <a:t>‹#›</a:t>
+              <a:pPr marL="0" lvl="0" indent="0">
+                <a:spcBef>
+                  <a:spcPts val="0"/>
+                </a:spcBef>
+                <a:spcAft>
+                  <a:spcPts val="0"/>
+                </a:spcAft>
+                <a:buNone/>
+              </a:pPr>
+              <a:t>‹N°›</a:t>
             </a:fld>
             <a:endParaRPr/>
           </a:p>
@@ -5577,23 +5746,24 @@
 </file>
 
 <file path=ppt/slideMasters/slideMaster1.xml><?xml version="1.0" encoding="utf-8"?>
-<p:sldMaster xmlns:a="http://schemas.openxmlformats.org/drawingml/2006/main" xmlns:r="http://schemas.openxmlformats.org/officeDocument/2006/relationships" xmlns:mc="http://schemas.openxmlformats.org/markup-compatibility/2006" xmlns:mv="urn:schemas-microsoft-com:mac:vml" xmlns:p="http://schemas.openxmlformats.org/presentationml/2006/main" xmlns:c="http://schemas.openxmlformats.org/drawingml/2006/chart" xmlns:dgm="http://schemas.openxmlformats.org/drawingml/2006/diagram" xmlns:o="urn:schemas-microsoft-com:office:office" xmlns:v="urn:schemas-microsoft-com:vml" xmlns:pvml="urn:schemas-microsoft-com:office:powerpoint" xmlns:com="http://schemas.openxmlformats.org/drawingml/2006/compatibility" xmlns:p14="http://schemas.microsoft.com/office/powerpoint/2010/main" xmlns:p15="http://schemas.microsoft.com/office/powerpoint/2012/main">
+<p:sldMaster xmlns:a="http://schemas.openxmlformats.org/drawingml/2006/main" xmlns:r="http://schemas.openxmlformats.org/officeDocument/2006/relationships" xmlns:p="http://schemas.openxmlformats.org/presentationml/2006/main">
   <p:cSld name="simple-light">
     <p:bg>
       <p:bgPr>
         <a:blipFill>
-          <a:blip r:embed="rId1">
+          <a:blip r:embed="rId12">
             <a:alphaModFix/>
           </a:blip>
           <a:stretch>
             <a:fillRect/>
           </a:stretch>
         </a:blipFill>
+        <a:effectLst/>
       </p:bgPr>
     </p:bg>
     <p:spTree>
       <p:nvGrpSpPr>
-        <p:cNvPr id="5" name="Shape 5"/>
+        <p:cNvPr id="1" name="Shape 5"/>
         <p:cNvGrpSpPr/>
         <p:nvPr/>
       </p:nvGrpSpPr>
@@ -5608,7 +5778,9 @@
       <p:sp>
         <p:nvSpPr>
           <p:cNvPr id="6" name="Shape 6"/>
-          <p:cNvSpPr txBox="1"/>
+          <p:cNvSpPr txBox="1">
+            <a:spLocks noGrp="1"/>
+          </p:cNvSpPr>
           <p:nvPr>
             <p:ph type="title"/>
           </p:nvPr>
@@ -5627,7 +5799,7 @@
           </a:ln>
         </p:spPr>
         <p:txBody>
-          <a:bodyPr anchorCtr="0" anchor="b" bIns="91425" lIns="91425" spcFirstLastPara="1" rIns="91425" wrap="square" tIns="91425"/>
+          <a:bodyPr spcFirstLastPara="1" wrap="square" lIns="91425" tIns="91425" rIns="91425" bIns="91425" anchor="b" anchorCtr="0"/>
           <a:lstStyle>
             <a:lvl1pPr lvl="0">
               <a:spcBef>
@@ -5837,15 +6009,19 @@
               </a:defRPr>
             </a:lvl9pPr>
           </a:lstStyle>
-          <a:p/>
+          <a:p>
+            <a:endParaRPr/>
+          </a:p>
         </p:txBody>
       </p:sp>
       <p:sp>
         <p:nvSpPr>
           <p:cNvPr id="7" name="Shape 7"/>
-          <p:cNvSpPr txBox="1"/>
+          <p:cNvSpPr txBox="1">
+            <a:spLocks noGrp="1"/>
+          </p:cNvSpPr>
           <p:nvPr>
-            <p:ph idx="1" type="body"/>
+            <p:ph type="body" idx="1"/>
           </p:nvPr>
         </p:nvSpPr>
         <p:spPr>
@@ -5862,9 +6038,9 @@
           </a:ln>
         </p:spPr>
         <p:txBody>
-          <a:bodyPr anchorCtr="0" anchor="t" bIns="91425" lIns="91425" spcFirstLastPara="1" rIns="91425" wrap="square" tIns="91425"/>
+          <a:bodyPr spcFirstLastPara="1" wrap="square" lIns="91425" tIns="91425" rIns="91425" bIns="91425" anchor="t" anchorCtr="0"/>
           <a:lstStyle>
-            <a:lvl1pPr indent="-419100" lvl="0" marL="457200">
+            <a:lvl1pPr marL="457200" lvl="0" indent="-419100">
               <a:spcBef>
                 <a:spcPts val="600"/>
               </a:spcBef>
@@ -5887,7 +6063,7 @@
                 <a:sym typeface="Source Sans Pro"/>
               </a:defRPr>
             </a:lvl1pPr>
-            <a:lvl2pPr indent="-381000" lvl="1" marL="914400">
+            <a:lvl2pPr marL="914400" lvl="1" indent="-381000">
               <a:spcBef>
                 <a:spcPts val="0"/>
               </a:spcBef>
@@ -5910,7 +6086,7 @@
                 <a:sym typeface="Source Sans Pro"/>
               </a:defRPr>
             </a:lvl2pPr>
-            <a:lvl3pPr indent="-381000" lvl="2" marL="1371600">
+            <a:lvl3pPr marL="1371600" lvl="2" indent="-381000">
               <a:spcBef>
                 <a:spcPts val="0"/>
               </a:spcBef>
@@ -5933,7 +6109,7 @@
                 <a:sym typeface="Source Sans Pro"/>
               </a:defRPr>
             </a:lvl3pPr>
-            <a:lvl4pPr indent="-342900" lvl="3" marL="1828800">
+            <a:lvl4pPr marL="1828800" lvl="3" indent="-342900">
               <a:spcBef>
                 <a:spcPts val="0"/>
               </a:spcBef>
@@ -5956,7 +6132,7 @@
                 <a:sym typeface="Source Sans Pro"/>
               </a:defRPr>
             </a:lvl4pPr>
-            <a:lvl5pPr indent="-342900" lvl="4" marL="2286000">
+            <a:lvl5pPr marL="2286000" lvl="4" indent="-342900">
               <a:spcBef>
                 <a:spcPts val="0"/>
               </a:spcBef>
@@ -5979,7 +6155,7 @@
                 <a:sym typeface="Source Sans Pro"/>
               </a:defRPr>
             </a:lvl5pPr>
-            <a:lvl6pPr indent="-342900" lvl="5" marL="2743200">
+            <a:lvl6pPr marL="2743200" lvl="5" indent="-342900">
               <a:spcBef>
                 <a:spcPts val="0"/>
               </a:spcBef>
@@ -6002,7 +6178,7 @@
                 <a:sym typeface="Source Sans Pro"/>
               </a:defRPr>
             </a:lvl6pPr>
-            <a:lvl7pPr indent="-342900" lvl="6" marL="3200400">
+            <a:lvl7pPr marL="3200400" lvl="6" indent="-342900">
               <a:spcBef>
                 <a:spcPts val="0"/>
               </a:spcBef>
@@ -6025,7 +6201,7 @@
                 <a:sym typeface="Source Sans Pro"/>
               </a:defRPr>
             </a:lvl7pPr>
-            <a:lvl8pPr indent="-342900" lvl="7" marL="3657600">
+            <a:lvl8pPr marL="3657600" lvl="7" indent="-342900">
               <a:spcBef>
                 <a:spcPts val="0"/>
               </a:spcBef>
@@ -6048,7 +6224,7 @@
                 <a:sym typeface="Source Sans Pro"/>
               </a:defRPr>
             </a:lvl8pPr>
-            <a:lvl9pPr indent="-342900" lvl="8" marL="4114800">
+            <a:lvl9pPr marL="4114800" lvl="8" indent="-342900">
               <a:spcBef>
                 <a:spcPts val="0"/>
               </a:spcBef>
@@ -6072,15 +6248,19 @@
               </a:defRPr>
             </a:lvl9pPr>
           </a:lstStyle>
-          <a:p/>
+          <a:p>
+            <a:endParaRPr/>
+          </a:p>
         </p:txBody>
       </p:sp>
       <p:sp>
         <p:nvSpPr>
           <p:cNvPr id="8" name="Shape 8"/>
-          <p:cNvSpPr txBox="1"/>
+          <p:cNvSpPr txBox="1">
+            <a:spLocks noGrp="1"/>
+          </p:cNvSpPr>
           <p:nvPr>
-            <p:ph idx="12" type="sldNum"/>
+            <p:ph type="sldNum" idx="12"/>
           </p:nvPr>
         </p:nvSpPr>
         <p:spPr>
@@ -6097,13 +6277,13 @@
           </a:ln>
         </p:spPr>
         <p:txBody>
-          <a:bodyPr anchorCtr="0" anchor="t" bIns="91425" lIns="91425" spcFirstLastPara="1" rIns="91425" wrap="square" tIns="91425">
+          <a:bodyPr spcFirstLastPara="1" wrap="square" lIns="91425" tIns="91425" rIns="91425" bIns="91425" anchor="t" anchorCtr="0">
             <a:noAutofit/>
           </a:bodyPr>
           <a:lstStyle>
             <a:lvl1pPr lvl="0" algn="r">
               <a:buNone/>
-              <a:defRPr b="1" sz="1300">
+              <a:defRPr sz="1300" b="1">
                 <a:solidFill>
                   <a:srgbClr val="0091EA"/>
                 </a:solidFill>
@@ -6115,7 +6295,7 @@
             </a:lvl1pPr>
             <a:lvl2pPr lvl="1" algn="r">
               <a:buNone/>
-              <a:defRPr b="1" sz="1300">
+              <a:defRPr sz="1300" b="1">
                 <a:solidFill>
                   <a:srgbClr val="0091EA"/>
                 </a:solidFill>
@@ -6127,7 +6307,7 @@
             </a:lvl2pPr>
             <a:lvl3pPr lvl="2" algn="r">
               <a:buNone/>
-              <a:defRPr b="1" sz="1300">
+              <a:defRPr sz="1300" b="1">
                 <a:solidFill>
                   <a:srgbClr val="0091EA"/>
                 </a:solidFill>
@@ -6139,7 +6319,7 @@
             </a:lvl3pPr>
             <a:lvl4pPr lvl="3" algn="r">
               <a:buNone/>
-              <a:defRPr b="1" sz="1300">
+              <a:defRPr sz="1300" b="1">
                 <a:solidFill>
                   <a:srgbClr val="0091EA"/>
                 </a:solidFill>
@@ -6151,7 +6331,7 @@
             </a:lvl4pPr>
             <a:lvl5pPr lvl="4" algn="r">
               <a:buNone/>
-              <a:defRPr b="1" sz="1300">
+              <a:defRPr sz="1300" b="1">
                 <a:solidFill>
                   <a:srgbClr val="0091EA"/>
                 </a:solidFill>
@@ -6163,7 +6343,7 @@
             </a:lvl5pPr>
             <a:lvl6pPr lvl="5" algn="r">
               <a:buNone/>
-              <a:defRPr b="1" sz="1300">
+              <a:defRPr sz="1300" b="1">
                 <a:solidFill>
                   <a:srgbClr val="0091EA"/>
                 </a:solidFill>
@@ -6175,7 +6355,7 @@
             </a:lvl6pPr>
             <a:lvl7pPr lvl="6" algn="r">
               <a:buNone/>
-              <a:defRPr b="1" sz="1300">
+              <a:defRPr sz="1300" b="1">
                 <a:solidFill>
                   <a:srgbClr val="0091EA"/>
                 </a:solidFill>
@@ -6187,7 +6367,7 @@
             </a:lvl7pPr>
             <a:lvl8pPr lvl="7" algn="r">
               <a:buNone/>
-              <a:defRPr b="1" sz="1300">
+              <a:defRPr sz="1300" b="1">
                 <a:solidFill>
                   <a:srgbClr val="0091EA"/>
                 </a:solidFill>
@@ -6199,7 +6379,7 @@
             </a:lvl8pPr>
             <a:lvl9pPr lvl="8" algn="r">
               <a:buNone/>
-              <a:defRPr b="1" sz="1300">
+              <a:defRPr sz="1300" b="1">
                 <a:solidFill>
                   <a:srgbClr val="0091EA"/>
                 </a:solidFill>
@@ -6211,7 +6391,7 @@
             </a:lvl9pPr>
           </a:lstStyle>
           <a:p>
-            <a:pPr indent="0" lvl="0" marL="0">
+            <a:pPr marL="0" lvl="0" indent="0">
               <a:spcBef>
                 <a:spcPts val="0"/>
               </a:spcBef>
@@ -6222,7 +6402,16 @@
             </a:pPr>
             <a:fld id="{00000000-1234-1234-1234-123412341234}" type="slidenum">
               <a:rPr lang="en"/>
-              <a:t>‹#›</a:t>
+              <a:pPr marL="0" lvl="0" indent="0">
+                <a:spcBef>
+                  <a:spcPts val="0"/>
+                </a:spcBef>
+                <a:spcAft>
+                  <a:spcPts val="0"/>
+                </a:spcAft>
+                <a:buNone/>
+              </a:pPr>
+              <a:t>‹N°›</a:t>
             </a:fld>
             <a:endParaRPr>
               <a:latin typeface="Roboto Slab"/>
@@ -6235,26 +6424,26 @@
       </p:sp>
     </p:spTree>
   </p:cSld>
-  <p:clrMap accent1="accent1" accent2="accent2" accent3="accent3" accent4="accent4" accent5="accent5" accent6="accent6" bg1="lt1" bg2="dk2" tx1="dk1" tx2="lt2" folHlink="folHlink" hlink="hlink"/>
+  <p:clrMap bg1="lt1" tx1="dk1" bg2="dk2" tx2="lt2" accent1="accent1" accent2="accent2" accent3="accent3" accent4="accent4" accent5="accent5" accent6="accent6" hlink="hlink" folHlink="folHlink"/>
   <p:sldLayoutIdLst>
-    <p:sldLayoutId id="2147483648" r:id="rId2"/>
-    <p:sldLayoutId id="2147483649" r:id="rId3"/>
-    <p:sldLayoutId id="2147483650" r:id="rId4"/>
-    <p:sldLayoutId id="2147483651" r:id="rId5"/>
-    <p:sldLayoutId id="2147483652" r:id="rId6"/>
-    <p:sldLayoutId id="2147483653" r:id="rId7"/>
-    <p:sldLayoutId id="2147483654" r:id="rId8"/>
-    <p:sldLayoutId id="2147483655" r:id="rId9"/>
-    <p:sldLayoutId id="2147483656" r:id="rId10"/>
-    <p:sldLayoutId id="2147483657" r:id="rId11"/>
+    <p:sldLayoutId id="2147483648" r:id="rId1"/>
+    <p:sldLayoutId id="2147483649" r:id="rId2"/>
+    <p:sldLayoutId id="2147483650" r:id="rId3"/>
+    <p:sldLayoutId id="2147483651" r:id="rId4"/>
+    <p:sldLayoutId id="2147483652" r:id="rId5"/>
+    <p:sldLayoutId id="2147483653" r:id="rId6"/>
+    <p:sldLayoutId id="2147483654" r:id="rId7"/>
+    <p:sldLayoutId id="2147483655" r:id="rId8"/>
+    <p:sldLayoutId id="2147483656" r:id="rId9"/>
+    <p:sldLayoutId id="2147483657" r:id="rId10"/>
   </p:sldLayoutIdLst>
   <p:transition>
     <p:fade thruBlk="1"/>
   </p:transition>
-  <p:hf dt="0" ftr="0" hdr="0"/>
+  <p:hf hdr="0" ftr="0" dt="0"/>
   <p:txStyles>
     <p:titleStyle>
-      <a:defPPr lvl="0" marR="0" rtl="0" algn="l">
+      <a:defPPr marR="0" lvl="0" algn="l" rtl="0">
         <a:lnSpc>
           <a:spcPct val="100000"/>
         </a:lnSpc>
@@ -6265,7 +6454,7 @@
           <a:spcPts val="0"/>
         </a:spcAft>
       </a:defPPr>
-      <a:lvl1pPr lvl="0" marR="0" rtl="0" algn="l">
+      <a:lvl1pPr marR="0" lvl="0" algn="l" rtl="0">
         <a:lnSpc>
           <a:spcPct val="100000"/>
         </a:lnSpc>
@@ -6279,7 +6468,7 @@
           <a:srgbClr val="000000"/>
         </a:buClr>
         <a:buFont typeface="Arial"/>
-        <a:defRPr b="0" i="0" sz="1400" u="none" cap="none" strike="noStrike">
+        <a:defRPr sz="1400" b="0" i="0" u="none" strike="noStrike" cap="none">
           <a:solidFill>
             <a:srgbClr val="000000"/>
           </a:solidFill>
@@ -6289,7 +6478,7 @@
           <a:sym typeface="Arial"/>
         </a:defRPr>
       </a:lvl1pPr>
-      <a:lvl2pPr lvl="1" marR="0" rtl="0" algn="l">
+      <a:lvl2pPr marR="0" lvl="1" algn="l" rtl="0">
         <a:lnSpc>
           <a:spcPct val="100000"/>
         </a:lnSpc>
@@ -6303,7 +6492,7 @@
           <a:srgbClr val="000000"/>
         </a:buClr>
         <a:buFont typeface="Arial"/>
-        <a:defRPr b="0" i="0" sz="1400" u="none" cap="none" strike="noStrike">
+        <a:defRPr sz="1400" b="0" i="0" u="none" strike="noStrike" cap="none">
           <a:solidFill>
             <a:srgbClr val="000000"/>
           </a:solidFill>
@@ -6313,7 +6502,7 @@
           <a:sym typeface="Arial"/>
         </a:defRPr>
       </a:lvl2pPr>
-      <a:lvl3pPr lvl="2" marR="0" rtl="0" algn="l">
+      <a:lvl3pPr marR="0" lvl="2" algn="l" rtl="0">
         <a:lnSpc>
           <a:spcPct val="100000"/>
         </a:lnSpc>
@@ -6327,7 +6516,7 @@
           <a:srgbClr val="000000"/>
         </a:buClr>
         <a:buFont typeface="Arial"/>
-        <a:defRPr b="0" i="0" sz="1400" u="none" cap="none" strike="noStrike">
+        <a:defRPr sz="1400" b="0" i="0" u="none" strike="noStrike" cap="none">
           <a:solidFill>
             <a:srgbClr val="000000"/>
           </a:solidFill>
@@ -6337,7 +6526,7 @@
           <a:sym typeface="Arial"/>
         </a:defRPr>
       </a:lvl3pPr>
-      <a:lvl4pPr lvl="3" marR="0" rtl="0" algn="l">
+      <a:lvl4pPr marR="0" lvl="3" algn="l" rtl="0">
         <a:lnSpc>
           <a:spcPct val="100000"/>
         </a:lnSpc>
@@ -6351,7 +6540,7 @@
           <a:srgbClr val="000000"/>
         </a:buClr>
         <a:buFont typeface="Arial"/>
-        <a:defRPr b="0" i="0" sz="1400" u="none" cap="none" strike="noStrike">
+        <a:defRPr sz="1400" b="0" i="0" u="none" strike="noStrike" cap="none">
           <a:solidFill>
             <a:srgbClr val="000000"/>
           </a:solidFill>
@@ -6361,7 +6550,7 @@
           <a:sym typeface="Arial"/>
         </a:defRPr>
       </a:lvl4pPr>
-      <a:lvl5pPr lvl="4" marR="0" rtl="0" algn="l">
+      <a:lvl5pPr marR="0" lvl="4" algn="l" rtl="0">
         <a:lnSpc>
           <a:spcPct val="100000"/>
         </a:lnSpc>
@@ -6375,7 +6564,7 @@
           <a:srgbClr val="000000"/>
         </a:buClr>
         <a:buFont typeface="Arial"/>
-        <a:defRPr b="0" i="0" sz="1400" u="none" cap="none" strike="noStrike">
+        <a:defRPr sz="1400" b="0" i="0" u="none" strike="noStrike" cap="none">
           <a:solidFill>
             <a:srgbClr val="000000"/>
           </a:solidFill>
@@ -6385,7 +6574,7 @@
           <a:sym typeface="Arial"/>
         </a:defRPr>
       </a:lvl5pPr>
-      <a:lvl6pPr lvl="5" marR="0" rtl="0" algn="l">
+      <a:lvl6pPr marR="0" lvl="5" algn="l" rtl="0">
         <a:lnSpc>
           <a:spcPct val="100000"/>
         </a:lnSpc>
@@ -6399,7 +6588,7 @@
           <a:srgbClr val="000000"/>
         </a:buClr>
         <a:buFont typeface="Arial"/>
-        <a:defRPr b="0" i="0" sz="1400" u="none" cap="none" strike="noStrike">
+        <a:defRPr sz="1400" b="0" i="0" u="none" strike="noStrike" cap="none">
           <a:solidFill>
             <a:srgbClr val="000000"/>
           </a:solidFill>
@@ -6409,7 +6598,7 @@
           <a:sym typeface="Arial"/>
         </a:defRPr>
       </a:lvl6pPr>
-      <a:lvl7pPr lvl="6" marR="0" rtl="0" algn="l">
+      <a:lvl7pPr marR="0" lvl="6" algn="l" rtl="0">
         <a:lnSpc>
           <a:spcPct val="100000"/>
         </a:lnSpc>
@@ -6423,7 +6612,7 @@
           <a:srgbClr val="000000"/>
         </a:buClr>
         <a:buFont typeface="Arial"/>
-        <a:defRPr b="0" i="0" sz="1400" u="none" cap="none" strike="noStrike">
+        <a:defRPr sz="1400" b="0" i="0" u="none" strike="noStrike" cap="none">
           <a:solidFill>
             <a:srgbClr val="000000"/>
           </a:solidFill>
@@ -6433,7 +6622,7 @@
           <a:sym typeface="Arial"/>
         </a:defRPr>
       </a:lvl7pPr>
-      <a:lvl8pPr lvl="7" marR="0" rtl="0" algn="l">
+      <a:lvl8pPr marR="0" lvl="7" algn="l" rtl="0">
         <a:lnSpc>
           <a:spcPct val="100000"/>
         </a:lnSpc>
@@ -6447,7 +6636,7 @@
           <a:srgbClr val="000000"/>
         </a:buClr>
         <a:buFont typeface="Arial"/>
-        <a:defRPr b="0" i="0" sz="1400" u="none" cap="none" strike="noStrike">
+        <a:defRPr sz="1400" b="0" i="0" u="none" strike="noStrike" cap="none">
           <a:solidFill>
             <a:srgbClr val="000000"/>
           </a:solidFill>
@@ -6457,7 +6646,7 @@
           <a:sym typeface="Arial"/>
         </a:defRPr>
       </a:lvl8pPr>
-      <a:lvl9pPr lvl="8" marR="0" rtl="0" algn="l">
+      <a:lvl9pPr marR="0" lvl="8" algn="l" rtl="0">
         <a:lnSpc>
           <a:spcPct val="100000"/>
         </a:lnSpc>
@@ -6471,7 +6660,7 @@
           <a:srgbClr val="000000"/>
         </a:buClr>
         <a:buFont typeface="Arial"/>
-        <a:defRPr b="0" i="0" sz="1400" u="none" cap="none" strike="noStrike">
+        <a:defRPr sz="1400" b="0" i="0" u="none" strike="noStrike" cap="none">
           <a:solidFill>
             <a:srgbClr val="000000"/>
           </a:solidFill>
@@ -6483,7 +6672,7 @@
       </a:lvl9pPr>
     </p:titleStyle>
     <p:bodyStyle>
-      <a:defPPr lvl="0" marR="0" rtl="0" algn="l">
+      <a:defPPr marR="0" lvl="0" algn="l" rtl="0">
         <a:lnSpc>
           <a:spcPct val="100000"/>
         </a:lnSpc>
@@ -6494,7 +6683,7 @@
           <a:spcPts val="0"/>
         </a:spcAft>
       </a:defPPr>
-      <a:lvl1pPr lvl="0" marR="0" rtl="0" algn="l">
+      <a:lvl1pPr marR="0" lvl="0" algn="l" rtl="0">
         <a:lnSpc>
           <a:spcPct val="100000"/>
         </a:lnSpc>
@@ -6508,7 +6697,7 @@
           <a:srgbClr val="000000"/>
         </a:buClr>
         <a:buFont typeface="Arial"/>
-        <a:defRPr b="0" i="0" sz="1400" u="none" cap="none" strike="noStrike">
+        <a:defRPr sz="1400" b="0" i="0" u="none" strike="noStrike" cap="none">
           <a:solidFill>
             <a:srgbClr val="000000"/>
           </a:solidFill>
@@ -6518,7 +6707,7 @@
           <a:sym typeface="Arial"/>
         </a:defRPr>
       </a:lvl1pPr>
-      <a:lvl2pPr lvl="1" marR="0" rtl="0" algn="l">
+      <a:lvl2pPr marR="0" lvl="1" algn="l" rtl="0">
         <a:lnSpc>
           <a:spcPct val="100000"/>
         </a:lnSpc>
@@ -6532,7 +6721,7 @@
           <a:srgbClr val="000000"/>
         </a:buClr>
         <a:buFont typeface="Arial"/>
-        <a:defRPr b="0" i="0" sz="1400" u="none" cap="none" strike="noStrike">
+        <a:defRPr sz="1400" b="0" i="0" u="none" strike="noStrike" cap="none">
           <a:solidFill>
             <a:srgbClr val="000000"/>
           </a:solidFill>
@@ -6542,7 +6731,7 @@
           <a:sym typeface="Arial"/>
         </a:defRPr>
       </a:lvl2pPr>
-      <a:lvl3pPr lvl="2" marR="0" rtl="0" algn="l">
+      <a:lvl3pPr marR="0" lvl="2" algn="l" rtl="0">
         <a:lnSpc>
           <a:spcPct val="100000"/>
         </a:lnSpc>
@@ -6556,7 +6745,7 @@
           <a:srgbClr val="000000"/>
         </a:buClr>
         <a:buFont typeface="Arial"/>
-        <a:defRPr b="0" i="0" sz="1400" u="none" cap="none" strike="noStrike">
+        <a:defRPr sz="1400" b="0" i="0" u="none" strike="noStrike" cap="none">
           <a:solidFill>
             <a:srgbClr val="000000"/>
           </a:solidFill>
@@ -6566,7 +6755,7 @@
           <a:sym typeface="Arial"/>
         </a:defRPr>
       </a:lvl3pPr>
-      <a:lvl4pPr lvl="3" marR="0" rtl="0" algn="l">
+      <a:lvl4pPr marR="0" lvl="3" algn="l" rtl="0">
         <a:lnSpc>
           <a:spcPct val="100000"/>
         </a:lnSpc>
@@ -6580,7 +6769,7 @@
           <a:srgbClr val="000000"/>
         </a:buClr>
         <a:buFont typeface="Arial"/>
-        <a:defRPr b="0" i="0" sz="1400" u="none" cap="none" strike="noStrike">
+        <a:defRPr sz="1400" b="0" i="0" u="none" strike="noStrike" cap="none">
           <a:solidFill>
             <a:srgbClr val="000000"/>
           </a:solidFill>
@@ -6590,7 +6779,7 @@
           <a:sym typeface="Arial"/>
         </a:defRPr>
       </a:lvl4pPr>
-      <a:lvl5pPr lvl="4" marR="0" rtl="0" algn="l">
+      <a:lvl5pPr marR="0" lvl="4" algn="l" rtl="0">
         <a:lnSpc>
           <a:spcPct val="100000"/>
         </a:lnSpc>
@@ -6604,7 +6793,7 @@
           <a:srgbClr val="000000"/>
         </a:buClr>
         <a:buFont typeface="Arial"/>
-        <a:defRPr b="0" i="0" sz="1400" u="none" cap="none" strike="noStrike">
+        <a:defRPr sz="1400" b="0" i="0" u="none" strike="noStrike" cap="none">
           <a:solidFill>
             <a:srgbClr val="000000"/>
           </a:solidFill>
@@ -6614,7 +6803,7 @@
           <a:sym typeface="Arial"/>
         </a:defRPr>
       </a:lvl5pPr>
-      <a:lvl6pPr lvl="5" marR="0" rtl="0" algn="l">
+      <a:lvl6pPr marR="0" lvl="5" algn="l" rtl="0">
         <a:lnSpc>
           <a:spcPct val="100000"/>
         </a:lnSpc>
@@ -6628,7 +6817,7 @@
           <a:srgbClr val="000000"/>
         </a:buClr>
         <a:buFont typeface="Arial"/>
-        <a:defRPr b="0" i="0" sz="1400" u="none" cap="none" strike="noStrike">
+        <a:defRPr sz="1400" b="0" i="0" u="none" strike="noStrike" cap="none">
           <a:solidFill>
             <a:srgbClr val="000000"/>
           </a:solidFill>
@@ -6638,7 +6827,7 @@
           <a:sym typeface="Arial"/>
         </a:defRPr>
       </a:lvl6pPr>
-      <a:lvl7pPr lvl="6" marR="0" rtl="0" algn="l">
+      <a:lvl7pPr marR="0" lvl="6" algn="l" rtl="0">
         <a:lnSpc>
           <a:spcPct val="100000"/>
         </a:lnSpc>
@@ -6652,7 +6841,7 @@
           <a:srgbClr val="000000"/>
         </a:buClr>
         <a:buFont typeface="Arial"/>
-        <a:defRPr b="0" i="0" sz="1400" u="none" cap="none" strike="noStrike">
+        <a:defRPr sz="1400" b="0" i="0" u="none" strike="noStrike" cap="none">
           <a:solidFill>
             <a:srgbClr val="000000"/>
           </a:solidFill>
@@ -6662,7 +6851,7 @@
           <a:sym typeface="Arial"/>
         </a:defRPr>
       </a:lvl7pPr>
-      <a:lvl8pPr lvl="7" marR="0" rtl="0" algn="l">
+      <a:lvl8pPr marR="0" lvl="7" algn="l" rtl="0">
         <a:lnSpc>
           <a:spcPct val="100000"/>
         </a:lnSpc>
@@ -6676,7 +6865,7 @@
           <a:srgbClr val="000000"/>
         </a:buClr>
         <a:buFont typeface="Arial"/>
-        <a:defRPr b="0" i="0" sz="1400" u="none" cap="none" strike="noStrike">
+        <a:defRPr sz="1400" b="0" i="0" u="none" strike="noStrike" cap="none">
           <a:solidFill>
             <a:srgbClr val="000000"/>
           </a:solidFill>
@@ -6686,7 +6875,7 @@
           <a:sym typeface="Arial"/>
         </a:defRPr>
       </a:lvl8pPr>
-      <a:lvl9pPr lvl="8" marR="0" rtl="0" algn="l">
+      <a:lvl9pPr marR="0" lvl="8" algn="l" rtl="0">
         <a:lnSpc>
           <a:spcPct val="100000"/>
         </a:lnSpc>
@@ -6700,7 +6889,7 @@
           <a:srgbClr val="000000"/>
         </a:buClr>
         <a:buFont typeface="Arial"/>
-        <a:defRPr b="0" i="0" sz="1400" u="none" cap="none" strike="noStrike">
+        <a:defRPr sz="1400" b="0" i="0" u="none" strike="noStrike" cap="none">
           <a:solidFill>
             <a:srgbClr val="000000"/>
           </a:solidFill>
@@ -6712,7 +6901,7 @@
       </a:lvl9pPr>
     </p:bodyStyle>
     <p:otherStyle>
-      <a:defPPr lvl="0" marR="0" rtl="0" algn="l">
+      <a:defPPr marR="0" lvl="0" algn="l" rtl="0">
         <a:lnSpc>
           <a:spcPct val="100000"/>
         </a:lnSpc>
@@ -6723,7 +6912,7 @@
           <a:spcPts val="0"/>
         </a:spcAft>
       </a:defPPr>
-      <a:lvl1pPr lvl="0" marR="0" rtl="0" algn="l">
+      <a:lvl1pPr marR="0" lvl="0" algn="l" rtl="0">
         <a:lnSpc>
           <a:spcPct val="100000"/>
         </a:lnSpc>
@@ -6737,7 +6926,7 @@
           <a:srgbClr val="000000"/>
         </a:buClr>
         <a:buFont typeface="Arial"/>
-        <a:defRPr b="0" i="0" sz="1400" u="none" cap="none" strike="noStrike">
+        <a:defRPr sz="1400" b="0" i="0" u="none" strike="noStrike" cap="none">
           <a:solidFill>
             <a:srgbClr val="000000"/>
           </a:solidFill>
@@ -6747,7 +6936,7 @@
           <a:sym typeface="Arial"/>
         </a:defRPr>
       </a:lvl1pPr>
-      <a:lvl2pPr lvl="1" marR="0" rtl="0" algn="l">
+      <a:lvl2pPr marR="0" lvl="1" algn="l" rtl="0">
         <a:lnSpc>
           <a:spcPct val="100000"/>
         </a:lnSpc>
@@ -6761,7 +6950,7 @@
           <a:srgbClr val="000000"/>
         </a:buClr>
         <a:buFont typeface="Arial"/>
-        <a:defRPr b="0" i="0" sz="1400" u="none" cap="none" strike="noStrike">
+        <a:defRPr sz="1400" b="0" i="0" u="none" strike="noStrike" cap="none">
           <a:solidFill>
             <a:srgbClr val="000000"/>
           </a:solidFill>
@@ -6771,7 +6960,7 @@
           <a:sym typeface="Arial"/>
         </a:defRPr>
       </a:lvl2pPr>
-      <a:lvl3pPr lvl="2" marR="0" rtl="0" algn="l">
+      <a:lvl3pPr marR="0" lvl="2" algn="l" rtl="0">
         <a:lnSpc>
           <a:spcPct val="100000"/>
         </a:lnSpc>
@@ -6785,7 +6974,7 @@
           <a:srgbClr val="000000"/>
         </a:buClr>
         <a:buFont typeface="Arial"/>
-        <a:defRPr b="0" i="0" sz="1400" u="none" cap="none" strike="noStrike">
+        <a:defRPr sz="1400" b="0" i="0" u="none" strike="noStrike" cap="none">
           <a:solidFill>
             <a:srgbClr val="000000"/>
           </a:solidFill>
@@ -6795,7 +6984,7 @@
           <a:sym typeface="Arial"/>
         </a:defRPr>
       </a:lvl3pPr>
-      <a:lvl4pPr lvl="3" marR="0" rtl="0" algn="l">
+      <a:lvl4pPr marR="0" lvl="3" algn="l" rtl="0">
         <a:lnSpc>
           <a:spcPct val="100000"/>
         </a:lnSpc>
@@ -6809,7 +6998,7 @@
           <a:srgbClr val="000000"/>
         </a:buClr>
         <a:buFont typeface="Arial"/>
-        <a:defRPr b="0" i="0" sz="1400" u="none" cap="none" strike="noStrike">
+        <a:defRPr sz="1400" b="0" i="0" u="none" strike="noStrike" cap="none">
           <a:solidFill>
             <a:srgbClr val="000000"/>
           </a:solidFill>
@@ -6819,7 +7008,7 @@
           <a:sym typeface="Arial"/>
         </a:defRPr>
       </a:lvl4pPr>
-      <a:lvl5pPr lvl="4" marR="0" rtl="0" algn="l">
+      <a:lvl5pPr marR="0" lvl="4" algn="l" rtl="0">
         <a:lnSpc>
           <a:spcPct val="100000"/>
         </a:lnSpc>
@@ -6833,7 +7022,7 @@
           <a:srgbClr val="000000"/>
         </a:buClr>
         <a:buFont typeface="Arial"/>
-        <a:defRPr b="0" i="0" sz="1400" u="none" cap="none" strike="noStrike">
+        <a:defRPr sz="1400" b="0" i="0" u="none" strike="noStrike" cap="none">
           <a:solidFill>
             <a:srgbClr val="000000"/>
           </a:solidFill>
@@ -6843,7 +7032,7 @@
           <a:sym typeface="Arial"/>
         </a:defRPr>
       </a:lvl5pPr>
-      <a:lvl6pPr lvl="5" marR="0" rtl="0" algn="l">
+      <a:lvl6pPr marR="0" lvl="5" algn="l" rtl="0">
         <a:lnSpc>
           <a:spcPct val="100000"/>
         </a:lnSpc>
@@ -6857,7 +7046,7 @@
           <a:srgbClr val="000000"/>
         </a:buClr>
         <a:buFont typeface="Arial"/>
-        <a:defRPr b="0" i="0" sz="1400" u="none" cap="none" strike="noStrike">
+        <a:defRPr sz="1400" b="0" i="0" u="none" strike="noStrike" cap="none">
           <a:solidFill>
             <a:srgbClr val="000000"/>
           </a:solidFill>
@@ -6867,7 +7056,7 @@
           <a:sym typeface="Arial"/>
         </a:defRPr>
       </a:lvl6pPr>
-      <a:lvl7pPr lvl="6" marR="0" rtl="0" algn="l">
+      <a:lvl7pPr marR="0" lvl="6" algn="l" rtl="0">
         <a:lnSpc>
           <a:spcPct val="100000"/>
         </a:lnSpc>
@@ -6881,7 +7070,7 @@
           <a:srgbClr val="000000"/>
         </a:buClr>
         <a:buFont typeface="Arial"/>
-        <a:defRPr b="0" i="0" sz="1400" u="none" cap="none" strike="noStrike">
+        <a:defRPr sz="1400" b="0" i="0" u="none" strike="noStrike" cap="none">
           <a:solidFill>
             <a:srgbClr val="000000"/>
           </a:solidFill>
@@ -6891,7 +7080,7 @@
           <a:sym typeface="Arial"/>
         </a:defRPr>
       </a:lvl7pPr>
-      <a:lvl8pPr lvl="7" marR="0" rtl="0" algn="l">
+      <a:lvl8pPr marR="0" lvl="7" algn="l" rtl="0">
         <a:lnSpc>
           <a:spcPct val="100000"/>
         </a:lnSpc>
@@ -6905,7 +7094,7 @@
           <a:srgbClr val="000000"/>
         </a:buClr>
         <a:buFont typeface="Arial"/>
-        <a:defRPr b="0" i="0" sz="1400" u="none" cap="none" strike="noStrike">
+        <a:defRPr sz="1400" b="0" i="0" u="none" strike="noStrike" cap="none">
           <a:solidFill>
             <a:srgbClr val="000000"/>
           </a:solidFill>
@@ -6915,7 +7104,7 @@
           <a:sym typeface="Arial"/>
         </a:defRPr>
       </a:lvl8pPr>
-      <a:lvl9pPr lvl="8" marR="0" rtl="0" algn="l">
+      <a:lvl9pPr marR="0" lvl="8" algn="l" rtl="0">
         <a:lnSpc>
           <a:spcPct val="100000"/>
         </a:lnSpc>
@@ -6929,7 +7118,7 @@
           <a:srgbClr val="000000"/>
         </a:buClr>
         <a:buFont typeface="Arial"/>
-        <a:defRPr b="0" i="0" sz="1400" u="none" cap="none" strike="noStrike">
+        <a:defRPr sz="1400" b="0" i="0" u="none" strike="noStrike" cap="none">
           <a:solidFill>
             <a:srgbClr val="000000"/>
           </a:solidFill>
@@ -6945,11 +7134,11 @@
 </file>
 
 <file path=ppt/slides/slide1.xml><?xml version="1.0" encoding="utf-8"?>
-<p:sld xmlns:a="http://schemas.openxmlformats.org/drawingml/2006/main" xmlns:r="http://schemas.openxmlformats.org/officeDocument/2006/relationships" xmlns:mc="http://schemas.openxmlformats.org/markup-compatibility/2006" xmlns:mv="urn:schemas-microsoft-com:mac:vml" xmlns:p="http://schemas.openxmlformats.org/presentationml/2006/main" xmlns:c="http://schemas.openxmlformats.org/drawingml/2006/chart" xmlns:dgm="http://schemas.openxmlformats.org/drawingml/2006/diagram" xmlns:o="urn:schemas-microsoft-com:office:office" xmlns:v="urn:schemas-microsoft-com:vml" xmlns:pvml="urn:schemas-microsoft-com:office:powerpoint" xmlns:com="http://schemas.openxmlformats.org/drawingml/2006/compatibility" xmlns:p14="http://schemas.microsoft.com/office/powerpoint/2010/main" xmlns:p15="http://schemas.microsoft.com/office/powerpoint/2012/main">
+<p:sld xmlns:a="http://schemas.openxmlformats.org/drawingml/2006/main" xmlns:r="http://schemas.openxmlformats.org/officeDocument/2006/relationships" xmlns:p="http://schemas.openxmlformats.org/presentationml/2006/main">
   <p:cSld>
     <p:spTree>
       <p:nvGrpSpPr>
-        <p:cNvPr id="69" name="Shape 69"/>
+        <p:cNvPr id="1" name="Shape 69"/>
         <p:cNvGrpSpPr/>
         <p:nvPr/>
       </p:nvGrpSpPr>
@@ -6964,7 +7153,9 @@
       <p:sp>
         <p:nvSpPr>
           <p:cNvPr id="70" name="Shape 70"/>
-          <p:cNvSpPr txBox="1"/>
+          <p:cNvSpPr txBox="1">
+            <a:spLocks noGrp="1"/>
+          </p:cNvSpPr>
           <p:nvPr>
             <p:ph type="ctrTitle"/>
           </p:nvPr>
@@ -6979,12 +7170,12 @@
           </a:prstGeom>
         </p:spPr>
         <p:txBody>
-          <a:bodyPr anchorCtr="0" anchor="t" bIns="91425" lIns="91425" spcFirstLastPara="1" rIns="91425" wrap="square" tIns="91425">
+          <a:bodyPr spcFirstLastPara="1" wrap="square" lIns="91425" tIns="91425" rIns="91425" bIns="91425" anchor="t" anchorCtr="0">
             <a:noAutofit/>
           </a:bodyPr>
           <a:lstStyle/>
           <a:p>
-            <a:pPr indent="0" lvl="0" marL="0" algn="ctr">
+            <a:pPr marL="0" lvl="0" indent="0" algn="ctr">
               <a:spcBef>
                 <a:spcPts val="0"/>
               </a:spcBef>
@@ -7021,12 +7212,12 @@
           </a:ln>
         </p:spPr>
         <p:txBody>
-          <a:bodyPr anchorCtr="0" anchor="t" bIns="91425" lIns="91425" spcFirstLastPara="1" rIns="91425" wrap="square" tIns="91425">
+          <a:bodyPr spcFirstLastPara="1" wrap="square" lIns="91425" tIns="91425" rIns="91425" bIns="91425" anchor="t" anchorCtr="0">
             <a:noAutofit/>
           </a:bodyPr>
           <a:lstStyle/>
           <a:p>
-            <a:pPr indent="0" lvl="0" marL="0" algn="ctr">
+            <a:pPr marL="0" lvl="0" indent="0" algn="ctr">
               <a:spcBef>
                 <a:spcPts val="0"/>
               </a:spcBef>
@@ -7058,7 +7249,7 @@
             </a:endParaRPr>
           </a:p>
           <a:p>
-            <a:pPr indent="0" lvl="0" marL="0" algn="ctr">
+            <a:pPr marL="0" lvl="0" indent="0" algn="ctr">
               <a:spcBef>
                 <a:spcPts val="0"/>
               </a:spcBef>
@@ -7090,7 +7281,7 @@
             </a:endParaRPr>
           </a:p>
           <a:p>
-            <a:pPr indent="0" lvl="0" marL="0" algn="ctr">
+            <a:pPr marL="0" lvl="0" indent="0" algn="ctr">
               <a:spcBef>
                 <a:spcPts val="0"/>
               </a:spcBef>
@@ -7160,11 +7351,11 @@
 </file>
 
 <file path=ppt/slides/slide2.xml><?xml version="1.0" encoding="utf-8"?>
-<p:sld xmlns:a="http://schemas.openxmlformats.org/drawingml/2006/main" xmlns:r="http://schemas.openxmlformats.org/officeDocument/2006/relationships" xmlns:mc="http://schemas.openxmlformats.org/markup-compatibility/2006" xmlns:mv="urn:schemas-microsoft-com:mac:vml" xmlns:p="http://schemas.openxmlformats.org/presentationml/2006/main" xmlns:c="http://schemas.openxmlformats.org/drawingml/2006/chart" xmlns:dgm="http://schemas.openxmlformats.org/drawingml/2006/diagram" xmlns:o="urn:schemas-microsoft-com:office:office" xmlns:v="urn:schemas-microsoft-com:vml" xmlns:pvml="urn:schemas-microsoft-com:office:powerpoint" xmlns:com="http://schemas.openxmlformats.org/drawingml/2006/compatibility" xmlns:p14="http://schemas.microsoft.com/office/powerpoint/2010/main" xmlns:p15="http://schemas.microsoft.com/office/powerpoint/2012/main">
+<p:sld xmlns:a="http://schemas.openxmlformats.org/drawingml/2006/main" xmlns:r="http://schemas.openxmlformats.org/officeDocument/2006/relationships" xmlns:p="http://schemas.openxmlformats.org/presentationml/2006/main">
   <p:cSld>
     <p:spTree>
       <p:nvGrpSpPr>
-        <p:cNvPr id="76" name="Shape 76"/>
+        <p:cNvPr id="1" name="Shape 76"/>
         <p:cNvGrpSpPr/>
         <p:nvPr/>
       </p:nvGrpSpPr>
@@ -7191,23 +7382,23 @@
             <a:avLst/>
           </a:prstGeom>
           <a:noFill/>
-          <a:ln cap="flat" cmpd="sng" w="9525">
+          <a:ln w="9525" cap="flat" cmpd="sng">
             <a:solidFill>
               <a:srgbClr val="CFD8DC"/>
             </a:solidFill>
             <a:prstDash val="dash"/>
             <a:round/>
-            <a:headEnd len="sm" w="sm" type="none"/>
-            <a:tailEnd len="sm" w="sm" type="none"/>
+            <a:headEnd type="none" w="sm" len="sm"/>
+            <a:tailEnd type="none" w="sm" len="sm"/>
           </a:ln>
         </p:spPr>
         <p:txBody>
-          <a:bodyPr anchorCtr="0" anchor="ctr" bIns="91425" lIns="91425" spcFirstLastPara="1" rIns="91425" wrap="square" tIns="91425">
+          <a:bodyPr spcFirstLastPara="1" wrap="square" lIns="91425" tIns="91425" rIns="91425" bIns="91425" anchor="ctr" anchorCtr="0">
             <a:noAutofit/>
           </a:bodyPr>
           <a:lstStyle/>
           <a:p>
-            <a:pPr indent="0" lvl="0" marL="0">
+            <a:pPr marL="0" lvl="0" indent="0">
               <a:spcBef>
                 <a:spcPts val="0"/>
               </a:spcBef>
@@ -7216,9 +7407,6 @@
               </a:spcAft>
               <a:buNone/>
             </a:pPr>
-            <a:r>
-              <a:t/>
-            </a:r>
             <a:endParaRPr/>
           </a:p>
         </p:txBody>
@@ -7226,9 +7414,11 @@
       <p:sp>
         <p:nvSpPr>
           <p:cNvPr id="78" name="Shape 78"/>
-          <p:cNvSpPr txBox="1"/>
+          <p:cNvSpPr txBox="1">
+            <a:spLocks noGrp="1"/>
+          </p:cNvSpPr>
           <p:nvPr>
-            <p:ph idx="4294967295" type="ctrTitle"/>
+            <p:ph type="ctrTitle" idx="4294967295"/>
           </p:nvPr>
         </p:nvSpPr>
         <p:spPr>
@@ -7241,12 +7431,12 @@
           </a:prstGeom>
         </p:spPr>
         <p:txBody>
-          <a:bodyPr anchorCtr="0" anchor="b" bIns="91425" lIns="91425" spcFirstLastPara="1" rIns="91425" wrap="square" tIns="91425">
+          <a:bodyPr spcFirstLastPara="1" wrap="square" lIns="91425" tIns="91425" rIns="91425" bIns="91425" anchor="b" anchorCtr="0">
             <a:noAutofit/>
           </a:bodyPr>
           <a:lstStyle/>
           <a:p>
-            <a:pPr indent="0" lvl="0" marL="0" rtl="0" algn="r">
+            <a:pPr marL="0" lvl="0" indent="0" algn="r" rtl="0">
               <a:spcBef>
                 <a:spcPts val="0"/>
               </a:spcBef>
@@ -7256,13 +7446,13 @@
               <a:buNone/>
             </a:pPr>
             <a:r>
-              <a:rPr b="1" lang="en" sz="6000"/>
+              <a:rPr lang="en" sz="6000" b="1"/>
               <a:t>Our</a:t>
             </a:r>
-            <a:endParaRPr b="1" sz="6000"/>
-          </a:p>
-          <a:p>
-            <a:pPr indent="0" lvl="0" marL="0" rtl="0" algn="r">
+            <a:endParaRPr sz="6000" b="1"/>
+          </a:p>
+          <a:p>
+            <a:pPr marL="0" lvl="0" indent="0" algn="r" rtl="0">
               <a:spcBef>
                 <a:spcPts val="0"/>
               </a:spcBef>
@@ -7272,19 +7462,21 @@
               <a:buNone/>
             </a:pPr>
             <a:r>
-              <a:rPr b="1" lang="en" sz="6000"/>
+              <a:rPr lang="en" sz="6000" b="1"/>
               <a:t>Idea</a:t>
             </a:r>
-            <a:endParaRPr b="1" sz="6000"/>
+            <a:endParaRPr sz="6000" b="1"/>
           </a:p>
         </p:txBody>
       </p:sp>
       <p:sp>
         <p:nvSpPr>
           <p:cNvPr id="79" name="Shape 79"/>
-          <p:cNvSpPr txBox="1"/>
+          <p:cNvSpPr txBox="1">
+            <a:spLocks noGrp="1"/>
+          </p:cNvSpPr>
           <p:nvPr>
-            <p:ph idx="4294967295" type="subTitle"/>
+            <p:ph type="subTitle" idx="4294967295"/>
           </p:nvPr>
         </p:nvSpPr>
         <p:spPr>
@@ -7297,12 +7489,12 @@
           </a:prstGeom>
         </p:spPr>
         <p:txBody>
-          <a:bodyPr anchorCtr="0" anchor="t" bIns="91425" lIns="91425" spcFirstLastPara="1" rIns="91425" wrap="square" tIns="91425">
+          <a:bodyPr spcFirstLastPara="1" wrap="square" lIns="91425" tIns="91425" rIns="91425" bIns="91425" anchor="t" anchorCtr="0">
             <a:noAutofit/>
           </a:bodyPr>
           <a:lstStyle/>
           <a:p>
-            <a:pPr indent="0" lvl="0" marL="0" rtl="0" algn="r">
+            <a:pPr marL="0" lvl="0" indent="0" algn="r" rtl="0">
               <a:spcBef>
                 <a:spcPts val="600"/>
               </a:spcBef>
@@ -7326,7 +7518,7 @@
           <p:nvPr/>
         </p:nvCxnSpPr>
         <p:spPr>
-          <a:xfrm flipH="1" rot="10800000">
+          <a:xfrm rot="10800000" flipH="1">
             <a:off x="6282450" y="705375"/>
             <a:ext cx="121500" cy="518700"/>
           </a:xfrm>
@@ -7334,14 +7526,14 @@
             <a:avLst/>
           </a:prstGeom>
           <a:noFill/>
-          <a:ln cap="flat" cmpd="sng" w="9525">
+          <a:ln w="9525" cap="flat" cmpd="sng">
             <a:solidFill>
               <a:srgbClr val="CFD8DC"/>
             </a:solidFill>
             <a:prstDash val="solid"/>
             <a:round/>
-            <a:headEnd len="med" w="med" type="none"/>
-            <a:tailEnd len="med" w="med" type="none"/>
+            <a:headEnd type="none" w="med" len="med"/>
+            <a:tailEnd type="none" w="med" len="med"/>
           </a:ln>
         </p:spPr>
       </p:cxnSp>
@@ -7360,14 +7552,14 @@
             <a:avLst/>
           </a:prstGeom>
           <a:noFill/>
-          <a:ln cap="flat" cmpd="sng" w="9525">
+          <a:ln w="9525" cap="flat" cmpd="sng">
             <a:solidFill>
               <a:srgbClr val="CFD8DC"/>
             </a:solidFill>
             <a:prstDash val="solid"/>
             <a:round/>
-            <a:headEnd len="med" w="med" type="none"/>
-            <a:tailEnd len="med" w="med" type="none"/>
+            <a:headEnd type="none" w="med" len="med"/>
+            <a:tailEnd type="none" w="med" len="med"/>
           </a:ln>
         </p:spPr>
       </p:cxnSp>
@@ -7388,14 +7580,14 @@
             <a:avLst/>
           </a:prstGeom>
           <a:noFill/>
-          <a:ln cap="flat" cmpd="sng" w="9525">
+          <a:ln w="9525" cap="flat" cmpd="sng">
             <a:solidFill>
               <a:srgbClr val="CFD8DC"/>
             </a:solidFill>
             <a:prstDash val="solid"/>
             <a:round/>
-            <a:headEnd len="med" w="med" type="none"/>
-            <a:tailEnd len="med" w="med" type="none"/>
+            <a:headEnd type="none" w="med" len="med"/>
+            <a:tailEnd type="none" w="med" len="med"/>
           </a:ln>
         </p:spPr>
       </p:cxnSp>
@@ -7414,23 +7606,23 @@
             <a:avLst/>
           </a:prstGeom>
           <a:noFill/>
-          <a:ln cap="flat" cmpd="sng" w="19050">
+          <a:ln w="19050" cap="flat" cmpd="sng">
             <a:solidFill>
               <a:srgbClr val="CFD8DC"/>
             </a:solidFill>
             <a:prstDash val="solid"/>
             <a:round/>
-            <a:headEnd len="sm" w="sm" type="none"/>
-            <a:tailEnd len="sm" w="sm" type="none"/>
+            <a:headEnd type="none" w="sm" len="sm"/>
+            <a:tailEnd type="none" w="sm" len="sm"/>
           </a:ln>
         </p:spPr>
         <p:txBody>
-          <a:bodyPr anchorCtr="0" anchor="ctr" bIns="91425" lIns="91425" spcFirstLastPara="1" rIns="91425" wrap="square" tIns="91425">
+          <a:bodyPr spcFirstLastPara="1" wrap="square" lIns="91425" tIns="91425" rIns="91425" bIns="91425" anchor="ctr" anchorCtr="0">
             <a:noAutofit/>
           </a:bodyPr>
           <a:lstStyle/>
           <a:p>
-            <a:pPr indent="0" lvl="0" marL="0">
+            <a:pPr marL="0" lvl="0" indent="0">
               <a:spcBef>
                 <a:spcPts val="0"/>
               </a:spcBef>
@@ -7439,9 +7631,6 @@
               </a:spcAft>
               <a:buNone/>
             </a:pPr>
-            <a:r>
-              <a:t/>
-            </a:r>
             <a:endParaRPr/>
           </a:p>
         </p:txBody>
@@ -7449,9 +7638,11 @@
       <p:sp>
         <p:nvSpPr>
           <p:cNvPr id="84" name="Shape 84"/>
-          <p:cNvSpPr txBox="1"/>
+          <p:cNvSpPr txBox="1">
+            <a:spLocks noGrp="1"/>
+          </p:cNvSpPr>
           <p:nvPr>
-            <p:ph idx="12" type="sldNum"/>
+            <p:ph type="sldNum" idx="12"/>
           </p:nvPr>
         </p:nvSpPr>
         <p:spPr>
@@ -7464,12 +7655,12 @@
           </a:prstGeom>
         </p:spPr>
         <p:txBody>
-          <a:bodyPr anchorCtr="0" anchor="t" bIns="91425" lIns="91425" spcFirstLastPara="1" rIns="91425" wrap="square" tIns="91425">
+          <a:bodyPr spcFirstLastPara="1" wrap="square" lIns="91425" tIns="91425" rIns="91425" bIns="91425" anchor="t" anchorCtr="0">
             <a:noAutofit/>
           </a:bodyPr>
           <a:lstStyle/>
           <a:p>
-            <a:pPr indent="0" lvl="0" marL="0" rtl="0">
+            <a:pPr marL="0" lvl="0" indent="0" rtl="0">
               <a:spcBef>
                 <a:spcPts val="0"/>
               </a:spcBef>
@@ -7480,7 +7671,16 @@
             </a:pPr>
             <a:fld id="{00000000-1234-1234-1234-123412341234}" type="slidenum">
               <a:rPr lang="en"/>
-              <a:t>‹#›</a:t>
+              <a:pPr marL="0" lvl="0" indent="0" rtl="0">
+                <a:spcBef>
+                  <a:spcPts val="0"/>
+                </a:spcBef>
+                <a:spcAft>
+                  <a:spcPts val="0"/>
+                </a:spcAft>
+                <a:buNone/>
+              </a:pPr>
+              <a:t>2</a:t>
             </a:fld>
             <a:endParaRPr/>
           </a:p>
@@ -7523,11 +7723,11 @@
 </file>
 
 <file path=ppt/slides/slide3.xml><?xml version="1.0" encoding="utf-8"?>
-<p:sld xmlns:a="http://schemas.openxmlformats.org/drawingml/2006/main" xmlns:r="http://schemas.openxmlformats.org/officeDocument/2006/relationships" xmlns:mc="http://schemas.openxmlformats.org/markup-compatibility/2006" xmlns:mv="urn:schemas-microsoft-com:mac:vml" xmlns:p="http://schemas.openxmlformats.org/presentationml/2006/main" xmlns:c="http://schemas.openxmlformats.org/drawingml/2006/chart" xmlns:dgm="http://schemas.openxmlformats.org/drawingml/2006/diagram" xmlns:o="urn:schemas-microsoft-com:office:office" xmlns:v="urn:schemas-microsoft-com:vml" xmlns:pvml="urn:schemas-microsoft-com:office:powerpoint" xmlns:com="http://schemas.openxmlformats.org/drawingml/2006/compatibility" xmlns:p14="http://schemas.microsoft.com/office/powerpoint/2010/main" xmlns:p15="http://schemas.microsoft.com/office/powerpoint/2012/main">
+<p:sld xmlns:a="http://schemas.openxmlformats.org/drawingml/2006/main" xmlns:r="http://schemas.openxmlformats.org/officeDocument/2006/relationships" xmlns:p="http://schemas.openxmlformats.org/presentationml/2006/main">
   <p:cSld>
     <p:spTree>
       <p:nvGrpSpPr>
-        <p:cNvPr id="89" name="Shape 89"/>
+        <p:cNvPr id="1" name="Shape 89"/>
         <p:cNvGrpSpPr/>
         <p:nvPr/>
       </p:nvGrpSpPr>
@@ -7542,7 +7742,9 @@
       <p:sp>
         <p:nvSpPr>
           <p:cNvPr id="90" name="Shape 90"/>
-          <p:cNvSpPr txBox="1"/>
+          <p:cNvSpPr txBox="1">
+            <a:spLocks noGrp="1"/>
+          </p:cNvSpPr>
           <p:nvPr>
             <p:ph type="title"/>
           </p:nvPr>
@@ -7557,12 +7759,12 @@
           </a:prstGeom>
         </p:spPr>
         <p:txBody>
-          <a:bodyPr anchorCtr="0" anchor="b" bIns="91425" lIns="91425" spcFirstLastPara="1" rIns="91425" wrap="square" tIns="91425">
+          <a:bodyPr spcFirstLastPara="1" wrap="square" lIns="91425" tIns="91425" rIns="91425" bIns="91425" anchor="b" anchorCtr="0">
             <a:noAutofit/>
           </a:bodyPr>
           <a:lstStyle/>
           <a:p>
-            <a:pPr indent="0" lvl="0" marL="0" rtl="0">
+            <a:pPr marL="0" lvl="0" indent="0" rtl="0">
               <a:spcBef>
                 <a:spcPts val="0"/>
               </a:spcBef>
@@ -7582,9 +7784,11 @@
       <p:sp>
         <p:nvSpPr>
           <p:cNvPr id="91" name="Shape 91"/>
-          <p:cNvSpPr txBox="1"/>
+          <p:cNvSpPr txBox="1">
+            <a:spLocks noGrp="1"/>
+          </p:cNvSpPr>
           <p:nvPr>
-            <p:ph idx="1" type="body"/>
+            <p:ph type="body" idx="1"/>
           </p:nvPr>
         </p:nvSpPr>
         <p:spPr>
@@ -7597,12 +7801,12 @@
           </a:prstGeom>
         </p:spPr>
         <p:txBody>
-          <a:bodyPr anchorCtr="0" anchor="t" bIns="91425" lIns="91425" spcFirstLastPara="1" rIns="91425" wrap="square" tIns="91425">
+          <a:bodyPr spcFirstLastPara="1" wrap="square" lIns="91425" tIns="91425" rIns="91425" bIns="91425" anchor="t" anchorCtr="0">
             <a:noAutofit/>
           </a:bodyPr>
           <a:lstStyle/>
           <a:p>
-            <a:pPr indent="-317500" lvl="0" marL="457200" rtl="0">
+            <a:pPr marL="457200" lvl="0" indent="-317500" rtl="0">
               <a:spcBef>
                 <a:spcPts val="600"/>
               </a:spcBef>
@@ -7613,16 +7817,48 @@
               <a:buChar char="◎"/>
             </a:pPr>
             <a:r>
+              <a:rPr lang="en" sz="1400" dirty="0"/>
+              <a:t>The person who lost an object is a publisher. He won’t get notified when someone finds his item. His publication will have a range of 0m and a duration of 1 day. (1 hour for the demo)</a:t>
+            </a:r>
+            <a:br>
+              <a:rPr lang="en" sz="1400" dirty="0"/>
+            </a:br>
+            <a:endParaRPr sz="1400" dirty="0"/>
+          </a:p>
+          <a:p>
+            <a:pPr marL="457200" lvl="0" indent="-317500" rtl="0">
+              <a:spcBef>
+                <a:spcPts val="0"/>
+              </a:spcBef>
+              <a:spcAft>
+                <a:spcPts val="0"/>
+              </a:spcAft>
+              <a:buSzPts val="1400"/>
+              <a:buChar char="◎"/>
+            </a:pPr>
+            <a:r>
+              <a:rPr lang="en" sz="1400" dirty="0"/>
+              <a:t>The person who found an object is a subscriber. He’s the one that is getting matches. He is responsible to find the owner (like in real life). </a:t>
+            </a:r>
+            <a:r>
               <a:rPr lang="en" sz="1400"/>
-              <a:t>The person who lost an object is a publisher. He won’t get notified when someone finds his item. His publication will have a range of 0m and a duration of 1 day. (1 hour for the demo)</a:t>
+              <a:t>His subscription will have a range of 3km and a duration of 1 </a:t>
+            </a:r>
+            <a:r>
+              <a:rPr lang="en" sz="1400" smtClean="0"/>
+              <a:t>hour.</a:t>
+            </a:r>
+            <a:r>
+              <a:rPr lang="en" sz="1400"/>
+              <a:t/>
             </a:r>
             <a:br>
               <a:rPr lang="en" sz="1400"/>
             </a:br>
-            <a:endParaRPr sz="1400"/>
-          </a:p>
-          <a:p>
-            <a:pPr indent="-317500" lvl="0" marL="457200" rtl="0">
+            <a:endParaRPr sz="1400" dirty="0"/>
+          </a:p>
+          <a:p>
+            <a:pPr marL="457200" lvl="0" indent="-317500" rtl="0">
               <a:spcBef>
                 <a:spcPts val="0"/>
               </a:spcBef>
@@ -7633,33 +7869,13 @@
               <a:buChar char="◎"/>
             </a:pPr>
             <a:r>
-              <a:rPr lang="en" sz="1400"/>
-              <a:t>The person who found an object is a subscriber. He’s the one that is getting matches. He is responsible to find the owner (like in real life). His subscription will have a range of 3km and a duration of 1 hour (explained why after the demo).</a:t>
-            </a:r>
-            <a:br>
-              <a:rPr lang="en" sz="1400"/>
-            </a:br>
-            <a:endParaRPr sz="1400"/>
-          </a:p>
-          <a:p>
-            <a:pPr indent="-317500" lvl="0" marL="457200" rtl="0">
-              <a:spcBef>
-                <a:spcPts val="0"/>
-              </a:spcBef>
-              <a:spcAft>
-                <a:spcPts val="0"/>
-              </a:spcAft>
-              <a:buSzPts val="1400"/>
-              <a:buChar char="◎"/>
-            </a:pPr>
-            <a:r>
-              <a:rPr lang="en" sz="1400"/>
+              <a:rPr lang="en" sz="1400" dirty="0"/>
               <a:t>When a match occurs, you will be able to see it in the “Status” page. You can also click on the match to get the location of the publication.</a:t>
             </a:r>
-            <a:endParaRPr sz="1400"/>
-          </a:p>
-          <a:p>
-            <a:pPr indent="0" lvl="0" marL="0" rtl="0">
+            <a:endParaRPr sz="1400" dirty="0"/>
+          </a:p>
+          <a:p>
+            <a:pPr marL="0" lvl="0" indent="0" rtl="0">
               <a:spcBef>
                 <a:spcPts val="600"/>
               </a:spcBef>
@@ -7668,13 +7884,10 @@
               </a:spcAft>
               <a:buNone/>
             </a:pPr>
-            <a:r>
-              <a:t/>
-            </a:r>
-            <a:endParaRPr sz="1400"/>
-          </a:p>
-          <a:p>
-            <a:pPr indent="0" lvl="0" marL="0" rtl="0">
+            <a:endParaRPr sz="1400" dirty="0"/>
+          </a:p>
+          <a:p>
+            <a:pPr marL="0" lvl="0" indent="0" rtl="0">
               <a:spcBef>
                 <a:spcPts val="600"/>
               </a:spcBef>
@@ -7683,19 +7896,18 @@
               </a:spcAft>
               <a:buNone/>
             </a:pPr>
-            <a:r>
-              <a:t/>
-            </a:r>
-            <a:endParaRPr/>
+            <a:endParaRPr dirty="0"/>
           </a:p>
         </p:txBody>
       </p:sp>
       <p:sp>
         <p:nvSpPr>
           <p:cNvPr id="92" name="Shape 92"/>
-          <p:cNvSpPr txBox="1"/>
+          <p:cNvSpPr txBox="1">
+            <a:spLocks noGrp="1"/>
+          </p:cNvSpPr>
           <p:nvPr>
-            <p:ph idx="12" type="sldNum"/>
+            <p:ph type="sldNum" idx="12"/>
           </p:nvPr>
         </p:nvSpPr>
         <p:spPr>
@@ -7708,12 +7920,12 @@
           </a:prstGeom>
         </p:spPr>
         <p:txBody>
-          <a:bodyPr anchorCtr="0" anchor="t" bIns="91425" lIns="91425" spcFirstLastPara="1" rIns="91425" wrap="square" tIns="91425">
+          <a:bodyPr spcFirstLastPara="1" wrap="square" lIns="91425" tIns="91425" rIns="91425" bIns="91425" anchor="t" anchorCtr="0">
             <a:noAutofit/>
           </a:bodyPr>
           <a:lstStyle/>
           <a:p>
-            <a:pPr indent="0" lvl="0" marL="0" rtl="0">
+            <a:pPr marL="0" lvl="0" indent="0" rtl="0">
               <a:spcBef>
                 <a:spcPts val="0"/>
               </a:spcBef>
@@ -7724,7 +7936,16 @@
             </a:pPr>
             <a:fld id="{00000000-1234-1234-1234-123412341234}" type="slidenum">
               <a:rPr lang="en"/>
-              <a:t>‹#›</a:t>
+              <a:pPr marL="0" lvl="0" indent="0" rtl="0">
+                <a:spcBef>
+                  <a:spcPts val="0"/>
+                </a:spcBef>
+                <a:spcAft>
+                  <a:spcPts val="0"/>
+                </a:spcAft>
+                <a:buNone/>
+              </a:pPr>
+              <a:t>3</a:t>
             </a:fld>
             <a:endParaRPr/>
           </a:p>
@@ -7739,11 +7960,11 @@
 </file>
 
 <file path=ppt/slides/slide4.xml><?xml version="1.0" encoding="utf-8"?>
-<p:sld xmlns:a="http://schemas.openxmlformats.org/drawingml/2006/main" xmlns:r="http://schemas.openxmlformats.org/officeDocument/2006/relationships" xmlns:mc="http://schemas.openxmlformats.org/markup-compatibility/2006" xmlns:mv="urn:schemas-microsoft-com:mac:vml" xmlns:p="http://schemas.openxmlformats.org/presentationml/2006/main" xmlns:c="http://schemas.openxmlformats.org/drawingml/2006/chart" xmlns:dgm="http://schemas.openxmlformats.org/drawingml/2006/diagram" xmlns:o="urn:schemas-microsoft-com:office:office" xmlns:v="urn:schemas-microsoft-com:vml" xmlns:pvml="urn:schemas-microsoft-com:office:powerpoint" xmlns:com="http://schemas.openxmlformats.org/drawingml/2006/compatibility" xmlns:p14="http://schemas.microsoft.com/office/powerpoint/2010/main" xmlns:p15="http://schemas.microsoft.com/office/powerpoint/2012/main">
+<p:sld xmlns:a="http://schemas.openxmlformats.org/drawingml/2006/main" xmlns:r="http://schemas.openxmlformats.org/officeDocument/2006/relationships" xmlns:p="http://schemas.openxmlformats.org/presentationml/2006/main">
   <p:cSld>
     <p:spTree>
       <p:nvGrpSpPr>
-        <p:cNvPr id="96" name="Shape 96"/>
+        <p:cNvPr id="1" name="Shape 96"/>
         <p:cNvGrpSpPr/>
         <p:nvPr/>
       </p:nvGrpSpPr>
@@ -7758,9 +7979,11 @@
       <p:sp>
         <p:nvSpPr>
           <p:cNvPr id="97" name="Shape 97"/>
-          <p:cNvSpPr txBox="1"/>
+          <p:cNvSpPr txBox="1">
+            <a:spLocks noGrp="1"/>
+          </p:cNvSpPr>
           <p:nvPr>
-            <p:ph idx="12" type="sldNum"/>
+            <p:ph type="sldNum" idx="12"/>
           </p:nvPr>
         </p:nvSpPr>
         <p:spPr>
@@ -7773,12 +7996,12 @@
           </a:prstGeom>
         </p:spPr>
         <p:txBody>
-          <a:bodyPr anchorCtr="0" anchor="t" bIns="91425" lIns="91425" spcFirstLastPara="1" rIns="91425" wrap="square" tIns="91425">
+          <a:bodyPr spcFirstLastPara="1" wrap="square" lIns="91425" tIns="91425" rIns="91425" bIns="91425" anchor="t" anchorCtr="0">
             <a:noAutofit/>
           </a:bodyPr>
           <a:lstStyle/>
           <a:p>
-            <a:pPr indent="0" lvl="0" marL="0">
+            <a:pPr marL="0" lvl="0" indent="0">
               <a:spcBef>
                 <a:spcPts val="0"/>
               </a:spcBef>
@@ -7789,7 +8012,16 @@
             </a:pPr>
             <a:fld id="{00000000-1234-1234-1234-123412341234}" type="slidenum">
               <a:rPr lang="en"/>
-              <a:t>‹#›</a:t>
+              <a:pPr marL="0" lvl="0" indent="0">
+                <a:spcBef>
+                  <a:spcPts val="0"/>
+                </a:spcBef>
+                <a:spcAft>
+                  <a:spcPts val="0"/>
+                </a:spcAft>
+                <a:buNone/>
+              </a:pPr>
+              <a:t>4</a:t>
             </a:fld>
             <a:endParaRPr/>
           </a:p>
@@ -7798,9 +8030,11 @@
       <p:sp>
         <p:nvSpPr>
           <p:cNvPr id="98" name="Shape 98"/>
-          <p:cNvSpPr txBox="1"/>
+          <p:cNvSpPr txBox="1">
+            <a:spLocks noGrp="1"/>
+          </p:cNvSpPr>
           <p:nvPr>
-            <p:ph idx="4294967295" type="ctrTitle"/>
+            <p:ph type="ctrTitle" idx="4294967295"/>
           </p:nvPr>
         </p:nvSpPr>
         <p:spPr>
@@ -7813,12 +8047,12 @@
           </a:prstGeom>
         </p:spPr>
         <p:txBody>
-          <a:bodyPr anchorCtr="0" anchor="b" bIns="91425" lIns="91425" spcFirstLastPara="1" rIns="91425" wrap="square" tIns="91425">
+          <a:bodyPr spcFirstLastPara="1" wrap="square" lIns="91425" tIns="91425" rIns="91425" bIns="91425" anchor="b" anchorCtr="0">
             <a:noAutofit/>
           </a:bodyPr>
           <a:lstStyle/>
           <a:p>
-            <a:pPr indent="0" lvl="0" marL="0" rtl="0" algn="ctr">
+            <a:pPr marL="0" lvl="0" indent="0" algn="ctr" rtl="0">
               <a:spcBef>
                 <a:spcPts val="0"/>
               </a:spcBef>
@@ -7828,14 +8062,10 @@
               <a:buNone/>
             </a:pPr>
             <a:r>
-              <a:rPr b="1" lang="en" sz="6000"/>
-              <a:t>Demo t</a:t>
+              <a:rPr lang="en" sz="6000" b="1"/>
+              <a:t>Demo time !</a:t>
             </a:r>
-            <a:r>
-              <a:rPr b="1" lang="en" sz="6000"/>
-              <a:t>ime !</a:t>
-            </a:r>
-            <a:endParaRPr b="1" sz="6000"/>
+            <a:endParaRPr sz="6000" b="1"/>
           </a:p>
         </p:txBody>
       </p:sp>
@@ -7848,11 +8078,11 @@
 </file>
 
 <file path=ppt/slides/slide5.xml><?xml version="1.0" encoding="utf-8"?>
-<p:sld xmlns:a="http://schemas.openxmlformats.org/drawingml/2006/main" xmlns:r="http://schemas.openxmlformats.org/officeDocument/2006/relationships" xmlns:mc="http://schemas.openxmlformats.org/markup-compatibility/2006" xmlns:mv="urn:schemas-microsoft-com:mac:vml" xmlns:p="http://schemas.openxmlformats.org/presentationml/2006/main" xmlns:c="http://schemas.openxmlformats.org/drawingml/2006/chart" xmlns:dgm="http://schemas.openxmlformats.org/drawingml/2006/diagram" xmlns:o="urn:schemas-microsoft-com:office:office" xmlns:v="urn:schemas-microsoft-com:vml" xmlns:pvml="urn:schemas-microsoft-com:office:powerpoint" xmlns:com="http://schemas.openxmlformats.org/drawingml/2006/compatibility" xmlns:p14="http://schemas.microsoft.com/office/powerpoint/2010/main" xmlns:p15="http://schemas.microsoft.com/office/powerpoint/2012/main">
+<p:sld xmlns:a="http://schemas.openxmlformats.org/drawingml/2006/main" xmlns:r="http://schemas.openxmlformats.org/officeDocument/2006/relationships" xmlns:p="http://schemas.openxmlformats.org/presentationml/2006/main">
   <p:cSld>
     <p:spTree>
       <p:nvGrpSpPr>
-        <p:cNvPr id="102" name="Shape 102"/>
+        <p:cNvPr id="1" name="Shape 102"/>
         <p:cNvGrpSpPr/>
         <p:nvPr/>
       </p:nvGrpSpPr>
@@ -7867,7 +8097,9 @@
       <p:sp>
         <p:nvSpPr>
           <p:cNvPr id="103" name="Shape 103"/>
-          <p:cNvSpPr txBox="1"/>
+          <p:cNvSpPr txBox="1">
+            <a:spLocks noGrp="1"/>
+          </p:cNvSpPr>
           <p:nvPr>
             <p:ph type="title"/>
           </p:nvPr>
@@ -7882,12 +8114,12 @@
           </a:prstGeom>
         </p:spPr>
         <p:txBody>
-          <a:bodyPr anchorCtr="0" anchor="b" bIns="91425" lIns="91425" spcFirstLastPara="1" rIns="91425" wrap="square" tIns="91425">
+          <a:bodyPr spcFirstLastPara="1" wrap="square" lIns="91425" tIns="91425" rIns="91425" bIns="91425" anchor="b" anchorCtr="0">
             <a:noAutofit/>
           </a:bodyPr>
           <a:lstStyle/>
           <a:p>
-            <a:pPr indent="0" lvl="0" marL="0" rtl="0">
+            <a:pPr marL="0" lvl="0" indent="0" rtl="0">
               <a:spcBef>
                 <a:spcPts val="0"/>
               </a:spcBef>
@@ -7907,9 +8139,11 @@
       <p:sp>
         <p:nvSpPr>
           <p:cNvPr id="104" name="Shape 104"/>
-          <p:cNvSpPr txBox="1"/>
+          <p:cNvSpPr txBox="1">
+            <a:spLocks noGrp="1"/>
+          </p:cNvSpPr>
           <p:nvPr>
-            <p:ph idx="12" type="sldNum"/>
+            <p:ph type="sldNum" idx="12"/>
           </p:nvPr>
         </p:nvSpPr>
         <p:spPr>
@@ -7922,12 +8156,12 @@
           </a:prstGeom>
         </p:spPr>
         <p:txBody>
-          <a:bodyPr anchorCtr="0" anchor="t" bIns="91425" lIns="91425" spcFirstLastPara="1" rIns="91425" wrap="square" tIns="91425">
+          <a:bodyPr spcFirstLastPara="1" wrap="square" lIns="91425" tIns="91425" rIns="91425" bIns="91425" anchor="t" anchorCtr="0">
             <a:noAutofit/>
           </a:bodyPr>
           <a:lstStyle/>
           <a:p>
-            <a:pPr indent="0" lvl="0" marL="0" rtl="0">
+            <a:pPr marL="0" lvl="0" indent="0" rtl="0">
               <a:spcBef>
                 <a:spcPts val="0"/>
               </a:spcBef>
@@ -7938,7 +8172,16 @@
             </a:pPr>
             <a:fld id="{00000000-1234-1234-1234-123412341234}" type="slidenum">
               <a:rPr lang="en"/>
-              <a:t>‹#›</a:t>
+              <a:pPr marL="0" lvl="0" indent="0" rtl="0">
+                <a:spcBef>
+                  <a:spcPts val="0"/>
+                </a:spcBef>
+                <a:spcAft>
+                  <a:spcPts val="0"/>
+                </a:spcAft>
+                <a:buNone/>
+              </a:pPr>
+              <a:t>5</a:t>
             </a:fld>
             <a:endParaRPr/>
           </a:p>
@@ -7964,12 +8207,12 @@
           </a:ln>
         </p:spPr>
         <p:txBody>
-          <a:bodyPr anchorCtr="0" anchor="t" bIns="91425" lIns="91425" spcFirstLastPara="1" rIns="91425" wrap="square" tIns="91425">
+          <a:bodyPr spcFirstLastPara="1" wrap="square" lIns="91425" tIns="91425" rIns="91425" bIns="91425" anchor="t" anchorCtr="0">
             <a:noAutofit/>
           </a:bodyPr>
           <a:lstStyle/>
           <a:p>
-            <a:pPr indent="0" lvl="0" marL="0" rtl="0" algn="r">
+            <a:pPr marL="0" lvl="0" indent="0" algn="r" rtl="0">
               <a:spcBef>
                 <a:spcPts val="0"/>
               </a:spcBef>
@@ -8028,11 +8271,11 @@
 </file>
 
 <file path=ppt/slides/slide6.xml><?xml version="1.0" encoding="utf-8"?>
-<p:sld xmlns:a="http://schemas.openxmlformats.org/drawingml/2006/main" xmlns:r="http://schemas.openxmlformats.org/officeDocument/2006/relationships" xmlns:mc="http://schemas.openxmlformats.org/markup-compatibility/2006" xmlns:mv="urn:schemas-microsoft-com:mac:vml" xmlns:p="http://schemas.openxmlformats.org/presentationml/2006/main" xmlns:c="http://schemas.openxmlformats.org/drawingml/2006/chart" xmlns:dgm="http://schemas.openxmlformats.org/drawingml/2006/diagram" xmlns:o="urn:schemas-microsoft-com:office:office" xmlns:v="urn:schemas-microsoft-com:vml" xmlns:pvml="urn:schemas-microsoft-com:office:powerpoint" xmlns:com="http://schemas.openxmlformats.org/drawingml/2006/compatibility" xmlns:p14="http://schemas.microsoft.com/office/powerpoint/2010/main" xmlns:p15="http://schemas.microsoft.com/office/powerpoint/2012/main">
+<p:sld xmlns:a="http://schemas.openxmlformats.org/drawingml/2006/main" xmlns:r="http://schemas.openxmlformats.org/officeDocument/2006/relationships" xmlns:p="http://schemas.openxmlformats.org/presentationml/2006/main">
   <p:cSld>
     <p:spTree>
       <p:nvGrpSpPr>
-        <p:cNvPr id="110" name="Shape 110"/>
+        <p:cNvPr id="1" name="Shape 110"/>
         <p:cNvGrpSpPr/>
         <p:nvPr/>
       </p:nvGrpSpPr>
@@ -8047,7 +8290,9 @@
       <p:sp>
         <p:nvSpPr>
           <p:cNvPr id="111" name="Shape 111"/>
-          <p:cNvSpPr txBox="1"/>
+          <p:cNvSpPr txBox="1">
+            <a:spLocks noGrp="1"/>
+          </p:cNvSpPr>
           <p:nvPr>
             <p:ph type="title"/>
           </p:nvPr>
@@ -8062,12 +8307,12 @@
           </a:prstGeom>
         </p:spPr>
         <p:txBody>
-          <a:bodyPr anchorCtr="0" anchor="b" bIns="91425" lIns="91425" spcFirstLastPara="1" rIns="91425" wrap="square" tIns="91425">
+          <a:bodyPr spcFirstLastPara="1" wrap="square" lIns="91425" tIns="91425" rIns="91425" bIns="91425" anchor="b" anchorCtr="0">
             <a:noAutofit/>
           </a:bodyPr>
           <a:lstStyle/>
           <a:p>
-            <a:pPr indent="0" lvl="0" marL="0" rtl="0">
+            <a:pPr marL="0" lvl="0" indent="0" rtl="0">
               <a:spcBef>
                 <a:spcPts val="0"/>
               </a:spcBef>
@@ -8087,9 +8332,11 @@
       <p:sp>
         <p:nvSpPr>
           <p:cNvPr id="112" name="Shape 112"/>
-          <p:cNvSpPr txBox="1"/>
+          <p:cNvSpPr txBox="1">
+            <a:spLocks noGrp="1"/>
+          </p:cNvSpPr>
           <p:nvPr>
-            <p:ph idx="12" type="sldNum"/>
+            <p:ph type="sldNum" idx="12"/>
           </p:nvPr>
         </p:nvSpPr>
         <p:spPr>
@@ -8102,12 +8349,12 @@
           </a:prstGeom>
         </p:spPr>
         <p:txBody>
-          <a:bodyPr anchorCtr="0" anchor="t" bIns="91425" lIns="91425" spcFirstLastPara="1" rIns="91425" wrap="square" tIns="91425">
+          <a:bodyPr spcFirstLastPara="1" wrap="square" lIns="91425" tIns="91425" rIns="91425" bIns="91425" anchor="t" anchorCtr="0">
             <a:noAutofit/>
           </a:bodyPr>
           <a:lstStyle/>
           <a:p>
-            <a:pPr indent="0" lvl="0" marL="0" rtl="0">
+            <a:pPr marL="0" lvl="0" indent="0" rtl="0">
               <a:spcBef>
                 <a:spcPts val="0"/>
               </a:spcBef>
@@ -8118,7 +8365,16 @@
             </a:pPr>
             <a:fld id="{00000000-1234-1234-1234-123412341234}" type="slidenum">
               <a:rPr lang="en"/>
-              <a:t>‹#›</a:t>
+              <a:pPr marL="0" lvl="0" indent="0" rtl="0">
+                <a:spcBef>
+                  <a:spcPts val="0"/>
+                </a:spcBef>
+                <a:spcAft>
+                  <a:spcPts val="0"/>
+                </a:spcAft>
+                <a:buNone/>
+              </a:pPr>
+              <a:t>6</a:t>
             </a:fld>
             <a:endParaRPr/>
           </a:p>
@@ -8127,9 +8383,11 @@
       <p:sp>
         <p:nvSpPr>
           <p:cNvPr id="113" name="Shape 113"/>
-          <p:cNvSpPr txBox="1"/>
+          <p:cNvSpPr txBox="1">
+            <a:spLocks noGrp="1"/>
+          </p:cNvSpPr>
           <p:nvPr>
-            <p:ph idx="4294967295" type="body"/>
+            <p:ph type="body" idx="4294967295"/>
           </p:nvPr>
         </p:nvSpPr>
         <p:spPr>
@@ -8142,12 +8400,12 @@
           </a:prstGeom>
         </p:spPr>
         <p:txBody>
-          <a:bodyPr anchorCtr="0" anchor="t" bIns="91425" lIns="91425" spcFirstLastPara="1" rIns="91425" wrap="square" tIns="91425">
+          <a:bodyPr spcFirstLastPara="1" wrap="square" lIns="91425" tIns="91425" rIns="91425" bIns="91425" anchor="t" anchorCtr="0">
             <a:noAutofit/>
           </a:bodyPr>
           <a:lstStyle/>
           <a:p>
-            <a:pPr indent="-342900" lvl="0" marL="457200" rtl="0" algn="just">
+            <a:pPr marL="457200" lvl="0" indent="-342900" algn="just" rtl="0">
               <a:spcBef>
                 <a:spcPts val="600"/>
               </a:spcBef>
@@ -8164,7 +8422,7 @@
             <a:endParaRPr sz="1800"/>
           </a:p>
           <a:p>
-            <a:pPr indent="-342900" lvl="0" marL="457200" rtl="0" algn="just">
+            <a:pPr marL="457200" lvl="0" indent="-342900" algn="just" rtl="0">
               <a:spcBef>
                 <a:spcPts val="1000"/>
               </a:spcBef>
@@ -8181,7 +8439,7 @@
             <a:endParaRPr sz="1800"/>
           </a:p>
           <a:p>
-            <a:pPr indent="-342900" lvl="0" marL="457200" rtl="0" algn="just">
+            <a:pPr marL="457200" lvl="0" indent="-342900" algn="just" rtl="0">
               <a:spcBef>
                 <a:spcPts val="1000"/>
               </a:spcBef>
@@ -8208,11 +8466,11 @@
 </file>
 
 <file path=ppt/slides/slide7.xml><?xml version="1.0" encoding="utf-8"?>
-<p:sld xmlns:a="http://schemas.openxmlformats.org/drawingml/2006/main" xmlns:r="http://schemas.openxmlformats.org/officeDocument/2006/relationships" xmlns:mc="http://schemas.openxmlformats.org/markup-compatibility/2006" xmlns:mv="urn:schemas-microsoft-com:mac:vml" xmlns:p="http://schemas.openxmlformats.org/presentationml/2006/main" xmlns:c="http://schemas.openxmlformats.org/drawingml/2006/chart" xmlns:dgm="http://schemas.openxmlformats.org/drawingml/2006/diagram" xmlns:o="urn:schemas-microsoft-com:office:office" xmlns:v="urn:schemas-microsoft-com:vml" xmlns:pvml="urn:schemas-microsoft-com:office:powerpoint" xmlns:com="http://schemas.openxmlformats.org/drawingml/2006/compatibility" xmlns:p14="http://schemas.microsoft.com/office/powerpoint/2010/main" xmlns:p15="http://schemas.microsoft.com/office/powerpoint/2012/main">
+<p:sld xmlns:a="http://schemas.openxmlformats.org/drawingml/2006/main" xmlns:r="http://schemas.openxmlformats.org/officeDocument/2006/relationships" xmlns:p="http://schemas.openxmlformats.org/presentationml/2006/main">
   <p:cSld>
     <p:spTree>
       <p:nvGrpSpPr>
-        <p:cNvPr id="117" name="Shape 117"/>
+        <p:cNvPr id="1" name="Shape 117"/>
         <p:cNvGrpSpPr/>
         <p:nvPr/>
       </p:nvGrpSpPr>
@@ -8227,7 +8485,9 @@
       <p:sp>
         <p:nvSpPr>
           <p:cNvPr id="118" name="Shape 118"/>
-          <p:cNvSpPr txBox="1"/>
+          <p:cNvSpPr txBox="1">
+            <a:spLocks noGrp="1"/>
+          </p:cNvSpPr>
           <p:nvPr>
             <p:ph type="title"/>
           </p:nvPr>
@@ -8242,12 +8502,12 @@
           </a:prstGeom>
         </p:spPr>
         <p:txBody>
-          <a:bodyPr anchorCtr="0" anchor="b" bIns="91425" lIns="91425" spcFirstLastPara="1" rIns="91425" wrap="square" tIns="91425">
+          <a:bodyPr spcFirstLastPara="1" wrap="square" lIns="91425" tIns="91425" rIns="91425" bIns="91425" anchor="b" anchorCtr="0">
             <a:noAutofit/>
           </a:bodyPr>
           <a:lstStyle/>
           <a:p>
-            <a:pPr indent="0" lvl="0" marL="0" rtl="0">
+            <a:pPr marL="0" lvl="0" indent="0" rtl="0">
               <a:spcBef>
                 <a:spcPts val="0"/>
               </a:spcBef>
@@ -8267,9 +8527,11 @@
       <p:sp>
         <p:nvSpPr>
           <p:cNvPr id="119" name="Shape 119"/>
-          <p:cNvSpPr txBox="1"/>
+          <p:cNvSpPr txBox="1">
+            <a:spLocks noGrp="1"/>
+          </p:cNvSpPr>
           <p:nvPr>
-            <p:ph idx="1" type="body"/>
+            <p:ph type="body" idx="1"/>
           </p:nvPr>
         </p:nvSpPr>
         <p:spPr>
@@ -8282,12 +8544,12 @@
           </a:prstGeom>
         </p:spPr>
         <p:txBody>
-          <a:bodyPr anchorCtr="0" anchor="t" bIns="91425" lIns="91425" spcFirstLastPara="1" rIns="91425" wrap="square" tIns="91425">
+          <a:bodyPr spcFirstLastPara="1" wrap="square" lIns="91425" tIns="91425" rIns="91425" bIns="91425" anchor="t" anchorCtr="0">
             <a:noAutofit/>
           </a:bodyPr>
           <a:lstStyle/>
           <a:p>
-            <a:pPr indent="-317500" lvl="0" marL="457200" rtl="0" algn="just">
+            <a:pPr marL="457200" lvl="0" indent="-317500" algn="just" rtl="0">
               <a:spcBef>
                 <a:spcPts val="600"/>
               </a:spcBef>
@@ -8299,20 +8561,12 @@
             </a:pPr>
             <a:r>
               <a:rPr lang="en" sz="1400"/>
-              <a:t>App </a:t>
-            </a:r>
-            <a:r>
-              <a:rPr lang="en" sz="1400"/>
-              <a:t>entirely</a:t>
-            </a:r>
-            <a:r>
-              <a:rPr lang="en" sz="1400"/>
-              <a:t> coded by Henri Keopraseuth, with the help of StackOverflow and others.</a:t>
+              <a:t>App entirely coded by Henri Keopraseuth, with the help of StackOverflow and others.</a:t>
             </a:r>
             <a:endParaRPr sz="1400"/>
           </a:p>
           <a:p>
-            <a:pPr indent="0" lvl="0" marL="0" rtl="0">
+            <a:pPr marL="0" lvl="0" indent="0" rtl="0">
               <a:spcBef>
                 <a:spcPts val="1000"/>
               </a:spcBef>
@@ -8321,9 +8575,6 @@
               </a:spcAft>
               <a:buNone/>
             </a:pPr>
-            <a:r>
-              <a:t/>
-            </a:r>
             <a:endParaRPr/>
           </a:p>
         </p:txBody>
@@ -8331,9 +8582,11 @@
       <p:sp>
         <p:nvSpPr>
           <p:cNvPr id="120" name="Shape 120"/>
-          <p:cNvSpPr txBox="1"/>
+          <p:cNvSpPr txBox="1">
+            <a:spLocks noGrp="1"/>
+          </p:cNvSpPr>
           <p:nvPr>
-            <p:ph idx="12" type="sldNum"/>
+            <p:ph type="sldNum" idx="12"/>
           </p:nvPr>
         </p:nvSpPr>
         <p:spPr>
@@ -8346,12 +8599,12 @@
           </a:prstGeom>
         </p:spPr>
         <p:txBody>
-          <a:bodyPr anchorCtr="0" anchor="t" bIns="91425" lIns="91425" spcFirstLastPara="1" rIns="91425" wrap="square" tIns="91425">
+          <a:bodyPr spcFirstLastPara="1" wrap="square" lIns="91425" tIns="91425" rIns="91425" bIns="91425" anchor="t" anchorCtr="0">
             <a:noAutofit/>
           </a:bodyPr>
           <a:lstStyle/>
           <a:p>
-            <a:pPr indent="0" lvl="0" marL="0" rtl="0">
+            <a:pPr marL="0" lvl="0" indent="0" rtl="0">
               <a:spcBef>
                 <a:spcPts val="0"/>
               </a:spcBef>
@@ -8362,7 +8615,16 @@
             </a:pPr>
             <a:fld id="{00000000-1234-1234-1234-123412341234}" type="slidenum">
               <a:rPr lang="en"/>
-              <a:t>‹#›</a:t>
+              <a:pPr marL="0" lvl="0" indent="0" rtl="0">
+                <a:spcBef>
+                  <a:spcPts val="0"/>
+                </a:spcBef>
+                <a:spcAft>
+                  <a:spcPts val="0"/>
+                </a:spcAft>
+                <a:buNone/>
+              </a:pPr>
+              <a:t>7</a:t>
             </a:fld>
             <a:endParaRPr/>
           </a:p>
@@ -8377,11 +8639,11 @@
 </file>
 
 <file path=ppt/slides/slide8.xml><?xml version="1.0" encoding="utf-8"?>
-<p:sld xmlns:a="http://schemas.openxmlformats.org/drawingml/2006/main" xmlns:r="http://schemas.openxmlformats.org/officeDocument/2006/relationships" xmlns:mc="http://schemas.openxmlformats.org/markup-compatibility/2006" xmlns:mv="urn:schemas-microsoft-com:mac:vml" xmlns:p="http://schemas.openxmlformats.org/presentationml/2006/main" xmlns:c="http://schemas.openxmlformats.org/drawingml/2006/chart" xmlns:dgm="http://schemas.openxmlformats.org/drawingml/2006/diagram" xmlns:o="urn:schemas-microsoft-com:office:office" xmlns:v="urn:schemas-microsoft-com:vml" xmlns:pvml="urn:schemas-microsoft-com:office:powerpoint" xmlns:com="http://schemas.openxmlformats.org/drawingml/2006/compatibility" xmlns:p14="http://schemas.microsoft.com/office/powerpoint/2010/main" xmlns:p15="http://schemas.microsoft.com/office/powerpoint/2012/main">
+<p:sld xmlns:a="http://schemas.openxmlformats.org/drawingml/2006/main" xmlns:r="http://schemas.openxmlformats.org/officeDocument/2006/relationships" xmlns:p="http://schemas.openxmlformats.org/presentationml/2006/main">
   <p:cSld>
     <p:spTree>
       <p:nvGrpSpPr>
-        <p:cNvPr id="124" name="Shape 124"/>
+        <p:cNvPr id="1" name="Shape 124"/>
         <p:cNvGrpSpPr/>
         <p:nvPr/>
       </p:nvGrpSpPr>
@@ -8396,7 +8658,9 @@
       <p:sp>
         <p:nvSpPr>
           <p:cNvPr id="125" name="Shape 125"/>
-          <p:cNvSpPr txBox="1"/>
+          <p:cNvSpPr txBox="1">
+            <a:spLocks noGrp="1"/>
+          </p:cNvSpPr>
           <p:nvPr>
             <p:ph type="title"/>
           </p:nvPr>
@@ -8411,12 +8675,12 @@
           </a:prstGeom>
         </p:spPr>
         <p:txBody>
-          <a:bodyPr anchorCtr="0" anchor="b" bIns="91425" lIns="91425" spcFirstLastPara="1" rIns="91425" wrap="square" tIns="91425">
+          <a:bodyPr spcFirstLastPara="1" wrap="square" lIns="91425" tIns="91425" rIns="91425" bIns="91425" anchor="b" anchorCtr="0">
             <a:noAutofit/>
           </a:bodyPr>
           <a:lstStyle/>
           <a:p>
-            <a:pPr indent="0" lvl="0" marL="0" rtl="0">
+            <a:pPr marL="0" lvl="0" indent="0" rtl="0">
               <a:spcBef>
                 <a:spcPts val="0"/>
               </a:spcBef>
@@ -8436,9 +8700,11 @@
       <p:sp>
         <p:nvSpPr>
           <p:cNvPr id="126" name="Shape 126"/>
-          <p:cNvSpPr txBox="1"/>
+          <p:cNvSpPr txBox="1">
+            <a:spLocks noGrp="1"/>
+          </p:cNvSpPr>
           <p:nvPr>
-            <p:ph idx="1" type="body"/>
+            <p:ph type="body" idx="1"/>
           </p:nvPr>
         </p:nvSpPr>
         <p:spPr>
@@ -8451,12 +8717,12 @@
           </a:prstGeom>
         </p:spPr>
         <p:txBody>
-          <a:bodyPr anchorCtr="0" anchor="t" bIns="91425" lIns="91425" spcFirstLastPara="1" rIns="91425" wrap="square" tIns="91425">
+          <a:bodyPr spcFirstLastPara="1" wrap="square" lIns="91425" tIns="91425" rIns="91425" bIns="91425" anchor="t" anchorCtr="0">
             <a:noAutofit/>
           </a:bodyPr>
           <a:lstStyle/>
           <a:p>
-            <a:pPr indent="-317500" lvl="0" marL="457200" rtl="0" algn="just">
+            <a:pPr marL="457200" lvl="0" indent="-317500" algn="just" rtl="0">
               <a:spcBef>
                 <a:spcPts val="600"/>
               </a:spcBef>
@@ -8473,7 +8739,7 @@
             <a:endParaRPr sz="1400"/>
           </a:p>
           <a:p>
-            <a:pPr indent="-317500" lvl="0" marL="457200" rtl="0" algn="just">
+            <a:pPr marL="457200" lvl="0" indent="-317500" algn="just" rtl="0">
               <a:spcBef>
                 <a:spcPts val="1000"/>
               </a:spcBef>
@@ -8490,7 +8756,7 @@
             <a:endParaRPr sz="1400"/>
           </a:p>
           <a:p>
-            <a:pPr indent="-317500" lvl="0" marL="457200" rtl="0" algn="just">
+            <a:pPr marL="457200" lvl="0" indent="-317500" algn="just" rtl="0">
               <a:spcBef>
                 <a:spcPts val="1000"/>
               </a:spcBef>
@@ -8507,7 +8773,7 @@
             <a:endParaRPr sz="1400"/>
           </a:p>
           <a:p>
-            <a:pPr indent="0" lvl="0" marL="0" rtl="0">
+            <a:pPr marL="0" lvl="0" indent="0" rtl="0">
               <a:spcBef>
                 <a:spcPts val="1000"/>
               </a:spcBef>
@@ -8516,9 +8782,6 @@
               </a:spcAft>
               <a:buNone/>
             </a:pPr>
-            <a:r>
-              <a:t/>
-            </a:r>
             <a:endParaRPr/>
           </a:p>
         </p:txBody>
@@ -8526,9 +8789,11 @@
       <p:sp>
         <p:nvSpPr>
           <p:cNvPr id="127" name="Shape 127"/>
-          <p:cNvSpPr txBox="1"/>
+          <p:cNvSpPr txBox="1">
+            <a:spLocks noGrp="1"/>
+          </p:cNvSpPr>
           <p:nvPr>
-            <p:ph idx="12" type="sldNum"/>
+            <p:ph type="sldNum" idx="12"/>
           </p:nvPr>
         </p:nvSpPr>
         <p:spPr>
@@ -8541,12 +8806,12 @@
           </a:prstGeom>
         </p:spPr>
         <p:txBody>
-          <a:bodyPr anchorCtr="0" anchor="t" bIns="91425" lIns="91425" spcFirstLastPara="1" rIns="91425" wrap="square" tIns="91425">
+          <a:bodyPr spcFirstLastPara="1" wrap="square" lIns="91425" tIns="91425" rIns="91425" bIns="91425" anchor="t" anchorCtr="0">
             <a:noAutofit/>
           </a:bodyPr>
           <a:lstStyle/>
           <a:p>
-            <a:pPr indent="0" lvl="0" marL="0" rtl="0">
+            <a:pPr marL="0" lvl="0" indent="0" rtl="0">
               <a:spcBef>
                 <a:spcPts val="0"/>
               </a:spcBef>
@@ -8557,7 +8822,16 @@
             </a:pPr>
             <a:fld id="{00000000-1234-1234-1234-123412341234}" type="slidenum">
               <a:rPr lang="en"/>
-              <a:t>‹#›</a:t>
+              <a:pPr marL="0" lvl="0" indent="0" rtl="0">
+                <a:spcBef>
+                  <a:spcPts val="0"/>
+                </a:spcBef>
+                <a:spcAft>
+                  <a:spcPts val="0"/>
+                </a:spcAft>
+                <a:buNone/>
+              </a:pPr>
+              <a:t>8</a:t>
             </a:fld>
             <a:endParaRPr/>
           </a:p>
@@ -8580,23 +8854,23 @@
           <a:solidFill>
             <a:srgbClr val="0091EA"/>
           </a:solidFill>
-          <a:ln cap="flat" cmpd="sng" w="9525">
+          <a:ln w="9525" cap="flat" cmpd="sng">
             <a:solidFill>
               <a:srgbClr val="0091EA"/>
             </a:solidFill>
             <a:prstDash val="solid"/>
             <a:round/>
-            <a:headEnd len="sm" w="sm" type="none"/>
-            <a:tailEnd len="sm" w="sm" type="none"/>
+            <a:headEnd type="none" w="sm" len="sm"/>
+            <a:tailEnd type="none" w="sm" len="sm"/>
           </a:ln>
         </p:spPr>
         <p:txBody>
-          <a:bodyPr anchorCtr="0" anchor="ctr" bIns="91425" lIns="91425" spcFirstLastPara="1" rIns="91425" wrap="square" tIns="91425">
+          <a:bodyPr spcFirstLastPara="1" wrap="square" lIns="91425" tIns="91425" rIns="91425" bIns="91425" anchor="ctr" anchorCtr="0">
             <a:noAutofit/>
           </a:bodyPr>
           <a:lstStyle/>
           <a:p>
-            <a:pPr indent="0" lvl="0" marL="0">
+            <a:pPr marL="0" lvl="0" indent="0">
               <a:spcBef>
                 <a:spcPts val="0"/>
               </a:spcBef>
@@ -8605,9 +8879,6 @@
               </a:spcAft>
               <a:buNone/>
             </a:pPr>
-            <a:r>
-              <a:t/>
-            </a:r>
             <a:endParaRPr/>
           </a:p>
         </p:txBody>
@@ -8632,12 +8903,12 @@
           </a:ln>
         </p:spPr>
         <p:txBody>
-          <a:bodyPr anchorCtr="0" anchor="t" bIns="91425" lIns="91425" spcFirstLastPara="1" rIns="91425" wrap="square" tIns="91425">
+          <a:bodyPr spcFirstLastPara="1" wrap="square" lIns="91425" tIns="91425" rIns="91425" bIns="91425" anchor="t" anchorCtr="0">
             <a:noAutofit/>
           </a:bodyPr>
           <a:lstStyle/>
           <a:p>
-            <a:pPr indent="0" lvl="0" marL="0" rtl="0" algn="ctr">
+            <a:pPr marL="0" lvl="0" indent="0" algn="ctr" rtl="0">
               <a:spcBef>
                 <a:spcPts val="0"/>
               </a:spcBef>
@@ -8669,7 +8940,7 @@
             </a:endParaRPr>
           </a:p>
           <a:p>
-            <a:pPr indent="0" lvl="0" marL="0" rtl="0" algn="ctr">
+            <a:pPr marL="0" lvl="0" indent="0" algn="ctr" rtl="0">
               <a:spcBef>
                 <a:spcPts val="0"/>
               </a:spcBef>
@@ -8719,23 +8990,23 @@
           <a:solidFill>
             <a:srgbClr val="0091EA"/>
           </a:solidFill>
-          <a:ln cap="flat" cmpd="sng" w="9525">
+          <a:ln w="9525" cap="flat" cmpd="sng">
             <a:solidFill>
               <a:srgbClr val="0091EA"/>
             </a:solidFill>
             <a:prstDash val="solid"/>
             <a:round/>
-            <a:headEnd len="sm" w="sm" type="none"/>
-            <a:tailEnd len="sm" w="sm" type="none"/>
+            <a:headEnd type="none" w="sm" len="sm"/>
+            <a:tailEnd type="none" w="sm" len="sm"/>
           </a:ln>
         </p:spPr>
         <p:txBody>
-          <a:bodyPr anchorCtr="0" anchor="ctr" bIns="91425" lIns="91425" spcFirstLastPara="1" rIns="91425" wrap="square" tIns="91425">
+          <a:bodyPr spcFirstLastPara="1" wrap="square" lIns="91425" tIns="91425" rIns="91425" bIns="91425" anchor="ctr" anchorCtr="0">
             <a:noAutofit/>
           </a:bodyPr>
           <a:lstStyle/>
           <a:p>
-            <a:pPr indent="0" lvl="0" marL="0">
+            <a:pPr marL="0" lvl="0" indent="0">
               <a:spcBef>
                 <a:spcPts val="0"/>
               </a:spcBef>
@@ -8744,9 +9015,6 @@
               </a:spcAft>
               <a:buNone/>
             </a:pPr>
-            <a:r>
-              <a:t/>
-            </a:r>
             <a:endParaRPr/>
           </a:p>
         </p:txBody>
@@ -8771,12 +9039,12 @@
           </a:ln>
         </p:spPr>
         <p:txBody>
-          <a:bodyPr anchorCtr="0" anchor="t" bIns="91425" lIns="91425" spcFirstLastPara="1" rIns="91425" wrap="square" tIns="91425">
+          <a:bodyPr spcFirstLastPara="1" wrap="square" lIns="91425" tIns="91425" rIns="91425" bIns="91425" anchor="t" anchorCtr="0">
             <a:noAutofit/>
           </a:bodyPr>
           <a:lstStyle/>
           <a:p>
-            <a:pPr indent="0" lvl="0" marL="0" rtl="0" algn="ctr">
+            <a:pPr marL="0" lvl="0" indent="0" algn="ctr" rtl="0">
               <a:spcBef>
                 <a:spcPts val="0"/>
               </a:spcBef>
@@ -8795,19 +9063,7 @@
                 <a:cs typeface="Source Sans Pro"/>
                 <a:sym typeface="Source Sans Pro"/>
               </a:rPr>
-              <a:t>04</a:t>
-            </a:r>
-            <a:r>
-              <a:rPr lang="en">
-                <a:solidFill>
-                  <a:srgbClr val="0091EA"/>
-                </a:solidFill>
-                <a:latin typeface="Source Sans Pro"/>
-                <a:ea typeface="Source Sans Pro"/>
-                <a:cs typeface="Source Sans Pro"/>
-                <a:sym typeface="Source Sans Pro"/>
-              </a:rPr>
-              <a:t>.04</a:t>
+              <a:t>04.04</a:t>
             </a:r>
             <a:endParaRPr>
               <a:solidFill>
@@ -8820,7 +9076,7 @@
             </a:endParaRPr>
           </a:p>
           <a:p>
-            <a:pPr indent="0" lvl="0" marL="0" rtl="0" algn="ctr">
+            <a:pPr marL="0" lvl="0" indent="0" algn="ctr" rtl="0">
               <a:spcBef>
                 <a:spcPts val="0"/>
               </a:spcBef>
@@ -8870,23 +9126,23 @@
           <a:solidFill>
             <a:srgbClr val="0091EA"/>
           </a:solidFill>
-          <a:ln cap="flat" cmpd="sng" w="9525">
+          <a:ln w="9525" cap="flat" cmpd="sng">
             <a:solidFill>
               <a:srgbClr val="0091EA"/>
             </a:solidFill>
             <a:prstDash val="solid"/>
             <a:round/>
-            <a:headEnd len="sm" w="sm" type="none"/>
-            <a:tailEnd len="sm" w="sm" type="none"/>
+            <a:headEnd type="none" w="sm" len="sm"/>
+            <a:tailEnd type="none" w="sm" len="sm"/>
           </a:ln>
         </p:spPr>
         <p:txBody>
-          <a:bodyPr anchorCtr="0" anchor="ctr" bIns="91425" lIns="91425" spcFirstLastPara="1" rIns="91425" wrap="square" tIns="91425">
+          <a:bodyPr spcFirstLastPara="1" wrap="square" lIns="91425" tIns="91425" rIns="91425" bIns="91425" anchor="ctr" anchorCtr="0">
             <a:noAutofit/>
           </a:bodyPr>
           <a:lstStyle/>
           <a:p>
-            <a:pPr indent="0" lvl="0" marL="0">
+            <a:pPr marL="0" lvl="0" indent="0">
               <a:spcBef>
                 <a:spcPts val="0"/>
               </a:spcBef>
@@ -8895,9 +9151,6 @@
               </a:spcAft>
               <a:buNone/>
             </a:pPr>
-            <a:r>
-              <a:t/>
-            </a:r>
             <a:endParaRPr/>
           </a:p>
         </p:txBody>
@@ -8922,12 +9175,12 @@
           </a:ln>
         </p:spPr>
         <p:txBody>
-          <a:bodyPr anchorCtr="0" anchor="t" bIns="91425" lIns="91425" spcFirstLastPara="1" rIns="91425" wrap="square" tIns="91425">
+          <a:bodyPr spcFirstLastPara="1" wrap="square" lIns="91425" tIns="91425" rIns="91425" bIns="91425" anchor="t" anchorCtr="0">
             <a:noAutofit/>
           </a:bodyPr>
           <a:lstStyle/>
           <a:p>
-            <a:pPr indent="0" lvl="0" marL="0" rtl="0" algn="ctr">
+            <a:pPr marL="0" lvl="0" indent="0" algn="ctr" rtl="0">
               <a:spcBef>
                 <a:spcPts val="0"/>
               </a:spcBef>
@@ -8946,19 +9199,7 @@
                 <a:cs typeface="Source Sans Pro"/>
                 <a:sym typeface="Source Sans Pro"/>
               </a:rPr>
-              <a:t>(30</a:t>
-            </a:r>
-            <a:r>
-              <a:rPr lang="en">
-                <a:solidFill>
-                  <a:srgbClr val="0091EA"/>
-                </a:solidFill>
-                <a:latin typeface="Source Sans Pro"/>
-                <a:ea typeface="Source Sans Pro"/>
-                <a:cs typeface="Source Sans Pro"/>
-                <a:sym typeface="Source Sans Pro"/>
-              </a:rPr>
-              <a:t>.05)</a:t>
+              <a:t>(30.05)</a:t>
             </a:r>
             <a:endParaRPr>
               <a:solidFill>
@@ -8971,7 +9212,7 @@
             </a:endParaRPr>
           </a:p>
           <a:p>
-            <a:pPr indent="0" lvl="0" marL="0" rtl="0" algn="ctr">
+            <a:pPr marL="0" lvl="0" indent="0" algn="ctr" rtl="0">
               <a:spcBef>
                 <a:spcPts val="0"/>
               </a:spcBef>
@@ -9013,7 +9254,7 @@
           <p:nvPr/>
         </p:nvCxnSpPr>
         <p:spPr>
-          <a:xfrm flipH="1" rot="10800000">
+          <a:xfrm rot="10800000" flipH="1">
             <a:off x="1569225" y="4064725"/>
             <a:ext cx="1508400" cy="2100"/>
           </a:xfrm>
@@ -9021,14 +9262,14 @@
             <a:avLst/>
           </a:prstGeom>
           <a:noFill/>
-          <a:ln cap="flat" cmpd="sng" w="9525">
+          <a:ln w="9525" cap="flat" cmpd="sng">
             <a:solidFill>
               <a:srgbClr val="0091EA"/>
             </a:solidFill>
             <a:prstDash val="solid"/>
             <a:round/>
-            <a:headEnd len="med" w="med" type="none"/>
-            <a:tailEnd len="med" w="med" type="none"/>
+            <a:headEnd type="none" w="med" len="med"/>
+            <a:tailEnd type="none" w="med" len="med"/>
           </a:ln>
         </p:spPr>
       </p:cxnSp>
@@ -9050,14 +9291,14 @@
             <a:avLst/>
           </a:prstGeom>
           <a:noFill/>
-          <a:ln cap="flat" cmpd="sng" w="9525">
+          <a:ln w="9525" cap="flat" cmpd="sng">
             <a:solidFill>
               <a:srgbClr val="0091EA"/>
             </a:solidFill>
             <a:prstDash val="solid"/>
             <a:round/>
-            <a:headEnd len="med" w="med" type="none"/>
-            <a:tailEnd len="med" w="med" type="none"/>
+            <a:headEnd type="none" w="med" len="med"/>
+            <a:tailEnd type="none" w="med" len="med"/>
           </a:ln>
         </p:spPr>
       </p:cxnSp>
@@ -9076,23 +9317,23 @@
             <a:avLst/>
           </a:prstGeom>
           <a:noFill/>
-          <a:ln cap="flat" cmpd="sng" w="9525">
+          <a:ln w="9525" cap="flat" cmpd="sng">
             <a:solidFill>
               <a:srgbClr val="0091EA"/>
             </a:solidFill>
             <a:prstDash val="solid"/>
             <a:round/>
-            <a:headEnd len="sm" w="sm" type="none"/>
-            <a:tailEnd len="sm" w="sm" type="none"/>
+            <a:headEnd type="none" w="sm" len="sm"/>
+            <a:tailEnd type="none" w="sm" len="sm"/>
           </a:ln>
         </p:spPr>
         <p:txBody>
-          <a:bodyPr anchorCtr="0" anchor="ctr" bIns="91425" lIns="91425" spcFirstLastPara="1" rIns="91425" wrap="square" tIns="91425">
+          <a:bodyPr spcFirstLastPara="1" wrap="square" lIns="91425" tIns="91425" rIns="91425" bIns="91425" anchor="ctr" anchorCtr="0">
             <a:noAutofit/>
           </a:bodyPr>
           <a:lstStyle/>
           <a:p>
-            <a:pPr indent="0" lvl="0" marL="0">
+            <a:pPr marL="0" lvl="0" indent="0">
               <a:spcBef>
                 <a:spcPts val="0"/>
               </a:spcBef>
@@ -9101,9 +9342,6 @@
               </a:spcAft>
               <a:buNone/>
             </a:pPr>
-            <a:r>
-              <a:t/>
-            </a:r>
             <a:endParaRPr/>
           </a:p>
         </p:txBody>
@@ -9128,12 +9366,12 @@
           </a:ln>
         </p:spPr>
         <p:txBody>
-          <a:bodyPr anchorCtr="0" anchor="t" bIns="91425" lIns="91425" spcFirstLastPara="1" rIns="91425" wrap="square" tIns="91425">
+          <a:bodyPr spcFirstLastPara="1" wrap="square" lIns="91425" tIns="91425" rIns="91425" bIns="91425" anchor="t" anchorCtr="0">
             <a:noAutofit/>
           </a:bodyPr>
           <a:lstStyle/>
           <a:p>
-            <a:pPr indent="0" lvl="0" marL="0" rtl="0" algn="ctr">
+            <a:pPr marL="0" lvl="0" indent="0" algn="ctr" rtl="0">
               <a:spcBef>
                 <a:spcPts val="0"/>
               </a:spcBef>
@@ -9165,7 +9403,7 @@
             </a:endParaRPr>
           </a:p>
           <a:p>
-            <a:pPr indent="0" lvl="0" marL="0" rtl="0" algn="ctr">
+            <a:pPr marL="0" lvl="0" indent="0" algn="ctr" rtl="0">
               <a:spcBef>
                 <a:spcPts val="0"/>
               </a:spcBef>
@@ -9215,14 +9453,14 @@
             <a:avLst/>
           </a:prstGeom>
           <a:noFill/>
-          <a:ln cap="flat" cmpd="sng" w="9525">
+          <a:ln w="9525" cap="flat" cmpd="sng">
             <a:solidFill>
               <a:srgbClr val="0091EA"/>
             </a:solidFill>
             <a:prstDash val="dot"/>
             <a:round/>
-            <a:headEnd len="med" w="med" type="none"/>
-            <a:tailEnd len="med" w="med" type="none"/>
+            <a:headEnd type="none" w="med" len="med"/>
+            <a:tailEnd type="none" w="med" len="med"/>
           </a:ln>
         </p:spPr>
       </p:cxnSp>
@@ -9235,11 +9473,11 @@
 </file>
 
 <file path=ppt/slides/slide9.xml><?xml version="1.0" encoding="utf-8"?>
-<p:sld xmlns:a="http://schemas.openxmlformats.org/drawingml/2006/main" xmlns:r="http://schemas.openxmlformats.org/officeDocument/2006/relationships" xmlns:mc="http://schemas.openxmlformats.org/markup-compatibility/2006" xmlns:mv="urn:schemas-microsoft-com:mac:vml" xmlns:p="http://schemas.openxmlformats.org/presentationml/2006/main" xmlns:c="http://schemas.openxmlformats.org/drawingml/2006/chart" xmlns:dgm="http://schemas.openxmlformats.org/drawingml/2006/diagram" xmlns:o="urn:schemas-microsoft-com:office:office" xmlns:v="urn:schemas-microsoft-com:vml" xmlns:pvml="urn:schemas-microsoft-com:office:powerpoint" xmlns:com="http://schemas.openxmlformats.org/drawingml/2006/compatibility" xmlns:p14="http://schemas.microsoft.com/office/powerpoint/2010/main" xmlns:p15="http://schemas.microsoft.com/office/powerpoint/2012/main">
+<p:sld xmlns:a="http://schemas.openxmlformats.org/drawingml/2006/main" xmlns:r="http://schemas.openxmlformats.org/officeDocument/2006/relationships" xmlns:p="http://schemas.openxmlformats.org/presentationml/2006/main">
   <p:cSld>
     <p:spTree>
       <p:nvGrpSpPr>
-        <p:cNvPr id="142" name="Shape 142"/>
+        <p:cNvPr id="1" name="Shape 142"/>
         <p:cNvGrpSpPr/>
         <p:nvPr/>
       </p:nvGrpSpPr>
@@ -9254,9 +9492,11 @@
       <p:sp>
         <p:nvSpPr>
           <p:cNvPr id="143" name="Shape 143"/>
-          <p:cNvSpPr txBox="1"/>
+          <p:cNvSpPr txBox="1">
+            <a:spLocks noGrp="1"/>
+          </p:cNvSpPr>
           <p:nvPr>
-            <p:ph idx="4294967295" type="ctrTitle"/>
+            <p:ph type="ctrTitle" idx="4294967295"/>
           </p:nvPr>
         </p:nvSpPr>
         <p:spPr>
@@ -9269,12 +9509,12 @@
           </a:prstGeom>
         </p:spPr>
         <p:txBody>
-          <a:bodyPr anchorCtr="0" anchor="b" bIns="91425" lIns="91425" spcFirstLastPara="1" rIns="91425" wrap="square" tIns="91425">
+          <a:bodyPr spcFirstLastPara="1" wrap="square" lIns="91425" tIns="91425" rIns="91425" bIns="91425" anchor="b" anchorCtr="0">
             <a:noAutofit/>
           </a:bodyPr>
           <a:lstStyle/>
           <a:p>
-            <a:pPr indent="0" lvl="0" marL="0" rtl="0">
+            <a:pPr marL="0" lvl="0" indent="0" rtl="0">
               <a:spcBef>
                 <a:spcPts val="0"/>
               </a:spcBef>
@@ -9284,19 +9524,21 @@
               <a:buNone/>
             </a:pPr>
             <a:r>
-              <a:rPr b="1" lang="en" sz="6000"/>
+              <a:rPr lang="en" sz="6000" b="1"/>
               <a:t>Thanks!</a:t>
             </a:r>
-            <a:endParaRPr b="1" sz="6000"/>
+            <a:endParaRPr sz="6000" b="1"/>
           </a:p>
         </p:txBody>
       </p:sp>
       <p:sp>
         <p:nvSpPr>
           <p:cNvPr id="144" name="Shape 144"/>
-          <p:cNvSpPr txBox="1"/>
+          <p:cNvSpPr txBox="1">
+            <a:spLocks noGrp="1"/>
+          </p:cNvSpPr>
           <p:nvPr>
-            <p:ph idx="4294967295" type="subTitle"/>
+            <p:ph type="subTitle" idx="4294967295"/>
           </p:nvPr>
         </p:nvSpPr>
         <p:spPr>
@@ -9309,12 +9551,12 @@
           </a:prstGeom>
         </p:spPr>
         <p:txBody>
-          <a:bodyPr anchorCtr="0" anchor="t" bIns="91425" lIns="91425" spcFirstLastPara="1" rIns="91425" wrap="square" tIns="91425">
+          <a:bodyPr spcFirstLastPara="1" wrap="square" lIns="91425" tIns="91425" rIns="91425" bIns="91425" anchor="t" anchorCtr="0">
             <a:noAutofit/>
           </a:bodyPr>
           <a:lstStyle/>
           <a:p>
-            <a:pPr indent="0" lvl="0" marL="0" rtl="0">
+            <a:pPr marL="0" lvl="0" indent="0" rtl="0">
               <a:spcBef>
                 <a:spcPts val="600"/>
               </a:spcBef>
@@ -9324,19 +9566,21 @@
               <a:buNone/>
             </a:pPr>
             <a:r>
-              <a:rPr b="1" lang="en" sz="3600"/>
+              <a:rPr lang="en" sz="3600" b="1"/>
               <a:t>Any questions?</a:t>
             </a:r>
-            <a:endParaRPr b="1" sz="3600"/>
+            <a:endParaRPr sz="3600" b="1"/>
           </a:p>
         </p:txBody>
       </p:sp>
       <p:sp>
         <p:nvSpPr>
           <p:cNvPr id="145" name="Shape 145"/>
-          <p:cNvSpPr txBox="1"/>
+          <p:cNvSpPr txBox="1">
+            <a:spLocks noGrp="1"/>
+          </p:cNvSpPr>
           <p:nvPr>
-            <p:ph idx="12" type="sldNum"/>
+            <p:ph type="sldNum" idx="12"/>
           </p:nvPr>
         </p:nvSpPr>
         <p:spPr>
@@ -9349,12 +9593,12 @@
           </a:prstGeom>
         </p:spPr>
         <p:txBody>
-          <a:bodyPr anchorCtr="0" anchor="t" bIns="91425" lIns="91425" spcFirstLastPara="1" rIns="91425" wrap="square" tIns="91425">
+          <a:bodyPr spcFirstLastPara="1" wrap="square" lIns="91425" tIns="91425" rIns="91425" bIns="91425" anchor="t" anchorCtr="0">
             <a:noAutofit/>
           </a:bodyPr>
           <a:lstStyle/>
           <a:p>
-            <a:pPr indent="0" lvl="0" marL="0" rtl="0">
+            <a:pPr marL="0" lvl="0" indent="0" rtl="0">
               <a:spcBef>
                 <a:spcPts val="0"/>
               </a:spcBef>
@@ -9365,7 +9609,16 @@
             </a:pPr>
             <a:fld id="{00000000-1234-1234-1234-123412341234}" type="slidenum">
               <a:rPr lang="en"/>
-              <a:t>‹#›</a:t>
+              <a:pPr marL="0" lvl="0" indent="0" rtl="0">
+                <a:spcBef>
+                  <a:spcPts val="0"/>
+                </a:spcBef>
+                <a:spcAft>
+                  <a:spcPts val="0"/>
+                </a:spcAft>
+                <a:buNone/>
+              </a:pPr>
+              <a:t>9</a:t>
             </a:fld>
             <a:endParaRPr/>
           </a:p>
@@ -9380,7 +9633,288 @@
 </file>
 
 <file path=ppt/theme/theme1.xml><?xml version="1.0" encoding="utf-8"?>
-<a:theme xmlns:a="http://schemas.openxmlformats.org/drawingml/2006/main" xmlns:r="http://schemas.openxmlformats.org/officeDocument/2006/relationships">
+<a:theme xmlns:a="http://schemas.openxmlformats.org/drawingml/2006/main" name="Cordelia template">
+  <a:themeElements>
+    <a:clrScheme name="Custom 347">
+      <a:dk1>
+        <a:srgbClr val="000000"/>
+      </a:dk1>
+      <a:lt1>
+        <a:srgbClr val="FFFFFF"/>
+      </a:lt1>
+      <a:dk2>
+        <a:srgbClr val="666666"/>
+      </a:dk2>
+      <a:lt2>
+        <a:srgbClr val="CCCCCC"/>
+      </a:lt2>
+      <a:accent1>
+        <a:srgbClr val="3A81BA"/>
+      </a:accent1>
+      <a:accent2>
+        <a:srgbClr val="D89F39"/>
+      </a:accent2>
+      <a:accent3>
+        <a:srgbClr val="8BAB42"/>
+      </a:accent3>
+      <a:accent4>
+        <a:srgbClr val="57A7B5"/>
+      </a:accent4>
+      <a:accent5>
+        <a:srgbClr val="8B81D2"/>
+      </a:accent5>
+      <a:accent6>
+        <a:srgbClr val="963334"/>
+      </a:accent6>
+      <a:hlink>
+        <a:srgbClr val="1155CC"/>
+      </a:hlink>
+      <a:folHlink>
+        <a:srgbClr val="6611CC"/>
+      </a:folHlink>
+    </a:clrScheme>
+    <a:fontScheme name="Office">
+      <a:majorFont>
+        <a:latin typeface="Arial"/>
+        <a:ea typeface=""/>
+        <a:cs typeface=""/>
+        <a:font script="Jpan" typeface="ＭＳ Ｐゴシック"/>
+        <a:font script="Hang" typeface="맑은 고딕"/>
+        <a:font script="Hans" typeface="宋体"/>
+        <a:font script="Hant" typeface="新細明體"/>
+        <a:font script="Arab" typeface="Times New Roman"/>
+        <a:font script="Hebr" typeface="Times New Roman"/>
+        <a:font script="Thai" typeface="Angsana New"/>
+        <a:font script="Ethi" typeface="Nyala"/>
+        <a:font script="Beng" typeface="Vrinda"/>
+        <a:font script="Gujr" typeface="Shruti"/>
+        <a:font script="Khmr" typeface="MoolBoran"/>
+        <a:font script="Knda" typeface="Tunga"/>
+        <a:font script="Guru" typeface="Raavi"/>
+        <a:font script="Cans" typeface="Euphemia"/>
+        <a:font script="Cher" typeface="Plantagenet Cherokee"/>
+        <a:font script="Yiii" typeface="Microsoft Yi Baiti"/>
+        <a:font script="Tibt" typeface="Microsoft Himalaya"/>
+        <a:font script="Thaa" typeface="MV Boli"/>
+        <a:font script="Deva" typeface="Mangal"/>
+        <a:font script="Telu" typeface="Gautami"/>
+        <a:font script="Taml" typeface="Latha"/>
+        <a:font script="Syrc" typeface="Estrangelo Edessa"/>
+        <a:font script="Orya" typeface="Kalinga"/>
+        <a:font script="Mlym" typeface="Kartika"/>
+        <a:font script="Laoo" typeface="DokChampa"/>
+        <a:font script="Sinh" typeface="Iskoola Pota"/>
+        <a:font script="Mong" typeface="Mongolian Baiti"/>
+        <a:font script="Viet" typeface="Times New Roman"/>
+        <a:font script="Uigh" typeface="Microsoft Uighur"/>
+        <a:font script="Geor" typeface="Sylfaen"/>
+      </a:majorFont>
+      <a:minorFont>
+        <a:latin typeface="Arial"/>
+        <a:ea typeface=""/>
+        <a:cs typeface=""/>
+        <a:font script="Jpan" typeface="ＭＳ Ｐゴシック"/>
+        <a:font script="Hang" typeface="맑은 고딕"/>
+        <a:font script="Hans" typeface="宋体"/>
+        <a:font script="Hant" typeface="新細明體"/>
+        <a:font script="Arab" typeface="Arial"/>
+        <a:font script="Hebr" typeface="Arial"/>
+        <a:font script="Thai" typeface="Cordia New"/>
+        <a:font script="Ethi" typeface="Nyala"/>
+        <a:font script="Beng" typeface="Vrinda"/>
+        <a:font script="Gujr" typeface="Shruti"/>
+        <a:font script="Khmr" typeface="DaunPenh"/>
+        <a:font script="Knda" typeface="Tunga"/>
+        <a:font script="Guru" typeface="Raavi"/>
+        <a:font script="Cans" typeface="Euphemia"/>
+        <a:font script="Cher" typeface="Plantagenet Cherokee"/>
+        <a:font script="Yiii" typeface="Microsoft Yi Baiti"/>
+        <a:font script="Tibt" typeface="Microsoft Himalaya"/>
+        <a:font script="Thaa" typeface="MV Boli"/>
+        <a:font script="Deva" typeface="Mangal"/>
+        <a:font script="Telu" typeface="Gautami"/>
+        <a:font script="Taml" typeface="Latha"/>
+        <a:font script="Syrc" typeface="Estrangelo Edessa"/>
+        <a:font script="Orya" typeface="Kalinga"/>
+        <a:font script="Mlym" typeface="Kartika"/>
+        <a:font script="Laoo" typeface="DokChampa"/>
+        <a:font script="Sinh" typeface="Iskoola Pota"/>
+        <a:font script="Mong" typeface="Mongolian Baiti"/>
+        <a:font script="Viet" typeface="Arial"/>
+        <a:font script="Uigh" typeface="Microsoft Uighur"/>
+        <a:font script="Geor" typeface="Sylfaen"/>
+      </a:minorFont>
+    </a:fontScheme>
+    <a:fmtScheme name="Office">
+      <a:fillStyleLst>
+        <a:solidFill>
+          <a:schemeClr val="phClr"/>
+        </a:solidFill>
+        <a:gradFill rotWithShape="1">
+          <a:gsLst>
+            <a:gs pos="0">
+              <a:schemeClr val="phClr">
+                <a:tint val="50000"/>
+                <a:satMod val="300000"/>
+              </a:schemeClr>
+            </a:gs>
+            <a:gs pos="35000">
+              <a:schemeClr val="phClr">
+                <a:tint val="37000"/>
+                <a:satMod val="300000"/>
+              </a:schemeClr>
+            </a:gs>
+            <a:gs pos="100000">
+              <a:schemeClr val="phClr">
+                <a:tint val="15000"/>
+                <a:satMod val="350000"/>
+              </a:schemeClr>
+            </a:gs>
+          </a:gsLst>
+          <a:lin ang="16200000" scaled="1"/>
+        </a:gradFill>
+        <a:gradFill rotWithShape="1">
+          <a:gsLst>
+            <a:gs pos="0">
+              <a:schemeClr val="phClr">
+                <a:tint val="100000"/>
+                <a:shade val="100000"/>
+                <a:satMod val="130000"/>
+              </a:schemeClr>
+            </a:gs>
+            <a:gs pos="100000">
+              <a:schemeClr val="phClr">
+                <a:tint val="50000"/>
+                <a:shade val="100000"/>
+                <a:satMod val="350000"/>
+              </a:schemeClr>
+            </a:gs>
+          </a:gsLst>
+          <a:lin ang="16200000" scaled="0"/>
+        </a:gradFill>
+      </a:fillStyleLst>
+      <a:lnStyleLst>
+        <a:ln w="9525" cap="flat" cmpd="sng" algn="ctr">
+          <a:solidFill>
+            <a:schemeClr val="phClr">
+              <a:shade val="95000"/>
+              <a:satMod val="105000"/>
+            </a:schemeClr>
+          </a:solidFill>
+          <a:prstDash val="solid"/>
+        </a:ln>
+        <a:ln w="25400" cap="flat" cmpd="sng" algn="ctr">
+          <a:solidFill>
+            <a:schemeClr val="phClr"/>
+          </a:solidFill>
+          <a:prstDash val="solid"/>
+        </a:ln>
+        <a:ln w="38100" cap="flat" cmpd="sng" algn="ctr">
+          <a:solidFill>
+            <a:schemeClr val="phClr"/>
+          </a:solidFill>
+          <a:prstDash val="solid"/>
+        </a:ln>
+      </a:lnStyleLst>
+      <a:effectStyleLst>
+        <a:effectStyle>
+          <a:effectLst>
+            <a:outerShdw blurRad="40000" dist="20000" dir="5400000" rotWithShape="0">
+              <a:srgbClr val="000000">
+                <a:alpha val="38000"/>
+              </a:srgbClr>
+            </a:outerShdw>
+          </a:effectLst>
+        </a:effectStyle>
+        <a:effectStyle>
+          <a:effectLst>
+            <a:outerShdw blurRad="40000" dist="23000" dir="5400000" rotWithShape="0">
+              <a:srgbClr val="000000">
+                <a:alpha val="35000"/>
+              </a:srgbClr>
+            </a:outerShdw>
+          </a:effectLst>
+        </a:effectStyle>
+        <a:effectStyle>
+          <a:effectLst>
+            <a:outerShdw blurRad="40000" dist="23000" dir="5400000" rotWithShape="0">
+              <a:srgbClr val="000000">
+                <a:alpha val="35000"/>
+              </a:srgbClr>
+            </a:outerShdw>
+          </a:effectLst>
+          <a:scene3d>
+            <a:camera prst="orthographicFront">
+              <a:rot lat="0" lon="0" rev="0"/>
+            </a:camera>
+            <a:lightRig rig="threePt" dir="t">
+              <a:rot lat="0" lon="0" rev="1200000"/>
+            </a:lightRig>
+          </a:scene3d>
+          <a:sp3d>
+            <a:bevelT w="63500" h="25400"/>
+          </a:sp3d>
+        </a:effectStyle>
+      </a:effectStyleLst>
+      <a:bgFillStyleLst>
+        <a:solidFill>
+          <a:schemeClr val="phClr"/>
+        </a:solidFill>
+        <a:gradFill rotWithShape="1">
+          <a:gsLst>
+            <a:gs pos="0">
+              <a:schemeClr val="phClr">
+                <a:tint val="40000"/>
+                <a:satMod val="350000"/>
+              </a:schemeClr>
+            </a:gs>
+            <a:gs pos="40000">
+              <a:schemeClr val="phClr">
+                <a:tint val="45000"/>
+                <a:shade val="99000"/>
+                <a:satMod val="350000"/>
+              </a:schemeClr>
+            </a:gs>
+            <a:gs pos="100000">
+              <a:schemeClr val="phClr">
+                <a:shade val="20000"/>
+                <a:satMod val="255000"/>
+              </a:schemeClr>
+            </a:gs>
+          </a:gsLst>
+          <a:path path="circle">
+            <a:fillToRect l="50000" t="-80000" r="50000" b="180000"/>
+          </a:path>
+        </a:gradFill>
+        <a:gradFill rotWithShape="1">
+          <a:gsLst>
+            <a:gs pos="0">
+              <a:schemeClr val="phClr">
+                <a:tint val="80000"/>
+                <a:satMod val="300000"/>
+              </a:schemeClr>
+            </a:gs>
+            <a:gs pos="100000">
+              <a:schemeClr val="phClr">
+                <a:shade val="30000"/>
+                <a:satMod val="200000"/>
+              </a:schemeClr>
+            </a:gs>
+          </a:gsLst>
+          <a:path path="circle">
+            <a:fillToRect l="50000" t="50000" r="50000" b="50000"/>
+          </a:path>
+        </a:gradFill>
+      </a:bgFillStyleLst>
+    </a:fmtScheme>
+  </a:themeElements>
+  <a:objectDefaults/>
+  <a:extraClrSchemeLst/>
+</a:theme>
+</file>
+
+<file path=ppt/theme/theme2.xml><?xml version="1.0" encoding="utf-8"?>
+<a:theme xmlns:a="http://schemas.openxmlformats.org/drawingml/2006/main">
   <a:themeElements>
     <a:clrScheme name="Default">
       <a:dk1>
@@ -9655,284 +10189,7 @@
       </a:bgFillStyleLst>
     </a:fmtScheme>
   </a:themeElements>
-</a:theme>
-</file>
-
-<file path=ppt/theme/theme2.xml><?xml version="1.0" encoding="utf-8"?>
-<a:theme xmlns:a="http://schemas.openxmlformats.org/drawingml/2006/main" xmlns:r="http://schemas.openxmlformats.org/officeDocument/2006/relationships" name="Cordelia template">
-  <a:themeElements>
-    <a:clrScheme name="Custom 347">
-      <a:dk1>
-        <a:srgbClr val="000000"/>
-      </a:dk1>
-      <a:lt1>
-        <a:srgbClr val="FFFFFF"/>
-      </a:lt1>
-      <a:dk2>
-        <a:srgbClr val="666666"/>
-      </a:dk2>
-      <a:lt2>
-        <a:srgbClr val="CCCCCC"/>
-      </a:lt2>
-      <a:accent1>
-        <a:srgbClr val="3A81BA"/>
-      </a:accent1>
-      <a:accent2>
-        <a:srgbClr val="D89F39"/>
-      </a:accent2>
-      <a:accent3>
-        <a:srgbClr val="8BAB42"/>
-      </a:accent3>
-      <a:accent4>
-        <a:srgbClr val="57A7B5"/>
-      </a:accent4>
-      <a:accent5>
-        <a:srgbClr val="8B81D2"/>
-      </a:accent5>
-      <a:accent6>
-        <a:srgbClr val="963334"/>
-      </a:accent6>
-      <a:hlink>
-        <a:srgbClr val="1155CC"/>
-      </a:hlink>
-      <a:folHlink>
-        <a:srgbClr val="6611CC"/>
-      </a:folHlink>
-    </a:clrScheme>
-    <a:fontScheme name="Office">
-      <a:majorFont>
-        <a:latin typeface="Arial"/>
-        <a:ea typeface=""/>
-        <a:cs typeface=""/>
-        <a:font script="Jpan" typeface="ＭＳ Ｐゴシック"/>
-        <a:font script="Hang" typeface="맑은 고딕"/>
-        <a:font script="Hans" typeface="宋体"/>
-        <a:font script="Hant" typeface="新細明體"/>
-        <a:font script="Arab" typeface="Times New Roman"/>
-        <a:font script="Hebr" typeface="Times New Roman"/>
-        <a:font script="Thai" typeface="Angsana New"/>
-        <a:font script="Ethi" typeface="Nyala"/>
-        <a:font script="Beng" typeface="Vrinda"/>
-        <a:font script="Gujr" typeface="Shruti"/>
-        <a:font script="Khmr" typeface="MoolBoran"/>
-        <a:font script="Knda" typeface="Tunga"/>
-        <a:font script="Guru" typeface="Raavi"/>
-        <a:font script="Cans" typeface="Euphemia"/>
-        <a:font script="Cher" typeface="Plantagenet Cherokee"/>
-        <a:font script="Yiii" typeface="Microsoft Yi Baiti"/>
-        <a:font script="Tibt" typeface="Microsoft Himalaya"/>
-        <a:font script="Thaa" typeface="MV Boli"/>
-        <a:font script="Deva" typeface="Mangal"/>
-        <a:font script="Telu" typeface="Gautami"/>
-        <a:font script="Taml" typeface="Latha"/>
-        <a:font script="Syrc" typeface="Estrangelo Edessa"/>
-        <a:font script="Orya" typeface="Kalinga"/>
-        <a:font script="Mlym" typeface="Kartika"/>
-        <a:font script="Laoo" typeface="DokChampa"/>
-        <a:font script="Sinh" typeface="Iskoola Pota"/>
-        <a:font script="Mong" typeface="Mongolian Baiti"/>
-        <a:font script="Viet" typeface="Times New Roman"/>
-        <a:font script="Uigh" typeface="Microsoft Uighur"/>
-        <a:font script="Geor" typeface="Sylfaen"/>
-      </a:majorFont>
-      <a:minorFont>
-        <a:latin typeface="Arial"/>
-        <a:ea typeface=""/>
-        <a:cs typeface=""/>
-        <a:font script="Jpan" typeface="ＭＳ Ｐゴシック"/>
-        <a:font script="Hang" typeface="맑은 고딕"/>
-        <a:font script="Hans" typeface="宋体"/>
-        <a:font script="Hant" typeface="新細明體"/>
-        <a:font script="Arab" typeface="Arial"/>
-        <a:font script="Hebr" typeface="Arial"/>
-        <a:font script="Thai" typeface="Cordia New"/>
-        <a:font script="Ethi" typeface="Nyala"/>
-        <a:font script="Beng" typeface="Vrinda"/>
-        <a:font script="Gujr" typeface="Shruti"/>
-        <a:font script="Khmr" typeface="DaunPenh"/>
-        <a:font script="Knda" typeface="Tunga"/>
-        <a:font script="Guru" typeface="Raavi"/>
-        <a:font script="Cans" typeface="Euphemia"/>
-        <a:font script="Cher" typeface="Plantagenet Cherokee"/>
-        <a:font script="Yiii" typeface="Microsoft Yi Baiti"/>
-        <a:font script="Tibt" typeface="Microsoft Himalaya"/>
-        <a:font script="Thaa" typeface="MV Boli"/>
-        <a:font script="Deva" typeface="Mangal"/>
-        <a:font script="Telu" typeface="Gautami"/>
-        <a:font script="Taml" typeface="Latha"/>
-        <a:font script="Syrc" typeface="Estrangelo Edessa"/>
-        <a:font script="Orya" typeface="Kalinga"/>
-        <a:font script="Mlym" typeface="Kartika"/>
-        <a:font script="Laoo" typeface="DokChampa"/>
-        <a:font script="Sinh" typeface="Iskoola Pota"/>
-        <a:font script="Mong" typeface="Mongolian Baiti"/>
-        <a:font script="Viet" typeface="Arial"/>
-        <a:font script="Uigh" typeface="Microsoft Uighur"/>
-        <a:font script="Geor" typeface="Sylfaen"/>
-      </a:minorFont>
-    </a:fontScheme>
-    <a:fmtScheme name="Office">
-      <a:fillStyleLst>
-        <a:solidFill>
-          <a:schemeClr val="phClr"/>
-        </a:solidFill>
-        <a:gradFill rotWithShape="1">
-          <a:gsLst>
-            <a:gs pos="0">
-              <a:schemeClr val="phClr">
-                <a:tint val="50000"/>
-                <a:satMod val="300000"/>
-              </a:schemeClr>
-            </a:gs>
-            <a:gs pos="35000">
-              <a:schemeClr val="phClr">
-                <a:tint val="37000"/>
-                <a:satMod val="300000"/>
-              </a:schemeClr>
-            </a:gs>
-            <a:gs pos="100000">
-              <a:schemeClr val="phClr">
-                <a:tint val="15000"/>
-                <a:satMod val="350000"/>
-              </a:schemeClr>
-            </a:gs>
-          </a:gsLst>
-          <a:lin ang="16200000" scaled="1"/>
-        </a:gradFill>
-        <a:gradFill rotWithShape="1">
-          <a:gsLst>
-            <a:gs pos="0">
-              <a:schemeClr val="phClr">
-                <a:tint val="100000"/>
-                <a:shade val="100000"/>
-                <a:satMod val="130000"/>
-              </a:schemeClr>
-            </a:gs>
-            <a:gs pos="100000">
-              <a:schemeClr val="phClr">
-                <a:tint val="50000"/>
-                <a:shade val="100000"/>
-                <a:satMod val="350000"/>
-              </a:schemeClr>
-            </a:gs>
-          </a:gsLst>
-          <a:lin ang="16200000" scaled="0"/>
-        </a:gradFill>
-      </a:fillStyleLst>
-      <a:lnStyleLst>
-        <a:ln w="9525" cap="flat" cmpd="sng" algn="ctr">
-          <a:solidFill>
-            <a:schemeClr val="phClr">
-              <a:shade val="95000"/>
-              <a:satMod val="105000"/>
-            </a:schemeClr>
-          </a:solidFill>
-          <a:prstDash val="solid"/>
-        </a:ln>
-        <a:ln w="25400" cap="flat" cmpd="sng" algn="ctr">
-          <a:solidFill>
-            <a:schemeClr val="phClr"/>
-          </a:solidFill>
-          <a:prstDash val="solid"/>
-        </a:ln>
-        <a:ln w="38100" cap="flat" cmpd="sng" algn="ctr">
-          <a:solidFill>
-            <a:schemeClr val="phClr"/>
-          </a:solidFill>
-          <a:prstDash val="solid"/>
-        </a:ln>
-      </a:lnStyleLst>
-      <a:effectStyleLst>
-        <a:effectStyle>
-          <a:effectLst>
-            <a:outerShdw blurRad="40000" dist="20000" dir="5400000" rotWithShape="0">
-              <a:srgbClr val="000000">
-                <a:alpha val="38000"/>
-              </a:srgbClr>
-            </a:outerShdw>
-          </a:effectLst>
-        </a:effectStyle>
-        <a:effectStyle>
-          <a:effectLst>
-            <a:outerShdw blurRad="40000" dist="23000" dir="5400000" rotWithShape="0">
-              <a:srgbClr val="000000">
-                <a:alpha val="35000"/>
-              </a:srgbClr>
-            </a:outerShdw>
-          </a:effectLst>
-        </a:effectStyle>
-        <a:effectStyle>
-          <a:effectLst>
-            <a:outerShdw blurRad="40000" dist="23000" dir="5400000" rotWithShape="0">
-              <a:srgbClr val="000000">
-                <a:alpha val="35000"/>
-              </a:srgbClr>
-            </a:outerShdw>
-          </a:effectLst>
-          <a:scene3d>
-            <a:camera prst="orthographicFront">
-              <a:rot lat="0" lon="0" rev="0"/>
-            </a:camera>
-            <a:lightRig rig="threePt" dir="t">
-              <a:rot lat="0" lon="0" rev="1200000"/>
-            </a:lightRig>
-          </a:scene3d>
-          <a:sp3d>
-            <a:bevelT w="63500" h="25400"/>
-          </a:sp3d>
-        </a:effectStyle>
-      </a:effectStyleLst>
-      <a:bgFillStyleLst>
-        <a:solidFill>
-          <a:schemeClr val="phClr"/>
-        </a:solidFill>
-        <a:gradFill rotWithShape="1">
-          <a:gsLst>
-            <a:gs pos="0">
-              <a:schemeClr val="phClr">
-                <a:tint val="40000"/>
-                <a:satMod val="350000"/>
-              </a:schemeClr>
-            </a:gs>
-            <a:gs pos="40000">
-              <a:schemeClr val="phClr">
-                <a:tint val="45000"/>
-                <a:shade val="99000"/>
-                <a:satMod val="350000"/>
-              </a:schemeClr>
-            </a:gs>
-            <a:gs pos="100000">
-              <a:schemeClr val="phClr">
-                <a:shade val="20000"/>
-                <a:satMod val="255000"/>
-              </a:schemeClr>
-            </a:gs>
-          </a:gsLst>
-          <a:path path="circle">
-            <a:fillToRect l="50000" t="-80000" r="50000" b="180000"/>
-          </a:path>
-        </a:gradFill>
-        <a:gradFill rotWithShape="1">
-          <a:gsLst>
-            <a:gs pos="0">
-              <a:schemeClr val="phClr">
-                <a:tint val="80000"/>
-                <a:satMod val="300000"/>
-              </a:schemeClr>
-            </a:gs>
-            <a:gs pos="100000">
-              <a:schemeClr val="phClr">
-                <a:shade val="30000"/>
-                <a:satMod val="200000"/>
-              </a:schemeClr>
-            </a:gs>
-          </a:gsLst>
-          <a:path path="circle">
-            <a:fillToRect l="50000" t="50000" r="50000" b="50000"/>
-          </a:path>
-        </a:gradFill>
-      </a:bgFillStyleLst>
-    </a:fmtScheme>
-  </a:themeElements>
+  <a:objectDefaults/>
+  <a:extraClrSchemeLst/>
 </a:theme>
 </file>